--- a/99.ppt/[Ch4-8. 결제 서비스 기능확장.pptx
+++ b/99.ppt/[Ch4-8. 결제 서비스 기능확장.pptx
@@ -5,15 +5,24 @@
     <p:sldMasterId id="2147483665" r:id="rId1"/>
   </p:sldMasterIdLst>
   <p:notesMasterIdLst>
-    <p:notesMasterId r:id="rId8"/>
+    <p:notesMasterId r:id="rId17"/>
   </p:notesMasterIdLst>
   <p:sldIdLst>
-    <p:sldId id="256" r:id="rId2"/>
+    <p:sldId id="364" r:id="rId2"/>
     <p:sldId id="332" r:id="rId3"/>
-    <p:sldId id="361" r:id="rId4"/>
-    <p:sldId id="363" r:id="rId5"/>
-    <p:sldId id="315" r:id="rId6"/>
-    <p:sldId id="362" r:id="rId7"/>
+    <p:sldId id="372" r:id="rId4"/>
+    <p:sldId id="371" r:id="rId5"/>
+    <p:sldId id="365" r:id="rId6"/>
+    <p:sldId id="366" r:id="rId7"/>
+    <p:sldId id="367" r:id="rId8"/>
+    <p:sldId id="361" r:id="rId9"/>
+    <p:sldId id="368" r:id="rId10"/>
+    <p:sldId id="373" r:id="rId11"/>
+    <p:sldId id="374" r:id="rId12"/>
+    <p:sldId id="369" r:id="rId13"/>
+    <p:sldId id="375" r:id="rId14"/>
+    <p:sldId id="370" r:id="rId15"/>
+    <p:sldId id="376" r:id="rId16"/>
   </p:sldIdLst>
   <p:sldSz cx="9144000" cy="5143500" type="screen16x9"/>
   <p:notesSz cx="6858000" cy="9144000"/>
@@ -216,7 +225,7 @@
           <a:p>
             <a:fld id="{9B770909-2C76-4DF9-BB76-4EE283593418}" type="datetimeFigureOut">
               <a:rPr lang="ko-KR" altLang="en-US" smtClean="0"/>
-              <a:t>2023-10-18</a:t>
+              <a:t>2023-10-23</a:t>
             </a:fld>
             <a:endParaRPr lang="ko-KR" altLang="en-US"/>
           </a:p>
@@ -557,7 +566,511 @@
     </p:spTree>
     <p:extLst>
       <p:ext uri="{BB962C8B-B14F-4D97-AF65-F5344CB8AC3E}">
-        <p14:creationId xmlns:p14="http://schemas.microsoft.com/office/powerpoint/2010/main" val="1559666580"/>
+        <p14:creationId xmlns:p14="http://schemas.microsoft.com/office/powerpoint/2010/main" val="3794441700"/>
+      </p:ext>
+    </p:extLst>
+  </p:cSld>
+  <p:clrMapOvr>
+    <a:masterClrMapping/>
+  </p:clrMapOvr>
+</p:notes>
+</file>
+
+<file path=ppt/notesSlides/notesSlide10.xml><?xml version="1.0" encoding="utf-8"?>
+<p:notes xmlns:a="http://schemas.openxmlformats.org/drawingml/2006/main" xmlns:r="http://schemas.openxmlformats.org/officeDocument/2006/relationships" xmlns:p="http://schemas.openxmlformats.org/presentationml/2006/main">
+  <p:cSld>
+    <p:spTree>
+      <p:nvGrpSpPr>
+        <p:cNvPr id="1" name=""/>
+        <p:cNvGrpSpPr/>
+        <p:nvPr/>
+      </p:nvGrpSpPr>
+      <p:grpSpPr>
+        <a:xfrm>
+          <a:off x="0" y="0"/>
+          <a:ext cx="0" cy="0"/>
+          <a:chOff x="0" y="0"/>
+          <a:chExt cx="0" cy="0"/>
+        </a:xfrm>
+      </p:grpSpPr>
+      <p:sp>
+        <p:nvSpPr>
+          <p:cNvPr id="2" name="슬라이드 이미지 개체 틀 1"/>
+          <p:cNvSpPr>
+            <a:spLocks noGrp="1" noRot="1" noChangeAspect="1"/>
+          </p:cNvSpPr>
+          <p:nvPr>
+            <p:ph type="sldImg"/>
+          </p:nvPr>
+        </p:nvSpPr>
+        <p:spPr/>
+      </p:sp>
+      <p:sp>
+        <p:nvSpPr>
+          <p:cNvPr id="3" name="슬라이드 노트 개체 틀 2"/>
+          <p:cNvSpPr>
+            <a:spLocks noGrp="1"/>
+          </p:cNvSpPr>
+          <p:nvPr>
+            <p:ph type="body" idx="1"/>
+          </p:nvPr>
+        </p:nvSpPr>
+        <p:spPr/>
+        <p:txBody>
+          <a:bodyPr/>
+          <a:lstStyle/>
+          <a:p>
+            <a:endParaRPr lang="en-US" altLang="ko-KR" dirty="0"/>
+          </a:p>
+        </p:txBody>
+      </p:sp>
+      <p:sp>
+        <p:nvSpPr>
+          <p:cNvPr id="4" name="슬라이드 번호 개체 틀 3"/>
+          <p:cNvSpPr>
+            <a:spLocks noGrp="1"/>
+          </p:cNvSpPr>
+          <p:nvPr>
+            <p:ph type="sldNum" sz="quarter" idx="5"/>
+          </p:nvPr>
+        </p:nvSpPr>
+        <p:spPr/>
+        <p:txBody>
+          <a:bodyPr/>
+          <a:lstStyle/>
+          <a:p>
+            <a:fld id="{4F243B46-72FF-4656-838A-691B9EB329E3}" type="slidenum">
+              <a:rPr lang="ko-KR" altLang="en-US" smtClean="0"/>
+              <a:t>10</a:t>
+            </a:fld>
+            <a:endParaRPr lang="ko-KR" altLang="en-US"/>
+          </a:p>
+        </p:txBody>
+      </p:sp>
+    </p:spTree>
+    <p:extLst>
+      <p:ext uri="{BB962C8B-B14F-4D97-AF65-F5344CB8AC3E}">
+        <p14:creationId xmlns:p14="http://schemas.microsoft.com/office/powerpoint/2010/main" val="1963610643"/>
+      </p:ext>
+    </p:extLst>
+  </p:cSld>
+  <p:clrMapOvr>
+    <a:masterClrMapping/>
+  </p:clrMapOvr>
+</p:notes>
+</file>
+
+<file path=ppt/notesSlides/notesSlide11.xml><?xml version="1.0" encoding="utf-8"?>
+<p:notes xmlns:a="http://schemas.openxmlformats.org/drawingml/2006/main" xmlns:r="http://schemas.openxmlformats.org/officeDocument/2006/relationships" xmlns:p="http://schemas.openxmlformats.org/presentationml/2006/main">
+  <p:cSld>
+    <p:spTree>
+      <p:nvGrpSpPr>
+        <p:cNvPr id="1" name=""/>
+        <p:cNvGrpSpPr/>
+        <p:nvPr/>
+      </p:nvGrpSpPr>
+      <p:grpSpPr>
+        <a:xfrm>
+          <a:off x="0" y="0"/>
+          <a:ext cx="0" cy="0"/>
+          <a:chOff x="0" y="0"/>
+          <a:chExt cx="0" cy="0"/>
+        </a:xfrm>
+      </p:grpSpPr>
+      <p:sp>
+        <p:nvSpPr>
+          <p:cNvPr id="2" name="슬라이드 이미지 개체 틀 1"/>
+          <p:cNvSpPr>
+            <a:spLocks noGrp="1" noRot="1" noChangeAspect="1"/>
+          </p:cNvSpPr>
+          <p:nvPr>
+            <p:ph type="sldImg"/>
+          </p:nvPr>
+        </p:nvSpPr>
+        <p:spPr/>
+      </p:sp>
+      <p:sp>
+        <p:nvSpPr>
+          <p:cNvPr id="3" name="슬라이드 노트 개체 틀 2"/>
+          <p:cNvSpPr>
+            <a:spLocks noGrp="1"/>
+          </p:cNvSpPr>
+          <p:nvPr>
+            <p:ph type="body" idx="1"/>
+          </p:nvPr>
+        </p:nvSpPr>
+        <p:spPr/>
+        <p:txBody>
+          <a:bodyPr/>
+          <a:lstStyle/>
+          <a:p>
+            <a:endParaRPr lang="en-US" altLang="ko-KR" dirty="0"/>
+          </a:p>
+        </p:txBody>
+      </p:sp>
+      <p:sp>
+        <p:nvSpPr>
+          <p:cNvPr id="4" name="슬라이드 번호 개체 틀 3"/>
+          <p:cNvSpPr>
+            <a:spLocks noGrp="1"/>
+          </p:cNvSpPr>
+          <p:nvPr>
+            <p:ph type="sldNum" sz="quarter" idx="5"/>
+          </p:nvPr>
+        </p:nvSpPr>
+        <p:spPr/>
+        <p:txBody>
+          <a:bodyPr/>
+          <a:lstStyle/>
+          <a:p>
+            <a:fld id="{4F243B46-72FF-4656-838A-691B9EB329E3}" type="slidenum">
+              <a:rPr lang="ko-KR" altLang="en-US" smtClean="0"/>
+              <a:t>11</a:t>
+            </a:fld>
+            <a:endParaRPr lang="ko-KR" altLang="en-US"/>
+          </a:p>
+        </p:txBody>
+      </p:sp>
+    </p:spTree>
+    <p:extLst>
+      <p:ext uri="{BB962C8B-B14F-4D97-AF65-F5344CB8AC3E}">
+        <p14:creationId xmlns:p14="http://schemas.microsoft.com/office/powerpoint/2010/main" val="2005714677"/>
+      </p:ext>
+    </p:extLst>
+  </p:cSld>
+  <p:clrMapOvr>
+    <a:masterClrMapping/>
+  </p:clrMapOvr>
+</p:notes>
+</file>
+
+<file path=ppt/notesSlides/notesSlide12.xml><?xml version="1.0" encoding="utf-8"?>
+<p:notes xmlns:a="http://schemas.openxmlformats.org/drawingml/2006/main" xmlns:r="http://schemas.openxmlformats.org/officeDocument/2006/relationships" xmlns:p="http://schemas.openxmlformats.org/presentationml/2006/main">
+  <p:cSld>
+    <p:spTree>
+      <p:nvGrpSpPr>
+        <p:cNvPr id="1" name=""/>
+        <p:cNvGrpSpPr/>
+        <p:nvPr/>
+      </p:nvGrpSpPr>
+      <p:grpSpPr>
+        <a:xfrm>
+          <a:off x="0" y="0"/>
+          <a:ext cx="0" cy="0"/>
+          <a:chOff x="0" y="0"/>
+          <a:chExt cx="0" cy="0"/>
+        </a:xfrm>
+      </p:grpSpPr>
+      <p:sp>
+        <p:nvSpPr>
+          <p:cNvPr id="2" name="슬라이드 이미지 개체 틀 1"/>
+          <p:cNvSpPr>
+            <a:spLocks noGrp="1" noRot="1" noChangeAspect="1"/>
+          </p:cNvSpPr>
+          <p:nvPr>
+            <p:ph type="sldImg"/>
+          </p:nvPr>
+        </p:nvSpPr>
+        <p:spPr/>
+      </p:sp>
+      <p:sp>
+        <p:nvSpPr>
+          <p:cNvPr id="3" name="슬라이드 노트 개체 틀 2"/>
+          <p:cNvSpPr>
+            <a:spLocks noGrp="1"/>
+          </p:cNvSpPr>
+          <p:nvPr>
+            <p:ph type="body" idx="1"/>
+          </p:nvPr>
+        </p:nvSpPr>
+        <p:spPr/>
+        <p:txBody>
+          <a:bodyPr/>
+          <a:lstStyle/>
+          <a:p>
+            <a:endParaRPr lang="en-US" altLang="ko-KR" dirty="0"/>
+          </a:p>
+        </p:txBody>
+      </p:sp>
+      <p:sp>
+        <p:nvSpPr>
+          <p:cNvPr id="4" name="슬라이드 번호 개체 틀 3"/>
+          <p:cNvSpPr>
+            <a:spLocks noGrp="1"/>
+          </p:cNvSpPr>
+          <p:nvPr>
+            <p:ph type="sldNum" sz="quarter" idx="5"/>
+          </p:nvPr>
+        </p:nvSpPr>
+        <p:spPr/>
+        <p:txBody>
+          <a:bodyPr/>
+          <a:lstStyle/>
+          <a:p>
+            <a:fld id="{4F243B46-72FF-4656-838A-691B9EB329E3}" type="slidenum">
+              <a:rPr lang="ko-KR" altLang="en-US" smtClean="0"/>
+              <a:t>12</a:t>
+            </a:fld>
+            <a:endParaRPr lang="ko-KR" altLang="en-US"/>
+          </a:p>
+        </p:txBody>
+      </p:sp>
+    </p:spTree>
+    <p:extLst>
+      <p:ext uri="{BB962C8B-B14F-4D97-AF65-F5344CB8AC3E}">
+        <p14:creationId xmlns:p14="http://schemas.microsoft.com/office/powerpoint/2010/main" val="3042993509"/>
+      </p:ext>
+    </p:extLst>
+  </p:cSld>
+  <p:clrMapOvr>
+    <a:masterClrMapping/>
+  </p:clrMapOvr>
+</p:notes>
+</file>
+
+<file path=ppt/notesSlides/notesSlide13.xml><?xml version="1.0" encoding="utf-8"?>
+<p:notes xmlns:a="http://schemas.openxmlformats.org/drawingml/2006/main" xmlns:r="http://schemas.openxmlformats.org/officeDocument/2006/relationships" xmlns:p="http://schemas.openxmlformats.org/presentationml/2006/main">
+  <p:cSld>
+    <p:spTree>
+      <p:nvGrpSpPr>
+        <p:cNvPr id="1" name=""/>
+        <p:cNvGrpSpPr/>
+        <p:nvPr/>
+      </p:nvGrpSpPr>
+      <p:grpSpPr>
+        <a:xfrm>
+          <a:off x="0" y="0"/>
+          <a:ext cx="0" cy="0"/>
+          <a:chOff x="0" y="0"/>
+          <a:chExt cx="0" cy="0"/>
+        </a:xfrm>
+      </p:grpSpPr>
+      <p:sp>
+        <p:nvSpPr>
+          <p:cNvPr id="2" name="슬라이드 이미지 개체 틀 1"/>
+          <p:cNvSpPr>
+            <a:spLocks noGrp="1" noRot="1" noChangeAspect="1"/>
+          </p:cNvSpPr>
+          <p:nvPr>
+            <p:ph type="sldImg"/>
+          </p:nvPr>
+        </p:nvSpPr>
+        <p:spPr/>
+      </p:sp>
+      <p:sp>
+        <p:nvSpPr>
+          <p:cNvPr id="3" name="슬라이드 노트 개체 틀 2"/>
+          <p:cNvSpPr>
+            <a:spLocks noGrp="1"/>
+          </p:cNvSpPr>
+          <p:nvPr>
+            <p:ph type="body" idx="1"/>
+          </p:nvPr>
+        </p:nvSpPr>
+        <p:spPr/>
+        <p:txBody>
+          <a:bodyPr/>
+          <a:lstStyle/>
+          <a:p>
+            <a:endParaRPr lang="en-US" altLang="ko-KR" dirty="0"/>
+          </a:p>
+        </p:txBody>
+      </p:sp>
+      <p:sp>
+        <p:nvSpPr>
+          <p:cNvPr id="4" name="슬라이드 번호 개체 틀 3"/>
+          <p:cNvSpPr>
+            <a:spLocks noGrp="1"/>
+          </p:cNvSpPr>
+          <p:nvPr>
+            <p:ph type="sldNum" sz="quarter" idx="5"/>
+          </p:nvPr>
+        </p:nvSpPr>
+        <p:spPr/>
+        <p:txBody>
+          <a:bodyPr/>
+          <a:lstStyle/>
+          <a:p>
+            <a:fld id="{4F243B46-72FF-4656-838A-691B9EB329E3}" type="slidenum">
+              <a:rPr lang="ko-KR" altLang="en-US" smtClean="0"/>
+              <a:t>13</a:t>
+            </a:fld>
+            <a:endParaRPr lang="ko-KR" altLang="en-US"/>
+          </a:p>
+        </p:txBody>
+      </p:sp>
+    </p:spTree>
+    <p:extLst>
+      <p:ext uri="{BB962C8B-B14F-4D97-AF65-F5344CB8AC3E}">
+        <p14:creationId xmlns:p14="http://schemas.microsoft.com/office/powerpoint/2010/main" val="1734904515"/>
+      </p:ext>
+    </p:extLst>
+  </p:cSld>
+  <p:clrMapOvr>
+    <a:masterClrMapping/>
+  </p:clrMapOvr>
+</p:notes>
+</file>
+
+<file path=ppt/notesSlides/notesSlide14.xml><?xml version="1.0" encoding="utf-8"?>
+<p:notes xmlns:a="http://schemas.openxmlformats.org/drawingml/2006/main" xmlns:r="http://schemas.openxmlformats.org/officeDocument/2006/relationships" xmlns:p="http://schemas.openxmlformats.org/presentationml/2006/main">
+  <p:cSld>
+    <p:spTree>
+      <p:nvGrpSpPr>
+        <p:cNvPr id="1" name=""/>
+        <p:cNvGrpSpPr/>
+        <p:nvPr/>
+      </p:nvGrpSpPr>
+      <p:grpSpPr>
+        <a:xfrm>
+          <a:off x="0" y="0"/>
+          <a:ext cx="0" cy="0"/>
+          <a:chOff x="0" y="0"/>
+          <a:chExt cx="0" cy="0"/>
+        </a:xfrm>
+      </p:grpSpPr>
+      <p:sp>
+        <p:nvSpPr>
+          <p:cNvPr id="2" name="슬라이드 이미지 개체 틀 1"/>
+          <p:cNvSpPr>
+            <a:spLocks noGrp="1" noRot="1" noChangeAspect="1"/>
+          </p:cNvSpPr>
+          <p:nvPr>
+            <p:ph type="sldImg"/>
+          </p:nvPr>
+        </p:nvSpPr>
+        <p:spPr/>
+      </p:sp>
+      <p:sp>
+        <p:nvSpPr>
+          <p:cNvPr id="3" name="슬라이드 노트 개체 틀 2"/>
+          <p:cNvSpPr>
+            <a:spLocks noGrp="1"/>
+          </p:cNvSpPr>
+          <p:nvPr>
+            <p:ph type="body" idx="1"/>
+          </p:nvPr>
+        </p:nvSpPr>
+        <p:spPr/>
+        <p:txBody>
+          <a:bodyPr/>
+          <a:lstStyle/>
+          <a:p>
+            <a:endParaRPr lang="en-US" altLang="ko-KR" dirty="0"/>
+          </a:p>
+        </p:txBody>
+      </p:sp>
+      <p:sp>
+        <p:nvSpPr>
+          <p:cNvPr id="4" name="슬라이드 번호 개체 틀 3"/>
+          <p:cNvSpPr>
+            <a:spLocks noGrp="1"/>
+          </p:cNvSpPr>
+          <p:nvPr>
+            <p:ph type="sldNum" sz="quarter" idx="5"/>
+          </p:nvPr>
+        </p:nvSpPr>
+        <p:spPr/>
+        <p:txBody>
+          <a:bodyPr/>
+          <a:lstStyle/>
+          <a:p>
+            <a:fld id="{4F243B46-72FF-4656-838A-691B9EB329E3}" type="slidenum">
+              <a:rPr lang="ko-KR" altLang="en-US" smtClean="0"/>
+              <a:t>14</a:t>
+            </a:fld>
+            <a:endParaRPr lang="ko-KR" altLang="en-US"/>
+          </a:p>
+        </p:txBody>
+      </p:sp>
+    </p:spTree>
+    <p:extLst>
+      <p:ext uri="{BB962C8B-B14F-4D97-AF65-F5344CB8AC3E}">
+        <p14:creationId xmlns:p14="http://schemas.microsoft.com/office/powerpoint/2010/main" val="2772249961"/>
+      </p:ext>
+    </p:extLst>
+  </p:cSld>
+  <p:clrMapOvr>
+    <a:masterClrMapping/>
+  </p:clrMapOvr>
+</p:notes>
+</file>
+
+<file path=ppt/notesSlides/notesSlide15.xml><?xml version="1.0" encoding="utf-8"?>
+<p:notes xmlns:a="http://schemas.openxmlformats.org/drawingml/2006/main" xmlns:r="http://schemas.openxmlformats.org/officeDocument/2006/relationships" xmlns:p="http://schemas.openxmlformats.org/presentationml/2006/main">
+  <p:cSld>
+    <p:spTree>
+      <p:nvGrpSpPr>
+        <p:cNvPr id="1" name=""/>
+        <p:cNvGrpSpPr/>
+        <p:nvPr/>
+      </p:nvGrpSpPr>
+      <p:grpSpPr>
+        <a:xfrm>
+          <a:off x="0" y="0"/>
+          <a:ext cx="0" cy="0"/>
+          <a:chOff x="0" y="0"/>
+          <a:chExt cx="0" cy="0"/>
+        </a:xfrm>
+      </p:grpSpPr>
+      <p:sp>
+        <p:nvSpPr>
+          <p:cNvPr id="2" name="슬라이드 이미지 개체 틀 1"/>
+          <p:cNvSpPr>
+            <a:spLocks noGrp="1" noRot="1" noChangeAspect="1"/>
+          </p:cNvSpPr>
+          <p:nvPr>
+            <p:ph type="sldImg"/>
+          </p:nvPr>
+        </p:nvSpPr>
+        <p:spPr/>
+      </p:sp>
+      <p:sp>
+        <p:nvSpPr>
+          <p:cNvPr id="3" name="슬라이드 노트 개체 틀 2"/>
+          <p:cNvSpPr>
+            <a:spLocks noGrp="1"/>
+          </p:cNvSpPr>
+          <p:nvPr>
+            <p:ph type="body" idx="1"/>
+          </p:nvPr>
+        </p:nvSpPr>
+        <p:spPr/>
+        <p:txBody>
+          <a:bodyPr/>
+          <a:lstStyle/>
+          <a:p>
+            <a:endParaRPr lang="en-US" altLang="ko-KR" dirty="0"/>
+          </a:p>
+        </p:txBody>
+      </p:sp>
+      <p:sp>
+        <p:nvSpPr>
+          <p:cNvPr id="4" name="슬라이드 번호 개체 틀 3"/>
+          <p:cNvSpPr>
+            <a:spLocks noGrp="1"/>
+          </p:cNvSpPr>
+          <p:nvPr>
+            <p:ph type="sldNum" sz="quarter" idx="5"/>
+          </p:nvPr>
+        </p:nvSpPr>
+        <p:spPr/>
+        <p:txBody>
+          <a:bodyPr/>
+          <a:lstStyle/>
+          <a:p>
+            <a:fld id="{4F243B46-72FF-4656-838A-691B9EB329E3}" type="slidenum">
+              <a:rPr lang="ko-KR" altLang="en-US" smtClean="0"/>
+              <a:t>15</a:t>
+            </a:fld>
+            <a:endParaRPr lang="ko-KR" altLang="en-US"/>
+          </a:p>
+        </p:txBody>
+      </p:sp>
+    </p:spTree>
+    <p:extLst>
+      <p:ext uri="{BB962C8B-B14F-4D97-AF65-F5344CB8AC3E}">
+        <p14:creationId xmlns:p14="http://schemas.microsoft.com/office/powerpoint/2010/main" val="2891790890"/>
       </p:ext>
     </p:extLst>
   </p:cSld>
@@ -611,6 +1124,53 @@
           <a:bodyPr/>
           <a:lstStyle/>
           <a:p>
+            <a:r>
+              <a:rPr lang="en-US" altLang="ko-KR" dirty="0"/>
+              <a:t>SDLC (</a:t>
+            </a:r>
+            <a:r>
+              <a:rPr lang="ko-KR" altLang="en-US" dirty="0"/>
+              <a:t>소프트웨어 개발 라이프사이클</a:t>
+            </a:r>
+            <a:r>
+              <a:rPr lang="en-US" altLang="ko-KR" dirty="0"/>
+              <a:t>)</a:t>
+            </a:r>
+          </a:p>
+          <a:p>
+            <a:endParaRPr lang="en-US" altLang="ko-KR" dirty="0"/>
+          </a:p>
+          <a:p>
+            <a:r>
+              <a:rPr lang="en-US" altLang="ko-KR" dirty="0"/>
+              <a:t>ISO 12207</a:t>
+            </a:r>
+          </a:p>
+          <a:p>
+            <a:r>
+              <a:rPr lang="en-US" altLang="ko-KR" dirty="0"/>
+              <a:t>- 23</a:t>
+            </a:r>
+            <a:r>
+              <a:rPr lang="ko-KR" altLang="en-US" dirty="0"/>
+              <a:t>개 프로세스</a:t>
+            </a:r>
+            <a:r>
+              <a:rPr lang="en-US" altLang="ko-KR" dirty="0"/>
+              <a:t>, 95</a:t>
+            </a:r>
+            <a:r>
+              <a:rPr lang="ko-KR" altLang="en-US" dirty="0"/>
+              <a:t>개 </a:t>
+            </a:r>
+            <a:r>
+              <a:rPr lang="en-US" altLang="ko-KR" dirty="0"/>
+              <a:t>Activity, 223</a:t>
+            </a:r>
+            <a:r>
+              <a:rPr lang="ko-KR" altLang="en-US" dirty="0"/>
+              <a:t>개 산출물</a:t>
+            </a:r>
             <a:endParaRPr lang="en-US" altLang="ko-KR" dirty="0"/>
           </a:p>
         </p:txBody>
@@ -695,6 +1255,53 @@
           <a:bodyPr/>
           <a:lstStyle/>
           <a:p>
+            <a:r>
+              <a:rPr lang="en-US" altLang="ko-KR" dirty="0"/>
+              <a:t>SDLC (</a:t>
+            </a:r>
+            <a:r>
+              <a:rPr lang="ko-KR" altLang="en-US" dirty="0"/>
+              <a:t>소프트웨어 개발 라이프사이클</a:t>
+            </a:r>
+            <a:r>
+              <a:rPr lang="en-US" altLang="ko-KR" dirty="0"/>
+              <a:t>)</a:t>
+            </a:r>
+          </a:p>
+          <a:p>
+            <a:endParaRPr lang="en-US" altLang="ko-KR" dirty="0"/>
+          </a:p>
+          <a:p>
+            <a:r>
+              <a:rPr lang="en-US" altLang="ko-KR" dirty="0"/>
+              <a:t>ISO 12207</a:t>
+            </a:r>
+          </a:p>
+          <a:p>
+            <a:r>
+              <a:rPr lang="en-US" altLang="ko-KR" dirty="0"/>
+              <a:t>- 23</a:t>
+            </a:r>
+            <a:r>
+              <a:rPr lang="ko-KR" altLang="en-US" dirty="0"/>
+              <a:t>개 프로세스</a:t>
+            </a:r>
+            <a:r>
+              <a:rPr lang="en-US" altLang="ko-KR" dirty="0"/>
+              <a:t>, 95</a:t>
+            </a:r>
+            <a:r>
+              <a:rPr lang="ko-KR" altLang="en-US" dirty="0"/>
+              <a:t>개 </a:t>
+            </a:r>
+            <a:r>
+              <a:rPr lang="en-US" altLang="ko-KR" dirty="0"/>
+              <a:t>Activity, 223</a:t>
+            </a:r>
+            <a:r>
+              <a:rPr lang="ko-KR" altLang="en-US" dirty="0"/>
+              <a:t>개 산출물</a:t>
+            </a:r>
             <a:endParaRPr lang="en-US" altLang="ko-KR" dirty="0"/>
           </a:p>
         </p:txBody>
@@ -725,7 +1332,7 @@
     </p:spTree>
     <p:extLst>
       <p:ext uri="{BB962C8B-B14F-4D97-AF65-F5344CB8AC3E}">
-        <p14:creationId xmlns:p14="http://schemas.microsoft.com/office/powerpoint/2010/main" val="4097147787"/>
+        <p14:creationId xmlns:p14="http://schemas.microsoft.com/office/powerpoint/2010/main" val="2702418974"/>
       </p:ext>
     </p:extLst>
   </p:cSld>
@@ -809,7 +1416,7 @@
     </p:spTree>
     <p:extLst>
       <p:ext uri="{BB962C8B-B14F-4D97-AF65-F5344CB8AC3E}">
-        <p14:creationId xmlns:p14="http://schemas.microsoft.com/office/powerpoint/2010/main" val="3654316329"/>
+        <p14:creationId xmlns:p14="http://schemas.microsoft.com/office/powerpoint/2010/main" val="51474221"/>
       </p:ext>
     </p:extLst>
   </p:cSld>
@@ -863,7 +1470,54 @@
           <a:bodyPr/>
           <a:lstStyle/>
           <a:p>
-            <a:endParaRPr lang="ko-KR" altLang="en-US" dirty="0"/>
+            <a:r>
+              <a:rPr lang="en-US" altLang="ko-KR" dirty="0"/>
+              <a:t>SDLC (</a:t>
+            </a:r>
+            <a:r>
+              <a:rPr lang="ko-KR" altLang="en-US" dirty="0"/>
+              <a:t>소프트웨어 개발 라이프사이클</a:t>
+            </a:r>
+            <a:r>
+              <a:rPr lang="en-US" altLang="ko-KR" dirty="0"/>
+              <a:t>)</a:t>
+            </a:r>
+          </a:p>
+          <a:p>
+            <a:endParaRPr lang="en-US" altLang="ko-KR" dirty="0"/>
+          </a:p>
+          <a:p>
+            <a:r>
+              <a:rPr lang="en-US" altLang="ko-KR" dirty="0"/>
+              <a:t>ISO 12207</a:t>
+            </a:r>
+          </a:p>
+          <a:p>
+            <a:r>
+              <a:rPr lang="en-US" altLang="ko-KR" dirty="0"/>
+              <a:t>- 23</a:t>
+            </a:r>
+            <a:r>
+              <a:rPr lang="ko-KR" altLang="en-US" dirty="0"/>
+              <a:t>개 프로세스</a:t>
+            </a:r>
+            <a:r>
+              <a:rPr lang="en-US" altLang="ko-KR" dirty="0"/>
+              <a:t>, 95</a:t>
+            </a:r>
+            <a:r>
+              <a:rPr lang="ko-KR" altLang="en-US" dirty="0"/>
+              <a:t>개 </a:t>
+            </a:r>
+            <a:r>
+              <a:rPr lang="en-US" altLang="ko-KR" dirty="0"/>
+              <a:t>Activity, 223</a:t>
+            </a:r>
+            <a:r>
+              <a:rPr lang="ko-KR" altLang="en-US" dirty="0"/>
+              <a:t>개 산출물</a:t>
+            </a:r>
+            <a:endParaRPr lang="en-US" altLang="ko-KR" dirty="0"/>
           </a:p>
         </p:txBody>
       </p:sp>
@@ -893,7 +1547,7 @@
     </p:spTree>
     <p:extLst>
       <p:ext uri="{BB962C8B-B14F-4D97-AF65-F5344CB8AC3E}">
-        <p14:creationId xmlns:p14="http://schemas.microsoft.com/office/powerpoint/2010/main" val="1083338260"/>
+        <p14:creationId xmlns:p14="http://schemas.microsoft.com/office/powerpoint/2010/main" val="4166801934"/>
       </p:ext>
     </p:extLst>
   </p:cSld>
@@ -947,7 +1601,54 @@
           <a:bodyPr/>
           <a:lstStyle/>
           <a:p>
-            <a:endParaRPr lang="ko-KR" altLang="en-US" dirty="0"/>
+            <a:r>
+              <a:rPr lang="en-US" altLang="ko-KR" dirty="0"/>
+              <a:t>SDLC (</a:t>
+            </a:r>
+            <a:r>
+              <a:rPr lang="ko-KR" altLang="en-US" dirty="0"/>
+              <a:t>소프트웨어 개발 라이프사이클</a:t>
+            </a:r>
+            <a:r>
+              <a:rPr lang="en-US" altLang="ko-KR" dirty="0"/>
+              <a:t>)</a:t>
+            </a:r>
+          </a:p>
+          <a:p>
+            <a:endParaRPr lang="en-US" altLang="ko-KR" dirty="0"/>
+          </a:p>
+          <a:p>
+            <a:r>
+              <a:rPr lang="en-US" altLang="ko-KR" dirty="0"/>
+              <a:t>ISO 12207</a:t>
+            </a:r>
+          </a:p>
+          <a:p>
+            <a:r>
+              <a:rPr lang="en-US" altLang="ko-KR" dirty="0"/>
+              <a:t>- 23</a:t>
+            </a:r>
+            <a:r>
+              <a:rPr lang="ko-KR" altLang="en-US" dirty="0"/>
+              <a:t>개 프로세스</a:t>
+            </a:r>
+            <a:r>
+              <a:rPr lang="en-US" altLang="ko-KR" dirty="0"/>
+              <a:t>, 95</a:t>
+            </a:r>
+            <a:r>
+              <a:rPr lang="ko-KR" altLang="en-US" dirty="0"/>
+              <a:t>개 </a:t>
+            </a:r>
+            <a:r>
+              <a:rPr lang="en-US" altLang="ko-KR" dirty="0"/>
+              <a:t>Activity, 223</a:t>
+            </a:r>
+            <a:r>
+              <a:rPr lang="ko-KR" altLang="en-US" dirty="0"/>
+              <a:t>개 산출물</a:t>
+            </a:r>
+            <a:endParaRPr lang="en-US" altLang="ko-KR" dirty="0"/>
           </a:p>
         </p:txBody>
       </p:sp>
@@ -977,7 +1678,306 @@
     </p:spTree>
     <p:extLst>
       <p:ext uri="{BB962C8B-B14F-4D97-AF65-F5344CB8AC3E}">
-        <p14:creationId xmlns:p14="http://schemas.microsoft.com/office/powerpoint/2010/main" val="3325468982"/>
+        <p14:creationId xmlns:p14="http://schemas.microsoft.com/office/powerpoint/2010/main" val="1622261559"/>
+      </p:ext>
+    </p:extLst>
+  </p:cSld>
+  <p:clrMapOvr>
+    <a:masterClrMapping/>
+  </p:clrMapOvr>
+</p:notes>
+</file>
+
+<file path=ppt/notesSlides/notesSlide7.xml><?xml version="1.0" encoding="utf-8"?>
+<p:notes xmlns:a="http://schemas.openxmlformats.org/drawingml/2006/main" xmlns:r="http://schemas.openxmlformats.org/officeDocument/2006/relationships" xmlns:p="http://schemas.openxmlformats.org/presentationml/2006/main">
+  <p:cSld>
+    <p:spTree>
+      <p:nvGrpSpPr>
+        <p:cNvPr id="1" name=""/>
+        <p:cNvGrpSpPr/>
+        <p:nvPr/>
+      </p:nvGrpSpPr>
+      <p:grpSpPr>
+        <a:xfrm>
+          <a:off x="0" y="0"/>
+          <a:ext cx="0" cy="0"/>
+          <a:chOff x="0" y="0"/>
+          <a:chExt cx="0" cy="0"/>
+        </a:xfrm>
+      </p:grpSpPr>
+      <p:sp>
+        <p:nvSpPr>
+          <p:cNvPr id="2" name="슬라이드 이미지 개체 틀 1"/>
+          <p:cNvSpPr>
+            <a:spLocks noGrp="1" noRot="1" noChangeAspect="1"/>
+          </p:cNvSpPr>
+          <p:nvPr>
+            <p:ph type="sldImg"/>
+          </p:nvPr>
+        </p:nvSpPr>
+        <p:spPr/>
+      </p:sp>
+      <p:sp>
+        <p:nvSpPr>
+          <p:cNvPr id="3" name="슬라이드 노트 개체 틀 2"/>
+          <p:cNvSpPr>
+            <a:spLocks noGrp="1"/>
+          </p:cNvSpPr>
+          <p:nvPr>
+            <p:ph type="body" idx="1"/>
+          </p:nvPr>
+        </p:nvSpPr>
+        <p:spPr/>
+        <p:txBody>
+          <a:bodyPr/>
+          <a:lstStyle/>
+          <a:p>
+            <a:r>
+              <a:rPr lang="en-US" altLang="ko-KR" dirty="0"/>
+              <a:t>SDLC (</a:t>
+            </a:r>
+            <a:r>
+              <a:rPr lang="ko-KR" altLang="en-US" dirty="0"/>
+              <a:t>소프트웨어 개발 라이프사이클</a:t>
+            </a:r>
+            <a:r>
+              <a:rPr lang="en-US" altLang="ko-KR" dirty="0"/>
+              <a:t>)</a:t>
+            </a:r>
+          </a:p>
+          <a:p>
+            <a:endParaRPr lang="en-US" altLang="ko-KR" dirty="0"/>
+          </a:p>
+          <a:p>
+            <a:r>
+              <a:rPr lang="en-US" altLang="ko-KR" dirty="0"/>
+              <a:t>ISO 12207</a:t>
+            </a:r>
+          </a:p>
+          <a:p>
+            <a:r>
+              <a:rPr lang="en-US" altLang="ko-KR" dirty="0"/>
+              <a:t>- 23</a:t>
+            </a:r>
+            <a:r>
+              <a:rPr lang="ko-KR" altLang="en-US" dirty="0"/>
+              <a:t>개 프로세스</a:t>
+            </a:r>
+            <a:r>
+              <a:rPr lang="en-US" altLang="ko-KR" dirty="0"/>
+              <a:t>, 95</a:t>
+            </a:r>
+            <a:r>
+              <a:rPr lang="ko-KR" altLang="en-US" dirty="0"/>
+              <a:t>개 </a:t>
+            </a:r>
+            <a:r>
+              <a:rPr lang="en-US" altLang="ko-KR" dirty="0"/>
+              <a:t>Activity, 223</a:t>
+            </a:r>
+            <a:r>
+              <a:rPr lang="ko-KR" altLang="en-US" dirty="0"/>
+              <a:t>개 산출물</a:t>
+            </a:r>
+            <a:endParaRPr lang="en-US" altLang="ko-KR" dirty="0"/>
+          </a:p>
+        </p:txBody>
+      </p:sp>
+      <p:sp>
+        <p:nvSpPr>
+          <p:cNvPr id="4" name="슬라이드 번호 개체 틀 3"/>
+          <p:cNvSpPr>
+            <a:spLocks noGrp="1"/>
+          </p:cNvSpPr>
+          <p:nvPr>
+            <p:ph type="sldNum" sz="quarter" idx="5"/>
+          </p:nvPr>
+        </p:nvSpPr>
+        <p:spPr/>
+        <p:txBody>
+          <a:bodyPr/>
+          <a:lstStyle/>
+          <a:p>
+            <a:fld id="{4F243B46-72FF-4656-838A-691B9EB329E3}" type="slidenum">
+              <a:rPr lang="ko-KR" altLang="en-US" smtClean="0"/>
+              <a:t>7</a:t>
+            </a:fld>
+            <a:endParaRPr lang="ko-KR" altLang="en-US"/>
+          </a:p>
+        </p:txBody>
+      </p:sp>
+    </p:spTree>
+    <p:extLst>
+      <p:ext uri="{BB962C8B-B14F-4D97-AF65-F5344CB8AC3E}">
+        <p14:creationId xmlns:p14="http://schemas.microsoft.com/office/powerpoint/2010/main" val="3586629912"/>
+      </p:ext>
+    </p:extLst>
+  </p:cSld>
+  <p:clrMapOvr>
+    <a:masterClrMapping/>
+  </p:clrMapOvr>
+</p:notes>
+</file>
+
+<file path=ppt/notesSlides/notesSlide8.xml><?xml version="1.0" encoding="utf-8"?>
+<p:notes xmlns:a="http://schemas.openxmlformats.org/drawingml/2006/main" xmlns:r="http://schemas.openxmlformats.org/officeDocument/2006/relationships" xmlns:p="http://schemas.openxmlformats.org/presentationml/2006/main">
+  <p:cSld>
+    <p:spTree>
+      <p:nvGrpSpPr>
+        <p:cNvPr id="1" name=""/>
+        <p:cNvGrpSpPr/>
+        <p:nvPr/>
+      </p:nvGrpSpPr>
+      <p:grpSpPr>
+        <a:xfrm>
+          <a:off x="0" y="0"/>
+          <a:ext cx="0" cy="0"/>
+          <a:chOff x="0" y="0"/>
+          <a:chExt cx="0" cy="0"/>
+        </a:xfrm>
+      </p:grpSpPr>
+      <p:sp>
+        <p:nvSpPr>
+          <p:cNvPr id="2" name="슬라이드 이미지 개체 틀 1"/>
+          <p:cNvSpPr>
+            <a:spLocks noGrp="1" noRot="1" noChangeAspect="1"/>
+          </p:cNvSpPr>
+          <p:nvPr>
+            <p:ph type="sldImg"/>
+          </p:nvPr>
+        </p:nvSpPr>
+        <p:spPr/>
+      </p:sp>
+      <p:sp>
+        <p:nvSpPr>
+          <p:cNvPr id="3" name="슬라이드 노트 개체 틀 2"/>
+          <p:cNvSpPr>
+            <a:spLocks noGrp="1"/>
+          </p:cNvSpPr>
+          <p:nvPr>
+            <p:ph type="body" idx="1"/>
+          </p:nvPr>
+        </p:nvSpPr>
+        <p:spPr/>
+        <p:txBody>
+          <a:bodyPr/>
+          <a:lstStyle/>
+          <a:p>
+            <a:endParaRPr lang="en-US" altLang="ko-KR" dirty="0"/>
+          </a:p>
+        </p:txBody>
+      </p:sp>
+      <p:sp>
+        <p:nvSpPr>
+          <p:cNvPr id="4" name="슬라이드 번호 개체 틀 3"/>
+          <p:cNvSpPr>
+            <a:spLocks noGrp="1"/>
+          </p:cNvSpPr>
+          <p:nvPr>
+            <p:ph type="sldNum" sz="quarter" idx="5"/>
+          </p:nvPr>
+        </p:nvSpPr>
+        <p:spPr/>
+        <p:txBody>
+          <a:bodyPr/>
+          <a:lstStyle/>
+          <a:p>
+            <a:fld id="{4F243B46-72FF-4656-838A-691B9EB329E3}" type="slidenum">
+              <a:rPr lang="ko-KR" altLang="en-US" smtClean="0"/>
+              <a:t>8</a:t>
+            </a:fld>
+            <a:endParaRPr lang="ko-KR" altLang="en-US"/>
+          </a:p>
+        </p:txBody>
+      </p:sp>
+    </p:spTree>
+    <p:extLst>
+      <p:ext uri="{BB962C8B-B14F-4D97-AF65-F5344CB8AC3E}">
+        <p14:creationId xmlns:p14="http://schemas.microsoft.com/office/powerpoint/2010/main" val="4097147787"/>
+      </p:ext>
+    </p:extLst>
+  </p:cSld>
+  <p:clrMapOvr>
+    <a:masterClrMapping/>
+  </p:clrMapOvr>
+</p:notes>
+</file>
+
+<file path=ppt/notesSlides/notesSlide9.xml><?xml version="1.0" encoding="utf-8"?>
+<p:notes xmlns:a="http://schemas.openxmlformats.org/drawingml/2006/main" xmlns:r="http://schemas.openxmlformats.org/officeDocument/2006/relationships" xmlns:p="http://schemas.openxmlformats.org/presentationml/2006/main">
+  <p:cSld>
+    <p:spTree>
+      <p:nvGrpSpPr>
+        <p:cNvPr id="1" name=""/>
+        <p:cNvGrpSpPr/>
+        <p:nvPr/>
+      </p:nvGrpSpPr>
+      <p:grpSpPr>
+        <a:xfrm>
+          <a:off x="0" y="0"/>
+          <a:ext cx="0" cy="0"/>
+          <a:chOff x="0" y="0"/>
+          <a:chExt cx="0" cy="0"/>
+        </a:xfrm>
+      </p:grpSpPr>
+      <p:sp>
+        <p:nvSpPr>
+          <p:cNvPr id="2" name="슬라이드 이미지 개체 틀 1"/>
+          <p:cNvSpPr>
+            <a:spLocks noGrp="1" noRot="1" noChangeAspect="1"/>
+          </p:cNvSpPr>
+          <p:nvPr>
+            <p:ph type="sldImg"/>
+          </p:nvPr>
+        </p:nvSpPr>
+        <p:spPr/>
+      </p:sp>
+      <p:sp>
+        <p:nvSpPr>
+          <p:cNvPr id="3" name="슬라이드 노트 개체 틀 2"/>
+          <p:cNvSpPr>
+            <a:spLocks noGrp="1"/>
+          </p:cNvSpPr>
+          <p:nvPr>
+            <p:ph type="body" idx="1"/>
+          </p:nvPr>
+        </p:nvSpPr>
+        <p:spPr/>
+        <p:txBody>
+          <a:bodyPr/>
+          <a:lstStyle/>
+          <a:p>
+            <a:endParaRPr lang="en-US" altLang="ko-KR" dirty="0"/>
+          </a:p>
+        </p:txBody>
+      </p:sp>
+      <p:sp>
+        <p:nvSpPr>
+          <p:cNvPr id="4" name="슬라이드 번호 개체 틀 3"/>
+          <p:cNvSpPr>
+            <a:spLocks noGrp="1"/>
+          </p:cNvSpPr>
+          <p:nvPr>
+            <p:ph type="sldNum" sz="quarter" idx="5"/>
+          </p:nvPr>
+        </p:nvSpPr>
+        <p:spPr/>
+        <p:txBody>
+          <a:bodyPr/>
+          <a:lstStyle/>
+          <a:p>
+            <a:fld id="{4F243B46-72FF-4656-838A-691B9EB329E3}" type="slidenum">
+              <a:rPr lang="ko-KR" altLang="en-US" smtClean="0"/>
+              <a:t>9</a:t>
+            </a:fld>
+            <a:endParaRPr lang="ko-KR" altLang="en-US"/>
+          </a:p>
+        </p:txBody>
+      </p:sp>
+    </p:spTree>
+    <p:extLst>
+      <p:ext uri="{BB962C8B-B14F-4D97-AF65-F5344CB8AC3E}">
+        <p14:creationId xmlns:p14="http://schemas.microsoft.com/office/powerpoint/2010/main" val="2810952654"/>
       </p:ext>
     </p:extLst>
   </p:cSld>
@@ -3218,15 +4218,7 @@
             </a:r>
             <a:r>
               <a:rPr lang="ko-KR" altLang="en-US" dirty="0"/>
-              <a:t>시나리오 </a:t>
-            </a:r>
-            <a:r>
-              <a:rPr lang="en-US" altLang="ko-KR" dirty="0"/>
-              <a:t>1 : </a:t>
-            </a:r>
-            <a:r>
-              <a:rPr lang="ko-KR" altLang="en-US" dirty="0"/>
-              <a:t>재처리</a:t>
+              <a:t>시나리오 소개</a:t>
             </a:r>
           </a:p>
         </p:txBody>
@@ -3234,7 +4226,1005 @@
     </p:spTree>
     <p:extLst>
       <p:ext uri="{BB962C8B-B14F-4D97-AF65-F5344CB8AC3E}">
-        <p14:creationId xmlns:p14="http://schemas.microsoft.com/office/powerpoint/2010/main" val="226211511"/>
+        <p14:creationId xmlns:p14="http://schemas.microsoft.com/office/powerpoint/2010/main" val="3198382211"/>
+      </p:ext>
+    </p:extLst>
+  </p:cSld>
+  <p:clrMapOvr>
+    <a:masterClrMapping/>
+  </p:clrMapOvr>
+</p:sld>
+</file>
+
+<file path=ppt/slides/slide10.xml><?xml version="1.0" encoding="utf-8"?>
+<p:sld xmlns:a="http://schemas.openxmlformats.org/drawingml/2006/main" xmlns:r="http://schemas.openxmlformats.org/officeDocument/2006/relationships" xmlns:p="http://schemas.openxmlformats.org/presentationml/2006/main">
+  <p:cSld>
+    <p:spTree>
+      <p:nvGrpSpPr>
+        <p:cNvPr id="1" name=""/>
+        <p:cNvGrpSpPr/>
+        <p:nvPr/>
+      </p:nvGrpSpPr>
+      <p:grpSpPr>
+        <a:xfrm>
+          <a:off x="0" y="0"/>
+          <a:ext cx="0" cy="0"/>
+          <a:chOff x="0" y="0"/>
+          <a:chExt cx="0" cy="0"/>
+        </a:xfrm>
+      </p:grpSpPr>
+      <p:sp>
+        <p:nvSpPr>
+          <p:cNvPr id="2" name="제목 1">
+            <a:extLst>
+              <a:ext uri="{FF2B5EF4-FFF2-40B4-BE49-F238E27FC236}">
+                <a16:creationId xmlns:a16="http://schemas.microsoft.com/office/drawing/2014/main" id="{D21C1AA9-5E52-3A11-B3B3-447787E29D09}"/>
+              </a:ext>
+            </a:extLst>
+          </p:cNvPr>
+          <p:cNvSpPr>
+            <a:spLocks noGrp="1"/>
+          </p:cNvSpPr>
+          <p:nvPr>
+            <p:ph type="title"/>
+          </p:nvPr>
+        </p:nvSpPr>
+        <p:spPr/>
+        <p:txBody>
+          <a:bodyPr/>
+          <a:lstStyle/>
+          <a:p>
+            <a:r>
+              <a:rPr lang="ko-KR" altLang="en-US" dirty="0"/>
+              <a:t>시나리오 </a:t>
+            </a:r>
+            <a:r>
+              <a:rPr lang="en-US" altLang="ko-KR" dirty="0"/>
+              <a:t>2 : </a:t>
+            </a:r>
+            <a:r>
+              <a:rPr lang="ko-KR" altLang="en-US" dirty="0"/>
+              <a:t>주문이력 성능개선 </a:t>
+            </a:r>
+            <a:r>
+              <a:rPr lang="en-US" altLang="ko-KR" dirty="0"/>
+              <a:t>(After)</a:t>
+            </a:r>
+            <a:endParaRPr lang="ko-KR" altLang="en-US" dirty="0"/>
+          </a:p>
+        </p:txBody>
+      </p:sp>
+      <p:sp>
+        <p:nvSpPr>
+          <p:cNvPr id="7" name="Google Shape;209;p30">
+            <a:extLst>
+              <a:ext uri="{FF2B5EF4-FFF2-40B4-BE49-F238E27FC236}">
+                <a16:creationId xmlns:a16="http://schemas.microsoft.com/office/drawing/2014/main" id="{35F3E219-4EBB-8DE8-0966-E4317399395E}"/>
+              </a:ext>
+            </a:extLst>
+          </p:cNvPr>
+          <p:cNvSpPr/>
+          <p:nvPr/>
+        </p:nvSpPr>
+        <p:spPr>
+          <a:xfrm>
+            <a:off x="7811013" y="528014"/>
+            <a:ext cx="952500" cy="298200"/>
+          </a:xfrm>
+          <a:prstGeom prst="rect">
+            <a:avLst/>
+          </a:prstGeom>
+          <a:noFill/>
+          <a:ln>
+            <a:noFill/>
+          </a:ln>
+        </p:spPr>
+        <p:txBody>
+          <a:bodyPr spcFirstLastPara="1" wrap="square" lIns="19050" tIns="19050" rIns="19050" bIns="19050" anchor="t" anchorCtr="0">
+            <a:noAutofit/>
+          </a:bodyPr>
+          <a:lstStyle/>
+          <a:p>
+            <a:pPr marL="63500" marR="0" lvl="1" indent="0" algn="l" rtl="0">
+              <a:lnSpc>
+                <a:spcPct val="90000"/>
+              </a:lnSpc>
+              <a:spcBef>
+                <a:spcPts val="0"/>
+              </a:spcBef>
+              <a:spcAft>
+                <a:spcPts val="0"/>
+              </a:spcAft>
+              <a:buNone/>
+            </a:pPr>
+            <a:r>
+              <a:rPr lang="en-US" altLang="ko" sz="1200" b="1" i="0" u="none" strike="noStrike" cap="none" dirty="0">
+                <a:solidFill>
+                  <a:schemeClr val="bg1"/>
+                </a:solidFill>
+                <a:latin typeface="Arial"/>
+                <a:ea typeface="Arial"/>
+                <a:cs typeface="Arial"/>
+                <a:sym typeface="Arial"/>
+              </a:rPr>
+              <a:t>3</a:t>
+            </a:r>
+            <a:r>
+              <a:rPr lang="ko" sz="1200" b="1" i="0" u="none" strike="noStrike" cap="none" dirty="0">
+                <a:solidFill>
+                  <a:schemeClr val="bg1"/>
+                </a:solidFill>
+                <a:latin typeface="Arial"/>
+                <a:ea typeface="Arial"/>
+                <a:cs typeface="Arial"/>
+                <a:sym typeface="Arial"/>
+              </a:rPr>
+              <a:t>.</a:t>
+            </a:r>
+            <a:endParaRPr sz="500" dirty="0">
+              <a:solidFill>
+                <a:schemeClr val="bg1"/>
+              </a:solidFill>
+            </a:endParaRPr>
+          </a:p>
+        </p:txBody>
+      </p:sp>
+      <p:sp>
+        <p:nvSpPr>
+          <p:cNvPr id="8" name="Google Shape;210;p30">
+            <a:extLst>
+              <a:ext uri="{FF2B5EF4-FFF2-40B4-BE49-F238E27FC236}">
+                <a16:creationId xmlns:a16="http://schemas.microsoft.com/office/drawing/2014/main" id="{8CB63A74-B5C7-DCAA-53F5-96E44004D694}"/>
+              </a:ext>
+            </a:extLst>
+          </p:cNvPr>
+          <p:cNvSpPr/>
+          <p:nvPr/>
+        </p:nvSpPr>
+        <p:spPr>
+          <a:xfrm>
+            <a:off x="7811013" y="825047"/>
+            <a:ext cx="952500" cy="293400"/>
+          </a:xfrm>
+          <a:prstGeom prst="rect">
+            <a:avLst/>
+          </a:prstGeom>
+          <a:noFill/>
+          <a:ln>
+            <a:noFill/>
+          </a:ln>
+        </p:spPr>
+        <p:txBody>
+          <a:bodyPr spcFirstLastPara="1" wrap="square" lIns="19050" tIns="19050" rIns="19050" bIns="19050" anchor="t" anchorCtr="0">
+            <a:noAutofit/>
+          </a:bodyPr>
+          <a:lstStyle/>
+          <a:p>
+            <a:pPr marL="63500" marR="0" lvl="1" indent="0" algn="l" rtl="0">
+              <a:spcBef>
+                <a:spcPts val="200"/>
+              </a:spcBef>
+              <a:spcAft>
+                <a:spcPts val="0"/>
+              </a:spcAft>
+              <a:buClr>
+                <a:srgbClr val="000000"/>
+              </a:buClr>
+              <a:buFont typeface="Arial"/>
+              <a:buNone/>
+            </a:pPr>
+            <a:r>
+              <a:rPr lang="ko-KR" altLang="en-US" sz="800" dirty="0">
+                <a:solidFill>
+                  <a:schemeClr val="bg1"/>
+                </a:solidFill>
+              </a:rPr>
+              <a:t>시나리오 </a:t>
+            </a:r>
+            <a:r>
+              <a:rPr lang="en-US" altLang="ko-KR" sz="800" dirty="0">
+                <a:solidFill>
+                  <a:schemeClr val="bg1"/>
+                </a:solidFill>
+              </a:rPr>
+              <a:t>2 : </a:t>
+            </a:r>
+          </a:p>
+          <a:p>
+            <a:pPr marL="63500" marR="0" lvl="1" indent="0" algn="l" rtl="0">
+              <a:spcBef>
+                <a:spcPts val="200"/>
+              </a:spcBef>
+              <a:spcAft>
+                <a:spcPts val="0"/>
+              </a:spcAft>
+              <a:buClr>
+                <a:srgbClr val="000000"/>
+              </a:buClr>
+              <a:buFont typeface="Arial"/>
+              <a:buNone/>
+            </a:pPr>
+            <a:r>
+              <a:rPr lang="ko-KR" altLang="en-US" sz="800" dirty="0">
+                <a:solidFill>
+                  <a:schemeClr val="bg1"/>
+                </a:solidFill>
+              </a:rPr>
+              <a:t>주문이력</a:t>
+            </a:r>
+            <a:endParaRPr lang="en-US" altLang="ko-KR" sz="800" dirty="0">
+              <a:solidFill>
+                <a:schemeClr val="bg1"/>
+              </a:solidFill>
+            </a:endParaRPr>
+          </a:p>
+          <a:p>
+            <a:pPr marL="63500" marR="0" lvl="1" indent="0" algn="l" rtl="0">
+              <a:spcBef>
+                <a:spcPts val="200"/>
+              </a:spcBef>
+              <a:spcAft>
+                <a:spcPts val="0"/>
+              </a:spcAft>
+              <a:buClr>
+                <a:srgbClr val="000000"/>
+              </a:buClr>
+              <a:buFont typeface="Arial"/>
+              <a:buNone/>
+            </a:pPr>
+            <a:r>
+              <a:rPr lang="ko-KR" altLang="en-US" sz="800" dirty="0">
+                <a:solidFill>
+                  <a:schemeClr val="bg1"/>
+                </a:solidFill>
+              </a:rPr>
+              <a:t>성능개선</a:t>
+            </a:r>
+          </a:p>
+        </p:txBody>
+      </p:sp>
+    </p:spTree>
+    <p:extLst>
+      <p:ext uri="{BB962C8B-B14F-4D97-AF65-F5344CB8AC3E}">
+        <p14:creationId xmlns:p14="http://schemas.microsoft.com/office/powerpoint/2010/main" val="679301651"/>
+      </p:ext>
+    </p:extLst>
+  </p:cSld>
+  <p:clrMapOvr>
+    <a:masterClrMapping/>
+  </p:clrMapOvr>
+</p:sld>
+</file>
+
+<file path=ppt/slides/slide11.xml><?xml version="1.0" encoding="utf-8"?>
+<p:sld xmlns:a="http://schemas.openxmlformats.org/drawingml/2006/main" xmlns:r="http://schemas.openxmlformats.org/officeDocument/2006/relationships" xmlns:p="http://schemas.openxmlformats.org/presentationml/2006/main">
+  <p:cSld>
+    <p:spTree>
+      <p:nvGrpSpPr>
+        <p:cNvPr id="1" name=""/>
+        <p:cNvGrpSpPr/>
+        <p:nvPr/>
+      </p:nvGrpSpPr>
+      <p:grpSpPr>
+        <a:xfrm>
+          <a:off x="0" y="0"/>
+          <a:ext cx="0" cy="0"/>
+          <a:chOff x="0" y="0"/>
+          <a:chExt cx="0" cy="0"/>
+        </a:xfrm>
+      </p:grpSpPr>
+      <p:sp>
+        <p:nvSpPr>
+          <p:cNvPr id="2" name="제목 1">
+            <a:extLst>
+              <a:ext uri="{FF2B5EF4-FFF2-40B4-BE49-F238E27FC236}">
+                <a16:creationId xmlns:a16="http://schemas.microsoft.com/office/drawing/2014/main" id="{9896B29B-A1AE-E0C6-8543-753E63140B1C}"/>
+              </a:ext>
+            </a:extLst>
+          </p:cNvPr>
+          <p:cNvSpPr>
+            <a:spLocks noGrp="1"/>
+          </p:cNvSpPr>
+          <p:nvPr>
+            <p:ph type="ctrTitle"/>
+          </p:nvPr>
+        </p:nvSpPr>
+        <p:spPr/>
+        <p:txBody>
+          <a:bodyPr>
+            <a:normAutofit/>
+          </a:bodyPr>
+          <a:lstStyle/>
+          <a:p>
+            <a:r>
+              <a:rPr lang="ko-KR" altLang="en-US" b="1" dirty="0"/>
+              <a:t>결제서비스 기능확장</a:t>
+            </a:r>
+          </a:p>
+        </p:txBody>
+      </p:sp>
+      <p:sp>
+        <p:nvSpPr>
+          <p:cNvPr id="4" name="부제목 3">
+            <a:extLst>
+              <a:ext uri="{FF2B5EF4-FFF2-40B4-BE49-F238E27FC236}">
+                <a16:creationId xmlns:a16="http://schemas.microsoft.com/office/drawing/2014/main" id="{7219E4B9-47F6-C7CA-B046-1256225C3574}"/>
+              </a:ext>
+            </a:extLst>
+          </p:cNvPr>
+          <p:cNvSpPr>
+            <a:spLocks noGrp="1"/>
+          </p:cNvSpPr>
+          <p:nvPr>
+            <p:ph type="subTitle" idx="1"/>
+          </p:nvPr>
+        </p:nvSpPr>
+        <p:spPr/>
+        <p:txBody>
+          <a:bodyPr>
+            <a:normAutofit/>
+          </a:bodyPr>
+          <a:lstStyle/>
+          <a:p>
+            <a:pPr marL="0" indent="0" algn="r">
+              <a:buNone/>
+            </a:pPr>
+            <a:r>
+              <a:rPr lang="en-US" altLang="ko" b="1" dirty="0">
+                <a:solidFill>
+                  <a:srgbClr val="ED234B"/>
+                </a:solidFill>
+              </a:rPr>
+              <a:t>4</a:t>
+            </a:r>
+            <a:r>
+              <a:rPr lang="ko" altLang="ko-KR" b="1" dirty="0">
+                <a:solidFill>
+                  <a:srgbClr val="ED234B"/>
+                </a:solidFill>
+              </a:rPr>
+              <a:t> </a:t>
+            </a:r>
+            <a:r>
+              <a:rPr lang="en-US" altLang="ko-KR" dirty="0"/>
+              <a:t>Elasticsearch</a:t>
+            </a:r>
+            <a:endParaRPr lang="ko-KR" altLang="en-US" dirty="0"/>
+          </a:p>
+        </p:txBody>
+      </p:sp>
+    </p:spTree>
+    <p:extLst>
+      <p:ext uri="{BB962C8B-B14F-4D97-AF65-F5344CB8AC3E}">
+        <p14:creationId xmlns:p14="http://schemas.microsoft.com/office/powerpoint/2010/main" val="371146428"/>
+      </p:ext>
+    </p:extLst>
+  </p:cSld>
+  <p:clrMapOvr>
+    <a:masterClrMapping/>
+  </p:clrMapOvr>
+</p:sld>
+</file>
+
+<file path=ppt/slides/slide12.xml><?xml version="1.0" encoding="utf-8"?>
+<p:sld xmlns:a="http://schemas.openxmlformats.org/drawingml/2006/main" xmlns:r="http://schemas.openxmlformats.org/officeDocument/2006/relationships" xmlns:p="http://schemas.openxmlformats.org/presentationml/2006/main">
+  <p:cSld>
+    <p:spTree>
+      <p:nvGrpSpPr>
+        <p:cNvPr id="1" name=""/>
+        <p:cNvGrpSpPr/>
+        <p:nvPr/>
+      </p:nvGrpSpPr>
+      <p:grpSpPr>
+        <a:xfrm>
+          <a:off x="0" y="0"/>
+          <a:ext cx="0" cy="0"/>
+          <a:chOff x="0" y="0"/>
+          <a:chExt cx="0" cy="0"/>
+        </a:xfrm>
+      </p:grpSpPr>
+      <p:sp>
+        <p:nvSpPr>
+          <p:cNvPr id="2" name="제목 1">
+            <a:extLst>
+              <a:ext uri="{FF2B5EF4-FFF2-40B4-BE49-F238E27FC236}">
+                <a16:creationId xmlns:a16="http://schemas.microsoft.com/office/drawing/2014/main" id="{D21C1AA9-5E52-3A11-B3B3-447787E29D09}"/>
+              </a:ext>
+            </a:extLst>
+          </p:cNvPr>
+          <p:cNvSpPr>
+            <a:spLocks noGrp="1"/>
+          </p:cNvSpPr>
+          <p:nvPr>
+            <p:ph type="title"/>
+          </p:nvPr>
+        </p:nvSpPr>
+        <p:spPr/>
+        <p:txBody>
+          <a:bodyPr/>
+          <a:lstStyle/>
+          <a:p>
+            <a:r>
+              <a:rPr lang="en-US" altLang="ko-KR" dirty="0"/>
+              <a:t>Elasticsearch</a:t>
+            </a:r>
+            <a:endParaRPr lang="ko-KR" altLang="en-US" dirty="0"/>
+          </a:p>
+        </p:txBody>
+      </p:sp>
+      <p:sp>
+        <p:nvSpPr>
+          <p:cNvPr id="7" name="Google Shape;209;p30">
+            <a:extLst>
+              <a:ext uri="{FF2B5EF4-FFF2-40B4-BE49-F238E27FC236}">
+                <a16:creationId xmlns:a16="http://schemas.microsoft.com/office/drawing/2014/main" id="{35F3E219-4EBB-8DE8-0966-E4317399395E}"/>
+              </a:ext>
+            </a:extLst>
+          </p:cNvPr>
+          <p:cNvSpPr/>
+          <p:nvPr/>
+        </p:nvSpPr>
+        <p:spPr>
+          <a:xfrm>
+            <a:off x="7811013" y="528014"/>
+            <a:ext cx="952500" cy="298200"/>
+          </a:xfrm>
+          <a:prstGeom prst="rect">
+            <a:avLst/>
+          </a:prstGeom>
+          <a:noFill/>
+          <a:ln>
+            <a:noFill/>
+          </a:ln>
+        </p:spPr>
+        <p:txBody>
+          <a:bodyPr spcFirstLastPara="1" wrap="square" lIns="19050" tIns="19050" rIns="19050" bIns="19050" anchor="t" anchorCtr="0">
+            <a:noAutofit/>
+          </a:bodyPr>
+          <a:lstStyle/>
+          <a:p>
+            <a:pPr marL="63500" marR="0" lvl="1" indent="0" algn="l" rtl="0">
+              <a:lnSpc>
+                <a:spcPct val="90000"/>
+              </a:lnSpc>
+              <a:spcBef>
+                <a:spcPts val="0"/>
+              </a:spcBef>
+              <a:spcAft>
+                <a:spcPts val="0"/>
+              </a:spcAft>
+              <a:buNone/>
+            </a:pPr>
+            <a:r>
+              <a:rPr lang="en-US" altLang="ko" sz="1200" b="1" i="0" u="none" strike="noStrike" cap="none" dirty="0">
+                <a:solidFill>
+                  <a:schemeClr val="bg1"/>
+                </a:solidFill>
+                <a:latin typeface="Arial"/>
+                <a:ea typeface="Arial"/>
+                <a:cs typeface="Arial"/>
+                <a:sym typeface="Arial"/>
+              </a:rPr>
+              <a:t>4</a:t>
+            </a:r>
+            <a:r>
+              <a:rPr lang="ko" sz="1200" b="1" i="0" u="none" strike="noStrike" cap="none" dirty="0">
+                <a:solidFill>
+                  <a:schemeClr val="bg1"/>
+                </a:solidFill>
+                <a:latin typeface="Arial"/>
+                <a:ea typeface="Arial"/>
+                <a:cs typeface="Arial"/>
+                <a:sym typeface="Arial"/>
+              </a:rPr>
+              <a:t>.</a:t>
+            </a:r>
+            <a:endParaRPr sz="500" dirty="0">
+              <a:solidFill>
+                <a:schemeClr val="bg1"/>
+              </a:solidFill>
+            </a:endParaRPr>
+          </a:p>
+        </p:txBody>
+      </p:sp>
+      <p:sp>
+        <p:nvSpPr>
+          <p:cNvPr id="8" name="Google Shape;210;p30">
+            <a:extLst>
+              <a:ext uri="{FF2B5EF4-FFF2-40B4-BE49-F238E27FC236}">
+                <a16:creationId xmlns:a16="http://schemas.microsoft.com/office/drawing/2014/main" id="{8CB63A74-B5C7-DCAA-53F5-96E44004D694}"/>
+              </a:ext>
+            </a:extLst>
+          </p:cNvPr>
+          <p:cNvSpPr/>
+          <p:nvPr/>
+        </p:nvSpPr>
+        <p:spPr>
+          <a:xfrm>
+            <a:off x="7811013" y="825047"/>
+            <a:ext cx="952500" cy="293400"/>
+          </a:xfrm>
+          <a:prstGeom prst="rect">
+            <a:avLst/>
+          </a:prstGeom>
+          <a:noFill/>
+          <a:ln>
+            <a:noFill/>
+          </a:ln>
+        </p:spPr>
+        <p:txBody>
+          <a:bodyPr spcFirstLastPara="1" wrap="square" lIns="19050" tIns="19050" rIns="19050" bIns="19050" anchor="t" anchorCtr="0">
+            <a:noAutofit/>
+          </a:bodyPr>
+          <a:lstStyle/>
+          <a:p>
+            <a:pPr marL="63500" marR="0" lvl="1" indent="0" algn="l" rtl="0">
+              <a:spcBef>
+                <a:spcPts val="200"/>
+              </a:spcBef>
+              <a:spcAft>
+                <a:spcPts val="0"/>
+              </a:spcAft>
+              <a:buClr>
+                <a:srgbClr val="000000"/>
+              </a:buClr>
+              <a:buFont typeface="Arial"/>
+              <a:buNone/>
+            </a:pPr>
+            <a:r>
+              <a:rPr lang="en-US" altLang="ko-KR" sz="800" dirty="0">
+                <a:solidFill>
+                  <a:schemeClr val="bg1"/>
+                </a:solidFill>
+              </a:rPr>
+              <a:t>Elasticsearch</a:t>
+            </a:r>
+            <a:endParaRPr lang="ko-KR" altLang="en-US" sz="800" dirty="0">
+              <a:solidFill>
+                <a:schemeClr val="bg1"/>
+              </a:solidFill>
+            </a:endParaRPr>
+          </a:p>
+        </p:txBody>
+      </p:sp>
+    </p:spTree>
+    <p:extLst>
+      <p:ext uri="{BB962C8B-B14F-4D97-AF65-F5344CB8AC3E}">
+        <p14:creationId xmlns:p14="http://schemas.microsoft.com/office/powerpoint/2010/main" val="4259616323"/>
+      </p:ext>
+    </p:extLst>
+  </p:cSld>
+  <p:clrMapOvr>
+    <a:masterClrMapping/>
+  </p:clrMapOvr>
+</p:sld>
+</file>
+
+<file path=ppt/slides/slide13.xml><?xml version="1.0" encoding="utf-8"?>
+<p:sld xmlns:a="http://schemas.openxmlformats.org/drawingml/2006/main" xmlns:r="http://schemas.openxmlformats.org/officeDocument/2006/relationships" xmlns:p="http://schemas.openxmlformats.org/presentationml/2006/main">
+  <p:cSld>
+    <p:spTree>
+      <p:nvGrpSpPr>
+        <p:cNvPr id="1" name=""/>
+        <p:cNvGrpSpPr/>
+        <p:nvPr/>
+      </p:nvGrpSpPr>
+      <p:grpSpPr>
+        <a:xfrm>
+          <a:off x="0" y="0"/>
+          <a:ext cx="0" cy="0"/>
+          <a:chOff x="0" y="0"/>
+          <a:chExt cx="0" cy="0"/>
+        </a:xfrm>
+      </p:grpSpPr>
+      <p:sp>
+        <p:nvSpPr>
+          <p:cNvPr id="2" name="제목 1">
+            <a:extLst>
+              <a:ext uri="{FF2B5EF4-FFF2-40B4-BE49-F238E27FC236}">
+                <a16:creationId xmlns:a16="http://schemas.microsoft.com/office/drawing/2014/main" id="{9896B29B-A1AE-E0C6-8543-753E63140B1C}"/>
+              </a:ext>
+            </a:extLst>
+          </p:cNvPr>
+          <p:cNvSpPr>
+            <a:spLocks noGrp="1"/>
+          </p:cNvSpPr>
+          <p:nvPr>
+            <p:ph type="ctrTitle"/>
+          </p:nvPr>
+        </p:nvSpPr>
+        <p:spPr/>
+        <p:txBody>
+          <a:bodyPr>
+            <a:normAutofit/>
+          </a:bodyPr>
+          <a:lstStyle/>
+          <a:p>
+            <a:r>
+              <a:rPr lang="ko-KR" altLang="en-US" b="1" dirty="0"/>
+              <a:t>결제서비스 기능확장</a:t>
+            </a:r>
+          </a:p>
+        </p:txBody>
+      </p:sp>
+      <p:sp>
+        <p:nvSpPr>
+          <p:cNvPr id="4" name="부제목 3">
+            <a:extLst>
+              <a:ext uri="{FF2B5EF4-FFF2-40B4-BE49-F238E27FC236}">
+                <a16:creationId xmlns:a16="http://schemas.microsoft.com/office/drawing/2014/main" id="{7219E4B9-47F6-C7CA-B046-1256225C3574}"/>
+              </a:ext>
+            </a:extLst>
+          </p:cNvPr>
+          <p:cNvSpPr>
+            <a:spLocks noGrp="1"/>
+          </p:cNvSpPr>
+          <p:nvPr>
+            <p:ph type="subTitle" idx="1"/>
+          </p:nvPr>
+        </p:nvSpPr>
+        <p:spPr/>
+        <p:txBody>
+          <a:bodyPr>
+            <a:normAutofit/>
+          </a:bodyPr>
+          <a:lstStyle/>
+          <a:p>
+            <a:pPr marL="0" indent="0" algn="r">
+              <a:buNone/>
+            </a:pPr>
+            <a:r>
+              <a:rPr lang="en-US" altLang="ko" b="1" dirty="0">
+                <a:solidFill>
+                  <a:srgbClr val="ED234B"/>
+                </a:solidFill>
+              </a:rPr>
+              <a:t>5</a:t>
+            </a:r>
+            <a:r>
+              <a:rPr lang="ko" altLang="ko-KR" b="1" dirty="0">
+                <a:solidFill>
+                  <a:srgbClr val="ED234B"/>
+                </a:solidFill>
+              </a:rPr>
+              <a:t> </a:t>
+            </a:r>
+            <a:r>
+              <a:rPr lang="en-US" altLang="ko-KR" dirty="0"/>
+              <a:t>Kafka</a:t>
+            </a:r>
+            <a:endParaRPr lang="ko-KR" altLang="en-US" dirty="0"/>
+          </a:p>
+        </p:txBody>
+      </p:sp>
+    </p:spTree>
+    <p:extLst>
+      <p:ext uri="{BB962C8B-B14F-4D97-AF65-F5344CB8AC3E}">
+        <p14:creationId xmlns:p14="http://schemas.microsoft.com/office/powerpoint/2010/main" val="946513655"/>
+      </p:ext>
+    </p:extLst>
+  </p:cSld>
+  <p:clrMapOvr>
+    <a:masterClrMapping/>
+  </p:clrMapOvr>
+</p:sld>
+</file>
+
+<file path=ppt/slides/slide14.xml><?xml version="1.0" encoding="utf-8"?>
+<p:sld xmlns:a="http://schemas.openxmlformats.org/drawingml/2006/main" xmlns:r="http://schemas.openxmlformats.org/officeDocument/2006/relationships" xmlns:p="http://schemas.openxmlformats.org/presentationml/2006/main">
+  <p:cSld>
+    <p:spTree>
+      <p:nvGrpSpPr>
+        <p:cNvPr id="1" name=""/>
+        <p:cNvGrpSpPr/>
+        <p:nvPr/>
+      </p:nvGrpSpPr>
+      <p:grpSpPr>
+        <a:xfrm>
+          <a:off x="0" y="0"/>
+          <a:ext cx="0" cy="0"/>
+          <a:chOff x="0" y="0"/>
+          <a:chExt cx="0" cy="0"/>
+        </a:xfrm>
+      </p:grpSpPr>
+      <p:sp>
+        <p:nvSpPr>
+          <p:cNvPr id="2" name="제목 1">
+            <a:extLst>
+              <a:ext uri="{FF2B5EF4-FFF2-40B4-BE49-F238E27FC236}">
+                <a16:creationId xmlns:a16="http://schemas.microsoft.com/office/drawing/2014/main" id="{D21C1AA9-5E52-3A11-B3B3-447787E29D09}"/>
+              </a:ext>
+            </a:extLst>
+          </p:cNvPr>
+          <p:cNvSpPr>
+            <a:spLocks noGrp="1"/>
+          </p:cNvSpPr>
+          <p:nvPr>
+            <p:ph type="title"/>
+          </p:nvPr>
+        </p:nvSpPr>
+        <p:spPr/>
+        <p:txBody>
+          <a:bodyPr/>
+          <a:lstStyle/>
+          <a:p>
+            <a:r>
+              <a:rPr lang="en-US" altLang="ko-KR" dirty="0"/>
+              <a:t>Kafka</a:t>
+            </a:r>
+            <a:endParaRPr lang="ko-KR" altLang="en-US" dirty="0"/>
+          </a:p>
+        </p:txBody>
+      </p:sp>
+      <p:sp>
+        <p:nvSpPr>
+          <p:cNvPr id="7" name="Google Shape;209;p30">
+            <a:extLst>
+              <a:ext uri="{FF2B5EF4-FFF2-40B4-BE49-F238E27FC236}">
+                <a16:creationId xmlns:a16="http://schemas.microsoft.com/office/drawing/2014/main" id="{35F3E219-4EBB-8DE8-0966-E4317399395E}"/>
+              </a:ext>
+            </a:extLst>
+          </p:cNvPr>
+          <p:cNvSpPr/>
+          <p:nvPr/>
+        </p:nvSpPr>
+        <p:spPr>
+          <a:xfrm>
+            <a:off x="7811013" y="528014"/>
+            <a:ext cx="952500" cy="298200"/>
+          </a:xfrm>
+          <a:prstGeom prst="rect">
+            <a:avLst/>
+          </a:prstGeom>
+          <a:noFill/>
+          <a:ln>
+            <a:noFill/>
+          </a:ln>
+        </p:spPr>
+        <p:txBody>
+          <a:bodyPr spcFirstLastPara="1" wrap="square" lIns="19050" tIns="19050" rIns="19050" bIns="19050" anchor="t" anchorCtr="0">
+            <a:noAutofit/>
+          </a:bodyPr>
+          <a:lstStyle/>
+          <a:p>
+            <a:pPr marL="63500" marR="0" lvl="1" indent="0" algn="l" rtl="0">
+              <a:lnSpc>
+                <a:spcPct val="90000"/>
+              </a:lnSpc>
+              <a:spcBef>
+                <a:spcPts val="0"/>
+              </a:spcBef>
+              <a:spcAft>
+                <a:spcPts val="0"/>
+              </a:spcAft>
+              <a:buNone/>
+            </a:pPr>
+            <a:r>
+              <a:rPr lang="en-US" altLang="ko" sz="1200" b="1" i="0" u="none" strike="noStrike" cap="none" dirty="0">
+                <a:solidFill>
+                  <a:schemeClr val="bg1"/>
+                </a:solidFill>
+                <a:latin typeface="Arial"/>
+                <a:ea typeface="Arial"/>
+                <a:cs typeface="Arial"/>
+                <a:sym typeface="Arial"/>
+              </a:rPr>
+              <a:t>5</a:t>
+            </a:r>
+            <a:r>
+              <a:rPr lang="ko" sz="1200" b="1" i="0" u="none" strike="noStrike" cap="none" dirty="0">
+                <a:solidFill>
+                  <a:schemeClr val="bg1"/>
+                </a:solidFill>
+                <a:latin typeface="Arial"/>
+                <a:ea typeface="Arial"/>
+                <a:cs typeface="Arial"/>
+                <a:sym typeface="Arial"/>
+              </a:rPr>
+              <a:t>.</a:t>
+            </a:r>
+            <a:endParaRPr sz="500" dirty="0">
+              <a:solidFill>
+                <a:schemeClr val="bg1"/>
+              </a:solidFill>
+            </a:endParaRPr>
+          </a:p>
+        </p:txBody>
+      </p:sp>
+      <p:sp>
+        <p:nvSpPr>
+          <p:cNvPr id="8" name="Google Shape;210;p30">
+            <a:extLst>
+              <a:ext uri="{FF2B5EF4-FFF2-40B4-BE49-F238E27FC236}">
+                <a16:creationId xmlns:a16="http://schemas.microsoft.com/office/drawing/2014/main" id="{8CB63A74-B5C7-DCAA-53F5-96E44004D694}"/>
+              </a:ext>
+            </a:extLst>
+          </p:cNvPr>
+          <p:cNvSpPr/>
+          <p:nvPr/>
+        </p:nvSpPr>
+        <p:spPr>
+          <a:xfrm>
+            <a:off x="7811013" y="825047"/>
+            <a:ext cx="952500" cy="293400"/>
+          </a:xfrm>
+          <a:prstGeom prst="rect">
+            <a:avLst/>
+          </a:prstGeom>
+          <a:noFill/>
+          <a:ln>
+            <a:noFill/>
+          </a:ln>
+        </p:spPr>
+        <p:txBody>
+          <a:bodyPr spcFirstLastPara="1" wrap="square" lIns="19050" tIns="19050" rIns="19050" bIns="19050" anchor="t" anchorCtr="0">
+            <a:noAutofit/>
+          </a:bodyPr>
+          <a:lstStyle/>
+          <a:p>
+            <a:pPr marL="63500" marR="0" lvl="1" indent="0" algn="l" rtl="0">
+              <a:spcBef>
+                <a:spcPts val="200"/>
+              </a:spcBef>
+              <a:spcAft>
+                <a:spcPts val="0"/>
+              </a:spcAft>
+              <a:buClr>
+                <a:srgbClr val="000000"/>
+              </a:buClr>
+              <a:buFont typeface="Arial"/>
+              <a:buNone/>
+            </a:pPr>
+            <a:r>
+              <a:rPr lang="en-US" altLang="ko-KR" sz="800" dirty="0">
+                <a:solidFill>
+                  <a:schemeClr val="bg1"/>
+                </a:solidFill>
+              </a:rPr>
+              <a:t>Kafka</a:t>
+            </a:r>
+            <a:endParaRPr lang="ko-KR" altLang="en-US" sz="800" dirty="0">
+              <a:solidFill>
+                <a:schemeClr val="bg1"/>
+              </a:solidFill>
+            </a:endParaRPr>
+          </a:p>
+        </p:txBody>
+      </p:sp>
+    </p:spTree>
+    <p:extLst>
+      <p:ext uri="{BB962C8B-B14F-4D97-AF65-F5344CB8AC3E}">
+        <p14:creationId xmlns:p14="http://schemas.microsoft.com/office/powerpoint/2010/main" val="3094966035"/>
+      </p:ext>
+    </p:extLst>
+  </p:cSld>
+  <p:clrMapOvr>
+    <a:masterClrMapping/>
+  </p:clrMapOvr>
+</p:sld>
+</file>
+
+<file path=ppt/slides/slide15.xml><?xml version="1.0" encoding="utf-8"?>
+<p:sld xmlns:a="http://schemas.openxmlformats.org/drawingml/2006/main" xmlns:r="http://schemas.openxmlformats.org/officeDocument/2006/relationships" xmlns:p="http://schemas.openxmlformats.org/presentationml/2006/main">
+  <p:cSld>
+    <p:spTree>
+      <p:nvGrpSpPr>
+        <p:cNvPr id="1" name=""/>
+        <p:cNvGrpSpPr/>
+        <p:nvPr/>
+      </p:nvGrpSpPr>
+      <p:grpSpPr>
+        <a:xfrm>
+          <a:off x="0" y="0"/>
+          <a:ext cx="0" cy="0"/>
+          <a:chOff x="0" y="0"/>
+          <a:chExt cx="0" cy="0"/>
+        </a:xfrm>
+      </p:grpSpPr>
+      <p:sp>
+        <p:nvSpPr>
+          <p:cNvPr id="2" name="제목 1">
+            <a:extLst>
+              <a:ext uri="{FF2B5EF4-FFF2-40B4-BE49-F238E27FC236}">
+                <a16:creationId xmlns:a16="http://schemas.microsoft.com/office/drawing/2014/main" id="{9896B29B-A1AE-E0C6-8543-753E63140B1C}"/>
+              </a:ext>
+            </a:extLst>
+          </p:cNvPr>
+          <p:cNvSpPr>
+            <a:spLocks noGrp="1"/>
+          </p:cNvSpPr>
+          <p:nvPr>
+            <p:ph type="ctrTitle"/>
+          </p:nvPr>
+        </p:nvSpPr>
+        <p:spPr/>
+        <p:txBody>
+          <a:bodyPr>
+            <a:normAutofit/>
+          </a:bodyPr>
+          <a:lstStyle/>
+          <a:p>
+            <a:r>
+              <a:rPr lang="ko-KR" altLang="en-US" b="1" dirty="0"/>
+              <a:t>결제서비스 기능확장</a:t>
+            </a:r>
+          </a:p>
+        </p:txBody>
+      </p:sp>
+      <p:sp>
+        <p:nvSpPr>
+          <p:cNvPr id="4" name="부제목 3">
+            <a:extLst>
+              <a:ext uri="{FF2B5EF4-FFF2-40B4-BE49-F238E27FC236}">
+                <a16:creationId xmlns:a16="http://schemas.microsoft.com/office/drawing/2014/main" id="{7219E4B9-47F6-C7CA-B046-1256225C3574}"/>
+              </a:ext>
+            </a:extLst>
+          </p:cNvPr>
+          <p:cNvSpPr>
+            <a:spLocks noGrp="1"/>
+          </p:cNvSpPr>
+          <p:nvPr>
+            <p:ph type="subTitle" idx="1"/>
+          </p:nvPr>
+        </p:nvSpPr>
+        <p:spPr/>
+        <p:txBody>
+          <a:bodyPr>
+            <a:normAutofit/>
+          </a:bodyPr>
+          <a:lstStyle/>
+          <a:p>
+            <a:pPr marL="0" indent="0" algn="r">
+              <a:buNone/>
+            </a:pPr>
+            <a:r>
+              <a:rPr lang="en-US" altLang="ko" b="1" dirty="0">
+                <a:solidFill>
+                  <a:srgbClr val="ED234B"/>
+                </a:solidFill>
+              </a:rPr>
+              <a:t>6</a:t>
+            </a:r>
+            <a:r>
+              <a:rPr lang="ko" altLang="ko-KR" b="1" dirty="0">
+                <a:solidFill>
+                  <a:srgbClr val="ED234B"/>
+                </a:solidFill>
+              </a:rPr>
+              <a:t> </a:t>
+            </a:r>
+            <a:r>
+              <a:rPr lang="ko-KR" altLang="en-US" dirty="0"/>
+              <a:t>시나리오 </a:t>
+            </a:r>
+            <a:r>
+              <a:rPr lang="en-US" altLang="ko-KR" dirty="0"/>
+              <a:t>2 : </a:t>
+            </a:r>
+            <a:r>
+              <a:rPr lang="ko-KR" altLang="en-US" dirty="0"/>
+              <a:t>주문이력 성능개선 </a:t>
+            </a:r>
+            <a:r>
+              <a:rPr lang="en-US" altLang="ko-KR" dirty="0"/>
+              <a:t>(</a:t>
+            </a:r>
+            <a:r>
+              <a:rPr lang="ko-KR" altLang="en-US" dirty="0"/>
+              <a:t>구현</a:t>
+            </a:r>
+            <a:r>
+              <a:rPr lang="en-US" altLang="ko-KR" dirty="0"/>
+              <a:t>)</a:t>
+            </a:r>
+            <a:endParaRPr lang="ko-KR" altLang="en-US" dirty="0"/>
+          </a:p>
+        </p:txBody>
+      </p:sp>
+    </p:spTree>
+    <p:extLst>
+      <p:ext uri="{BB962C8B-B14F-4D97-AF65-F5344CB8AC3E}">
+        <p14:creationId xmlns:p14="http://schemas.microsoft.com/office/powerpoint/2010/main" val="634556094"/>
       </p:ext>
     </p:extLst>
   </p:cSld>
@@ -3284,8 +5274,157 @@
           <a:p>
             <a:r>
               <a:rPr lang="ko-KR" altLang="en-US" dirty="0"/>
-              <a:t>결제 서비스</a:t>
-            </a:r>
+              <a:t>소프트웨어 생명주기</a:t>
+            </a:r>
+          </a:p>
+        </p:txBody>
+      </p:sp>
+      <p:sp>
+        <p:nvSpPr>
+          <p:cNvPr id="3" name="내용 개체 틀 2">
+            <a:extLst>
+              <a:ext uri="{FF2B5EF4-FFF2-40B4-BE49-F238E27FC236}">
+                <a16:creationId xmlns:a16="http://schemas.microsoft.com/office/drawing/2014/main" id="{083B2EA5-E297-3DED-09A1-4B5E6B5AB906}"/>
+              </a:ext>
+            </a:extLst>
+          </p:cNvPr>
+          <p:cNvSpPr>
+            <a:spLocks noGrp="1"/>
+          </p:cNvSpPr>
+          <p:nvPr>
+            <p:ph idx="1"/>
+          </p:nvPr>
+        </p:nvSpPr>
+        <p:spPr/>
+        <p:txBody>
+          <a:bodyPr/>
+          <a:lstStyle/>
+          <a:p>
+            <a:pPr marL="0" indent="0">
+              <a:buNone/>
+            </a:pPr>
+            <a:r>
+              <a:rPr lang="en-US" altLang="ko-KR" dirty="0"/>
+              <a:t>SDLC </a:t>
+            </a:r>
+            <a:r>
+              <a:rPr lang="en-US" altLang="ko-KR" dirty="0">
+                <a:solidFill>
+                  <a:schemeClr val="tx1">
+                    <a:lumMod val="50000"/>
+                    <a:lumOff val="50000"/>
+                  </a:schemeClr>
+                </a:solidFill>
+              </a:rPr>
+              <a:t>(</a:t>
+            </a:r>
+            <a:r>
+              <a:rPr lang="en-US" altLang="ko-KR" b="1" u="sng" dirty="0" err="1">
+                <a:solidFill>
+                  <a:schemeClr val="tx1">
+                    <a:lumMod val="50000"/>
+                    <a:lumOff val="50000"/>
+                  </a:schemeClr>
+                </a:solidFill>
+              </a:rPr>
+              <a:t>S</a:t>
+            </a:r>
+            <a:r>
+              <a:rPr lang="en-US" altLang="ko-KR" dirty="0" err="1">
+                <a:solidFill>
+                  <a:schemeClr val="tx1">
+                    <a:lumMod val="50000"/>
+                    <a:lumOff val="50000"/>
+                  </a:schemeClr>
+                </a:solidFill>
+              </a:rPr>
+              <a:t>ofrware</a:t>
+            </a:r>
+            <a:r>
+              <a:rPr lang="en-US" altLang="ko-KR" dirty="0">
+                <a:solidFill>
+                  <a:schemeClr val="tx1">
+                    <a:lumMod val="50000"/>
+                    <a:lumOff val="50000"/>
+                  </a:schemeClr>
+                </a:solidFill>
+              </a:rPr>
+              <a:t> </a:t>
+            </a:r>
+            <a:r>
+              <a:rPr lang="en-US" altLang="ko-KR" b="1" u="sng" dirty="0">
+                <a:solidFill>
+                  <a:schemeClr val="tx1">
+                    <a:lumMod val="50000"/>
+                    <a:lumOff val="50000"/>
+                  </a:schemeClr>
+                </a:solidFill>
+              </a:rPr>
+              <a:t>D</a:t>
+            </a:r>
+            <a:r>
+              <a:rPr lang="en-US" altLang="ko-KR" dirty="0">
+                <a:solidFill>
+                  <a:schemeClr val="tx1">
+                    <a:lumMod val="50000"/>
+                    <a:lumOff val="50000"/>
+                  </a:schemeClr>
+                </a:solidFill>
+              </a:rPr>
+              <a:t>evelopment </a:t>
+            </a:r>
+            <a:r>
+              <a:rPr lang="en-US" altLang="ko-KR" b="1" u="sng" dirty="0">
+                <a:solidFill>
+                  <a:schemeClr val="tx1">
+                    <a:lumMod val="50000"/>
+                    <a:lumOff val="50000"/>
+                  </a:schemeClr>
+                </a:solidFill>
+              </a:rPr>
+              <a:t>L</a:t>
+            </a:r>
+            <a:r>
+              <a:rPr lang="en-US" altLang="ko-KR" dirty="0">
+                <a:solidFill>
+                  <a:schemeClr val="tx1">
+                    <a:lumMod val="50000"/>
+                    <a:lumOff val="50000"/>
+                  </a:schemeClr>
+                </a:solidFill>
+              </a:rPr>
+              <a:t>ife </a:t>
+            </a:r>
+            <a:r>
+              <a:rPr lang="en-US" altLang="ko-KR" b="1" u="sng" dirty="0">
+                <a:solidFill>
+                  <a:schemeClr val="tx1">
+                    <a:lumMod val="50000"/>
+                    <a:lumOff val="50000"/>
+                  </a:schemeClr>
+                </a:solidFill>
+              </a:rPr>
+              <a:t>C</a:t>
+            </a:r>
+            <a:r>
+              <a:rPr lang="en-US" altLang="ko-KR" dirty="0">
+                <a:solidFill>
+                  <a:schemeClr val="tx1">
+                    <a:lumMod val="50000"/>
+                    <a:lumOff val="50000"/>
+                  </a:schemeClr>
+                </a:solidFill>
+              </a:rPr>
+              <a:t>ycle)</a:t>
+            </a:r>
+            <a:endParaRPr lang="ko-KR" altLang="en-US" dirty="0">
+              <a:solidFill>
+                <a:schemeClr val="tx1">
+                  <a:lumMod val="50000"/>
+                  <a:lumOff val="50000"/>
+                </a:schemeClr>
+              </a:solidFill>
+            </a:endParaRPr>
           </a:p>
         </p:txBody>
       </p:sp>
@@ -3414,27 +5553,41 @@
                   <a:schemeClr val="bg1"/>
                 </a:solidFill>
               </a:rPr>
-              <a:t>시나리오 </a:t>
-            </a:r>
-            <a:r>
-              <a:rPr lang="en-US" altLang="ko-KR" sz="800" dirty="0">
-                <a:solidFill>
-                  <a:schemeClr val="bg1"/>
-                </a:solidFill>
-              </a:rPr>
-              <a:t>1 : </a:t>
-            </a:r>
-            <a:r>
-              <a:rPr lang="ko-KR" altLang="en-US" sz="800" dirty="0">
-                <a:solidFill>
-                  <a:schemeClr val="bg1"/>
-                </a:solidFill>
-              </a:rPr>
-              <a:t>재처리</a:t>
-            </a:r>
-          </a:p>
-        </p:txBody>
-      </p:sp>
+              <a:t>시나리오 소개</a:t>
+            </a:r>
+          </a:p>
+        </p:txBody>
+      </p:sp>
+      <p:pic>
+        <p:nvPicPr>
+          <p:cNvPr id="9" name="그림 8">
+            <a:extLst>
+              <a:ext uri="{FF2B5EF4-FFF2-40B4-BE49-F238E27FC236}">
+                <a16:creationId xmlns:a16="http://schemas.microsoft.com/office/drawing/2014/main" id="{147928A5-EBD9-4BA3-4D03-A74879CCADF1}"/>
+              </a:ext>
+            </a:extLst>
+          </p:cNvPr>
+          <p:cNvPicPr>
+            <a:picLocks noChangeAspect="1"/>
+          </p:cNvPicPr>
+          <p:nvPr/>
+        </p:nvPicPr>
+        <p:blipFill>
+          <a:blip r:embed="rId3"/>
+          <a:stretch>
+            <a:fillRect/>
+          </a:stretch>
+        </p:blipFill>
+        <p:spPr>
+          <a:xfrm>
+            <a:off x="2873957" y="1697106"/>
+            <a:ext cx="3396086" cy="3404152"/>
+          </a:xfrm>
+          <a:prstGeom prst="rect">
+            <a:avLst/>
+          </a:prstGeom>
+        </p:spPr>
+      </p:pic>
     </p:spTree>
     <p:extLst>
       <p:ext uri="{BB962C8B-B14F-4D97-AF65-F5344CB8AC3E}">
@@ -3470,7 +5623,7 @@
           <p:cNvPr id="2" name="제목 1">
             <a:extLst>
               <a:ext uri="{FF2B5EF4-FFF2-40B4-BE49-F238E27FC236}">
-                <a16:creationId xmlns:a16="http://schemas.microsoft.com/office/drawing/2014/main" id="{9896B29B-A1AE-E0C6-8543-753E63140B1C}"/>
+                <a16:creationId xmlns:a16="http://schemas.microsoft.com/office/drawing/2014/main" id="{D21C1AA9-5E52-3A11-B3B3-447787E29D09}"/>
               </a:ext>
             </a:extLst>
           </p:cNvPr>
@@ -3478,29 +5631,27 @@
             <a:spLocks noGrp="1"/>
           </p:cNvSpPr>
           <p:nvPr>
-            <p:ph type="ctrTitle"/>
+            <p:ph type="title"/>
           </p:nvPr>
         </p:nvSpPr>
         <p:spPr/>
         <p:txBody>
-          <a:bodyPr>
-            <a:normAutofit/>
-          </a:bodyPr>
+          <a:bodyPr/>
           <a:lstStyle/>
           <a:p>
             <a:r>
-              <a:rPr lang="ko-KR" altLang="en-US" b="1" dirty="0"/>
-              <a:t>결제서비스 기능확장</a:t>
-            </a:r>
-          </a:p>
-        </p:txBody>
-      </p:sp>
-      <p:sp>
-        <p:nvSpPr>
-          <p:cNvPr id="4" name="부제목 3">
+              <a:rPr lang="ko-KR" altLang="en-US" dirty="0"/>
+              <a:t>시나리오 소개</a:t>
+            </a:r>
+          </a:p>
+        </p:txBody>
+      </p:sp>
+      <p:sp>
+        <p:nvSpPr>
+          <p:cNvPr id="3" name="내용 개체 틀 2">
             <a:extLst>
               <a:ext uri="{FF2B5EF4-FFF2-40B4-BE49-F238E27FC236}">
-                <a16:creationId xmlns:a16="http://schemas.microsoft.com/office/drawing/2014/main" id="{7219E4B9-47F6-C7CA-B046-1256225C3574}"/>
+                <a16:creationId xmlns:a16="http://schemas.microsoft.com/office/drawing/2014/main" id="{D45A9A32-7073-497F-480A-5D1BD79C6B71}"/>
               </a:ext>
             </a:extLst>
           </p:cNvPr>
@@ -3508,46 +5659,175 @@
             <a:spLocks noGrp="1"/>
           </p:cNvSpPr>
           <p:nvPr>
-            <p:ph type="subTitle" idx="1"/>
+            <p:ph idx="1"/>
           </p:nvPr>
         </p:nvSpPr>
         <p:spPr/>
         <p:txBody>
-          <a:bodyPr>
-            <a:normAutofit/>
+          <a:bodyPr/>
+          <a:lstStyle/>
+          <a:p>
+            <a:pPr marL="0" indent="0">
+              <a:buNone/>
+            </a:pPr>
+            <a:r>
+              <a:rPr lang="en-US" altLang="ko-KR" dirty="0"/>
+              <a:t>1. </a:t>
+            </a:r>
+            <a:r>
+              <a:rPr lang="ko-KR" altLang="en-US" dirty="0"/>
+              <a:t>결제 재처리</a:t>
+            </a:r>
+            <a:endParaRPr lang="en-US" altLang="ko-KR" dirty="0"/>
+          </a:p>
+          <a:p>
+            <a:pPr marL="0" indent="0">
+              <a:buNone/>
+            </a:pPr>
+            <a:endParaRPr lang="en-US" altLang="ko-KR" sz="100" dirty="0"/>
+          </a:p>
+          <a:p>
+            <a:pPr marL="0" indent="0">
+              <a:buNone/>
+            </a:pPr>
+            <a:r>
+              <a:rPr lang="en-US" altLang="ko-KR" dirty="0"/>
+              <a:t>2. </a:t>
+            </a:r>
+            <a:r>
+              <a:rPr lang="ko-KR" altLang="en-US" dirty="0"/>
+              <a:t>결제 이력 조회성능 개선</a:t>
+            </a:r>
+            <a:endParaRPr lang="en-US" altLang="ko-KR" dirty="0"/>
+          </a:p>
+        </p:txBody>
+      </p:sp>
+      <p:sp>
+        <p:nvSpPr>
+          <p:cNvPr id="7" name="Google Shape;209;p30">
+            <a:extLst>
+              <a:ext uri="{FF2B5EF4-FFF2-40B4-BE49-F238E27FC236}">
+                <a16:creationId xmlns:a16="http://schemas.microsoft.com/office/drawing/2014/main" id="{35F3E219-4EBB-8DE8-0966-E4317399395E}"/>
+              </a:ext>
+            </a:extLst>
+          </p:cNvPr>
+          <p:cNvSpPr/>
+          <p:nvPr/>
+        </p:nvSpPr>
+        <p:spPr>
+          <a:xfrm>
+            <a:off x="7811013" y="528014"/>
+            <a:ext cx="952500" cy="298200"/>
+          </a:xfrm>
+          <a:prstGeom prst="rect">
+            <a:avLst/>
+          </a:prstGeom>
+          <a:noFill/>
+          <a:ln>
+            <a:noFill/>
+          </a:ln>
+        </p:spPr>
+        <p:txBody>
+          <a:bodyPr spcFirstLastPara="1" wrap="square" lIns="19050" tIns="19050" rIns="19050" bIns="19050" anchor="t" anchorCtr="0">
+            <a:noAutofit/>
           </a:bodyPr>
           <a:lstStyle/>
           <a:p>
-            <a:pPr marL="0" indent="0" algn="r">
+            <a:pPr marL="63500" marR="0" lvl="1" indent="0" algn="l" rtl="0">
+              <a:lnSpc>
+                <a:spcPct val="90000"/>
+              </a:lnSpc>
+              <a:spcBef>
+                <a:spcPts val="0"/>
+              </a:spcBef>
+              <a:spcAft>
+                <a:spcPts val="0"/>
+              </a:spcAft>
               <a:buNone/>
             </a:pPr>
             <a:r>
-              <a:rPr lang="en-US" altLang="ko" b="1" dirty="0">
+              <a:rPr lang="en-US" altLang="ko" sz="1200" b="1" i="0" u="none" strike="noStrike" cap="none" dirty="0">
                 <a:solidFill>
-                  <a:srgbClr val="ED234B"/>
+                  <a:schemeClr val="bg1"/>
+                </a:solidFill>
+                <a:latin typeface="Arial"/>
+                <a:ea typeface="Arial"/>
+                <a:cs typeface="Arial"/>
+                <a:sym typeface="Arial"/>
+              </a:rPr>
+              <a:t>1</a:t>
+            </a:r>
+            <a:r>
+              <a:rPr lang="ko" sz="1200" b="1" i="0" u="none" strike="noStrike" cap="none" dirty="0">
+                <a:solidFill>
+                  <a:schemeClr val="bg1"/>
+                </a:solidFill>
+                <a:latin typeface="Arial"/>
+                <a:ea typeface="Arial"/>
+                <a:cs typeface="Arial"/>
+                <a:sym typeface="Arial"/>
+              </a:rPr>
+              <a:t>.</a:t>
+            </a:r>
+            <a:endParaRPr sz="500" dirty="0">
+              <a:solidFill>
+                <a:schemeClr val="bg1"/>
+              </a:solidFill>
+            </a:endParaRPr>
+          </a:p>
+        </p:txBody>
+      </p:sp>
+      <p:sp>
+        <p:nvSpPr>
+          <p:cNvPr id="8" name="Google Shape;210;p30">
+            <a:extLst>
+              <a:ext uri="{FF2B5EF4-FFF2-40B4-BE49-F238E27FC236}">
+                <a16:creationId xmlns:a16="http://schemas.microsoft.com/office/drawing/2014/main" id="{8CB63A74-B5C7-DCAA-53F5-96E44004D694}"/>
+              </a:ext>
+            </a:extLst>
+          </p:cNvPr>
+          <p:cNvSpPr/>
+          <p:nvPr/>
+        </p:nvSpPr>
+        <p:spPr>
+          <a:xfrm>
+            <a:off x="7811013" y="825047"/>
+            <a:ext cx="952500" cy="293400"/>
+          </a:xfrm>
+          <a:prstGeom prst="rect">
+            <a:avLst/>
+          </a:prstGeom>
+          <a:noFill/>
+          <a:ln>
+            <a:noFill/>
+          </a:ln>
+        </p:spPr>
+        <p:txBody>
+          <a:bodyPr spcFirstLastPara="1" wrap="square" lIns="19050" tIns="19050" rIns="19050" bIns="19050" anchor="t" anchorCtr="0">
+            <a:noAutofit/>
+          </a:bodyPr>
+          <a:lstStyle/>
+          <a:p>
+            <a:pPr marL="63500" marR="0" lvl="1" indent="0" algn="l" rtl="0">
+              <a:spcBef>
+                <a:spcPts val="200"/>
+              </a:spcBef>
+              <a:spcAft>
+                <a:spcPts val="0"/>
+              </a:spcAft>
+              <a:buClr>
+                <a:srgbClr val="000000"/>
+              </a:buClr>
+              <a:buFont typeface="Arial"/>
+              <a:buNone/>
+            </a:pPr>
+            <a:r>
+              <a:rPr lang="ko-KR" altLang="en-US" sz="800" dirty="0">
+                <a:solidFill>
+                  <a:schemeClr val="bg1"/>
                 </a:solidFill>
               </a:rPr>
-              <a:t>2</a:t>
-            </a:r>
-            <a:r>
-              <a:rPr lang="ko" altLang="ko-KR" b="1" dirty="0">
-                <a:solidFill>
-                  <a:srgbClr val="ED234B"/>
-                </a:solidFill>
-              </a:rPr>
-              <a:t> </a:t>
-            </a:r>
-            <a:r>
-              <a:rPr lang="ko-KR" altLang="en-US" dirty="0"/>
-              <a:t>시나리오 </a:t>
-            </a:r>
-            <a:r>
-              <a:rPr lang="en-US" altLang="ko-KR" dirty="0"/>
-              <a:t>2 : </a:t>
-            </a:r>
-            <a:r>
-              <a:rPr lang="ko-KR" altLang="en-US" dirty="0"/>
-              <a:t>주문이력 조회성능 개선</a:t>
+              <a:t>시나리오 소개</a:t>
             </a:r>
           </a:p>
         </p:txBody>
@@ -3555,7 +5835,7 @@
     </p:spTree>
     <p:extLst>
       <p:ext uri="{BB962C8B-B14F-4D97-AF65-F5344CB8AC3E}">
-        <p14:creationId xmlns:p14="http://schemas.microsoft.com/office/powerpoint/2010/main" val="792431234"/>
+        <p14:creationId xmlns:p14="http://schemas.microsoft.com/office/powerpoint/2010/main" val="1256973975"/>
       </p:ext>
     </p:extLst>
   </p:cSld>
@@ -3587,7 +5867,7 @@
           <p:cNvPr id="2" name="제목 1">
             <a:extLst>
               <a:ext uri="{FF2B5EF4-FFF2-40B4-BE49-F238E27FC236}">
-                <a16:creationId xmlns:a16="http://schemas.microsoft.com/office/drawing/2014/main" id="{D21C1AA9-5E52-3A11-B3B3-447787E29D09}"/>
+                <a16:creationId xmlns:a16="http://schemas.microsoft.com/office/drawing/2014/main" id="{9896B29B-A1AE-E0C6-8543-753E63140B1C}"/>
               </a:ext>
             </a:extLst>
           </p:cNvPr>
@@ -3595,163 +5875,76 @@
             <a:spLocks noGrp="1"/>
           </p:cNvSpPr>
           <p:nvPr>
-            <p:ph type="title"/>
+            <p:ph type="ctrTitle"/>
           </p:nvPr>
         </p:nvSpPr>
         <p:spPr/>
         <p:txBody>
-          <a:bodyPr/>
+          <a:bodyPr>
+            <a:normAutofit/>
+          </a:bodyPr>
           <a:lstStyle/>
           <a:p>
             <a:r>
-              <a:rPr lang="ko-KR" altLang="en-US" dirty="0"/>
-              <a:t>결제 서비스</a:t>
-            </a:r>
-          </a:p>
-        </p:txBody>
-      </p:sp>
-      <p:sp>
-        <p:nvSpPr>
-          <p:cNvPr id="7" name="Google Shape;209;p30">
+              <a:rPr lang="ko-KR" altLang="en-US" b="1" dirty="0"/>
+              <a:t>결제서비스 기능확장</a:t>
+            </a:r>
+          </a:p>
+        </p:txBody>
+      </p:sp>
+      <p:sp>
+        <p:nvSpPr>
+          <p:cNvPr id="4" name="부제목 3">
             <a:extLst>
               <a:ext uri="{FF2B5EF4-FFF2-40B4-BE49-F238E27FC236}">
-                <a16:creationId xmlns:a16="http://schemas.microsoft.com/office/drawing/2014/main" id="{35F3E219-4EBB-8DE8-0966-E4317399395E}"/>
+                <a16:creationId xmlns:a16="http://schemas.microsoft.com/office/drawing/2014/main" id="{7219E4B9-47F6-C7CA-B046-1256225C3574}"/>
               </a:ext>
             </a:extLst>
           </p:cNvPr>
-          <p:cNvSpPr/>
-          <p:nvPr/>
-        </p:nvSpPr>
-        <p:spPr>
-          <a:xfrm>
-            <a:off x="7811013" y="528014"/>
-            <a:ext cx="952500" cy="298200"/>
-          </a:xfrm>
-          <a:prstGeom prst="rect">
-            <a:avLst/>
-          </a:prstGeom>
-          <a:noFill/>
-          <a:ln>
-            <a:noFill/>
-          </a:ln>
-        </p:spPr>
-        <p:txBody>
-          <a:bodyPr spcFirstLastPara="1" wrap="square" lIns="19050" tIns="19050" rIns="19050" bIns="19050" anchor="t" anchorCtr="0">
-            <a:noAutofit/>
+          <p:cNvSpPr>
+            <a:spLocks noGrp="1"/>
+          </p:cNvSpPr>
+          <p:nvPr>
+            <p:ph type="subTitle" idx="1"/>
+          </p:nvPr>
+        </p:nvSpPr>
+        <p:spPr/>
+        <p:txBody>
+          <a:bodyPr>
+            <a:normAutofit/>
           </a:bodyPr>
           <a:lstStyle/>
           <a:p>
-            <a:pPr marL="63500" marR="0" lvl="1" indent="0" algn="l" rtl="0">
-              <a:lnSpc>
-                <a:spcPct val="90000"/>
-              </a:lnSpc>
-              <a:spcBef>
-                <a:spcPts val="0"/>
-              </a:spcBef>
-              <a:spcAft>
-                <a:spcPts val="0"/>
-              </a:spcAft>
+            <a:pPr marL="0" indent="0" algn="r">
               <a:buNone/>
             </a:pPr>
             <a:r>
-              <a:rPr lang="en-US" altLang="ko" sz="1200" b="1" i="0" u="none" strike="noStrike" cap="none" dirty="0">
+              <a:rPr lang="en-US" altLang="ko" b="1" dirty="0">
                 <a:solidFill>
-                  <a:schemeClr val="bg1"/>
+                  <a:srgbClr val="ED234B"/>
                 </a:solidFill>
-                <a:latin typeface="Arial"/>
-                <a:ea typeface="Arial"/>
-                <a:cs typeface="Arial"/>
-                <a:sym typeface="Arial"/>
               </a:rPr>
               <a:t>2</a:t>
             </a:r>
             <a:r>
-              <a:rPr lang="ko" sz="1200" b="1" i="0" u="none" strike="noStrike" cap="none" dirty="0">
+              <a:rPr lang="ko" altLang="ko-KR" b="1" dirty="0">
                 <a:solidFill>
-                  <a:schemeClr val="bg1"/>
-                </a:solidFill>
-                <a:latin typeface="Arial"/>
-                <a:ea typeface="Arial"/>
-                <a:cs typeface="Arial"/>
-                <a:sym typeface="Arial"/>
-              </a:rPr>
-              <a:t>.</a:t>
-            </a:r>
-            <a:endParaRPr sz="500" dirty="0">
-              <a:solidFill>
-                <a:schemeClr val="bg1"/>
-              </a:solidFill>
-            </a:endParaRPr>
-          </a:p>
-        </p:txBody>
-      </p:sp>
-      <p:sp>
-        <p:nvSpPr>
-          <p:cNvPr id="8" name="Google Shape;210;p30">
-            <a:extLst>
-              <a:ext uri="{FF2B5EF4-FFF2-40B4-BE49-F238E27FC236}">
-                <a16:creationId xmlns:a16="http://schemas.microsoft.com/office/drawing/2014/main" id="{8CB63A74-B5C7-DCAA-53F5-96E44004D694}"/>
-              </a:ext>
-            </a:extLst>
-          </p:cNvPr>
-          <p:cNvSpPr/>
-          <p:nvPr/>
-        </p:nvSpPr>
-        <p:spPr>
-          <a:xfrm>
-            <a:off x="7811013" y="825047"/>
-            <a:ext cx="952500" cy="293400"/>
-          </a:xfrm>
-          <a:prstGeom prst="rect">
-            <a:avLst/>
-          </a:prstGeom>
-          <a:noFill/>
-          <a:ln>
-            <a:noFill/>
-          </a:ln>
-        </p:spPr>
-        <p:txBody>
-          <a:bodyPr spcFirstLastPara="1" wrap="square" lIns="19050" tIns="19050" rIns="19050" bIns="19050" anchor="t" anchorCtr="0">
-            <a:noAutofit/>
-          </a:bodyPr>
-          <a:lstStyle/>
-          <a:p>
-            <a:pPr marL="63500" marR="0" lvl="1" indent="0" algn="l" rtl="0">
-              <a:spcBef>
-                <a:spcPts val="200"/>
-              </a:spcBef>
-              <a:spcAft>
-                <a:spcPts val="0"/>
-              </a:spcAft>
-              <a:buClr>
-                <a:srgbClr val="000000"/>
-              </a:buClr>
-              <a:buFont typeface="Arial"/>
-              <a:buNone/>
-            </a:pPr>
-            <a:r>
-              <a:rPr lang="ko-KR" altLang="en-US" sz="800" dirty="0">
-                <a:solidFill>
-                  <a:schemeClr val="bg1"/>
+                  <a:srgbClr val="ED234B"/>
                 </a:solidFill>
               </a:rPr>
+              <a:t> </a:t>
+            </a:r>
+            <a:r>
+              <a:rPr lang="ko-KR" altLang="en-US" dirty="0"/>
               <a:t>시나리오 </a:t>
             </a:r>
             <a:r>
-              <a:rPr lang="en-US" altLang="ko-KR" sz="800" dirty="0">
-                <a:solidFill>
-                  <a:schemeClr val="bg1"/>
-                </a:solidFill>
-              </a:rPr>
-              <a:t>2 : </a:t>
-            </a:r>
-            <a:r>
-              <a:rPr lang="ko-KR" altLang="en-US" sz="800" dirty="0">
-                <a:solidFill>
-                  <a:schemeClr val="bg1"/>
-                </a:solidFill>
-              </a:rPr>
-              <a:t>주문이력 조회성능 개선</a:t>
+              <a:rPr lang="en-US" altLang="ko-KR" dirty="0"/>
+              <a:t>1 : </a:t>
+            </a:r>
+            <a:r>
+              <a:rPr lang="ko-KR" altLang="en-US" dirty="0"/>
+              <a:t>결제 재처리</a:t>
             </a:r>
           </a:p>
         </p:txBody>
@@ -3759,7 +5952,7 @@
     </p:spTree>
     <p:extLst>
       <p:ext uri="{BB962C8B-B14F-4D97-AF65-F5344CB8AC3E}">
-        <p14:creationId xmlns:p14="http://schemas.microsoft.com/office/powerpoint/2010/main" val="2638903025"/>
+        <p14:creationId xmlns:p14="http://schemas.microsoft.com/office/powerpoint/2010/main" val="1626421078"/>
       </p:ext>
     </p:extLst>
   </p:cSld>
@@ -3788,10 +5981,10 @@
       </p:grpSpPr>
       <p:sp>
         <p:nvSpPr>
-          <p:cNvPr id="4" name="제목 3">
+          <p:cNvPr id="2" name="제목 1">
             <a:extLst>
               <a:ext uri="{FF2B5EF4-FFF2-40B4-BE49-F238E27FC236}">
-                <a16:creationId xmlns:a16="http://schemas.microsoft.com/office/drawing/2014/main" id="{AA6C3C0E-F24F-9763-AC2A-545FB7F3873E}"/>
+                <a16:creationId xmlns:a16="http://schemas.microsoft.com/office/drawing/2014/main" id="{D21C1AA9-5E52-3A11-B3B3-447787E29D09}"/>
               </a:ext>
             </a:extLst>
           </p:cNvPr>
@@ -3799,7 +5992,7 @@
             <a:spLocks noGrp="1"/>
           </p:cNvSpPr>
           <p:nvPr>
-            <p:ph type="ctrTitle"/>
+            <p:ph type="title"/>
           </p:nvPr>
         </p:nvSpPr>
         <p:spPr/>
@@ -3809,47 +6002,189 @@
           <a:p>
             <a:r>
               <a:rPr lang="ko-KR" altLang="en-US" dirty="0"/>
-              <a:t>서비스 설치 및 연동</a:t>
-            </a:r>
-          </a:p>
-        </p:txBody>
-      </p:sp>
-      <p:sp>
-        <p:nvSpPr>
-          <p:cNvPr id="5" name="부제목 4">
+              <a:t>시나리오 </a:t>
+            </a:r>
+            <a:r>
+              <a:rPr lang="en-US" altLang="ko-KR" dirty="0"/>
+              <a:t>1 : </a:t>
+            </a:r>
+            <a:r>
+              <a:rPr lang="ko-KR" altLang="en-US" dirty="0"/>
+              <a:t>결제 재처리 </a:t>
+            </a:r>
+            <a:r>
+              <a:rPr lang="en-US" altLang="ko-KR" dirty="0"/>
+              <a:t>(MVC)</a:t>
+            </a:r>
+            <a:endParaRPr lang="ko-KR" altLang="en-US" dirty="0"/>
+          </a:p>
+        </p:txBody>
+      </p:sp>
+      <p:sp>
+        <p:nvSpPr>
+          <p:cNvPr id="7" name="Google Shape;209;p30">
             <a:extLst>
               <a:ext uri="{FF2B5EF4-FFF2-40B4-BE49-F238E27FC236}">
-                <a16:creationId xmlns:a16="http://schemas.microsoft.com/office/drawing/2014/main" id="{CAF74D28-A379-C9BB-D8F9-E3B6A7427E89}"/>
+                <a16:creationId xmlns:a16="http://schemas.microsoft.com/office/drawing/2014/main" id="{35F3E219-4EBB-8DE8-0966-E4317399395E}"/>
               </a:ext>
             </a:extLst>
           </p:cNvPr>
-          <p:cNvSpPr>
-            <a:spLocks noGrp="1"/>
-          </p:cNvSpPr>
-          <p:nvPr>
-            <p:ph type="subTitle" idx="1"/>
-          </p:nvPr>
-        </p:nvSpPr>
-        <p:spPr/>
-        <p:txBody>
-          <a:bodyPr/>
+          <p:cNvSpPr/>
+          <p:nvPr/>
+        </p:nvSpPr>
+        <p:spPr>
+          <a:xfrm>
+            <a:off x="7811013" y="528014"/>
+            <a:ext cx="952500" cy="298200"/>
+          </a:xfrm>
+          <a:prstGeom prst="rect">
+            <a:avLst/>
+          </a:prstGeom>
+          <a:noFill/>
+          <a:ln>
+            <a:noFill/>
+          </a:ln>
+        </p:spPr>
+        <p:txBody>
+          <a:bodyPr spcFirstLastPara="1" wrap="square" lIns="19050" tIns="19050" rIns="19050" bIns="19050" anchor="t" anchorCtr="0">
+            <a:noAutofit/>
+          </a:bodyPr>
           <a:lstStyle/>
           <a:p>
-            <a:pPr marL="0" indent="0" algn="r">
+            <a:pPr marL="63500" marR="0" lvl="1" indent="0" algn="l" rtl="0">
+              <a:lnSpc>
+                <a:spcPct val="90000"/>
+              </a:lnSpc>
+              <a:spcBef>
+                <a:spcPts val="0"/>
+              </a:spcBef>
+              <a:spcAft>
+                <a:spcPts val="0"/>
+              </a:spcAft>
               <a:buNone/>
             </a:pPr>
             <a:r>
-              <a:rPr lang="en-US" altLang="ko-KR" dirty="0"/>
-              <a:t>Kafka</a:t>
-            </a:r>
-            <a:endParaRPr lang="ko-KR" altLang="en-US" dirty="0"/>
+              <a:rPr lang="en-US" altLang="ko" sz="1200" b="1" i="0" u="none" strike="noStrike" cap="none" dirty="0">
+                <a:solidFill>
+                  <a:schemeClr val="bg1"/>
+                </a:solidFill>
+                <a:latin typeface="Arial"/>
+                <a:ea typeface="Arial"/>
+                <a:cs typeface="Arial"/>
+                <a:sym typeface="Arial"/>
+              </a:rPr>
+              <a:t>2</a:t>
+            </a:r>
+            <a:r>
+              <a:rPr lang="ko" sz="1200" b="1" i="0" u="none" strike="noStrike" cap="none" dirty="0">
+                <a:solidFill>
+                  <a:schemeClr val="bg1"/>
+                </a:solidFill>
+                <a:latin typeface="Arial"/>
+                <a:ea typeface="Arial"/>
+                <a:cs typeface="Arial"/>
+                <a:sym typeface="Arial"/>
+              </a:rPr>
+              <a:t>.</a:t>
+            </a:r>
+            <a:endParaRPr sz="500" dirty="0">
+              <a:solidFill>
+                <a:schemeClr val="bg1"/>
+              </a:solidFill>
+            </a:endParaRPr>
+          </a:p>
+        </p:txBody>
+      </p:sp>
+      <p:sp>
+        <p:nvSpPr>
+          <p:cNvPr id="8" name="Google Shape;210;p30">
+            <a:extLst>
+              <a:ext uri="{FF2B5EF4-FFF2-40B4-BE49-F238E27FC236}">
+                <a16:creationId xmlns:a16="http://schemas.microsoft.com/office/drawing/2014/main" id="{8CB63A74-B5C7-DCAA-53F5-96E44004D694}"/>
+              </a:ext>
+            </a:extLst>
+          </p:cNvPr>
+          <p:cNvSpPr/>
+          <p:nvPr/>
+        </p:nvSpPr>
+        <p:spPr>
+          <a:xfrm>
+            <a:off x="7811013" y="825047"/>
+            <a:ext cx="952500" cy="293400"/>
+          </a:xfrm>
+          <a:prstGeom prst="rect">
+            <a:avLst/>
+          </a:prstGeom>
+          <a:noFill/>
+          <a:ln>
+            <a:noFill/>
+          </a:ln>
+        </p:spPr>
+        <p:txBody>
+          <a:bodyPr spcFirstLastPara="1" wrap="square" lIns="19050" tIns="19050" rIns="19050" bIns="19050" anchor="t" anchorCtr="0">
+            <a:noAutofit/>
+          </a:bodyPr>
+          <a:lstStyle/>
+          <a:p>
+            <a:pPr marL="63500" marR="0" lvl="1" indent="0" algn="l" rtl="0">
+              <a:spcBef>
+                <a:spcPts val="200"/>
+              </a:spcBef>
+              <a:spcAft>
+                <a:spcPts val="0"/>
+              </a:spcAft>
+              <a:buClr>
+                <a:srgbClr val="000000"/>
+              </a:buClr>
+              <a:buFont typeface="Arial"/>
+              <a:buNone/>
+            </a:pPr>
+            <a:r>
+              <a:rPr lang="ko-KR" altLang="en-US" sz="800" dirty="0">
+                <a:solidFill>
+                  <a:schemeClr val="bg1"/>
+                </a:solidFill>
+              </a:rPr>
+              <a:t>시나리오 </a:t>
+            </a:r>
+            <a:r>
+              <a:rPr lang="en-US" altLang="ko-KR" sz="800" dirty="0">
+                <a:solidFill>
+                  <a:schemeClr val="bg1"/>
+                </a:solidFill>
+              </a:rPr>
+              <a:t>1 :</a:t>
+            </a:r>
+          </a:p>
+          <a:p>
+            <a:pPr marL="63500" marR="0" lvl="1" indent="0" algn="l" rtl="0">
+              <a:spcBef>
+                <a:spcPts val="200"/>
+              </a:spcBef>
+              <a:spcAft>
+                <a:spcPts val="0"/>
+              </a:spcAft>
+              <a:buClr>
+                <a:srgbClr val="000000"/>
+              </a:buClr>
+              <a:buFont typeface="Arial"/>
+              <a:buNone/>
+            </a:pPr>
+            <a:r>
+              <a:rPr lang="ko-KR" altLang="en-US" sz="800" dirty="0">
+                <a:solidFill>
+                  <a:schemeClr val="bg1"/>
+                </a:solidFill>
+              </a:rPr>
+              <a:t>결제 재처리</a:t>
+            </a:r>
           </a:p>
         </p:txBody>
       </p:sp>
     </p:spTree>
     <p:extLst>
       <p:ext uri="{BB962C8B-B14F-4D97-AF65-F5344CB8AC3E}">
-        <p14:creationId xmlns:p14="http://schemas.microsoft.com/office/powerpoint/2010/main" val="3878263524"/>
+        <p14:creationId xmlns:p14="http://schemas.microsoft.com/office/powerpoint/2010/main" val="4228275616"/>
       </p:ext>
     </p:extLst>
   </p:cSld>
@@ -3878,10 +6213,10 @@
       </p:grpSpPr>
       <p:sp>
         <p:nvSpPr>
-          <p:cNvPr id="4" name="제목 3">
+          <p:cNvPr id="2" name="제목 1">
             <a:extLst>
               <a:ext uri="{FF2B5EF4-FFF2-40B4-BE49-F238E27FC236}">
-                <a16:creationId xmlns:a16="http://schemas.microsoft.com/office/drawing/2014/main" id="{AA6C3C0E-F24F-9763-AC2A-545FB7F3873E}"/>
+                <a16:creationId xmlns:a16="http://schemas.microsoft.com/office/drawing/2014/main" id="{D21C1AA9-5E52-3A11-B3B3-447787E29D09}"/>
               </a:ext>
             </a:extLst>
           </p:cNvPr>
@@ -3889,7 +6224,7 @@
             <a:spLocks noGrp="1"/>
           </p:cNvSpPr>
           <p:nvPr>
-            <p:ph type="ctrTitle"/>
+            <p:ph type="title"/>
           </p:nvPr>
         </p:nvSpPr>
         <p:spPr/>
@@ -3899,20 +6234,600 @@
           <a:p>
             <a:r>
               <a:rPr lang="ko-KR" altLang="en-US" dirty="0"/>
-              <a:t>서비스 설치 및 연동</a:t>
-            </a:r>
-          </a:p>
-        </p:txBody>
-      </p:sp>
-      <p:sp>
-        <p:nvSpPr>
-          <p:cNvPr id="5" name="부제목 4">
+              <a:t>시나리오 </a:t>
+            </a:r>
+            <a:r>
+              <a:rPr lang="en-US" altLang="ko-KR" dirty="0"/>
+              <a:t>1 : </a:t>
+            </a:r>
+            <a:r>
+              <a:rPr lang="ko-KR" altLang="en-US" dirty="0"/>
+              <a:t>결제 재처리 </a:t>
+            </a:r>
+            <a:r>
+              <a:rPr lang="en-US" altLang="ko-KR" dirty="0"/>
+              <a:t>(</a:t>
+            </a:r>
+            <a:r>
+              <a:rPr lang="en-US" altLang="ko-KR" dirty="0" err="1"/>
+              <a:t>Webflux</a:t>
+            </a:r>
+            <a:r>
+              <a:rPr lang="en-US" altLang="ko-KR" dirty="0"/>
+              <a:t>)</a:t>
+            </a:r>
+            <a:endParaRPr lang="ko-KR" altLang="en-US" dirty="0"/>
+          </a:p>
+        </p:txBody>
+      </p:sp>
+      <p:sp>
+        <p:nvSpPr>
+          <p:cNvPr id="7" name="Google Shape;209;p30">
             <a:extLst>
               <a:ext uri="{FF2B5EF4-FFF2-40B4-BE49-F238E27FC236}">
-                <a16:creationId xmlns:a16="http://schemas.microsoft.com/office/drawing/2014/main" id="{CAF74D28-A379-C9BB-D8F9-E3B6A7427E89}"/>
+                <a16:creationId xmlns:a16="http://schemas.microsoft.com/office/drawing/2014/main" id="{35F3E219-4EBB-8DE8-0966-E4317399395E}"/>
               </a:ext>
             </a:extLst>
           </p:cNvPr>
+          <p:cNvSpPr/>
+          <p:nvPr/>
+        </p:nvSpPr>
+        <p:spPr>
+          <a:xfrm>
+            <a:off x="7811013" y="528014"/>
+            <a:ext cx="952500" cy="298200"/>
+          </a:xfrm>
+          <a:prstGeom prst="rect">
+            <a:avLst/>
+          </a:prstGeom>
+          <a:noFill/>
+          <a:ln>
+            <a:noFill/>
+          </a:ln>
+        </p:spPr>
+        <p:txBody>
+          <a:bodyPr spcFirstLastPara="1" wrap="square" lIns="19050" tIns="19050" rIns="19050" bIns="19050" anchor="t" anchorCtr="0">
+            <a:noAutofit/>
+          </a:bodyPr>
+          <a:lstStyle/>
+          <a:p>
+            <a:pPr marL="63500" marR="0" lvl="1" indent="0" algn="l" rtl="0">
+              <a:lnSpc>
+                <a:spcPct val="90000"/>
+              </a:lnSpc>
+              <a:spcBef>
+                <a:spcPts val="0"/>
+              </a:spcBef>
+              <a:spcAft>
+                <a:spcPts val="0"/>
+              </a:spcAft>
+              <a:buNone/>
+            </a:pPr>
+            <a:r>
+              <a:rPr lang="en-US" altLang="ko" sz="1200" b="1" i="0" u="none" strike="noStrike" cap="none" dirty="0">
+                <a:solidFill>
+                  <a:schemeClr val="bg1"/>
+                </a:solidFill>
+                <a:latin typeface="Arial"/>
+                <a:ea typeface="Arial"/>
+                <a:cs typeface="Arial"/>
+                <a:sym typeface="Arial"/>
+              </a:rPr>
+              <a:t>2</a:t>
+            </a:r>
+            <a:r>
+              <a:rPr lang="ko" sz="1200" b="1" i="0" u="none" strike="noStrike" cap="none" dirty="0">
+                <a:solidFill>
+                  <a:schemeClr val="bg1"/>
+                </a:solidFill>
+                <a:latin typeface="Arial"/>
+                <a:ea typeface="Arial"/>
+                <a:cs typeface="Arial"/>
+                <a:sym typeface="Arial"/>
+              </a:rPr>
+              <a:t>.</a:t>
+            </a:r>
+            <a:endParaRPr sz="500" dirty="0">
+              <a:solidFill>
+                <a:schemeClr val="bg1"/>
+              </a:solidFill>
+            </a:endParaRPr>
+          </a:p>
+        </p:txBody>
+      </p:sp>
+      <p:sp>
+        <p:nvSpPr>
+          <p:cNvPr id="8" name="Google Shape;210;p30">
+            <a:extLst>
+              <a:ext uri="{FF2B5EF4-FFF2-40B4-BE49-F238E27FC236}">
+                <a16:creationId xmlns:a16="http://schemas.microsoft.com/office/drawing/2014/main" id="{8CB63A74-B5C7-DCAA-53F5-96E44004D694}"/>
+              </a:ext>
+            </a:extLst>
+          </p:cNvPr>
+          <p:cNvSpPr/>
+          <p:nvPr/>
+        </p:nvSpPr>
+        <p:spPr>
+          <a:xfrm>
+            <a:off x="7811013" y="825047"/>
+            <a:ext cx="952500" cy="293400"/>
+          </a:xfrm>
+          <a:prstGeom prst="rect">
+            <a:avLst/>
+          </a:prstGeom>
+          <a:noFill/>
+          <a:ln>
+            <a:noFill/>
+          </a:ln>
+        </p:spPr>
+        <p:txBody>
+          <a:bodyPr spcFirstLastPara="1" wrap="square" lIns="19050" tIns="19050" rIns="19050" bIns="19050" anchor="t" anchorCtr="0">
+            <a:noAutofit/>
+          </a:bodyPr>
+          <a:lstStyle/>
+          <a:p>
+            <a:pPr marL="63500" marR="0" lvl="1" indent="0" algn="l" rtl="0">
+              <a:spcBef>
+                <a:spcPts val="200"/>
+              </a:spcBef>
+              <a:spcAft>
+                <a:spcPts val="0"/>
+              </a:spcAft>
+              <a:buClr>
+                <a:srgbClr val="000000"/>
+              </a:buClr>
+              <a:buFont typeface="Arial"/>
+              <a:buNone/>
+            </a:pPr>
+            <a:r>
+              <a:rPr lang="ko-KR" altLang="en-US" sz="800" dirty="0">
+                <a:solidFill>
+                  <a:schemeClr val="bg1"/>
+                </a:solidFill>
+              </a:rPr>
+              <a:t>시나리오 </a:t>
+            </a:r>
+            <a:r>
+              <a:rPr lang="en-US" altLang="ko-KR" sz="800" dirty="0">
+                <a:solidFill>
+                  <a:schemeClr val="bg1"/>
+                </a:solidFill>
+              </a:rPr>
+              <a:t>1 :</a:t>
+            </a:r>
+          </a:p>
+          <a:p>
+            <a:pPr marL="63500" marR="0" lvl="1" indent="0" algn="l" rtl="0">
+              <a:spcBef>
+                <a:spcPts val="200"/>
+              </a:spcBef>
+              <a:spcAft>
+                <a:spcPts val="0"/>
+              </a:spcAft>
+              <a:buClr>
+                <a:srgbClr val="000000"/>
+              </a:buClr>
+              <a:buFont typeface="Arial"/>
+              <a:buNone/>
+            </a:pPr>
+            <a:r>
+              <a:rPr lang="ko-KR" altLang="en-US" sz="800" dirty="0">
+                <a:solidFill>
+                  <a:schemeClr val="bg1"/>
+                </a:solidFill>
+              </a:rPr>
+              <a:t>결제 재처리</a:t>
+            </a:r>
+          </a:p>
+        </p:txBody>
+      </p:sp>
+    </p:spTree>
+    <p:extLst>
+      <p:ext uri="{BB962C8B-B14F-4D97-AF65-F5344CB8AC3E}">
+        <p14:creationId xmlns:p14="http://schemas.microsoft.com/office/powerpoint/2010/main" val="1771340760"/>
+      </p:ext>
+    </p:extLst>
+  </p:cSld>
+  <p:clrMapOvr>
+    <a:masterClrMapping/>
+  </p:clrMapOvr>
+</p:sld>
+</file>
+
+<file path=ppt/slides/slide7.xml><?xml version="1.0" encoding="utf-8"?>
+<p:sld xmlns:a="http://schemas.openxmlformats.org/drawingml/2006/main" xmlns:r="http://schemas.openxmlformats.org/officeDocument/2006/relationships" xmlns:p="http://schemas.openxmlformats.org/presentationml/2006/main">
+  <p:cSld>
+    <p:spTree>
+      <p:nvGrpSpPr>
+        <p:cNvPr id="1" name=""/>
+        <p:cNvGrpSpPr/>
+        <p:nvPr/>
+      </p:nvGrpSpPr>
+      <p:grpSpPr>
+        <a:xfrm>
+          <a:off x="0" y="0"/>
+          <a:ext cx="0" cy="0"/>
+          <a:chOff x="0" y="0"/>
+          <a:chExt cx="0" cy="0"/>
+        </a:xfrm>
+      </p:grpSpPr>
+      <p:sp>
+        <p:nvSpPr>
+          <p:cNvPr id="2" name="제목 1">
+            <a:extLst>
+              <a:ext uri="{FF2B5EF4-FFF2-40B4-BE49-F238E27FC236}">
+                <a16:creationId xmlns:a16="http://schemas.microsoft.com/office/drawing/2014/main" id="{D21C1AA9-5E52-3A11-B3B3-447787E29D09}"/>
+              </a:ext>
+            </a:extLst>
+          </p:cNvPr>
+          <p:cNvSpPr>
+            <a:spLocks noGrp="1"/>
+          </p:cNvSpPr>
+          <p:nvPr>
+            <p:ph type="title"/>
+          </p:nvPr>
+        </p:nvSpPr>
+        <p:spPr/>
+        <p:txBody>
+          <a:bodyPr/>
+          <a:lstStyle/>
+          <a:p>
+            <a:r>
+              <a:rPr lang="en-US" altLang="ko-KR" dirty="0"/>
+              <a:t>Backoff </a:t>
+            </a:r>
+            <a:r>
+              <a:rPr lang="ko-KR" altLang="en-US" dirty="0"/>
+              <a:t>전략</a:t>
+            </a:r>
+          </a:p>
+        </p:txBody>
+      </p:sp>
+      <p:sp>
+        <p:nvSpPr>
+          <p:cNvPr id="3" name="내용 개체 틀 2">
+            <a:extLst>
+              <a:ext uri="{FF2B5EF4-FFF2-40B4-BE49-F238E27FC236}">
+                <a16:creationId xmlns:a16="http://schemas.microsoft.com/office/drawing/2014/main" id="{DFDF67AE-EB3C-2171-1182-19E91847927C}"/>
+              </a:ext>
+            </a:extLst>
+          </p:cNvPr>
+          <p:cNvSpPr>
+            <a:spLocks noGrp="1"/>
+          </p:cNvSpPr>
+          <p:nvPr>
+            <p:ph idx="1"/>
+          </p:nvPr>
+        </p:nvSpPr>
+        <p:spPr/>
+        <p:txBody>
+          <a:bodyPr/>
+          <a:lstStyle/>
+          <a:p>
+            <a:pPr marL="0" indent="0">
+              <a:buNone/>
+            </a:pPr>
+            <a:r>
+              <a:rPr lang="en-US" altLang="ko-KR" dirty="0"/>
+              <a:t>Exponential Backoff &amp; Jitter</a:t>
+            </a:r>
+            <a:endParaRPr lang="ko-KR" altLang="en-US" dirty="0"/>
+          </a:p>
+        </p:txBody>
+      </p:sp>
+      <p:sp>
+        <p:nvSpPr>
+          <p:cNvPr id="7" name="Google Shape;209;p30">
+            <a:extLst>
+              <a:ext uri="{FF2B5EF4-FFF2-40B4-BE49-F238E27FC236}">
+                <a16:creationId xmlns:a16="http://schemas.microsoft.com/office/drawing/2014/main" id="{35F3E219-4EBB-8DE8-0966-E4317399395E}"/>
+              </a:ext>
+            </a:extLst>
+          </p:cNvPr>
+          <p:cNvSpPr/>
+          <p:nvPr/>
+        </p:nvSpPr>
+        <p:spPr>
+          <a:xfrm>
+            <a:off x="7811013" y="528014"/>
+            <a:ext cx="952500" cy="298200"/>
+          </a:xfrm>
+          <a:prstGeom prst="rect">
+            <a:avLst/>
+          </a:prstGeom>
+          <a:noFill/>
+          <a:ln>
+            <a:noFill/>
+          </a:ln>
+        </p:spPr>
+        <p:txBody>
+          <a:bodyPr spcFirstLastPara="1" wrap="square" lIns="19050" tIns="19050" rIns="19050" bIns="19050" anchor="t" anchorCtr="0">
+            <a:noAutofit/>
+          </a:bodyPr>
+          <a:lstStyle/>
+          <a:p>
+            <a:pPr marL="63500" marR="0" lvl="1" indent="0" algn="l" rtl="0">
+              <a:lnSpc>
+                <a:spcPct val="90000"/>
+              </a:lnSpc>
+              <a:spcBef>
+                <a:spcPts val="0"/>
+              </a:spcBef>
+              <a:spcAft>
+                <a:spcPts val="0"/>
+              </a:spcAft>
+              <a:buNone/>
+            </a:pPr>
+            <a:r>
+              <a:rPr lang="en-US" altLang="ko" sz="1200" b="1" i="0" u="none" strike="noStrike" cap="none" dirty="0">
+                <a:solidFill>
+                  <a:schemeClr val="bg1"/>
+                </a:solidFill>
+                <a:latin typeface="Arial"/>
+                <a:ea typeface="Arial"/>
+                <a:cs typeface="Arial"/>
+                <a:sym typeface="Arial"/>
+              </a:rPr>
+              <a:t>2</a:t>
+            </a:r>
+            <a:r>
+              <a:rPr lang="ko" sz="1200" b="1" i="0" u="none" strike="noStrike" cap="none" dirty="0">
+                <a:solidFill>
+                  <a:schemeClr val="bg1"/>
+                </a:solidFill>
+                <a:latin typeface="Arial"/>
+                <a:ea typeface="Arial"/>
+                <a:cs typeface="Arial"/>
+                <a:sym typeface="Arial"/>
+              </a:rPr>
+              <a:t>.</a:t>
+            </a:r>
+            <a:endParaRPr sz="500" dirty="0">
+              <a:solidFill>
+                <a:schemeClr val="bg1"/>
+              </a:solidFill>
+            </a:endParaRPr>
+          </a:p>
+        </p:txBody>
+      </p:sp>
+      <p:sp>
+        <p:nvSpPr>
+          <p:cNvPr id="8" name="Google Shape;210;p30">
+            <a:extLst>
+              <a:ext uri="{FF2B5EF4-FFF2-40B4-BE49-F238E27FC236}">
+                <a16:creationId xmlns:a16="http://schemas.microsoft.com/office/drawing/2014/main" id="{8CB63A74-B5C7-DCAA-53F5-96E44004D694}"/>
+              </a:ext>
+            </a:extLst>
+          </p:cNvPr>
+          <p:cNvSpPr/>
+          <p:nvPr/>
+        </p:nvSpPr>
+        <p:spPr>
+          <a:xfrm>
+            <a:off x="7811013" y="825047"/>
+            <a:ext cx="952500" cy="293400"/>
+          </a:xfrm>
+          <a:prstGeom prst="rect">
+            <a:avLst/>
+          </a:prstGeom>
+          <a:noFill/>
+          <a:ln>
+            <a:noFill/>
+          </a:ln>
+        </p:spPr>
+        <p:txBody>
+          <a:bodyPr spcFirstLastPara="1" wrap="square" lIns="19050" tIns="19050" rIns="19050" bIns="19050" anchor="t" anchorCtr="0">
+            <a:noAutofit/>
+          </a:bodyPr>
+          <a:lstStyle/>
+          <a:p>
+            <a:pPr marL="63500" marR="0" lvl="1" indent="0" algn="l" rtl="0">
+              <a:spcBef>
+                <a:spcPts val="200"/>
+              </a:spcBef>
+              <a:spcAft>
+                <a:spcPts val="0"/>
+              </a:spcAft>
+              <a:buClr>
+                <a:srgbClr val="000000"/>
+              </a:buClr>
+              <a:buFont typeface="Arial"/>
+              <a:buNone/>
+            </a:pPr>
+            <a:r>
+              <a:rPr lang="ko-KR" altLang="en-US" sz="800" dirty="0">
+                <a:solidFill>
+                  <a:schemeClr val="bg1"/>
+                </a:solidFill>
+              </a:rPr>
+              <a:t>시나리오 </a:t>
+            </a:r>
+            <a:r>
+              <a:rPr lang="en-US" altLang="ko-KR" sz="800" dirty="0">
+                <a:solidFill>
+                  <a:schemeClr val="bg1"/>
+                </a:solidFill>
+              </a:rPr>
+              <a:t>1 :</a:t>
+            </a:r>
+          </a:p>
+          <a:p>
+            <a:pPr marL="63500" marR="0" lvl="1" indent="0" algn="l" rtl="0">
+              <a:spcBef>
+                <a:spcPts val="200"/>
+              </a:spcBef>
+              <a:spcAft>
+                <a:spcPts val="0"/>
+              </a:spcAft>
+              <a:buClr>
+                <a:srgbClr val="000000"/>
+              </a:buClr>
+              <a:buFont typeface="Arial"/>
+              <a:buNone/>
+            </a:pPr>
+            <a:r>
+              <a:rPr lang="ko-KR" altLang="en-US" sz="800" dirty="0">
+                <a:solidFill>
+                  <a:schemeClr val="bg1"/>
+                </a:solidFill>
+              </a:rPr>
+              <a:t>결제 재처리</a:t>
+            </a:r>
+          </a:p>
+        </p:txBody>
+      </p:sp>
+      <p:pic>
+        <p:nvPicPr>
+          <p:cNvPr id="1026" name="Picture 2">
+            <a:extLst>
+              <a:ext uri="{FF2B5EF4-FFF2-40B4-BE49-F238E27FC236}">
+                <a16:creationId xmlns:a16="http://schemas.microsoft.com/office/drawing/2014/main" id="{A4553AE2-577E-578D-A5E3-846130A97A13}"/>
+              </a:ext>
+            </a:extLst>
+          </p:cNvPr>
+          <p:cNvPicPr>
+            <a:picLocks noChangeAspect="1" noChangeArrowheads="1"/>
+          </p:cNvPicPr>
+          <p:nvPr/>
+        </p:nvPicPr>
+        <p:blipFill>
+          <a:blip r:embed="rId3">
+            <a:extLst>
+              <a:ext uri="{28A0092B-C50C-407E-A947-70E740481C1C}">
+                <a14:useLocalDpi xmlns:a14="http://schemas.microsoft.com/office/drawing/2010/main" val="0"/>
+              </a:ext>
+            </a:extLst>
+          </a:blip>
+          <a:srcRect/>
+          <a:stretch>
+            <a:fillRect/>
+          </a:stretch>
+        </p:blipFill>
+        <p:spPr bwMode="auto">
+          <a:xfrm>
+            <a:off x="800099" y="1948898"/>
+            <a:ext cx="4307371" cy="2871580"/>
+          </a:xfrm>
+          <a:prstGeom prst="rect">
+            <a:avLst/>
+          </a:prstGeom>
+          <a:noFill/>
+          <a:extLst>
+            <a:ext uri="{909E8E84-426E-40DD-AFC4-6F175D3DCCD1}">
+              <a14:hiddenFill xmlns:a14="http://schemas.microsoft.com/office/drawing/2010/main">
+                <a:solidFill>
+                  <a:srgbClr val="FFFFFF"/>
+                </a:solidFill>
+              </a14:hiddenFill>
+            </a:ext>
+          </a:extLst>
+        </p:spPr>
+      </p:pic>
+      <p:sp>
+        <p:nvSpPr>
+          <p:cNvPr id="5" name="TextBox 4">
+            <a:extLst>
+              <a:ext uri="{FF2B5EF4-FFF2-40B4-BE49-F238E27FC236}">
+                <a16:creationId xmlns:a16="http://schemas.microsoft.com/office/drawing/2014/main" id="{53B494B1-1A37-284C-9D62-F956DEBADFEE}"/>
+              </a:ext>
+            </a:extLst>
+          </p:cNvPr>
+          <p:cNvSpPr txBox="1"/>
+          <p:nvPr/>
+        </p:nvSpPr>
+        <p:spPr>
+          <a:xfrm>
+            <a:off x="3238500" y="4843489"/>
+            <a:ext cx="5525013" cy="276999"/>
+          </a:xfrm>
+          <a:prstGeom prst="rect">
+            <a:avLst/>
+          </a:prstGeom>
+          <a:noFill/>
+        </p:spPr>
+        <p:txBody>
+          <a:bodyPr wrap="square">
+            <a:spAutoFit/>
+          </a:bodyPr>
+          <a:lstStyle/>
+          <a:p>
+            <a:pPr algn="r"/>
+            <a:r>
+              <a:rPr lang="ko-KR" altLang="en-US" sz="1200" dirty="0"/>
+              <a:t>https://aws.amazon.com/blogs/architecture/exponential-backoff-and-jitter</a:t>
+            </a:r>
+          </a:p>
+        </p:txBody>
+      </p:sp>
+    </p:spTree>
+    <p:extLst>
+      <p:ext uri="{BB962C8B-B14F-4D97-AF65-F5344CB8AC3E}">
+        <p14:creationId xmlns:p14="http://schemas.microsoft.com/office/powerpoint/2010/main" val="1661235868"/>
+      </p:ext>
+    </p:extLst>
+  </p:cSld>
+  <p:clrMapOvr>
+    <a:masterClrMapping/>
+  </p:clrMapOvr>
+</p:sld>
+</file>
+
+<file path=ppt/slides/slide8.xml><?xml version="1.0" encoding="utf-8"?>
+<p:sld xmlns:a="http://schemas.openxmlformats.org/drawingml/2006/main" xmlns:r="http://schemas.openxmlformats.org/officeDocument/2006/relationships" xmlns:p="http://schemas.openxmlformats.org/presentationml/2006/main">
+  <p:cSld>
+    <p:spTree>
+      <p:nvGrpSpPr>
+        <p:cNvPr id="1" name=""/>
+        <p:cNvGrpSpPr/>
+        <p:nvPr/>
+      </p:nvGrpSpPr>
+      <p:grpSpPr>
+        <a:xfrm>
+          <a:off x="0" y="0"/>
+          <a:ext cx="0" cy="0"/>
+          <a:chOff x="0" y="0"/>
+          <a:chExt cx="0" cy="0"/>
+        </a:xfrm>
+      </p:grpSpPr>
+      <p:sp>
+        <p:nvSpPr>
+          <p:cNvPr id="2" name="제목 1">
+            <a:extLst>
+              <a:ext uri="{FF2B5EF4-FFF2-40B4-BE49-F238E27FC236}">
+                <a16:creationId xmlns:a16="http://schemas.microsoft.com/office/drawing/2014/main" id="{9896B29B-A1AE-E0C6-8543-753E63140B1C}"/>
+              </a:ext>
+            </a:extLst>
+          </p:cNvPr>
+          <p:cNvSpPr>
+            <a:spLocks noGrp="1"/>
+          </p:cNvSpPr>
+          <p:nvPr>
+            <p:ph type="ctrTitle"/>
+          </p:nvPr>
+        </p:nvSpPr>
+        <p:spPr/>
+        <p:txBody>
+          <a:bodyPr>
+            <a:normAutofit/>
+          </a:bodyPr>
+          <a:lstStyle/>
+          <a:p>
+            <a:r>
+              <a:rPr lang="ko-KR" altLang="en-US" b="1" dirty="0"/>
+              <a:t>결제서비스 기능확장</a:t>
+            </a:r>
+          </a:p>
+        </p:txBody>
+      </p:sp>
+      <p:sp>
+        <p:nvSpPr>
+          <p:cNvPr id="4" name="부제목 3">
+            <a:extLst>
+              <a:ext uri="{FF2B5EF4-FFF2-40B4-BE49-F238E27FC236}">
+                <a16:creationId xmlns:a16="http://schemas.microsoft.com/office/drawing/2014/main" id="{7219E4B9-47F6-C7CA-B046-1256225C3574}"/>
+              </a:ext>
+            </a:extLst>
+          </p:cNvPr>
           <p:cNvSpPr>
             <a:spLocks noGrp="1"/>
           </p:cNvSpPr>
@@ -3922,15 +6837,61 @@
         </p:nvSpPr>
         <p:spPr/>
         <p:txBody>
-          <a:bodyPr/>
+          <a:bodyPr>
+            <a:normAutofit/>
+          </a:bodyPr>
           <a:lstStyle/>
           <a:p>
             <a:pPr marL="0" indent="0" algn="r">
               <a:buNone/>
             </a:pPr>
             <a:r>
+              <a:rPr lang="en-US" altLang="ko" b="1" dirty="0">
+                <a:solidFill>
+                  <a:srgbClr val="ED234B"/>
+                </a:solidFill>
+              </a:rPr>
+              <a:t>3</a:t>
+            </a:r>
+            <a:r>
+              <a:rPr lang="ko" altLang="ko-KR" b="1" dirty="0">
+                <a:solidFill>
+                  <a:srgbClr val="ED234B"/>
+                </a:solidFill>
+              </a:rPr>
+              <a:t> </a:t>
+            </a:r>
+            <a:r>
+              <a:rPr lang="ko-KR" altLang="en-US" dirty="0"/>
+              <a:t>시나리오 </a:t>
+            </a:r>
+            <a:r>
               <a:rPr lang="en-US" altLang="ko-KR" dirty="0"/>
-              <a:t>Elasticsearch</a:t>
+              <a:t>2 : </a:t>
+            </a:r>
+            <a:r>
+              <a:rPr lang="ko-KR" altLang="en-US" dirty="0"/>
+              <a:t>주문이력 성능개선 </a:t>
+            </a:r>
+            <a:r>
+              <a:rPr lang="en-US" altLang="ko-KR" dirty="0"/>
+              <a:t>(</a:t>
+            </a:r>
+            <a:r>
+              <a:rPr lang="ko-KR" altLang="en-US" dirty="0"/>
+              <a:t>분석 및</a:t>
+            </a:r>
+            <a:r>
+              <a:rPr lang="en-US" altLang="ko-KR" dirty="0"/>
+              <a:t> </a:t>
+            </a:r>
+            <a:r>
+              <a:rPr lang="ko-KR" altLang="en-US" dirty="0"/>
+              <a:t>설계</a:t>
+            </a:r>
+            <a:r>
+              <a:rPr lang="en-US" altLang="ko-KR" dirty="0"/>
+              <a:t>)</a:t>
             </a:r>
             <a:endParaRPr lang="ko-KR" altLang="en-US" dirty="0"/>
           </a:p>
@@ -3939,7 +6900,267 @@
     </p:spTree>
     <p:extLst>
       <p:ext uri="{BB962C8B-B14F-4D97-AF65-F5344CB8AC3E}">
-        <p14:creationId xmlns:p14="http://schemas.microsoft.com/office/powerpoint/2010/main" val="2412297307"/>
+        <p14:creationId xmlns:p14="http://schemas.microsoft.com/office/powerpoint/2010/main" val="792431234"/>
+      </p:ext>
+    </p:extLst>
+  </p:cSld>
+  <p:clrMapOvr>
+    <a:masterClrMapping/>
+  </p:clrMapOvr>
+</p:sld>
+</file>
+
+<file path=ppt/slides/slide9.xml><?xml version="1.0" encoding="utf-8"?>
+<p:sld xmlns:a="http://schemas.openxmlformats.org/drawingml/2006/main" xmlns:r="http://schemas.openxmlformats.org/officeDocument/2006/relationships" xmlns:p="http://schemas.openxmlformats.org/presentationml/2006/main">
+  <p:cSld>
+    <p:spTree>
+      <p:nvGrpSpPr>
+        <p:cNvPr id="1" name=""/>
+        <p:cNvGrpSpPr/>
+        <p:nvPr/>
+      </p:nvGrpSpPr>
+      <p:grpSpPr>
+        <a:xfrm>
+          <a:off x="0" y="0"/>
+          <a:ext cx="0" cy="0"/>
+          <a:chOff x="0" y="0"/>
+          <a:chExt cx="0" cy="0"/>
+        </a:xfrm>
+      </p:grpSpPr>
+      <p:sp>
+        <p:nvSpPr>
+          <p:cNvPr id="2" name="제목 1">
+            <a:extLst>
+              <a:ext uri="{FF2B5EF4-FFF2-40B4-BE49-F238E27FC236}">
+                <a16:creationId xmlns:a16="http://schemas.microsoft.com/office/drawing/2014/main" id="{D21C1AA9-5E52-3A11-B3B3-447787E29D09}"/>
+              </a:ext>
+            </a:extLst>
+          </p:cNvPr>
+          <p:cNvSpPr>
+            <a:spLocks noGrp="1"/>
+          </p:cNvSpPr>
+          <p:nvPr>
+            <p:ph type="title"/>
+          </p:nvPr>
+        </p:nvSpPr>
+        <p:spPr/>
+        <p:txBody>
+          <a:bodyPr/>
+          <a:lstStyle/>
+          <a:p>
+            <a:r>
+              <a:rPr lang="ko-KR" altLang="en-US" dirty="0"/>
+              <a:t>시나리오 </a:t>
+            </a:r>
+            <a:r>
+              <a:rPr lang="en-US" altLang="ko-KR" dirty="0"/>
+              <a:t>2 : </a:t>
+            </a:r>
+            <a:r>
+              <a:rPr lang="ko-KR" altLang="en-US" dirty="0"/>
+              <a:t>주문이력 성능개선 </a:t>
+            </a:r>
+            <a:r>
+              <a:rPr lang="en-US" altLang="ko-KR" dirty="0"/>
+              <a:t>(Before)</a:t>
+            </a:r>
+            <a:endParaRPr lang="ko-KR" altLang="en-US" dirty="0"/>
+          </a:p>
+        </p:txBody>
+      </p:sp>
+      <p:sp>
+        <p:nvSpPr>
+          <p:cNvPr id="7" name="Google Shape;209;p30">
+            <a:extLst>
+              <a:ext uri="{FF2B5EF4-FFF2-40B4-BE49-F238E27FC236}">
+                <a16:creationId xmlns:a16="http://schemas.microsoft.com/office/drawing/2014/main" id="{35F3E219-4EBB-8DE8-0966-E4317399395E}"/>
+              </a:ext>
+            </a:extLst>
+          </p:cNvPr>
+          <p:cNvSpPr/>
+          <p:nvPr/>
+        </p:nvSpPr>
+        <p:spPr>
+          <a:xfrm>
+            <a:off x="7811013" y="528014"/>
+            <a:ext cx="952500" cy="298200"/>
+          </a:xfrm>
+          <a:prstGeom prst="rect">
+            <a:avLst/>
+          </a:prstGeom>
+          <a:noFill/>
+          <a:ln>
+            <a:noFill/>
+          </a:ln>
+        </p:spPr>
+        <p:txBody>
+          <a:bodyPr spcFirstLastPara="1" wrap="square" lIns="19050" tIns="19050" rIns="19050" bIns="19050" anchor="t" anchorCtr="0">
+            <a:noAutofit/>
+          </a:bodyPr>
+          <a:lstStyle/>
+          <a:p>
+            <a:pPr marL="63500" marR="0" lvl="1" indent="0" algn="l" rtl="0">
+              <a:lnSpc>
+                <a:spcPct val="90000"/>
+              </a:lnSpc>
+              <a:spcBef>
+                <a:spcPts val="0"/>
+              </a:spcBef>
+              <a:spcAft>
+                <a:spcPts val="0"/>
+              </a:spcAft>
+              <a:buNone/>
+            </a:pPr>
+            <a:r>
+              <a:rPr lang="en-US" altLang="ko" sz="1200" b="1" i="0" u="none" strike="noStrike" cap="none" dirty="0">
+                <a:solidFill>
+                  <a:schemeClr val="bg1"/>
+                </a:solidFill>
+                <a:latin typeface="Arial"/>
+                <a:ea typeface="Arial"/>
+                <a:cs typeface="Arial"/>
+                <a:sym typeface="Arial"/>
+              </a:rPr>
+              <a:t>3</a:t>
+            </a:r>
+            <a:r>
+              <a:rPr lang="ko" sz="1200" b="1" i="0" u="none" strike="noStrike" cap="none" dirty="0">
+                <a:solidFill>
+                  <a:schemeClr val="bg1"/>
+                </a:solidFill>
+                <a:latin typeface="Arial"/>
+                <a:ea typeface="Arial"/>
+                <a:cs typeface="Arial"/>
+                <a:sym typeface="Arial"/>
+              </a:rPr>
+              <a:t>.</a:t>
+            </a:r>
+            <a:endParaRPr sz="500" dirty="0">
+              <a:solidFill>
+                <a:schemeClr val="bg1"/>
+              </a:solidFill>
+            </a:endParaRPr>
+          </a:p>
+        </p:txBody>
+      </p:sp>
+      <p:sp>
+        <p:nvSpPr>
+          <p:cNvPr id="8" name="Google Shape;210;p30">
+            <a:extLst>
+              <a:ext uri="{FF2B5EF4-FFF2-40B4-BE49-F238E27FC236}">
+                <a16:creationId xmlns:a16="http://schemas.microsoft.com/office/drawing/2014/main" id="{8CB63A74-B5C7-DCAA-53F5-96E44004D694}"/>
+              </a:ext>
+            </a:extLst>
+          </p:cNvPr>
+          <p:cNvSpPr/>
+          <p:nvPr/>
+        </p:nvSpPr>
+        <p:spPr>
+          <a:xfrm>
+            <a:off x="7811013" y="825047"/>
+            <a:ext cx="952500" cy="293400"/>
+          </a:xfrm>
+          <a:prstGeom prst="rect">
+            <a:avLst/>
+          </a:prstGeom>
+          <a:noFill/>
+          <a:ln>
+            <a:noFill/>
+          </a:ln>
+        </p:spPr>
+        <p:txBody>
+          <a:bodyPr spcFirstLastPara="1" wrap="square" lIns="19050" tIns="19050" rIns="19050" bIns="19050" anchor="t" anchorCtr="0">
+            <a:noAutofit/>
+          </a:bodyPr>
+          <a:lstStyle/>
+          <a:p>
+            <a:pPr marL="63500" marR="0" lvl="1" indent="0" algn="l" rtl="0">
+              <a:spcBef>
+                <a:spcPts val="200"/>
+              </a:spcBef>
+              <a:spcAft>
+                <a:spcPts val="0"/>
+              </a:spcAft>
+              <a:buClr>
+                <a:srgbClr val="000000"/>
+              </a:buClr>
+              <a:buFont typeface="Arial"/>
+              <a:buNone/>
+            </a:pPr>
+            <a:r>
+              <a:rPr lang="ko-KR" altLang="en-US" sz="800" dirty="0">
+                <a:solidFill>
+                  <a:schemeClr val="bg1"/>
+                </a:solidFill>
+              </a:rPr>
+              <a:t>시나리오 </a:t>
+            </a:r>
+            <a:r>
+              <a:rPr lang="en-US" altLang="ko-KR" sz="800" dirty="0">
+                <a:solidFill>
+                  <a:schemeClr val="bg1"/>
+                </a:solidFill>
+              </a:rPr>
+              <a:t>2 : </a:t>
+            </a:r>
+          </a:p>
+          <a:p>
+            <a:pPr marL="63500" marR="0" lvl="1" indent="0" algn="l" rtl="0">
+              <a:spcBef>
+                <a:spcPts val="200"/>
+              </a:spcBef>
+              <a:spcAft>
+                <a:spcPts val="0"/>
+              </a:spcAft>
+              <a:buClr>
+                <a:srgbClr val="000000"/>
+              </a:buClr>
+              <a:buFont typeface="Arial"/>
+              <a:buNone/>
+            </a:pPr>
+            <a:r>
+              <a:rPr lang="ko-KR" altLang="en-US" sz="800" dirty="0">
+                <a:solidFill>
+                  <a:schemeClr val="bg1"/>
+                </a:solidFill>
+              </a:rPr>
+              <a:t>주문이력</a:t>
+            </a:r>
+            <a:endParaRPr lang="en-US" altLang="ko-KR" sz="800" dirty="0">
+              <a:solidFill>
+                <a:schemeClr val="bg1"/>
+              </a:solidFill>
+            </a:endParaRPr>
+          </a:p>
+          <a:p>
+            <a:pPr marL="63500" marR="0" lvl="1" indent="0" algn="l" rtl="0">
+              <a:spcBef>
+                <a:spcPts val="200"/>
+              </a:spcBef>
+              <a:spcAft>
+                <a:spcPts val="0"/>
+              </a:spcAft>
+              <a:buClr>
+                <a:srgbClr val="000000"/>
+              </a:buClr>
+              <a:buFont typeface="Arial"/>
+              <a:buNone/>
+            </a:pPr>
+            <a:r>
+              <a:rPr lang="ko-KR" altLang="en-US" sz="800" dirty="0">
+                <a:solidFill>
+                  <a:schemeClr val="bg1"/>
+                </a:solidFill>
+              </a:rPr>
+              <a:t>성능개선</a:t>
+            </a:r>
+          </a:p>
+        </p:txBody>
+      </p:sp>
+    </p:spTree>
+    <p:extLst>
+      <p:ext uri="{BB962C8B-B14F-4D97-AF65-F5344CB8AC3E}">
+        <p14:creationId xmlns:p14="http://schemas.microsoft.com/office/powerpoint/2010/main" val="1911232220"/>
       </p:ext>
     </p:extLst>
   </p:cSld>

--- a/99.ppt/[Ch4-8. 결제 서비스 기능확장.pptx
+++ b/99.ppt/[Ch4-8. 결제 서비스 기능확장.pptx
@@ -19,11 +19,11 @@
     <p:sldId id="377" r:id="rId10"/>
     <p:sldId id="361" r:id="rId11"/>
     <p:sldId id="368" r:id="rId12"/>
-    <p:sldId id="380" r:id="rId13"/>
-    <p:sldId id="381" r:id="rId14"/>
-    <p:sldId id="374" r:id="rId15"/>
-    <p:sldId id="388" r:id="rId16"/>
-    <p:sldId id="369" r:id="rId17"/>
+    <p:sldId id="381" r:id="rId13"/>
+    <p:sldId id="374" r:id="rId14"/>
+    <p:sldId id="388" r:id="rId15"/>
+    <p:sldId id="369" r:id="rId16"/>
+    <p:sldId id="393" r:id="rId17"/>
     <p:sldId id="389" r:id="rId18"/>
     <p:sldId id="391" r:id="rId19"/>
     <p:sldId id="392" r:id="rId20"/>
@@ -546,7 +546,30 @@
           <a:bodyPr/>
           <a:lstStyle/>
           <a:p>
-            <a:endParaRPr lang="en-US" altLang="ko-KR" dirty="0"/>
+            <a:r>
+              <a:rPr lang="ko-KR" altLang="en-US" dirty="0"/>
+              <a:t>안녕하세요 여러분</a:t>
+            </a:r>
+            <a:r>
+              <a:rPr lang="en-US" altLang="ko-KR" dirty="0"/>
+              <a:t>. </a:t>
+            </a:r>
+            <a:r>
+              <a:rPr lang="ko-KR" altLang="en-US" dirty="0"/>
+              <a:t>챕터 </a:t>
+            </a:r>
+            <a:r>
+              <a:rPr lang="en-US" altLang="ko-KR" dirty="0"/>
+              <a:t>8. </a:t>
+            </a:r>
+            <a:r>
+              <a:rPr lang="ko-KR" altLang="en-US" dirty="0"/>
+              <a:t>결제서비스 기능확장 말씀드리겠습니다</a:t>
+            </a:r>
+            <a:r>
+              <a:rPr lang="en-US" altLang="ko-KR" dirty="0"/>
+              <a:t>.</a:t>
+            </a:r>
           </a:p>
         </p:txBody>
       </p:sp>
@@ -630,7 +653,39 @@
           <a:bodyPr/>
           <a:lstStyle/>
           <a:p>
-            <a:endParaRPr lang="en-US" altLang="ko-KR" dirty="0"/>
+            <a:pPr marL="0" marR="0" lvl="0" indent="0" algn="l" defTabSz="685800" rtl="0" eaLnBrk="1" fontAlgn="auto" latinLnBrk="1" hangingPunct="1">
+              <a:lnSpc>
+                <a:spcPct val="100000"/>
+              </a:lnSpc>
+              <a:spcBef>
+                <a:spcPts val="0"/>
+              </a:spcBef>
+              <a:spcAft>
+                <a:spcPts val="0"/>
+              </a:spcAft>
+              <a:buClrTx/>
+              <a:buSzTx/>
+              <a:buFontTx/>
+              <a:buNone/>
+              <a:tabLst/>
+              <a:defRPr/>
+            </a:pPr>
+            <a:r>
+              <a:rPr lang="ko-KR" altLang="en-US" dirty="0"/>
+              <a:t>기능확장 시나리오 두번째</a:t>
+            </a:r>
+            <a:r>
+              <a:rPr lang="en-US" altLang="ko-KR" dirty="0"/>
+              <a:t>, </a:t>
+            </a:r>
+            <a:r>
+              <a:rPr lang="ko-KR" altLang="en-US" dirty="0"/>
+              <a:t>주문이력 조회성능 개선방안을 마련해 보겠습니다</a:t>
+            </a:r>
+            <a:r>
+              <a:rPr lang="en-US" altLang="ko-KR" dirty="0"/>
+              <a:t>.</a:t>
+            </a:r>
           </a:p>
         </p:txBody>
       </p:sp>
@@ -714,7 +769,387 @@
           <a:bodyPr/>
           <a:lstStyle/>
           <a:p>
+            <a:r>
+              <a:rPr lang="ko-KR" altLang="en-US" dirty="0"/>
+              <a:t>매출 증가로 구매내역이 </a:t>
+            </a:r>
+            <a:r>
+              <a:rPr lang="en-US" altLang="ko-KR" dirty="0"/>
+              <a:t>DB</a:t>
+            </a:r>
+            <a:r>
+              <a:rPr lang="ko-KR" altLang="en-US" dirty="0"/>
+              <a:t>에 엄청나게 쌓였다고 가정해 보겠습니다</a:t>
+            </a:r>
+            <a:r>
+              <a:rPr lang="en-US" altLang="ko-KR" dirty="0"/>
+              <a:t>.</a:t>
+            </a:r>
+          </a:p>
+          <a:p>
             <a:endParaRPr lang="en-US" altLang="ko-KR" dirty="0"/>
+          </a:p>
+          <a:p>
+            <a:r>
+              <a:rPr lang="en-US" altLang="ko-KR" dirty="0"/>
+              <a:t>RDB</a:t>
+            </a:r>
+            <a:r>
+              <a:rPr lang="ko-KR" altLang="en-US" dirty="0"/>
+              <a:t>에서 이런 </a:t>
+            </a:r>
+            <a:r>
+              <a:rPr lang="ko-KR" altLang="en-US" dirty="0" err="1"/>
+              <a:t>페이징</a:t>
+            </a:r>
+            <a:r>
+              <a:rPr lang="ko-KR" altLang="en-US" dirty="0"/>
+              <a:t> 쿼리는</a:t>
+            </a:r>
+            <a:r>
+              <a:rPr lang="en-US" altLang="ko-KR" dirty="0"/>
+              <a:t>, </a:t>
+            </a:r>
+            <a:r>
+              <a:rPr lang="ko-KR" altLang="en-US" dirty="0"/>
+              <a:t>데이터 적재량이 </a:t>
+            </a:r>
+            <a:r>
+              <a:rPr lang="ko-KR" altLang="en-US" dirty="0" err="1"/>
+              <a:t>수천만건</a:t>
+            </a:r>
+            <a:r>
+              <a:rPr lang="ko-KR" altLang="en-US" dirty="0"/>
+              <a:t> 이상이 되면</a:t>
+            </a:r>
+            <a:r>
+              <a:rPr lang="en-US" altLang="ko-KR" dirty="0"/>
+              <a:t>, </a:t>
+            </a:r>
+            <a:r>
+              <a:rPr lang="ko-KR" altLang="en-US" dirty="0"/>
+              <a:t>조회성능이 갑자기 느려지기 시작합니다</a:t>
+            </a:r>
+            <a:r>
+              <a:rPr lang="en-US" altLang="ko-KR" dirty="0"/>
+              <a:t>.</a:t>
+            </a:r>
+          </a:p>
+          <a:p>
+            <a:endParaRPr lang="en-US" altLang="ko-KR" dirty="0"/>
+          </a:p>
+          <a:p>
+            <a:r>
+              <a:rPr lang="ko-KR" altLang="en-US" dirty="0"/>
+              <a:t>오프셋</a:t>
+            </a:r>
+            <a:r>
+              <a:rPr lang="en-US" altLang="ko-KR" dirty="0"/>
+              <a:t> </a:t>
+            </a:r>
+            <a:r>
+              <a:rPr lang="ko-KR" altLang="en-US" dirty="0" err="1"/>
+              <a:t>천구백팔십만</a:t>
+            </a:r>
+            <a:r>
+              <a:rPr lang="en-US" altLang="ko-KR" dirty="0"/>
+              <a:t>… </a:t>
+            </a:r>
+            <a:r>
+              <a:rPr lang="ko-KR" altLang="en-US" dirty="0"/>
+              <a:t>대략 </a:t>
+            </a:r>
+            <a:r>
+              <a:rPr lang="en-US" altLang="ko-KR" dirty="0"/>
+              <a:t>2</a:t>
+            </a:r>
+            <a:r>
+              <a:rPr lang="ko-KR" altLang="en-US" dirty="0" err="1"/>
+              <a:t>천만번째부터</a:t>
+            </a:r>
+            <a:r>
+              <a:rPr lang="ko-KR" altLang="en-US" dirty="0"/>
+              <a:t> </a:t>
+            </a:r>
+            <a:r>
+              <a:rPr lang="en-US" altLang="ko-KR" dirty="0"/>
+              <a:t>10</a:t>
+            </a:r>
+            <a:r>
+              <a:rPr lang="ko-KR" altLang="en-US" dirty="0"/>
+              <a:t>개를 가져오라는 </a:t>
+            </a:r>
+            <a:r>
+              <a:rPr lang="ko-KR" altLang="en-US" dirty="0" err="1"/>
+              <a:t>페이징</a:t>
+            </a:r>
+            <a:r>
+              <a:rPr lang="ko-KR" altLang="en-US" dirty="0"/>
+              <a:t> 쿼리인데요</a:t>
+            </a:r>
+            <a:r>
+              <a:rPr lang="en-US" altLang="ko-KR" dirty="0"/>
+              <a:t>.</a:t>
+            </a:r>
+          </a:p>
+          <a:p>
+            <a:endParaRPr lang="en-US" altLang="ko-KR" dirty="0"/>
+          </a:p>
+          <a:p>
+            <a:r>
+              <a:rPr lang="ko-KR" altLang="en-US" dirty="0"/>
+              <a:t>이게</a:t>
+            </a:r>
+            <a:r>
+              <a:rPr lang="en-US" altLang="ko-KR" dirty="0"/>
+              <a:t>, 2</a:t>
+            </a:r>
+            <a:r>
+              <a:rPr lang="ko-KR" altLang="en-US" dirty="0" err="1"/>
+              <a:t>천만번째</a:t>
+            </a:r>
+            <a:r>
+              <a:rPr lang="ko-KR" altLang="en-US" dirty="0"/>
+              <a:t> </a:t>
+            </a:r>
+            <a:r>
+              <a:rPr lang="en-US" altLang="ko-KR" dirty="0"/>
+              <a:t>row </a:t>
+            </a:r>
+            <a:r>
+              <a:rPr lang="ko-KR" altLang="en-US" dirty="0"/>
+              <a:t>부터 </a:t>
+            </a:r>
+            <a:r>
+              <a:rPr lang="en-US" altLang="ko-KR" dirty="0"/>
+              <a:t>10</a:t>
+            </a:r>
+            <a:r>
+              <a:rPr lang="ko-KR" altLang="en-US" dirty="0"/>
+              <a:t>건을 </a:t>
+            </a:r>
+            <a:r>
+              <a:rPr lang="ko-KR" altLang="en-US" dirty="0" err="1"/>
+              <a:t>가져오는게</a:t>
+            </a:r>
+            <a:r>
+              <a:rPr lang="ko-KR" altLang="en-US" dirty="0"/>
+              <a:t> 아니라</a:t>
+            </a:r>
+            <a:endParaRPr lang="en-US" altLang="ko-KR" dirty="0"/>
+          </a:p>
+          <a:p>
+            <a:endParaRPr lang="en-US" altLang="ko-KR" dirty="0"/>
+          </a:p>
+          <a:p>
+            <a:r>
+              <a:rPr lang="ko-KR" altLang="en-US" dirty="0"/>
+              <a:t>조회조건을 타고 </a:t>
+            </a:r>
+            <a:r>
+              <a:rPr lang="ko-KR" altLang="en-US" dirty="0" err="1"/>
+              <a:t>필터링된</a:t>
+            </a:r>
+            <a:r>
+              <a:rPr lang="ko-KR" altLang="en-US" dirty="0"/>
+              <a:t> 결과물 중 </a:t>
+            </a:r>
+            <a:r>
+              <a:rPr lang="en-US" altLang="ko-KR" dirty="0"/>
+              <a:t>2</a:t>
+            </a:r>
+            <a:r>
+              <a:rPr lang="ko-KR" altLang="en-US" dirty="0"/>
+              <a:t>천만 </a:t>
+            </a:r>
+            <a:r>
+              <a:rPr lang="en-US" altLang="ko-KR" dirty="0"/>
+              <a:t>10</a:t>
+            </a:r>
+            <a:r>
+              <a:rPr lang="ko-KR" altLang="en-US" dirty="0" err="1"/>
+              <a:t>번째까지를</a:t>
+            </a:r>
+            <a:r>
+              <a:rPr lang="ko-KR" altLang="en-US" dirty="0"/>
+              <a:t> 모두 패치하고</a:t>
+            </a:r>
+            <a:r>
+              <a:rPr lang="en-US" altLang="ko-KR" dirty="0"/>
+              <a:t>, </a:t>
+            </a:r>
+            <a:r>
+              <a:rPr lang="ko-KR" altLang="en-US" dirty="0"/>
+              <a:t>거기서 위에 </a:t>
+            </a:r>
+            <a:r>
+              <a:rPr lang="en-US" altLang="ko-KR" dirty="0"/>
+              <a:t>2</a:t>
+            </a:r>
+            <a:r>
+              <a:rPr lang="ko-KR" altLang="en-US" dirty="0"/>
+              <a:t>천만개를 버리는 방식으로 작동하기 때문에</a:t>
+            </a:r>
+            <a:r>
+              <a:rPr lang="en-US" altLang="ko-KR" dirty="0"/>
+              <a:t>, </a:t>
+            </a:r>
+            <a:r>
+              <a:rPr lang="ko-KR" altLang="en-US" dirty="0"/>
+              <a:t>처리속도가 느릴 수 밖에 없습니다</a:t>
+            </a:r>
+            <a:r>
+              <a:rPr lang="en-US" altLang="ko-KR" dirty="0"/>
+              <a:t>.</a:t>
+            </a:r>
+          </a:p>
+          <a:p>
+            <a:endParaRPr lang="en-US" altLang="ko-KR" dirty="0"/>
+          </a:p>
+          <a:p>
+            <a:pPr marL="0" marR="0" lvl="0" indent="0" algn="l" defTabSz="685800" rtl="0" eaLnBrk="1" fontAlgn="auto" latinLnBrk="1" hangingPunct="1">
+              <a:lnSpc>
+                <a:spcPct val="100000"/>
+              </a:lnSpc>
+              <a:spcBef>
+                <a:spcPts val="0"/>
+              </a:spcBef>
+              <a:spcAft>
+                <a:spcPts val="0"/>
+              </a:spcAft>
+              <a:buClrTx/>
+              <a:buSzTx/>
+              <a:buFontTx/>
+              <a:buNone/>
+              <a:tabLst/>
+              <a:defRPr/>
+            </a:pPr>
+            <a:r>
+              <a:rPr lang="ko-KR" altLang="en-US" dirty="0"/>
+              <a:t>게다가</a:t>
+            </a:r>
+            <a:r>
+              <a:rPr lang="en-US" altLang="ko-KR" dirty="0"/>
+              <a:t>, </a:t>
+            </a:r>
+            <a:r>
+              <a:rPr lang="ko-KR" altLang="en-US" dirty="0"/>
+              <a:t>저희가 만든 구매내역 조회 기능은</a:t>
+            </a:r>
+            <a:r>
+              <a:rPr lang="en-US" altLang="ko-KR" dirty="0"/>
+              <a:t>, </a:t>
+            </a:r>
+            <a:r>
+              <a:rPr lang="ko-KR" altLang="en-US" dirty="0"/>
+              <a:t>불행히도 </a:t>
+            </a:r>
+            <a:r>
+              <a:rPr lang="en-US" altLang="ko-KR" dirty="0"/>
+              <a:t>description LIKE </a:t>
+            </a:r>
+            <a:r>
+              <a:rPr lang="ko-KR" altLang="en-US" dirty="0"/>
+              <a:t>검색기능을 제공하고 있어서</a:t>
+            </a:r>
+            <a:endParaRPr lang="en-US" altLang="ko-KR" dirty="0"/>
+          </a:p>
+          <a:p>
+            <a:endParaRPr lang="en-US" altLang="ko-KR" dirty="0"/>
+          </a:p>
+          <a:p>
+            <a:r>
+              <a:rPr lang="ko-KR" altLang="en-US" dirty="0"/>
+              <a:t>인덱스를 제대로 타지 못해 필터링 속도가 매우 느립니다</a:t>
+            </a:r>
+            <a:r>
+              <a:rPr lang="en-US" altLang="ko-KR" dirty="0"/>
+              <a:t>.</a:t>
+            </a:r>
+          </a:p>
+          <a:p>
+            <a:endParaRPr lang="en-US" altLang="ko-KR" dirty="0"/>
+          </a:p>
+          <a:p>
+            <a:r>
+              <a:rPr lang="ko-KR" altLang="en-US" dirty="0"/>
+              <a:t>여기에 더해서</a:t>
+            </a:r>
+            <a:r>
+              <a:rPr lang="en-US" altLang="ko-KR" dirty="0"/>
+              <a:t>, UI </a:t>
+            </a:r>
+            <a:r>
+              <a:rPr lang="ko-KR" altLang="en-US" dirty="0"/>
+              <a:t>페이지 네비게이션 동작을 위해</a:t>
+            </a:r>
+            <a:r>
+              <a:rPr lang="en-US" altLang="ko-KR" dirty="0"/>
+              <a:t>, </a:t>
+            </a:r>
+            <a:r>
+              <a:rPr lang="ko-KR" altLang="en-US" dirty="0"/>
+              <a:t>전체 페이지 수와</a:t>
+            </a:r>
+            <a:r>
+              <a:rPr lang="en-US" altLang="ko-KR" dirty="0"/>
+              <a:t>, </a:t>
+            </a:r>
+            <a:r>
+              <a:rPr lang="ko-KR" altLang="en-US" dirty="0"/>
+              <a:t>현재 페이지 위치를 확인하는 구문이 함께 동작한다면</a:t>
+            </a:r>
+            <a:endParaRPr lang="en-US" altLang="ko-KR" dirty="0"/>
+          </a:p>
+          <a:p>
+            <a:endParaRPr lang="en-US" altLang="ko-KR" dirty="0"/>
+          </a:p>
+          <a:p>
+            <a:r>
+              <a:rPr lang="ko-KR" altLang="en-US" dirty="0"/>
+              <a:t>테이블 전체 </a:t>
+            </a:r>
+            <a:r>
+              <a:rPr lang="en-US" altLang="ko-KR" dirty="0"/>
+              <a:t>row</a:t>
+            </a:r>
+            <a:r>
+              <a:rPr lang="ko-KR" altLang="en-US" dirty="0"/>
+              <a:t>를 필터링하는 작업까지도 발생합니다</a:t>
+            </a:r>
+            <a:r>
+              <a:rPr lang="en-US" altLang="ko-KR" dirty="0"/>
+              <a:t>.</a:t>
+            </a:r>
+          </a:p>
+          <a:p>
+            <a:endParaRPr lang="en-US" altLang="ko-KR" dirty="0"/>
+          </a:p>
+          <a:p>
+            <a:r>
+              <a:rPr lang="ko-KR" altLang="en-US" dirty="0"/>
+              <a:t>심한 경우 </a:t>
+            </a:r>
+            <a:r>
+              <a:rPr lang="en-US" altLang="ko-KR" dirty="0"/>
+              <a:t>DBMS</a:t>
+            </a:r>
+            <a:r>
+              <a:rPr lang="ko-KR" altLang="en-US" dirty="0"/>
+              <a:t>가 주기적으로 </a:t>
+            </a:r>
+            <a:r>
+              <a:rPr lang="ko-KR" altLang="en-US" dirty="0" err="1"/>
+              <a:t>셧다운되는</a:t>
+            </a:r>
+            <a:r>
+              <a:rPr lang="ko-KR" altLang="en-US" dirty="0"/>
+              <a:t> 것도 경험해 볼 수 있습니다</a:t>
+            </a:r>
+            <a:r>
+              <a:rPr lang="en-US" altLang="ko-KR" dirty="0"/>
+              <a:t>.</a:t>
+            </a:r>
           </a:p>
         </p:txBody>
       </p:sp>
@@ -798,7 +1233,425 @@
           <a:bodyPr/>
           <a:lstStyle/>
           <a:p>
+            <a:pPr marL="0" marR="0" lvl="0" indent="0" algn="l" defTabSz="685800" rtl="0" eaLnBrk="1" fontAlgn="auto" latinLnBrk="1" hangingPunct="1">
+              <a:lnSpc>
+                <a:spcPct val="100000"/>
+              </a:lnSpc>
+              <a:spcBef>
+                <a:spcPts val="0"/>
+              </a:spcBef>
+              <a:spcAft>
+                <a:spcPts val="0"/>
+              </a:spcAft>
+              <a:buClrTx/>
+              <a:buSzTx/>
+              <a:buFontTx/>
+              <a:buNone/>
+              <a:tabLst/>
+              <a:defRPr/>
+            </a:pPr>
+            <a:r>
+              <a:rPr lang="en-US" altLang="ko-KR" dirty="0"/>
+              <a:t>RDB </a:t>
+            </a:r>
+            <a:r>
+              <a:rPr lang="ko-KR" altLang="en-US" dirty="0"/>
+              <a:t>에서 대용량 데이터의 </a:t>
+            </a:r>
+            <a:r>
+              <a:rPr lang="ko-KR" altLang="en-US" dirty="0" err="1"/>
+              <a:t>페이징</a:t>
+            </a:r>
+            <a:r>
+              <a:rPr lang="ko-KR" altLang="en-US" dirty="0"/>
+              <a:t> 쿼리는 좋은 성능이 나오기 어렵습니다</a:t>
+            </a:r>
+            <a:r>
+              <a:rPr lang="en-US" altLang="ko-KR" dirty="0"/>
+              <a:t>.</a:t>
+            </a:r>
+          </a:p>
+          <a:p>
+            <a:pPr marL="0" marR="0" lvl="0" indent="0" algn="l" defTabSz="685800" rtl="0" eaLnBrk="1" fontAlgn="auto" latinLnBrk="1" hangingPunct="1">
+              <a:lnSpc>
+                <a:spcPct val="100000"/>
+              </a:lnSpc>
+              <a:spcBef>
+                <a:spcPts val="0"/>
+              </a:spcBef>
+              <a:spcAft>
+                <a:spcPts val="0"/>
+              </a:spcAft>
+              <a:buClrTx/>
+              <a:buSzTx/>
+              <a:buFontTx/>
+              <a:buNone/>
+              <a:tabLst/>
+              <a:defRPr/>
+            </a:pPr>
             <a:endParaRPr lang="en-US" altLang="ko-KR" dirty="0"/>
+          </a:p>
+          <a:p>
+            <a:pPr marL="0" marR="0" lvl="0" indent="0" algn="l" defTabSz="685800" rtl="0" eaLnBrk="1" fontAlgn="auto" latinLnBrk="1" hangingPunct="1">
+              <a:lnSpc>
+                <a:spcPct val="100000"/>
+              </a:lnSpc>
+              <a:spcBef>
+                <a:spcPts val="0"/>
+              </a:spcBef>
+              <a:spcAft>
+                <a:spcPts val="0"/>
+              </a:spcAft>
+              <a:buClrTx/>
+              <a:buSzTx/>
+              <a:buFontTx/>
+              <a:buNone/>
+              <a:tabLst/>
+              <a:defRPr/>
+            </a:pPr>
+            <a:r>
+              <a:rPr lang="ko-KR" altLang="en-US" dirty="0"/>
+              <a:t>만약 </a:t>
+            </a:r>
+            <a:r>
+              <a:rPr lang="en-US" altLang="ko-KR" dirty="0"/>
+              <a:t>LIKE </a:t>
+            </a:r>
+            <a:r>
+              <a:rPr lang="ko-KR" altLang="en-US" dirty="0"/>
+              <a:t>검색이 없다면</a:t>
+            </a:r>
+            <a:r>
+              <a:rPr lang="en-US" altLang="ko-KR" dirty="0"/>
+              <a:t>, search after, </a:t>
+            </a:r>
+            <a:r>
+              <a:rPr lang="ko-KR" altLang="en-US" dirty="0"/>
+              <a:t>부분범위 인덱스</a:t>
+            </a:r>
+            <a:r>
+              <a:rPr lang="en-US" altLang="ko-KR" dirty="0"/>
+              <a:t> </a:t>
+            </a:r>
+            <a:r>
+              <a:rPr lang="ko-KR" altLang="en-US" dirty="0"/>
+              <a:t>기법을 이용해 개선해 볼 여지가 있습니다만</a:t>
+            </a:r>
+            <a:r>
+              <a:rPr lang="en-US" altLang="ko-KR" dirty="0"/>
+              <a:t>,</a:t>
+            </a:r>
+          </a:p>
+          <a:p>
+            <a:pPr marL="0" marR="0" lvl="0" indent="0" algn="l" defTabSz="685800" rtl="0" eaLnBrk="1" fontAlgn="auto" latinLnBrk="1" hangingPunct="1">
+              <a:lnSpc>
+                <a:spcPct val="100000"/>
+              </a:lnSpc>
+              <a:spcBef>
+                <a:spcPts val="0"/>
+              </a:spcBef>
+              <a:spcAft>
+                <a:spcPts val="0"/>
+              </a:spcAft>
+              <a:buClrTx/>
+              <a:buSzTx/>
+              <a:buFontTx/>
+              <a:buNone/>
+              <a:tabLst/>
+              <a:defRPr/>
+            </a:pPr>
+            <a:r>
+              <a:rPr lang="ko-KR" altLang="en-US" dirty="0"/>
+              <a:t>저희가 만든 주문이력 조회는 </a:t>
+            </a:r>
+            <a:r>
+              <a:rPr lang="en-US" altLang="ko-KR" dirty="0"/>
+              <a:t>LIKE </a:t>
+            </a:r>
+            <a:r>
+              <a:rPr lang="ko-KR" altLang="en-US" dirty="0"/>
+              <a:t>검색을 제공하기 때문에</a:t>
+            </a:r>
+            <a:r>
+              <a:rPr lang="en-US" altLang="ko-KR" dirty="0"/>
+              <a:t>, RDB</a:t>
+            </a:r>
+            <a:r>
+              <a:rPr lang="ko-KR" altLang="en-US" dirty="0"/>
+              <a:t>로는 성능 개선이 어렵습니다</a:t>
+            </a:r>
+            <a:r>
+              <a:rPr lang="en-US" altLang="ko-KR" dirty="0"/>
+              <a:t>.</a:t>
+            </a:r>
+          </a:p>
+          <a:p>
+            <a:pPr marL="0" marR="0" lvl="0" indent="0" algn="l" defTabSz="685800" rtl="0" eaLnBrk="1" fontAlgn="auto" latinLnBrk="1" hangingPunct="1">
+              <a:lnSpc>
+                <a:spcPct val="100000"/>
+              </a:lnSpc>
+              <a:spcBef>
+                <a:spcPts val="0"/>
+              </a:spcBef>
+              <a:spcAft>
+                <a:spcPts val="0"/>
+              </a:spcAft>
+              <a:buClrTx/>
+              <a:buSzTx/>
+              <a:buFontTx/>
+              <a:buNone/>
+              <a:tabLst/>
+              <a:defRPr/>
+            </a:pPr>
+            <a:endParaRPr lang="en-US" altLang="ko-KR" dirty="0"/>
+          </a:p>
+          <a:p>
+            <a:pPr marL="0" marR="0" lvl="0" indent="0" algn="l" defTabSz="685800" rtl="0" eaLnBrk="1" fontAlgn="auto" latinLnBrk="1" hangingPunct="1">
+              <a:lnSpc>
+                <a:spcPct val="100000"/>
+              </a:lnSpc>
+              <a:spcBef>
+                <a:spcPts val="0"/>
+              </a:spcBef>
+              <a:spcAft>
+                <a:spcPts val="0"/>
+              </a:spcAft>
+              <a:buClrTx/>
+              <a:buSzTx/>
+              <a:buFontTx/>
+              <a:buNone/>
+              <a:tabLst/>
+              <a:defRPr/>
+            </a:pPr>
+            <a:r>
+              <a:rPr lang="ko-KR" altLang="en-US" dirty="0"/>
+              <a:t>그래서</a:t>
+            </a:r>
+            <a:r>
+              <a:rPr lang="en-US" altLang="ko-KR" dirty="0"/>
+              <a:t> </a:t>
+            </a:r>
+            <a:r>
+              <a:rPr lang="ko-KR" altLang="en-US" dirty="0"/>
+              <a:t>저희는</a:t>
+            </a:r>
+            <a:r>
+              <a:rPr lang="en-US" altLang="ko-KR" dirty="0"/>
+              <a:t>, RDB </a:t>
+            </a:r>
+            <a:r>
+              <a:rPr lang="ko-KR" altLang="en-US" dirty="0"/>
+              <a:t>대신</a:t>
+            </a:r>
+            <a:r>
+              <a:rPr lang="en-US" altLang="ko-KR" dirty="0"/>
+              <a:t>, </a:t>
+            </a:r>
+            <a:r>
+              <a:rPr lang="ko-KR" altLang="en-US" dirty="0"/>
+              <a:t>텍스트 검색에 특화된 </a:t>
+            </a:r>
+            <a:r>
+              <a:rPr lang="en-US" altLang="ko-KR" dirty="0"/>
+              <a:t>Elasticsearch </a:t>
+            </a:r>
+            <a:r>
+              <a:rPr lang="ko-KR" altLang="en-US" dirty="0"/>
+              <a:t>를 주문이력 저장소로 대체하려고 합니다</a:t>
+            </a:r>
+            <a:r>
+              <a:rPr lang="en-US" altLang="ko-KR" dirty="0"/>
+              <a:t>.</a:t>
+            </a:r>
+          </a:p>
+          <a:p>
+            <a:endParaRPr lang="en-US" altLang="ko-KR" dirty="0"/>
+          </a:p>
+          <a:p>
+            <a:r>
+              <a:rPr lang="ko-KR" altLang="en-US" dirty="0"/>
+              <a:t>결제 서비스가</a:t>
+            </a:r>
+            <a:r>
+              <a:rPr lang="en-US" altLang="ko-KR" dirty="0"/>
+              <a:t>, PG </a:t>
+            </a:r>
+            <a:r>
+              <a:rPr lang="ko-KR" altLang="en-US" dirty="0"/>
+              <a:t>연동을 하고</a:t>
+            </a:r>
+            <a:r>
+              <a:rPr lang="en-US" altLang="ko-KR" dirty="0"/>
+              <a:t>, RDB</a:t>
+            </a:r>
+            <a:r>
+              <a:rPr lang="ko-KR" altLang="en-US" dirty="0"/>
+              <a:t>에 저장된 </a:t>
+            </a:r>
+            <a:r>
+              <a:rPr lang="en-US" altLang="ko-KR" dirty="0"/>
+              <a:t>Order </a:t>
+            </a:r>
+            <a:r>
+              <a:rPr lang="ko-KR" altLang="en-US" dirty="0"/>
+              <a:t>데이터의 상태를 결제 완료로 바꿉니다</a:t>
+            </a:r>
+            <a:r>
+              <a:rPr lang="en-US" altLang="ko-KR" dirty="0"/>
+              <a:t>.</a:t>
+            </a:r>
+          </a:p>
+          <a:p>
+            <a:endParaRPr lang="en-US" altLang="ko-KR" dirty="0"/>
+          </a:p>
+          <a:p>
+            <a:r>
+              <a:rPr lang="ko-KR" altLang="en-US" dirty="0"/>
+              <a:t>그리고</a:t>
+            </a:r>
+            <a:r>
+              <a:rPr lang="en-US" altLang="ko-KR" dirty="0"/>
+              <a:t>, Order</a:t>
+            </a:r>
+            <a:r>
+              <a:rPr lang="ko-KR" altLang="en-US" dirty="0"/>
+              <a:t> 데이터를 </a:t>
+            </a:r>
+            <a:r>
+              <a:rPr lang="en-US" altLang="ko-KR" dirty="0"/>
+              <a:t>Elasticsearch </a:t>
+            </a:r>
+            <a:r>
+              <a:rPr lang="ko-KR" altLang="en-US" dirty="0"/>
+              <a:t>에 저장해 줍니다</a:t>
+            </a:r>
+            <a:r>
+              <a:rPr lang="en-US" altLang="ko-KR" dirty="0"/>
+              <a:t>.</a:t>
+            </a:r>
+          </a:p>
+          <a:p>
+            <a:endParaRPr lang="en-US" altLang="ko-KR" dirty="0"/>
+          </a:p>
+          <a:p>
+            <a:r>
+              <a:rPr lang="en-US" altLang="ko-KR" dirty="0"/>
+              <a:t>Elasticsearch</a:t>
+            </a:r>
+            <a:r>
+              <a:rPr lang="ko-KR" altLang="en-US" dirty="0"/>
+              <a:t>는 </a:t>
+            </a:r>
+            <a:r>
+              <a:rPr lang="ko-KR" altLang="en-US" dirty="0" err="1"/>
+              <a:t>역인덱스라는</a:t>
+            </a:r>
+            <a:r>
+              <a:rPr lang="ko-KR" altLang="en-US" dirty="0"/>
+              <a:t> 방식으로 데이터가 저장되기 때문에</a:t>
+            </a:r>
+            <a:r>
+              <a:rPr lang="en-US" altLang="ko-KR" dirty="0"/>
+              <a:t>, </a:t>
+            </a:r>
+            <a:r>
+              <a:rPr lang="ko-KR" altLang="en-US" dirty="0"/>
+              <a:t>아무리 데이터가 많아져도 검색속도가 매우 빠릅니다</a:t>
+            </a:r>
+            <a:r>
+              <a:rPr lang="en-US" altLang="ko-KR" dirty="0"/>
+              <a:t>.</a:t>
+            </a:r>
+          </a:p>
+          <a:p>
+            <a:endParaRPr lang="en-US" altLang="ko-KR" dirty="0"/>
+          </a:p>
+          <a:p>
+            <a:r>
+              <a:rPr lang="ko-KR" altLang="en-US" dirty="0"/>
+              <a:t>결제 서비스에서 </a:t>
+            </a:r>
+            <a:r>
+              <a:rPr lang="en-US" altLang="ko-KR" dirty="0"/>
+              <a:t>Elasticsearch </a:t>
+            </a:r>
+            <a:r>
+              <a:rPr lang="ko-KR" altLang="en-US" dirty="0"/>
+              <a:t>에 주문이력을 바로 저장할 수도 있지만</a:t>
+            </a:r>
+            <a:r>
+              <a:rPr lang="en-US" altLang="ko-KR" dirty="0"/>
+              <a:t>, </a:t>
+            </a:r>
+            <a:r>
+              <a:rPr lang="ko-KR" altLang="en-US" dirty="0"/>
+              <a:t>주문이력 데이터는 분석지표나 마케팅 수단으로서 다양한 응용가치를 갖기 때문에</a:t>
+            </a:r>
+            <a:r>
+              <a:rPr lang="en-US" altLang="ko-KR" dirty="0"/>
+              <a:t>, </a:t>
+            </a:r>
+            <a:r>
+              <a:rPr lang="ko-KR" altLang="en-US" dirty="0"/>
+              <a:t>하나의 연동소스에 여러 </a:t>
+            </a:r>
+            <a:r>
+              <a:rPr lang="en-US" altLang="ko-KR" dirty="0"/>
+              <a:t>consumer</a:t>
+            </a:r>
+            <a:r>
+              <a:rPr lang="ko-KR" altLang="en-US" dirty="0"/>
+              <a:t>를 붙여 기능을 확장할 수 있는 구조로 메시지 큐를 이용해 주문이력을 </a:t>
+            </a:r>
+            <a:r>
+              <a:rPr lang="en-US" altLang="ko-KR" dirty="0"/>
+              <a:t>Elasticsearch</a:t>
+            </a:r>
+            <a:r>
+              <a:rPr lang="ko-KR" altLang="en-US" dirty="0"/>
+              <a:t>에 저장하겠습니다</a:t>
+            </a:r>
+            <a:r>
+              <a:rPr lang="en-US" altLang="ko-KR" dirty="0"/>
+              <a:t>.</a:t>
+            </a:r>
+          </a:p>
+          <a:p>
+            <a:endParaRPr lang="en-US" altLang="ko-KR" dirty="0"/>
+          </a:p>
+          <a:p>
+            <a:r>
+              <a:rPr lang="ko-KR" altLang="en-US" dirty="0"/>
+              <a:t>그리고 하나의 메시지에 여러 </a:t>
+            </a:r>
+            <a:r>
+              <a:rPr lang="en-US" altLang="ko-KR" dirty="0"/>
+              <a:t>consumer</a:t>
+            </a:r>
+            <a:r>
+              <a:rPr lang="ko-KR" altLang="en-US" dirty="0"/>
+              <a:t>를 자유롭게 붙이는 확장성을 확보하기 위해</a:t>
+            </a:r>
+            <a:r>
+              <a:rPr lang="en-US" altLang="ko-KR" dirty="0"/>
+              <a:t>, </a:t>
+            </a:r>
+            <a:r>
+              <a:rPr lang="ko-KR" altLang="en-US" dirty="0"/>
+              <a:t>저희는 메시지 큐로 </a:t>
+            </a:r>
+            <a:r>
+              <a:rPr lang="en-US" altLang="ko-KR" dirty="0"/>
+              <a:t>Kafka </a:t>
+            </a:r>
+            <a:r>
+              <a:rPr lang="ko-KR" altLang="en-US" dirty="0"/>
+              <a:t>를 사용할 예정입니다</a:t>
+            </a:r>
+            <a:r>
+              <a:rPr lang="en-US" altLang="ko-KR" dirty="0"/>
+              <a:t>.</a:t>
+            </a:r>
           </a:p>
         </p:txBody>
       </p:sp>
@@ -828,7 +1681,7 @@
     </p:spTree>
     <p:extLst>
       <p:ext uri="{BB962C8B-B14F-4D97-AF65-F5344CB8AC3E}">
-        <p14:creationId xmlns:p14="http://schemas.microsoft.com/office/powerpoint/2010/main" val="1796731855"/>
+        <p14:creationId xmlns:p14="http://schemas.microsoft.com/office/powerpoint/2010/main" val="1460290993"/>
       </p:ext>
     </p:extLst>
   </p:cSld>
@@ -882,7 +1735,22 @@
           <a:bodyPr/>
           <a:lstStyle/>
           <a:p>
-            <a:endParaRPr lang="en-US" altLang="ko-KR" dirty="0"/>
+            <a:r>
+              <a:rPr lang="ko-KR" altLang="en-US" dirty="0"/>
+              <a:t>이번 클립에서는 </a:t>
+            </a:r>
+            <a:r>
+              <a:rPr lang="en-US" altLang="ko-KR" dirty="0"/>
+              <a:t>Elasticsearch </a:t>
+            </a:r>
+            <a:r>
+              <a:rPr lang="ko-KR" altLang="en-US" dirty="0"/>
+              <a:t>를 간략히 살펴보겠습니다</a:t>
+            </a:r>
+            <a:r>
+              <a:rPr lang="en-US" altLang="ko-KR" dirty="0"/>
+              <a:t>.</a:t>
+            </a:r>
           </a:p>
         </p:txBody>
       </p:sp>
@@ -912,7 +1780,7 @@
     </p:spTree>
     <p:extLst>
       <p:ext uri="{BB962C8B-B14F-4D97-AF65-F5344CB8AC3E}">
-        <p14:creationId xmlns:p14="http://schemas.microsoft.com/office/powerpoint/2010/main" val="1460290993"/>
+        <p14:creationId xmlns:p14="http://schemas.microsoft.com/office/powerpoint/2010/main" val="2005714677"/>
       </p:ext>
     </p:extLst>
   </p:cSld>
@@ -966,6 +1834,117 @@
           <a:bodyPr/>
           <a:lstStyle/>
           <a:p>
+            <a:r>
+              <a:rPr lang="ko-KR" altLang="en-US" dirty="0" err="1"/>
+              <a:t>엘라스틱서치는</a:t>
+            </a:r>
+            <a:r>
+              <a:rPr lang="ko-KR" altLang="en-US" dirty="0"/>
+              <a:t> 아파치 </a:t>
+            </a:r>
+            <a:r>
+              <a:rPr lang="ko-KR" altLang="en-US" dirty="0" err="1"/>
+              <a:t>루씬</a:t>
+            </a:r>
+            <a:r>
+              <a:rPr lang="ko-KR" altLang="en-US" dirty="0"/>
+              <a:t> 기반의 분산 검색엔진입니다</a:t>
+            </a:r>
+            <a:r>
+              <a:rPr lang="en-US" altLang="ko-KR" dirty="0"/>
+              <a:t>.</a:t>
+            </a:r>
+          </a:p>
+          <a:p>
+            <a:r>
+              <a:rPr lang="en-US" altLang="ko-KR" dirty="0"/>
+              <a:t>Java </a:t>
+            </a:r>
+            <a:r>
+              <a:rPr lang="ko-KR" altLang="en-US" dirty="0"/>
+              <a:t>로 만들어졌고</a:t>
+            </a:r>
+            <a:r>
+              <a:rPr lang="en-US" altLang="ko-KR" dirty="0"/>
+              <a:t>, 2010</a:t>
+            </a:r>
+            <a:r>
+              <a:rPr lang="ko-KR" altLang="en-US" dirty="0"/>
+              <a:t>년 릴리즈 되었습니다</a:t>
+            </a:r>
+            <a:r>
+              <a:rPr lang="en-US" altLang="ko-KR" dirty="0"/>
+              <a:t>.</a:t>
+            </a:r>
+          </a:p>
+          <a:p>
+            <a:endParaRPr lang="en-US" altLang="ko-KR" dirty="0"/>
+          </a:p>
+          <a:p>
+            <a:r>
+              <a:rPr lang="ko-KR" altLang="en-US" dirty="0" err="1"/>
+              <a:t>엘라스틱서치의</a:t>
+            </a:r>
+            <a:r>
+              <a:rPr lang="ko-KR" altLang="en-US" dirty="0"/>
+              <a:t> 가장 큰 장점은</a:t>
+            </a:r>
+            <a:r>
+              <a:rPr lang="en-US" altLang="ko-KR" dirty="0"/>
+              <a:t>, </a:t>
+            </a:r>
+            <a:r>
+              <a:rPr lang="ko-KR" altLang="en-US" dirty="0"/>
+              <a:t>빠른 속도입니다</a:t>
+            </a:r>
+            <a:r>
+              <a:rPr lang="en-US" altLang="ko-KR" dirty="0"/>
+              <a:t>.</a:t>
+            </a:r>
+          </a:p>
+          <a:p>
+            <a:r>
+              <a:rPr lang="ko-KR" altLang="en-US" dirty="0"/>
+              <a:t>대량의 데이터를 </a:t>
+            </a:r>
+            <a:r>
+              <a:rPr lang="en-US" altLang="ko-KR" dirty="0"/>
+              <a:t>1</a:t>
+            </a:r>
+            <a:r>
+              <a:rPr lang="ko-KR" altLang="en-US" dirty="0"/>
+              <a:t>초 정도의 </a:t>
+            </a:r>
+            <a:r>
+              <a:rPr lang="en-US" altLang="ko-KR" dirty="0"/>
+              <a:t>Near Realtime, </a:t>
+            </a:r>
+            <a:r>
+              <a:rPr lang="ko-KR" altLang="en-US" dirty="0"/>
+              <a:t>준실시간 수준으로 저장하고 검색할 수 있는데</a:t>
+            </a:r>
+            <a:endParaRPr lang="en-US" altLang="ko-KR" dirty="0"/>
+          </a:p>
+          <a:p>
+            <a:r>
+              <a:rPr lang="ko-KR" altLang="en-US" dirty="0"/>
+              <a:t>이는 역색인이라는 독특한 방식으로 자료구조를 관리하기 때문입니다</a:t>
+            </a:r>
+            <a:r>
+              <a:rPr lang="en-US" altLang="ko-KR" dirty="0"/>
+              <a:t>.</a:t>
+            </a:r>
+          </a:p>
+          <a:p>
+            <a:endParaRPr lang="en-US" altLang="ko-KR" dirty="0"/>
+          </a:p>
+          <a:p>
+            <a:endParaRPr lang="en-US" altLang="ko-KR" dirty="0"/>
+          </a:p>
+          <a:p>
+            <a:endParaRPr lang="en-US" altLang="ko-KR" dirty="0"/>
+          </a:p>
+          <a:p>
             <a:endParaRPr lang="en-US" altLang="ko-KR" dirty="0"/>
           </a:p>
         </p:txBody>
@@ -996,7 +1975,7 @@
     </p:spTree>
     <p:extLst>
       <p:ext uri="{BB962C8B-B14F-4D97-AF65-F5344CB8AC3E}">
-        <p14:creationId xmlns:p14="http://schemas.microsoft.com/office/powerpoint/2010/main" val="2005714677"/>
+        <p14:creationId xmlns:p14="http://schemas.microsoft.com/office/powerpoint/2010/main" val="2561856735"/>
       </p:ext>
     </p:extLst>
   </p:cSld>
@@ -1050,7 +2029,132 @@
           <a:bodyPr/>
           <a:lstStyle/>
           <a:p>
+            <a:r>
+              <a:rPr lang="ko-KR" altLang="en-US" dirty="0"/>
+              <a:t>왼쪽이 </a:t>
+            </a:r>
+            <a:r>
+              <a:rPr lang="en-US" altLang="ko-KR" dirty="0"/>
+              <a:t>Index, </a:t>
+            </a:r>
+            <a:r>
+              <a:rPr lang="ko-KR" altLang="en-US" dirty="0"/>
+              <a:t>오른쪽이 </a:t>
+            </a:r>
+            <a:r>
+              <a:rPr lang="en-US" altLang="ko-KR" dirty="0"/>
+              <a:t>Reverted Index </a:t>
+            </a:r>
+            <a:r>
+              <a:rPr lang="ko-KR" altLang="en-US" dirty="0"/>
+              <a:t>입니다</a:t>
+            </a:r>
+            <a:r>
+              <a:rPr lang="en-US" altLang="ko-KR" dirty="0"/>
+              <a:t>.</a:t>
+            </a:r>
+          </a:p>
+          <a:p>
             <a:endParaRPr lang="en-US" altLang="ko-KR" dirty="0"/>
+          </a:p>
+          <a:p>
+            <a:r>
+              <a:rPr lang="en-US" altLang="ko-KR" dirty="0"/>
+              <a:t>Index </a:t>
+            </a:r>
+            <a:r>
+              <a:rPr lang="ko-KR" altLang="en-US" dirty="0"/>
+              <a:t>에서는 </a:t>
+            </a:r>
+            <a:r>
+              <a:rPr lang="en-US" altLang="ko-KR" dirty="0"/>
+              <a:t>2.1 </a:t>
+            </a:r>
+            <a:r>
+              <a:rPr lang="ko-KR" altLang="en-US" dirty="0"/>
+              <a:t>장이 </a:t>
+            </a:r>
+            <a:r>
+              <a:rPr lang="en-US" altLang="ko-KR" dirty="0"/>
+              <a:t>28</a:t>
+            </a:r>
+            <a:r>
+              <a:rPr lang="ko-KR" altLang="en-US" dirty="0"/>
+              <a:t>페이지라는 것은 바로 찾을 수 있습니다만</a:t>
+            </a:r>
+            <a:r>
+              <a:rPr lang="en-US" altLang="ko-KR" dirty="0"/>
+              <a:t>, </a:t>
+            </a:r>
+            <a:r>
+              <a:rPr lang="ko-KR" altLang="en-US" dirty="0"/>
+              <a:t>검색이라는 단어가 포함된 페이지를 찾으려면 전체 인덱스를 다 뒤져봐야 하거든요</a:t>
+            </a:r>
+            <a:r>
+              <a:rPr lang="en-US" altLang="ko-KR" dirty="0"/>
+              <a:t>.</a:t>
+            </a:r>
+          </a:p>
+          <a:p>
+            <a:endParaRPr lang="en-US" altLang="ko-KR" dirty="0"/>
+          </a:p>
+          <a:p>
+            <a:r>
+              <a:rPr lang="ko-KR" altLang="en-US" dirty="0"/>
+              <a:t>반면 오른쪽 역색인에서는</a:t>
+            </a:r>
+            <a:r>
+              <a:rPr lang="en-US" altLang="ko-KR" dirty="0"/>
+              <a:t>, </a:t>
+            </a:r>
+            <a:r>
+              <a:rPr lang="ko-KR" altLang="en-US" dirty="0"/>
+              <a:t>검색이라는 단어가 </a:t>
+            </a:r>
+            <a:r>
+              <a:rPr lang="en-US" altLang="ko-KR" dirty="0"/>
+              <a:t>3</a:t>
+            </a:r>
+            <a:r>
+              <a:rPr lang="ko-KR" altLang="en-US" dirty="0"/>
+              <a:t>페이지에 있다는 것을 바로 찾을 수 있습니다</a:t>
+            </a:r>
+            <a:r>
+              <a:rPr lang="en-US" altLang="ko-KR" dirty="0"/>
+              <a:t>. </a:t>
+            </a:r>
+            <a:r>
+              <a:rPr lang="ko-KR" altLang="en-US" dirty="0"/>
+              <a:t>이와 같이</a:t>
+            </a:r>
+            <a:r>
+              <a:rPr lang="en-US" altLang="ko-KR" dirty="0"/>
+              <a:t>, </a:t>
+            </a:r>
+            <a:r>
+              <a:rPr lang="ko-KR" altLang="en-US" dirty="0"/>
+              <a:t>키워드에 </a:t>
+            </a:r>
+            <a:r>
+              <a:rPr lang="en-US" altLang="ko-KR" dirty="0"/>
+              <a:t>row </a:t>
+            </a:r>
+            <a:r>
+              <a:rPr lang="ko-KR" altLang="en-US" dirty="0"/>
+              <a:t>가 </a:t>
+            </a:r>
+            <a:r>
+              <a:rPr lang="ko-KR" altLang="en-US" dirty="0" err="1"/>
+              <a:t>매핑되어</a:t>
+            </a:r>
+            <a:r>
+              <a:rPr lang="ko-KR" altLang="en-US" dirty="0"/>
+              <a:t> 있는 구조를 역색인이라고 합니다</a:t>
+            </a:r>
+            <a:r>
+              <a:rPr lang="en-US" altLang="ko-KR" dirty="0"/>
+              <a:t>.</a:t>
+            </a:r>
           </a:p>
         </p:txBody>
       </p:sp>
@@ -1080,7 +2184,7 @@
     </p:spTree>
     <p:extLst>
       <p:ext uri="{BB962C8B-B14F-4D97-AF65-F5344CB8AC3E}">
-        <p14:creationId xmlns:p14="http://schemas.microsoft.com/office/powerpoint/2010/main" val="2561856735"/>
+        <p14:creationId xmlns:p14="http://schemas.microsoft.com/office/powerpoint/2010/main" val="3042993509"/>
       </p:ext>
     </p:extLst>
   </p:cSld>
@@ -1134,7 +2238,170 @@
           <a:bodyPr/>
           <a:lstStyle/>
           <a:p>
+            <a:r>
+              <a:rPr lang="ko-KR" altLang="en-US" dirty="0" err="1"/>
+              <a:t>엘라스틱서치는</a:t>
+            </a:r>
+            <a:r>
+              <a:rPr lang="ko-KR" altLang="en-US" dirty="0"/>
+              <a:t> 레코드를 </a:t>
+            </a:r>
+            <a:r>
+              <a:rPr lang="en-US" altLang="ko-KR" dirty="0"/>
+              <a:t>JSON </a:t>
+            </a:r>
+            <a:r>
+              <a:rPr lang="ko-KR" altLang="en-US" dirty="0"/>
+              <a:t>기반으로 관리하기 때문에 저장 형식이 자유롭고요</a:t>
+            </a:r>
+            <a:r>
+              <a:rPr lang="en-US" altLang="ko-KR" dirty="0"/>
+              <a:t>, Shard </a:t>
+            </a:r>
+            <a:r>
+              <a:rPr lang="ko-KR" altLang="en-US" dirty="0"/>
+              <a:t>구성을 통해 고가용성 및 처리성능 향상이 가능합니다</a:t>
+            </a:r>
+            <a:r>
+              <a:rPr lang="en-US" altLang="ko-KR" dirty="0"/>
+              <a:t>.</a:t>
+            </a:r>
+          </a:p>
+          <a:p>
             <a:endParaRPr lang="en-US" altLang="ko-KR" dirty="0"/>
+          </a:p>
+          <a:p>
+            <a:r>
+              <a:rPr lang="ko-KR" altLang="en-US" dirty="0"/>
+              <a:t>하지만</a:t>
+            </a:r>
+            <a:r>
+              <a:rPr lang="en-US" altLang="ko-KR" dirty="0"/>
+              <a:t>, </a:t>
+            </a:r>
+            <a:r>
+              <a:rPr lang="ko-KR" altLang="en-US" dirty="0"/>
+              <a:t>단점도 물론 있는데요</a:t>
+            </a:r>
+            <a:r>
+              <a:rPr lang="en-US" altLang="ko-KR" dirty="0"/>
+              <a:t>.</a:t>
+            </a:r>
+          </a:p>
+          <a:p>
+            <a:endParaRPr lang="en-US" altLang="ko-KR" dirty="0"/>
+          </a:p>
+          <a:p>
+            <a:r>
+              <a:rPr lang="ko-KR" altLang="en-US" dirty="0"/>
+              <a:t>실시간 처리가 안됩니다</a:t>
+            </a:r>
+            <a:r>
+              <a:rPr lang="en-US" altLang="ko-KR" dirty="0"/>
+              <a:t>. </a:t>
+            </a:r>
+            <a:r>
+              <a:rPr lang="ko-KR" altLang="en-US" dirty="0" err="1"/>
+              <a:t>들어온대로</a:t>
+            </a:r>
+            <a:r>
+              <a:rPr lang="ko-KR" altLang="en-US" dirty="0"/>
+              <a:t> 딱딱 </a:t>
+            </a:r>
+            <a:r>
+              <a:rPr lang="ko-KR" altLang="en-US" dirty="0" err="1"/>
+              <a:t>처리되는게</a:t>
+            </a:r>
+            <a:r>
+              <a:rPr lang="ko-KR" altLang="en-US" dirty="0"/>
+              <a:t> 아니라</a:t>
+            </a:r>
+            <a:r>
+              <a:rPr lang="en-US" altLang="ko-KR" dirty="0"/>
+              <a:t>,</a:t>
+            </a:r>
+            <a:r>
+              <a:rPr lang="ko-KR" altLang="en-US" dirty="0"/>
+              <a:t> 준실시간 처리라서</a:t>
+            </a:r>
+            <a:r>
+              <a:rPr lang="en-US" altLang="ko-KR" dirty="0"/>
+              <a:t>,</a:t>
+            </a:r>
+            <a:r>
+              <a:rPr lang="ko-KR" altLang="en-US" dirty="0"/>
+              <a:t> </a:t>
+            </a:r>
+            <a:r>
+              <a:rPr lang="en-US" altLang="ko-KR" dirty="0"/>
+              <a:t>1</a:t>
+            </a:r>
+            <a:r>
+              <a:rPr lang="ko-KR" altLang="en-US" dirty="0"/>
+              <a:t>초 정도의 색인작업이 완료되기 전에는 조회가 안됩니다</a:t>
+            </a:r>
+            <a:r>
+              <a:rPr lang="en-US" altLang="ko-KR" dirty="0"/>
+              <a:t>.</a:t>
+            </a:r>
+          </a:p>
+          <a:p>
+            <a:endParaRPr lang="en-US" altLang="ko-KR" dirty="0"/>
+          </a:p>
+          <a:p>
+            <a:r>
+              <a:rPr lang="ko-KR" altLang="en-US" dirty="0" err="1"/>
+              <a:t>트렌젝션</a:t>
+            </a:r>
+            <a:r>
+              <a:rPr lang="en-US" altLang="ko-KR" dirty="0"/>
+              <a:t>, </a:t>
+            </a:r>
+            <a:r>
+              <a:rPr lang="ko-KR" altLang="en-US" dirty="0"/>
+              <a:t>롤백도 지원하지 않습니다</a:t>
+            </a:r>
+            <a:r>
+              <a:rPr lang="en-US" altLang="ko-KR" dirty="0"/>
+              <a:t>. </a:t>
+            </a:r>
+            <a:r>
+              <a:rPr lang="ko-KR" altLang="en-US" dirty="0"/>
+              <a:t>그리고 업데이트도 엄밀하게는 지원하지 않습니다</a:t>
+            </a:r>
+            <a:r>
+              <a:rPr lang="en-US" altLang="ko-KR" dirty="0"/>
+              <a:t>. Delete </a:t>
+            </a:r>
+            <a:r>
+              <a:rPr lang="ko-KR" altLang="en-US" dirty="0"/>
+              <a:t>하고 </a:t>
+            </a:r>
+            <a:r>
+              <a:rPr lang="en-US" altLang="ko-KR" dirty="0"/>
+              <a:t>Insert </a:t>
+            </a:r>
+            <a:r>
+              <a:rPr lang="ko-KR" altLang="en-US" dirty="0"/>
+              <a:t>하는 방식이라서 자료 동시성 처리에 매우 취약합니다</a:t>
+            </a:r>
+            <a:r>
+              <a:rPr lang="en-US" altLang="ko-KR" dirty="0"/>
+              <a:t>.</a:t>
+            </a:r>
+          </a:p>
+          <a:p>
+            <a:endParaRPr lang="en-US" altLang="ko-KR" dirty="0"/>
+          </a:p>
+          <a:p>
+            <a:r>
+              <a:rPr lang="ko-KR" altLang="en-US" dirty="0"/>
+              <a:t>그래서 돈 관련 업무에는 부적합한 솔루션입니다</a:t>
+            </a:r>
+            <a:r>
+              <a:rPr lang="en-US" altLang="ko-KR" dirty="0"/>
+              <a:t>.</a:t>
+            </a:r>
           </a:p>
         </p:txBody>
       </p:sp>
@@ -1164,7 +2431,7 @@
     </p:spTree>
     <p:extLst>
       <p:ext uri="{BB962C8B-B14F-4D97-AF65-F5344CB8AC3E}">
-        <p14:creationId xmlns:p14="http://schemas.microsoft.com/office/powerpoint/2010/main" val="3042993509"/>
+        <p14:creationId xmlns:p14="http://schemas.microsoft.com/office/powerpoint/2010/main" val="3772231991"/>
       </p:ext>
     </p:extLst>
   </p:cSld>
@@ -1218,7 +2485,26 @@
           <a:bodyPr/>
           <a:lstStyle/>
           <a:p>
-            <a:endParaRPr lang="en-US" altLang="ko-KR" dirty="0"/>
+            <a:r>
+              <a:rPr lang="en-US" altLang="ko-KR" dirty="0"/>
+              <a:t>RDB</a:t>
+            </a:r>
+            <a:r>
+              <a:rPr lang="ko-KR" altLang="en-US" dirty="0"/>
+              <a:t>와 </a:t>
+            </a:r>
+            <a:r>
+              <a:rPr lang="ko-KR" altLang="en-US" dirty="0" err="1"/>
+              <a:t>엘라스틱서치의</a:t>
+            </a:r>
+            <a:r>
+              <a:rPr lang="ko-KR" altLang="en-US" dirty="0"/>
+              <a:t> 자료 형은 다음과 같이 대응됩니다</a:t>
+            </a:r>
+            <a:r>
+              <a:rPr lang="en-US" altLang="ko-KR" dirty="0"/>
+              <a:t>.</a:t>
+            </a:r>
           </a:p>
         </p:txBody>
       </p:sp>
@@ -1302,7 +2588,34 @@
           <a:bodyPr/>
           <a:lstStyle/>
           <a:p>
-            <a:endParaRPr lang="en-US" altLang="ko-KR" dirty="0"/>
+            <a:r>
+              <a:rPr lang="ko-KR" altLang="en-US" dirty="0" err="1"/>
+              <a:t>엘라스틱서치의</a:t>
+            </a:r>
+            <a:r>
+              <a:rPr lang="ko-KR" altLang="en-US" dirty="0"/>
+              <a:t> 검색은 </a:t>
+            </a:r>
+            <a:r>
+              <a:rPr lang="en-US" altLang="ko-KR" dirty="0"/>
+              <a:t>Query </a:t>
+            </a:r>
+            <a:r>
+              <a:rPr lang="ko-KR" altLang="en-US" dirty="0"/>
+              <a:t>방식과 필터방식 </a:t>
+            </a:r>
+            <a:r>
+              <a:rPr lang="en-US" altLang="ko-KR" dirty="0"/>
+              <a:t>2</a:t>
+            </a:r>
+            <a:r>
+              <a:rPr lang="ko-KR" altLang="en-US" dirty="0"/>
+              <a:t>가지가 있습니다</a:t>
+            </a:r>
+            <a:r>
+              <a:rPr lang="en-US" altLang="ko-KR" dirty="0"/>
+              <a:t>.</a:t>
+            </a:r>
           </a:p>
         </p:txBody>
       </p:sp>
@@ -1516,7 +2829,7 @@
           <a:p>
             <a:r>
               <a:rPr lang="en-US" altLang="ko-KR" dirty="0"/>
-              <a:t>SDLC (</a:t>
+              <a:t>SDLC, </a:t>
             </a:r>
             <a:r>
               <a:rPr lang="ko-KR" altLang="en-US" dirty="0"/>
@@ -1524,17 +2837,201 @@
             </a:r>
             <a:r>
               <a:rPr lang="en-US" altLang="ko-KR" dirty="0"/>
+              <a:t>, </a:t>
+            </a:r>
+            <a:r>
+              <a:rPr lang="ko-KR" altLang="en-US" dirty="0"/>
+              <a:t>또는 소프트웨어 생명주기는 시스템이 개발될 때부터 운용과 유지보수를 거쳐 생애를 마칠 때 까지의 일련의 순서를 체계화한 절차를 말합니다</a:t>
+            </a:r>
+            <a:r>
+              <a:rPr lang="en-US" altLang="ko-KR" dirty="0"/>
+              <a:t>.</a:t>
+            </a:r>
+          </a:p>
+          <a:p>
+            <a:endParaRPr lang="en-US" altLang="ko-KR" dirty="0"/>
+          </a:p>
+          <a:p>
+            <a:r>
+              <a:rPr lang="ko-KR" altLang="en-US" dirty="0"/>
+              <a:t>분석</a:t>
+            </a:r>
+            <a:r>
+              <a:rPr lang="en-US" altLang="ko-KR" dirty="0"/>
+              <a:t>, </a:t>
+            </a:r>
+            <a:r>
+              <a:rPr lang="ko-KR" altLang="en-US" dirty="0"/>
+              <a:t>설계</a:t>
+            </a:r>
+            <a:r>
+              <a:rPr lang="en-US" altLang="ko-KR" dirty="0"/>
+              <a:t>, </a:t>
+            </a:r>
+            <a:r>
+              <a:rPr lang="ko-KR" altLang="en-US" dirty="0"/>
+              <a:t>구현</a:t>
+            </a:r>
+            <a:r>
+              <a:rPr lang="en-US" altLang="ko-KR" dirty="0"/>
+              <a:t>, </a:t>
+            </a:r>
+            <a:r>
+              <a:rPr lang="ko-KR" altLang="en-US" dirty="0"/>
+              <a:t>테스트</a:t>
+            </a:r>
+            <a:r>
+              <a:rPr lang="en-US" altLang="ko-KR" dirty="0"/>
+              <a:t>, </a:t>
+            </a:r>
+            <a:r>
+              <a:rPr lang="ko-KR" altLang="en-US" dirty="0"/>
+              <a:t>배포</a:t>
+            </a:r>
+            <a:r>
+              <a:rPr lang="en-US" altLang="ko-KR" dirty="0"/>
+              <a:t>, </a:t>
+            </a:r>
+            <a:r>
+              <a:rPr lang="ko-KR" altLang="en-US" dirty="0"/>
+              <a:t>유지보수가 끊임없이 반복되는 이 생명주기는 저희가 프로젝트에서 늘 겪는 일입니다</a:t>
+            </a:r>
+            <a:r>
+              <a:rPr lang="en-US" altLang="ko-KR" dirty="0"/>
+              <a:t>.</a:t>
+            </a:r>
+          </a:p>
+          <a:p>
+            <a:endParaRPr lang="en-US" altLang="ko-KR" dirty="0"/>
+          </a:p>
+          <a:p>
+            <a:r>
+              <a:rPr lang="ko-KR" altLang="en-US" dirty="0"/>
+              <a:t>지난 시간에 구현한 결제 서비스는</a:t>
+            </a:r>
+            <a:r>
+              <a:rPr lang="en-US" altLang="ko-KR" dirty="0"/>
+              <a:t>,</a:t>
+            </a:r>
+            <a:r>
+              <a:rPr lang="ko-KR" altLang="en-US" dirty="0"/>
+              <a:t> </a:t>
+            </a:r>
+            <a:r>
+              <a:rPr lang="en-US" altLang="ko-KR" dirty="0"/>
+              <a:t>(6</a:t>
+            </a:r>
+            <a:r>
+              <a:rPr lang="ko-KR" altLang="en-US" dirty="0"/>
+              <a:t>번</a:t>
+            </a:r>
+            <a:r>
+              <a:rPr lang="en-US" altLang="ko-KR" dirty="0"/>
               <a:t>)</a:t>
             </a:r>
+            <a:r>
+              <a:rPr lang="ko-KR" altLang="en-US" dirty="0"/>
+              <a:t> 운영과정을 거치면서</a:t>
+            </a:r>
+            <a:r>
+              <a:rPr lang="en-US" altLang="ko-KR" dirty="0"/>
+              <a:t>,</a:t>
+            </a:r>
+            <a:r>
+              <a:rPr lang="ko-KR" altLang="en-US" dirty="0"/>
+              <a:t> </a:t>
+            </a:r>
+            <a:r>
+              <a:rPr lang="en-US" altLang="ko-KR" dirty="0"/>
+              <a:t>(1</a:t>
+            </a:r>
+            <a:r>
+              <a:rPr lang="ko-KR" altLang="en-US" dirty="0"/>
+              <a:t>번</a:t>
+            </a:r>
+            <a:r>
+              <a:rPr lang="en-US" altLang="ko-KR" dirty="0"/>
+              <a:t>) </a:t>
+            </a:r>
+            <a:r>
+              <a:rPr lang="ko-KR" altLang="en-US" dirty="0"/>
+              <a:t>새로운 요구사항이 도출됩니다</a:t>
+            </a:r>
+            <a:r>
+              <a:rPr lang="en-US" altLang="ko-KR" dirty="0"/>
+              <a:t>.</a:t>
+            </a:r>
           </a:p>
           <a:p>
             <a:endParaRPr lang="en-US" altLang="ko-KR" dirty="0"/>
           </a:p>
           <a:p>
             <a:r>
-              <a:rPr lang="en-US" altLang="ko-KR" dirty="0"/>
-              <a:t>ISO 12207</a:t>
-            </a:r>
+              <a:rPr lang="ko-KR" altLang="en-US" dirty="0"/>
+              <a:t>개발부서는 요건을 분석하고</a:t>
+            </a:r>
+            <a:r>
+              <a:rPr lang="en-US" altLang="ko-KR" dirty="0"/>
+              <a:t>, </a:t>
+            </a:r>
+            <a:r>
+              <a:rPr lang="ko-KR" altLang="en-US" dirty="0"/>
+              <a:t>시스템을 디자인해서</a:t>
+            </a:r>
+            <a:r>
+              <a:rPr lang="en-US" altLang="ko-KR" dirty="0"/>
+              <a:t>, </a:t>
+            </a:r>
+            <a:r>
+              <a:rPr lang="ko-KR" altLang="en-US" dirty="0"/>
+              <a:t>이를 구현하고</a:t>
+            </a:r>
+            <a:r>
+              <a:rPr lang="en-US" altLang="ko-KR" dirty="0"/>
+              <a:t>, </a:t>
+            </a:r>
+            <a:r>
+              <a:rPr lang="ko-KR" altLang="en-US" dirty="0"/>
+              <a:t>테스팅하고 배포하는 일련의 과정을 수행할 </a:t>
+            </a:r>
+            <a:r>
+              <a:rPr lang="ko-KR" altLang="en-US" dirty="0" err="1"/>
+              <a:t>꺼고요</a:t>
+            </a:r>
+            <a:r>
+              <a:rPr lang="en-US" altLang="ko-KR" dirty="0"/>
+              <a:t>.</a:t>
+            </a:r>
+          </a:p>
+          <a:p>
+            <a:endParaRPr lang="en-US" altLang="ko-KR" dirty="0"/>
+          </a:p>
+          <a:p>
+            <a:r>
+              <a:rPr lang="ko-KR" altLang="en-US" dirty="0"/>
+              <a:t>이런 작업은 소프트웨어가 더 이상 쓸모없어 질 때까지 계속 반복해서 일어납니다</a:t>
+            </a:r>
+            <a:r>
+              <a:rPr lang="en-US" altLang="ko-KR" dirty="0"/>
+              <a:t>.</a:t>
+            </a:r>
+          </a:p>
+          <a:p>
+            <a:endParaRPr lang="en-US" altLang="ko-KR" dirty="0"/>
+          </a:p>
+          <a:p>
+            <a:endParaRPr lang="en-US" altLang="ko-KR" dirty="0"/>
+          </a:p>
+          <a:p>
+            <a:r>
+              <a:rPr lang="en-US" altLang="ko-KR" dirty="0"/>
+              <a:t>** ISO 12207 </a:t>
+            </a:r>
+            <a:r>
+              <a:rPr lang="ko-KR" altLang="en-US" dirty="0"/>
+              <a:t>표준으로도 정의되어 있음</a:t>
+            </a:r>
+            <a:endParaRPr lang="en-US" altLang="ko-KR" dirty="0"/>
           </a:p>
           <a:p>
             <a:r>
@@ -1645,6 +3142,33 @@
           <a:bodyPr/>
           <a:lstStyle/>
           <a:p>
+            <a:pPr marL="0" marR="0" lvl="0" indent="0" algn="l" defTabSz="685800" rtl="0" eaLnBrk="1" fontAlgn="auto" latinLnBrk="1" hangingPunct="1">
+              <a:lnSpc>
+                <a:spcPct val="100000"/>
+              </a:lnSpc>
+              <a:spcBef>
+                <a:spcPts val="0"/>
+              </a:spcBef>
+              <a:spcAft>
+                <a:spcPts val="0"/>
+              </a:spcAft>
+              <a:buClrTx/>
+              <a:buSzTx/>
+              <a:buFontTx/>
+              <a:buNone/>
+              <a:tabLst/>
+              <a:defRPr/>
+            </a:pPr>
+            <a:r>
+              <a:rPr lang="ko-KR" altLang="en-US" dirty="0"/>
+              <a:t>이번 클립에서는 카프카를 간략히 살펴보겠습니다</a:t>
+            </a:r>
+            <a:r>
+              <a:rPr lang="en-US" altLang="ko-KR" dirty="0"/>
+              <a:t>.</a:t>
+            </a:r>
+          </a:p>
+          <a:p>
             <a:endParaRPr lang="en-US" altLang="ko-KR" dirty="0"/>
           </a:p>
         </p:txBody>
@@ -1729,6 +3253,397 @@
           <a:bodyPr/>
           <a:lstStyle/>
           <a:p>
+            <a:r>
+              <a:rPr lang="ko-KR" altLang="en-US" dirty="0"/>
+              <a:t>카프카는 </a:t>
+            </a:r>
+            <a:r>
+              <a:rPr lang="ko-KR" altLang="en-US" dirty="0" err="1"/>
+              <a:t>링크드인에서</a:t>
+            </a:r>
+            <a:r>
+              <a:rPr lang="ko-KR" altLang="en-US" dirty="0"/>
+              <a:t> 만든 기술로</a:t>
+            </a:r>
+            <a:r>
+              <a:rPr lang="en-US" altLang="ko-KR" dirty="0"/>
+              <a:t>, 2011</a:t>
+            </a:r>
+            <a:r>
+              <a:rPr lang="ko-KR" altLang="en-US" dirty="0"/>
+              <a:t>년 공개되었습니다</a:t>
+            </a:r>
+            <a:r>
+              <a:rPr lang="en-US" altLang="ko-KR" dirty="0"/>
+              <a:t>.</a:t>
+            </a:r>
+          </a:p>
+          <a:p>
+            <a:endParaRPr lang="en-US" altLang="ko-KR" dirty="0"/>
+          </a:p>
+          <a:p>
+            <a:r>
+              <a:rPr lang="ko-KR" altLang="en-US" dirty="0"/>
+              <a:t>당시 </a:t>
+            </a:r>
+            <a:r>
+              <a:rPr lang="ko-KR" altLang="en-US" dirty="0" err="1"/>
+              <a:t>링크드인의</a:t>
+            </a:r>
+            <a:r>
+              <a:rPr lang="ko-KR" altLang="en-US" dirty="0"/>
+              <a:t> 데이터 파이프라인은 너무 복잡했고</a:t>
+            </a:r>
+            <a:r>
+              <a:rPr lang="en-US" altLang="ko-KR" dirty="0"/>
+              <a:t>, </a:t>
+            </a:r>
+            <a:r>
+              <a:rPr lang="ko-KR" altLang="en-US" dirty="0"/>
+              <a:t>중복이 많았으며</a:t>
+            </a:r>
+            <a:r>
+              <a:rPr lang="en-US" altLang="ko-KR" dirty="0"/>
+              <a:t>, </a:t>
+            </a:r>
+            <a:r>
+              <a:rPr lang="ko-KR" altLang="en-US" dirty="0"/>
+              <a:t>관리 주체마다 포맷</a:t>
+            </a:r>
+            <a:r>
+              <a:rPr lang="en-US" altLang="ko-KR" dirty="0"/>
+              <a:t>, </a:t>
+            </a:r>
+            <a:r>
+              <a:rPr lang="ko-KR" altLang="en-US" dirty="0"/>
+              <a:t>처리방법이 달라 기능 확장이 어려운 상황이었습니다</a:t>
+            </a:r>
+            <a:r>
+              <a:rPr lang="en-US" altLang="ko-KR" dirty="0"/>
+              <a:t>.</a:t>
+            </a:r>
+          </a:p>
+          <a:p>
+            <a:r>
+              <a:rPr lang="ko-KR" altLang="en-US" dirty="0" err="1"/>
+              <a:t>링크드인</a:t>
+            </a:r>
+            <a:r>
+              <a:rPr lang="ko-KR" altLang="en-US" dirty="0"/>
+              <a:t> 엔지니어들은</a:t>
+            </a:r>
+            <a:r>
+              <a:rPr lang="en-US" altLang="ko-KR" dirty="0"/>
+              <a:t>, </a:t>
+            </a:r>
+            <a:r>
+              <a:rPr lang="ko-KR" altLang="en-US" dirty="0"/>
+              <a:t>카프카라는 메시지 브로커를 만들어</a:t>
+            </a:r>
+            <a:r>
+              <a:rPr lang="en-US" altLang="ko-KR" dirty="0"/>
+              <a:t>, </a:t>
+            </a:r>
+            <a:r>
+              <a:rPr lang="ko-KR" altLang="en-US" dirty="0"/>
+              <a:t>이런 상황을 깔끔하게 정리했습니다</a:t>
+            </a:r>
+            <a:r>
+              <a:rPr lang="en-US" altLang="ko-KR" dirty="0"/>
+              <a:t>.</a:t>
+            </a:r>
+          </a:p>
+          <a:p>
+            <a:endParaRPr lang="en-US" altLang="ko-KR" dirty="0"/>
+          </a:p>
+          <a:p>
+            <a:pPr marL="0" marR="0" lvl="0" indent="0" algn="l" defTabSz="685800" rtl="0" eaLnBrk="1" fontAlgn="auto" latinLnBrk="1" hangingPunct="1">
+              <a:lnSpc>
+                <a:spcPct val="100000"/>
+              </a:lnSpc>
+              <a:spcBef>
+                <a:spcPts val="0"/>
+              </a:spcBef>
+              <a:spcAft>
+                <a:spcPts val="0"/>
+              </a:spcAft>
+              <a:buClrTx/>
+              <a:buSzTx/>
+              <a:buFontTx/>
+              <a:buNone/>
+              <a:tabLst/>
+              <a:defRPr/>
+            </a:pPr>
+            <a:r>
+              <a:rPr lang="ko-KR" altLang="en-US" dirty="0"/>
+              <a:t>모든 데이터가 카프카로 모여</a:t>
+            </a:r>
+            <a:r>
+              <a:rPr lang="en-US" altLang="ko-KR" dirty="0"/>
+              <a:t>, </a:t>
+            </a:r>
+            <a:r>
+              <a:rPr lang="ko-KR" altLang="en-US" dirty="0"/>
+              <a:t>카프카에서 나가고 있는데요</a:t>
+            </a:r>
+            <a:r>
+              <a:rPr lang="en-US" altLang="ko-KR" dirty="0"/>
+              <a:t>.</a:t>
+            </a:r>
+          </a:p>
+          <a:p>
+            <a:endParaRPr lang="en-US" altLang="ko-KR" dirty="0"/>
+          </a:p>
+          <a:p>
+            <a:r>
+              <a:rPr lang="ko-KR" altLang="en-US" dirty="0"/>
+              <a:t>이런 처리가 </a:t>
+            </a:r>
+            <a:r>
+              <a:rPr lang="ko-KR" altLang="en-US" dirty="0" err="1"/>
+              <a:t>가능하려면</a:t>
+            </a:r>
+            <a:r>
+              <a:rPr lang="en-US" altLang="ko-KR" dirty="0"/>
+              <a:t>, MQ</a:t>
+            </a:r>
+            <a:r>
+              <a:rPr lang="ko-KR" altLang="en-US" dirty="0"/>
+              <a:t>보다도 속도</a:t>
+            </a:r>
+            <a:r>
+              <a:rPr lang="en-US" altLang="ko-KR" dirty="0"/>
+              <a:t>, </a:t>
+            </a:r>
+            <a:r>
+              <a:rPr lang="ko-KR" altLang="en-US" dirty="0"/>
+              <a:t>처리량</a:t>
+            </a:r>
+            <a:r>
+              <a:rPr lang="en-US" altLang="ko-KR" dirty="0"/>
+              <a:t>, </a:t>
+            </a:r>
+            <a:r>
+              <a:rPr lang="ko-KR" altLang="en-US" dirty="0"/>
+              <a:t>안정성이 우수해야 하겠지만</a:t>
+            </a:r>
+            <a:endParaRPr lang="en-US" altLang="ko-KR" dirty="0"/>
+          </a:p>
+          <a:p>
+            <a:r>
+              <a:rPr lang="ko-KR" altLang="en-US" dirty="0"/>
+              <a:t>무엇보다도</a:t>
+            </a:r>
+            <a:r>
+              <a:rPr lang="en-US" altLang="ko-KR" dirty="0"/>
+              <a:t>, consumer </a:t>
+            </a:r>
+            <a:r>
+              <a:rPr lang="ko-KR" altLang="en-US" dirty="0"/>
+              <a:t>를 자유롭게 연결할 수 있어야 합니다</a:t>
+            </a:r>
+            <a:r>
+              <a:rPr lang="en-US" altLang="ko-KR" dirty="0"/>
+              <a:t>.</a:t>
+            </a:r>
+          </a:p>
+          <a:p>
+            <a:endParaRPr lang="en-US" altLang="ko-KR" dirty="0"/>
+          </a:p>
+          <a:p>
+            <a:r>
+              <a:rPr lang="ko-KR" altLang="en-US" dirty="0"/>
+              <a:t>바로 이 부분이 </a:t>
+            </a:r>
+            <a:endParaRPr lang="en-US" altLang="ko-KR" dirty="0"/>
+          </a:p>
+          <a:p>
+            <a:endParaRPr lang="en-US" altLang="ko-KR" dirty="0"/>
+          </a:p>
+          <a:p>
+            <a:r>
+              <a:rPr lang="en-US" altLang="ko-KR" dirty="0"/>
+              <a:t>MQ</a:t>
+            </a:r>
+            <a:r>
+              <a:rPr lang="ko-KR" altLang="en-US" dirty="0"/>
+              <a:t>는 </a:t>
+            </a:r>
+            <a:r>
+              <a:rPr lang="en-US" altLang="ko-KR" dirty="0"/>
+              <a:t>consumer</a:t>
+            </a:r>
+            <a:r>
+              <a:rPr lang="ko-KR" altLang="en-US" dirty="0"/>
+              <a:t>가 메시지를 소비하면 </a:t>
+            </a:r>
+            <a:r>
+              <a:rPr lang="en-US" altLang="ko-KR" dirty="0"/>
+              <a:t>queue</a:t>
+            </a:r>
+            <a:r>
+              <a:rPr lang="ko-KR" altLang="en-US" dirty="0"/>
+              <a:t>에서 즉시 메시지를 삭제합니다</a:t>
+            </a:r>
+            <a:r>
+              <a:rPr lang="en-US" altLang="ko-KR" dirty="0"/>
+              <a:t>. Queue </a:t>
+            </a:r>
+            <a:r>
+              <a:rPr lang="ko-KR" altLang="en-US" dirty="0"/>
+              <a:t>를 메모리에서 관리하고 있기 때문에</a:t>
+            </a:r>
+            <a:r>
+              <a:rPr lang="en-US" altLang="ko-KR" dirty="0"/>
+              <a:t>, </a:t>
+            </a:r>
+            <a:r>
+              <a:rPr lang="ko-KR" altLang="en-US" dirty="0"/>
+              <a:t>자원을 효율적으로 사용하기 위해서 이렇게 작동을 하는데요</a:t>
+            </a:r>
+            <a:r>
+              <a:rPr lang="en-US" altLang="ko-KR" dirty="0"/>
+              <a:t>.</a:t>
+            </a:r>
+          </a:p>
+          <a:p>
+            <a:endParaRPr lang="en-US" altLang="ko-KR" dirty="0"/>
+          </a:p>
+          <a:p>
+            <a:r>
+              <a:rPr lang="ko-KR" altLang="en-US" dirty="0"/>
+              <a:t>카프카가 </a:t>
+            </a:r>
+            <a:r>
+              <a:rPr lang="en-US" altLang="ko-KR" dirty="0"/>
+              <a:t>MQ</a:t>
+            </a:r>
+            <a:r>
+              <a:rPr lang="ko-KR" altLang="en-US" dirty="0"/>
+              <a:t>와 가장 차이나는 부분이 바로 이 부분입니다</a:t>
+            </a:r>
+            <a:r>
+              <a:rPr lang="en-US" altLang="ko-KR" dirty="0"/>
+              <a:t>. </a:t>
+            </a:r>
+            <a:r>
+              <a:rPr lang="ko-KR" altLang="en-US" dirty="0"/>
+              <a:t>카프카는 하나의 메시지를 </a:t>
+            </a:r>
+            <a:endParaRPr lang="en-US" altLang="ko-KR" dirty="0"/>
+          </a:p>
+          <a:p>
+            <a:endParaRPr lang="en-US" altLang="ko-KR" dirty="0"/>
+          </a:p>
+          <a:p>
+            <a:r>
+              <a:rPr lang="ko-KR" altLang="en-US" dirty="0"/>
+              <a:t>하지만</a:t>
+            </a:r>
+            <a:r>
+              <a:rPr lang="en-US" altLang="ko-KR" dirty="0"/>
+              <a:t>, </a:t>
+            </a:r>
+            <a:r>
+              <a:rPr lang="ko-KR" altLang="en-US" dirty="0"/>
+              <a:t>제일 특이한 점은</a:t>
+            </a:r>
+            <a:r>
+              <a:rPr lang="en-US" altLang="ko-KR" dirty="0"/>
+              <a:t>, consumer</a:t>
+            </a:r>
+            <a:r>
+              <a:rPr lang="ko-KR" altLang="en-US" dirty="0"/>
+              <a:t>가 </a:t>
+            </a:r>
+            <a:r>
+              <a:rPr lang="ko-KR" altLang="en-US" dirty="0" err="1"/>
+              <a:t>여러개이</a:t>
+            </a:r>
+            <a:r>
+              <a:rPr lang="ko-KR" altLang="en-US" dirty="0"/>
+              <a:t> 많아야 했으며</a:t>
+            </a:r>
+            <a:r>
+              <a:rPr lang="en-US" altLang="ko-KR" dirty="0"/>
+              <a:t>, </a:t>
+            </a:r>
+            <a:r>
+              <a:rPr lang="ko-KR" altLang="en-US" dirty="0"/>
+              <a:t>안정성도 높아야 했을 겁니다</a:t>
+            </a:r>
+            <a:r>
+              <a:rPr lang="en-US" altLang="ko-KR" dirty="0"/>
+              <a:t>.</a:t>
+            </a:r>
+          </a:p>
+          <a:p>
+            <a:pPr marL="0" marR="0" lvl="0" indent="0" algn="l" defTabSz="685800" rtl="0" eaLnBrk="1" fontAlgn="auto" latinLnBrk="1" hangingPunct="1">
+              <a:lnSpc>
+                <a:spcPct val="100000"/>
+              </a:lnSpc>
+              <a:spcBef>
+                <a:spcPts val="0"/>
+              </a:spcBef>
+              <a:spcAft>
+                <a:spcPts val="0"/>
+              </a:spcAft>
+              <a:buClrTx/>
+              <a:buSzTx/>
+              <a:buFontTx/>
+              <a:buNone/>
+              <a:tabLst/>
+              <a:defRPr/>
+            </a:pPr>
+            <a:r>
+              <a:rPr lang="ko-KR" altLang="en-US" dirty="0"/>
+              <a:t>하지만 무엇보다 </a:t>
+            </a:r>
+            <a:r>
+              <a:rPr lang="ko-KR" altLang="en-US" dirty="0" err="1"/>
+              <a:t>중ㅇ</a:t>
+            </a:r>
+            <a:endParaRPr lang="en-US" altLang="ko-KR" dirty="0"/>
+          </a:p>
+          <a:p>
+            <a:endParaRPr lang="en-US" altLang="ko-KR" dirty="0"/>
+          </a:p>
+          <a:p>
+            <a:endParaRPr lang="en-US" altLang="ko-KR" dirty="0"/>
+          </a:p>
+          <a:p>
+            <a:endParaRPr lang="en-US" altLang="ko-KR" dirty="0"/>
+          </a:p>
+          <a:p>
+            <a:r>
+              <a:rPr lang="ko-KR" altLang="en-US" dirty="0"/>
+              <a:t>지금부터 기존 </a:t>
+            </a:r>
+            <a:r>
+              <a:rPr lang="en-US" altLang="ko-KR" dirty="0"/>
+              <a:t>MQ</a:t>
+            </a:r>
+            <a:r>
+              <a:rPr lang="ko-KR" altLang="en-US" dirty="0"/>
+              <a:t>에 비해 </a:t>
+            </a:r>
+            <a:r>
+              <a:rPr lang="en-US" altLang="ko-KR" dirty="0"/>
+              <a:t>Kafka </a:t>
+            </a:r>
+            <a:r>
+              <a:rPr lang="ko-KR" altLang="en-US" dirty="0"/>
+              <a:t>가 어떤 특징을 가지고 있는지 간략하게 살펴보도록 하겠습니다</a:t>
+            </a:r>
+            <a:r>
+              <a:rPr lang="en-US" altLang="ko-KR" dirty="0"/>
+              <a:t>.</a:t>
+            </a:r>
+          </a:p>
+          <a:p>
+            <a:endParaRPr lang="en-US" altLang="ko-KR" dirty="0"/>
+          </a:p>
+          <a:p>
             <a:endParaRPr lang="en-US" altLang="ko-KR" dirty="0"/>
           </a:p>
         </p:txBody>
@@ -2109,6 +4024,96 @@
           <a:bodyPr/>
           <a:lstStyle/>
           <a:p>
+            <a:pPr marL="0" marR="0" lvl="0" indent="0" algn="l" defTabSz="685800" rtl="0" eaLnBrk="1" fontAlgn="auto" latinLnBrk="1" hangingPunct="1">
+              <a:lnSpc>
+                <a:spcPct val="100000"/>
+              </a:lnSpc>
+              <a:spcBef>
+                <a:spcPts val="0"/>
+              </a:spcBef>
+              <a:spcAft>
+                <a:spcPts val="0"/>
+              </a:spcAft>
+              <a:buClrTx/>
+              <a:buSzTx/>
+              <a:buFontTx/>
+              <a:buNone/>
+              <a:tabLst/>
+              <a:defRPr/>
+            </a:pPr>
+            <a:r>
+              <a:rPr lang="ko-KR" altLang="en-US" dirty="0"/>
+              <a:t>지금까지 </a:t>
+            </a:r>
+            <a:r>
+              <a:rPr lang="ko-KR" altLang="en-US" dirty="0" err="1"/>
+              <a:t>엘라스틱서치와</a:t>
+            </a:r>
+            <a:r>
+              <a:rPr lang="ko-KR" altLang="en-US" dirty="0"/>
+              <a:t> 카프카에 대해 알아보았습니다</a:t>
+            </a:r>
+            <a:r>
+              <a:rPr lang="en-US" altLang="ko-KR" dirty="0"/>
+              <a:t>.</a:t>
+            </a:r>
+          </a:p>
+          <a:p>
+            <a:pPr marL="0" marR="0" lvl="0" indent="0" algn="l" defTabSz="685800" rtl="0" eaLnBrk="1" fontAlgn="auto" latinLnBrk="1" hangingPunct="1">
+              <a:lnSpc>
+                <a:spcPct val="100000"/>
+              </a:lnSpc>
+              <a:spcBef>
+                <a:spcPts val="0"/>
+              </a:spcBef>
+              <a:spcAft>
+                <a:spcPts val="0"/>
+              </a:spcAft>
+              <a:buClrTx/>
+              <a:buSzTx/>
+              <a:buFontTx/>
+              <a:buNone/>
+              <a:tabLst/>
+              <a:defRPr/>
+            </a:pPr>
+            <a:endParaRPr lang="en-US" altLang="ko-KR" dirty="0"/>
+          </a:p>
+          <a:p>
+            <a:pPr marL="0" marR="0" lvl="0" indent="0" algn="l" defTabSz="685800" rtl="0" eaLnBrk="1" fontAlgn="auto" latinLnBrk="1" hangingPunct="1">
+              <a:lnSpc>
+                <a:spcPct val="100000"/>
+              </a:lnSpc>
+              <a:spcBef>
+                <a:spcPts val="0"/>
+              </a:spcBef>
+              <a:spcAft>
+                <a:spcPts val="0"/>
+              </a:spcAft>
+              <a:buClrTx/>
+              <a:buSzTx/>
+              <a:buFontTx/>
+              <a:buNone/>
+              <a:tabLst/>
+              <a:defRPr/>
+            </a:pPr>
+            <a:r>
+              <a:rPr lang="ko-KR" altLang="en-US" dirty="0"/>
+              <a:t>솔루션이 준비되었으니</a:t>
+            </a:r>
+            <a:r>
+              <a:rPr lang="en-US" altLang="ko-KR" dirty="0"/>
+              <a:t>, </a:t>
+            </a:r>
+            <a:r>
+              <a:rPr lang="ko-KR" altLang="en-US" dirty="0"/>
+              <a:t>지금부터는 기존 결제 서비스의 주문이력 조회성능을 개선해 보도록 하겠습니다</a:t>
+            </a:r>
+            <a:r>
+              <a:rPr lang="en-US" altLang="ko-KR" dirty="0"/>
+              <a:t>.</a:t>
+            </a:r>
+          </a:p>
+          <a:p>
             <a:endParaRPr lang="en-US" altLang="ko-KR" dirty="0"/>
           </a:p>
         </p:txBody>
@@ -2194,16 +4199,40 @@
           <a:lstStyle/>
           <a:p>
             <a:r>
-              <a:rPr lang="en-US" altLang="ko-KR" dirty="0"/>
-              <a:t>SDLC (</a:t>
-            </a:r>
-            <a:r>
-              <a:rPr lang="ko-KR" altLang="en-US" dirty="0"/>
-              <a:t>소프트웨어 개발 라이프사이클</a:t>
-            </a:r>
-            <a:r>
-              <a:rPr lang="en-US" altLang="ko-KR" dirty="0"/>
-              <a:t>)</a:t>
+              <a:rPr lang="ko-KR" altLang="en-US" dirty="0"/>
+              <a:t>운영 기간 중 접수된 </a:t>
+            </a:r>
+            <a:r>
+              <a:rPr lang="en-US" altLang="ko-KR" dirty="0" err="1"/>
+              <a:t>VoC</a:t>
+            </a:r>
+            <a:r>
+              <a:rPr lang="en-US" altLang="ko-KR" dirty="0"/>
+              <a:t>, </a:t>
+            </a:r>
+            <a:r>
+              <a:rPr lang="ko-KR" altLang="en-US" dirty="0"/>
+              <a:t>고객 피드백은</a:t>
+            </a:r>
+            <a:r>
+              <a:rPr lang="en-US" altLang="ko-KR" dirty="0"/>
+              <a:t> </a:t>
+            </a:r>
+            <a:r>
+              <a:rPr lang="ko-KR" altLang="en-US" dirty="0"/>
+              <a:t>크게 </a:t>
+            </a:r>
+            <a:r>
+              <a:rPr lang="en-US" altLang="ko-KR" dirty="0"/>
+              <a:t>2</a:t>
+            </a:r>
+            <a:r>
+              <a:rPr lang="ko-KR" altLang="en-US" dirty="0"/>
+              <a:t>가지로 분류할 수 있었습니다</a:t>
+            </a:r>
+            <a:r>
+              <a:rPr lang="en-US" altLang="ko-KR" dirty="0"/>
+              <a:t>.</a:t>
             </a:r>
           </a:p>
           <a:p>
@@ -2211,36 +4240,313 @@
           </a:p>
           <a:p>
             <a:r>
-              <a:rPr lang="en-US" altLang="ko-KR" dirty="0"/>
-              <a:t>ISO 12207</a:t>
-            </a:r>
-          </a:p>
-          <a:p>
-            <a:r>
-              <a:rPr lang="en-US" altLang="ko-KR" dirty="0"/>
-              <a:t>- 23</a:t>
-            </a:r>
-            <a:r>
-              <a:rPr lang="ko-KR" altLang="en-US" dirty="0"/>
-              <a:t>개 프로세스</a:t>
-            </a:r>
-            <a:r>
-              <a:rPr lang="en-US" altLang="ko-KR" dirty="0"/>
-              <a:t>, 95</a:t>
-            </a:r>
-            <a:r>
-              <a:rPr lang="ko-KR" altLang="en-US" dirty="0"/>
-              <a:t>개 </a:t>
-            </a:r>
-            <a:r>
-              <a:rPr lang="en-US" altLang="ko-KR" dirty="0"/>
-              <a:t>Activity, 223</a:t>
-            </a:r>
-            <a:r>
-              <a:rPr lang="ko-KR" altLang="en-US" dirty="0"/>
-              <a:t>개 산출물</a:t>
-            </a:r>
+              <a:rPr lang="ko-KR" altLang="en-US" dirty="0"/>
+              <a:t>첫번째</a:t>
+            </a:r>
+            <a:r>
+              <a:rPr lang="en-US" altLang="ko-KR" dirty="0"/>
+              <a:t>. </a:t>
+            </a:r>
+            <a:r>
+              <a:rPr lang="ko-KR" altLang="en-US" dirty="0"/>
+              <a:t>결제가 가끔 실패한다고 합니다</a:t>
+            </a:r>
+            <a:r>
+              <a:rPr lang="en-US" altLang="ko-KR" dirty="0"/>
+              <a:t>.</a:t>
+            </a:r>
+          </a:p>
+          <a:p>
             <a:endParaRPr lang="en-US" altLang="ko-KR" dirty="0"/>
+          </a:p>
+          <a:p>
+            <a:r>
+              <a:rPr lang="ko-KR" altLang="en-US" dirty="0"/>
+              <a:t>고객이 승인요청만 다시 하는 수준이라면</a:t>
+            </a:r>
+            <a:r>
+              <a:rPr lang="en-US" altLang="ko-KR" dirty="0"/>
+              <a:t> </a:t>
+            </a:r>
+            <a:r>
+              <a:rPr lang="ko-KR" altLang="en-US" dirty="0"/>
+              <a:t>그나마 다행인데</a:t>
+            </a:r>
+            <a:endParaRPr lang="en-US" altLang="ko-KR" dirty="0"/>
+          </a:p>
+          <a:p>
+            <a:r>
+              <a:rPr lang="ko-KR" altLang="en-US" dirty="0"/>
+              <a:t>문제는 카드 승인까지 </a:t>
+            </a:r>
+            <a:r>
+              <a:rPr lang="ko-KR" altLang="en-US" dirty="0" err="1"/>
+              <a:t>됬는데도</a:t>
+            </a:r>
+            <a:r>
+              <a:rPr lang="ko-KR" altLang="en-US" dirty="0"/>
+              <a:t> 주문이 계속 결제 실패였던 상황이 발생했다는 점입니다</a:t>
+            </a:r>
+            <a:r>
+              <a:rPr lang="en-US" altLang="ko-KR" dirty="0"/>
+              <a:t>.</a:t>
+            </a:r>
+          </a:p>
+          <a:p>
+            <a:r>
+              <a:rPr lang="ko-KR" altLang="en-US" dirty="0"/>
+              <a:t>오류가 발생하지 않는 완전 무결한 시스템은 없습니다</a:t>
+            </a:r>
+            <a:r>
+              <a:rPr lang="en-US" altLang="ko-KR" dirty="0"/>
+              <a:t>. </a:t>
+            </a:r>
+            <a:r>
+              <a:rPr lang="ko-KR" altLang="en-US" dirty="0"/>
+              <a:t>때문에 </a:t>
+            </a:r>
+            <a:r>
+              <a:rPr lang="en-US" altLang="ko-KR" dirty="0"/>
+              <a:t>Auth capture </a:t>
+            </a:r>
+            <a:r>
+              <a:rPr lang="ko-KR" altLang="en-US" dirty="0"/>
+              <a:t>까지 도입해서 결제를 처리했던 거고요</a:t>
+            </a:r>
+            <a:r>
+              <a:rPr lang="en-US" altLang="ko-KR" dirty="0"/>
+              <a:t>.</a:t>
+            </a:r>
+          </a:p>
+          <a:p>
+            <a:endParaRPr lang="en-US" altLang="ko-KR" dirty="0"/>
+          </a:p>
+          <a:p>
+            <a:r>
+              <a:rPr lang="ko-KR" altLang="en-US" dirty="0"/>
+              <a:t>그래서</a:t>
+            </a:r>
+            <a:r>
+              <a:rPr lang="en-US" altLang="ko-KR" dirty="0"/>
+              <a:t>, </a:t>
+            </a:r>
+            <a:r>
+              <a:rPr lang="ko-KR" altLang="en-US" dirty="0"/>
+              <a:t>저희는</a:t>
+            </a:r>
+            <a:r>
+              <a:rPr lang="en-US" altLang="ko-KR" dirty="0"/>
+              <a:t>, </a:t>
+            </a:r>
+            <a:r>
+              <a:rPr lang="ko-KR" altLang="en-US" dirty="0"/>
+              <a:t>오류를 없애는데 집중하기보다는</a:t>
+            </a:r>
+            <a:r>
+              <a:rPr lang="en-US" altLang="ko-KR" dirty="0"/>
+              <a:t>, </a:t>
+            </a:r>
+            <a:r>
+              <a:rPr lang="ko-KR" altLang="en-US" dirty="0"/>
+              <a:t>결제 실패한 주문은 다시 결제를 요청하는 재처리 기능을 추가해 보려고 합니다</a:t>
+            </a:r>
+            <a:r>
+              <a:rPr lang="en-US" altLang="ko-KR" dirty="0"/>
+              <a:t>.</a:t>
+            </a:r>
+          </a:p>
+          <a:p>
+            <a:r>
+              <a:rPr lang="ko-KR" altLang="en-US" dirty="0"/>
+              <a:t>우선순위는 최상이고요</a:t>
+            </a:r>
+            <a:r>
+              <a:rPr lang="en-US" altLang="ko-KR" dirty="0"/>
+              <a:t>.</a:t>
+            </a:r>
+          </a:p>
+          <a:p>
+            <a:endParaRPr lang="en-US" altLang="ko-KR" dirty="0"/>
+          </a:p>
+          <a:p>
+            <a:r>
+              <a:rPr lang="ko-KR" altLang="en-US" dirty="0"/>
+              <a:t>두번째</a:t>
+            </a:r>
+            <a:r>
+              <a:rPr lang="en-US" altLang="ko-KR" dirty="0"/>
+              <a:t>. </a:t>
+            </a:r>
+            <a:r>
+              <a:rPr lang="ko-KR" altLang="en-US" dirty="0"/>
+              <a:t>구매내역이 너무 느리다고 합니다</a:t>
+            </a:r>
+            <a:r>
+              <a:rPr lang="en-US" altLang="ko-KR" dirty="0"/>
+              <a:t>.</a:t>
+            </a:r>
+          </a:p>
+          <a:p>
+            <a:endParaRPr lang="en-US" altLang="ko-KR" dirty="0"/>
+          </a:p>
+          <a:p>
+            <a:r>
+              <a:rPr lang="ko-KR" altLang="en-US" dirty="0"/>
+              <a:t>매출이 급성장하면서 구매 내역이 엄청나게 쌓였는데요</a:t>
+            </a:r>
+            <a:r>
+              <a:rPr lang="en-US" altLang="ko-KR" dirty="0"/>
+              <a:t>.</a:t>
+            </a:r>
+          </a:p>
+          <a:p>
+            <a:r>
+              <a:rPr lang="ko-KR" altLang="en-US" dirty="0"/>
+              <a:t>어느 순간 갑자기 구매내역 조회가 심각하게 느려졌습니다</a:t>
+            </a:r>
+            <a:r>
+              <a:rPr lang="en-US" altLang="ko-KR" dirty="0"/>
+              <a:t>.</a:t>
+            </a:r>
+          </a:p>
+          <a:p>
+            <a:r>
+              <a:rPr lang="ko-KR" altLang="en-US" dirty="0"/>
+              <a:t>다행히도 저희는 서비스를 </a:t>
+            </a:r>
+            <a:r>
+              <a:rPr lang="en-US" altLang="ko-KR" dirty="0" err="1"/>
+              <a:t>Webflux</a:t>
+            </a:r>
+            <a:r>
+              <a:rPr lang="en-US" altLang="ko-KR" dirty="0"/>
+              <a:t> </a:t>
+            </a:r>
+            <a:r>
+              <a:rPr lang="ko-KR" altLang="en-US" dirty="0"/>
+              <a:t>로 구현해서</a:t>
+            </a:r>
+            <a:r>
+              <a:rPr lang="en-US" altLang="ko-KR" dirty="0"/>
+              <a:t>, </a:t>
+            </a:r>
+            <a:r>
+              <a:rPr lang="ko-KR" altLang="en-US" dirty="0"/>
+              <a:t>구매내역이 느리다고 주문 생성이나 결제까지 느려지진 않았습니다</a:t>
+            </a:r>
+            <a:r>
+              <a:rPr lang="en-US" altLang="ko-KR" dirty="0"/>
+              <a:t>.</a:t>
+            </a:r>
+          </a:p>
+          <a:p>
+            <a:r>
+              <a:rPr lang="ko-KR" altLang="en-US" dirty="0"/>
+              <a:t>하지만</a:t>
+            </a:r>
+            <a:r>
+              <a:rPr lang="en-US" altLang="ko-KR" dirty="0"/>
+              <a:t>, </a:t>
+            </a:r>
+            <a:r>
+              <a:rPr lang="ko-KR" altLang="en-US" dirty="0"/>
+              <a:t>구매내역을 조회할 때마다 </a:t>
+            </a:r>
+            <a:r>
+              <a:rPr lang="en-US" altLang="ko-KR" dirty="0"/>
+              <a:t>DB </a:t>
+            </a:r>
+            <a:r>
+              <a:rPr lang="ko-KR" altLang="en-US" dirty="0"/>
+              <a:t>부하가 너무 높아져</a:t>
+            </a:r>
+            <a:r>
+              <a:rPr lang="en-US" altLang="ko-KR" dirty="0"/>
+              <a:t>, </a:t>
+            </a:r>
+            <a:r>
+              <a:rPr lang="ko-KR" altLang="en-US" dirty="0"/>
+              <a:t>해당 </a:t>
+            </a:r>
+            <a:r>
+              <a:rPr lang="en-US" altLang="ko-KR" dirty="0"/>
+              <a:t>DB</a:t>
+            </a:r>
+            <a:r>
+              <a:rPr lang="ko-KR" altLang="en-US" dirty="0"/>
+              <a:t>를 함께 쓰는 다른 서비스들의 처리속도도 덩달아 느려지고 있습니다</a:t>
+            </a:r>
+            <a:r>
+              <a:rPr lang="en-US" altLang="ko-KR" dirty="0"/>
+              <a:t>.</a:t>
+            </a:r>
+          </a:p>
+          <a:p>
+            <a:r>
+              <a:rPr lang="ko-KR" altLang="en-US" dirty="0"/>
+              <a:t>만약 클라우드를 사용한다면</a:t>
+            </a:r>
+            <a:r>
+              <a:rPr lang="en-US" altLang="ko-KR" dirty="0"/>
+              <a:t>, DB </a:t>
+            </a:r>
+            <a:r>
+              <a:rPr lang="ko-KR" altLang="en-US" dirty="0"/>
+              <a:t>비용이 과다 청구될 </a:t>
+            </a:r>
+            <a:r>
+              <a:rPr lang="ko-KR" altLang="en-US" dirty="0" err="1"/>
+              <a:t>꺼고요</a:t>
+            </a:r>
+            <a:r>
+              <a:rPr lang="en-US" altLang="ko-KR" dirty="0"/>
+              <a:t>. </a:t>
+            </a:r>
+            <a:r>
+              <a:rPr lang="ko-KR" altLang="en-US" dirty="0"/>
+              <a:t>고객 불만도 점점 높아질 겁니다</a:t>
+            </a:r>
+            <a:r>
+              <a:rPr lang="en-US" altLang="ko-KR" dirty="0"/>
+              <a:t>.</a:t>
+            </a:r>
+          </a:p>
+          <a:p>
+            <a:endParaRPr lang="en-US" altLang="ko-KR" dirty="0"/>
+          </a:p>
+          <a:p>
+            <a:r>
+              <a:rPr lang="ko-KR" altLang="en-US" dirty="0"/>
+              <a:t>그래서</a:t>
+            </a:r>
+            <a:r>
+              <a:rPr lang="en-US" altLang="ko-KR" dirty="0"/>
+              <a:t>, </a:t>
+            </a:r>
+            <a:r>
+              <a:rPr lang="ko-KR" altLang="en-US" dirty="0"/>
+              <a:t>저희는</a:t>
+            </a:r>
+            <a:r>
+              <a:rPr lang="en-US" altLang="ko-KR" dirty="0"/>
+              <a:t>, </a:t>
+            </a:r>
+            <a:r>
+              <a:rPr lang="ko-KR" altLang="en-US" dirty="0"/>
+              <a:t>결제이력을 검색에 특화된 다른 데이터 저장소로 옮겨 서비스 해보려고 합니다</a:t>
+            </a:r>
+            <a:r>
+              <a:rPr lang="en-US" altLang="ko-KR" dirty="0"/>
+              <a:t>. </a:t>
+            </a:r>
+            <a:r>
+              <a:rPr lang="ko-KR" altLang="en-US" dirty="0"/>
+              <a:t>우선 순위는 중간 정도로 매길 수 있을 것 같습니다</a:t>
+            </a:r>
+            <a:r>
+              <a:rPr lang="en-US" altLang="ko-KR" dirty="0"/>
+              <a:t>.</a:t>
+            </a:r>
           </a:p>
         </p:txBody>
       </p:sp>
@@ -2324,7 +4630,22 @@
           <a:bodyPr/>
           <a:lstStyle/>
           <a:p>
-            <a:endParaRPr lang="en-US" altLang="ko-KR" dirty="0"/>
+            <a:r>
+              <a:rPr lang="ko-KR" altLang="en-US" dirty="0"/>
+              <a:t>기능확장 시나리오 첫번째</a:t>
+            </a:r>
+            <a:r>
+              <a:rPr lang="en-US" altLang="ko-KR" dirty="0"/>
+              <a:t>, </a:t>
+            </a:r>
+            <a:r>
+              <a:rPr lang="ko-KR" altLang="en-US" dirty="0"/>
+              <a:t>결제 재처리 기능 구현입니다</a:t>
+            </a:r>
+            <a:r>
+              <a:rPr lang="en-US" altLang="ko-KR" dirty="0"/>
+              <a:t>.</a:t>
+            </a:r>
           </a:p>
         </p:txBody>
       </p:sp>
@@ -2410,7 +4731,32 @@
           <a:p>
             <a:r>
               <a:rPr lang="en-US" altLang="ko-KR" dirty="0"/>
-              <a:t>Payment</a:t>
+              <a:t>PG</a:t>
+            </a:r>
+            <a:r>
+              <a:rPr lang="ko-KR" altLang="en-US" dirty="0"/>
+              <a:t>사 호출은 느릴 수 있습니다</a:t>
+            </a:r>
+            <a:r>
+              <a:rPr lang="en-US" altLang="ko-KR" dirty="0"/>
+              <a:t>.</a:t>
+            </a:r>
+          </a:p>
+          <a:p>
+            <a:endParaRPr lang="en-US" altLang="ko-KR" dirty="0"/>
+          </a:p>
+          <a:p>
+            <a:r>
+              <a:rPr lang="en-US" altLang="ko-KR" dirty="0"/>
+              <a:t>MVC</a:t>
+            </a:r>
+            <a:r>
+              <a:rPr lang="ko-KR" altLang="en-US" dirty="0"/>
+              <a:t> 결제 서비스는</a:t>
+            </a:r>
+            <a:r>
+              <a:rPr lang="en-US" altLang="ko-KR" dirty="0"/>
+              <a:t>,</a:t>
             </a:r>
             <a:r>
               <a:rPr lang="ko-KR" altLang="en-US" dirty="0"/>
@@ -2418,19 +4764,180 @@
             </a:r>
             <a:r>
               <a:rPr lang="en-US" altLang="ko-KR" dirty="0"/>
-              <a:t>Queue,</a:t>
-            </a:r>
-            <a:r>
-              <a:rPr lang="ko-KR" altLang="en-US" dirty="0"/>
-              <a:t> </a:t>
-            </a:r>
-            <a:r>
-              <a:rPr lang="en-US" altLang="ko-KR" dirty="0"/>
-              <a:t>Retry Queue, Dead Letter Queue </a:t>
-            </a:r>
-            <a:r>
-              <a:rPr lang="ko-KR" altLang="en-US" dirty="0"/>
-              <a:t>로 분리한다</a:t>
+              <a:t>PG</a:t>
+            </a:r>
+            <a:r>
+              <a:rPr lang="ko-KR" altLang="en-US" dirty="0"/>
+              <a:t>사 호출 지연이 </a:t>
+            </a:r>
+            <a:r>
+              <a:rPr lang="en-US" altLang="ko-KR" dirty="0"/>
+              <a:t>thread pool </a:t>
+            </a:r>
+            <a:r>
+              <a:rPr lang="ko-KR" altLang="en-US" dirty="0"/>
+              <a:t>을 쉽게 고갈시켜 서버 성능을 떨어뜨릴 수 있기 때문에</a:t>
+            </a:r>
+            <a:r>
+              <a:rPr lang="en-US" altLang="ko-KR" dirty="0"/>
+              <a:t>,</a:t>
+            </a:r>
+          </a:p>
+          <a:p>
+            <a:endParaRPr lang="en-US" altLang="ko-KR" dirty="0"/>
+          </a:p>
+          <a:p>
+            <a:r>
+              <a:rPr lang="ko-KR" altLang="en-US" dirty="0"/>
+              <a:t>일반적으로 </a:t>
+            </a:r>
+            <a:r>
+              <a:rPr lang="en-US" altLang="ko-KR" dirty="0"/>
+              <a:t>MQ</a:t>
+            </a:r>
+            <a:r>
+              <a:rPr lang="ko-KR" altLang="en-US" dirty="0"/>
+              <a:t>를 이용해 호출을 비동기로 처리합니다</a:t>
+            </a:r>
+            <a:r>
+              <a:rPr lang="en-US" altLang="ko-KR" dirty="0"/>
+              <a:t>.</a:t>
+            </a:r>
+          </a:p>
+          <a:p>
+            <a:endParaRPr lang="en-US" altLang="ko-KR" dirty="0"/>
+          </a:p>
+          <a:p>
+            <a:r>
+              <a:rPr lang="ko-KR" altLang="en-US" dirty="0"/>
+              <a:t>그런데</a:t>
+            </a:r>
+            <a:r>
+              <a:rPr lang="en-US" altLang="ko-KR" dirty="0"/>
+              <a:t>, MQ</a:t>
+            </a:r>
+            <a:r>
+              <a:rPr lang="ko-KR" altLang="en-US" dirty="0"/>
+              <a:t> 도입으로 얻는 장점은 이런 비동기 처리만이 아닙니다</a:t>
+            </a:r>
+            <a:r>
+              <a:rPr lang="en-US" altLang="ko-KR" dirty="0"/>
+              <a:t>. </a:t>
+            </a:r>
+            <a:r>
+              <a:rPr lang="ko-KR" altLang="en-US" dirty="0"/>
+              <a:t>재처리가 무척 쉬워집니다</a:t>
+            </a:r>
+            <a:r>
+              <a:rPr lang="en-US" altLang="ko-KR" dirty="0"/>
+              <a:t>.</a:t>
+            </a:r>
+          </a:p>
+          <a:p>
+            <a:endParaRPr lang="en-US" altLang="ko-KR" dirty="0"/>
+          </a:p>
+          <a:p>
+            <a:r>
+              <a:rPr lang="ko-KR" altLang="en-US" dirty="0"/>
+              <a:t>실패한 결제 건은 다시 </a:t>
+            </a:r>
+            <a:r>
+              <a:rPr lang="en-US" altLang="ko-KR" dirty="0"/>
+              <a:t>queue </a:t>
+            </a:r>
+            <a:r>
+              <a:rPr lang="ko-KR" altLang="en-US" dirty="0"/>
+              <a:t>에 넣으면 되거든요</a:t>
+            </a:r>
+            <a:r>
+              <a:rPr lang="en-US" altLang="ko-KR" dirty="0"/>
+              <a:t>. Queue</a:t>
+            </a:r>
+            <a:r>
+              <a:rPr lang="ko-KR" altLang="en-US" dirty="0"/>
+              <a:t>에 들어온 재처리 건은 자연스럽게 </a:t>
+            </a:r>
+            <a:r>
+              <a:rPr lang="en-US" altLang="ko-KR" dirty="0"/>
+              <a:t>consumer</a:t>
+            </a:r>
+            <a:r>
+              <a:rPr lang="ko-KR" altLang="en-US" dirty="0"/>
+              <a:t>에 의해 다시 결제를 요청합니다</a:t>
+            </a:r>
+            <a:r>
+              <a:rPr lang="en-US" altLang="ko-KR" dirty="0"/>
+              <a:t>.</a:t>
+            </a:r>
+          </a:p>
+          <a:p>
+            <a:endParaRPr lang="en-US" altLang="ko-KR" dirty="0"/>
+          </a:p>
+          <a:p>
+            <a:r>
+              <a:rPr lang="ko-KR" altLang="en-US" dirty="0"/>
+              <a:t>그리고 일정 횟수 이상 결제가 실패하면</a:t>
+            </a:r>
+            <a:r>
+              <a:rPr lang="en-US" altLang="ko-KR" dirty="0"/>
+              <a:t>, </a:t>
+            </a:r>
+            <a:r>
+              <a:rPr lang="ko-KR" altLang="en-US" dirty="0"/>
+              <a:t>주문상태를 처리 실패로 변경하고 더 이상 실패 건을 </a:t>
+            </a:r>
+            <a:r>
+              <a:rPr lang="en-US" altLang="ko-KR" dirty="0"/>
+              <a:t>queue</a:t>
+            </a:r>
+            <a:r>
+              <a:rPr lang="ko-KR" altLang="en-US" dirty="0"/>
+              <a:t>에 넣지 않습니다</a:t>
+            </a:r>
+            <a:r>
+              <a:rPr lang="en-US" altLang="ko-KR" dirty="0"/>
+              <a:t>.</a:t>
+            </a:r>
+          </a:p>
+          <a:p>
+            <a:endParaRPr lang="en-US" altLang="ko-KR" dirty="0"/>
+          </a:p>
+          <a:p>
+            <a:r>
+              <a:rPr lang="ko-KR" altLang="en-US" dirty="0"/>
+              <a:t>실무에서는 </a:t>
+            </a:r>
+            <a:r>
+              <a:rPr lang="en-US" altLang="ko-KR" dirty="0"/>
+              <a:t>queue</a:t>
+            </a:r>
+            <a:r>
+              <a:rPr lang="ko-KR" altLang="en-US" dirty="0"/>
+              <a:t>를 이렇게 하나만 사용하진 않고요</a:t>
+            </a:r>
+            <a:r>
+              <a:rPr lang="en-US" altLang="ko-KR" dirty="0"/>
+              <a:t>, Backoff </a:t>
+            </a:r>
+            <a:r>
+              <a:rPr lang="ko-KR" altLang="en-US" dirty="0"/>
+              <a:t>전략을 구현하기 위해 재처리 </a:t>
+            </a:r>
+            <a:r>
+              <a:rPr lang="en-US" altLang="ko-KR" dirty="0"/>
+              <a:t>queue</a:t>
+            </a:r>
+            <a:r>
+              <a:rPr lang="ko-KR" altLang="en-US" dirty="0"/>
+              <a:t>와 </a:t>
+            </a:r>
+            <a:r>
+              <a:rPr lang="en-US" altLang="ko-KR" dirty="0"/>
+              <a:t>Dead Letter queue </a:t>
+            </a:r>
+            <a:r>
+              <a:rPr lang="ko-KR" altLang="en-US" dirty="0"/>
+              <a:t>를 추가로 사용합니다</a:t>
             </a:r>
             <a:r>
               <a:rPr lang="en-US" altLang="ko-KR" dirty="0"/>
@@ -2519,6 +5026,217 @@
           <a:bodyPr/>
           <a:lstStyle/>
           <a:p>
+            <a:r>
+              <a:rPr lang="ko-KR" altLang="en-US" dirty="0"/>
+              <a:t>가장 흔한 결제 실패 케이스는</a:t>
+            </a:r>
+            <a:r>
+              <a:rPr lang="en-US" altLang="ko-KR" dirty="0"/>
+              <a:t>, PG</a:t>
+            </a:r>
+            <a:r>
+              <a:rPr lang="ko-KR" altLang="en-US" dirty="0"/>
+              <a:t>사 서버가 일시적으로 응답하지 않을 경우입니다</a:t>
+            </a:r>
+            <a:r>
+              <a:rPr lang="en-US" altLang="ko-KR" dirty="0"/>
+              <a:t>.</a:t>
+            </a:r>
+          </a:p>
+          <a:p>
+            <a:endParaRPr lang="en-US" altLang="ko-KR" dirty="0"/>
+          </a:p>
+          <a:p>
+            <a:r>
+              <a:rPr lang="ko-KR" altLang="en-US" dirty="0"/>
+              <a:t>그런데</a:t>
+            </a:r>
+            <a:r>
+              <a:rPr lang="en-US" altLang="ko-KR" dirty="0"/>
+              <a:t>, </a:t>
+            </a:r>
+            <a:r>
+              <a:rPr lang="ko-KR" altLang="en-US" dirty="0"/>
+              <a:t>이런 서버에</a:t>
+            </a:r>
+            <a:r>
+              <a:rPr lang="en-US" altLang="ko-KR" dirty="0"/>
+              <a:t>, </a:t>
+            </a:r>
+            <a:r>
+              <a:rPr lang="ko-KR" altLang="en-US" dirty="0"/>
+              <a:t>실패한 결제요청을 수십 번</a:t>
+            </a:r>
+            <a:r>
+              <a:rPr lang="en-US" altLang="ko-KR" dirty="0"/>
+              <a:t>,</a:t>
+            </a:r>
+            <a:r>
+              <a:rPr lang="ko-KR" altLang="en-US" dirty="0"/>
+              <a:t> 연속해서 다시 찌르는 것은</a:t>
+            </a:r>
+            <a:r>
+              <a:rPr lang="en-US" altLang="ko-KR" dirty="0"/>
+              <a:t>, PG</a:t>
+            </a:r>
+            <a:r>
+              <a:rPr lang="ko-KR" altLang="en-US" dirty="0"/>
+              <a:t>사 서버에 </a:t>
+            </a:r>
+            <a:r>
+              <a:rPr lang="en-US" altLang="ko-KR" dirty="0"/>
+              <a:t>DDOS </a:t>
+            </a:r>
+            <a:r>
+              <a:rPr lang="ko-KR" altLang="en-US" dirty="0"/>
+              <a:t>공격만 가하는 꼴이며</a:t>
+            </a:r>
+            <a:r>
+              <a:rPr lang="en-US" altLang="ko-KR" dirty="0"/>
+              <a:t>, </a:t>
+            </a:r>
+            <a:r>
+              <a:rPr lang="ko-KR" altLang="en-US" dirty="0"/>
+              <a:t>문제 해결이 전혀 도움이 되지 않습니다</a:t>
+            </a:r>
+            <a:r>
+              <a:rPr lang="en-US" altLang="ko-KR" dirty="0"/>
+              <a:t>.</a:t>
+            </a:r>
+          </a:p>
+          <a:p>
+            <a:endParaRPr lang="en-US" altLang="ko-KR" dirty="0"/>
+          </a:p>
+          <a:p>
+            <a:r>
+              <a:rPr lang="ko-KR" altLang="en-US" dirty="0"/>
+              <a:t>때문에</a:t>
+            </a:r>
+            <a:r>
+              <a:rPr lang="en-US" altLang="ko-KR" dirty="0"/>
+              <a:t>, PG</a:t>
+            </a:r>
+            <a:r>
+              <a:rPr lang="ko-KR" altLang="en-US" dirty="0"/>
+              <a:t>사 서버에 무리를 주지 않게끔</a:t>
+            </a:r>
+            <a:r>
+              <a:rPr lang="en-US" altLang="ko-KR" dirty="0"/>
+              <a:t>, </a:t>
+            </a:r>
+            <a:r>
+              <a:rPr lang="ko-KR" altLang="en-US" dirty="0"/>
+              <a:t>다음과 같이 </a:t>
+            </a:r>
+            <a:r>
+              <a:rPr lang="en-US" altLang="ko-KR" dirty="0"/>
+              <a:t>2</a:t>
+            </a:r>
+            <a:r>
+              <a:rPr lang="ko-KR" altLang="en-US" dirty="0"/>
+              <a:t>의 </a:t>
+            </a:r>
+            <a:r>
+              <a:rPr lang="en-US" altLang="ko-KR" dirty="0"/>
+              <a:t>n</a:t>
+            </a:r>
+            <a:r>
+              <a:rPr lang="ko-KR" altLang="en-US" dirty="0"/>
+              <a:t>승 초만큼 기다렸다가 요청을 하는 </a:t>
+            </a:r>
+            <a:r>
+              <a:rPr lang="en-US" altLang="ko-KR" dirty="0"/>
+              <a:t>exponential backoff </a:t>
+            </a:r>
+            <a:r>
+              <a:rPr lang="ko-KR" altLang="en-US" dirty="0"/>
+              <a:t>전략을 취하는 것이 좋습니다</a:t>
+            </a:r>
+            <a:r>
+              <a:rPr lang="en-US" altLang="ko-KR" dirty="0"/>
+              <a:t>.</a:t>
+            </a:r>
+          </a:p>
+          <a:p>
+            <a:endParaRPr lang="en-US" altLang="ko-KR" dirty="0"/>
+          </a:p>
+          <a:p>
+            <a:r>
+              <a:rPr lang="ko-KR" altLang="en-US" dirty="0"/>
+              <a:t>처음엔 </a:t>
+            </a:r>
+            <a:r>
+              <a:rPr lang="en-US" altLang="ko-KR" dirty="0"/>
+              <a:t>2</a:t>
+            </a:r>
+            <a:r>
+              <a:rPr lang="ko-KR" altLang="en-US" dirty="0"/>
+              <a:t>초</a:t>
+            </a:r>
+            <a:r>
+              <a:rPr lang="en-US" altLang="ko-KR" dirty="0"/>
+              <a:t>, 2</a:t>
+            </a:r>
+            <a:r>
+              <a:rPr lang="ko-KR" altLang="en-US" dirty="0"/>
+              <a:t>번째는 </a:t>
+            </a:r>
+            <a:r>
+              <a:rPr lang="en-US" altLang="ko-KR" dirty="0"/>
+              <a:t>4</a:t>
+            </a:r>
+            <a:r>
+              <a:rPr lang="ko-KR" altLang="en-US" dirty="0"/>
+              <a:t>초</a:t>
+            </a:r>
+            <a:r>
+              <a:rPr lang="en-US" altLang="ko-KR" dirty="0"/>
+              <a:t>, 3</a:t>
+            </a:r>
+            <a:r>
+              <a:rPr lang="ko-KR" altLang="en-US" dirty="0"/>
+              <a:t>번째는 </a:t>
+            </a:r>
+            <a:r>
+              <a:rPr lang="en-US" altLang="ko-KR" dirty="0"/>
+              <a:t>8</a:t>
+            </a:r>
+            <a:r>
+              <a:rPr lang="ko-KR" altLang="en-US" dirty="0"/>
+              <a:t>초</a:t>
+            </a:r>
+            <a:r>
+              <a:rPr lang="en-US" altLang="ko-KR" dirty="0"/>
+              <a:t>, 4</a:t>
+            </a:r>
+            <a:r>
+              <a:rPr lang="ko-KR" altLang="en-US" dirty="0"/>
+              <a:t>번째는 </a:t>
+            </a:r>
+            <a:r>
+              <a:rPr lang="en-US" altLang="ko-KR" dirty="0"/>
+              <a:t>16</a:t>
+            </a:r>
+            <a:r>
+              <a:rPr lang="ko-KR" altLang="en-US" dirty="0"/>
+              <a:t>초만큼 </a:t>
+            </a:r>
+            <a:r>
+              <a:rPr lang="ko-KR" altLang="en-US" dirty="0" err="1"/>
+              <a:t>기다리는거죠</a:t>
+            </a:r>
+            <a:r>
+              <a:rPr lang="en-US" altLang="ko-KR" dirty="0"/>
+              <a:t>.</a:t>
+            </a:r>
+          </a:p>
+          <a:p>
+            <a:endParaRPr lang="en-US" altLang="ko-KR" dirty="0"/>
+          </a:p>
+          <a:p>
+            <a:endParaRPr lang="en-US" altLang="ko-KR" dirty="0"/>
+          </a:p>
+          <a:p>
             <a:endParaRPr lang="en-US" altLang="ko-KR" dirty="0"/>
           </a:p>
         </p:txBody>
@@ -2603,7 +5321,201 @@
           <a:bodyPr/>
           <a:lstStyle/>
           <a:p>
+            <a:r>
+              <a:rPr lang="ko-KR" altLang="en-US" dirty="0"/>
+              <a:t>하지만</a:t>
+            </a:r>
+            <a:r>
+              <a:rPr lang="en-US" altLang="ko-KR" dirty="0"/>
+              <a:t>, </a:t>
+            </a:r>
+            <a:r>
+              <a:rPr lang="ko-KR" altLang="en-US" dirty="0"/>
+              <a:t>이런 배려는</a:t>
+            </a:r>
+            <a:r>
+              <a:rPr lang="en-US" altLang="ko-KR" dirty="0"/>
+              <a:t>, </a:t>
+            </a:r>
+            <a:r>
+              <a:rPr lang="ko-KR" altLang="en-US" dirty="0"/>
+              <a:t>아직 </a:t>
+            </a:r>
+            <a:r>
+              <a:rPr lang="en-US" altLang="ko-KR" dirty="0"/>
+              <a:t>2% </a:t>
+            </a:r>
+            <a:r>
+              <a:rPr lang="ko-KR" altLang="en-US" dirty="0"/>
+              <a:t>부족합니다</a:t>
+            </a:r>
+            <a:r>
+              <a:rPr lang="en-US" altLang="ko-KR" dirty="0"/>
+              <a:t>.</a:t>
+            </a:r>
+          </a:p>
+          <a:p>
             <a:endParaRPr lang="en-US" altLang="ko-KR" dirty="0"/>
+          </a:p>
+          <a:p>
+            <a:r>
+              <a:rPr lang="en-US" altLang="ko-KR" dirty="0"/>
+              <a:t>PG </a:t>
+            </a:r>
+            <a:r>
+              <a:rPr lang="ko-KR" altLang="en-US" dirty="0"/>
+              <a:t>서버가 일시적으로 응답 불능에 빠지면</a:t>
+            </a:r>
+            <a:r>
+              <a:rPr lang="en-US" altLang="ko-KR" dirty="0"/>
+              <a:t>, </a:t>
+            </a:r>
+            <a:r>
+              <a:rPr lang="ko-KR" altLang="en-US" dirty="0"/>
+              <a:t>결제 실패 건들은 바로 그 순간부터 덩어리 째로 발생해</a:t>
+            </a:r>
+            <a:r>
+              <a:rPr lang="en-US" altLang="ko-KR" dirty="0"/>
+              <a:t>, </a:t>
+            </a:r>
+            <a:r>
+              <a:rPr lang="ko-KR" altLang="en-US" dirty="0"/>
+              <a:t>몰려다니면서 </a:t>
+            </a:r>
+            <a:r>
+              <a:rPr lang="en-US" altLang="ko-KR" dirty="0"/>
+              <a:t>backoff </a:t>
+            </a:r>
+            <a:r>
+              <a:rPr lang="ko-KR" altLang="en-US" dirty="0" err="1"/>
+              <a:t>카운팅을</a:t>
+            </a:r>
+            <a:r>
+              <a:rPr lang="ko-KR" altLang="en-US" dirty="0"/>
+              <a:t> 시작합니다</a:t>
+            </a:r>
+            <a:r>
+              <a:rPr lang="en-US" altLang="ko-KR" dirty="0"/>
+              <a:t>.</a:t>
+            </a:r>
+          </a:p>
+          <a:p>
+            <a:endParaRPr lang="en-US" altLang="ko-KR" dirty="0"/>
+          </a:p>
+          <a:p>
+            <a:r>
+              <a:rPr lang="ko-KR" altLang="en-US" dirty="0"/>
+              <a:t>때문에</a:t>
+            </a:r>
+            <a:r>
+              <a:rPr lang="en-US" altLang="ko-KR" dirty="0"/>
+              <a:t>, </a:t>
+            </a:r>
+            <a:r>
+              <a:rPr lang="ko-KR" altLang="en-US" dirty="0"/>
+              <a:t>저희의 선한 의도와는 달리</a:t>
+            </a:r>
+            <a:r>
+              <a:rPr lang="en-US" altLang="ko-KR" dirty="0"/>
+              <a:t>, </a:t>
+            </a:r>
+            <a:r>
+              <a:rPr lang="ko-KR" altLang="en-US" dirty="0"/>
+              <a:t>오른쪽 그래프처럼</a:t>
+            </a:r>
+            <a:r>
+              <a:rPr lang="en-US" altLang="ko-KR" dirty="0"/>
+              <a:t>, </a:t>
+            </a:r>
+            <a:r>
+              <a:rPr lang="ko-KR" altLang="en-US" dirty="0"/>
+              <a:t>재처리 요청은</a:t>
+            </a:r>
+            <a:r>
+              <a:rPr lang="en-US" altLang="ko-KR" dirty="0"/>
+              <a:t>, 2</a:t>
+            </a:r>
+            <a:r>
+              <a:rPr lang="ko-KR" altLang="en-US" dirty="0"/>
+              <a:t>의 </a:t>
+            </a:r>
+            <a:r>
+              <a:rPr lang="en-US" altLang="ko-KR" dirty="0"/>
+              <a:t>1</a:t>
+            </a:r>
+            <a:r>
+              <a:rPr lang="ko-KR" altLang="en-US" dirty="0"/>
+              <a:t>승 초에 잔뜩</a:t>
+            </a:r>
+            <a:r>
+              <a:rPr lang="en-US" altLang="ko-KR" dirty="0"/>
+              <a:t>, 2</a:t>
+            </a:r>
+            <a:r>
+              <a:rPr lang="ko-KR" altLang="en-US" dirty="0"/>
+              <a:t>의 </a:t>
+            </a:r>
+            <a:r>
+              <a:rPr lang="en-US" altLang="ko-KR" dirty="0"/>
+              <a:t>2</a:t>
+            </a:r>
+            <a:r>
+              <a:rPr lang="ko-KR" altLang="en-US" dirty="0"/>
+              <a:t>승 초에 잔뜩</a:t>
+            </a:r>
+            <a:r>
+              <a:rPr lang="en-US" altLang="ko-KR" dirty="0"/>
+              <a:t>, </a:t>
+            </a:r>
+            <a:r>
+              <a:rPr lang="ko-KR" altLang="en-US" dirty="0"/>
+              <a:t>이렇게 </a:t>
+            </a:r>
+            <a:r>
+              <a:rPr lang="en-US" altLang="ko-KR" dirty="0"/>
+              <a:t>2</a:t>
+            </a:r>
+            <a:r>
+              <a:rPr lang="ko-KR" altLang="en-US" dirty="0"/>
+              <a:t>의 </a:t>
+            </a:r>
+            <a:r>
+              <a:rPr lang="en-US" altLang="ko-KR" dirty="0"/>
+              <a:t>n</a:t>
+            </a:r>
+            <a:r>
+              <a:rPr lang="ko-KR" altLang="en-US" dirty="0"/>
+              <a:t>승 초에 잔뜩 몰려 날아갑니다</a:t>
+            </a:r>
+            <a:r>
+              <a:rPr lang="en-US" altLang="ko-KR" dirty="0"/>
+              <a:t>.</a:t>
+            </a:r>
+          </a:p>
+          <a:p>
+            <a:endParaRPr lang="en-US" altLang="ko-KR" dirty="0"/>
+          </a:p>
+          <a:p>
+            <a:r>
+              <a:rPr lang="ko-KR" altLang="en-US" dirty="0" err="1"/>
+              <a:t>아직까진</a:t>
+            </a:r>
+            <a:r>
+              <a:rPr lang="ko-KR" altLang="en-US" dirty="0"/>
+              <a:t> </a:t>
+            </a:r>
+            <a:r>
+              <a:rPr lang="en-US" altLang="ko-KR" dirty="0"/>
+              <a:t>DDOS </a:t>
+            </a:r>
+            <a:r>
+              <a:rPr lang="ko-KR" altLang="en-US" dirty="0"/>
+              <a:t>공격과 별반 차이가 없습니다</a:t>
+            </a:r>
+            <a:r>
+              <a:rPr lang="en-US" altLang="ko-KR" dirty="0"/>
+              <a:t>.</a:t>
+            </a:r>
           </a:p>
         </p:txBody>
       </p:sp>
@@ -2687,7 +5599,161 @@
           <a:bodyPr/>
           <a:lstStyle/>
           <a:p>
+            <a:r>
+              <a:rPr lang="ko-KR" altLang="en-US" dirty="0"/>
+              <a:t>그래서 저희는 지연시간에 </a:t>
+            </a:r>
+            <a:r>
+              <a:rPr lang="en-US" altLang="ko-KR" dirty="0"/>
+              <a:t>Jitter </a:t>
+            </a:r>
+            <a:r>
+              <a:rPr lang="ko-KR" altLang="en-US" dirty="0"/>
+              <a:t>를 추가해 재처리 요청을 날려야 합니다</a:t>
+            </a:r>
+            <a:r>
+              <a:rPr lang="en-US" altLang="ko-KR" dirty="0"/>
+              <a:t>.</a:t>
+            </a:r>
+          </a:p>
+          <a:p>
             <a:endParaRPr lang="en-US" altLang="ko-KR" dirty="0"/>
+          </a:p>
+          <a:p>
+            <a:r>
+              <a:rPr lang="en-US" altLang="ko-KR" dirty="0"/>
+              <a:t>2 </a:t>
+            </a:r>
+            <a:r>
+              <a:rPr lang="ko-KR" altLang="en-US" dirty="0"/>
+              <a:t>의 </a:t>
+            </a:r>
+            <a:r>
+              <a:rPr lang="en-US" altLang="ko-KR" dirty="0"/>
+              <a:t>n</a:t>
+            </a:r>
+            <a:r>
+              <a:rPr lang="ko-KR" altLang="en-US" dirty="0"/>
+              <a:t>승 초만큼 단순히 기다리는 것이 아니라</a:t>
+            </a:r>
+            <a:r>
+              <a:rPr lang="en-US" altLang="ko-KR" dirty="0"/>
+              <a:t>, 2 </a:t>
+            </a:r>
+            <a:r>
+              <a:rPr lang="ko-KR" altLang="en-US" dirty="0"/>
+              <a:t>의</a:t>
+            </a:r>
+            <a:r>
+              <a:rPr lang="en-US" altLang="ko-KR" dirty="0"/>
+              <a:t> n -1 </a:t>
+            </a:r>
+            <a:r>
+              <a:rPr lang="ko-KR" altLang="en-US" dirty="0"/>
+              <a:t>승 </a:t>
+            </a:r>
+            <a:r>
+              <a:rPr lang="en-US" altLang="ko-KR" dirty="0"/>
+              <a:t>+ 0</a:t>
+            </a:r>
+            <a:r>
+              <a:rPr lang="ko-KR" altLang="en-US" dirty="0"/>
+              <a:t>부터 </a:t>
+            </a:r>
+            <a:r>
+              <a:rPr lang="en-US" altLang="ko-KR" dirty="0"/>
+              <a:t>2</a:t>
+            </a:r>
+            <a:r>
+              <a:rPr lang="ko-KR" altLang="en-US" dirty="0"/>
+              <a:t>의 </a:t>
+            </a:r>
+            <a:r>
+              <a:rPr lang="en-US" altLang="ko-KR" dirty="0"/>
+              <a:t>n-1 </a:t>
+            </a:r>
+            <a:r>
+              <a:rPr lang="ko-KR" altLang="en-US" dirty="0"/>
+              <a:t>승 사이의 랜덤 </a:t>
+            </a:r>
+            <a:r>
+              <a:rPr lang="ko-KR" altLang="en-US" dirty="0" err="1"/>
+              <a:t>초만큼을</a:t>
+            </a:r>
+            <a:r>
+              <a:rPr lang="ko-KR" altLang="en-US" dirty="0"/>
+              <a:t> 지연시켜 재처리를 요청하는 것이 바람직합니다</a:t>
+            </a:r>
+            <a:r>
+              <a:rPr lang="en-US" altLang="ko-KR" dirty="0"/>
+              <a:t>.</a:t>
+            </a:r>
+          </a:p>
+          <a:p>
+            <a:endParaRPr lang="en-US" altLang="ko-KR" dirty="0"/>
+          </a:p>
+          <a:p>
+            <a:r>
+              <a:rPr lang="ko-KR" altLang="en-US" dirty="0" err="1"/>
+              <a:t>소개드린</a:t>
+            </a:r>
+            <a:r>
+              <a:rPr lang="ko-KR" altLang="en-US" dirty="0"/>
+              <a:t> </a:t>
+            </a:r>
+            <a:r>
+              <a:rPr lang="en-US" altLang="ko-KR" dirty="0"/>
+              <a:t>Jitter </a:t>
+            </a:r>
+            <a:r>
+              <a:rPr lang="ko-KR" altLang="en-US" dirty="0"/>
+              <a:t>로직은 </a:t>
+            </a:r>
+            <a:r>
+              <a:rPr lang="en-US" altLang="ko-KR" dirty="0"/>
+              <a:t>full jitter </a:t>
+            </a:r>
+            <a:r>
+              <a:rPr lang="ko-KR" altLang="en-US" dirty="0"/>
+              <a:t>로직이며</a:t>
+            </a:r>
+            <a:r>
+              <a:rPr lang="en-US" altLang="ko-KR" dirty="0"/>
+              <a:t>, </a:t>
+            </a:r>
+            <a:r>
+              <a:rPr lang="ko-KR" altLang="en-US" dirty="0" err="1"/>
+              <a:t>공유드린</a:t>
+            </a:r>
+            <a:r>
+              <a:rPr lang="ko-KR" altLang="en-US" dirty="0"/>
+              <a:t> 링크 가보시면 다양한 </a:t>
+            </a:r>
+            <a:r>
+              <a:rPr lang="en-US" altLang="ko-KR" dirty="0"/>
+              <a:t>jitter </a:t>
+            </a:r>
+            <a:r>
+              <a:rPr lang="ko-KR" altLang="en-US" dirty="0"/>
+              <a:t>전략을 확인하실 수 있습니다</a:t>
+            </a:r>
+            <a:r>
+              <a:rPr lang="en-US" altLang="ko-KR" dirty="0"/>
+              <a:t>.</a:t>
+            </a:r>
+          </a:p>
+          <a:p>
+            <a:endParaRPr lang="en-US" altLang="ko-KR" dirty="0"/>
+          </a:p>
+          <a:p>
+            <a:r>
+              <a:rPr lang="ko-KR" altLang="en-US" dirty="0"/>
+              <a:t>상황에 맞는 적절한 전략을 취하시면 될 것 같습니다</a:t>
+            </a:r>
+            <a:r>
+              <a:rPr lang="en-US" altLang="ko-KR" dirty="0"/>
+              <a:t>.</a:t>
+            </a:r>
           </a:p>
         </p:txBody>
       </p:sp>
@@ -2772,16 +5838,86 @@
           <a:lstStyle/>
           <a:p>
             <a:r>
-              <a:rPr lang="en-US" altLang="ko-KR" dirty="0"/>
-              <a:t>Payment</a:t>
-            </a:r>
-            <a:r>
-              <a:rPr lang="ko-KR" altLang="en-US" dirty="0"/>
+              <a:rPr lang="ko-KR" altLang="en-US" dirty="0"/>
+              <a:t>지금까지는 </a:t>
+            </a:r>
+            <a:r>
+              <a:rPr lang="en-US" altLang="ko-KR" dirty="0"/>
+              <a:t>MVC </a:t>
+            </a:r>
+            <a:r>
+              <a:rPr lang="ko-KR" altLang="en-US" dirty="0"/>
+              <a:t>에서 </a:t>
+            </a:r>
+            <a:r>
+              <a:rPr lang="en-US" altLang="ko-KR" dirty="0"/>
+              <a:t>MQ</a:t>
+            </a:r>
+            <a:r>
+              <a:rPr lang="ko-KR" altLang="en-US" dirty="0"/>
+              <a:t>를 이용해 재처리를 처리하는 디자인을 </a:t>
+            </a:r>
+            <a:r>
+              <a:rPr lang="ko-KR" altLang="en-US" dirty="0" err="1"/>
+              <a:t>소개드렸고요</a:t>
+            </a:r>
+            <a:r>
+              <a:rPr lang="en-US" altLang="ko-KR" dirty="0"/>
+              <a:t>.</a:t>
+            </a:r>
+          </a:p>
+          <a:p>
+            <a:endParaRPr lang="en-US" altLang="ko-KR" dirty="0"/>
+          </a:p>
+          <a:p>
+            <a:r>
+              <a:rPr lang="en-US" altLang="ko-KR" dirty="0" err="1"/>
+              <a:t>Webflux</a:t>
+            </a:r>
+            <a:r>
+              <a:rPr lang="en-US" altLang="ko-KR" dirty="0"/>
               <a:t> </a:t>
             </a:r>
             <a:r>
-              <a:rPr lang="en-US" altLang="ko-KR" dirty="0"/>
-              <a:t>Queue,</a:t>
+              <a:rPr lang="ko-KR" altLang="en-US" dirty="0"/>
+              <a:t>결제서비스에서는 </a:t>
+            </a:r>
+            <a:r>
+              <a:rPr lang="en-US" altLang="ko-KR" dirty="0"/>
+              <a:t>MQ</a:t>
+            </a:r>
+            <a:r>
+              <a:rPr lang="ko-KR" altLang="en-US" dirty="0"/>
+              <a:t>를 사용하지 않아도 되므로</a:t>
+            </a:r>
+            <a:r>
+              <a:rPr lang="en-US" altLang="ko-KR" dirty="0"/>
+              <a:t>, </a:t>
+            </a:r>
+            <a:r>
+              <a:rPr lang="ko-KR" altLang="en-US" dirty="0"/>
+              <a:t>재처리를 자기 자신에게 다시 요청하는 형태로 간단하게 구현할 수 있을 것 같습니다</a:t>
+            </a:r>
+            <a:r>
+              <a:rPr lang="en-US" altLang="ko-KR" dirty="0"/>
+              <a:t>.</a:t>
+            </a:r>
+          </a:p>
+          <a:p>
+            <a:endParaRPr lang="en-US" altLang="ko-KR" dirty="0"/>
+          </a:p>
+          <a:p>
+            <a:r>
+              <a:rPr lang="ko-KR" altLang="en-US" dirty="0" err="1"/>
+              <a:t>지연로직은</a:t>
+            </a:r>
+            <a:r>
+              <a:rPr lang="ko-KR" altLang="en-US" dirty="0"/>
+              <a:t> 앞서 </a:t>
+            </a:r>
+            <a:r>
+              <a:rPr lang="ko-KR" altLang="en-US" dirty="0" err="1"/>
+              <a:t>소개드린</a:t>
             </a:r>
             <a:r>
               <a:rPr lang="ko-KR" altLang="en-US" dirty="0"/>
@@ -2789,11 +5925,213 @@
             </a:r>
             <a:r>
               <a:rPr lang="en-US" altLang="ko-KR" dirty="0"/>
-              <a:t>Retry Queue, Dead Letter Queue </a:t>
-            </a:r>
-            <a:r>
-              <a:rPr lang="ko-KR" altLang="en-US" dirty="0"/>
-              <a:t>로 분리한다</a:t>
+              <a:t>exponential backoff &amp; full jitter </a:t>
+            </a:r>
+            <a:r>
+              <a:rPr lang="ko-KR" altLang="en-US" dirty="0"/>
+              <a:t>로직 적용하면 </a:t>
+            </a:r>
+            <a:r>
+              <a:rPr lang="ko-KR" altLang="en-US" dirty="0" err="1"/>
+              <a:t>되겠고요</a:t>
+            </a:r>
+            <a:r>
+              <a:rPr lang="en-US" altLang="ko-KR" dirty="0"/>
+              <a:t>.</a:t>
+            </a:r>
+          </a:p>
+          <a:p>
+            <a:endParaRPr lang="en-US" altLang="ko-KR" dirty="0"/>
+          </a:p>
+          <a:p>
+            <a:r>
+              <a:rPr lang="ko-KR" altLang="en-US" dirty="0"/>
+              <a:t>하지만</a:t>
+            </a:r>
+            <a:r>
+              <a:rPr lang="en-US" altLang="ko-KR" dirty="0"/>
+              <a:t>, </a:t>
+            </a:r>
+            <a:r>
+              <a:rPr lang="ko-KR" altLang="en-US" dirty="0"/>
+              <a:t>이렇게 설계하면</a:t>
+            </a:r>
+            <a:r>
+              <a:rPr lang="en-US" altLang="ko-KR" dirty="0"/>
+              <a:t>, </a:t>
+            </a:r>
+            <a:r>
+              <a:rPr lang="ko-KR" altLang="en-US" dirty="0"/>
+              <a:t>서버가 죽었을 때 문제가 발생할 것 같습니다</a:t>
+            </a:r>
+            <a:r>
+              <a:rPr lang="en-US" altLang="ko-KR" dirty="0"/>
+              <a:t>.</a:t>
+            </a:r>
+          </a:p>
+          <a:p>
+            <a:endParaRPr lang="en-US" altLang="ko-KR" dirty="0"/>
+          </a:p>
+          <a:p>
+            <a:r>
+              <a:rPr lang="en-US" altLang="ko-KR" dirty="0"/>
+              <a:t>MQ </a:t>
+            </a:r>
+            <a:r>
+              <a:rPr lang="ko-KR" altLang="en-US" dirty="0"/>
+              <a:t>재처리는</a:t>
+            </a:r>
+            <a:r>
+              <a:rPr lang="en-US" altLang="ko-KR" dirty="0"/>
+              <a:t>, </a:t>
+            </a:r>
+            <a:r>
+              <a:rPr lang="ko-KR" altLang="en-US" dirty="0"/>
+              <a:t>요청내역이 </a:t>
+            </a:r>
+            <a:r>
+              <a:rPr lang="en-US" altLang="ko-KR" dirty="0"/>
+              <a:t>queue </a:t>
+            </a:r>
+            <a:r>
+              <a:rPr lang="ko-KR" altLang="en-US" dirty="0"/>
+              <a:t>에 보관되어 있어 서버가 죽어도 재처리에 영향이 없는 반면</a:t>
+            </a:r>
+            <a:r>
+              <a:rPr lang="en-US" altLang="ko-KR" dirty="0"/>
+              <a:t>,</a:t>
+            </a:r>
+          </a:p>
+          <a:p>
+            <a:endParaRPr lang="en-US" altLang="ko-KR" dirty="0"/>
+          </a:p>
+          <a:p>
+            <a:r>
+              <a:rPr lang="ko-KR" altLang="en-US" dirty="0"/>
+              <a:t>여기서는 서버가 죽으면</a:t>
+            </a:r>
+            <a:r>
+              <a:rPr lang="en-US" altLang="ko-KR" dirty="0"/>
+              <a:t>, </a:t>
+            </a:r>
+            <a:r>
+              <a:rPr lang="ko-KR" altLang="en-US" dirty="0"/>
+              <a:t>지연 처리 중이던 재처리 건들 모두 날아가 버립니다</a:t>
+            </a:r>
+            <a:r>
+              <a:rPr lang="en-US" altLang="ko-KR" dirty="0"/>
+              <a:t>.</a:t>
+            </a:r>
+          </a:p>
+          <a:p>
+            <a:endParaRPr lang="en-US" altLang="ko-KR" dirty="0"/>
+          </a:p>
+          <a:p>
+            <a:r>
+              <a:rPr lang="ko-KR" altLang="en-US" dirty="0"/>
+              <a:t>현재 설계에서는</a:t>
+            </a:r>
+            <a:r>
+              <a:rPr lang="en-US" altLang="ko-KR" dirty="0"/>
+              <a:t>, </a:t>
+            </a:r>
+            <a:r>
+              <a:rPr lang="ko-KR" altLang="en-US" dirty="0"/>
+              <a:t>서버 </a:t>
+            </a:r>
+            <a:r>
+              <a:rPr lang="ko-KR" altLang="en-US" dirty="0" err="1"/>
+              <a:t>재기동</a:t>
+            </a:r>
+            <a:r>
+              <a:rPr lang="ko-KR" altLang="en-US" dirty="0"/>
+              <a:t> 후 재처리 작업 재개하려면</a:t>
+            </a:r>
+            <a:r>
+              <a:rPr lang="en-US" altLang="ko-KR" dirty="0"/>
+              <a:t>,</a:t>
+            </a:r>
+          </a:p>
+          <a:p>
+            <a:endParaRPr lang="en-US" altLang="ko-KR" dirty="0"/>
+          </a:p>
+          <a:p>
+            <a:r>
+              <a:rPr lang="ko-KR" altLang="en-US" dirty="0"/>
+              <a:t>어떤 건이 재처리 중이었는지 전체 주문내역 뒤져서</a:t>
+            </a:r>
+            <a:r>
+              <a:rPr lang="en-US" altLang="ko-KR" dirty="0"/>
+              <a:t>, </a:t>
+            </a:r>
+            <a:r>
+              <a:rPr lang="ko-KR" altLang="en-US" dirty="0"/>
+              <a:t>수작업으로 개별 처리하는 수고가 필요할 것 같습니다</a:t>
+            </a:r>
+            <a:r>
+              <a:rPr lang="en-US" altLang="ko-KR" dirty="0"/>
+              <a:t>.</a:t>
+            </a:r>
+          </a:p>
+          <a:p>
+            <a:endParaRPr lang="en-US" altLang="ko-KR" dirty="0"/>
+          </a:p>
+          <a:p>
+            <a:r>
+              <a:rPr lang="ko-KR" altLang="en-US" dirty="0"/>
+              <a:t>그래서</a:t>
+            </a:r>
+            <a:r>
+              <a:rPr lang="en-US" altLang="ko-KR" dirty="0"/>
+              <a:t>, </a:t>
+            </a:r>
+            <a:r>
+              <a:rPr lang="ko-KR" altLang="en-US" dirty="0"/>
+              <a:t>저희는</a:t>
+            </a:r>
+            <a:r>
+              <a:rPr lang="en-US" altLang="ko-KR" dirty="0"/>
+              <a:t>,</a:t>
+            </a:r>
+            <a:r>
+              <a:rPr lang="ko-KR" altLang="en-US" dirty="0"/>
+              <a:t> 재처리 요청중인 </a:t>
+            </a:r>
+            <a:r>
+              <a:rPr lang="ko-KR" altLang="en-US" dirty="0" err="1"/>
+              <a:t>결제건을</a:t>
+            </a:r>
+            <a:r>
+              <a:rPr lang="ko-KR" altLang="en-US" dirty="0"/>
+              <a:t> </a:t>
+            </a:r>
+            <a:r>
+              <a:rPr lang="ko-KR" altLang="en-US" dirty="0" err="1"/>
+              <a:t>어딘가에</a:t>
+            </a:r>
+            <a:r>
+              <a:rPr lang="ko-KR" altLang="en-US" dirty="0"/>
+              <a:t> </a:t>
+            </a:r>
+            <a:r>
+              <a:rPr lang="ko-KR" altLang="en-US" dirty="0" err="1"/>
+              <a:t>마킹해두고</a:t>
+            </a:r>
+            <a:r>
+              <a:rPr lang="en-US" altLang="ko-KR" dirty="0"/>
+              <a:t>, </a:t>
+            </a:r>
+            <a:r>
+              <a:rPr lang="ko-KR" altLang="en-US" dirty="0"/>
+              <a:t>서버 재기동시</a:t>
+            </a:r>
+            <a:r>
+              <a:rPr lang="en-US" altLang="ko-KR" dirty="0"/>
+              <a:t>, </a:t>
+            </a:r>
+            <a:r>
+              <a:rPr lang="ko-KR" altLang="en-US" dirty="0"/>
+              <a:t>이 미완료 재처리 건을 다시 재개할 수 있도록 기능을 확장해 보겠습니다</a:t>
             </a:r>
             <a:r>
               <a:rPr lang="en-US" altLang="ko-KR" dirty="0"/>
@@ -5647,7 +8985,7 @@
                   </a:schemeClr>
                 </a:solidFill>
               </a:rPr>
-              <a:t> 19876540</a:t>
+              <a:t> 19876543</a:t>
             </a:r>
             <a:endParaRPr lang="ko-KR" altLang="en-US" dirty="0">
               <a:solidFill>
@@ -6221,722 +9559,6 @@
       </p:sp>
       <p:sp>
         <p:nvSpPr>
-          <p:cNvPr id="3" name="TextBox 2">
-            <a:extLst>
-              <a:ext uri="{FF2B5EF4-FFF2-40B4-BE49-F238E27FC236}">
-                <a16:creationId xmlns:a16="http://schemas.microsoft.com/office/drawing/2014/main" id="{A8F00EEF-0290-BBAD-F978-0D4D2AD40A93}"/>
-              </a:ext>
-            </a:extLst>
-          </p:cNvPr>
-          <p:cNvSpPr txBox="1"/>
-          <p:nvPr/>
-        </p:nvSpPr>
-        <p:spPr>
-          <a:xfrm>
-            <a:off x="879231" y="1617785"/>
-            <a:ext cx="3182815" cy="2031325"/>
-          </a:xfrm>
-          <a:prstGeom prst="rect">
-            <a:avLst/>
-          </a:prstGeom>
-          <a:noFill/>
-        </p:spPr>
-        <p:txBody>
-          <a:bodyPr wrap="square" rtlCol="0">
-            <a:spAutoFit/>
-          </a:bodyPr>
-          <a:lstStyle/>
-          <a:p>
-            <a:r>
-              <a:rPr lang="en-US" altLang="ko-KR" dirty="0">
-                <a:solidFill>
-                  <a:srgbClr val="7030A0"/>
-                </a:solidFill>
-              </a:rPr>
-              <a:t>SELECT</a:t>
-            </a:r>
-            <a:r>
-              <a:rPr lang="en-US" altLang="ko-KR" dirty="0">
-                <a:solidFill>
-                  <a:schemeClr val="tx1">
-                    <a:lumMod val="50000"/>
-                    <a:lumOff val="50000"/>
-                  </a:schemeClr>
-                </a:solidFill>
-              </a:rPr>
-              <a:t>  *</a:t>
-            </a:r>
-          </a:p>
-          <a:p>
-            <a:r>
-              <a:rPr lang="en-US" altLang="ko-KR" dirty="0">
-                <a:solidFill>
-                  <a:srgbClr val="7030A0"/>
-                </a:solidFill>
-              </a:rPr>
-              <a:t>FROM </a:t>
-            </a:r>
-            <a:r>
-              <a:rPr lang="en-US" altLang="ko-KR" dirty="0">
-                <a:solidFill>
-                  <a:schemeClr val="tx1">
-                    <a:lumMod val="50000"/>
-                    <a:lumOff val="50000"/>
-                  </a:schemeClr>
-                </a:solidFill>
-              </a:rPr>
-              <a:t>   TB_ORDER</a:t>
-            </a:r>
-          </a:p>
-          <a:p>
-            <a:r>
-              <a:rPr lang="en-US" altLang="ko-KR" dirty="0">
-                <a:solidFill>
-                  <a:srgbClr val="7030A0"/>
-                </a:solidFill>
-              </a:rPr>
-              <a:t>WHERE</a:t>
-            </a:r>
-            <a:r>
-              <a:rPr lang="en-US" altLang="ko-KR" dirty="0">
-                <a:solidFill>
-                  <a:schemeClr val="tx1">
-                    <a:lumMod val="50000"/>
-                    <a:lumOff val="50000"/>
-                  </a:schemeClr>
-                </a:solidFill>
-              </a:rPr>
-              <a:t>  many condition</a:t>
-            </a:r>
-          </a:p>
-          <a:p>
-            <a:r>
-              <a:rPr lang="en-US" altLang="ko-KR" dirty="0">
-                <a:solidFill>
-                  <a:srgbClr val="7030A0"/>
-                </a:solidFill>
-              </a:rPr>
-              <a:t>AND       </a:t>
-            </a:r>
-            <a:r>
-              <a:rPr lang="en-US" altLang="ko-KR" dirty="0" err="1">
-                <a:solidFill>
-                  <a:schemeClr val="tx1">
-                    <a:lumMod val="50000"/>
-                    <a:lumOff val="50000"/>
-                  </a:schemeClr>
-                </a:solidFill>
-              </a:rPr>
-              <a:t>orderId</a:t>
-            </a:r>
-            <a:r>
-              <a:rPr lang="en-US" altLang="ko-KR" dirty="0">
-                <a:solidFill>
-                  <a:schemeClr val="tx1">
-                    <a:lumMod val="50000"/>
-                    <a:lumOff val="50000"/>
-                  </a:schemeClr>
-                </a:solidFill>
-              </a:rPr>
-              <a:t> &gt;= 299876541</a:t>
-            </a:r>
-          </a:p>
-          <a:p>
-            <a:r>
-              <a:rPr lang="en-US" altLang="ko-KR" dirty="0">
-                <a:solidFill>
-                  <a:srgbClr val="7030A0"/>
-                </a:solidFill>
-              </a:rPr>
-              <a:t>ORDER BY</a:t>
-            </a:r>
-            <a:r>
-              <a:rPr lang="en-US" altLang="ko-KR" dirty="0">
-                <a:solidFill>
-                  <a:schemeClr val="tx1">
-                    <a:lumMod val="50000"/>
-                    <a:lumOff val="50000"/>
-                  </a:schemeClr>
-                </a:solidFill>
-              </a:rPr>
-              <a:t> </a:t>
-            </a:r>
-            <a:r>
-              <a:rPr lang="en-US" altLang="ko-KR" dirty="0" err="1">
-                <a:solidFill>
-                  <a:schemeClr val="tx1">
-                    <a:lumMod val="50000"/>
-                    <a:lumOff val="50000"/>
-                  </a:schemeClr>
-                </a:solidFill>
-              </a:rPr>
-              <a:t>created_at</a:t>
-            </a:r>
-            <a:r>
-              <a:rPr lang="en-US" altLang="ko-KR" dirty="0">
-                <a:solidFill>
-                  <a:schemeClr val="tx1">
-                    <a:lumMod val="50000"/>
-                    <a:lumOff val="50000"/>
-                  </a:schemeClr>
-                </a:solidFill>
-              </a:rPr>
-              <a:t> </a:t>
-            </a:r>
-            <a:r>
-              <a:rPr lang="en-US" altLang="ko-KR" dirty="0">
-                <a:solidFill>
-                  <a:srgbClr val="7030A0"/>
-                </a:solidFill>
-              </a:rPr>
-              <a:t>DESC</a:t>
-            </a:r>
-          </a:p>
-          <a:p>
-            <a:r>
-              <a:rPr lang="en-US" altLang="ko-KR" dirty="0">
-                <a:solidFill>
-                  <a:srgbClr val="7030A0"/>
-                </a:solidFill>
-              </a:rPr>
-              <a:t>LIMIT</a:t>
-            </a:r>
-            <a:r>
-              <a:rPr lang="en-US" altLang="ko-KR" dirty="0">
-                <a:solidFill>
-                  <a:schemeClr val="tx1">
-                    <a:lumMod val="50000"/>
-                    <a:lumOff val="50000"/>
-                  </a:schemeClr>
-                </a:solidFill>
-              </a:rPr>
-              <a:t>    10</a:t>
-            </a:r>
-          </a:p>
-          <a:p>
-            <a:r>
-              <a:rPr lang="en-US" altLang="ko-KR" strike="sngStrike" dirty="0">
-                <a:solidFill>
-                  <a:srgbClr val="7030A0"/>
-                </a:solidFill>
-              </a:rPr>
-              <a:t>OFFSET</a:t>
-            </a:r>
-            <a:r>
-              <a:rPr lang="en-US" altLang="ko-KR" strike="sngStrike" dirty="0">
-                <a:solidFill>
-                  <a:schemeClr val="tx1">
-                    <a:lumMod val="50000"/>
-                    <a:lumOff val="50000"/>
-                  </a:schemeClr>
-                </a:solidFill>
-              </a:rPr>
-              <a:t> 299876540</a:t>
-            </a:r>
-            <a:endParaRPr lang="ko-KR" altLang="en-US" strike="sngStrike" dirty="0">
-              <a:solidFill>
-                <a:schemeClr val="tx1">
-                  <a:lumMod val="50000"/>
-                  <a:lumOff val="50000"/>
-                </a:schemeClr>
-              </a:solidFill>
-            </a:endParaRPr>
-          </a:p>
-        </p:txBody>
-      </p:sp>
-      <p:sp>
-        <p:nvSpPr>
-          <p:cNvPr id="4" name="직사각형 3">
-            <a:extLst>
-              <a:ext uri="{FF2B5EF4-FFF2-40B4-BE49-F238E27FC236}">
-                <a16:creationId xmlns:a16="http://schemas.microsoft.com/office/drawing/2014/main" id="{30CE0FF8-F599-CA05-E47B-612050386EFF}"/>
-              </a:ext>
-            </a:extLst>
-          </p:cNvPr>
-          <p:cNvSpPr/>
-          <p:nvPr/>
-        </p:nvSpPr>
-        <p:spPr bwMode="auto">
-          <a:xfrm>
-            <a:off x="4217082" y="1239713"/>
-            <a:ext cx="2700000" cy="3757635"/>
-          </a:xfrm>
-          <a:prstGeom prst="rect">
-            <a:avLst/>
-          </a:prstGeom>
-          <a:solidFill>
-            <a:schemeClr val="accent6">
-              <a:lumMod val="60000"/>
-              <a:lumOff val="40000"/>
-            </a:schemeClr>
-          </a:solidFill>
-          <a:ln>
-            <a:headEnd/>
-            <a:tailEnd/>
-          </a:ln>
-        </p:spPr>
-        <p:style>
-          <a:lnRef idx="2">
-            <a:schemeClr val="accent6">
-              <a:shade val="15000"/>
-            </a:schemeClr>
-          </a:lnRef>
-          <a:fillRef idx="1">
-            <a:schemeClr val="accent6"/>
-          </a:fillRef>
-          <a:effectRef idx="0">
-            <a:schemeClr val="accent6"/>
-          </a:effectRef>
-          <a:fontRef idx="minor">
-            <a:schemeClr val="lt1"/>
-          </a:fontRef>
-        </p:style>
-        <p:txBody>
-          <a:bodyPr wrap="none" rtlCol="0" anchor="ctr"/>
-          <a:lstStyle/>
-          <a:p>
-            <a:pPr algn="ctr" latinLnBrk="1"/>
-            <a:endParaRPr lang="ko-KR" altLang="en-US" sz="1100" dirty="0" err="1">
-              <a:cs typeface="+mn-cs"/>
-            </a:endParaRPr>
-          </a:p>
-        </p:txBody>
-      </p:sp>
-      <p:sp>
-        <p:nvSpPr>
-          <p:cNvPr id="5" name="직사각형 4">
-            <a:extLst>
-              <a:ext uri="{FF2B5EF4-FFF2-40B4-BE49-F238E27FC236}">
-                <a16:creationId xmlns:a16="http://schemas.microsoft.com/office/drawing/2014/main" id="{45582117-D035-E0B3-B43B-E7EBBAD63D2F}"/>
-              </a:ext>
-            </a:extLst>
-          </p:cNvPr>
-          <p:cNvSpPr/>
-          <p:nvPr/>
-        </p:nvSpPr>
-        <p:spPr bwMode="auto">
-          <a:xfrm rot="10800000">
-            <a:off x="4217083" y="4167553"/>
-            <a:ext cx="2700000" cy="342672"/>
-          </a:xfrm>
-          <a:prstGeom prst="rect">
-            <a:avLst/>
-          </a:prstGeom>
-          <a:ln>
-            <a:headEnd/>
-            <a:tailEnd/>
-          </a:ln>
-        </p:spPr>
-        <p:style>
-          <a:lnRef idx="2">
-            <a:schemeClr val="accent5">
-              <a:shade val="15000"/>
-            </a:schemeClr>
-          </a:lnRef>
-          <a:fillRef idx="1">
-            <a:schemeClr val="accent5"/>
-          </a:fillRef>
-          <a:effectRef idx="0">
-            <a:schemeClr val="accent5"/>
-          </a:effectRef>
-          <a:fontRef idx="minor">
-            <a:schemeClr val="lt1"/>
-          </a:fontRef>
-        </p:style>
-        <p:txBody>
-          <a:bodyPr wrap="none" rtlCol="0" anchor="ctr"/>
-          <a:lstStyle/>
-          <a:p>
-            <a:pPr algn="ctr"/>
-            <a:endParaRPr lang="ko-KR" altLang="en-US" sz="1100" dirty="0" err="1"/>
-          </a:p>
-        </p:txBody>
-      </p:sp>
-      <p:sp>
-        <p:nvSpPr>
-          <p:cNvPr id="9" name="직사각형 8">
-            <a:extLst>
-              <a:ext uri="{FF2B5EF4-FFF2-40B4-BE49-F238E27FC236}">
-                <a16:creationId xmlns:a16="http://schemas.microsoft.com/office/drawing/2014/main" id="{1BB3B37F-3A9D-0915-DA07-F28667120C49}"/>
-              </a:ext>
-            </a:extLst>
-          </p:cNvPr>
-          <p:cNvSpPr/>
-          <p:nvPr/>
-        </p:nvSpPr>
-        <p:spPr bwMode="auto">
-          <a:xfrm>
-            <a:off x="854558" y="2497014"/>
-            <a:ext cx="3014058" cy="281355"/>
-          </a:xfrm>
-          <a:prstGeom prst="rect">
-            <a:avLst/>
-          </a:prstGeom>
-          <a:noFill/>
-          <a:ln w="38100">
-            <a:solidFill>
-              <a:srgbClr val="FF0000"/>
-            </a:solidFill>
-            <a:miter lim="800000"/>
-            <a:headEnd/>
-            <a:tailEnd/>
-          </a:ln>
-          <a:effectLst/>
-        </p:spPr>
-        <p:txBody>
-          <a:bodyPr wrap="none" rtlCol="0" anchor="ctr"/>
-          <a:lstStyle/>
-          <a:p>
-            <a:pPr algn="ctr" latinLnBrk="1"/>
-            <a:endParaRPr lang="ko-KR" altLang="en-US" sz="1100" dirty="0" err="1">
-              <a:cs typeface="+mn-cs"/>
-            </a:endParaRPr>
-          </a:p>
-        </p:txBody>
-      </p:sp>
-    </p:spTree>
-    <p:extLst>
-      <p:ext uri="{BB962C8B-B14F-4D97-AF65-F5344CB8AC3E}">
-        <p14:creationId xmlns:p14="http://schemas.microsoft.com/office/powerpoint/2010/main" val="329244454"/>
-      </p:ext>
-    </p:extLst>
-  </p:cSld>
-  <p:clrMapOvr>
-    <a:masterClrMapping/>
-  </p:clrMapOvr>
-  <p:timing>
-    <p:tnLst>
-      <p:par>
-        <p:cTn id="1" dur="indefinite" restart="never" nodeType="tmRoot">
-          <p:childTnLst>
-            <p:seq concurrent="1" nextAc="seek">
-              <p:cTn id="2" dur="indefinite" nodeType="mainSeq">
-                <p:childTnLst>
-                  <p:par>
-                    <p:cTn id="3" fill="hold">
-                      <p:stCondLst>
-                        <p:cond delay="indefinite"/>
-                      </p:stCondLst>
-                      <p:childTnLst>
-                        <p:par>
-                          <p:cTn id="4" fill="hold">
-                            <p:stCondLst>
-                              <p:cond delay="0"/>
-                            </p:stCondLst>
-                            <p:childTnLst>
-                              <p:par>
-                                <p:cTn id="5" presetID="22" presetClass="entr" presetSubtype="1" fill="hold" grpId="0" nodeType="clickEffect">
-                                  <p:stCondLst>
-                                    <p:cond delay="0"/>
-                                  </p:stCondLst>
-                                  <p:childTnLst>
-                                    <p:set>
-                                      <p:cBhvr>
-                                        <p:cTn id="6" dur="1" fill="hold">
-                                          <p:stCondLst>
-                                            <p:cond delay="0"/>
-                                          </p:stCondLst>
-                                        </p:cTn>
-                                        <p:tgtEl>
-                                          <p:spTgt spid="5"/>
-                                        </p:tgtEl>
-                                        <p:attrNameLst>
-                                          <p:attrName>style.visibility</p:attrName>
-                                        </p:attrNameLst>
-                                      </p:cBhvr>
-                                      <p:to>
-                                        <p:strVal val="visible"/>
-                                      </p:to>
-                                    </p:set>
-                                    <p:animEffect transition="in" filter="wipe(up)">
-                                      <p:cBhvr>
-                                        <p:cTn id="7" dur="500"/>
-                                        <p:tgtEl>
-                                          <p:spTgt spid="5"/>
-                                        </p:tgtEl>
-                                      </p:cBhvr>
-                                    </p:animEffect>
-                                  </p:childTnLst>
-                                </p:cTn>
-                              </p:par>
-                            </p:childTnLst>
-                          </p:cTn>
-                        </p:par>
-                      </p:childTnLst>
-                    </p:cTn>
-                  </p:par>
-                </p:childTnLst>
-              </p:cTn>
-              <p:prevCondLst>
-                <p:cond evt="onPrev" delay="0">
-                  <p:tgtEl>
-                    <p:sldTgt/>
-                  </p:tgtEl>
-                </p:cond>
-              </p:prevCondLst>
-              <p:nextCondLst>
-                <p:cond evt="onNext" delay="0">
-                  <p:tgtEl>
-                    <p:sldTgt/>
-                  </p:tgtEl>
-                </p:cond>
-              </p:nextCondLst>
-            </p:seq>
-          </p:childTnLst>
-        </p:cTn>
-      </p:par>
-    </p:tnLst>
-    <p:bldLst>
-      <p:bldP spid="5" grpId="0" animBg="1"/>
-    </p:bldLst>
-  </p:timing>
-</p:sld>
-</file>
-
-<file path=ppt/slides/slide13.xml><?xml version="1.0" encoding="utf-8"?>
-<p:sld xmlns:a="http://schemas.openxmlformats.org/drawingml/2006/main" xmlns:r="http://schemas.openxmlformats.org/officeDocument/2006/relationships" xmlns:p="http://schemas.openxmlformats.org/presentationml/2006/main">
-  <p:cSld>
-    <p:spTree>
-      <p:nvGrpSpPr>
-        <p:cNvPr id="1" name=""/>
-        <p:cNvGrpSpPr/>
-        <p:nvPr/>
-      </p:nvGrpSpPr>
-      <p:grpSpPr>
-        <a:xfrm>
-          <a:off x="0" y="0"/>
-          <a:ext cx="0" cy="0"/>
-          <a:chOff x="0" y="0"/>
-          <a:chExt cx="0" cy="0"/>
-        </a:xfrm>
-      </p:grpSpPr>
-      <p:sp>
-        <p:nvSpPr>
-          <p:cNvPr id="2" name="제목 1">
-            <a:extLst>
-              <a:ext uri="{FF2B5EF4-FFF2-40B4-BE49-F238E27FC236}">
-                <a16:creationId xmlns:a16="http://schemas.microsoft.com/office/drawing/2014/main" id="{D21C1AA9-5E52-3A11-B3B3-447787E29D09}"/>
-              </a:ext>
-            </a:extLst>
-          </p:cNvPr>
-          <p:cNvSpPr>
-            <a:spLocks noGrp="1"/>
-          </p:cNvSpPr>
-          <p:nvPr>
-            <p:ph type="title"/>
-          </p:nvPr>
-        </p:nvSpPr>
-        <p:spPr/>
-        <p:txBody>
-          <a:bodyPr/>
-          <a:lstStyle/>
-          <a:p>
-            <a:r>
-              <a:rPr lang="ko-KR" altLang="en-US" dirty="0"/>
-              <a:t>시나리오 </a:t>
-            </a:r>
-            <a:r>
-              <a:rPr lang="en-US" altLang="ko-KR" dirty="0"/>
-              <a:t>2 : </a:t>
-            </a:r>
-            <a:r>
-              <a:rPr lang="ko-KR" altLang="en-US" dirty="0"/>
-              <a:t>주문이력 성능개선</a:t>
-            </a:r>
-          </a:p>
-        </p:txBody>
-      </p:sp>
-      <p:sp>
-        <p:nvSpPr>
-          <p:cNvPr id="7" name="Google Shape;209;p30">
-            <a:extLst>
-              <a:ext uri="{FF2B5EF4-FFF2-40B4-BE49-F238E27FC236}">
-                <a16:creationId xmlns:a16="http://schemas.microsoft.com/office/drawing/2014/main" id="{35F3E219-4EBB-8DE8-0966-E4317399395E}"/>
-              </a:ext>
-            </a:extLst>
-          </p:cNvPr>
-          <p:cNvSpPr/>
-          <p:nvPr/>
-        </p:nvSpPr>
-        <p:spPr>
-          <a:xfrm>
-            <a:off x="7811013" y="528014"/>
-            <a:ext cx="952500" cy="298200"/>
-          </a:xfrm>
-          <a:prstGeom prst="rect">
-            <a:avLst/>
-          </a:prstGeom>
-          <a:noFill/>
-          <a:ln>
-            <a:noFill/>
-          </a:ln>
-        </p:spPr>
-        <p:txBody>
-          <a:bodyPr spcFirstLastPara="1" wrap="square" lIns="19050" tIns="19050" rIns="19050" bIns="19050" anchor="t" anchorCtr="0">
-            <a:noAutofit/>
-          </a:bodyPr>
-          <a:lstStyle/>
-          <a:p>
-            <a:pPr marL="63500" marR="0" lvl="1" indent="0" algn="l" rtl="0">
-              <a:lnSpc>
-                <a:spcPct val="90000"/>
-              </a:lnSpc>
-              <a:spcBef>
-                <a:spcPts val="0"/>
-              </a:spcBef>
-              <a:spcAft>
-                <a:spcPts val="0"/>
-              </a:spcAft>
-              <a:buNone/>
-            </a:pPr>
-            <a:r>
-              <a:rPr lang="en-US" altLang="ko" sz="1200" b="1" i="0" u="none" strike="noStrike" cap="none" dirty="0">
-                <a:solidFill>
-                  <a:schemeClr val="bg1"/>
-                </a:solidFill>
-                <a:latin typeface="Arial"/>
-                <a:ea typeface="Arial"/>
-                <a:cs typeface="Arial"/>
-                <a:sym typeface="Arial"/>
-              </a:rPr>
-              <a:t>3</a:t>
-            </a:r>
-            <a:r>
-              <a:rPr lang="ko" sz="1200" b="1" i="0" u="none" strike="noStrike" cap="none" dirty="0">
-                <a:solidFill>
-                  <a:schemeClr val="bg1"/>
-                </a:solidFill>
-                <a:latin typeface="Arial"/>
-                <a:ea typeface="Arial"/>
-                <a:cs typeface="Arial"/>
-                <a:sym typeface="Arial"/>
-              </a:rPr>
-              <a:t>.</a:t>
-            </a:r>
-            <a:endParaRPr sz="500" dirty="0">
-              <a:solidFill>
-                <a:schemeClr val="bg1"/>
-              </a:solidFill>
-            </a:endParaRPr>
-          </a:p>
-        </p:txBody>
-      </p:sp>
-      <p:sp>
-        <p:nvSpPr>
-          <p:cNvPr id="8" name="Google Shape;210;p30">
-            <a:extLst>
-              <a:ext uri="{FF2B5EF4-FFF2-40B4-BE49-F238E27FC236}">
-                <a16:creationId xmlns:a16="http://schemas.microsoft.com/office/drawing/2014/main" id="{8CB63A74-B5C7-DCAA-53F5-96E44004D694}"/>
-              </a:ext>
-            </a:extLst>
-          </p:cNvPr>
-          <p:cNvSpPr/>
-          <p:nvPr/>
-        </p:nvSpPr>
-        <p:spPr>
-          <a:xfrm>
-            <a:off x="7811013" y="825047"/>
-            <a:ext cx="952500" cy="293400"/>
-          </a:xfrm>
-          <a:prstGeom prst="rect">
-            <a:avLst/>
-          </a:prstGeom>
-          <a:noFill/>
-          <a:ln>
-            <a:noFill/>
-          </a:ln>
-        </p:spPr>
-        <p:txBody>
-          <a:bodyPr spcFirstLastPara="1" wrap="square" lIns="19050" tIns="19050" rIns="19050" bIns="19050" anchor="t" anchorCtr="0">
-            <a:noAutofit/>
-          </a:bodyPr>
-          <a:lstStyle/>
-          <a:p>
-            <a:pPr marL="63500" marR="0" lvl="1" indent="0" algn="l" rtl="0">
-              <a:spcBef>
-                <a:spcPts val="200"/>
-              </a:spcBef>
-              <a:spcAft>
-                <a:spcPts val="0"/>
-              </a:spcAft>
-              <a:buClr>
-                <a:srgbClr val="000000"/>
-              </a:buClr>
-              <a:buFont typeface="Arial"/>
-              <a:buNone/>
-            </a:pPr>
-            <a:r>
-              <a:rPr lang="ko-KR" altLang="en-US" sz="800" dirty="0">
-                <a:solidFill>
-                  <a:schemeClr val="bg1"/>
-                </a:solidFill>
-              </a:rPr>
-              <a:t>시나리오 </a:t>
-            </a:r>
-            <a:r>
-              <a:rPr lang="en-US" altLang="ko-KR" sz="800" dirty="0">
-                <a:solidFill>
-                  <a:schemeClr val="bg1"/>
-                </a:solidFill>
-              </a:rPr>
-              <a:t>2 : </a:t>
-            </a:r>
-          </a:p>
-          <a:p>
-            <a:pPr marL="63500" marR="0" lvl="1" indent="0" algn="l" rtl="0">
-              <a:spcBef>
-                <a:spcPts val="200"/>
-              </a:spcBef>
-              <a:spcAft>
-                <a:spcPts val="0"/>
-              </a:spcAft>
-              <a:buClr>
-                <a:srgbClr val="000000"/>
-              </a:buClr>
-              <a:buFont typeface="Arial"/>
-              <a:buNone/>
-            </a:pPr>
-            <a:r>
-              <a:rPr lang="ko-KR" altLang="en-US" sz="800" dirty="0">
-                <a:solidFill>
-                  <a:schemeClr val="bg1"/>
-                </a:solidFill>
-              </a:rPr>
-              <a:t>주문이력</a:t>
-            </a:r>
-            <a:endParaRPr lang="en-US" altLang="ko-KR" sz="800" dirty="0">
-              <a:solidFill>
-                <a:schemeClr val="bg1"/>
-              </a:solidFill>
-            </a:endParaRPr>
-          </a:p>
-          <a:p>
-            <a:pPr marL="63500" marR="0" lvl="1" indent="0" algn="l" rtl="0">
-              <a:spcBef>
-                <a:spcPts val="200"/>
-              </a:spcBef>
-              <a:spcAft>
-                <a:spcPts val="0"/>
-              </a:spcAft>
-              <a:buClr>
-                <a:srgbClr val="000000"/>
-              </a:buClr>
-              <a:buFont typeface="Arial"/>
-              <a:buNone/>
-            </a:pPr>
-            <a:r>
-              <a:rPr lang="ko-KR" altLang="en-US" sz="800" dirty="0">
-                <a:solidFill>
-                  <a:schemeClr val="bg1"/>
-                </a:solidFill>
-              </a:rPr>
-              <a:t>성능개선</a:t>
-            </a:r>
-          </a:p>
-        </p:txBody>
-      </p:sp>
-      <p:sp>
-        <p:nvSpPr>
           <p:cNvPr id="9" name="사각형: 둥근 모서리 8">
             <a:extLst>
               <a:ext uri="{FF2B5EF4-FFF2-40B4-BE49-F238E27FC236}">
@@ -7424,6 +10046,16 @@
               </a:rPr>
               <a:t>MQ</a:t>
             </a:r>
+          </a:p>
+          <a:p>
+            <a:pPr algn="ctr"/>
+            <a:r>
+              <a:rPr lang="en-US" altLang="ko-KR" sz="1200" b="1" dirty="0">
+                <a:latin typeface="Spoqa Han Sans Neo Bold" panose="020B0800000000000000" pitchFamily="34" charset="-127"/>
+                <a:ea typeface="Spoqa Han Sans Neo Bold" panose="020B0800000000000000" pitchFamily="34" charset="-127"/>
+              </a:rPr>
+              <a:t>(Kafka)</a:t>
+            </a:r>
             <a:endParaRPr lang="ko-KR" altLang="en-US" sz="1200" b="1" dirty="0">
               <a:latin typeface="Spoqa Han Sans Neo Bold" panose="020B0800000000000000" pitchFamily="34" charset="-127"/>
               <a:ea typeface="Spoqa Han Sans Neo Bold" panose="020B0800000000000000" pitchFamily="34" charset="-127"/>
@@ -7560,6 +10192,604 @@
   <p:clrMapOvr>
     <a:masterClrMapping/>
   </p:clrMapOvr>
+  <p:timing>
+    <p:tnLst>
+      <p:par>
+        <p:cTn id="1" dur="indefinite" restart="never" nodeType="tmRoot">
+          <p:childTnLst>
+            <p:seq concurrent="1" nextAc="seek">
+              <p:cTn id="2" dur="indefinite" nodeType="mainSeq">
+                <p:childTnLst>
+                  <p:par>
+                    <p:cTn id="3" fill="hold">
+                      <p:stCondLst>
+                        <p:cond delay="indefinite"/>
+                      </p:stCondLst>
+                      <p:childTnLst>
+                        <p:par>
+                          <p:cTn id="4" fill="hold">
+                            <p:stCondLst>
+                              <p:cond delay="0"/>
+                            </p:stCondLst>
+                            <p:childTnLst>
+                              <p:par>
+                                <p:cTn id="5" presetID="1" presetClass="entr" presetSubtype="0" fill="hold" grpId="0" nodeType="clickEffect">
+                                  <p:stCondLst>
+                                    <p:cond delay="0"/>
+                                  </p:stCondLst>
+                                  <p:childTnLst>
+                                    <p:set>
+                                      <p:cBhvr>
+                                        <p:cTn id="6" dur="1" fill="hold">
+                                          <p:stCondLst>
+                                            <p:cond delay="0"/>
+                                          </p:stCondLst>
+                                        </p:cTn>
+                                        <p:tgtEl>
+                                          <p:spTgt spid="9"/>
+                                        </p:tgtEl>
+                                        <p:attrNameLst>
+                                          <p:attrName>style.visibility</p:attrName>
+                                        </p:attrNameLst>
+                                      </p:cBhvr>
+                                      <p:to>
+                                        <p:strVal val="visible"/>
+                                      </p:to>
+                                    </p:set>
+                                  </p:childTnLst>
+                                </p:cTn>
+                              </p:par>
+                            </p:childTnLst>
+                          </p:cTn>
+                        </p:par>
+                      </p:childTnLst>
+                    </p:cTn>
+                  </p:par>
+                  <p:par>
+                    <p:cTn id="7" fill="hold">
+                      <p:stCondLst>
+                        <p:cond delay="indefinite"/>
+                      </p:stCondLst>
+                      <p:childTnLst>
+                        <p:par>
+                          <p:cTn id="8" fill="hold">
+                            <p:stCondLst>
+                              <p:cond delay="0"/>
+                            </p:stCondLst>
+                            <p:childTnLst>
+                              <p:par>
+                                <p:cTn id="9" presetID="1" presetClass="entr" presetSubtype="0" fill="hold" grpId="0" nodeType="clickEffect">
+                                  <p:stCondLst>
+                                    <p:cond delay="0"/>
+                                  </p:stCondLst>
+                                  <p:childTnLst>
+                                    <p:set>
+                                      <p:cBhvr>
+                                        <p:cTn id="10" dur="1" fill="hold">
+                                          <p:stCondLst>
+                                            <p:cond delay="0"/>
+                                          </p:stCondLst>
+                                        </p:cTn>
+                                        <p:tgtEl>
+                                          <p:spTgt spid="10"/>
+                                        </p:tgtEl>
+                                        <p:attrNameLst>
+                                          <p:attrName>style.visibility</p:attrName>
+                                        </p:attrNameLst>
+                                      </p:cBhvr>
+                                      <p:to>
+                                        <p:strVal val="visible"/>
+                                      </p:to>
+                                    </p:set>
+                                  </p:childTnLst>
+                                </p:cTn>
+                              </p:par>
+                            </p:childTnLst>
+                          </p:cTn>
+                        </p:par>
+                      </p:childTnLst>
+                    </p:cTn>
+                  </p:par>
+                  <p:par>
+                    <p:cTn id="11" fill="hold">
+                      <p:stCondLst>
+                        <p:cond delay="indefinite"/>
+                      </p:stCondLst>
+                      <p:childTnLst>
+                        <p:par>
+                          <p:cTn id="12" fill="hold">
+                            <p:stCondLst>
+                              <p:cond delay="0"/>
+                            </p:stCondLst>
+                            <p:childTnLst>
+                              <p:par>
+                                <p:cTn id="13" presetID="1" presetClass="entr" presetSubtype="0" fill="hold" nodeType="clickEffect">
+                                  <p:stCondLst>
+                                    <p:cond delay="0"/>
+                                  </p:stCondLst>
+                                  <p:childTnLst>
+                                    <p:set>
+                                      <p:cBhvr>
+                                        <p:cTn id="14" dur="1" fill="hold">
+                                          <p:stCondLst>
+                                            <p:cond delay="0"/>
+                                          </p:stCondLst>
+                                        </p:cTn>
+                                        <p:tgtEl>
+                                          <p:spTgt spid="6"/>
+                                        </p:tgtEl>
+                                        <p:attrNameLst>
+                                          <p:attrName>style.visibility</p:attrName>
+                                        </p:attrNameLst>
+                                      </p:cBhvr>
+                                      <p:to>
+                                        <p:strVal val="visible"/>
+                                      </p:to>
+                                    </p:set>
+                                  </p:childTnLst>
+                                </p:cTn>
+                              </p:par>
+                            </p:childTnLst>
+                          </p:cTn>
+                        </p:par>
+                      </p:childTnLst>
+                    </p:cTn>
+                  </p:par>
+                  <p:par>
+                    <p:cTn id="15" fill="hold">
+                      <p:stCondLst>
+                        <p:cond delay="indefinite"/>
+                      </p:stCondLst>
+                      <p:childTnLst>
+                        <p:par>
+                          <p:cTn id="16" fill="hold">
+                            <p:stCondLst>
+                              <p:cond delay="0"/>
+                            </p:stCondLst>
+                            <p:childTnLst>
+                              <p:par>
+                                <p:cTn id="17" presetID="1" presetClass="entr" presetSubtype="0" fill="hold" grpId="0" nodeType="clickEffect">
+                                  <p:stCondLst>
+                                    <p:cond delay="0"/>
+                                  </p:stCondLst>
+                                  <p:childTnLst>
+                                    <p:set>
+                                      <p:cBhvr>
+                                        <p:cTn id="18" dur="1" fill="hold">
+                                          <p:stCondLst>
+                                            <p:cond delay="0"/>
+                                          </p:stCondLst>
+                                        </p:cTn>
+                                        <p:tgtEl>
+                                          <p:spTgt spid="3"/>
+                                        </p:tgtEl>
+                                        <p:attrNameLst>
+                                          <p:attrName>style.visibility</p:attrName>
+                                        </p:attrNameLst>
+                                      </p:cBhvr>
+                                      <p:to>
+                                        <p:strVal val="visible"/>
+                                      </p:to>
+                                    </p:set>
+                                  </p:childTnLst>
+                                </p:cTn>
+                              </p:par>
+                            </p:childTnLst>
+                          </p:cTn>
+                        </p:par>
+                      </p:childTnLst>
+                    </p:cTn>
+                  </p:par>
+                  <p:par>
+                    <p:cTn id="19" fill="hold">
+                      <p:stCondLst>
+                        <p:cond delay="indefinite"/>
+                      </p:stCondLst>
+                      <p:childTnLst>
+                        <p:par>
+                          <p:cTn id="20" fill="hold">
+                            <p:stCondLst>
+                              <p:cond delay="0"/>
+                            </p:stCondLst>
+                            <p:childTnLst>
+                              <p:par>
+                                <p:cTn id="21" presetID="1" presetClass="entr" presetSubtype="0" fill="hold" nodeType="clickEffect">
+                                  <p:stCondLst>
+                                    <p:cond delay="0"/>
+                                  </p:stCondLst>
+                                  <p:childTnLst>
+                                    <p:set>
+                                      <p:cBhvr>
+                                        <p:cTn id="22" dur="1" fill="hold">
+                                          <p:stCondLst>
+                                            <p:cond delay="0"/>
+                                          </p:stCondLst>
+                                        </p:cTn>
+                                        <p:tgtEl>
+                                          <p:spTgt spid="13"/>
+                                        </p:tgtEl>
+                                        <p:attrNameLst>
+                                          <p:attrName>style.visibility</p:attrName>
+                                        </p:attrNameLst>
+                                      </p:cBhvr>
+                                      <p:to>
+                                        <p:strVal val="visible"/>
+                                      </p:to>
+                                    </p:set>
+                                  </p:childTnLst>
+                                </p:cTn>
+                              </p:par>
+                            </p:childTnLst>
+                          </p:cTn>
+                        </p:par>
+                      </p:childTnLst>
+                    </p:cTn>
+                  </p:par>
+                  <p:par>
+                    <p:cTn id="23" fill="hold">
+                      <p:stCondLst>
+                        <p:cond delay="indefinite"/>
+                      </p:stCondLst>
+                      <p:childTnLst>
+                        <p:par>
+                          <p:cTn id="24" fill="hold">
+                            <p:stCondLst>
+                              <p:cond delay="0"/>
+                            </p:stCondLst>
+                            <p:childTnLst>
+                              <p:par>
+                                <p:cTn id="25" presetID="1" presetClass="entr" presetSubtype="0" fill="hold" grpId="0" nodeType="clickEffect">
+                                  <p:stCondLst>
+                                    <p:cond delay="0"/>
+                                  </p:stCondLst>
+                                  <p:childTnLst>
+                                    <p:set>
+                                      <p:cBhvr>
+                                        <p:cTn id="26" dur="1" fill="hold">
+                                          <p:stCondLst>
+                                            <p:cond delay="0"/>
+                                          </p:stCondLst>
+                                        </p:cTn>
+                                        <p:tgtEl>
+                                          <p:spTgt spid="4"/>
+                                        </p:tgtEl>
+                                        <p:attrNameLst>
+                                          <p:attrName>style.visibility</p:attrName>
+                                        </p:attrNameLst>
+                                      </p:cBhvr>
+                                      <p:to>
+                                        <p:strVal val="visible"/>
+                                      </p:to>
+                                    </p:set>
+                                  </p:childTnLst>
+                                </p:cTn>
+                              </p:par>
+                            </p:childTnLst>
+                          </p:cTn>
+                        </p:par>
+                      </p:childTnLst>
+                    </p:cTn>
+                  </p:par>
+                  <p:par>
+                    <p:cTn id="27" fill="hold">
+                      <p:stCondLst>
+                        <p:cond delay="indefinite"/>
+                      </p:stCondLst>
+                      <p:childTnLst>
+                        <p:par>
+                          <p:cTn id="28" fill="hold">
+                            <p:stCondLst>
+                              <p:cond delay="0"/>
+                            </p:stCondLst>
+                            <p:childTnLst>
+                              <p:par>
+                                <p:cTn id="29" presetID="1" presetClass="entr" presetSubtype="0" fill="hold" nodeType="clickEffect">
+                                  <p:stCondLst>
+                                    <p:cond delay="0"/>
+                                  </p:stCondLst>
+                                  <p:childTnLst>
+                                    <p:set>
+                                      <p:cBhvr>
+                                        <p:cTn id="30" dur="1" fill="hold">
+                                          <p:stCondLst>
+                                            <p:cond delay="0"/>
+                                          </p:stCondLst>
+                                        </p:cTn>
+                                        <p:tgtEl>
+                                          <p:spTgt spid="16"/>
+                                        </p:tgtEl>
+                                        <p:attrNameLst>
+                                          <p:attrName>style.visibility</p:attrName>
+                                        </p:attrNameLst>
+                                      </p:cBhvr>
+                                      <p:to>
+                                        <p:strVal val="visible"/>
+                                      </p:to>
+                                    </p:set>
+                                  </p:childTnLst>
+                                </p:cTn>
+                              </p:par>
+                            </p:childTnLst>
+                          </p:cTn>
+                        </p:par>
+                      </p:childTnLst>
+                    </p:cTn>
+                  </p:par>
+                  <p:par>
+                    <p:cTn id="31" fill="hold">
+                      <p:stCondLst>
+                        <p:cond delay="indefinite"/>
+                      </p:stCondLst>
+                      <p:childTnLst>
+                        <p:par>
+                          <p:cTn id="32" fill="hold">
+                            <p:stCondLst>
+                              <p:cond delay="0"/>
+                            </p:stCondLst>
+                            <p:childTnLst>
+                              <p:par>
+                                <p:cTn id="33" presetID="1" presetClass="entr" presetSubtype="0" fill="hold" grpId="0" nodeType="clickEffect">
+                                  <p:stCondLst>
+                                    <p:cond delay="0"/>
+                                  </p:stCondLst>
+                                  <p:childTnLst>
+                                    <p:set>
+                                      <p:cBhvr>
+                                        <p:cTn id="34" dur="1" fill="hold">
+                                          <p:stCondLst>
+                                            <p:cond delay="0"/>
+                                          </p:stCondLst>
+                                        </p:cTn>
+                                        <p:tgtEl>
+                                          <p:spTgt spid="5"/>
+                                        </p:tgtEl>
+                                        <p:attrNameLst>
+                                          <p:attrName>style.visibility</p:attrName>
+                                        </p:attrNameLst>
+                                      </p:cBhvr>
+                                      <p:to>
+                                        <p:strVal val="visible"/>
+                                      </p:to>
+                                    </p:set>
+                                  </p:childTnLst>
+                                </p:cTn>
+                              </p:par>
+                            </p:childTnLst>
+                          </p:cTn>
+                        </p:par>
+                      </p:childTnLst>
+                    </p:cTn>
+                  </p:par>
+                  <p:par>
+                    <p:cTn id="35" fill="hold">
+                      <p:stCondLst>
+                        <p:cond delay="indefinite"/>
+                      </p:stCondLst>
+                      <p:childTnLst>
+                        <p:par>
+                          <p:cTn id="36" fill="hold">
+                            <p:stCondLst>
+                              <p:cond delay="0"/>
+                            </p:stCondLst>
+                            <p:childTnLst>
+                              <p:par>
+                                <p:cTn id="37" presetID="1" presetClass="entr" presetSubtype="0" fill="hold" grpId="0" nodeType="clickEffect">
+                                  <p:stCondLst>
+                                    <p:cond delay="0"/>
+                                  </p:stCondLst>
+                                  <p:childTnLst>
+                                    <p:set>
+                                      <p:cBhvr>
+                                        <p:cTn id="38" dur="1" fill="hold">
+                                          <p:stCondLst>
+                                            <p:cond delay="0"/>
+                                          </p:stCondLst>
+                                        </p:cTn>
+                                        <p:tgtEl>
+                                          <p:spTgt spid="22"/>
+                                        </p:tgtEl>
+                                        <p:attrNameLst>
+                                          <p:attrName>style.visibility</p:attrName>
+                                        </p:attrNameLst>
+                                      </p:cBhvr>
+                                      <p:to>
+                                        <p:strVal val="visible"/>
+                                      </p:to>
+                                    </p:set>
+                                  </p:childTnLst>
+                                </p:cTn>
+                              </p:par>
+                            </p:childTnLst>
+                          </p:cTn>
+                        </p:par>
+                      </p:childTnLst>
+                    </p:cTn>
+                  </p:par>
+                  <p:par>
+                    <p:cTn id="39" fill="hold">
+                      <p:stCondLst>
+                        <p:cond delay="indefinite"/>
+                      </p:stCondLst>
+                      <p:childTnLst>
+                        <p:par>
+                          <p:cTn id="40" fill="hold">
+                            <p:stCondLst>
+                              <p:cond delay="0"/>
+                            </p:stCondLst>
+                            <p:childTnLst>
+                              <p:par>
+                                <p:cTn id="41" presetID="1" presetClass="entr" presetSubtype="0" fill="hold" nodeType="clickEffect">
+                                  <p:stCondLst>
+                                    <p:cond delay="0"/>
+                                  </p:stCondLst>
+                                  <p:childTnLst>
+                                    <p:set>
+                                      <p:cBhvr>
+                                        <p:cTn id="42" dur="1" fill="hold">
+                                          <p:stCondLst>
+                                            <p:cond delay="0"/>
+                                          </p:stCondLst>
+                                        </p:cTn>
+                                        <p:tgtEl>
+                                          <p:spTgt spid="23"/>
+                                        </p:tgtEl>
+                                        <p:attrNameLst>
+                                          <p:attrName>style.visibility</p:attrName>
+                                        </p:attrNameLst>
+                                      </p:cBhvr>
+                                      <p:to>
+                                        <p:strVal val="visible"/>
+                                      </p:to>
+                                    </p:set>
+                                  </p:childTnLst>
+                                </p:cTn>
+                              </p:par>
+                            </p:childTnLst>
+                          </p:cTn>
+                        </p:par>
+                      </p:childTnLst>
+                    </p:cTn>
+                  </p:par>
+                </p:childTnLst>
+              </p:cTn>
+              <p:prevCondLst>
+                <p:cond evt="onPrev" delay="0">
+                  <p:tgtEl>
+                    <p:sldTgt/>
+                  </p:tgtEl>
+                </p:cond>
+              </p:prevCondLst>
+              <p:nextCondLst>
+                <p:cond evt="onNext" delay="0">
+                  <p:tgtEl>
+                    <p:sldTgt/>
+                  </p:tgtEl>
+                </p:cond>
+              </p:nextCondLst>
+            </p:seq>
+          </p:childTnLst>
+        </p:cTn>
+      </p:par>
+    </p:tnLst>
+    <p:bldLst>
+      <p:bldP spid="9" grpId="0" animBg="1"/>
+      <p:bldP spid="10" grpId="0" animBg="1"/>
+      <p:bldP spid="3" grpId="0" animBg="1"/>
+      <p:bldP spid="4" grpId="0" animBg="1"/>
+      <p:bldP spid="5" grpId="0" animBg="1"/>
+      <p:bldP spid="22" grpId="0" animBg="1"/>
+    </p:bldLst>
+  </p:timing>
+</p:sld>
+</file>
+
+<file path=ppt/slides/slide13.xml><?xml version="1.0" encoding="utf-8"?>
+<p:sld xmlns:a="http://schemas.openxmlformats.org/drawingml/2006/main" xmlns:r="http://schemas.openxmlformats.org/officeDocument/2006/relationships" xmlns:p="http://schemas.openxmlformats.org/presentationml/2006/main">
+  <p:cSld>
+    <p:spTree>
+      <p:nvGrpSpPr>
+        <p:cNvPr id="1" name=""/>
+        <p:cNvGrpSpPr/>
+        <p:nvPr/>
+      </p:nvGrpSpPr>
+      <p:grpSpPr>
+        <a:xfrm>
+          <a:off x="0" y="0"/>
+          <a:ext cx="0" cy="0"/>
+          <a:chOff x="0" y="0"/>
+          <a:chExt cx="0" cy="0"/>
+        </a:xfrm>
+      </p:grpSpPr>
+      <p:sp>
+        <p:nvSpPr>
+          <p:cNvPr id="2" name="제목 1">
+            <a:extLst>
+              <a:ext uri="{FF2B5EF4-FFF2-40B4-BE49-F238E27FC236}">
+                <a16:creationId xmlns:a16="http://schemas.microsoft.com/office/drawing/2014/main" id="{9896B29B-A1AE-E0C6-8543-753E63140B1C}"/>
+              </a:ext>
+            </a:extLst>
+          </p:cNvPr>
+          <p:cNvSpPr>
+            <a:spLocks noGrp="1"/>
+          </p:cNvSpPr>
+          <p:nvPr>
+            <p:ph type="ctrTitle"/>
+          </p:nvPr>
+        </p:nvSpPr>
+        <p:spPr/>
+        <p:txBody>
+          <a:bodyPr>
+            <a:normAutofit/>
+          </a:bodyPr>
+          <a:lstStyle/>
+          <a:p>
+            <a:r>
+              <a:rPr lang="ko-KR" altLang="en-US" b="1" dirty="0"/>
+              <a:t>결제서비스 기능확장</a:t>
+            </a:r>
+          </a:p>
+        </p:txBody>
+      </p:sp>
+      <p:sp>
+        <p:nvSpPr>
+          <p:cNvPr id="4" name="부제목 3">
+            <a:extLst>
+              <a:ext uri="{FF2B5EF4-FFF2-40B4-BE49-F238E27FC236}">
+                <a16:creationId xmlns:a16="http://schemas.microsoft.com/office/drawing/2014/main" id="{7219E4B9-47F6-C7CA-B046-1256225C3574}"/>
+              </a:ext>
+            </a:extLst>
+          </p:cNvPr>
+          <p:cNvSpPr>
+            <a:spLocks noGrp="1"/>
+          </p:cNvSpPr>
+          <p:nvPr>
+            <p:ph type="subTitle" idx="1"/>
+          </p:nvPr>
+        </p:nvSpPr>
+        <p:spPr/>
+        <p:txBody>
+          <a:bodyPr>
+            <a:normAutofit/>
+          </a:bodyPr>
+          <a:lstStyle/>
+          <a:p>
+            <a:pPr marL="0" indent="0" algn="r">
+              <a:buNone/>
+            </a:pPr>
+            <a:r>
+              <a:rPr lang="en-US" altLang="ko" b="1" dirty="0">
+                <a:solidFill>
+                  <a:srgbClr val="ED234B"/>
+                </a:solidFill>
+              </a:rPr>
+              <a:t>4</a:t>
+            </a:r>
+            <a:r>
+              <a:rPr lang="ko" altLang="ko-KR" b="1" dirty="0">
+                <a:solidFill>
+                  <a:srgbClr val="ED234B"/>
+                </a:solidFill>
+              </a:rPr>
+              <a:t> </a:t>
+            </a:r>
+            <a:r>
+              <a:rPr lang="en-US" altLang="ko-KR" dirty="0"/>
+              <a:t>Elasticsearch</a:t>
+            </a:r>
+            <a:endParaRPr lang="ko-KR" altLang="en-US" dirty="0"/>
+          </a:p>
+        </p:txBody>
+      </p:sp>
+    </p:spTree>
+    <p:extLst>
+      <p:ext uri="{BB962C8B-B14F-4D97-AF65-F5344CB8AC3E}">
+        <p14:creationId xmlns:p14="http://schemas.microsoft.com/office/powerpoint/2010/main" val="371146428"/>
+      </p:ext>
+    </p:extLst>
+  </p:cSld>
+  <p:clrMapOvr>
+    <a:masterClrMapping/>
+  </p:clrMapOvr>
 </p:sld>
 </file>
 
@@ -7585,116 +10815,6 @@
           <p:cNvPr id="2" name="제목 1">
             <a:extLst>
               <a:ext uri="{FF2B5EF4-FFF2-40B4-BE49-F238E27FC236}">
-                <a16:creationId xmlns:a16="http://schemas.microsoft.com/office/drawing/2014/main" id="{9896B29B-A1AE-E0C6-8543-753E63140B1C}"/>
-              </a:ext>
-            </a:extLst>
-          </p:cNvPr>
-          <p:cNvSpPr>
-            <a:spLocks noGrp="1"/>
-          </p:cNvSpPr>
-          <p:nvPr>
-            <p:ph type="ctrTitle"/>
-          </p:nvPr>
-        </p:nvSpPr>
-        <p:spPr/>
-        <p:txBody>
-          <a:bodyPr>
-            <a:normAutofit/>
-          </a:bodyPr>
-          <a:lstStyle/>
-          <a:p>
-            <a:r>
-              <a:rPr lang="ko-KR" altLang="en-US" b="1" dirty="0"/>
-              <a:t>결제서비스 기능확장</a:t>
-            </a:r>
-          </a:p>
-        </p:txBody>
-      </p:sp>
-      <p:sp>
-        <p:nvSpPr>
-          <p:cNvPr id="4" name="부제목 3">
-            <a:extLst>
-              <a:ext uri="{FF2B5EF4-FFF2-40B4-BE49-F238E27FC236}">
-                <a16:creationId xmlns:a16="http://schemas.microsoft.com/office/drawing/2014/main" id="{7219E4B9-47F6-C7CA-B046-1256225C3574}"/>
-              </a:ext>
-            </a:extLst>
-          </p:cNvPr>
-          <p:cNvSpPr>
-            <a:spLocks noGrp="1"/>
-          </p:cNvSpPr>
-          <p:nvPr>
-            <p:ph type="subTitle" idx="1"/>
-          </p:nvPr>
-        </p:nvSpPr>
-        <p:spPr/>
-        <p:txBody>
-          <a:bodyPr>
-            <a:normAutofit/>
-          </a:bodyPr>
-          <a:lstStyle/>
-          <a:p>
-            <a:pPr marL="0" indent="0" algn="r">
-              <a:buNone/>
-            </a:pPr>
-            <a:r>
-              <a:rPr lang="en-US" altLang="ko" b="1" dirty="0">
-                <a:solidFill>
-                  <a:srgbClr val="ED234B"/>
-                </a:solidFill>
-              </a:rPr>
-              <a:t>4</a:t>
-            </a:r>
-            <a:r>
-              <a:rPr lang="ko" altLang="ko-KR" b="1" dirty="0">
-                <a:solidFill>
-                  <a:srgbClr val="ED234B"/>
-                </a:solidFill>
-              </a:rPr>
-              <a:t> </a:t>
-            </a:r>
-            <a:r>
-              <a:rPr lang="en-US" altLang="ko-KR" dirty="0"/>
-              <a:t>Elasticsearch</a:t>
-            </a:r>
-            <a:endParaRPr lang="ko-KR" altLang="en-US" dirty="0"/>
-          </a:p>
-        </p:txBody>
-      </p:sp>
-    </p:spTree>
-    <p:extLst>
-      <p:ext uri="{BB962C8B-B14F-4D97-AF65-F5344CB8AC3E}">
-        <p14:creationId xmlns:p14="http://schemas.microsoft.com/office/powerpoint/2010/main" val="371146428"/>
-      </p:ext>
-    </p:extLst>
-  </p:cSld>
-  <p:clrMapOvr>
-    <a:masterClrMapping/>
-  </p:clrMapOvr>
-</p:sld>
-</file>
-
-<file path=ppt/slides/slide15.xml><?xml version="1.0" encoding="utf-8"?>
-<p:sld xmlns:a="http://schemas.openxmlformats.org/drawingml/2006/main" xmlns:r="http://schemas.openxmlformats.org/officeDocument/2006/relationships" xmlns:p="http://schemas.openxmlformats.org/presentationml/2006/main">
-  <p:cSld>
-    <p:spTree>
-      <p:nvGrpSpPr>
-        <p:cNvPr id="1" name=""/>
-        <p:cNvGrpSpPr/>
-        <p:nvPr/>
-      </p:nvGrpSpPr>
-      <p:grpSpPr>
-        <a:xfrm>
-          <a:off x="0" y="0"/>
-          <a:ext cx="0" cy="0"/>
-          <a:chOff x="0" y="0"/>
-          <a:chExt cx="0" cy="0"/>
-        </a:xfrm>
-      </p:grpSpPr>
-      <p:sp>
-        <p:nvSpPr>
-          <p:cNvPr id="2" name="제목 1">
-            <a:extLst>
-              <a:ext uri="{FF2B5EF4-FFF2-40B4-BE49-F238E27FC236}">
                 <a16:creationId xmlns:a16="http://schemas.microsoft.com/office/drawing/2014/main" id="{D21C1AA9-5E52-3A11-B3B3-447787E29D09}"/>
               </a:ext>
             </a:extLst>
@@ -7740,6 +10860,16 @@
           <a:bodyPr/>
           <a:lstStyle/>
           <a:p>
+            <a:pPr marL="0" indent="0">
+              <a:buNone/>
+            </a:pPr>
+            <a:r>
+              <a:rPr lang="en-US" altLang="ko-KR" dirty="0"/>
+              <a:t>Elasticsearch</a:t>
+            </a:r>
+          </a:p>
+          <a:p>
+            <a:pPr lvl="1"/>
             <a:r>
               <a:rPr lang="en-US" altLang="ko-KR" dirty="0"/>
               <a:t>Apache Lucene </a:t>
@@ -7751,39 +10881,92 @@
             <a:endParaRPr lang="en-US" altLang="ko-KR" dirty="0"/>
           </a:p>
           <a:p>
+            <a:pPr lvl="2"/>
+            <a:r>
+              <a:rPr lang="en-US" altLang="ko-KR" dirty="0"/>
+              <a:t>Java </a:t>
+            </a:r>
+            <a:r>
+              <a:rPr lang="ko-KR" altLang="en-US" dirty="0"/>
+              <a:t>로 작성</a:t>
+            </a:r>
+            <a:r>
+              <a:rPr lang="en-US" altLang="ko-KR" dirty="0"/>
+              <a:t>, 2010 release</a:t>
+            </a:r>
+          </a:p>
+          <a:p>
             <a:pPr lvl="1"/>
             <a:r>
-              <a:rPr lang="en-US" altLang="ko-KR" dirty="0"/>
-              <a:t>Java</a:t>
-            </a:r>
+              <a:rPr lang="ko-KR" altLang="en-US" dirty="0"/>
+              <a:t>장점</a:t>
+            </a:r>
+            <a:endParaRPr lang="en-US" altLang="ko-KR" dirty="0"/>
+          </a:p>
+          <a:p>
+            <a:pPr lvl="2"/>
+            <a:r>
+              <a:rPr lang="ko-KR" altLang="en-US" dirty="0"/>
+              <a:t>대량 데이터를 </a:t>
+            </a:r>
+            <a:r>
+              <a:rPr lang="en-US" altLang="ko-KR" dirty="0"/>
+              <a:t>NRT (Near Real Time) </a:t>
+            </a:r>
+            <a:r>
+              <a:rPr lang="ko-KR" altLang="en-US" dirty="0"/>
+              <a:t>하게 저장</a:t>
+            </a:r>
+            <a:r>
+              <a:rPr lang="en-US" altLang="ko-KR" dirty="0"/>
+              <a:t>, </a:t>
+            </a:r>
+            <a:r>
+              <a:rPr lang="ko-KR" altLang="en-US" dirty="0"/>
+              <a:t>검색</a:t>
+            </a:r>
+            <a:endParaRPr lang="en-US" altLang="ko-KR" dirty="0"/>
+          </a:p>
+          <a:p>
+            <a:pPr lvl="2"/>
+            <a:r>
+              <a:rPr lang="en-US" altLang="ko-KR" dirty="0"/>
+              <a:t>Document oriented</a:t>
+            </a:r>
+          </a:p>
+          <a:p>
+            <a:pPr lvl="2"/>
+            <a:r>
+              <a:rPr lang="en-US" altLang="ko-KR" dirty="0"/>
+              <a:t>Shard </a:t>
+            </a:r>
+            <a:r>
+              <a:rPr lang="ko-KR" altLang="en-US" dirty="0"/>
+              <a:t>지원</a:t>
+            </a:r>
+            <a:endParaRPr lang="en-US" altLang="ko-KR" dirty="0"/>
           </a:p>
           <a:p>
             <a:pPr lvl="1"/>
             <a:r>
-              <a:rPr lang="en-US" altLang="ko-KR" dirty="0"/>
-              <a:t>2010 release</a:t>
-            </a:r>
-          </a:p>
-          <a:p>
-            <a:r>
-              <a:rPr lang="ko-KR" altLang="en-US" dirty="0"/>
-              <a:t>대량 데이터를 </a:t>
-            </a:r>
-            <a:r>
-              <a:rPr lang="en-US" altLang="ko-KR" dirty="0"/>
-              <a:t>NRT (Near Real Time) </a:t>
-            </a:r>
-            <a:r>
-              <a:rPr lang="ko-KR" altLang="en-US" dirty="0"/>
-              <a:t>하게 저장</a:t>
+              <a:rPr lang="ko-KR" altLang="en-US" dirty="0"/>
+              <a:t>단점</a:t>
+            </a:r>
+            <a:endParaRPr lang="en-US" altLang="ko-KR" dirty="0"/>
+          </a:p>
+          <a:p>
+            <a:pPr lvl="2"/>
+            <a:r>
+              <a:rPr lang="ko-KR" altLang="en-US" dirty="0"/>
+              <a:t>실시간 처리 미지원</a:t>
             </a:r>
             <a:r>
               <a:rPr lang="en-US" altLang="ko-KR" dirty="0"/>
               <a:t>, </a:t>
             </a:r>
             <a:r>
-              <a:rPr lang="ko-KR" altLang="en-US" dirty="0"/>
-              <a:t>검색</a:t>
+              <a:rPr lang="ko-KR" altLang="en-US" dirty="0" err="1"/>
+              <a:t>트렌젝션</a:t>
             </a:r>
             <a:r>
               <a:rPr lang="en-US" altLang="ko-KR" dirty="0"/>
@@ -7791,27 +10974,9 @@
             </a:r>
             <a:r>
               <a:rPr lang="ko-KR" altLang="en-US" dirty="0"/>
-              <a:t>분석</a:t>
+              <a:t>롤백 미지원</a:t>
             </a:r>
             <a:endParaRPr lang="en-US" altLang="ko-KR" dirty="0"/>
-          </a:p>
-          <a:p>
-            <a:r>
-              <a:rPr lang="en-US" altLang="ko-KR" dirty="0"/>
-              <a:t>Restful API </a:t>
-            </a:r>
-            <a:r>
-              <a:rPr lang="ko-KR" altLang="en-US" dirty="0"/>
-              <a:t>지원</a:t>
-            </a:r>
-            <a:endParaRPr lang="en-US" altLang="ko-KR" dirty="0"/>
-          </a:p>
-          <a:p>
-            <a:r>
-              <a:rPr lang="en-US" altLang="ko-KR" dirty="0"/>
-              <a:t>Kibana</a:t>
-            </a:r>
-            <a:endParaRPr lang="ko-KR" altLang="en-US" dirty="0"/>
           </a:p>
         </p:txBody>
       </p:sp>
@@ -7963,7 +11128,7 @@
 </p:sld>
 </file>
 
-<file path=ppt/slides/slide16.xml><?xml version="1.0" encoding="utf-8"?>
+<file path=ppt/slides/slide15.xml><?xml version="1.0" encoding="utf-8"?>
 <p:sld xmlns:a="http://schemas.openxmlformats.org/drawingml/2006/main" xmlns:r="http://schemas.openxmlformats.org/officeDocument/2006/relationships" xmlns:p="http://schemas.openxmlformats.org/presentationml/2006/main">
   <p:cSld>
     <p:spTree>
@@ -8313,6 +11478,343 @@
     <p:extLst>
       <p:ext uri="{BB962C8B-B14F-4D97-AF65-F5344CB8AC3E}">
         <p14:creationId xmlns:p14="http://schemas.microsoft.com/office/powerpoint/2010/main" val="4259616323"/>
+      </p:ext>
+    </p:extLst>
+  </p:cSld>
+  <p:clrMapOvr>
+    <a:masterClrMapping/>
+  </p:clrMapOvr>
+</p:sld>
+</file>
+
+<file path=ppt/slides/slide16.xml><?xml version="1.0" encoding="utf-8"?>
+<p:sld xmlns:a="http://schemas.openxmlformats.org/drawingml/2006/main" xmlns:r="http://schemas.openxmlformats.org/officeDocument/2006/relationships" xmlns:p="http://schemas.openxmlformats.org/presentationml/2006/main">
+  <p:cSld>
+    <p:spTree>
+      <p:nvGrpSpPr>
+        <p:cNvPr id="1" name=""/>
+        <p:cNvGrpSpPr/>
+        <p:nvPr/>
+      </p:nvGrpSpPr>
+      <p:grpSpPr>
+        <a:xfrm>
+          <a:off x="0" y="0"/>
+          <a:ext cx="0" cy="0"/>
+          <a:chOff x="0" y="0"/>
+          <a:chExt cx="0" cy="0"/>
+        </a:xfrm>
+      </p:grpSpPr>
+      <p:sp>
+        <p:nvSpPr>
+          <p:cNvPr id="2" name="제목 1">
+            <a:extLst>
+              <a:ext uri="{FF2B5EF4-FFF2-40B4-BE49-F238E27FC236}">
+                <a16:creationId xmlns:a16="http://schemas.microsoft.com/office/drawing/2014/main" id="{D21C1AA9-5E52-3A11-B3B3-447787E29D09}"/>
+              </a:ext>
+            </a:extLst>
+          </p:cNvPr>
+          <p:cNvSpPr>
+            <a:spLocks noGrp="1"/>
+          </p:cNvSpPr>
+          <p:nvPr>
+            <p:ph type="title"/>
+          </p:nvPr>
+        </p:nvSpPr>
+        <p:spPr/>
+        <p:txBody>
+          <a:bodyPr/>
+          <a:lstStyle/>
+          <a:p>
+            <a:r>
+              <a:rPr lang="en-US" altLang="ko-KR" dirty="0"/>
+              <a:t>Elasticsearch</a:t>
+            </a:r>
+            <a:endParaRPr lang="ko-KR" altLang="en-US" dirty="0"/>
+          </a:p>
+        </p:txBody>
+      </p:sp>
+      <p:sp>
+        <p:nvSpPr>
+          <p:cNvPr id="3" name="내용 개체 틀 2">
+            <a:extLst>
+              <a:ext uri="{FF2B5EF4-FFF2-40B4-BE49-F238E27FC236}">
+                <a16:creationId xmlns:a16="http://schemas.microsoft.com/office/drawing/2014/main" id="{4E75EB93-6B17-389D-C37C-435F4E89495A}"/>
+              </a:ext>
+            </a:extLst>
+          </p:cNvPr>
+          <p:cNvSpPr>
+            <a:spLocks noGrp="1"/>
+          </p:cNvSpPr>
+          <p:nvPr>
+            <p:ph idx="1"/>
+          </p:nvPr>
+        </p:nvSpPr>
+        <p:spPr/>
+        <p:txBody>
+          <a:bodyPr>
+            <a:normAutofit/>
+          </a:bodyPr>
+          <a:lstStyle/>
+          <a:p>
+            <a:pPr marL="0" indent="0">
+              <a:buNone/>
+            </a:pPr>
+            <a:r>
+              <a:rPr lang="en-US" altLang="ko-KR" dirty="0"/>
+              <a:t>Elasticsearch</a:t>
+            </a:r>
+          </a:p>
+          <a:p>
+            <a:pPr lvl="1"/>
+            <a:r>
+              <a:rPr lang="en-US" altLang="ko-KR" dirty="0"/>
+              <a:t>Apache Lucene </a:t>
+            </a:r>
+            <a:r>
+              <a:rPr lang="ko-KR" altLang="en-US" dirty="0"/>
+              <a:t>기반의 분산 검색엔진</a:t>
+            </a:r>
+            <a:endParaRPr lang="en-US" altLang="ko-KR" dirty="0"/>
+          </a:p>
+          <a:p>
+            <a:pPr lvl="2"/>
+            <a:r>
+              <a:rPr lang="en-US" altLang="ko-KR" dirty="0"/>
+              <a:t>Java </a:t>
+            </a:r>
+            <a:r>
+              <a:rPr lang="ko-KR" altLang="en-US" dirty="0"/>
+              <a:t>로 작성</a:t>
+            </a:r>
+            <a:r>
+              <a:rPr lang="en-US" altLang="ko-KR" dirty="0"/>
+              <a:t>, 2010 release</a:t>
+            </a:r>
+          </a:p>
+          <a:p>
+            <a:pPr lvl="1"/>
+            <a:r>
+              <a:rPr lang="ko-KR" altLang="en-US" dirty="0"/>
+              <a:t>장점</a:t>
+            </a:r>
+            <a:endParaRPr lang="en-US" altLang="ko-KR" dirty="0"/>
+          </a:p>
+          <a:p>
+            <a:pPr lvl="2"/>
+            <a:r>
+              <a:rPr lang="ko-KR" altLang="en-US" dirty="0"/>
+              <a:t>대량 데이터를 </a:t>
+            </a:r>
+            <a:r>
+              <a:rPr lang="en-US" altLang="ko-KR" dirty="0"/>
+              <a:t>NRT (Near Real Time) </a:t>
+            </a:r>
+            <a:r>
+              <a:rPr lang="ko-KR" altLang="en-US" dirty="0"/>
+              <a:t>하게 저장</a:t>
+            </a:r>
+            <a:r>
+              <a:rPr lang="en-US" altLang="ko-KR" dirty="0"/>
+              <a:t>, </a:t>
+            </a:r>
+            <a:r>
+              <a:rPr lang="ko-KR" altLang="en-US" dirty="0"/>
+              <a:t>검색</a:t>
+            </a:r>
+            <a:endParaRPr lang="en-US" altLang="ko-KR" dirty="0"/>
+          </a:p>
+          <a:p>
+            <a:pPr lvl="2"/>
+            <a:r>
+              <a:rPr lang="en-US" altLang="ko-KR" dirty="0"/>
+              <a:t>Document oriented</a:t>
+            </a:r>
+          </a:p>
+          <a:p>
+            <a:pPr lvl="2"/>
+            <a:r>
+              <a:rPr lang="en-US" altLang="ko-KR" dirty="0"/>
+              <a:t>Shard </a:t>
+            </a:r>
+            <a:r>
+              <a:rPr lang="ko-KR" altLang="en-US" dirty="0"/>
+              <a:t>지원</a:t>
+            </a:r>
+            <a:endParaRPr lang="en-US" altLang="ko-KR" dirty="0"/>
+          </a:p>
+          <a:p>
+            <a:pPr lvl="1"/>
+            <a:r>
+              <a:rPr lang="ko-KR" altLang="en-US" dirty="0"/>
+              <a:t>단점</a:t>
+            </a:r>
+            <a:endParaRPr lang="en-US" altLang="ko-KR" dirty="0"/>
+          </a:p>
+          <a:p>
+            <a:pPr lvl="2"/>
+            <a:r>
+              <a:rPr lang="ko-KR" altLang="en-US" dirty="0"/>
+              <a:t>실시간 처리 미지원</a:t>
+            </a:r>
+            <a:r>
+              <a:rPr lang="en-US" altLang="ko-KR" dirty="0"/>
+              <a:t>, </a:t>
+            </a:r>
+            <a:r>
+              <a:rPr lang="ko-KR" altLang="en-US" dirty="0" err="1"/>
+              <a:t>트렌젝션</a:t>
+            </a:r>
+            <a:r>
+              <a:rPr lang="en-US" altLang="ko-KR" dirty="0"/>
+              <a:t>, </a:t>
+            </a:r>
+            <a:r>
+              <a:rPr lang="ko-KR" altLang="en-US" dirty="0"/>
+              <a:t>롤백 미지원</a:t>
+            </a:r>
+            <a:endParaRPr lang="en-US" altLang="ko-KR" dirty="0"/>
+          </a:p>
+        </p:txBody>
+      </p:sp>
+      <p:sp>
+        <p:nvSpPr>
+          <p:cNvPr id="7" name="Google Shape;209;p30">
+            <a:extLst>
+              <a:ext uri="{FF2B5EF4-FFF2-40B4-BE49-F238E27FC236}">
+                <a16:creationId xmlns:a16="http://schemas.microsoft.com/office/drawing/2014/main" id="{35F3E219-4EBB-8DE8-0966-E4317399395E}"/>
+              </a:ext>
+            </a:extLst>
+          </p:cNvPr>
+          <p:cNvSpPr/>
+          <p:nvPr/>
+        </p:nvSpPr>
+        <p:spPr>
+          <a:xfrm>
+            <a:off x="7811013" y="528014"/>
+            <a:ext cx="952500" cy="298200"/>
+          </a:xfrm>
+          <a:prstGeom prst="rect">
+            <a:avLst/>
+          </a:prstGeom>
+          <a:noFill/>
+          <a:ln>
+            <a:noFill/>
+          </a:ln>
+        </p:spPr>
+        <p:txBody>
+          <a:bodyPr spcFirstLastPara="1" wrap="square" lIns="19050" tIns="19050" rIns="19050" bIns="19050" anchor="t" anchorCtr="0">
+            <a:noAutofit/>
+          </a:bodyPr>
+          <a:lstStyle/>
+          <a:p>
+            <a:pPr marL="63500" marR="0" lvl="1" indent="0" algn="l" rtl="0">
+              <a:lnSpc>
+                <a:spcPct val="90000"/>
+              </a:lnSpc>
+              <a:spcBef>
+                <a:spcPts val="0"/>
+              </a:spcBef>
+              <a:spcAft>
+                <a:spcPts val="0"/>
+              </a:spcAft>
+              <a:buNone/>
+            </a:pPr>
+            <a:r>
+              <a:rPr lang="en-US" altLang="ko" sz="1200" b="1" i="0" u="none" strike="noStrike" cap="none" dirty="0">
+                <a:solidFill>
+                  <a:schemeClr val="bg1"/>
+                </a:solidFill>
+                <a:latin typeface="Arial"/>
+                <a:ea typeface="Arial"/>
+                <a:cs typeface="Arial"/>
+                <a:sym typeface="Arial"/>
+              </a:rPr>
+              <a:t>4</a:t>
+            </a:r>
+            <a:r>
+              <a:rPr lang="ko" sz="1200" b="1" i="0" u="none" strike="noStrike" cap="none" dirty="0">
+                <a:solidFill>
+                  <a:schemeClr val="bg1"/>
+                </a:solidFill>
+                <a:latin typeface="Arial"/>
+                <a:ea typeface="Arial"/>
+                <a:cs typeface="Arial"/>
+                <a:sym typeface="Arial"/>
+              </a:rPr>
+              <a:t>.</a:t>
+            </a:r>
+            <a:endParaRPr sz="500" dirty="0">
+              <a:solidFill>
+                <a:schemeClr val="bg1"/>
+              </a:solidFill>
+            </a:endParaRPr>
+          </a:p>
+        </p:txBody>
+      </p:sp>
+      <p:sp>
+        <p:nvSpPr>
+          <p:cNvPr id="8" name="Google Shape;210;p30">
+            <a:extLst>
+              <a:ext uri="{FF2B5EF4-FFF2-40B4-BE49-F238E27FC236}">
+                <a16:creationId xmlns:a16="http://schemas.microsoft.com/office/drawing/2014/main" id="{8CB63A74-B5C7-DCAA-53F5-96E44004D694}"/>
+              </a:ext>
+            </a:extLst>
+          </p:cNvPr>
+          <p:cNvSpPr/>
+          <p:nvPr/>
+        </p:nvSpPr>
+        <p:spPr>
+          <a:xfrm>
+            <a:off x="7811013" y="825047"/>
+            <a:ext cx="952500" cy="293400"/>
+          </a:xfrm>
+          <a:prstGeom prst="rect">
+            <a:avLst/>
+          </a:prstGeom>
+          <a:noFill/>
+          <a:ln>
+            <a:noFill/>
+          </a:ln>
+        </p:spPr>
+        <p:txBody>
+          <a:bodyPr spcFirstLastPara="1" wrap="square" lIns="19050" tIns="19050" rIns="19050" bIns="19050" anchor="t" anchorCtr="0">
+            <a:noAutofit/>
+          </a:bodyPr>
+          <a:lstStyle/>
+          <a:p>
+            <a:pPr marL="63500" marR="0" lvl="1" indent="0" algn="l" rtl="0">
+              <a:spcBef>
+                <a:spcPts val="200"/>
+              </a:spcBef>
+              <a:spcAft>
+                <a:spcPts val="0"/>
+              </a:spcAft>
+              <a:buClr>
+                <a:srgbClr val="000000"/>
+              </a:buClr>
+              <a:buFont typeface="Arial"/>
+              <a:buNone/>
+            </a:pPr>
+            <a:r>
+              <a:rPr lang="en-US" altLang="ko-KR" sz="800" dirty="0">
+                <a:solidFill>
+                  <a:schemeClr val="bg1"/>
+                </a:solidFill>
+              </a:rPr>
+              <a:t>Elasticsearch</a:t>
+            </a:r>
+            <a:endParaRPr lang="ko-KR" altLang="en-US" sz="800" dirty="0">
+              <a:solidFill>
+                <a:schemeClr val="bg1"/>
+              </a:solidFill>
+            </a:endParaRPr>
+          </a:p>
+        </p:txBody>
+      </p:sp>
+    </p:spTree>
+    <p:extLst>
+      <p:ext uri="{BB962C8B-B14F-4D97-AF65-F5344CB8AC3E}">
+        <p14:creationId xmlns:p14="http://schemas.microsoft.com/office/powerpoint/2010/main" val="2635958061"/>
       </p:ext>
     </p:extLst>
   </p:cSld>
@@ -12998,32 +16500,52 @@
               <a:buNone/>
             </a:pPr>
             <a:r>
-              <a:rPr lang="en-US" altLang="ko-KR" dirty="0"/>
-              <a:t>1. </a:t>
-            </a:r>
-            <a:r>
-              <a:rPr lang="ko-KR" altLang="en-US" dirty="0"/>
-              <a:t>결제 재처리</a:t>
+              <a:rPr lang="ko-KR" altLang="en-US" dirty="0"/>
+              <a:t>고객 피드백</a:t>
             </a:r>
             <a:endParaRPr lang="en-US" altLang="ko-KR" dirty="0"/>
           </a:p>
           <a:p>
-            <a:pPr marL="0" indent="0">
-              <a:buNone/>
+            <a:pPr marL="627063" lvl="1" indent="-284163">
+              <a:buFont typeface="+mj-lt"/>
+              <a:buAutoNum type="arabicPeriod"/>
             </a:pPr>
-            <a:endParaRPr lang="en-US" altLang="ko-KR" sz="100" dirty="0"/>
-          </a:p>
-          <a:p>
-            <a:pPr marL="0" indent="0">
-              <a:buNone/>
+            <a:r>
+              <a:rPr lang="ko-KR" altLang="en-US" dirty="0"/>
+              <a:t>결제가 가끔 실패해요</a:t>
+            </a:r>
+            <a:r>
+              <a:rPr lang="en-US" altLang="ko-KR" dirty="0"/>
+              <a:t>.</a:t>
+            </a:r>
+          </a:p>
+          <a:p>
+            <a:pPr lvl="2"/>
+            <a:r>
+              <a:rPr lang="ko-KR" altLang="en-US" dirty="0"/>
+              <a:t>결제 재처리 기능 필요</a:t>
+            </a:r>
+            <a:endParaRPr lang="en-US" altLang="ko-KR" dirty="0"/>
+          </a:p>
+          <a:p>
+            <a:pPr marL="685800" lvl="1" indent="-342900">
+              <a:buFont typeface="+mj-lt"/>
+              <a:buAutoNum type="arabicPeriod"/>
             </a:pPr>
             <a:r>
-              <a:rPr lang="en-US" altLang="ko-KR" dirty="0"/>
-              <a:t>2. </a:t>
-            </a:r>
-            <a:r>
-              <a:rPr lang="ko-KR" altLang="en-US" dirty="0"/>
-              <a:t>결제 이력 조회성능 개선</a:t>
+              <a:rPr lang="ko-KR" altLang="en-US" dirty="0"/>
+              <a:t>구매내역 조회가 너무 느려요</a:t>
+            </a:r>
+            <a:r>
+              <a:rPr lang="en-US" altLang="ko-KR" dirty="0"/>
+              <a:t>.</a:t>
+            </a:r>
+          </a:p>
+          <a:p>
+            <a:pPr lvl="2"/>
+            <a:r>
+              <a:rPr lang="ko-KR" altLang="en-US" dirty="0"/>
+              <a:t>결제 이력 조회성능 개선 필요</a:t>
             </a:r>
             <a:endParaRPr lang="en-US" altLang="ko-KR" dirty="0"/>
           </a:p>
@@ -14045,6 +17567,448 @@
   <p:clrMapOvr>
     <a:masterClrMapping/>
   </p:clrMapOvr>
+  <p:timing>
+    <p:tnLst>
+      <p:par>
+        <p:cTn id="1" dur="indefinite" restart="never" nodeType="tmRoot">
+          <p:childTnLst>
+            <p:seq concurrent="1" nextAc="seek">
+              <p:cTn id="2" dur="indefinite" nodeType="mainSeq">
+                <p:childTnLst>
+                  <p:par>
+                    <p:cTn id="3" fill="hold">
+                      <p:stCondLst>
+                        <p:cond delay="indefinite"/>
+                      </p:stCondLst>
+                      <p:childTnLst>
+                        <p:par>
+                          <p:cTn id="4" fill="hold">
+                            <p:stCondLst>
+                              <p:cond delay="0"/>
+                            </p:stCondLst>
+                            <p:childTnLst>
+                              <p:par>
+                                <p:cTn id="5" presetID="1" presetClass="entr" presetSubtype="0" fill="hold" grpId="0" nodeType="clickEffect">
+                                  <p:stCondLst>
+                                    <p:cond delay="0"/>
+                                  </p:stCondLst>
+                                  <p:childTnLst>
+                                    <p:set>
+                                      <p:cBhvr>
+                                        <p:cTn id="6" dur="1" fill="hold">
+                                          <p:stCondLst>
+                                            <p:cond delay="0"/>
+                                          </p:stCondLst>
+                                        </p:cTn>
+                                        <p:tgtEl>
+                                          <p:spTgt spid="6"/>
+                                        </p:tgtEl>
+                                        <p:attrNameLst>
+                                          <p:attrName>style.visibility</p:attrName>
+                                        </p:attrNameLst>
+                                      </p:cBhvr>
+                                      <p:to>
+                                        <p:strVal val="visible"/>
+                                      </p:to>
+                                    </p:set>
+                                  </p:childTnLst>
+                                </p:cTn>
+                              </p:par>
+                            </p:childTnLst>
+                          </p:cTn>
+                        </p:par>
+                      </p:childTnLst>
+                    </p:cTn>
+                  </p:par>
+                  <p:par>
+                    <p:cTn id="7" fill="hold">
+                      <p:stCondLst>
+                        <p:cond delay="indefinite"/>
+                      </p:stCondLst>
+                      <p:childTnLst>
+                        <p:par>
+                          <p:cTn id="8" fill="hold">
+                            <p:stCondLst>
+                              <p:cond delay="0"/>
+                            </p:stCondLst>
+                            <p:childTnLst>
+                              <p:par>
+                                <p:cTn id="9" presetID="1" presetClass="entr" presetSubtype="0" fill="hold" grpId="0" nodeType="clickEffect">
+                                  <p:stCondLst>
+                                    <p:cond delay="0"/>
+                                  </p:stCondLst>
+                                  <p:childTnLst>
+                                    <p:set>
+                                      <p:cBhvr>
+                                        <p:cTn id="10" dur="1" fill="hold">
+                                          <p:stCondLst>
+                                            <p:cond delay="0"/>
+                                          </p:stCondLst>
+                                        </p:cTn>
+                                        <p:tgtEl>
+                                          <p:spTgt spid="3"/>
+                                        </p:tgtEl>
+                                        <p:attrNameLst>
+                                          <p:attrName>style.visibility</p:attrName>
+                                        </p:attrNameLst>
+                                      </p:cBhvr>
+                                      <p:to>
+                                        <p:strVal val="visible"/>
+                                      </p:to>
+                                    </p:set>
+                                  </p:childTnLst>
+                                </p:cTn>
+                              </p:par>
+                            </p:childTnLst>
+                          </p:cTn>
+                        </p:par>
+                      </p:childTnLst>
+                    </p:cTn>
+                  </p:par>
+                  <p:par>
+                    <p:cTn id="11" fill="hold">
+                      <p:stCondLst>
+                        <p:cond delay="indefinite"/>
+                      </p:stCondLst>
+                      <p:childTnLst>
+                        <p:par>
+                          <p:cTn id="12" fill="hold">
+                            <p:stCondLst>
+                              <p:cond delay="0"/>
+                            </p:stCondLst>
+                            <p:childTnLst>
+                              <p:par>
+                                <p:cTn id="13" presetID="1" presetClass="entr" presetSubtype="0" fill="hold" grpId="0" nodeType="clickEffect">
+                                  <p:stCondLst>
+                                    <p:cond delay="0"/>
+                                  </p:stCondLst>
+                                  <p:childTnLst>
+                                    <p:set>
+                                      <p:cBhvr>
+                                        <p:cTn id="14" dur="1" fill="hold">
+                                          <p:stCondLst>
+                                            <p:cond delay="0"/>
+                                          </p:stCondLst>
+                                        </p:cTn>
+                                        <p:tgtEl>
+                                          <p:spTgt spid="4"/>
+                                        </p:tgtEl>
+                                        <p:attrNameLst>
+                                          <p:attrName>style.visibility</p:attrName>
+                                        </p:attrNameLst>
+                                      </p:cBhvr>
+                                      <p:to>
+                                        <p:strVal val="visible"/>
+                                      </p:to>
+                                    </p:set>
+                                  </p:childTnLst>
+                                </p:cTn>
+                              </p:par>
+                            </p:childTnLst>
+                          </p:cTn>
+                        </p:par>
+                      </p:childTnLst>
+                    </p:cTn>
+                  </p:par>
+                  <p:par>
+                    <p:cTn id="15" fill="hold">
+                      <p:stCondLst>
+                        <p:cond delay="indefinite"/>
+                      </p:stCondLst>
+                      <p:childTnLst>
+                        <p:par>
+                          <p:cTn id="16" fill="hold">
+                            <p:stCondLst>
+                              <p:cond delay="0"/>
+                            </p:stCondLst>
+                            <p:childTnLst>
+                              <p:par>
+                                <p:cTn id="17" presetID="1" presetClass="entr" presetSubtype="0" fill="hold" nodeType="clickEffect">
+                                  <p:stCondLst>
+                                    <p:cond delay="0"/>
+                                  </p:stCondLst>
+                                  <p:childTnLst>
+                                    <p:set>
+                                      <p:cBhvr>
+                                        <p:cTn id="18" dur="1" fill="hold">
+                                          <p:stCondLst>
+                                            <p:cond delay="0"/>
+                                          </p:stCondLst>
+                                        </p:cTn>
+                                        <p:tgtEl>
+                                          <p:spTgt spid="10"/>
+                                        </p:tgtEl>
+                                        <p:attrNameLst>
+                                          <p:attrName>style.visibility</p:attrName>
+                                        </p:attrNameLst>
+                                      </p:cBhvr>
+                                      <p:to>
+                                        <p:strVal val="visible"/>
+                                      </p:to>
+                                    </p:set>
+                                  </p:childTnLst>
+                                </p:cTn>
+                              </p:par>
+                            </p:childTnLst>
+                          </p:cTn>
+                        </p:par>
+                      </p:childTnLst>
+                    </p:cTn>
+                  </p:par>
+                  <p:par>
+                    <p:cTn id="19" fill="hold">
+                      <p:stCondLst>
+                        <p:cond delay="indefinite"/>
+                      </p:stCondLst>
+                      <p:childTnLst>
+                        <p:par>
+                          <p:cTn id="20" fill="hold">
+                            <p:stCondLst>
+                              <p:cond delay="0"/>
+                            </p:stCondLst>
+                            <p:childTnLst>
+                              <p:par>
+                                <p:cTn id="21" presetID="1" presetClass="entr" presetSubtype="0" fill="hold" grpId="0" nodeType="clickEffect">
+                                  <p:stCondLst>
+                                    <p:cond delay="0"/>
+                                  </p:stCondLst>
+                                  <p:childTnLst>
+                                    <p:set>
+                                      <p:cBhvr>
+                                        <p:cTn id="22" dur="1" fill="hold">
+                                          <p:stCondLst>
+                                            <p:cond delay="0"/>
+                                          </p:stCondLst>
+                                        </p:cTn>
+                                        <p:tgtEl>
+                                          <p:spTgt spid="5"/>
+                                        </p:tgtEl>
+                                        <p:attrNameLst>
+                                          <p:attrName>style.visibility</p:attrName>
+                                        </p:attrNameLst>
+                                      </p:cBhvr>
+                                      <p:to>
+                                        <p:strVal val="visible"/>
+                                      </p:to>
+                                    </p:set>
+                                  </p:childTnLst>
+                                </p:cTn>
+                              </p:par>
+                            </p:childTnLst>
+                          </p:cTn>
+                        </p:par>
+                      </p:childTnLst>
+                    </p:cTn>
+                  </p:par>
+                  <p:par>
+                    <p:cTn id="23" fill="hold">
+                      <p:stCondLst>
+                        <p:cond delay="indefinite"/>
+                      </p:stCondLst>
+                      <p:childTnLst>
+                        <p:par>
+                          <p:cTn id="24" fill="hold">
+                            <p:stCondLst>
+                              <p:cond delay="0"/>
+                            </p:stCondLst>
+                            <p:childTnLst>
+                              <p:par>
+                                <p:cTn id="25" presetID="1" presetClass="entr" presetSubtype="0" fill="hold" nodeType="clickEffect">
+                                  <p:stCondLst>
+                                    <p:cond delay="0"/>
+                                  </p:stCondLst>
+                                  <p:childTnLst>
+                                    <p:set>
+                                      <p:cBhvr>
+                                        <p:cTn id="26" dur="1" fill="hold">
+                                          <p:stCondLst>
+                                            <p:cond delay="0"/>
+                                          </p:stCondLst>
+                                        </p:cTn>
+                                        <p:tgtEl>
+                                          <p:spTgt spid="11"/>
+                                        </p:tgtEl>
+                                        <p:attrNameLst>
+                                          <p:attrName>style.visibility</p:attrName>
+                                        </p:attrNameLst>
+                                      </p:cBhvr>
+                                      <p:to>
+                                        <p:strVal val="visible"/>
+                                      </p:to>
+                                    </p:set>
+                                  </p:childTnLst>
+                                </p:cTn>
+                              </p:par>
+                            </p:childTnLst>
+                          </p:cTn>
+                        </p:par>
+                      </p:childTnLst>
+                    </p:cTn>
+                  </p:par>
+                  <p:par>
+                    <p:cTn id="27" fill="hold">
+                      <p:stCondLst>
+                        <p:cond delay="indefinite"/>
+                      </p:stCondLst>
+                      <p:childTnLst>
+                        <p:par>
+                          <p:cTn id="28" fill="hold">
+                            <p:stCondLst>
+                              <p:cond delay="0"/>
+                            </p:stCondLst>
+                            <p:childTnLst>
+                              <p:par>
+                                <p:cTn id="29" presetID="1" presetClass="entr" presetSubtype="0" fill="hold" nodeType="clickEffect">
+                                  <p:stCondLst>
+                                    <p:cond delay="0"/>
+                                  </p:stCondLst>
+                                  <p:childTnLst>
+                                    <p:set>
+                                      <p:cBhvr>
+                                        <p:cTn id="30" dur="1" fill="hold">
+                                          <p:stCondLst>
+                                            <p:cond delay="0"/>
+                                          </p:stCondLst>
+                                        </p:cTn>
+                                        <p:tgtEl>
+                                          <p:spTgt spid="14"/>
+                                        </p:tgtEl>
+                                        <p:attrNameLst>
+                                          <p:attrName>style.visibility</p:attrName>
+                                        </p:attrNameLst>
+                                      </p:cBhvr>
+                                      <p:to>
+                                        <p:strVal val="visible"/>
+                                      </p:to>
+                                    </p:set>
+                                  </p:childTnLst>
+                                </p:cTn>
+                              </p:par>
+                            </p:childTnLst>
+                          </p:cTn>
+                        </p:par>
+                      </p:childTnLst>
+                    </p:cTn>
+                  </p:par>
+                  <p:par>
+                    <p:cTn id="31" fill="hold">
+                      <p:stCondLst>
+                        <p:cond delay="indefinite"/>
+                      </p:stCondLst>
+                      <p:childTnLst>
+                        <p:par>
+                          <p:cTn id="32" fill="hold">
+                            <p:stCondLst>
+                              <p:cond delay="0"/>
+                            </p:stCondLst>
+                            <p:childTnLst>
+                              <p:par>
+                                <p:cTn id="33" presetID="1" presetClass="entr" presetSubtype="0" fill="hold" nodeType="clickEffect">
+                                  <p:stCondLst>
+                                    <p:cond delay="0"/>
+                                  </p:stCondLst>
+                                  <p:childTnLst>
+                                    <p:set>
+                                      <p:cBhvr>
+                                        <p:cTn id="34" dur="1" fill="hold">
+                                          <p:stCondLst>
+                                            <p:cond delay="0"/>
+                                          </p:stCondLst>
+                                        </p:cTn>
+                                        <p:tgtEl>
+                                          <p:spTgt spid="17"/>
+                                        </p:tgtEl>
+                                        <p:attrNameLst>
+                                          <p:attrName>style.visibility</p:attrName>
+                                        </p:attrNameLst>
+                                      </p:cBhvr>
+                                      <p:to>
+                                        <p:strVal val="visible"/>
+                                      </p:to>
+                                    </p:set>
+                                  </p:childTnLst>
+                                </p:cTn>
+                              </p:par>
+                            </p:childTnLst>
+                          </p:cTn>
+                        </p:par>
+                      </p:childTnLst>
+                    </p:cTn>
+                  </p:par>
+                  <p:par>
+                    <p:cTn id="35" fill="hold">
+                      <p:stCondLst>
+                        <p:cond delay="indefinite"/>
+                      </p:stCondLst>
+                      <p:childTnLst>
+                        <p:par>
+                          <p:cTn id="36" fill="hold">
+                            <p:stCondLst>
+                              <p:cond delay="0"/>
+                            </p:stCondLst>
+                            <p:childTnLst>
+                              <p:par>
+                                <p:cTn id="37" presetID="1" presetClass="entr" presetSubtype="0" fill="hold" grpId="0" nodeType="clickEffect">
+                                  <p:stCondLst>
+                                    <p:cond delay="0"/>
+                                  </p:stCondLst>
+                                  <p:childTnLst>
+                                    <p:set>
+                                      <p:cBhvr>
+                                        <p:cTn id="38" dur="1" fill="hold">
+                                          <p:stCondLst>
+                                            <p:cond delay="0"/>
+                                          </p:stCondLst>
+                                        </p:cTn>
+                                        <p:tgtEl>
+                                          <p:spTgt spid="22"/>
+                                        </p:tgtEl>
+                                        <p:attrNameLst>
+                                          <p:attrName>style.visibility</p:attrName>
+                                        </p:attrNameLst>
+                                      </p:cBhvr>
+                                      <p:to>
+                                        <p:strVal val="visible"/>
+                                      </p:to>
+                                    </p:set>
+                                  </p:childTnLst>
+                                </p:cTn>
+                              </p:par>
+                            </p:childTnLst>
+                          </p:cTn>
+                        </p:par>
+                      </p:childTnLst>
+                    </p:cTn>
+                  </p:par>
+                </p:childTnLst>
+              </p:cTn>
+              <p:prevCondLst>
+                <p:cond evt="onPrev" delay="0">
+                  <p:tgtEl>
+                    <p:sldTgt/>
+                  </p:tgtEl>
+                </p:cond>
+              </p:prevCondLst>
+              <p:nextCondLst>
+                <p:cond evt="onNext" delay="0">
+                  <p:tgtEl>
+                    <p:sldTgt/>
+                  </p:tgtEl>
+                </p:cond>
+              </p:nextCondLst>
+            </p:seq>
+          </p:childTnLst>
+        </p:cTn>
+      </p:par>
+    </p:tnLst>
+    <p:bldLst>
+      <p:bldP spid="3" grpId="0" animBg="1"/>
+      <p:bldP spid="4" grpId="0" animBg="1"/>
+      <p:bldP spid="5" grpId="0" animBg="1"/>
+      <p:bldP spid="6" grpId="0" animBg="1"/>
+      <p:bldP spid="22" grpId="0" animBg="1"/>
+    </p:bldLst>
+  </p:timing>
 </p:sld>
 </file>
 
@@ -14379,7 +18343,7 @@
         <p:spPr>
           <a:xfrm>
             <a:off x="4721470" y="1868115"/>
-            <a:ext cx="2141164" cy="1821011"/>
+            <a:ext cx="2296654" cy="2559675"/>
           </a:xfrm>
           <a:prstGeom prst="rect">
             <a:avLst/>
@@ -14484,6 +18448,47 @@
               <a:rPr lang="en-US" altLang="ko-KR" sz="2400" dirty="0"/>
               <a:t>8 sec</a:t>
             </a:r>
+          </a:p>
+          <a:p>
+            <a:r>
+              <a:rPr lang="en-US" altLang="ko-KR" sz="2400" dirty="0"/>
+              <a:t>Retry 4</a:t>
+            </a:r>
+            <a:r>
+              <a:rPr lang="en-US" altLang="ko-KR" sz="2000" dirty="0"/>
+              <a:t> </a:t>
+            </a:r>
+            <a:r>
+              <a:rPr lang="en-US" altLang="ko-KR" sz="2000" dirty="0">
+                <a:solidFill>
+                  <a:schemeClr val="tx1">
+                    <a:lumMod val="50000"/>
+                    <a:lumOff val="50000"/>
+                  </a:schemeClr>
+                </a:solidFill>
+                <a:sym typeface="Wingdings" panose="05000000000000000000" pitchFamily="2" charset="2"/>
+              </a:rPr>
+              <a:t></a:t>
+            </a:r>
+            <a:r>
+              <a:rPr lang="en-US" altLang="ko-KR" sz="2000" dirty="0">
+                <a:sym typeface="Wingdings" panose="05000000000000000000" pitchFamily="2" charset="2"/>
+              </a:rPr>
+              <a:t> </a:t>
+            </a:r>
+            <a:r>
+              <a:rPr lang="en-US" altLang="ko-KR" sz="2400" dirty="0">
+                <a:sym typeface="Wingdings" panose="05000000000000000000" pitchFamily="2" charset="2"/>
+              </a:rPr>
+              <a:t>16</a:t>
+            </a:r>
+            <a:r>
+              <a:rPr lang="en-US" altLang="ko-KR" sz="2400" dirty="0"/>
+              <a:t> sec</a:t>
+            </a:r>
+          </a:p>
+          <a:p>
+            <a:endParaRPr lang="en-US" altLang="ko-KR" sz="2400" dirty="0"/>
           </a:p>
         </p:txBody>
       </p:sp>
@@ -15634,98 +19639,6 @@
               </a:rPr>
               <a:t>결제 재처리</a:t>
             </a:r>
-          </a:p>
-        </p:txBody>
-      </p:sp>
-      <p:sp>
-        <p:nvSpPr>
-          <p:cNvPr id="3" name="사각형: 둥근 모서리 2">
-            <a:extLst>
-              <a:ext uri="{FF2B5EF4-FFF2-40B4-BE49-F238E27FC236}">
-                <a16:creationId xmlns:a16="http://schemas.microsoft.com/office/drawing/2014/main" id="{D7748DA3-ED09-3AC0-FB94-366000B3A749}"/>
-              </a:ext>
-            </a:extLst>
-          </p:cNvPr>
-          <p:cNvSpPr/>
-          <p:nvPr/>
-        </p:nvSpPr>
-        <p:spPr>
-          <a:xfrm>
-            <a:off x="1232453" y="2372139"/>
-            <a:ext cx="1073426" cy="755374"/>
-          </a:xfrm>
-          <a:prstGeom prst="roundRect">
-            <a:avLst/>
-          </a:prstGeom>
-          <a:noFill/>
-          <a:ln w="19050" cap="flat" cmpd="sng" algn="ctr">
-            <a:solidFill>
-              <a:schemeClr val="dk1"/>
-            </a:solidFill>
-            <a:prstDash val="solid"/>
-            <a:round/>
-            <a:headEnd type="none" w="med" len="med"/>
-            <a:tailEnd type="none" w="med" len="med"/>
-          </a:ln>
-        </p:spPr>
-        <p:style>
-          <a:lnRef idx="0">
-            <a:scrgbClr r="0" g="0" b="0"/>
-          </a:lnRef>
-          <a:fillRef idx="0">
-            <a:scrgbClr r="0" g="0" b="0"/>
-          </a:fillRef>
-          <a:effectRef idx="0">
-            <a:scrgbClr r="0" g="0" b="0"/>
-          </a:effectRef>
-          <a:fontRef idx="minor">
-            <a:schemeClr val="dk1"/>
-          </a:fontRef>
-        </p:style>
-        <p:txBody>
-          <a:bodyPr rtlCol="0" anchor="ctr"/>
-          <a:lstStyle/>
-          <a:p>
-            <a:pPr algn="ctr"/>
-            <a:r>
-              <a:rPr lang="ko-KR" altLang="en-US" sz="1200" b="1" dirty="0">
-                <a:latin typeface="Spoqa Han Sans Neo Bold" panose="020B0800000000000000" pitchFamily="34" charset="-127"/>
-                <a:ea typeface="Spoqa Han Sans Neo Bold" panose="020B0800000000000000" pitchFamily="34" charset="-127"/>
-              </a:rPr>
-              <a:t>결제 서비스</a:t>
-            </a:r>
-            <a:endParaRPr lang="en-US" altLang="ko-KR" sz="1200" b="1" dirty="0">
-              <a:latin typeface="Spoqa Han Sans Neo Bold" panose="020B0800000000000000" pitchFamily="34" charset="-127"/>
-              <a:ea typeface="Spoqa Han Sans Neo Bold" panose="020B0800000000000000" pitchFamily="34" charset="-127"/>
-            </a:endParaRPr>
-          </a:p>
-          <a:p>
-            <a:pPr algn="ctr"/>
-            <a:r>
-              <a:rPr lang="en-US" altLang="ko-KR" sz="1200" b="1" dirty="0">
-                <a:latin typeface="Spoqa Han Sans Neo Bold" panose="020B0800000000000000" pitchFamily="34" charset="-127"/>
-                <a:ea typeface="Spoqa Han Sans Neo Bold" panose="020B0800000000000000" pitchFamily="34" charset="-127"/>
-              </a:rPr>
-              <a:t>(</a:t>
-            </a:r>
-            <a:r>
-              <a:rPr lang="en-US" altLang="ko-KR" sz="1200" b="1" dirty="0" err="1">
-                <a:latin typeface="Spoqa Han Sans Neo Bold" panose="020B0800000000000000" pitchFamily="34" charset="-127"/>
-                <a:ea typeface="Spoqa Han Sans Neo Bold" panose="020B0800000000000000" pitchFamily="34" charset="-127"/>
-              </a:rPr>
-              <a:t>Webflux</a:t>
-            </a:r>
-            <a:r>
-              <a:rPr lang="en-US" altLang="ko-KR" sz="1200" b="1" dirty="0">
-                <a:latin typeface="Spoqa Han Sans Neo Bold" panose="020B0800000000000000" pitchFamily="34" charset="-127"/>
-                <a:ea typeface="Spoqa Han Sans Neo Bold" panose="020B0800000000000000" pitchFamily="34" charset="-127"/>
-              </a:rPr>
-              <a:t>)</a:t>
-            </a:r>
-            <a:endParaRPr lang="ko-KR" altLang="en-US" sz="1200" b="1" dirty="0">
-              <a:latin typeface="Spoqa Han Sans Neo Bold" panose="020B0800000000000000" pitchFamily="34" charset="-127"/>
-              <a:ea typeface="Spoqa Han Sans Neo Bold" panose="020B0800000000000000" pitchFamily="34" charset="-127"/>
-            </a:endParaRPr>
           </a:p>
         </p:txBody>
       </p:sp>
@@ -15891,54 +19804,167 @@
           </a:fontRef>
         </p:style>
       </p:cxnSp>
-      <p:sp>
-        <p:nvSpPr>
-          <p:cNvPr id="13" name="타원 12">
+      <p:grpSp>
+        <p:nvGrpSpPr>
+          <p:cNvPr id="4" name="그룹 3">
             <a:extLst>
               <a:ext uri="{FF2B5EF4-FFF2-40B4-BE49-F238E27FC236}">
-                <a16:creationId xmlns:a16="http://schemas.microsoft.com/office/drawing/2014/main" id="{2ADBCE48-843F-C883-717F-C0F591473D70}"/>
+                <a16:creationId xmlns:a16="http://schemas.microsoft.com/office/drawing/2014/main" id="{EBEEC8B8-2E38-D761-1B62-7F51F8C6C3D2}"/>
               </a:ext>
             </a:extLst>
           </p:cNvPr>
-          <p:cNvSpPr/>
+          <p:cNvGrpSpPr/>
           <p:nvPr/>
-        </p:nvSpPr>
-        <p:spPr>
+        </p:nvGrpSpPr>
+        <p:grpSpPr>
           <a:xfrm>
-            <a:off x="2263971" y="2915810"/>
-            <a:ext cx="45719" cy="45719"/>
+            <a:off x="1232453" y="2372139"/>
+            <a:ext cx="1077237" cy="755374"/>
+            <a:chOff x="1232453" y="2372139"/>
+            <a:chExt cx="1077237" cy="755374"/>
           </a:xfrm>
-          <a:prstGeom prst="ellipse">
-            <a:avLst/>
-          </a:prstGeom>
-          <a:noFill/>
-          <a:ln w="3175"/>
-        </p:spPr>
-        <p:style>
-          <a:lnRef idx="2">
-            <a:schemeClr val="accent1">
-              <a:shade val="15000"/>
-            </a:schemeClr>
-          </a:lnRef>
-          <a:fillRef idx="1">
-            <a:schemeClr val="accent1"/>
-          </a:fillRef>
-          <a:effectRef idx="0">
-            <a:schemeClr val="accent1"/>
-          </a:effectRef>
-          <a:fontRef idx="minor">
-            <a:schemeClr val="lt1"/>
-          </a:fontRef>
-        </p:style>
-        <p:txBody>
-          <a:bodyPr rtlCol="0" anchor="ctr"/>
-          <a:lstStyle/>
-          <a:p>
-            <a:pPr algn="ctr"/>
-            <a:endParaRPr lang="ko-KR" altLang="en-US"/>
-          </a:p>
-        </p:txBody>
-      </p:sp>
+        </p:grpSpPr>
+        <p:sp>
+          <p:nvSpPr>
+            <p:cNvPr id="3" name="사각형: 둥근 모서리 2">
+              <a:extLst>
+                <a:ext uri="{FF2B5EF4-FFF2-40B4-BE49-F238E27FC236}">
+                  <a16:creationId xmlns:a16="http://schemas.microsoft.com/office/drawing/2014/main" id="{D7748DA3-ED09-3AC0-FB94-366000B3A749}"/>
+                </a:ext>
+              </a:extLst>
+            </p:cNvPr>
+            <p:cNvSpPr/>
+            <p:nvPr/>
+          </p:nvSpPr>
+          <p:spPr>
+            <a:xfrm>
+              <a:off x="1232453" y="2372139"/>
+              <a:ext cx="1073426" cy="755374"/>
+            </a:xfrm>
+            <a:prstGeom prst="roundRect">
+              <a:avLst/>
+            </a:prstGeom>
+            <a:noFill/>
+            <a:ln w="19050" cap="flat" cmpd="sng" algn="ctr">
+              <a:solidFill>
+                <a:schemeClr val="dk1"/>
+              </a:solidFill>
+              <a:prstDash val="solid"/>
+              <a:round/>
+              <a:headEnd type="none" w="med" len="med"/>
+              <a:tailEnd type="none" w="med" len="med"/>
+            </a:ln>
+          </p:spPr>
+          <p:style>
+            <a:lnRef idx="0">
+              <a:scrgbClr r="0" g="0" b="0"/>
+            </a:lnRef>
+            <a:fillRef idx="0">
+              <a:scrgbClr r="0" g="0" b="0"/>
+            </a:fillRef>
+            <a:effectRef idx="0">
+              <a:scrgbClr r="0" g="0" b="0"/>
+            </a:effectRef>
+            <a:fontRef idx="minor">
+              <a:schemeClr val="dk1"/>
+            </a:fontRef>
+          </p:style>
+          <p:txBody>
+            <a:bodyPr rtlCol="0" anchor="ctr"/>
+            <a:lstStyle/>
+            <a:p>
+              <a:pPr algn="ctr"/>
+              <a:r>
+                <a:rPr lang="ko-KR" altLang="en-US" sz="1200" b="1" dirty="0">
+                  <a:latin typeface="Spoqa Han Sans Neo Bold" panose="020B0800000000000000" pitchFamily="34" charset="-127"/>
+                  <a:ea typeface="Spoqa Han Sans Neo Bold" panose="020B0800000000000000" pitchFamily="34" charset="-127"/>
+                </a:rPr>
+                <a:t>결제 서비스</a:t>
+              </a:r>
+              <a:endParaRPr lang="en-US" altLang="ko-KR" sz="1200" b="1" dirty="0">
+                <a:latin typeface="Spoqa Han Sans Neo Bold" panose="020B0800000000000000" pitchFamily="34" charset="-127"/>
+                <a:ea typeface="Spoqa Han Sans Neo Bold" panose="020B0800000000000000" pitchFamily="34" charset="-127"/>
+              </a:endParaRPr>
+            </a:p>
+            <a:p>
+              <a:pPr algn="ctr"/>
+              <a:r>
+                <a:rPr lang="en-US" altLang="ko-KR" sz="1200" b="1" dirty="0">
+                  <a:latin typeface="Spoqa Han Sans Neo Bold" panose="020B0800000000000000" pitchFamily="34" charset="-127"/>
+                  <a:ea typeface="Spoqa Han Sans Neo Bold" panose="020B0800000000000000" pitchFamily="34" charset="-127"/>
+                </a:rPr>
+                <a:t>(</a:t>
+              </a:r>
+              <a:r>
+                <a:rPr lang="en-US" altLang="ko-KR" sz="1200" b="1" dirty="0" err="1">
+                  <a:latin typeface="Spoqa Han Sans Neo Bold" panose="020B0800000000000000" pitchFamily="34" charset="-127"/>
+                  <a:ea typeface="Spoqa Han Sans Neo Bold" panose="020B0800000000000000" pitchFamily="34" charset="-127"/>
+                </a:rPr>
+                <a:t>Webflux</a:t>
+              </a:r>
+              <a:r>
+                <a:rPr lang="en-US" altLang="ko-KR" sz="1200" b="1" dirty="0">
+                  <a:latin typeface="Spoqa Han Sans Neo Bold" panose="020B0800000000000000" pitchFamily="34" charset="-127"/>
+                  <a:ea typeface="Spoqa Han Sans Neo Bold" panose="020B0800000000000000" pitchFamily="34" charset="-127"/>
+                </a:rPr>
+                <a:t>)</a:t>
+              </a:r>
+              <a:endParaRPr lang="ko-KR" altLang="en-US" sz="1200" b="1" dirty="0">
+                <a:latin typeface="Spoqa Han Sans Neo Bold" panose="020B0800000000000000" pitchFamily="34" charset="-127"/>
+                <a:ea typeface="Spoqa Han Sans Neo Bold" panose="020B0800000000000000" pitchFamily="34" charset="-127"/>
+              </a:endParaRPr>
+            </a:p>
+          </p:txBody>
+        </p:sp>
+        <p:sp>
+          <p:nvSpPr>
+            <p:cNvPr id="13" name="타원 12">
+              <a:extLst>
+                <a:ext uri="{FF2B5EF4-FFF2-40B4-BE49-F238E27FC236}">
+                  <a16:creationId xmlns:a16="http://schemas.microsoft.com/office/drawing/2014/main" id="{2ADBCE48-843F-C883-717F-C0F591473D70}"/>
+                </a:ext>
+              </a:extLst>
+            </p:cNvPr>
+            <p:cNvSpPr/>
+            <p:nvPr/>
+          </p:nvSpPr>
+          <p:spPr>
+            <a:xfrm>
+              <a:off x="2263971" y="2915810"/>
+              <a:ext cx="45719" cy="45719"/>
+            </a:xfrm>
+            <a:prstGeom prst="ellipse">
+              <a:avLst/>
+            </a:prstGeom>
+            <a:noFill/>
+            <a:ln w="3175"/>
+          </p:spPr>
+          <p:style>
+            <a:lnRef idx="2">
+              <a:schemeClr val="accent1">
+                <a:shade val="15000"/>
+              </a:schemeClr>
+            </a:lnRef>
+            <a:fillRef idx="1">
+              <a:schemeClr val="accent1"/>
+            </a:fillRef>
+            <a:effectRef idx="0">
+              <a:schemeClr val="accent1"/>
+            </a:effectRef>
+            <a:fontRef idx="minor">
+              <a:schemeClr val="lt1"/>
+            </a:fontRef>
+          </p:style>
+          <p:txBody>
+            <a:bodyPr rtlCol="0" anchor="ctr"/>
+            <a:lstStyle/>
+            <a:p>
+              <a:pPr algn="ctr"/>
+              <a:endParaRPr lang="ko-KR" altLang="en-US"/>
+            </a:p>
+          </p:txBody>
+        </p:sp>
+      </p:grpSp>
       <p:sp>
         <p:nvSpPr>
           <p:cNvPr id="20" name="사각형: 둥근 모서리 19">
@@ -16065,6 +20091,310 @@
   <p:clrMapOvr>
     <a:masterClrMapping/>
   </p:clrMapOvr>
+  <p:timing>
+    <p:tnLst>
+      <p:par>
+        <p:cTn id="1" dur="indefinite" restart="never" nodeType="tmRoot">
+          <p:childTnLst>
+            <p:seq concurrent="1" nextAc="seek">
+              <p:cTn id="2" dur="indefinite" nodeType="mainSeq">
+                <p:childTnLst>
+                  <p:par>
+                    <p:cTn id="3" fill="hold">
+                      <p:stCondLst>
+                        <p:cond delay="indefinite"/>
+                      </p:stCondLst>
+                      <p:childTnLst>
+                        <p:par>
+                          <p:cTn id="4" fill="hold">
+                            <p:stCondLst>
+                              <p:cond delay="0"/>
+                            </p:stCondLst>
+                            <p:childTnLst>
+                              <p:par>
+                                <p:cTn id="5" presetID="1" presetClass="entr" presetSubtype="0" fill="hold" nodeType="clickEffect">
+                                  <p:stCondLst>
+                                    <p:cond delay="0"/>
+                                  </p:stCondLst>
+                                  <p:childTnLst>
+                                    <p:set>
+                                      <p:cBhvr>
+                                        <p:cTn id="6" dur="1" fill="hold">
+                                          <p:stCondLst>
+                                            <p:cond delay="0"/>
+                                          </p:stCondLst>
+                                        </p:cTn>
+                                        <p:tgtEl>
+                                          <p:spTgt spid="4"/>
+                                        </p:tgtEl>
+                                        <p:attrNameLst>
+                                          <p:attrName>style.visibility</p:attrName>
+                                        </p:attrNameLst>
+                                      </p:cBhvr>
+                                      <p:to>
+                                        <p:strVal val="visible"/>
+                                      </p:to>
+                                    </p:set>
+                                  </p:childTnLst>
+                                </p:cTn>
+                              </p:par>
+                            </p:childTnLst>
+                          </p:cTn>
+                        </p:par>
+                      </p:childTnLst>
+                    </p:cTn>
+                  </p:par>
+                  <p:par>
+                    <p:cTn id="7" fill="hold">
+                      <p:stCondLst>
+                        <p:cond delay="indefinite"/>
+                      </p:stCondLst>
+                      <p:childTnLst>
+                        <p:par>
+                          <p:cTn id="8" fill="hold">
+                            <p:stCondLst>
+                              <p:cond delay="0"/>
+                            </p:stCondLst>
+                            <p:childTnLst>
+                              <p:par>
+                                <p:cTn id="9" presetID="1" presetClass="entr" presetSubtype="0" fill="hold" grpId="0" nodeType="clickEffect">
+                                  <p:stCondLst>
+                                    <p:cond delay="0"/>
+                                  </p:stCondLst>
+                                  <p:childTnLst>
+                                    <p:set>
+                                      <p:cBhvr>
+                                        <p:cTn id="10" dur="1" fill="hold">
+                                          <p:stCondLst>
+                                            <p:cond delay="0"/>
+                                          </p:stCondLst>
+                                        </p:cTn>
+                                        <p:tgtEl>
+                                          <p:spTgt spid="6"/>
+                                        </p:tgtEl>
+                                        <p:attrNameLst>
+                                          <p:attrName>style.visibility</p:attrName>
+                                        </p:attrNameLst>
+                                      </p:cBhvr>
+                                      <p:to>
+                                        <p:strVal val="visible"/>
+                                      </p:to>
+                                    </p:set>
+                                  </p:childTnLst>
+                                </p:cTn>
+                              </p:par>
+                            </p:childTnLst>
+                          </p:cTn>
+                        </p:par>
+                      </p:childTnLst>
+                    </p:cTn>
+                  </p:par>
+                  <p:par>
+                    <p:cTn id="11" fill="hold">
+                      <p:stCondLst>
+                        <p:cond delay="indefinite"/>
+                      </p:stCondLst>
+                      <p:childTnLst>
+                        <p:par>
+                          <p:cTn id="12" fill="hold">
+                            <p:stCondLst>
+                              <p:cond delay="0"/>
+                            </p:stCondLst>
+                            <p:childTnLst>
+                              <p:par>
+                                <p:cTn id="13" presetID="1" presetClass="entr" presetSubtype="0" fill="hold" nodeType="clickEffect">
+                                  <p:stCondLst>
+                                    <p:cond delay="0"/>
+                                  </p:stCondLst>
+                                  <p:childTnLst>
+                                    <p:set>
+                                      <p:cBhvr>
+                                        <p:cTn id="14" dur="1" fill="hold">
+                                          <p:stCondLst>
+                                            <p:cond delay="0"/>
+                                          </p:stCondLst>
+                                        </p:cTn>
+                                        <p:tgtEl>
+                                          <p:spTgt spid="10"/>
+                                        </p:tgtEl>
+                                        <p:attrNameLst>
+                                          <p:attrName>style.visibility</p:attrName>
+                                        </p:attrNameLst>
+                                      </p:cBhvr>
+                                      <p:to>
+                                        <p:strVal val="visible"/>
+                                      </p:to>
+                                    </p:set>
+                                  </p:childTnLst>
+                                </p:cTn>
+                              </p:par>
+                            </p:childTnLst>
+                          </p:cTn>
+                        </p:par>
+                      </p:childTnLst>
+                    </p:cTn>
+                  </p:par>
+                  <p:par>
+                    <p:cTn id="15" fill="hold">
+                      <p:stCondLst>
+                        <p:cond delay="indefinite"/>
+                      </p:stCondLst>
+                      <p:childTnLst>
+                        <p:par>
+                          <p:cTn id="16" fill="hold">
+                            <p:stCondLst>
+                              <p:cond delay="0"/>
+                            </p:stCondLst>
+                            <p:childTnLst>
+                              <p:par>
+                                <p:cTn id="17" presetID="1" presetClass="entr" presetSubtype="0" fill="hold" nodeType="clickEffect">
+                                  <p:stCondLst>
+                                    <p:cond delay="0"/>
+                                  </p:stCondLst>
+                                  <p:childTnLst>
+                                    <p:set>
+                                      <p:cBhvr>
+                                        <p:cTn id="18" dur="1" fill="hold">
+                                          <p:stCondLst>
+                                            <p:cond delay="0"/>
+                                          </p:stCondLst>
+                                        </p:cTn>
+                                        <p:tgtEl>
+                                          <p:spTgt spid="17"/>
+                                        </p:tgtEl>
+                                        <p:attrNameLst>
+                                          <p:attrName>style.visibility</p:attrName>
+                                        </p:attrNameLst>
+                                      </p:cBhvr>
+                                      <p:to>
+                                        <p:strVal val="visible"/>
+                                      </p:to>
+                                    </p:set>
+                                  </p:childTnLst>
+                                </p:cTn>
+                              </p:par>
+                            </p:childTnLst>
+                          </p:cTn>
+                        </p:par>
+                      </p:childTnLst>
+                    </p:cTn>
+                  </p:par>
+                  <p:par>
+                    <p:cTn id="19" fill="hold">
+                      <p:stCondLst>
+                        <p:cond delay="indefinite"/>
+                      </p:stCondLst>
+                      <p:childTnLst>
+                        <p:par>
+                          <p:cTn id="20" fill="hold">
+                            <p:stCondLst>
+                              <p:cond delay="0"/>
+                            </p:stCondLst>
+                            <p:childTnLst>
+                              <p:par>
+                                <p:cTn id="21" presetID="1" presetClass="entr" presetSubtype="0" fill="hold" grpId="0" nodeType="clickEffect">
+                                  <p:stCondLst>
+                                    <p:cond delay="0"/>
+                                  </p:stCondLst>
+                                  <p:childTnLst>
+                                    <p:set>
+                                      <p:cBhvr>
+                                        <p:cTn id="22" dur="1" fill="hold">
+                                          <p:stCondLst>
+                                            <p:cond delay="0"/>
+                                          </p:stCondLst>
+                                        </p:cTn>
+                                        <p:tgtEl>
+                                          <p:spTgt spid="20"/>
+                                        </p:tgtEl>
+                                        <p:attrNameLst>
+                                          <p:attrName>style.visibility</p:attrName>
+                                        </p:attrNameLst>
+                                      </p:cBhvr>
+                                      <p:to>
+                                        <p:strVal val="visible"/>
+                                      </p:to>
+                                    </p:set>
+                                  </p:childTnLst>
+                                </p:cTn>
+                              </p:par>
+                            </p:childTnLst>
+                          </p:cTn>
+                        </p:par>
+                      </p:childTnLst>
+                    </p:cTn>
+                  </p:par>
+                  <p:par>
+                    <p:cTn id="23" fill="hold">
+                      <p:stCondLst>
+                        <p:cond delay="indefinite"/>
+                      </p:stCondLst>
+                      <p:childTnLst>
+                        <p:par>
+                          <p:cTn id="24" fill="hold">
+                            <p:stCondLst>
+                              <p:cond delay="0"/>
+                            </p:stCondLst>
+                            <p:childTnLst>
+                              <p:par>
+                                <p:cTn id="25" presetID="1" presetClass="entr" presetSubtype="0" fill="hold" nodeType="clickEffect">
+                                  <p:stCondLst>
+                                    <p:cond delay="0"/>
+                                  </p:stCondLst>
+                                  <p:childTnLst>
+                                    <p:set>
+                                      <p:cBhvr>
+                                        <p:cTn id="26" dur="1" fill="hold">
+                                          <p:stCondLst>
+                                            <p:cond delay="0"/>
+                                          </p:stCondLst>
+                                        </p:cTn>
+                                        <p:tgtEl>
+                                          <p:spTgt spid="21"/>
+                                        </p:tgtEl>
+                                        <p:attrNameLst>
+                                          <p:attrName>style.visibility</p:attrName>
+                                        </p:attrNameLst>
+                                      </p:cBhvr>
+                                      <p:to>
+                                        <p:strVal val="visible"/>
+                                      </p:to>
+                                    </p:set>
+                                  </p:childTnLst>
+                                </p:cTn>
+                              </p:par>
+                            </p:childTnLst>
+                          </p:cTn>
+                        </p:par>
+                      </p:childTnLst>
+                    </p:cTn>
+                  </p:par>
+                </p:childTnLst>
+              </p:cTn>
+              <p:prevCondLst>
+                <p:cond evt="onPrev" delay="0">
+                  <p:tgtEl>
+                    <p:sldTgt/>
+                  </p:tgtEl>
+                </p:cond>
+              </p:prevCondLst>
+              <p:nextCondLst>
+                <p:cond evt="onNext" delay="0">
+                  <p:tgtEl>
+                    <p:sldTgt/>
+                  </p:tgtEl>
+                </p:cond>
+              </p:nextCondLst>
+            </p:seq>
+          </p:childTnLst>
+        </p:cTn>
+      </p:par>
+    </p:tnLst>
+    <p:bldLst>
+      <p:bldP spid="6" grpId="0" animBg="1"/>
+      <p:bldP spid="20" grpId="0" animBg="1"/>
+    </p:bldLst>
+  </p:timing>
 </p:sld>
 </file>
 

--- a/99.ppt/[Ch4-8. 결제 서비스 기능확장.pptx
+++ b/99.ppt/[Ch4-8. 결제 서비스 기능확장.pptx
@@ -24,10 +24,10 @@
     <p:sldId id="383" r:id="rId15"/>
     <p:sldId id="398" r:id="rId16"/>
     <p:sldId id="399" r:id="rId17"/>
-    <p:sldId id="395" r:id="rId18"/>
+    <p:sldId id="384" r:id="rId18"/>
     <p:sldId id="396" r:id="rId19"/>
     <p:sldId id="397" r:id="rId20"/>
-    <p:sldId id="384" r:id="rId21"/>
+    <p:sldId id="401" r:id="rId21"/>
     <p:sldId id="264" r:id="rId22"/>
     <p:sldId id="374" r:id="rId23"/>
     <p:sldId id="388" r:id="rId24"/>
@@ -239,7 +239,7 @@
           <a:p>
             <a:fld id="{9B770909-2C76-4DF9-BB76-4EE283593418}" type="datetimeFigureOut">
               <a:rPr lang="ko-KR" altLang="en-US" smtClean="0"/>
-              <a:t>2023-10-25</a:t>
+              <a:t>2023-10-26</a:t>
             </a:fld>
             <a:endParaRPr lang="ko-KR" altLang="en-US"/>
           </a:p>
@@ -1910,7 +1910,18 @@
               <a:rPr lang="ko-KR" altLang="en-US" dirty="0"/>
               <a:t> 처리 방식에 일관성도 결여되고</a:t>
             </a:r>
-            <a:endParaRPr lang="en-US" altLang="ko-KR" dirty="0"/>
+            <a:r>
+              <a:rPr lang="en-US" altLang="ko-KR" dirty="0"/>
+              <a:t>, </a:t>
+            </a:r>
+            <a:r>
+              <a:rPr lang="ko-KR" altLang="en-US" dirty="0"/>
+              <a:t>무엇보다도 이런 악순환이 계속 반복되고 있었습니다</a:t>
+            </a:r>
+            <a:r>
+              <a:rPr lang="en-US" altLang="ko-KR" dirty="0"/>
+              <a:t>.</a:t>
+            </a:r>
           </a:p>
           <a:p>
             <a:endParaRPr lang="en-US" altLang="ko-KR" dirty="0"/>
@@ -2049,14 +2060,6 @@
           <a:lstStyle/>
           <a:p>
             <a:r>
-              <a:rPr lang="en-US" altLang="ko-KR" dirty="0"/>
-              <a:t>Rabbit MQ </a:t>
-            </a:r>
-            <a:r>
-              <a:rPr lang="ko-KR" altLang="en-US" dirty="0"/>
-              <a:t>같은 </a:t>
-            </a:r>
-            <a:r>
               <a:rPr lang="ko-KR" altLang="en-US" dirty="0" err="1"/>
               <a:t>메세지</a:t>
             </a:r>
@@ -2111,19 +2114,11 @@
             </a:r>
             <a:r>
               <a:rPr lang="ko-KR" altLang="en-US" dirty="0" err="1"/>
-              <a:t>완료됬다는</a:t>
-            </a:r>
-            <a:r>
-              <a:rPr lang="ko-KR" altLang="en-US" dirty="0"/>
-              <a:t> 응답을 </a:t>
-            </a:r>
-            <a:r>
-              <a:rPr lang="en-US" altLang="ko-KR" dirty="0"/>
-              <a:t>MQ</a:t>
-            </a:r>
-            <a:r>
-              <a:rPr lang="ko-KR" altLang="en-US" dirty="0"/>
-              <a:t>에 돌려주고</a:t>
+              <a:t>완료됬다고</a:t>
+            </a:r>
+            <a:r>
+              <a:rPr lang="ko-KR" altLang="en-US" dirty="0"/>
+              <a:t> 응답하고</a:t>
             </a:r>
             <a:endParaRPr lang="en-US" altLang="ko-KR" dirty="0"/>
           </a:p>
@@ -2146,7 +2141,15 @@
             </a:r>
             <a:r>
               <a:rPr lang="ko-KR" altLang="en-US" dirty="0"/>
-              <a:t>는 큐에서 전송 완료된 메세지를 삭제하고</a:t>
+              <a:t>는 큐에서 메세지를 삭제합니다</a:t>
+            </a:r>
+            <a:r>
+              <a:rPr lang="en-US" altLang="ko-KR" dirty="0"/>
+              <a:t>. </a:t>
+            </a:r>
+            <a:r>
+              <a:rPr lang="ko-KR" altLang="en-US" dirty="0"/>
+              <a:t>그리고</a:t>
             </a:r>
             <a:r>
               <a:rPr lang="en-US" altLang="ko-KR" dirty="0"/>
@@ -2154,7 +2157,7 @@
             </a:r>
             <a:r>
               <a:rPr lang="ko-KR" altLang="en-US" dirty="0"/>
-              <a:t>다음 메세지를 </a:t>
+              <a:t>다음 메세지를 다시 </a:t>
             </a:r>
             <a:r>
               <a:rPr lang="ko-KR" altLang="en-US" dirty="0" err="1"/>
@@ -2175,43 +2178,6 @@
           <a:p>
             <a:r>
               <a:rPr lang="ko-KR" altLang="en-US" dirty="0"/>
-              <a:t>큐는 메모리로 관리하기 때문에 크기가 상대적으로 작습니다</a:t>
-            </a:r>
-            <a:r>
-              <a:rPr lang="en-US" altLang="ko-KR" dirty="0"/>
-              <a:t>. </a:t>
-            </a:r>
-            <a:r>
-              <a:rPr lang="ko-KR" altLang="en-US" dirty="0"/>
-              <a:t>그래서 지연이 발생하면 순식간에 가득 차버려 작동을 멈춥니다</a:t>
-            </a:r>
-            <a:r>
-              <a:rPr lang="en-US" altLang="ko-KR" dirty="0"/>
-              <a:t>. </a:t>
-            </a:r>
-            <a:r>
-              <a:rPr lang="ko-KR" altLang="en-US" dirty="0"/>
-              <a:t>이런 상황을 막기 위해 </a:t>
-            </a:r>
-            <a:r>
-              <a:rPr lang="en-US" altLang="ko-KR" dirty="0"/>
-              <a:t>MQ</a:t>
-            </a:r>
-            <a:r>
-              <a:rPr lang="ko-KR" altLang="en-US" dirty="0"/>
-              <a:t>는 메세지가 전달 완료되면 즉시 큐에서 메세지를 지워버립니다</a:t>
-            </a:r>
-            <a:r>
-              <a:rPr lang="en-US" altLang="ko-KR" dirty="0"/>
-              <a:t>.</a:t>
-            </a:r>
-          </a:p>
-          <a:p>
-            <a:endParaRPr lang="en-US" altLang="ko-KR" dirty="0"/>
-          </a:p>
-          <a:p>
-            <a:r>
-              <a:rPr lang="ko-KR" altLang="en-US" dirty="0"/>
               <a:t>그런데</a:t>
             </a:r>
             <a:r>
@@ -2261,7 +2227,7 @@
             </a:r>
             <a:r>
               <a:rPr lang="ko-KR" altLang="en-US" dirty="0"/>
-              <a:t>저희 결제내역이라고 </a:t>
+              <a:t>결제내역이라고 </a:t>
             </a:r>
             <a:r>
               <a:rPr lang="ko-KR" altLang="en-US" dirty="0" err="1"/>
@@ -2275,7 +2241,7 @@
           <a:p>
             <a:r>
               <a:rPr lang="ko-KR" altLang="en-US" dirty="0"/>
-              <a:t>결제내역이 하나 들어오면</a:t>
+              <a:t>결제내역이 하나 들어오고</a:t>
             </a:r>
             <a:r>
               <a:rPr lang="en-US" altLang="ko-KR" dirty="0"/>
@@ -2291,7 +2257,17 @@
             </a:r>
             <a:r>
               <a:rPr lang="ko-KR" altLang="en-US" dirty="0"/>
-              <a:t> 소비될 때</a:t>
+              <a:t> 소비되는데</a:t>
+            </a:r>
+            <a:endParaRPr lang="en-US" altLang="ko-KR" dirty="0"/>
+          </a:p>
+          <a:p>
+            <a:endParaRPr lang="en-US" altLang="ko-KR" dirty="0"/>
+          </a:p>
+          <a:p>
+            <a:r>
+              <a:rPr lang="ko-KR" altLang="en-US" dirty="0"/>
+              <a:t>결제 내역은 쓰임새가 많은 정보라</a:t>
             </a:r>
             <a:r>
               <a:rPr lang="en-US" altLang="ko-KR" dirty="0"/>
@@ -2299,123 +2275,7 @@
             </a:r>
             <a:r>
               <a:rPr lang="ko-KR" altLang="en-US" dirty="0"/>
-              <a:t>필요에 의해 다양한 기능을 붙이고 싶었던 거죠</a:t>
-            </a:r>
-            <a:r>
-              <a:rPr lang="en-US" altLang="ko-KR" dirty="0"/>
-              <a:t>.</a:t>
-            </a:r>
-          </a:p>
-          <a:p>
-            <a:endParaRPr lang="en-US" altLang="ko-KR" dirty="0"/>
-          </a:p>
-          <a:p>
-            <a:r>
-              <a:rPr lang="ko-KR" altLang="en-US" dirty="0"/>
-              <a:t>비단 구매이력을 특정 자료구조에 저장하는 것 뿐만 아니라</a:t>
-            </a:r>
-            <a:r>
-              <a:rPr lang="en-US" altLang="ko-KR" dirty="0"/>
-              <a:t>,</a:t>
-            </a:r>
-          </a:p>
-          <a:p>
-            <a:r>
-              <a:rPr lang="ko-KR" altLang="en-US" dirty="0"/>
-              <a:t>사용자가 월 별로 얼마를 소비했는지 통계 하나 만들고</a:t>
-            </a:r>
-            <a:r>
-              <a:rPr lang="en-US" altLang="ko-KR" dirty="0"/>
-              <a:t>, </a:t>
-            </a:r>
-            <a:r>
-              <a:rPr lang="ko-KR" altLang="en-US" dirty="0"/>
-              <a:t>특정 국가에서 몇 명이 소비를 했는지 통계 하나 만들고</a:t>
-            </a:r>
-            <a:r>
-              <a:rPr lang="en-US" altLang="ko-KR" dirty="0"/>
-              <a:t>, </a:t>
-            </a:r>
-            <a:r>
-              <a:rPr lang="ko-KR" altLang="en-US" dirty="0"/>
-              <a:t>시간대별 통계 하나 만들고</a:t>
-            </a:r>
-            <a:r>
-              <a:rPr lang="en-US" altLang="ko-KR" dirty="0"/>
-              <a:t>...</a:t>
-            </a:r>
-          </a:p>
-          <a:p>
-            <a:endParaRPr lang="en-US" altLang="ko-KR" dirty="0"/>
-          </a:p>
-          <a:p>
-            <a:r>
-              <a:rPr lang="ko-KR" altLang="en-US" dirty="0"/>
-              <a:t>물론 </a:t>
-            </a:r>
-            <a:r>
-              <a:rPr lang="ko-KR" altLang="en-US" dirty="0" err="1"/>
-              <a:t>컨슈머</a:t>
-            </a:r>
-            <a:r>
-              <a:rPr lang="ko-KR" altLang="en-US" dirty="0"/>
-              <a:t> 안에서 이런 기능을 한꺼번에 처리할 수도 있겠지만</a:t>
-            </a:r>
-            <a:r>
-              <a:rPr lang="en-US" altLang="ko-KR" dirty="0"/>
-              <a:t>, </a:t>
-            </a:r>
-            <a:r>
-              <a:rPr lang="ko-KR" altLang="en-US" dirty="0"/>
-              <a:t>만약 어떤 처리 하나가 너무 느려서 다른 처리에 지연이 생기고 이로 인해 장애가 발생하는 등</a:t>
-            </a:r>
-            <a:r>
-              <a:rPr lang="en-US" altLang="ko-KR" dirty="0"/>
-              <a:t>, </a:t>
-            </a:r>
-            <a:r>
-              <a:rPr lang="ko-KR" altLang="en-US" dirty="0"/>
-              <a:t>응집력이 높다면 관리가 </a:t>
-            </a:r>
-            <a:r>
-              <a:rPr lang="ko-KR" altLang="en-US" dirty="0" err="1"/>
-              <a:t>지저분해집니다</a:t>
-            </a:r>
-            <a:r>
-              <a:rPr lang="en-US" altLang="ko-KR" dirty="0"/>
-              <a:t>. </a:t>
-            </a:r>
-            <a:r>
-              <a:rPr lang="ko-KR" altLang="en-US" dirty="0"/>
-              <a:t>그래서</a:t>
-            </a:r>
-            <a:r>
-              <a:rPr lang="en-US" altLang="ko-KR" dirty="0"/>
-              <a:t>, </a:t>
-            </a:r>
-            <a:r>
-              <a:rPr lang="ko-KR" altLang="en-US" dirty="0" err="1"/>
-              <a:t>링크드인은</a:t>
-            </a:r>
-            <a:r>
-              <a:rPr lang="ko-KR" altLang="en-US" dirty="0"/>
-              <a:t> </a:t>
-            </a:r>
-            <a:r>
-              <a:rPr lang="ko-KR" altLang="en-US" dirty="0" err="1"/>
-              <a:t>컨슈머</a:t>
-            </a:r>
-            <a:r>
-              <a:rPr lang="ko-KR" altLang="en-US" dirty="0"/>
-              <a:t> 하나에 한 가지 기능을 두고</a:t>
-            </a:r>
-            <a:r>
-              <a:rPr lang="en-US" altLang="ko-KR" dirty="0"/>
-              <a:t>, </a:t>
-            </a:r>
-            <a:r>
-              <a:rPr lang="ko-KR" altLang="en-US" dirty="0"/>
-              <a:t>하나의 메세지를 여러 </a:t>
+              <a:t>하나의 </a:t>
             </a:r>
             <a:r>
               <a:rPr lang="ko-KR" altLang="en-US" dirty="0" err="1"/>
@@ -2423,7 +2283,23 @@
             </a:r>
             <a:r>
               <a:rPr lang="ko-KR" altLang="en-US" dirty="0"/>
-              <a:t> 소비하도록 만들고 싶었던 거죠</a:t>
+              <a:t> 아닌</a:t>
+            </a:r>
+            <a:r>
+              <a:rPr lang="en-US" altLang="ko-KR" dirty="0"/>
+              <a:t>, </a:t>
+            </a:r>
+            <a:r>
+              <a:rPr lang="ko-KR" altLang="en-US" dirty="0"/>
+              <a:t>다양한 </a:t>
+            </a:r>
+            <a:r>
+              <a:rPr lang="ko-KR" altLang="en-US" dirty="0" err="1"/>
+              <a:t>컨슈머를</a:t>
+            </a:r>
+            <a:r>
+              <a:rPr lang="ko-KR" altLang="en-US" dirty="0"/>
+              <a:t> 필요할 때 붙이고 싶었던 거죠</a:t>
             </a:r>
             <a:r>
               <a:rPr lang="en-US" altLang="ko-KR" dirty="0"/>
@@ -2436,7 +2312,37 @@
           <a:p>
             <a:r>
               <a:rPr lang="ko-KR" altLang="en-US" dirty="0"/>
-              <a:t>또한 그 역으로</a:t>
+              <a:t>저희는 결제내역을 </a:t>
+            </a:r>
+            <a:r>
+              <a:rPr lang="en-US" altLang="ko-KR" dirty="0"/>
+              <a:t>Elasticsearch </a:t>
+            </a:r>
+            <a:r>
+              <a:rPr lang="ko-KR" altLang="en-US" dirty="0"/>
+              <a:t>에 저장하는 </a:t>
+            </a:r>
+            <a:r>
+              <a:rPr lang="ko-KR" altLang="en-US" dirty="0" err="1"/>
+              <a:t>컨슈머를</a:t>
+            </a:r>
+            <a:r>
+              <a:rPr lang="ko-KR" altLang="en-US" dirty="0"/>
+              <a:t> </a:t>
+            </a:r>
+            <a:r>
+              <a:rPr lang="ko-KR" altLang="en-US" dirty="0" err="1"/>
+              <a:t>만들건데</a:t>
+            </a:r>
+            <a:r>
+              <a:rPr lang="en-US" altLang="ko-KR" dirty="0"/>
+              <a:t>,</a:t>
+            </a:r>
+          </a:p>
+          <a:p>
+            <a:r>
+              <a:rPr lang="ko-KR" altLang="en-US" dirty="0"/>
+              <a:t>비단 이 뿐만 아니라</a:t>
             </a:r>
             <a:r>
               <a:rPr lang="en-US" altLang="ko-KR" dirty="0"/>
@@ -2444,19 +2350,84 @@
             </a:r>
             <a:r>
               <a:rPr lang="ko-KR" altLang="en-US" dirty="0"/>
-              <a:t>여러 프로듀서가 동일한 큐에 메세지를 적재하는 것도 원하던 기능이었습니다</a:t>
-            </a:r>
-            <a:r>
-              <a:rPr lang="en-US" altLang="ko-KR" dirty="0"/>
-              <a:t>. </a:t>
+              <a:t>사용자가 월별로 얼마를 소비했는지 집계하는 </a:t>
             </a:r>
             <a:r>
               <a:rPr lang="ko-KR" altLang="en-US" dirty="0" err="1"/>
-              <a:t>삼성같은</a:t>
-            </a:r>
-            <a:r>
-              <a:rPr lang="ko-KR" altLang="en-US" dirty="0"/>
-              <a:t> 글로벌 대기업에서</a:t>
+              <a:t>컨슈머도</a:t>
+            </a:r>
+            <a:r>
+              <a:rPr lang="ko-KR" altLang="en-US" dirty="0"/>
+              <a:t> 만들고</a:t>
+            </a:r>
+            <a:r>
+              <a:rPr lang="en-US" altLang="ko-KR" dirty="0"/>
+              <a:t>,</a:t>
+            </a:r>
+          </a:p>
+          <a:p>
+            <a:r>
+              <a:rPr lang="ko-KR" altLang="en-US" dirty="0"/>
+              <a:t>최초 구매 고객에게 포인트를 지급하는 마케팅 </a:t>
+            </a:r>
+            <a:r>
+              <a:rPr lang="ko-KR" altLang="en-US" dirty="0" err="1"/>
+              <a:t>컨슈머도</a:t>
+            </a:r>
+            <a:r>
+              <a:rPr lang="ko-KR" altLang="en-US" dirty="0"/>
+              <a:t> 붙이고</a:t>
+            </a:r>
+            <a:endParaRPr lang="en-US" altLang="ko-KR" dirty="0"/>
+          </a:p>
+          <a:p>
+            <a:endParaRPr lang="en-US" altLang="ko-KR" dirty="0"/>
+          </a:p>
+          <a:p>
+            <a:r>
+              <a:rPr lang="ko-KR" altLang="en-US" dirty="0"/>
+              <a:t>이런 식으로 </a:t>
+            </a:r>
+            <a:r>
+              <a:rPr lang="ko-KR" altLang="en-US" dirty="0" err="1"/>
+              <a:t>컨슈머를</a:t>
+            </a:r>
+            <a:r>
+              <a:rPr lang="ko-KR" altLang="en-US" dirty="0"/>
+              <a:t> 다양하게 붙이고 </a:t>
+            </a:r>
+            <a:r>
+              <a:rPr lang="ko-KR" altLang="en-US" dirty="0" err="1"/>
+              <a:t>싶은거죠</a:t>
+            </a:r>
+            <a:r>
+              <a:rPr lang="en-US" altLang="ko-KR" dirty="0"/>
+              <a:t>.</a:t>
+            </a:r>
+          </a:p>
+          <a:p>
+            <a:endParaRPr lang="en-US" altLang="ko-KR" dirty="0"/>
+          </a:p>
+          <a:p>
+            <a:r>
+              <a:rPr lang="ko-KR" altLang="en-US" dirty="0"/>
+              <a:t>하지만 </a:t>
+            </a:r>
+            <a:r>
+              <a:rPr lang="en-US" altLang="ko-KR" dirty="0"/>
+              <a:t>MQ</a:t>
+            </a:r>
+            <a:r>
+              <a:rPr lang="ko-KR" altLang="en-US" dirty="0"/>
+              <a:t>는 메시지를 </a:t>
+            </a:r>
+            <a:r>
+              <a:rPr lang="ko-KR" altLang="en-US" dirty="0" err="1"/>
+              <a:t>컨슈머에</a:t>
+            </a:r>
+            <a:r>
+              <a:rPr lang="ko-KR" altLang="en-US" dirty="0"/>
+              <a:t> 전달하는 즉시 삭제하기 때문에</a:t>
             </a:r>
             <a:r>
               <a:rPr lang="en-US" altLang="ko-KR" dirty="0"/>
@@ -2464,51 +2435,7 @@
             </a:r>
             <a:r>
               <a:rPr lang="ko-KR" altLang="en-US" dirty="0"/>
-              <a:t>나라마다 매출액을 실시간으로 집계하고 싶다면</a:t>
-            </a:r>
-            <a:r>
-              <a:rPr lang="en-US" altLang="ko-KR" dirty="0"/>
-              <a:t>, </a:t>
-            </a:r>
-            <a:r>
-              <a:rPr lang="ko-KR" altLang="en-US" dirty="0" err="1"/>
-              <a:t>네델란드</a:t>
-            </a:r>
-            <a:r>
-              <a:rPr lang="ko-KR" altLang="en-US" dirty="0"/>
-              <a:t> 지사의 프로듀서가</a:t>
-            </a:r>
-            <a:r>
-              <a:rPr lang="en-US" altLang="ko-KR" dirty="0"/>
-              <a:t> </a:t>
-            </a:r>
-            <a:r>
-              <a:rPr lang="ko-KR" altLang="en-US" dirty="0"/>
-              <a:t>매출액을 큐에 넣을 수도 있고</a:t>
-            </a:r>
-            <a:r>
-              <a:rPr lang="en-US" altLang="ko-KR" dirty="0"/>
-              <a:t>, </a:t>
-            </a:r>
-            <a:r>
-              <a:rPr lang="ko-KR" altLang="en-US" dirty="0"/>
-              <a:t>영국 지사의 프로듀서가 넣을 수도</a:t>
-            </a:r>
-            <a:r>
-              <a:rPr lang="en-US" altLang="ko-KR" dirty="0"/>
-              <a:t>, </a:t>
-            </a:r>
-            <a:r>
-              <a:rPr lang="ko-KR" altLang="en-US" dirty="0"/>
-              <a:t>마찬가지로 미국이나 일본 등 다양한 지사의 프로듀서가 데이터를 단일 포맷의 큐에 넣어주면</a:t>
-            </a:r>
-            <a:r>
-              <a:rPr lang="en-US" altLang="ko-KR" dirty="0"/>
-              <a:t>, </a:t>
-            </a:r>
-            <a:r>
-              <a:rPr lang="ko-KR" altLang="en-US" dirty="0"/>
-              <a:t>하나의 </a:t>
+              <a:t>동일한 메시지를 여러 </a:t>
             </a:r>
             <a:r>
               <a:rPr lang="ko-KR" altLang="en-US" dirty="0" err="1"/>
@@ -2516,7 +2443,7 @@
             </a:r>
             <a:r>
               <a:rPr lang="ko-KR" altLang="en-US" dirty="0"/>
-              <a:t> 이를 일괄 처리하는 것도 가능합니다</a:t>
+              <a:t> 소비할 수 없습니다</a:t>
             </a:r>
             <a:r>
               <a:rPr lang="en-US" altLang="ko-KR" dirty="0"/>
@@ -2529,7 +2456,39 @@
           <a:p>
             <a:r>
               <a:rPr lang="ko-KR" altLang="en-US" dirty="0"/>
-              <a:t>하지만 기존 큐로는 이런 처리가 불가능했습니다</a:t>
+              <a:t>물론</a:t>
+            </a:r>
+            <a:r>
+              <a:rPr lang="en-US" altLang="ko-KR" dirty="0"/>
+              <a:t>, MQ </a:t>
+            </a:r>
+            <a:r>
+              <a:rPr lang="ko-KR" altLang="en-US" dirty="0"/>
+              <a:t>에서도 </a:t>
+            </a:r>
+            <a:r>
+              <a:rPr lang="en-US" altLang="ko-KR" dirty="0"/>
+              <a:t>fanout </a:t>
+            </a:r>
+            <a:r>
+              <a:rPr lang="ko-KR" altLang="en-US" dirty="0"/>
+              <a:t>기반의 </a:t>
+            </a:r>
+            <a:r>
+              <a:rPr lang="en-US" altLang="ko-KR" dirty="0"/>
+              <a:t>pub/sub </a:t>
+            </a:r>
+            <a:r>
+              <a:rPr lang="ko-KR" altLang="en-US" dirty="0"/>
+              <a:t>모델을 제공해 여러 개의 </a:t>
+            </a:r>
+            <a:r>
+              <a:rPr lang="ko-KR" altLang="en-US" dirty="0" err="1"/>
+              <a:t>컨슈머를</a:t>
+            </a:r>
+            <a:r>
+              <a:rPr lang="ko-KR" altLang="en-US" dirty="0"/>
+              <a:t> 운영할 수 있습니다</a:t>
             </a:r>
             <a:r>
               <a:rPr lang="en-US" altLang="ko-KR" dirty="0"/>
@@ -2537,25 +2496,44 @@
             </a:r>
             <a:r>
               <a:rPr lang="ko-KR" altLang="en-US" dirty="0"/>
-              <a:t>메세지를 </a:t>
-            </a:r>
-            <a:r>
-              <a:rPr lang="ko-KR" altLang="en-US" dirty="0" err="1"/>
-              <a:t>컨슈머에</a:t>
-            </a:r>
-            <a:r>
-              <a:rPr lang="ko-KR" altLang="en-US" dirty="0"/>
-              <a:t> 전달하면</a:t>
+              <a:t>다만 이를 위해서는 </a:t>
+            </a:r>
+            <a:r>
+              <a:rPr lang="en-US" altLang="ko-KR" dirty="0"/>
+              <a:t>consumer</a:t>
+            </a:r>
+            <a:r>
+              <a:rPr lang="ko-KR" altLang="en-US" dirty="0"/>
+              <a:t> 개수만큼 큐를 운영해야 하는데</a:t>
+            </a:r>
+            <a:r>
+              <a:rPr lang="en-US" altLang="ko-KR" dirty="0"/>
+              <a:t>, consumer </a:t>
+            </a:r>
+            <a:r>
+              <a:rPr lang="ko-KR" altLang="en-US" dirty="0"/>
+              <a:t>와 </a:t>
+            </a:r>
+            <a:r>
+              <a:rPr lang="en-US" altLang="ko-KR" dirty="0"/>
+              <a:t>queue </a:t>
+            </a:r>
+            <a:r>
+              <a:rPr lang="ko-KR" altLang="en-US" dirty="0"/>
+              <a:t>가 쌍으로 묶여 있어</a:t>
             </a:r>
             <a:r>
               <a:rPr lang="en-US" altLang="ko-KR" dirty="0"/>
               <a:t>, </a:t>
             </a:r>
             <a:r>
-              <a:rPr lang="ko-KR" altLang="en-US"/>
-              <a:t>그 즉시 큐에서 메제</a:t>
-            </a:r>
-            <a:endParaRPr lang="en-US" altLang="ko-KR" dirty="0"/>
+              <a:rPr lang="ko-KR" altLang="en-US" dirty="0"/>
+              <a:t>데이터 발행과 소비를 독립적으로 운영하기가 여전히 어려운 구조입니다</a:t>
+            </a:r>
+            <a:r>
+              <a:rPr lang="en-US" altLang="ko-KR" dirty="0"/>
+              <a:t>.</a:t>
+            </a:r>
           </a:p>
         </p:txBody>
       </p:sp>
@@ -2639,7 +2617,299 @@
           <a:bodyPr/>
           <a:lstStyle/>
           <a:p>
+            <a:r>
+              <a:rPr lang="ko-KR" altLang="en-US" dirty="0"/>
+              <a:t>카프카에는 </a:t>
+            </a:r>
+            <a:r>
+              <a:rPr lang="en-US" altLang="ko-KR" dirty="0"/>
+              <a:t>queue </a:t>
+            </a:r>
+            <a:r>
+              <a:rPr lang="ko-KR" altLang="en-US" dirty="0"/>
+              <a:t>가 없습니다</a:t>
+            </a:r>
+            <a:r>
+              <a:rPr lang="en-US" altLang="ko-KR" dirty="0"/>
+              <a:t>. </a:t>
+            </a:r>
+            <a:r>
+              <a:rPr lang="ko-KR" altLang="en-US" dirty="0"/>
+              <a:t>대신 </a:t>
+            </a:r>
+            <a:r>
+              <a:rPr lang="en-US" altLang="ko-KR" dirty="0"/>
+              <a:t>Topic </a:t>
+            </a:r>
+            <a:r>
+              <a:rPr lang="ko-KR" altLang="en-US" dirty="0"/>
+              <a:t>이라는 카테고리가 있고</a:t>
+            </a:r>
+            <a:r>
+              <a:rPr lang="en-US" altLang="ko-KR" dirty="0"/>
+              <a:t>, </a:t>
+            </a:r>
+            <a:r>
+              <a:rPr lang="ko-KR" altLang="en-US" dirty="0"/>
+              <a:t>이 안의 </a:t>
+            </a:r>
+            <a:r>
+              <a:rPr lang="en-US" altLang="ko-KR" dirty="0"/>
+              <a:t>partition</a:t>
+            </a:r>
+            <a:r>
+              <a:rPr lang="ko-KR" altLang="en-US" dirty="0"/>
+              <a:t> 이라는 영역에 메시지가 추가됩니다</a:t>
+            </a:r>
+            <a:r>
+              <a:rPr lang="en-US" altLang="ko-KR" dirty="0"/>
+              <a:t>.</a:t>
+            </a:r>
+          </a:p>
+          <a:p>
             <a:endParaRPr lang="en-US" altLang="ko-KR" dirty="0"/>
+          </a:p>
+          <a:p>
+            <a:r>
+              <a:rPr lang="ko-KR" altLang="en-US" dirty="0"/>
+              <a:t>카프카는 </a:t>
+            </a:r>
+            <a:r>
+              <a:rPr lang="en-US" altLang="ko-KR" dirty="0"/>
+              <a:t>OS </a:t>
+            </a:r>
+            <a:r>
+              <a:rPr lang="ko-KR" altLang="en-US" dirty="0"/>
+              <a:t>파일 시스템 기반으로 구현되어 있는데</a:t>
+            </a:r>
+            <a:r>
+              <a:rPr lang="en-US" altLang="ko-KR" dirty="0"/>
+              <a:t>, Topic </a:t>
+            </a:r>
+            <a:r>
+              <a:rPr lang="ko-KR" altLang="en-US" dirty="0"/>
+              <a:t>은 폴더로</a:t>
+            </a:r>
+            <a:r>
+              <a:rPr lang="en-US" altLang="ko-KR" dirty="0"/>
+              <a:t>, Partition </a:t>
+            </a:r>
+            <a:r>
+              <a:rPr lang="ko-KR" altLang="en-US" dirty="0"/>
+              <a:t>은 물리 파일로 존재하며</a:t>
+            </a:r>
+            <a:r>
+              <a:rPr lang="en-US" altLang="ko-KR" dirty="0"/>
+              <a:t>, </a:t>
+            </a:r>
+            <a:r>
+              <a:rPr lang="ko-KR" altLang="en-US" dirty="0"/>
+              <a:t>메시지는 이 </a:t>
+            </a:r>
+            <a:r>
+              <a:rPr lang="en-US" altLang="ko-KR" dirty="0"/>
+              <a:t>partition </a:t>
+            </a:r>
+            <a:r>
+              <a:rPr lang="ko-KR" altLang="en-US" dirty="0"/>
+              <a:t>물리파일에 </a:t>
+            </a:r>
+            <a:r>
+              <a:rPr lang="en-US" altLang="ko-KR" dirty="0"/>
+              <a:t>append only </a:t>
+            </a:r>
+            <a:r>
+              <a:rPr lang="ko-KR" altLang="en-US" dirty="0"/>
+              <a:t>방식으로 기록 됩니다</a:t>
+            </a:r>
+            <a:r>
+              <a:rPr lang="en-US" altLang="ko-KR" dirty="0"/>
+              <a:t>.</a:t>
+            </a:r>
+          </a:p>
+          <a:p>
+            <a:endParaRPr lang="en-US" altLang="ko-KR" dirty="0"/>
+          </a:p>
+          <a:p>
+            <a:r>
+              <a:rPr lang="en-US" altLang="ko-KR" dirty="0"/>
+              <a:t>Rolling append </a:t>
+            </a:r>
+            <a:r>
+              <a:rPr lang="ko-KR" altLang="en-US" dirty="0"/>
+              <a:t>되는 로그 파일과 유사하다고 </a:t>
+            </a:r>
+            <a:r>
+              <a:rPr lang="ko-KR" altLang="en-US" dirty="0" err="1"/>
+              <a:t>보셔도</a:t>
+            </a:r>
+            <a:r>
+              <a:rPr lang="ko-KR" altLang="en-US" dirty="0"/>
+              <a:t> 됩니다</a:t>
+            </a:r>
+            <a:r>
+              <a:rPr lang="en-US" altLang="ko-KR" dirty="0"/>
+              <a:t>.</a:t>
+            </a:r>
+          </a:p>
+          <a:p>
+            <a:endParaRPr lang="en-US" altLang="ko-KR" dirty="0"/>
+          </a:p>
+          <a:p>
+            <a:r>
+              <a:rPr lang="ko-KR" altLang="en-US" dirty="0"/>
+              <a:t>기록된 메시지는 용량이 허용되는 한 지워지지 않고 </a:t>
+            </a:r>
+            <a:r>
+              <a:rPr lang="en-US" altLang="ko-KR" dirty="0"/>
+              <a:t>partition </a:t>
+            </a:r>
+            <a:r>
+              <a:rPr lang="ko-KR" altLang="en-US" dirty="0"/>
+              <a:t>에 계속 남아있습니다</a:t>
+            </a:r>
+            <a:r>
+              <a:rPr lang="en-US" altLang="ko-KR" dirty="0"/>
+              <a:t>.</a:t>
+            </a:r>
+          </a:p>
+          <a:p>
+            <a:r>
+              <a:rPr lang="ko-KR" altLang="en-US" dirty="0"/>
+              <a:t>메시지는 지워지지 않기 때문에</a:t>
+            </a:r>
+            <a:r>
+              <a:rPr lang="en-US" altLang="ko-KR" dirty="0"/>
+              <a:t>, </a:t>
+            </a:r>
+            <a:r>
+              <a:rPr lang="ko-KR" altLang="en-US" dirty="0"/>
+              <a:t>똑같은 메시지를 여러 </a:t>
+            </a:r>
+            <a:r>
+              <a:rPr lang="ko-KR" altLang="en-US" dirty="0" err="1"/>
+              <a:t>컨슈머가</a:t>
+            </a:r>
+            <a:r>
+              <a:rPr lang="ko-KR" altLang="en-US" dirty="0"/>
+              <a:t> 몇 번이고 자유롭게 읽어갈 수 있습니다</a:t>
+            </a:r>
+            <a:r>
+              <a:rPr lang="en-US" altLang="ko-KR" dirty="0"/>
+              <a:t>.</a:t>
+            </a:r>
+          </a:p>
+          <a:p>
+            <a:r>
+              <a:rPr lang="ko-KR" altLang="en-US" dirty="0" err="1"/>
+              <a:t>컨슈머마다</a:t>
+            </a:r>
+            <a:r>
+              <a:rPr lang="ko-KR" altLang="en-US" dirty="0"/>
+              <a:t> 처리 성능이 다르더라도 문제 없습니다</a:t>
+            </a:r>
+            <a:r>
+              <a:rPr lang="en-US" altLang="ko-KR" dirty="0"/>
+              <a:t>. offset</a:t>
+            </a:r>
+            <a:r>
+              <a:rPr lang="ko-KR" altLang="en-US" dirty="0"/>
+              <a:t> 은 </a:t>
+            </a:r>
+            <a:r>
+              <a:rPr lang="ko-KR" altLang="en-US" dirty="0" err="1"/>
+              <a:t>컨슈머마다</a:t>
+            </a:r>
+            <a:r>
+              <a:rPr lang="ko-KR" altLang="en-US" dirty="0"/>
+              <a:t> 별도로 관리되기 때문에</a:t>
+            </a:r>
+            <a:r>
+              <a:rPr lang="en-US" altLang="ko-KR" dirty="0"/>
+              <a:t>, </a:t>
+            </a:r>
+            <a:r>
+              <a:rPr lang="ko-KR" altLang="en-US" dirty="0"/>
+              <a:t>각기 다른 위치를 읽어가면 그만입니다</a:t>
+            </a:r>
+            <a:r>
+              <a:rPr lang="en-US" altLang="ko-KR" dirty="0"/>
+              <a:t>.</a:t>
+            </a:r>
+          </a:p>
+          <a:p>
+            <a:r>
+              <a:rPr lang="ko-KR" altLang="en-US" dirty="0"/>
+              <a:t>게다가 </a:t>
+            </a:r>
+            <a:r>
+              <a:rPr lang="ko-KR" altLang="en-US" dirty="0" err="1"/>
+              <a:t>컨슈머는</a:t>
+            </a:r>
+            <a:r>
+              <a:rPr lang="ko-KR" altLang="en-US" dirty="0"/>
+              <a:t> 임의의 다른 </a:t>
+            </a:r>
+            <a:r>
+              <a:rPr lang="en-US" altLang="ko-KR" dirty="0"/>
+              <a:t>offset </a:t>
+            </a:r>
+            <a:r>
+              <a:rPr lang="ko-KR" altLang="en-US" dirty="0"/>
+              <a:t>데이터를 읽을 수도 있기 때문에</a:t>
+            </a:r>
+            <a:r>
+              <a:rPr lang="en-US" altLang="ko-KR" dirty="0"/>
+              <a:t>, 10</a:t>
+            </a:r>
+            <a:r>
+              <a:rPr lang="ko-KR" altLang="en-US" dirty="0"/>
+              <a:t>분 전</a:t>
+            </a:r>
+            <a:r>
+              <a:rPr lang="en-US" altLang="ko-KR" dirty="0"/>
+              <a:t>, 1</a:t>
+            </a:r>
+            <a:r>
+              <a:rPr lang="ko-KR" altLang="en-US" dirty="0"/>
+              <a:t>시간 전</a:t>
+            </a:r>
+            <a:r>
+              <a:rPr lang="en-US" altLang="ko-KR" dirty="0"/>
+              <a:t>, </a:t>
+            </a:r>
+            <a:r>
+              <a:rPr lang="ko-KR" altLang="en-US" dirty="0"/>
+              <a:t>하루 전 데이터를 읽어오는 등의 처리도 가능합니다</a:t>
+            </a:r>
+            <a:r>
+              <a:rPr lang="en-US" altLang="ko-KR" dirty="0"/>
+              <a:t>. </a:t>
+            </a:r>
+            <a:r>
+              <a:rPr lang="ko-KR" altLang="en-US" dirty="0"/>
+              <a:t>이런 특성을 이용하면</a:t>
+            </a:r>
+            <a:r>
+              <a:rPr lang="en-US" altLang="ko-KR" dirty="0"/>
+              <a:t>, </a:t>
+            </a:r>
+            <a:r>
+              <a:rPr lang="ko-KR" altLang="en-US" dirty="0"/>
+              <a:t>일정 기간 동안의 사용자 트래픽을 감지해 부정행위를 탐지하거나</a:t>
+            </a:r>
+            <a:r>
+              <a:rPr lang="en-US" altLang="ko-KR" dirty="0"/>
+              <a:t>, </a:t>
+            </a:r>
+            <a:r>
+              <a:rPr lang="ko-KR" altLang="en-US" dirty="0"/>
+              <a:t>당첨 비율을 동적으로 조정하는 등의 다양한 응용도 가능합니다</a:t>
+            </a:r>
+            <a:r>
+              <a:rPr lang="en-US" altLang="ko-KR" dirty="0"/>
+              <a:t>.</a:t>
+            </a:r>
           </a:p>
         </p:txBody>
       </p:sp>
@@ -2728,20 +2998,77 @@
               <a:t>카프카는 </a:t>
             </a:r>
             <a:r>
+              <a:rPr lang="en-US" altLang="ko-KR" dirty="0"/>
+              <a:t>queue </a:t>
+            </a:r>
+            <a:r>
+              <a:rPr lang="ko-KR" altLang="en-US" dirty="0"/>
+              <a:t>대신 </a:t>
+            </a:r>
+            <a:r>
+              <a:rPr lang="en-US" altLang="ko-KR" dirty="0"/>
+              <a:t>topic </a:t>
+            </a:r>
+            <a:r>
+              <a:rPr lang="ko-KR" altLang="en-US" dirty="0"/>
+              <a:t>을 제공하며</a:t>
+            </a:r>
+            <a:r>
+              <a:rPr lang="en-US" altLang="ko-KR" dirty="0"/>
+              <a:t>, 1</a:t>
+            </a:r>
+            <a:r>
+              <a:rPr lang="ko-KR" altLang="en-US" dirty="0"/>
+              <a:t>개의 </a:t>
+            </a:r>
+            <a:r>
+              <a:rPr lang="en-US" altLang="ko-KR" dirty="0"/>
+              <a:t>Topic </a:t>
+            </a:r>
+            <a:r>
+              <a:rPr lang="ko-KR" altLang="en-US" dirty="0"/>
+              <a:t>은 </a:t>
+            </a:r>
+            <a:r>
+              <a:rPr lang="en-US" altLang="ko-KR" dirty="0"/>
+              <a:t>1</a:t>
+            </a:r>
+            <a:r>
+              <a:rPr lang="ko-KR" altLang="en-US" dirty="0"/>
+              <a:t>개 이상의 </a:t>
+            </a:r>
+            <a:r>
+              <a:rPr lang="en-US" altLang="ko-KR" dirty="0"/>
+              <a:t>Partition </a:t>
+            </a:r>
+            <a:r>
+              <a:rPr lang="ko-KR" altLang="en-US" dirty="0"/>
+              <a:t>을 가집니다</a:t>
+            </a:r>
+            <a:r>
+              <a:rPr lang="en-US" altLang="ko-KR" dirty="0"/>
+              <a:t>. </a:t>
+            </a:r>
+          </a:p>
+          <a:p>
+            <a:endParaRPr lang="en-US" altLang="ko-KR" dirty="0"/>
+          </a:p>
+          <a:p>
+            <a:r>
+              <a:rPr lang="ko-KR" altLang="en-US" dirty="0"/>
+              <a:t>프로듀서는 토픽에 메시지를 발행하며</a:t>
+            </a:r>
+            <a:r>
+              <a:rPr lang="en-US" altLang="ko-KR" dirty="0"/>
+              <a:t>, </a:t>
+            </a:r>
+            <a:r>
               <a:rPr lang="ko-KR" altLang="en-US" dirty="0" err="1"/>
-              <a:t>링크드인에서</a:t>
-            </a:r>
-            <a:r>
-              <a:rPr lang="ko-KR" altLang="en-US" dirty="0"/>
-              <a:t> 만든 기술로</a:t>
-            </a:r>
-            <a:r>
-              <a:rPr lang="en-US" altLang="ko-KR" dirty="0"/>
-              <a:t>, 2011</a:t>
-            </a:r>
-            <a:r>
-              <a:rPr lang="ko-KR" altLang="en-US" dirty="0"/>
-              <a:t>년 공개되었습니다</a:t>
+              <a:t>컨슈머는</a:t>
+            </a:r>
+            <a:r>
+              <a:rPr lang="ko-KR" altLang="en-US" dirty="0"/>
+              <a:t> 파티션에 적재된 메시지를 읽어갑니다</a:t>
             </a:r>
             <a:r>
               <a:rPr lang="en-US" altLang="ko-KR" dirty="0"/>
@@ -2754,39 +3081,23 @@
           <a:p>
             <a:r>
               <a:rPr lang="ko-KR" altLang="en-US" dirty="0"/>
-              <a:t>당시 </a:t>
+              <a:t>파티션은 파일 기반으로 관리되는 메시지 집합이기 때문에</a:t>
+            </a:r>
+            <a:r>
+              <a:rPr lang="en-US" altLang="ko-KR" dirty="0"/>
+              <a:t>, </a:t>
+            </a:r>
+            <a:r>
+              <a:rPr lang="ko-KR" altLang="en-US" dirty="0"/>
+              <a:t>여러 </a:t>
             </a:r>
             <a:r>
               <a:rPr lang="ko-KR" altLang="en-US" dirty="0" err="1"/>
-              <a:t>링크드인의</a:t>
-            </a:r>
-            <a:r>
-              <a:rPr lang="ko-KR" altLang="en-US" dirty="0"/>
-              <a:t> 데이터 파이프라인은 너무 복잡했고</a:t>
-            </a:r>
-            <a:r>
-              <a:rPr lang="en-US" altLang="ko-KR" dirty="0"/>
-              <a:t>, </a:t>
-            </a:r>
-            <a:r>
-              <a:rPr lang="ko-KR" altLang="en-US" dirty="0"/>
-              <a:t>중복이 많았으며</a:t>
-            </a:r>
-            <a:r>
-              <a:rPr lang="en-US" altLang="ko-KR" dirty="0"/>
-              <a:t>, </a:t>
-            </a:r>
-            <a:r>
-              <a:rPr lang="ko-KR" altLang="en-US" dirty="0"/>
-              <a:t>관리 주체마다 포맷</a:t>
-            </a:r>
-            <a:r>
-              <a:rPr lang="en-US" altLang="ko-KR" dirty="0"/>
-              <a:t>, </a:t>
-            </a:r>
-            <a:r>
-              <a:rPr lang="ko-KR" altLang="en-US" dirty="0"/>
-              <a:t>처리방법이 달라 기능 확장이 어려운 상황이었습니다</a:t>
+              <a:t>컨슈머가</a:t>
+            </a:r>
+            <a:r>
+              <a:rPr lang="ko-KR" altLang="en-US" dirty="0"/>
+              <a:t> 하나의 메시지를 읽어갈 수 있습니다</a:t>
             </a:r>
             <a:r>
               <a:rPr lang="en-US" altLang="ko-KR" dirty="0"/>
@@ -2794,321 +3105,30 @@
             </a:r>
           </a:p>
           <a:p>
+            <a:endParaRPr lang="en-US" altLang="ko-KR" dirty="0"/>
+          </a:p>
+          <a:p>
+            <a:r>
+              <a:rPr lang="ko-KR" altLang="en-US" dirty="0"/>
+              <a:t>물론 파티션을 여러 개로 분리해 멀티 </a:t>
+            </a:r>
             <a:r>
               <a:rPr lang="ko-KR" altLang="en-US" dirty="0" err="1"/>
-              <a:t>링크드인</a:t>
-            </a:r>
-            <a:r>
-              <a:rPr lang="ko-KR" altLang="en-US" dirty="0"/>
-              <a:t> 엔지니어들은</a:t>
-            </a:r>
-            <a:r>
-              <a:rPr lang="en-US" altLang="ko-KR" dirty="0"/>
-              <a:t>, </a:t>
-            </a:r>
-            <a:r>
-              <a:rPr lang="ko-KR" altLang="en-US" dirty="0"/>
-              <a:t>카프카라는 메시지 브로커를 만들어</a:t>
-            </a:r>
-            <a:r>
-              <a:rPr lang="en-US" altLang="ko-KR" dirty="0"/>
-              <a:t>, </a:t>
-            </a:r>
-            <a:r>
-              <a:rPr lang="ko-KR" altLang="en-US" dirty="0"/>
-              <a:t>이런 상황을 깔끔하게 정리했습니다</a:t>
+              <a:t>컨슈머를</a:t>
+            </a:r>
+            <a:r>
+              <a:rPr lang="ko-KR" altLang="en-US" dirty="0"/>
+              <a:t> 연결하여 처리속도를 향상하는 것도 가능합니다</a:t>
             </a:r>
             <a:r>
               <a:rPr lang="en-US" altLang="ko-KR" dirty="0"/>
               <a:t>.</a:t>
             </a:r>
-          </a:p>
-          <a:p>
+            <a:r>
+              <a:rPr lang="ko-KR" altLang="en-US" dirty="0"/>
+              <a:t> </a:t>
+            </a:r>
             <a:endParaRPr lang="en-US" altLang="ko-KR" dirty="0"/>
-          </a:p>
-          <a:p>
-            <a:pPr marL="0" marR="0" lvl="0" indent="0" algn="l" defTabSz="685800" rtl="0" eaLnBrk="1" fontAlgn="auto" latinLnBrk="1" hangingPunct="1">
-              <a:lnSpc>
-                <a:spcPct val="100000"/>
-              </a:lnSpc>
-              <a:spcBef>
-                <a:spcPts val="0"/>
-              </a:spcBef>
-              <a:spcAft>
-                <a:spcPts val="0"/>
-              </a:spcAft>
-              <a:buClrTx/>
-              <a:buSzTx/>
-              <a:buFontTx/>
-              <a:buNone/>
-              <a:tabLst/>
-              <a:defRPr/>
-            </a:pPr>
-            <a:r>
-              <a:rPr lang="ko-KR" altLang="en-US" dirty="0"/>
-              <a:t>모든 데이터가 카프카로 모여</a:t>
-            </a:r>
-            <a:r>
-              <a:rPr lang="en-US" altLang="ko-KR" dirty="0"/>
-              <a:t>, </a:t>
-            </a:r>
-            <a:r>
-              <a:rPr lang="ko-KR" altLang="en-US" dirty="0"/>
-              <a:t>카프카에서 나가고 있는데요</a:t>
-            </a:r>
-            <a:r>
-              <a:rPr lang="en-US" altLang="ko-KR" dirty="0"/>
-              <a:t>.</a:t>
-            </a:r>
-          </a:p>
-          <a:p>
-            <a:endParaRPr lang="en-US" altLang="ko-KR" dirty="0"/>
-          </a:p>
-          <a:p>
-            <a:r>
-              <a:rPr lang="ko-KR" altLang="en-US" dirty="0"/>
-              <a:t>이런 처리가 </a:t>
-            </a:r>
-            <a:r>
-              <a:rPr lang="ko-KR" altLang="en-US" dirty="0" err="1"/>
-              <a:t>가능하려면</a:t>
-            </a:r>
-            <a:r>
-              <a:rPr lang="en-US" altLang="ko-KR" dirty="0"/>
-              <a:t>, MQ</a:t>
-            </a:r>
-            <a:r>
-              <a:rPr lang="ko-KR" altLang="en-US" dirty="0"/>
-              <a:t>보다도 속도</a:t>
-            </a:r>
-            <a:r>
-              <a:rPr lang="en-US" altLang="ko-KR" dirty="0"/>
-              <a:t>, </a:t>
-            </a:r>
-            <a:r>
-              <a:rPr lang="ko-KR" altLang="en-US" dirty="0"/>
-              <a:t>처리량</a:t>
-            </a:r>
-            <a:r>
-              <a:rPr lang="en-US" altLang="ko-KR" dirty="0"/>
-              <a:t>, </a:t>
-            </a:r>
-            <a:r>
-              <a:rPr lang="ko-KR" altLang="en-US" dirty="0"/>
-              <a:t>안정성이 우수해야 하겠지만</a:t>
-            </a:r>
-            <a:endParaRPr lang="en-US" altLang="ko-KR" dirty="0"/>
-          </a:p>
-          <a:p>
-            <a:r>
-              <a:rPr lang="ko-KR" altLang="en-US" dirty="0"/>
-              <a:t>무엇보다도</a:t>
-            </a:r>
-            <a:r>
-              <a:rPr lang="en-US" altLang="ko-KR" dirty="0"/>
-              <a:t>, consumer </a:t>
-            </a:r>
-            <a:r>
-              <a:rPr lang="ko-KR" altLang="en-US" dirty="0"/>
-              <a:t>를 자유롭게 연결할 수 있어야 합니다</a:t>
-            </a:r>
-            <a:r>
-              <a:rPr lang="en-US" altLang="ko-KR" dirty="0"/>
-              <a:t>.</a:t>
-            </a:r>
-          </a:p>
-          <a:p>
-            <a:endParaRPr lang="en-US" altLang="ko-KR" dirty="0"/>
-          </a:p>
-          <a:p>
-            <a:r>
-              <a:rPr lang="ko-KR" altLang="en-US" dirty="0"/>
-              <a:t>바로 이 부분이 </a:t>
-            </a:r>
-            <a:endParaRPr lang="en-US" altLang="ko-KR" dirty="0"/>
-          </a:p>
-          <a:p>
-            <a:endParaRPr lang="en-US" altLang="ko-KR" dirty="0"/>
-          </a:p>
-          <a:p>
-            <a:r>
-              <a:rPr lang="en-US" altLang="ko-KR" dirty="0"/>
-              <a:t>MQ</a:t>
-            </a:r>
-            <a:r>
-              <a:rPr lang="ko-KR" altLang="en-US" dirty="0"/>
-              <a:t>는 </a:t>
-            </a:r>
-            <a:r>
-              <a:rPr lang="en-US" altLang="ko-KR" dirty="0"/>
-              <a:t>consumer</a:t>
-            </a:r>
-            <a:r>
-              <a:rPr lang="ko-KR" altLang="en-US" dirty="0"/>
-              <a:t>가 메시지를 소비하면 </a:t>
-            </a:r>
-            <a:r>
-              <a:rPr lang="en-US" altLang="ko-KR" dirty="0"/>
-              <a:t>queue</a:t>
-            </a:r>
-            <a:r>
-              <a:rPr lang="ko-KR" altLang="en-US" dirty="0"/>
-              <a:t>에서 즉시 메시지를 삭제합니다</a:t>
-            </a:r>
-            <a:r>
-              <a:rPr lang="en-US" altLang="ko-KR" dirty="0"/>
-              <a:t>. Queue </a:t>
-            </a:r>
-            <a:r>
-              <a:rPr lang="ko-KR" altLang="en-US" dirty="0"/>
-              <a:t>를 메모리에서 관리하고 있기 때문에</a:t>
-            </a:r>
-            <a:r>
-              <a:rPr lang="en-US" altLang="ko-KR" dirty="0"/>
-              <a:t>, </a:t>
-            </a:r>
-            <a:r>
-              <a:rPr lang="ko-KR" altLang="en-US" dirty="0"/>
-              <a:t>자원을 효율적으로 사용하기 위해서 이렇게 작동을 하는데요</a:t>
-            </a:r>
-            <a:r>
-              <a:rPr lang="en-US" altLang="ko-KR" dirty="0"/>
-              <a:t>.</a:t>
-            </a:r>
-          </a:p>
-          <a:p>
-            <a:endParaRPr lang="en-US" altLang="ko-KR" dirty="0"/>
-          </a:p>
-          <a:p>
-            <a:r>
-              <a:rPr lang="ko-KR" altLang="en-US" dirty="0"/>
-              <a:t>카프카가 </a:t>
-            </a:r>
-            <a:r>
-              <a:rPr lang="en-US" altLang="ko-KR" dirty="0"/>
-              <a:t>MQ</a:t>
-            </a:r>
-            <a:r>
-              <a:rPr lang="ko-KR" altLang="en-US" dirty="0"/>
-              <a:t>와 가장 차이나는 부분이 바로 이 부분입니다</a:t>
-            </a:r>
-            <a:r>
-              <a:rPr lang="en-US" altLang="ko-KR" dirty="0"/>
-              <a:t>. </a:t>
-            </a:r>
-            <a:r>
-              <a:rPr lang="ko-KR" altLang="en-US" dirty="0"/>
-              <a:t>카프카는 하나의 메시지를 </a:t>
-            </a:r>
-            <a:endParaRPr lang="en-US" altLang="ko-KR" dirty="0"/>
-          </a:p>
-          <a:p>
-            <a:endParaRPr lang="en-US" altLang="ko-KR" dirty="0"/>
-          </a:p>
-          <a:p>
-            <a:r>
-              <a:rPr lang="ko-KR" altLang="en-US" dirty="0"/>
-              <a:t>하지만</a:t>
-            </a:r>
-            <a:r>
-              <a:rPr lang="en-US" altLang="ko-KR" dirty="0"/>
-              <a:t>, </a:t>
-            </a:r>
-            <a:r>
-              <a:rPr lang="ko-KR" altLang="en-US" dirty="0"/>
-              <a:t>제일 특이한 점은</a:t>
-            </a:r>
-            <a:r>
-              <a:rPr lang="en-US" altLang="ko-KR" dirty="0"/>
-              <a:t>, consumer</a:t>
-            </a:r>
-            <a:r>
-              <a:rPr lang="ko-KR" altLang="en-US" dirty="0"/>
-              <a:t>가 </a:t>
-            </a:r>
-            <a:r>
-              <a:rPr lang="ko-KR" altLang="en-US" dirty="0" err="1"/>
-              <a:t>여러개이</a:t>
-            </a:r>
-            <a:r>
-              <a:rPr lang="ko-KR" altLang="en-US" dirty="0"/>
-              <a:t> 많아야 했으며</a:t>
-            </a:r>
-            <a:r>
-              <a:rPr lang="en-US" altLang="ko-KR" dirty="0"/>
-              <a:t>, </a:t>
-            </a:r>
-            <a:r>
-              <a:rPr lang="ko-KR" altLang="en-US" dirty="0"/>
-              <a:t>안정성도 높아야 했을 겁니다</a:t>
-            </a:r>
-            <a:r>
-              <a:rPr lang="en-US" altLang="ko-KR" dirty="0"/>
-              <a:t>.</a:t>
-            </a:r>
-          </a:p>
-          <a:p>
-            <a:pPr marL="0" marR="0" lvl="0" indent="0" algn="l" defTabSz="685800" rtl="0" eaLnBrk="1" fontAlgn="auto" latinLnBrk="1" hangingPunct="1">
-              <a:lnSpc>
-                <a:spcPct val="100000"/>
-              </a:lnSpc>
-              <a:spcBef>
-                <a:spcPts val="0"/>
-              </a:spcBef>
-              <a:spcAft>
-                <a:spcPts val="0"/>
-              </a:spcAft>
-              <a:buClrTx/>
-              <a:buSzTx/>
-              <a:buFontTx/>
-              <a:buNone/>
-              <a:tabLst/>
-              <a:defRPr/>
-            </a:pPr>
-            <a:r>
-              <a:rPr lang="ko-KR" altLang="en-US" dirty="0"/>
-              <a:t>하지만 무엇보다 </a:t>
-            </a:r>
-            <a:r>
-              <a:rPr lang="ko-KR" altLang="en-US" dirty="0" err="1"/>
-              <a:t>중ㅇ</a:t>
-            </a:r>
-            <a:endParaRPr lang="en-US" altLang="ko-KR" dirty="0"/>
-          </a:p>
-          <a:p>
-            <a:endParaRPr lang="en-US" altLang="ko-KR" dirty="0"/>
-          </a:p>
-          <a:p>
-            <a:endParaRPr lang="en-US" altLang="ko-KR" dirty="0"/>
-          </a:p>
-          <a:p>
-            <a:endParaRPr lang="en-US" altLang="ko-KR" dirty="0"/>
-          </a:p>
-          <a:p>
-            <a:r>
-              <a:rPr lang="ko-KR" altLang="en-US" dirty="0"/>
-              <a:t>지금부터 기존 </a:t>
-            </a:r>
-            <a:r>
-              <a:rPr lang="en-US" altLang="ko-KR" dirty="0"/>
-              <a:t>MQ</a:t>
-            </a:r>
-            <a:r>
-              <a:rPr lang="ko-KR" altLang="en-US" dirty="0"/>
-              <a:t>에 비해 </a:t>
-            </a:r>
-            <a:r>
-              <a:rPr lang="en-US" altLang="ko-KR" dirty="0"/>
-              <a:t>Kafka </a:t>
-            </a:r>
-            <a:r>
-              <a:rPr lang="ko-KR" altLang="en-US" dirty="0"/>
-              <a:t>가 어떤 특징을 가지고 있는지 간략하게 살펴보도록 하겠습니다</a:t>
-            </a:r>
-            <a:r>
-              <a:rPr lang="en-US" altLang="ko-KR" dirty="0"/>
-              <a:t>.</a:t>
-            </a:r>
           </a:p>
           <a:p>
             <a:endParaRPr lang="en-US" altLang="ko-KR" dirty="0"/>
@@ -3144,7 +3164,7 @@
     </p:spTree>
     <p:extLst>
       <p:ext uri="{BB962C8B-B14F-4D97-AF65-F5344CB8AC3E}">
-        <p14:creationId xmlns:p14="http://schemas.microsoft.com/office/powerpoint/2010/main" val="2661933239"/>
+        <p14:creationId xmlns:p14="http://schemas.microsoft.com/office/powerpoint/2010/main" val="2130013646"/>
       </p:ext>
     </p:extLst>
   </p:cSld>
@@ -3197,6 +3217,82 @@
         <p:txBody>
           <a:bodyPr/>
           <a:lstStyle/>
+          <a:p>
+            <a:r>
+              <a:rPr lang="ko-KR" altLang="en-US" dirty="0" err="1"/>
+              <a:t>링크드인은</a:t>
+            </a:r>
+            <a:r>
+              <a:rPr lang="ko-KR" altLang="en-US" dirty="0"/>
+              <a:t> 데이터 파이프 라인을 간소화 시키기 위해</a:t>
+            </a:r>
+            <a:r>
+              <a:rPr lang="en-US" altLang="ko-KR" dirty="0"/>
+              <a:t>, </a:t>
+            </a:r>
+            <a:r>
+              <a:rPr lang="ko-KR" altLang="en-US" dirty="0"/>
+              <a:t>중앙 집중형 메시지 관리시스템이 필요했고</a:t>
+            </a:r>
+            <a:endParaRPr lang="en-US" altLang="ko-KR" dirty="0"/>
+          </a:p>
+          <a:p>
+            <a:r>
+              <a:rPr lang="ko-KR" altLang="en-US" dirty="0"/>
+              <a:t>이를 위해 카프카를 파일 시스템 기반의 </a:t>
+            </a:r>
+            <a:r>
+              <a:rPr lang="en-US" altLang="ko-KR" dirty="0"/>
+              <a:t>pub /sub </a:t>
+            </a:r>
+            <a:r>
+              <a:rPr lang="ko-KR" altLang="en-US" dirty="0"/>
+              <a:t>모델로 구현했습니다</a:t>
+            </a:r>
+            <a:r>
+              <a:rPr lang="en-US" altLang="ko-KR" dirty="0"/>
+              <a:t>.</a:t>
+            </a:r>
+          </a:p>
+          <a:p>
+            <a:endParaRPr lang="en-US" altLang="ko-KR" dirty="0"/>
+          </a:p>
+          <a:p>
+            <a:r>
+              <a:rPr lang="ko-KR" altLang="en-US" dirty="0"/>
+              <a:t>카프카 클러스터는 여러 대의 카프카 서버로 구성되는데</a:t>
+            </a:r>
+            <a:r>
+              <a:rPr lang="en-US" altLang="ko-KR" dirty="0"/>
+              <a:t>, </a:t>
+            </a:r>
+            <a:r>
+              <a:rPr lang="ko-KR" altLang="en-US" dirty="0"/>
+              <a:t>이 서버를 노드 또는 브로커라고 부릅니다</a:t>
+            </a:r>
+            <a:r>
+              <a:rPr lang="en-US" altLang="ko-KR" dirty="0"/>
+              <a:t>.</a:t>
+            </a:r>
+          </a:p>
+          <a:p>
+            <a:r>
+              <a:rPr lang="ko-KR" altLang="en-US" dirty="0"/>
+              <a:t>특정 브로커가 죽어도</a:t>
+            </a:r>
+            <a:r>
+              <a:rPr lang="en-US" altLang="ko-KR" dirty="0"/>
+              <a:t>, </a:t>
+            </a:r>
+            <a:r>
+              <a:rPr lang="ko-KR" altLang="en-US" dirty="0"/>
+              <a:t>다른 브로커가 역할을 이어받아 동작하는 방식으로 데이터 유실을 방어하고 있습니다</a:t>
+            </a:r>
+            <a:r>
+              <a:rPr lang="en-US" altLang="ko-KR" dirty="0"/>
+              <a:t>.</a:t>
+            </a:r>
+          </a:p>
           <a:p>
             <a:endParaRPr lang="en-US" altLang="ko-KR" dirty="0"/>
           </a:p>
@@ -3282,7 +3378,670 @@
           <a:bodyPr/>
           <a:lstStyle/>
           <a:p>
+            <a:r>
+              <a:rPr lang="ko-KR" altLang="en-US" dirty="0"/>
+              <a:t>카프카 클러스터가 데이터 유실을 방어하는 동작을 조금 더 자세히 살펴보겠습니다</a:t>
+            </a:r>
+            <a:r>
+              <a:rPr lang="en-US" altLang="ko-KR" dirty="0"/>
+              <a:t>.</a:t>
+            </a:r>
+          </a:p>
+          <a:p>
             <a:endParaRPr lang="en-US" altLang="ko-KR" dirty="0"/>
+          </a:p>
+          <a:p>
+            <a:r>
+              <a:rPr lang="en-US" altLang="ko-KR" dirty="0"/>
+              <a:t>3</a:t>
+            </a:r>
+            <a:r>
+              <a:rPr lang="ko-KR" altLang="en-US" dirty="0"/>
+              <a:t>대의 브로커</a:t>
+            </a:r>
+            <a:r>
+              <a:rPr lang="en-US" altLang="ko-KR" dirty="0"/>
+              <a:t>, </a:t>
+            </a:r>
+            <a:r>
+              <a:rPr lang="ko-KR" altLang="en-US" dirty="0"/>
+              <a:t>물리서버로 운용되는 카프카 클러스터가 있다고 가정해 보겠습니다</a:t>
+            </a:r>
+            <a:r>
+              <a:rPr lang="en-US" altLang="ko-KR" dirty="0"/>
+              <a:t>.</a:t>
+            </a:r>
+          </a:p>
+          <a:p>
+            <a:endParaRPr lang="en-US" altLang="ko-KR" dirty="0"/>
+          </a:p>
+          <a:p>
+            <a:r>
+              <a:rPr lang="en-US" altLang="ko-KR" dirty="0"/>
+              <a:t>A</a:t>
+            </a:r>
+            <a:r>
+              <a:rPr lang="ko-KR" altLang="en-US" dirty="0"/>
+              <a:t> 라는 토픽이 있고</a:t>
+            </a:r>
+            <a:r>
+              <a:rPr lang="en-US" altLang="ko-KR" dirty="0"/>
+              <a:t>, </a:t>
+            </a:r>
+            <a:r>
+              <a:rPr lang="ko-KR" altLang="en-US" dirty="0"/>
+              <a:t>여기에 </a:t>
+            </a:r>
+            <a:r>
+              <a:rPr lang="en-US" altLang="ko-KR" dirty="0"/>
+              <a:t>3</a:t>
+            </a:r>
+            <a:r>
+              <a:rPr lang="ko-KR" altLang="en-US" dirty="0"/>
+              <a:t>개의 파티션을 두려고 합니다</a:t>
+            </a:r>
+            <a:r>
+              <a:rPr lang="en-US" altLang="ko-KR" dirty="0"/>
+              <a:t>. </a:t>
+            </a:r>
+            <a:r>
+              <a:rPr lang="ko-KR" altLang="en-US" dirty="0"/>
+              <a:t>이러면 메시지가 라운드 로빈 방식으로 순서대로 이렇게 </a:t>
+            </a:r>
+            <a:r>
+              <a:rPr lang="en-US" altLang="ko-KR" dirty="0"/>
+              <a:t>… </a:t>
+            </a:r>
+            <a:r>
+              <a:rPr lang="ko-KR" altLang="en-US" dirty="0"/>
+              <a:t>적재될 </a:t>
+            </a:r>
+            <a:r>
+              <a:rPr lang="ko-KR" altLang="en-US" dirty="0" err="1"/>
+              <a:t>거에요</a:t>
+            </a:r>
+            <a:r>
+              <a:rPr lang="en-US" altLang="ko-KR" dirty="0"/>
+              <a:t>.</a:t>
+            </a:r>
+          </a:p>
+          <a:p>
+            <a:r>
+              <a:rPr lang="ko-KR" altLang="en-US" dirty="0"/>
+              <a:t>그리고 복제본은 </a:t>
+            </a:r>
+            <a:r>
+              <a:rPr lang="en-US" altLang="ko-KR" dirty="0"/>
+              <a:t>2</a:t>
+            </a:r>
+            <a:r>
+              <a:rPr lang="ko-KR" altLang="en-US" dirty="0"/>
+              <a:t>개를 두도록 세팅했다고 가정해 보겠습니다</a:t>
+            </a:r>
+            <a:r>
+              <a:rPr lang="en-US" altLang="ko-KR" dirty="0"/>
+              <a:t>.</a:t>
+            </a:r>
+          </a:p>
+          <a:p>
+            <a:endParaRPr lang="en-US" altLang="ko-KR" dirty="0"/>
+          </a:p>
+          <a:p>
+            <a:r>
+              <a:rPr lang="en-US" altLang="ko-KR" dirty="0"/>
+              <a:t>A </a:t>
+            </a:r>
+            <a:r>
+              <a:rPr lang="ko-KR" altLang="en-US" dirty="0"/>
+              <a:t>라는 폴더가 있고</a:t>
+            </a:r>
+            <a:r>
+              <a:rPr lang="en-US" altLang="ko-KR" dirty="0"/>
+              <a:t>, </a:t>
+            </a:r>
+            <a:r>
+              <a:rPr lang="ko-KR" altLang="en-US" dirty="0"/>
+              <a:t>여기에 </a:t>
+            </a:r>
+            <a:r>
+              <a:rPr lang="en-US" altLang="ko-KR" dirty="0"/>
+              <a:t>1</a:t>
+            </a:r>
+            <a:r>
+              <a:rPr lang="ko-KR" altLang="en-US" dirty="0"/>
+              <a:t>번 파티션 파일이 브로커 </a:t>
+            </a:r>
+            <a:r>
+              <a:rPr lang="en-US" altLang="ko-KR" dirty="0"/>
+              <a:t>1, </a:t>
+            </a:r>
+            <a:r>
+              <a:rPr lang="ko-KR" altLang="en-US" dirty="0"/>
+              <a:t>브로커 </a:t>
+            </a:r>
+            <a:r>
+              <a:rPr lang="en-US" altLang="ko-KR" dirty="0"/>
+              <a:t>3</a:t>
+            </a:r>
+            <a:r>
+              <a:rPr lang="ko-KR" altLang="en-US" dirty="0"/>
+              <a:t>에 배치될 </a:t>
+            </a:r>
+            <a:r>
+              <a:rPr lang="ko-KR" altLang="en-US" dirty="0" err="1"/>
+              <a:t>거에요</a:t>
+            </a:r>
+            <a:r>
+              <a:rPr lang="en-US" altLang="ko-KR" dirty="0"/>
+              <a:t>. </a:t>
+            </a:r>
+            <a:r>
+              <a:rPr lang="ko-KR" altLang="en-US" dirty="0"/>
+              <a:t>토픽 </a:t>
+            </a:r>
+            <a:r>
+              <a:rPr lang="en-US" altLang="ko-KR" dirty="0"/>
+              <a:t>A </a:t>
+            </a:r>
+            <a:r>
+              <a:rPr lang="ko-KR" altLang="en-US" dirty="0"/>
+              <a:t>의 </a:t>
+            </a:r>
+            <a:r>
+              <a:rPr lang="en-US" altLang="ko-KR" dirty="0"/>
+              <a:t>1</a:t>
+            </a:r>
+            <a:r>
+              <a:rPr lang="ko-KR" altLang="en-US" dirty="0"/>
+              <a:t>번 파티션 리더는 </a:t>
+            </a:r>
+            <a:r>
+              <a:rPr lang="ko-KR" altLang="en-US" dirty="0" err="1"/>
+              <a:t>이거에요</a:t>
+            </a:r>
+            <a:r>
+              <a:rPr lang="en-US" altLang="ko-KR" dirty="0"/>
+              <a:t>.</a:t>
+            </a:r>
+          </a:p>
+          <a:p>
+            <a:r>
+              <a:rPr lang="en-US" altLang="ko-KR" dirty="0"/>
+              <a:t>2</a:t>
+            </a:r>
+            <a:r>
+              <a:rPr lang="ko-KR" altLang="en-US" dirty="0"/>
+              <a:t>번 파티션은 이렇게 브로커 </a:t>
+            </a:r>
+            <a:r>
+              <a:rPr lang="en-US" altLang="ko-KR" dirty="0"/>
+              <a:t>1, </a:t>
+            </a:r>
+            <a:r>
+              <a:rPr lang="ko-KR" altLang="en-US" dirty="0"/>
+              <a:t>브로커 </a:t>
+            </a:r>
+            <a:r>
+              <a:rPr lang="en-US" altLang="ko-KR" dirty="0"/>
+              <a:t>2</a:t>
+            </a:r>
+            <a:r>
+              <a:rPr lang="ko-KR" altLang="en-US" dirty="0"/>
+              <a:t>에 배치되고요</a:t>
+            </a:r>
+            <a:r>
+              <a:rPr lang="en-US" altLang="ko-KR" dirty="0"/>
+              <a:t>, </a:t>
+            </a:r>
+            <a:r>
+              <a:rPr lang="ko-KR" altLang="en-US" dirty="0"/>
+              <a:t>파티션 리더는 브로커 </a:t>
+            </a:r>
+            <a:r>
+              <a:rPr lang="en-US" altLang="ko-KR" dirty="0"/>
+              <a:t>2</a:t>
+            </a:r>
+            <a:r>
+              <a:rPr lang="ko-KR" altLang="en-US" dirty="0"/>
+              <a:t>에 배치됩니다</a:t>
+            </a:r>
+            <a:r>
+              <a:rPr lang="en-US" altLang="ko-KR" dirty="0"/>
+              <a:t>. </a:t>
+            </a:r>
+            <a:r>
+              <a:rPr lang="ko-KR" altLang="en-US" dirty="0"/>
+              <a:t>만약 리더가 브로커 </a:t>
+            </a:r>
+            <a:r>
+              <a:rPr lang="en-US" altLang="ko-KR" dirty="0"/>
+              <a:t>1</a:t>
+            </a:r>
+            <a:r>
+              <a:rPr lang="ko-KR" altLang="en-US" dirty="0"/>
+              <a:t>에 모두 있다면</a:t>
+            </a:r>
+            <a:r>
+              <a:rPr lang="en-US" altLang="ko-KR" dirty="0"/>
+              <a:t>, </a:t>
+            </a:r>
+            <a:r>
+              <a:rPr lang="ko-KR" altLang="en-US" dirty="0"/>
+              <a:t>브로커 </a:t>
+            </a:r>
+            <a:r>
+              <a:rPr lang="en-US" altLang="ko-KR" dirty="0"/>
+              <a:t>1</a:t>
+            </a:r>
+            <a:r>
+              <a:rPr lang="ko-KR" altLang="en-US" dirty="0"/>
+              <a:t>이 죽었을 때 리더 노드가 유실되기 때문에 카프카 클러스터는 이렇게 배치하지 않고 리더를 브로커 </a:t>
+            </a:r>
+            <a:r>
+              <a:rPr lang="en-US" altLang="ko-KR" dirty="0"/>
+              <a:t>2</a:t>
+            </a:r>
+            <a:r>
+              <a:rPr lang="ko-KR" altLang="en-US" dirty="0"/>
+              <a:t>에 이렇게 배치합니다</a:t>
+            </a:r>
+            <a:r>
+              <a:rPr lang="en-US" altLang="ko-KR" dirty="0"/>
+              <a:t>.</a:t>
+            </a:r>
+          </a:p>
+          <a:p>
+            <a:endParaRPr lang="en-US" altLang="ko-KR" dirty="0"/>
+          </a:p>
+          <a:p>
+            <a:r>
+              <a:rPr lang="ko-KR" altLang="en-US" dirty="0"/>
+              <a:t>이어서</a:t>
+            </a:r>
+            <a:r>
+              <a:rPr lang="en-US" altLang="ko-KR" dirty="0"/>
+              <a:t>, 3</a:t>
+            </a:r>
+            <a:r>
+              <a:rPr lang="ko-KR" altLang="en-US" dirty="0"/>
+              <a:t>번 파티션은 브로커 </a:t>
+            </a:r>
+            <a:r>
+              <a:rPr lang="en-US" altLang="ko-KR" dirty="0"/>
+              <a:t>2, </a:t>
+            </a:r>
+            <a:r>
+              <a:rPr lang="ko-KR" altLang="en-US" dirty="0"/>
+              <a:t>브로커 </a:t>
+            </a:r>
+            <a:r>
+              <a:rPr lang="en-US" altLang="ko-KR" dirty="0"/>
+              <a:t>3</a:t>
+            </a:r>
+            <a:r>
+              <a:rPr lang="ko-KR" altLang="en-US" dirty="0"/>
+              <a:t>에 배치되고요</a:t>
+            </a:r>
+            <a:r>
+              <a:rPr lang="en-US" altLang="ko-KR" dirty="0"/>
+              <a:t>. 3</a:t>
+            </a:r>
+            <a:r>
+              <a:rPr lang="ko-KR" altLang="en-US" dirty="0"/>
+              <a:t>번 파티션의 리더는 브로커 </a:t>
+            </a:r>
+            <a:r>
+              <a:rPr lang="en-US" altLang="ko-KR" dirty="0"/>
+              <a:t>3</a:t>
+            </a:r>
+            <a:r>
+              <a:rPr lang="ko-KR" altLang="en-US" dirty="0"/>
+              <a:t>에 분산 배치됩니다</a:t>
+            </a:r>
+            <a:r>
+              <a:rPr lang="en-US" altLang="ko-KR" dirty="0"/>
+              <a:t>.</a:t>
+            </a:r>
+          </a:p>
+          <a:p>
+            <a:endParaRPr lang="en-US" altLang="ko-KR" dirty="0"/>
+          </a:p>
+          <a:p>
+            <a:r>
+              <a:rPr lang="ko-KR" altLang="en-US" dirty="0"/>
+              <a:t>토픽 내 파티션은 이렇게 </a:t>
+            </a:r>
+            <a:r>
+              <a:rPr lang="en-US" altLang="ko-KR" dirty="0"/>
+              <a:t>Leader – Follower </a:t>
+            </a:r>
+            <a:r>
+              <a:rPr lang="ko-KR" altLang="en-US" dirty="0"/>
+              <a:t>구조로 배치되고요</a:t>
+            </a:r>
+            <a:r>
+              <a:rPr lang="en-US" altLang="ko-KR" dirty="0"/>
+              <a:t>. </a:t>
+            </a:r>
+            <a:r>
+              <a:rPr lang="ko-KR" altLang="en-US" dirty="0"/>
+              <a:t>메시지가 들어오면 이렇게 </a:t>
+            </a:r>
+            <a:r>
+              <a:rPr lang="en-US" altLang="ko-KR" dirty="0"/>
+              <a:t>Leader </a:t>
+            </a:r>
+            <a:r>
+              <a:rPr lang="ko-KR" altLang="en-US" dirty="0"/>
+              <a:t>를 거쳐 </a:t>
+            </a:r>
+            <a:r>
+              <a:rPr lang="en-US" altLang="ko-KR" dirty="0"/>
+              <a:t>Follower </a:t>
+            </a:r>
+            <a:r>
+              <a:rPr lang="ko-KR" altLang="en-US" dirty="0"/>
+              <a:t>로 흘러갑니다</a:t>
+            </a:r>
+            <a:r>
+              <a:rPr lang="en-US" altLang="ko-KR" dirty="0"/>
+              <a:t>.</a:t>
+            </a:r>
+          </a:p>
+          <a:p>
+            <a:endParaRPr lang="en-US" altLang="ko-KR" dirty="0"/>
+          </a:p>
+          <a:p>
+            <a:r>
+              <a:rPr lang="ko-KR" altLang="en-US" dirty="0"/>
+              <a:t>만약 브로커 </a:t>
+            </a:r>
+            <a:r>
+              <a:rPr lang="en-US" altLang="ko-KR" dirty="0"/>
+              <a:t>1</a:t>
+            </a:r>
+            <a:r>
+              <a:rPr lang="ko-KR" altLang="en-US" dirty="0"/>
+              <a:t>이 죽으면 어떻게 될까요 </a:t>
+            </a:r>
+            <a:r>
+              <a:rPr lang="en-US" altLang="ko-KR" dirty="0"/>
+              <a:t>?</a:t>
+            </a:r>
+          </a:p>
+          <a:p>
+            <a:endParaRPr lang="en-US" altLang="ko-KR" dirty="0"/>
+          </a:p>
+          <a:p>
+            <a:r>
+              <a:rPr lang="en-US" altLang="ko-KR" dirty="0"/>
+              <a:t>1</a:t>
+            </a:r>
+            <a:r>
+              <a:rPr lang="ko-KR" altLang="en-US" dirty="0"/>
+              <a:t>번 파티션의 </a:t>
+            </a:r>
+            <a:r>
+              <a:rPr lang="en-US" altLang="ko-KR" dirty="0"/>
+              <a:t>follower </a:t>
+            </a:r>
+            <a:r>
+              <a:rPr lang="ko-KR" altLang="en-US" dirty="0"/>
+              <a:t>가 브로커 </a:t>
+            </a:r>
+            <a:r>
+              <a:rPr lang="en-US" altLang="ko-KR" dirty="0"/>
+              <a:t>3</a:t>
+            </a:r>
+            <a:r>
+              <a:rPr lang="ko-KR" altLang="en-US" dirty="0"/>
+              <a:t>에 살아있습니다</a:t>
+            </a:r>
+            <a:r>
+              <a:rPr lang="en-US" altLang="ko-KR" dirty="0"/>
+              <a:t>. </a:t>
+            </a:r>
+            <a:r>
+              <a:rPr lang="ko-KR" altLang="en-US" dirty="0"/>
+              <a:t>이게 새로운 리더가 되고요</a:t>
+            </a:r>
+            <a:r>
+              <a:rPr lang="en-US" altLang="ko-KR" dirty="0"/>
+              <a:t>. 1</a:t>
+            </a:r>
+            <a:r>
+              <a:rPr lang="ko-KR" altLang="en-US" dirty="0"/>
+              <a:t>번 파티션의 </a:t>
+            </a:r>
+            <a:r>
+              <a:rPr lang="en-US" altLang="ko-KR" dirty="0"/>
+              <a:t>follower </a:t>
+            </a:r>
+            <a:r>
+              <a:rPr lang="ko-KR" altLang="en-US" dirty="0"/>
+              <a:t>는 브로커 </a:t>
+            </a:r>
+            <a:r>
+              <a:rPr lang="en-US" altLang="ko-KR" dirty="0"/>
+              <a:t>2</a:t>
+            </a:r>
+            <a:r>
+              <a:rPr lang="ko-KR" altLang="en-US" dirty="0"/>
+              <a:t>에 생성됩니다</a:t>
+            </a:r>
+            <a:r>
+              <a:rPr lang="en-US" altLang="ko-KR" dirty="0"/>
+              <a:t>.</a:t>
+            </a:r>
+          </a:p>
+          <a:p>
+            <a:r>
+              <a:rPr lang="en-US" altLang="ko-KR" dirty="0"/>
+              <a:t>2</a:t>
+            </a:r>
+            <a:r>
+              <a:rPr lang="ko-KR" altLang="en-US" dirty="0"/>
+              <a:t>번 파티션의 리더는 살아있습니다만</a:t>
+            </a:r>
+            <a:r>
+              <a:rPr lang="en-US" altLang="ko-KR" dirty="0"/>
+              <a:t>, </a:t>
+            </a:r>
+            <a:r>
+              <a:rPr lang="ko-KR" altLang="en-US" dirty="0"/>
+              <a:t>이젠 </a:t>
+            </a:r>
+            <a:r>
+              <a:rPr lang="en-US" altLang="ko-KR" dirty="0"/>
+              <a:t>follower </a:t>
+            </a:r>
+            <a:r>
+              <a:rPr lang="ko-KR" altLang="en-US" dirty="0"/>
+              <a:t>가 사라졌습니다</a:t>
+            </a:r>
+            <a:r>
+              <a:rPr lang="en-US" altLang="ko-KR" dirty="0"/>
+              <a:t>. </a:t>
+            </a:r>
+            <a:r>
+              <a:rPr lang="ko-KR" altLang="en-US" dirty="0"/>
+              <a:t>그래서 브로커 </a:t>
+            </a:r>
+            <a:r>
+              <a:rPr lang="en-US" altLang="ko-KR" dirty="0"/>
+              <a:t>3</a:t>
+            </a:r>
+            <a:r>
+              <a:rPr lang="ko-KR" altLang="en-US" dirty="0"/>
+              <a:t>에 </a:t>
+            </a:r>
+            <a:r>
+              <a:rPr lang="en-US" altLang="ko-KR" dirty="0"/>
+              <a:t>2</a:t>
+            </a:r>
+            <a:r>
+              <a:rPr lang="ko-KR" altLang="en-US" dirty="0"/>
+              <a:t>번 파티션의 </a:t>
+            </a:r>
+            <a:r>
+              <a:rPr lang="en-US" altLang="ko-KR" dirty="0"/>
+              <a:t>follower </a:t>
+            </a:r>
+            <a:r>
+              <a:rPr lang="ko-KR" altLang="en-US" dirty="0"/>
+              <a:t>를 백그라운드에서 복구합니다</a:t>
+            </a:r>
+            <a:r>
+              <a:rPr lang="en-US" altLang="ko-KR" dirty="0"/>
+              <a:t>.</a:t>
+            </a:r>
+          </a:p>
+          <a:p>
+            <a:endParaRPr lang="en-US" altLang="ko-KR" dirty="0"/>
+          </a:p>
+          <a:p>
+            <a:endParaRPr lang="en-US" altLang="ko-KR" dirty="0"/>
+          </a:p>
+          <a:p>
+            <a:r>
+              <a:rPr lang="ko-KR" altLang="en-US" dirty="0"/>
+              <a:t>그런데</a:t>
+            </a:r>
+            <a:r>
+              <a:rPr lang="en-US" altLang="ko-KR" dirty="0"/>
+              <a:t>, </a:t>
+            </a:r>
+            <a:r>
+              <a:rPr lang="ko-KR" altLang="en-US" dirty="0"/>
+              <a:t>이런 복잡한 동작을 처리하기 위해서는</a:t>
+            </a:r>
+            <a:r>
+              <a:rPr lang="en-US" altLang="ko-KR" dirty="0"/>
+              <a:t>, </a:t>
+            </a:r>
+            <a:r>
+              <a:rPr lang="ko-KR" altLang="en-US" dirty="0"/>
+              <a:t>어떤 브로커가 활성화 상태인지</a:t>
+            </a:r>
+            <a:r>
+              <a:rPr lang="en-US" altLang="ko-KR" dirty="0"/>
+              <a:t>, </a:t>
+            </a:r>
+            <a:r>
+              <a:rPr lang="ko-KR" altLang="en-US" dirty="0"/>
+              <a:t>어떤 토픽이 존재하는지</a:t>
+            </a:r>
+            <a:r>
+              <a:rPr lang="en-US" altLang="ko-KR" dirty="0"/>
+              <a:t>, </a:t>
+            </a:r>
+            <a:r>
+              <a:rPr lang="ko-KR" altLang="en-US" dirty="0"/>
+              <a:t>어떤 파티션이 리더이고 </a:t>
+            </a:r>
+            <a:r>
+              <a:rPr lang="ko-KR" altLang="en-US" dirty="0" err="1"/>
+              <a:t>팔로워인지</a:t>
+            </a:r>
+            <a:r>
+              <a:rPr lang="ko-KR" altLang="en-US" dirty="0"/>
+              <a:t> 등의 상태가 실시간으로 </a:t>
+            </a:r>
+            <a:r>
+              <a:rPr lang="ko-KR" altLang="en-US" dirty="0" err="1"/>
+              <a:t>관리되어야만</a:t>
+            </a:r>
+            <a:r>
+              <a:rPr lang="ko-KR" altLang="en-US" dirty="0"/>
+              <a:t> 합니다</a:t>
+            </a:r>
+            <a:r>
+              <a:rPr lang="en-US" altLang="ko-KR" dirty="0"/>
+              <a:t>.</a:t>
+            </a:r>
+          </a:p>
+          <a:p>
+            <a:r>
+              <a:rPr lang="ko-KR" altLang="en-US" dirty="0"/>
+              <a:t>이런 작업을 분산 </a:t>
+            </a:r>
+            <a:r>
+              <a:rPr lang="ko-KR" altLang="en-US" dirty="0" err="1"/>
+              <a:t>코디네이팅이라</a:t>
+            </a:r>
+            <a:r>
+              <a:rPr lang="ko-KR" altLang="en-US" dirty="0"/>
+              <a:t> 하며</a:t>
+            </a:r>
+            <a:r>
+              <a:rPr lang="en-US" altLang="ko-KR" dirty="0"/>
+              <a:t>, </a:t>
+            </a:r>
+            <a:r>
+              <a:rPr lang="ko-KR" altLang="en-US" dirty="0"/>
+              <a:t>카프카 클러스터는 </a:t>
+            </a:r>
+            <a:r>
+              <a:rPr lang="en-US" altLang="ko-KR" dirty="0"/>
+              <a:t>Zookeeper </a:t>
+            </a:r>
+            <a:r>
+              <a:rPr lang="ko-KR" altLang="en-US" dirty="0"/>
+              <a:t>로 이를 수행합니다</a:t>
+            </a:r>
+            <a:r>
+              <a:rPr lang="en-US" altLang="ko-KR" dirty="0"/>
+              <a:t>.</a:t>
+            </a:r>
+          </a:p>
+          <a:p>
+            <a:endParaRPr lang="en-US" altLang="ko-KR" dirty="0"/>
+          </a:p>
+          <a:p>
+            <a:r>
+              <a:rPr lang="en-US" altLang="ko-KR" dirty="0"/>
+              <a:t>Zookeeper </a:t>
+            </a:r>
+            <a:r>
+              <a:rPr lang="ko-KR" altLang="en-US" dirty="0"/>
+              <a:t>는 </a:t>
+            </a:r>
+            <a:r>
+              <a:rPr lang="en-US" altLang="ko-KR" dirty="0"/>
+              <a:t>Key Value Store</a:t>
+            </a:r>
+            <a:r>
+              <a:rPr lang="ko-KR" altLang="en-US" dirty="0"/>
+              <a:t> 입니다만</a:t>
+            </a:r>
+            <a:r>
+              <a:rPr lang="en-US" altLang="ko-KR" dirty="0"/>
+              <a:t>, </a:t>
+            </a:r>
+            <a:r>
+              <a:rPr lang="ko-KR" altLang="en-US" dirty="0"/>
+              <a:t>이런 분산 </a:t>
+            </a:r>
+            <a:r>
+              <a:rPr lang="ko-KR" altLang="en-US" dirty="0" err="1"/>
+              <a:t>코디네이션</a:t>
+            </a:r>
+            <a:r>
+              <a:rPr lang="ko-KR" altLang="en-US" dirty="0"/>
+              <a:t> 목적에 특화되어 있으며</a:t>
+            </a:r>
+            <a:r>
+              <a:rPr lang="en-US" altLang="ko-KR" dirty="0"/>
+              <a:t>, </a:t>
+            </a:r>
+            <a:r>
+              <a:rPr lang="ko-KR" altLang="en-US" dirty="0"/>
+              <a:t>과반의 찬성으로 데이터 일관성을 확인하기 때문에 서버를 홀수 개로 운영합니다</a:t>
+            </a:r>
+            <a:r>
+              <a:rPr lang="en-US" altLang="ko-KR" dirty="0"/>
+              <a:t>.</a:t>
+            </a:r>
           </a:p>
         </p:txBody>
       </p:sp>
@@ -3681,7 +4440,396 @@
           <a:bodyPr/>
           <a:lstStyle/>
           <a:p>
+            <a:r>
+              <a:rPr lang="ko-KR" altLang="en-US" dirty="0"/>
+              <a:t>이제 </a:t>
+            </a:r>
+            <a:r>
+              <a:rPr lang="en-US" altLang="ko-KR" dirty="0"/>
+              <a:t>Producer </a:t>
+            </a:r>
+            <a:r>
+              <a:rPr lang="ko-KR" altLang="en-US" dirty="0"/>
+              <a:t>를 살펴보겠습니다</a:t>
+            </a:r>
+            <a:r>
+              <a:rPr lang="en-US" altLang="ko-KR" dirty="0"/>
+              <a:t>.</a:t>
+            </a:r>
+          </a:p>
+          <a:p>
             <a:endParaRPr lang="en-US" altLang="ko-KR" dirty="0"/>
+          </a:p>
+          <a:p>
+            <a:r>
+              <a:rPr lang="ko-KR" altLang="en-US" dirty="0"/>
+              <a:t>프로듀서는 카프카 클러스터의 토픽에 메시지를 발행하는 클라이언트입니다</a:t>
+            </a:r>
+            <a:r>
+              <a:rPr lang="en-US" altLang="ko-KR" dirty="0"/>
+              <a:t>.</a:t>
+            </a:r>
+          </a:p>
+          <a:p>
+            <a:endParaRPr lang="en-US" altLang="ko-KR" dirty="0"/>
+          </a:p>
+          <a:p>
+            <a:r>
+              <a:rPr lang="en-US" altLang="ko-KR" dirty="0"/>
+              <a:t>Acks </a:t>
+            </a:r>
+            <a:r>
+              <a:rPr lang="ko-KR" altLang="en-US" dirty="0"/>
+              <a:t>라는 옵션이 있는데</a:t>
+            </a:r>
+            <a:r>
+              <a:rPr lang="en-US" altLang="ko-KR" dirty="0"/>
+              <a:t>, </a:t>
+            </a:r>
+            <a:r>
+              <a:rPr lang="ko-KR" altLang="en-US" dirty="0"/>
+              <a:t>이걸 잠깐 알아보겠습니다</a:t>
+            </a:r>
+            <a:r>
+              <a:rPr lang="en-US" altLang="ko-KR" dirty="0"/>
+              <a:t>.</a:t>
+            </a:r>
+          </a:p>
+          <a:p>
+            <a:endParaRPr lang="en-US" altLang="ko-KR" dirty="0"/>
+          </a:p>
+          <a:p>
+            <a:pPr marL="171450" indent="-171450">
+              <a:buFont typeface="Arial" panose="020B0604020202020204" pitchFamily="34" charset="0"/>
+              <a:buChar char="•"/>
+            </a:pPr>
+            <a:r>
+              <a:rPr lang="en-US" altLang="ko-KR" dirty="0"/>
+              <a:t>Acks = 0 : </a:t>
+            </a:r>
+            <a:r>
+              <a:rPr lang="ko-KR" altLang="en-US" dirty="0"/>
+              <a:t>발행 요청 후 응답을 기다리지 않습니다</a:t>
+            </a:r>
+            <a:r>
+              <a:rPr lang="en-US" altLang="ko-KR" dirty="0"/>
+              <a:t>. </a:t>
+            </a:r>
+            <a:r>
+              <a:rPr lang="ko-KR" altLang="en-US" dirty="0"/>
+              <a:t>메시지가 정상 발행되었는지를 확인하지 않아도 될 때 사용합니다</a:t>
+            </a:r>
+            <a:r>
+              <a:rPr lang="en-US" altLang="ko-KR" dirty="0"/>
+              <a:t>.</a:t>
+            </a:r>
+          </a:p>
+          <a:p>
+            <a:pPr marL="171450" lvl="0" indent="-171450">
+              <a:buFont typeface="Arial" panose="020B0604020202020204" pitchFamily="34" charset="0"/>
+              <a:buChar char="•"/>
+            </a:pPr>
+            <a:r>
+              <a:rPr lang="en-US" altLang="ko-KR" dirty="0"/>
+              <a:t>Acks</a:t>
+            </a:r>
+            <a:r>
+              <a:rPr lang="ko-KR" altLang="en-US" dirty="0"/>
+              <a:t> </a:t>
+            </a:r>
+            <a:r>
+              <a:rPr lang="en-US" altLang="ko-KR" dirty="0"/>
+              <a:t>=</a:t>
+            </a:r>
+            <a:r>
+              <a:rPr lang="ko-KR" altLang="en-US" dirty="0"/>
+              <a:t> </a:t>
+            </a:r>
+            <a:r>
+              <a:rPr lang="en-US" altLang="ko-KR" dirty="0"/>
+              <a:t>1</a:t>
+            </a:r>
+            <a:r>
+              <a:rPr lang="ko-KR" altLang="en-US" dirty="0"/>
+              <a:t> </a:t>
+            </a:r>
+            <a:r>
+              <a:rPr lang="en-US" altLang="ko-KR" dirty="0"/>
+              <a:t>:</a:t>
+            </a:r>
+            <a:r>
+              <a:rPr lang="ko-KR" altLang="en-US" dirty="0"/>
+              <a:t> 리더 노드가 메시지를 받았다는 것 까지만 확인합니다</a:t>
+            </a:r>
+            <a:r>
+              <a:rPr lang="en-US" altLang="ko-KR" dirty="0"/>
+              <a:t>. </a:t>
+            </a:r>
+            <a:r>
+              <a:rPr lang="ko-KR" altLang="en-US" dirty="0"/>
+              <a:t>디폴트 옵션입니다</a:t>
+            </a:r>
+            <a:r>
+              <a:rPr lang="en-US" altLang="ko-KR" dirty="0"/>
+              <a:t>.</a:t>
+            </a:r>
+          </a:p>
+          <a:p>
+            <a:pPr marL="171450" indent="-171450">
+              <a:buFont typeface="Arial" panose="020B0604020202020204" pitchFamily="34" charset="0"/>
+              <a:buChar char="•"/>
+            </a:pPr>
+            <a:r>
+              <a:rPr lang="en-US" altLang="ko-KR" dirty="0"/>
+              <a:t>Acks = all : </a:t>
+            </a:r>
+            <a:r>
+              <a:rPr lang="ko-KR" altLang="en-US" dirty="0"/>
+              <a:t>리더 노드에서 </a:t>
+            </a:r>
+            <a:r>
+              <a:rPr lang="ko-KR" altLang="en-US" dirty="0" err="1"/>
+              <a:t>팔로워</a:t>
+            </a:r>
+            <a:r>
+              <a:rPr lang="ko-KR" altLang="en-US" dirty="0"/>
+              <a:t> 노드들까지 메시지가 모두 기록되는 것을 기다립니다</a:t>
+            </a:r>
+            <a:r>
+              <a:rPr lang="en-US" altLang="ko-KR" dirty="0"/>
+              <a:t>. </a:t>
+            </a:r>
+            <a:r>
+              <a:rPr lang="ko-KR" altLang="en-US" dirty="0" err="1"/>
+              <a:t>컨슈머에</a:t>
+            </a:r>
+            <a:r>
+              <a:rPr lang="ko-KR" altLang="en-US" dirty="0"/>
+              <a:t> 데이터가 정확히 </a:t>
+            </a:r>
+            <a:r>
+              <a:rPr lang="en-US" altLang="ko-KR" dirty="0"/>
+              <a:t>1</a:t>
+            </a:r>
+            <a:r>
+              <a:rPr lang="ko-KR" altLang="en-US" dirty="0"/>
+              <a:t>번 전달되는 것을 보장하기 위한 옵션이긴 합니다만</a:t>
+            </a:r>
+            <a:r>
+              <a:rPr lang="en-US" altLang="ko-KR" dirty="0"/>
+              <a:t>, </a:t>
+            </a:r>
+            <a:r>
+              <a:rPr lang="ko-KR" altLang="en-US" dirty="0"/>
+              <a:t>느려서 잘 사용되지 않습니다</a:t>
+            </a:r>
+            <a:r>
+              <a:rPr lang="en-US" altLang="ko-KR" dirty="0"/>
+              <a:t>.</a:t>
+            </a:r>
+          </a:p>
+          <a:p>
+            <a:pPr marL="171450" indent="-171450">
+              <a:buFont typeface="Arial" panose="020B0604020202020204" pitchFamily="34" charset="0"/>
+              <a:buChar char="•"/>
+            </a:pPr>
+            <a:endParaRPr lang="en-US" altLang="ko-KR" dirty="0"/>
+          </a:p>
+          <a:p>
+            <a:pPr marL="0" indent="0">
+              <a:buFont typeface="Arial" panose="020B0604020202020204" pitchFamily="34" charset="0"/>
+              <a:buNone/>
+            </a:pPr>
+            <a:r>
+              <a:rPr lang="ko-KR" altLang="en-US" dirty="0" err="1"/>
+              <a:t>컨슈머는</a:t>
+            </a:r>
+            <a:r>
+              <a:rPr lang="ko-KR" altLang="en-US" dirty="0"/>
+              <a:t> 카프카 클러스터의 토픽</a:t>
+            </a:r>
+            <a:r>
+              <a:rPr lang="en-US" altLang="ko-KR" dirty="0"/>
+              <a:t>/</a:t>
+            </a:r>
+            <a:r>
+              <a:rPr lang="ko-KR" altLang="en-US" dirty="0"/>
+              <a:t>파티션에 발행된 데이터를 </a:t>
+            </a:r>
+            <a:r>
+              <a:rPr lang="ko-KR" altLang="en-US" dirty="0" err="1"/>
+              <a:t>읽어들이는</a:t>
+            </a:r>
+            <a:r>
+              <a:rPr lang="ko-KR" altLang="en-US" dirty="0"/>
+              <a:t> 클라이언트입니다</a:t>
+            </a:r>
+            <a:r>
+              <a:rPr lang="en-US" altLang="ko-KR" dirty="0"/>
+              <a:t>.</a:t>
+            </a:r>
+          </a:p>
+          <a:p>
+            <a:pPr marL="0" indent="0">
+              <a:buFont typeface="Arial" panose="020B0604020202020204" pitchFamily="34" charset="0"/>
+              <a:buNone/>
+            </a:pPr>
+            <a:endParaRPr lang="en-US" altLang="ko-KR" dirty="0"/>
+          </a:p>
+          <a:p>
+            <a:pPr marL="0" indent="0">
+              <a:buFont typeface="Arial" panose="020B0604020202020204" pitchFamily="34" charset="0"/>
+              <a:buNone/>
+            </a:pPr>
+            <a:r>
+              <a:rPr lang="ko-KR" altLang="en-US" dirty="0" err="1"/>
+              <a:t>컨슈머</a:t>
+            </a:r>
+            <a:r>
+              <a:rPr lang="ko-KR" altLang="en-US" dirty="0"/>
+              <a:t> </a:t>
+            </a:r>
+            <a:r>
+              <a:rPr lang="ko-KR" altLang="en-US" dirty="0" err="1"/>
+              <a:t>그룹이란게</a:t>
+            </a:r>
+            <a:r>
+              <a:rPr lang="ko-KR" altLang="en-US" dirty="0"/>
+              <a:t> 있는데</a:t>
+            </a:r>
+            <a:r>
+              <a:rPr lang="en-US" altLang="ko-KR" dirty="0"/>
+              <a:t>, </a:t>
+            </a:r>
+            <a:r>
+              <a:rPr lang="ko-KR" altLang="en-US" dirty="0"/>
+              <a:t>동일한 토픽</a:t>
+            </a:r>
+            <a:r>
+              <a:rPr lang="en-US" altLang="ko-KR" dirty="0"/>
+              <a:t>/</a:t>
+            </a:r>
+            <a:r>
+              <a:rPr lang="ko-KR" altLang="en-US" dirty="0"/>
+              <a:t>파티션에 발행된 메시지라도</a:t>
+            </a:r>
+            <a:r>
+              <a:rPr lang="en-US" altLang="ko-KR" dirty="0"/>
+              <a:t>, </a:t>
+            </a:r>
+            <a:r>
+              <a:rPr lang="ko-KR" altLang="en-US" dirty="0" err="1"/>
+              <a:t>컨슈머</a:t>
+            </a:r>
+            <a:r>
+              <a:rPr lang="ko-KR" altLang="en-US" dirty="0"/>
+              <a:t> 그룹을 다르게 설정하면 메시지를 동일하게 여러 번 읽어갈 수 있습니다</a:t>
+            </a:r>
+            <a:r>
+              <a:rPr lang="en-US" altLang="ko-KR" dirty="0"/>
+              <a:t>.</a:t>
+            </a:r>
+          </a:p>
+          <a:p>
+            <a:pPr marL="0" indent="0">
+              <a:buFont typeface="Arial" panose="020B0604020202020204" pitchFamily="34" charset="0"/>
+              <a:buNone/>
+            </a:pPr>
+            <a:endParaRPr lang="en-US" altLang="ko-KR" dirty="0"/>
+          </a:p>
+          <a:p>
+            <a:pPr marL="0" indent="0">
+              <a:buFont typeface="Arial" panose="020B0604020202020204" pitchFamily="34" charset="0"/>
+              <a:buNone/>
+            </a:pPr>
+            <a:r>
+              <a:rPr lang="en-US" altLang="ko-KR" dirty="0"/>
+              <a:t>Zookeeper </a:t>
+            </a:r>
+            <a:r>
+              <a:rPr lang="ko-KR" altLang="en-US" dirty="0"/>
+              <a:t>는 클러스터 복원을 위해 브로커</a:t>
+            </a:r>
+            <a:r>
+              <a:rPr lang="en-US" altLang="ko-KR" dirty="0"/>
+              <a:t>, </a:t>
+            </a:r>
+            <a:r>
+              <a:rPr lang="ko-KR" altLang="en-US" dirty="0"/>
+              <a:t>토픽</a:t>
+            </a:r>
+            <a:r>
+              <a:rPr lang="en-US" altLang="ko-KR" dirty="0"/>
+              <a:t>, </a:t>
+            </a:r>
+            <a:r>
+              <a:rPr lang="ko-KR" altLang="en-US" dirty="0"/>
+              <a:t>파티션 리더 등의 정보를 관리하고 있었는데요</a:t>
+            </a:r>
+            <a:r>
+              <a:rPr lang="en-US" altLang="ko-KR" dirty="0"/>
+              <a:t>.</a:t>
+            </a:r>
+          </a:p>
+          <a:p>
+            <a:pPr marL="0" indent="0">
+              <a:buFont typeface="Arial" panose="020B0604020202020204" pitchFamily="34" charset="0"/>
+              <a:buNone/>
+            </a:pPr>
+            <a:r>
+              <a:rPr lang="ko-KR" altLang="en-US" dirty="0"/>
+              <a:t>이런 정보를 이용해 프로듀서가 토픽으로 메시지를 발행할 때</a:t>
+            </a:r>
+            <a:r>
+              <a:rPr lang="en-US" altLang="ko-KR" dirty="0"/>
+              <a:t>, </a:t>
+            </a:r>
+            <a:r>
+              <a:rPr lang="ko-KR" altLang="en-US" dirty="0"/>
+              <a:t>실제로는 어떤 브로커를 호출해야 하는지를 알려줍니다</a:t>
+            </a:r>
+            <a:r>
+              <a:rPr lang="en-US" altLang="ko-KR" dirty="0"/>
+              <a:t>.</a:t>
+            </a:r>
+          </a:p>
+          <a:p>
+            <a:pPr marL="0" indent="0">
+              <a:buFont typeface="Arial" panose="020B0604020202020204" pitchFamily="34" charset="0"/>
+              <a:buNone/>
+            </a:pPr>
+            <a:r>
+              <a:rPr lang="ko-KR" altLang="en-US" dirty="0"/>
+              <a:t>그리고 </a:t>
+            </a:r>
+            <a:r>
+              <a:rPr lang="ko-KR" altLang="en-US" dirty="0" err="1"/>
+              <a:t>컨슈머가</a:t>
+            </a:r>
+            <a:r>
+              <a:rPr lang="ko-KR" altLang="en-US" dirty="0"/>
+              <a:t> 파티션의 </a:t>
+            </a:r>
+            <a:r>
+              <a:rPr lang="ko-KR" altLang="en-US" dirty="0" err="1"/>
+              <a:t>어디까지를</a:t>
+            </a:r>
+            <a:r>
+              <a:rPr lang="ko-KR" altLang="en-US" dirty="0"/>
+              <a:t> 읽었는지 </a:t>
+            </a:r>
+            <a:r>
+              <a:rPr lang="en-US" altLang="ko-KR" dirty="0"/>
+              <a:t>offset </a:t>
+            </a:r>
+            <a:r>
+              <a:rPr lang="ko-KR" altLang="en-US" dirty="0"/>
+              <a:t>정보도 관리하고 있습니다</a:t>
+            </a:r>
+            <a:r>
+              <a:rPr lang="en-US" altLang="ko-KR" dirty="0"/>
+              <a:t>.</a:t>
+            </a:r>
           </a:p>
         </p:txBody>
       </p:sp>
@@ -3711,7 +4859,7 @@
     </p:spTree>
     <p:extLst>
       <p:ext uri="{BB962C8B-B14F-4D97-AF65-F5344CB8AC3E}">
-        <p14:creationId xmlns:p14="http://schemas.microsoft.com/office/powerpoint/2010/main" val="2130013646"/>
+        <p14:creationId xmlns:p14="http://schemas.microsoft.com/office/powerpoint/2010/main" val="2291953589"/>
       </p:ext>
     </p:extLst>
   </p:cSld>
@@ -5072,7 +6220,7 @@
             </a:pPr>
             <a:r>
               <a:rPr lang="ko-KR" altLang="en-US" dirty="0"/>
-              <a:t>지금까지 </a:t>
+              <a:t>지금까지 카프카와 </a:t>
             </a:r>
             <a:r>
               <a:rPr lang="ko-KR" altLang="en-US" dirty="0" err="1"/>
@@ -5080,7 +6228,7 @@
             </a:r>
             <a:r>
               <a:rPr lang="ko-KR" altLang="en-US" dirty="0"/>
-              <a:t> 카프카에 대해 알아보았습니다</a:t>
+              <a:t> 대해 알아보았습니다</a:t>
             </a:r>
             <a:r>
               <a:rPr lang="en-US" altLang="ko-KR" dirty="0"/>
@@ -12717,965 +13865,996 @@
           </a:p>
         </p:txBody>
       </p:sp>
-      <p:sp>
-        <p:nvSpPr>
-          <p:cNvPr id="4" name="직사각형 3">
+      <p:grpSp>
+        <p:nvGrpSpPr>
+          <p:cNvPr id="25" name="그룹 24">
             <a:extLst>
               <a:ext uri="{FF2B5EF4-FFF2-40B4-BE49-F238E27FC236}">
-                <a16:creationId xmlns:a16="http://schemas.microsoft.com/office/drawing/2014/main" id="{4300C451-1D48-FB16-FE11-9CC4E3159993}"/>
+                <a16:creationId xmlns:a16="http://schemas.microsoft.com/office/drawing/2014/main" id="{42219E80-6379-09FF-BFAD-33D5D69896F0}"/>
               </a:ext>
             </a:extLst>
           </p:cNvPr>
-          <p:cNvSpPr/>
+          <p:cNvGrpSpPr/>
           <p:nvPr/>
-        </p:nvSpPr>
-        <p:spPr>
+        </p:nvGrpSpPr>
+        <p:grpSpPr>
           <a:xfrm>
-            <a:off x="1280160" y="2827782"/>
-            <a:ext cx="487680" cy="976122"/>
+            <a:off x="1280160" y="2532816"/>
+            <a:ext cx="6824985" cy="976122"/>
+            <a:chOff x="1280160" y="2827782"/>
+            <a:chExt cx="6824985" cy="976122"/>
           </a:xfrm>
-          <a:prstGeom prst="rect">
-            <a:avLst/>
-          </a:prstGeom>
-          <a:noFill/>
-          <a:ln w="19050" cap="flat" cmpd="sng" algn="ctr">
-            <a:solidFill>
+        </p:grpSpPr>
+        <p:sp>
+          <p:nvSpPr>
+            <p:cNvPr id="4" name="직사각형 3">
+              <a:extLst>
+                <a:ext uri="{FF2B5EF4-FFF2-40B4-BE49-F238E27FC236}">
+                  <a16:creationId xmlns:a16="http://schemas.microsoft.com/office/drawing/2014/main" id="{4300C451-1D48-FB16-FE11-9CC4E3159993}"/>
+                </a:ext>
+              </a:extLst>
+            </p:cNvPr>
+            <p:cNvSpPr/>
+            <p:nvPr/>
+          </p:nvSpPr>
+          <p:spPr>
+            <a:xfrm>
+              <a:off x="1280160" y="2827782"/>
+              <a:ext cx="487680" cy="976122"/>
+            </a:xfrm>
+            <a:prstGeom prst="rect">
+              <a:avLst/>
+            </a:prstGeom>
+            <a:noFill/>
+            <a:ln w="19050" cap="flat" cmpd="sng" algn="ctr">
+              <a:solidFill>
+                <a:schemeClr val="dk1"/>
+              </a:solidFill>
+              <a:prstDash val="solid"/>
+              <a:round/>
+              <a:headEnd type="none" w="med" len="med"/>
+              <a:tailEnd type="none" w="med" len="med"/>
+            </a:ln>
+          </p:spPr>
+          <p:style>
+            <a:lnRef idx="0">
+              <a:scrgbClr r="0" g="0" b="0"/>
+            </a:lnRef>
+            <a:fillRef idx="0">
+              <a:scrgbClr r="0" g="0" b="0"/>
+            </a:fillRef>
+            <a:effectRef idx="0">
+              <a:scrgbClr r="0" g="0" b="0"/>
+            </a:effectRef>
+            <a:fontRef idx="minor">
               <a:schemeClr val="dk1"/>
-            </a:solidFill>
-            <a:prstDash val="solid"/>
-            <a:round/>
-            <a:headEnd type="none" w="med" len="med"/>
-            <a:tailEnd type="none" w="med" len="med"/>
-          </a:ln>
-        </p:spPr>
-        <p:style>
-          <a:lnRef idx="0">
-            <a:scrgbClr r="0" g="0" b="0"/>
-          </a:lnRef>
-          <a:fillRef idx="0">
-            <a:scrgbClr r="0" g="0" b="0"/>
-          </a:fillRef>
-          <a:effectRef idx="0">
-            <a:scrgbClr r="0" g="0" b="0"/>
-          </a:effectRef>
-          <a:fontRef idx="minor">
-            <a:schemeClr val="dk1"/>
-          </a:fontRef>
-        </p:style>
-        <p:txBody>
-          <a:bodyPr rtlCol="0" anchor="ctr"/>
-          <a:lstStyle/>
-          <a:p>
-            <a:pPr algn="ctr"/>
-            <a:r>
-              <a:rPr lang="en-US" altLang="ko-KR" sz="1200" b="1" dirty="0">
+            </a:fontRef>
+          </p:style>
+          <p:txBody>
+            <a:bodyPr rtlCol="0" anchor="ctr"/>
+            <a:lstStyle/>
+            <a:p>
+              <a:pPr algn="ctr"/>
+              <a:r>
+                <a:rPr lang="en-US" altLang="ko-KR" sz="1200" b="1" dirty="0">
+                  <a:solidFill>
+                    <a:schemeClr val="dk1"/>
+                  </a:solidFill>
+                  <a:latin typeface="Spoqa Han Sans Neo Bold" panose="020B0800000000000000" pitchFamily="34" charset="-127"/>
+                  <a:ea typeface="Spoqa Han Sans Neo Bold" panose="020B0800000000000000" pitchFamily="34" charset="-127"/>
+                </a:rPr>
+                <a:t>0</a:t>
+              </a:r>
+              <a:endParaRPr lang="ko-KR" altLang="en-US" sz="1200" b="1" dirty="0">
                 <a:solidFill>
                   <a:schemeClr val="dk1"/>
                 </a:solidFill>
                 <a:latin typeface="Spoqa Han Sans Neo Bold" panose="020B0800000000000000" pitchFamily="34" charset="-127"/>
                 <a:ea typeface="Spoqa Han Sans Neo Bold" panose="020B0800000000000000" pitchFamily="34" charset="-127"/>
-              </a:rPr>
-              <a:t>0</a:t>
-            </a:r>
-            <a:endParaRPr lang="ko-KR" altLang="en-US" sz="1200" b="1" dirty="0">
+              </a:endParaRPr>
+            </a:p>
+          </p:txBody>
+        </p:sp>
+        <p:sp>
+          <p:nvSpPr>
+            <p:cNvPr id="5" name="직사각형 4">
+              <a:extLst>
+                <a:ext uri="{FF2B5EF4-FFF2-40B4-BE49-F238E27FC236}">
+                  <a16:creationId xmlns:a16="http://schemas.microsoft.com/office/drawing/2014/main" id="{739AF569-3957-DC22-F097-FA4C8BD97ABC}"/>
+                </a:ext>
+              </a:extLst>
+            </p:cNvPr>
+            <p:cNvSpPr/>
+            <p:nvPr/>
+          </p:nvSpPr>
+          <p:spPr>
+            <a:xfrm>
+              <a:off x="1767840" y="2827782"/>
+              <a:ext cx="487680" cy="976122"/>
+            </a:xfrm>
+            <a:prstGeom prst="rect">
+              <a:avLst/>
+            </a:prstGeom>
+            <a:noFill/>
+            <a:ln w="19050" cap="flat" cmpd="sng" algn="ctr">
               <a:solidFill>
                 <a:schemeClr val="dk1"/>
               </a:solidFill>
-              <a:latin typeface="Spoqa Han Sans Neo Bold" panose="020B0800000000000000" pitchFamily="34" charset="-127"/>
-              <a:ea typeface="Spoqa Han Sans Neo Bold" panose="020B0800000000000000" pitchFamily="34" charset="-127"/>
-            </a:endParaRPr>
-          </a:p>
-        </p:txBody>
-      </p:sp>
-      <p:sp>
-        <p:nvSpPr>
-          <p:cNvPr id="5" name="직사각형 4">
-            <a:extLst>
-              <a:ext uri="{FF2B5EF4-FFF2-40B4-BE49-F238E27FC236}">
-                <a16:creationId xmlns:a16="http://schemas.microsoft.com/office/drawing/2014/main" id="{739AF569-3957-DC22-F097-FA4C8BD97ABC}"/>
-              </a:ext>
-            </a:extLst>
-          </p:cNvPr>
-          <p:cNvSpPr/>
-          <p:nvPr/>
-        </p:nvSpPr>
-        <p:spPr>
-          <a:xfrm>
-            <a:off x="1767840" y="2827782"/>
-            <a:ext cx="487680" cy="976122"/>
-          </a:xfrm>
-          <a:prstGeom prst="rect">
-            <a:avLst/>
-          </a:prstGeom>
-          <a:noFill/>
-          <a:ln w="19050" cap="flat" cmpd="sng" algn="ctr">
-            <a:solidFill>
+              <a:prstDash val="solid"/>
+              <a:round/>
+              <a:headEnd type="none" w="med" len="med"/>
+              <a:tailEnd type="none" w="med" len="med"/>
+            </a:ln>
+          </p:spPr>
+          <p:style>
+            <a:lnRef idx="0">
+              <a:scrgbClr r="0" g="0" b="0"/>
+            </a:lnRef>
+            <a:fillRef idx="0">
+              <a:scrgbClr r="0" g="0" b="0"/>
+            </a:fillRef>
+            <a:effectRef idx="0">
+              <a:scrgbClr r="0" g="0" b="0"/>
+            </a:effectRef>
+            <a:fontRef idx="minor">
               <a:schemeClr val="dk1"/>
-            </a:solidFill>
-            <a:prstDash val="solid"/>
-            <a:round/>
-            <a:headEnd type="none" w="med" len="med"/>
-            <a:tailEnd type="none" w="med" len="med"/>
-          </a:ln>
-        </p:spPr>
-        <p:style>
-          <a:lnRef idx="0">
-            <a:scrgbClr r="0" g="0" b="0"/>
-          </a:lnRef>
-          <a:fillRef idx="0">
-            <a:scrgbClr r="0" g="0" b="0"/>
-          </a:fillRef>
-          <a:effectRef idx="0">
-            <a:scrgbClr r="0" g="0" b="0"/>
-          </a:effectRef>
-          <a:fontRef idx="minor">
-            <a:schemeClr val="dk1"/>
-          </a:fontRef>
-        </p:style>
-        <p:txBody>
-          <a:bodyPr rtlCol="0" anchor="ctr"/>
-          <a:lstStyle/>
-          <a:p>
-            <a:pPr algn="ctr"/>
-            <a:r>
-              <a:rPr lang="en-US" altLang="ko-KR" sz="1200" b="1" dirty="0">
-                <a:latin typeface="Spoqa Han Sans Neo Bold" panose="020B0800000000000000" pitchFamily="34" charset="-127"/>
-                <a:ea typeface="Spoqa Han Sans Neo Bold" panose="020B0800000000000000" pitchFamily="34" charset="-127"/>
-              </a:rPr>
-              <a:t>1</a:t>
-            </a:r>
-            <a:endParaRPr lang="ko-KR" altLang="en-US" sz="1200" b="1" dirty="0">
-              <a:solidFill>
-                <a:schemeClr val="dk1"/>
-              </a:solidFill>
-              <a:latin typeface="Spoqa Han Sans Neo Bold" panose="020B0800000000000000" pitchFamily="34" charset="-127"/>
-              <a:ea typeface="Spoqa Han Sans Neo Bold" panose="020B0800000000000000" pitchFamily="34" charset="-127"/>
-            </a:endParaRPr>
-          </a:p>
-        </p:txBody>
-      </p:sp>
-      <p:sp>
-        <p:nvSpPr>
-          <p:cNvPr id="6" name="직사각형 5">
-            <a:extLst>
-              <a:ext uri="{FF2B5EF4-FFF2-40B4-BE49-F238E27FC236}">
-                <a16:creationId xmlns:a16="http://schemas.microsoft.com/office/drawing/2014/main" id="{3D97F0FC-4961-D254-B156-5D86095B1782}"/>
-              </a:ext>
-            </a:extLst>
-          </p:cNvPr>
-          <p:cNvSpPr/>
-          <p:nvPr/>
-        </p:nvSpPr>
-        <p:spPr>
-          <a:xfrm>
-            <a:off x="2255520" y="2827782"/>
-            <a:ext cx="487680" cy="976122"/>
-          </a:xfrm>
-          <a:prstGeom prst="rect">
-            <a:avLst/>
-          </a:prstGeom>
-          <a:noFill/>
-          <a:ln w="19050" cap="flat" cmpd="sng" algn="ctr">
-            <a:solidFill>
-              <a:schemeClr val="dk1"/>
-            </a:solidFill>
-            <a:prstDash val="solid"/>
-            <a:round/>
-            <a:headEnd type="none" w="med" len="med"/>
-            <a:tailEnd type="none" w="med" len="med"/>
-          </a:ln>
-        </p:spPr>
-        <p:style>
-          <a:lnRef idx="0">
-            <a:scrgbClr r="0" g="0" b="0"/>
-          </a:lnRef>
-          <a:fillRef idx="0">
-            <a:scrgbClr r="0" g="0" b="0"/>
-          </a:fillRef>
-          <a:effectRef idx="0">
-            <a:scrgbClr r="0" g="0" b="0"/>
-          </a:effectRef>
-          <a:fontRef idx="minor">
-            <a:schemeClr val="dk1"/>
-          </a:fontRef>
-        </p:style>
-        <p:txBody>
-          <a:bodyPr rtlCol="0" anchor="ctr"/>
-          <a:lstStyle/>
-          <a:p>
-            <a:pPr algn="ctr"/>
-            <a:r>
-              <a:rPr lang="en-US" altLang="ko-KR" sz="1200" b="1" dirty="0">
-                <a:latin typeface="Spoqa Han Sans Neo Bold" panose="020B0800000000000000" pitchFamily="34" charset="-127"/>
-                <a:ea typeface="Spoqa Han Sans Neo Bold" panose="020B0800000000000000" pitchFamily="34" charset="-127"/>
-              </a:rPr>
-              <a:t>2</a:t>
-            </a:r>
-            <a:endParaRPr lang="ko-KR" altLang="en-US" sz="1200" b="1" dirty="0">
-              <a:solidFill>
-                <a:schemeClr val="dk1"/>
-              </a:solidFill>
-              <a:latin typeface="Spoqa Han Sans Neo Bold" panose="020B0800000000000000" pitchFamily="34" charset="-127"/>
-              <a:ea typeface="Spoqa Han Sans Neo Bold" panose="020B0800000000000000" pitchFamily="34" charset="-127"/>
-            </a:endParaRPr>
-          </a:p>
-        </p:txBody>
-      </p:sp>
-      <p:sp>
-        <p:nvSpPr>
-          <p:cNvPr id="9" name="직사각형 8">
-            <a:extLst>
-              <a:ext uri="{FF2B5EF4-FFF2-40B4-BE49-F238E27FC236}">
-                <a16:creationId xmlns:a16="http://schemas.microsoft.com/office/drawing/2014/main" id="{FAAB896C-D40E-358D-11D4-264C8AF2FD78}"/>
-              </a:ext>
-            </a:extLst>
-          </p:cNvPr>
-          <p:cNvSpPr/>
-          <p:nvPr/>
-        </p:nvSpPr>
-        <p:spPr>
-          <a:xfrm>
-            <a:off x="2743200" y="2827782"/>
-            <a:ext cx="487680" cy="976122"/>
-          </a:xfrm>
-          <a:prstGeom prst="rect">
-            <a:avLst/>
-          </a:prstGeom>
-          <a:noFill/>
-          <a:ln w="19050" cap="flat" cmpd="sng" algn="ctr">
-            <a:solidFill>
-              <a:schemeClr val="dk1"/>
-            </a:solidFill>
-            <a:prstDash val="solid"/>
-            <a:round/>
-            <a:headEnd type="none" w="med" len="med"/>
-            <a:tailEnd type="none" w="med" len="med"/>
-          </a:ln>
-        </p:spPr>
-        <p:style>
-          <a:lnRef idx="0">
-            <a:scrgbClr r="0" g="0" b="0"/>
-          </a:lnRef>
-          <a:fillRef idx="0">
-            <a:scrgbClr r="0" g="0" b="0"/>
-          </a:fillRef>
-          <a:effectRef idx="0">
-            <a:scrgbClr r="0" g="0" b="0"/>
-          </a:effectRef>
-          <a:fontRef idx="minor">
-            <a:schemeClr val="dk1"/>
-          </a:fontRef>
-        </p:style>
-        <p:txBody>
-          <a:bodyPr rtlCol="0" anchor="ctr"/>
-          <a:lstStyle/>
-          <a:p>
-            <a:pPr algn="ctr"/>
-            <a:r>
-              <a:rPr lang="en-US" altLang="ko-KR" sz="1200" b="1" dirty="0">
+            </a:fontRef>
+          </p:style>
+          <p:txBody>
+            <a:bodyPr rtlCol="0" anchor="ctr"/>
+            <a:lstStyle/>
+            <a:p>
+              <a:pPr algn="ctr"/>
+              <a:r>
+                <a:rPr lang="en-US" altLang="ko-KR" sz="1200" b="1" dirty="0">
+                  <a:latin typeface="Spoqa Han Sans Neo Bold" panose="020B0800000000000000" pitchFamily="34" charset="-127"/>
+                  <a:ea typeface="Spoqa Han Sans Neo Bold" panose="020B0800000000000000" pitchFamily="34" charset="-127"/>
+                </a:rPr>
+                <a:t>1</a:t>
+              </a:r>
+              <a:endParaRPr lang="ko-KR" altLang="en-US" sz="1200" b="1" dirty="0">
                 <a:solidFill>
                   <a:schemeClr val="dk1"/>
                 </a:solidFill>
                 <a:latin typeface="Spoqa Han Sans Neo Bold" panose="020B0800000000000000" pitchFamily="34" charset="-127"/>
                 <a:ea typeface="Spoqa Han Sans Neo Bold" panose="020B0800000000000000" pitchFamily="34" charset="-127"/>
-              </a:rPr>
-              <a:t>3</a:t>
-            </a:r>
-            <a:endParaRPr lang="ko-KR" altLang="en-US" sz="1200" b="1" dirty="0">
+              </a:endParaRPr>
+            </a:p>
+          </p:txBody>
+        </p:sp>
+        <p:sp>
+          <p:nvSpPr>
+            <p:cNvPr id="6" name="직사각형 5">
+              <a:extLst>
+                <a:ext uri="{FF2B5EF4-FFF2-40B4-BE49-F238E27FC236}">
+                  <a16:creationId xmlns:a16="http://schemas.microsoft.com/office/drawing/2014/main" id="{3D97F0FC-4961-D254-B156-5D86095B1782}"/>
+                </a:ext>
+              </a:extLst>
+            </p:cNvPr>
+            <p:cNvSpPr/>
+            <p:nvPr/>
+          </p:nvSpPr>
+          <p:spPr>
+            <a:xfrm>
+              <a:off x="2255520" y="2827782"/>
+              <a:ext cx="487680" cy="976122"/>
+            </a:xfrm>
+            <a:prstGeom prst="rect">
+              <a:avLst/>
+            </a:prstGeom>
+            <a:noFill/>
+            <a:ln w="19050" cap="flat" cmpd="sng" algn="ctr">
               <a:solidFill>
                 <a:schemeClr val="dk1"/>
               </a:solidFill>
-              <a:latin typeface="Spoqa Han Sans Neo Bold" panose="020B0800000000000000" pitchFamily="34" charset="-127"/>
-              <a:ea typeface="Spoqa Han Sans Neo Bold" panose="020B0800000000000000" pitchFamily="34" charset="-127"/>
-            </a:endParaRPr>
-          </a:p>
-        </p:txBody>
-      </p:sp>
-      <p:sp>
-        <p:nvSpPr>
-          <p:cNvPr id="10" name="직사각형 9">
-            <a:extLst>
-              <a:ext uri="{FF2B5EF4-FFF2-40B4-BE49-F238E27FC236}">
-                <a16:creationId xmlns:a16="http://schemas.microsoft.com/office/drawing/2014/main" id="{CDB063EF-62AA-EDA8-AD70-44CBA7389C1C}"/>
-              </a:ext>
-            </a:extLst>
-          </p:cNvPr>
-          <p:cNvSpPr/>
-          <p:nvPr/>
-        </p:nvSpPr>
-        <p:spPr>
-          <a:xfrm>
-            <a:off x="3230880" y="2827782"/>
-            <a:ext cx="487680" cy="976122"/>
-          </a:xfrm>
-          <a:prstGeom prst="rect">
-            <a:avLst/>
-          </a:prstGeom>
-          <a:noFill/>
-          <a:ln w="19050" cap="flat" cmpd="sng" algn="ctr">
-            <a:solidFill>
+              <a:prstDash val="solid"/>
+              <a:round/>
+              <a:headEnd type="none" w="med" len="med"/>
+              <a:tailEnd type="none" w="med" len="med"/>
+            </a:ln>
+          </p:spPr>
+          <p:style>
+            <a:lnRef idx="0">
+              <a:scrgbClr r="0" g="0" b="0"/>
+            </a:lnRef>
+            <a:fillRef idx="0">
+              <a:scrgbClr r="0" g="0" b="0"/>
+            </a:fillRef>
+            <a:effectRef idx="0">
+              <a:scrgbClr r="0" g="0" b="0"/>
+            </a:effectRef>
+            <a:fontRef idx="minor">
               <a:schemeClr val="dk1"/>
-            </a:solidFill>
-            <a:prstDash val="solid"/>
-            <a:round/>
-            <a:headEnd type="none" w="med" len="med"/>
-            <a:tailEnd type="none" w="med" len="med"/>
-          </a:ln>
-        </p:spPr>
-        <p:style>
-          <a:lnRef idx="0">
-            <a:scrgbClr r="0" g="0" b="0"/>
-          </a:lnRef>
-          <a:fillRef idx="0">
-            <a:scrgbClr r="0" g="0" b="0"/>
-          </a:fillRef>
-          <a:effectRef idx="0">
-            <a:scrgbClr r="0" g="0" b="0"/>
-          </a:effectRef>
-          <a:fontRef idx="minor">
-            <a:schemeClr val="dk1"/>
-          </a:fontRef>
-        </p:style>
-        <p:txBody>
-          <a:bodyPr rtlCol="0" anchor="ctr"/>
-          <a:lstStyle/>
-          <a:p>
-            <a:pPr algn="ctr"/>
-            <a:r>
-              <a:rPr lang="en-US" altLang="ko-KR" sz="1200" b="1" dirty="0">
+            </a:fontRef>
+          </p:style>
+          <p:txBody>
+            <a:bodyPr rtlCol="0" anchor="ctr"/>
+            <a:lstStyle/>
+            <a:p>
+              <a:pPr algn="ctr"/>
+              <a:r>
+                <a:rPr lang="en-US" altLang="ko-KR" sz="1200" b="1" dirty="0">
+                  <a:latin typeface="Spoqa Han Sans Neo Bold" panose="020B0800000000000000" pitchFamily="34" charset="-127"/>
+                  <a:ea typeface="Spoqa Han Sans Neo Bold" panose="020B0800000000000000" pitchFamily="34" charset="-127"/>
+                </a:rPr>
+                <a:t>2</a:t>
+              </a:r>
+              <a:endParaRPr lang="ko-KR" altLang="en-US" sz="1200" b="1" dirty="0">
                 <a:solidFill>
                   <a:schemeClr val="dk1"/>
                 </a:solidFill>
                 <a:latin typeface="Spoqa Han Sans Neo Bold" panose="020B0800000000000000" pitchFamily="34" charset="-127"/>
                 <a:ea typeface="Spoqa Han Sans Neo Bold" panose="020B0800000000000000" pitchFamily="34" charset="-127"/>
-              </a:rPr>
-              <a:t>4</a:t>
-            </a:r>
-            <a:endParaRPr lang="ko-KR" altLang="en-US" sz="1200" b="1" dirty="0">
+              </a:endParaRPr>
+            </a:p>
+          </p:txBody>
+        </p:sp>
+        <p:sp>
+          <p:nvSpPr>
+            <p:cNvPr id="9" name="직사각형 8">
+              <a:extLst>
+                <a:ext uri="{FF2B5EF4-FFF2-40B4-BE49-F238E27FC236}">
+                  <a16:creationId xmlns:a16="http://schemas.microsoft.com/office/drawing/2014/main" id="{FAAB896C-D40E-358D-11D4-264C8AF2FD78}"/>
+                </a:ext>
+              </a:extLst>
+            </p:cNvPr>
+            <p:cNvSpPr/>
+            <p:nvPr/>
+          </p:nvSpPr>
+          <p:spPr>
+            <a:xfrm>
+              <a:off x="2743200" y="2827782"/>
+              <a:ext cx="487680" cy="976122"/>
+            </a:xfrm>
+            <a:prstGeom prst="rect">
+              <a:avLst/>
+            </a:prstGeom>
+            <a:noFill/>
+            <a:ln w="19050" cap="flat" cmpd="sng" algn="ctr">
               <a:solidFill>
                 <a:schemeClr val="dk1"/>
               </a:solidFill>
-              <a:latin typeface="Spoqa Han Sans Neo Bold" panose="020B0800000000000000" pitchFamily="34" charset="-127"/>
-              <a:ea typeface="Spoqa Han Sans Neo Bold" panose="020B0800000000000000" pitchFamily="34" charset="-127"/>
-            </a:endParaRPr>
-          </a:p>
-        </p:txBody>
-      </p:sp>
-      <p:sp>
-        <p:nvSpPr>
-          <p:cNvPr id="11" name="직사각형 10">
-            <a:extLst>
-              <a:ext uri="{FF2B5EF4-FFF2-40B4-BE49-F238E27FC236}">
-                <a16:creationId xmlns:a16="http://schemas.microsoft.com/office/drawing/2014/main" id="{C21844F8-7826-DD5C-2073-7420361235CB}"/>
-              </a:ext>
-            </a:extLst>
-          </p:cNvPr>
-          <p:cNvSpPr/>
-          <p:nvPr/>
-        </p:nvSpPr>
-        <p:spPr>
-          <a:xfrm>
-            <a:off x="3718560" y="2827782"/>
-            <a:ext cx="487680" cy="976122"/>
-          </a:xfrm>
-          <a:prstGeom prst="rect">
-            <a:avLst/>
-          </a:prstGeom>
-          <a:noFill/>
-          <a:ln w="19050" cap="flat" cmpd="sng" algn="ctr">
-            <a:solidFill>
+              <a:prstDash val="solid"/>
+              <a:round/>
+              <a:headEnd type="none" w="med" len="med"/>
+              <a:tailEnd type="none" w="med" len="med"/>
+            </a:ln>
+          </p:spPr>
+          <p:style>
+            <a:lnRef idx="0">
+              <a:scrgbClr r="0" g="0" b="0"/>
+            </a:lnRef>
+            <a:fillRef idx="0">
+              <a:scrgbClr r="0" g="0" b="0"/>
+            </a:fillRef>
+            <a:effectRef idx="0">
+              <a:scrgbClr r="0" g="0" b="0"/>
+            </a:effectRef>
+            <a:fontRef idx="minor">
               <a:schemeClr val="dk1"/>
-            </a:solidFill>
-            <a:prstDash val="solid"/>
-            <a:round/>
-            <a:headEnd type="none" w="med" len="med"/>
-            <a:tailEnd type="none" w="med" len="med"/>
-          </a:ln>
-        </p:spPr>
-        <p:style>
-          <a:lnRef idx="0">
-            <a:scrgbClr r="0" g="0" b="0"/>
-          </a:lnRef>
-          <a:fillRef idx="0">
-            <a:scrgbClr r="0" g="0" b="0"/>
-          </a:fillRef>
-          <a:effectRef idx="0">
-            <a:scrgbClr r="0" g="0" b="0"/>
-          </a:effectRef>
-          <a:fontRef idx="minor">
-            <a:schemeClr val="dk1"/>
-          </a:fontRef>
-        </p:style>
-        <p:txBody>
-          <a:bodyPr rtlCol="0" anchor="ctr"/>
-          <a:lstStyle/>
-          <a:p>
-            <a:pPr algn="ctr"/>
-            <a:r>
-              <a:rPr lang="en-US" altLang="ko-KR" sz="1200" b="1" dirty="0">
+            </a:fontRef>
+          </p:style>
+          <p:txBody>
+            <a:bodyPr rtlCol="0" anchor="ctr"/>
+            <a:lstStyle/>
+            <a:p>
+              <a:pPr algn="ctr"/>
+              <a:r>
+                <a:rPr lang="en-US" altLang="ko-KR" sz="1200" b="1" dirty="0">
+                  <a:solidFill>
+                    <a:schemeClr val="dk1"/>
+                  </a:solidFill>
+                  <a:latin typeface="Spoqa Han Sans Neo Bold" panose="020B0800000000000000" pitchFamily="34" charset="-127"/>
+                  <a:ea typeface="Spoqa Han Sans Neo Bold" panose="020B0800000000000000" pitchFamily="34" charset="-127"/>
+                </a:rPr>
+                <a:t>3</a:t>
+              </a:r>
+              <a:endParaRPr lang="ko-KR" altLang="en-US" sz="1200" b="1" dirty="0">
                 <a:solidFill>
                   <a:schemeClr val="dk1"/>
                 </a:solidFill>
                 <a:latin typeface="Spoqa Han Sans Neo Bold" panose="020B0800000000000000" pitchFamily="34" charset="-127"/>
                 <a:ea typeface="Spoqa Han Sans Neo Bold" panose="020B0800000000000000" pitchFamily="34" charset="-127"/>
-              </a:rPr>
-              <a:t>5</a:t>
-            </a:r>
-            <a:endParaRPr lang="ko-KR" altLang="en-US" sz="1200" b="1" dirty="0">
+              </a:endParaRPr>
+            </a:p>
+          </p:txBody>
+        </p:sp>
+        <p:sp>
+          <p:nvSpPr>
+            <p:cNvPr id="10" name="직사각형 9">
+              <a:extLst>
+                <a:ext uri="{FF2B5EF4-FFF2-40B4-BE49-F238E27FC236}">
+                  <a16:creationId xmlns:a16="http://schemas.microsoft.com/office/drawing/2014/main" id="{CDB063EF-62AA-EDA8-AD70-44CBA7389C1C}"/>
+                </a:ext>
+              </a:extLst>
+            </p:cNvPr>
+            <p:cNvSpPr/>
+            <p:nvPr/>
+          </p:nvSpPr>
+          <p:spPr>
+            <a:xfrm>
+              <a:off x="3230880" y="2827782"/>
+              <a:ext cx="487680" cy="976122"/>
+            </a:xfrm>
+            <a:prstGeom prst="rect">
+              <a:avLst/>
+            </a:prstGeom>
+            <a:noFill/>
+            <a:ln w="19050" cap="flat" cmpd="sng" algn="ctr">
               <a:solidFill>
                 <a:schemeClr val="dk1"/>
               </a:solidFill>
-              <a:latin typeface="Spoqa Han Sans Neo Bold" panose="020B0800000000000000" pitchFamily="34" charset="-127"/>
-              <a:ea typeface="Spoqa Han Sans Neo Bold" panose="020B0800000000000000" pitchFamily="34" charset="-127"/>
-            </a:endParaRPr>
-          </a:p>
-        </p:txBody>
-      </p:sp>
-      <p:sp>
-        <p:nvSpPr>
-          <p:cNvPr id="12" name="직사각형 11">
-            <a:extLst>
-              <a:ext uri="{FF2B5EF4-FFF2-40B4-BE49-F238E27FC236}">
-                <a16:creationId xmlns:a16="http://schemas.microsoft.com/office/drawing/2014/main" id="{5E700EF4-4BD7-737A-5846-B5018115D5F7}"/>
-              </a:ext>
-            </a:extLst>
-          </p:cNvPr>
-          <p:cNvSpPr/>
-          <p:nvPr/>
-        </p:nvSpPr>
-        <p:spPr>
-          <a:xfrm>
-            <a:off x="4206240" y="2827782"/>
-            <a:ext cx="487680" cy="976122"/>
-          </a:xfrm>
-          <a:prstGeom prst="rect">
-            <a:avLst/>
-          </a:prstGeom>
-          <a:noFill/>
-          <a:ln w="19050" cap="flat" cmpd="sng" algn="ctr">
-            <a:solidFill>
+              <a:prstDash val="solid"/>
+              <a:round/>
+              <a:headEnd type="none" w="med" len="med"/>
+              <a:tailEnd type="none" w="med" len="med"/>
+            </a:ln>
+          </p:spPr>
+          <p:style>
+            <a:lnRef idx="0">
+              <a:scrgbClr r="0" g="0" b="0"/>
+            </a:lnRef>
+            <a:fillRef idx="0">
+              <a:scrgbClr r="0" g="0" b="0"/>
+            </a:fillRef>
+            <a:effectRef idx="0">
+              <a:scrgbClr r="0" g="0" b="0"/>
+            </a:effectRef>
+            <a:fontRef idx="minor">
               <a:schemeClr val="dk1"/>
-            </a:solidFill>
-            <a:prstDash val="solid"/>
-            <a:round/>
-            <a:headEnd type="none" w="med" len="med"/>
-            <a:tailEnd type="none" w="med" len="med"/>
-          </a:ln>
-        </p:spPr>
-        <p:style>
-          <a:lnRef idx="0">
-            <a:scrgbClr r="0" g="0" b="0"/>
-          </a:lnRef>
-          <a:fillRef idx="0">
-            <a:scrgbClr r="0" g="0" b="0"/>
-          </a:fillRef>
-          <a:effectRef idx="0">
-            <a:scrgbClr r="0" g="0" b="0"/>
-          </a:effectRef>
-          <a:fontRef idx="minor">
-            <a:schemeClr val="dk1"/>
-          </a:fontRef>
-        </p:style>
-        <p:txBody>
-          <a:bodyPr rtlCol="0" anchor="ctr"/>
-          <a:lstStyle/>
-          <a:p>
-            <a:pPr algn="ctr"/>
-            <a:r>
-              <a:rPr lang="en-US" altLang="ko-KR" sz="1200" b="1" dirty="0">
+            </a:fontRef>
+          </p:style>
+          <p:txBody>
+            <a:bodyPr rtlCol="0" anchor="ctr"/>
+            <a:lstStyle/>
+            <a:p>
+              <a:pPr algn="ctr"/>
+              <a:r>
+                <a:rPr lang="en-US" altLang="ko-KR" sz="1200" b="1" dirty="0">
+                  <a:solidFill>
+                    <a:schemeClr val="dk1"/>
+                  </a:solidFill>
+                  <a:latin typeface="Spoqa Han Sans Neo Bold" panose="020B0800000000000000" pitchFamily="34" charset="-127"/>
+                  <a:ea typeface="Spoqa Han Sans Neo Bold" panose="020B0800000000000000" pitchFamily="34" charset="-127"/>
+                </a:rPr>
+                <a:t>4</a:t>
+              </a:r>
+              <a:endParaRPr lang="ko-KR" altLang="en-US" sz="1200" b="1" dirty="0">
                 <a:solidFill>
                   <a:schemeClr val="dk1"/>
                 </a:solidFill>
                 <a:latin typeface="Spoqa Han Sans Neo Bold" panose="020B0800000000000000" pitchFamily="34" charset="-127"/>
                 <a:ea typeface="Spoqa Han Sans Neo Bold" panose="020B0800000000000000" pitchFamily="34" charset="-127"/>
-              </a:rPr>
-              <a:t>6</a:t>
-            </a:r>
-            <a:endParaRPr lang="ko-KR" altLang="en-US" sz="1200" b="1" dirty="0">
+              </a:endParaRPr>
+            </a:p>
+          </p:txBody>
+        </p:sp>
+        <p:sp>
+          <p:nvSpPr>
+            <p:cNvPr id="11" name="직사각형 10">
+              <a:extLst>
+                <a:ext uri="{FF2B5EF4-FFF2-40B4-BE49-F238E27FC236}">
+                  <a16:creationId xmlns:a16="http://schemas.microsoft.com/office/drawing/2014/main" id="{C21844F8-7826-DD5C-2073-7420361235CB}"/>
+                </a:ext>
+              </a:extLst>
+            </p:cNvPr>
+            <p:cNvSpPr/>
+            <p:nvPr/>
+          </p:nvSpPr>
+          <p:spPr>
+            <a:xfrm>
+              <a:off x="3718560" y="2827782"/>
+              <a:ext cx="487680" cy="976122"/>
+            </a:xfrm>
+            <a:prstGeom prst="rect">
+              <a:avLst/>
+            </a:prstGeom>
+            <a:noFill/>
+            <a:ln w="19050" cap="flat" cmpd="sng" algn="ctr">
               <a:solidFill>
                 <a:schemeClr val="dk1"/>
               </a:solidFill>
-              <a:latin typeface="Spoqa Han Sans Neo Bold" panose="020B0800000000000000" pitchFamily="34" charset="-127"/>
-              <a:ea typeface="Spoqa Han Sans Neo Bold" panose="020B0800000000000000" pitchFamily="34" charset="-127"/>
-            </a:endParaRPr>
-          </a:p>
-        </p:txBody>
-      </p:sp>
-      <p:sp>
-        <p:nvSpPr>
-          <p:cNvPr id="13" name="직사각형 12">
-            <a:extLst>
-              <a:ext uri="{FF2B5EF4-FFF2-40B4-BE49-F238E27FC236}">
-                <a16:creationId xmlns:a16="http://schemas.microsoft.com/office/drawing/2014/main" id="{289850C4-ED70-B64F-C4A8-A92DCCD3E1E6}"/>
-              </a:ext>
-            </a:extLst>
-          </p:cNvPr>
-          <p:cNvSpPr/>
-          <p:nvPr/>
-        </p:nvSpPr>
-        <p:spPr>
-          <a:xfrm>
-            <a:off x="4693920" y="2827782"/>
-            <a:ext cx="487680" cy="976122"/>
-          </a:xfrm>
-          <a:prstGeom prst="rect">
-            <a:avLst/>
-          </a:prstGeom>
-          <a:noFill/>
-          <a:ln w="19050" cap="flat" cmpd="sng" algn="ctr">
-            <a:solidFill>
+              <a:prstDash val="solid"/>
+              <a:round/>
+              <a:headEnd type="none" w="med" len="med"/>
+              <a:tailEnd type="none" w="med" len="med"/>
+            </a:ln>
+          </p:spPr>
+          <p:style>
+            <a:lnRef idx="0">
+              <a:scrgbClr r="0" g="0" b="0"/>
+            </a:lnRef>
+            <a:fillRef idx="0">
+              <a:scrgbClr r="0" g="0" b="0"/>
+            </a:fillRef>
+            <a:effectRef idx="0">
+              <a:scrgbClr r="0" g="0" b="0"/>
+            </a:effectRef>
+            <a:fontRef idx="minor">
               <a:schemeClr val="dk1"/>
-            </a:solidFill>
-            <a:prstDash val="solid"/>
-            <a:round/>
-            <a:headEnd type="none" w="med" len="med"/>
-            <a:tailEnd type="none" w="med" len="med"/>
-          </a:ln>
-        </p:spPr>
-        <p:style>
-          <a:lnRef idx="0">
-            <a:scrgbClr r="0" g="0" b="0"/>
-          </a:lnRef>
-          <a:fillRef idx="0">
-            <a:scrgbClr r="0" g="0" b="0"/>
-          </a:fillRef>
-          <a:effectRef idx="0">
-            <a:scrgbClr r="0" g="0" b="0"/>
-          </a:effectRef>
-          <a:fontRef idx="minor">
-            <a:schemeClr val="dk1"/>
-          </a:fontRef>
-        </p:style>
-        <p:txBody>
-          <a:bodyPr rtlCol="0" anchor="ctr"/>
-          <a:lstStyle/>
-          <a:p>
-            <a:pPr algn="ctr"/>
-            <a:r>
-              <a:rPr lang="en-US" altLang="ko-KR" sz="1200" b="1" dirty="0">
+            </a:fontRef>
+          </p:style>
+          <p:txBody>
+            <a:bodyPr rtlCol="0" anchor="ctr"/>
+            <a:lstStyle/>
+            <a:p>
+              <a:pPr algn="ctr"/>
+              <a:r>
+                <a:rPr lang="en-US" altLang="ko-KR" sz="1200" b="1" dirty="0">
+                  <a:solidFill>
+                    <a:schemeClr val="dk1"/>
+                  </a:solidFill>
+                  <a:latin typeface="Spoqa Han Sans Neo Bold" panose="020B0800000000000000" pitchFamily="34" charset="-127"/>
+                  <a:ea typeface="Spoqa Han Sans Neo Bold" panose="020B0800000000000000" pitchFamily="34" charset="-127"/>
+                </a:rPr>
+                <a:t>5</a:t>
+              </a:r>
+              <a:endParaRPr lang="ko-KR" altLang="en-US" sz="1200" b="1" dirty="0">
                 <a:solidFill>
                   <a:schemeClr val="dk1"/>
                 </a:solidFill>
                 <a:latin typeface="Spoqa Han Sans Neo Bold" panose="020B0800000000000000" pitchFamily="34" charset="-127"/>
                 <a:ea typeface="Spoqa Han Sans Neo Bold" panose="020B0800000000000000" pitchFamily="34" charset="-127"/>
-              </a:rPr>
-              <a:t>7</a:t>
-            </a:r>
-            <a:endParaRPr lang="ko-KR" altLang="en-US" sz="1200" b="1" dirty="0">
+              </a:endParaRPr>
+            </a:p>
+          </p:txBody>
+        </p:sp>
+        <p:sp>
+          <p:nvSpPr>
+            <p:cNvPr id="12" name="직사각형 11">
+              <a:extLst>
+                <a:ext uri="{FF2B5EF4-FFF2-40B4-BE49-F238E27FC236}">
+                  <a16:creationId xmlns:a16="http://schemas.microsoft.com/office/drawing/2014/main" id="{5E700EF4-4BD7-737A-5846-B5018115D5F7}"/>
+                </a:ext>
+              </a:extLst>
+            </p:cNvPr>
+            <p:cNvSpPr/>
+            <p:nvPr/>
+          </p:nvSpPr>
+          <p:spPr>
+            <a:xfrm>
+              <a:off x="4206240" y="2827782"/>
+              <a:ext cx="487680" cy="976122"/>
+            </a:xfrm>
+            <a:prstGeom prst="rect">
+              <a:avLst/>
+            </a:prstGeom>
+            <a:noFill/>
+            <a:ln w="19050" cap="flat" cmpd="sng" algn="ctr">
               <a:solidFill>
                 <a:schemeClr val="dk1"/>
               </a:solidFill>
-              <a:latin typeface="Spoqa Han Sans Neo Bold" panose="020B0800000000000000" pitchFamily="34" charset="-127"/>
-              <a:ea typeface="Spoqa Han Sans Neo Bold" panose="020B0800000000000000" pitchFamily="34" charset="-127"/>
-            </a:endParaRPr>
-          </a:p>
-        </p:txBody>
-      </p:sp>
-      <p:sp>
-        <p:nvSpPr>
-          <p:cNvPr id="14" name="직사각형 13">
-            <a:extLst>
-              <a:ext uri="{FF2B5EF4-FFF2-40B4-BE49-F238E27FC236}">
-                <a16:creationId xmlns:a16="http://schemas.microsoft.com/office/drawing/2014/main" id="{D346A2E8-B64F-7DBE-BB6B-31194DECBCC8}"/>
-              </a:ext>
-            </a:extLst>
-          </p:cNvPr>
-          <p:cNvSpPr/>
-          <p:nvPr/>
-        </p:nvSpPr>
-        <p:spPr>
-          <a:xfrm>
-            <a:off x="5179065" y="2827782"/>
-            <a:ext cx="487680" cy="976122"/>
-          </a:xfrm>
-          <a:prstGeom prst="rect">
-            <a:avLst/>
-          </a:prstGeom>
-          <a:noFill/>
-          <a:ln w="19050" cap="flat" cmpd="sng" algn="ctr">
-            <a:solidFill>
+              <a:prstDash val="solid"/>
+              <a:round/>
+              <a:headEnd type="none" w="med" len="med"/>
+              <a:tailEnd type="none" w="med" len="med"/>
+            </a:ln>
+          </p:spPr>
+          <p:style>
+            <a:lnRef idx="0">
+              <a:scrgbClr r="0" g="0" b="0"/>
+            </a:lnRef>
+            <a:fillRef idx="0">
+              <a:scrgbClr r="0" g="0" b="0"/>
+            </a:fillRef>
+            <a:effectRef idx="0">
+              <a:scrgbClr r="0" g="0" b="0"/>
+            </a:effectRef>
+            <a:fontRef idx="minor">
               <a:schemeClr val="dk1"/>
-            </a:solidFill>
-            <a:prstDash val="solid"/>
-            <a:round/>
-            <a:headEnd type="none" w="med" len="med"/>
-            <a:tailEnd type="none" w="med" len="med"/>
-          </a:ln>
-        </p:spPr>
-        <p:style>
-          <a:lnRef idx="0">
-            <a:scrgbClr r="0" g="0" b="0"/>
-          </a:lnRef>
-          <a:fillRef idx="0">
-            <a:scrgbClr r="0" g="0" b="0"/>
-          </a:fillRef>
-          <a:effectRef idx="0">
-            <a:scrgbClr r="0" g="0" b="0"/>
-          </a:effectRef>
-          <a:fontRef idx="minor">
-            <a:schemeClr val="dk1"/>
-          </a:fontRef>
-        </p:style>
-        <p:txBody>
-          <a:bodyPr rtlCol="0" anchor="ctr"/>
-          <a:lstStyle/>
-          <a:p>
-            <a:pPr algn="ctr"/>
-            <a:r>
-              <a:rPr lang="en-US" altLang="ko-KR" sz="1200" b="1" dirty="0">
+            </a:fontRef>
+          </p:style>
+          <p:txBody>
+            <a:bodyPr rtlCol="0" anchor="ctr"/>
+            <a:lstStyle/>
+            <a:p>
+              <a:pPr algn="ctr"/>
+              <a:r>
+                <a:rPr lang="en-US" altLang="ko-KR" sz="1200" b="1" dirty="0">
+                  <a:solidFill>
+                    <a:schemeClr val="dk1"/>
+                  </a:solidFill>
+                  <a:latin typeface="Spoqa Han Sans Neo Bold" panose="020B0800000000000000" pitchFamily="34" charset="-127"/>
+                  <a:ea typeface="Spoqa Han Sans Neo Bold" panose="020B0800000000000000" pitchFamily="34" charset="-127"/>
+                </a:rPr>
+                <a:t>6</a:t>
+              </a:r>
+              <a:endParaRPr lang="ko-KR" altLang="en-US" sz="1200" b="1" dirty="0">
                 <a:solidFill>
                   <a:schemeClr val="dk1"/>
                 </a:solidFill>
                 <a:latin typeface="Spoqa Han Sans Neo Bold" panose="020B0800000000000000" pitchFamily="34" charset="-127"/>
                 <a:ea typeface="Spoqa Han Sans Neo Bold" panose="020B0800000000000000" pitchFamily="34" charset="-127"/>
-              </a:rPr>
-              <a:t>8</a:t>
-            </a:r>
-            <a:endParaRPr lang="ko-KR" altLang="en-US" sz="1200" b="1" dirty="0">
+              </a:endParaRPr>
+            </a:p>
+          </p:txBody>
+        </p:sp>
+        <p:sp>
+          <p:nvSpPr>
+            <p:cNvPr id="13" name="직사각형 12">
+              <a:extLst>
+                <a:ext uri="{FF2B5EF4-FFF2-40B4-BE49-F238E27FC236}">
+                  <a16:creationId xmlns:a16="http://schemas.microsoft.com/office/drawing/2014/main" id="{289850C4-ED70-B64F-C4A8-A92DCCD3E1E6}"/>
+                </a:ext>
+              </a:extLst>
+            </p:cNvPr>
+            <p:cNvSpPr/>
+            <p:nvPr/>
+          </p:nvSpPr>
+          <p:spPr>
+            <a:xfrm>
+              <a:off x="4693920" y="2827782"/>
+              <a:ext cx="487680" cy="976122"/>
+            </a:xfrm>
+            <a:prstGeom prst="rect">
+              <a:avLst/>
+            </a:prstGeom>
+            <a:noFill/>
+            <a:ln w="19050" cap="flat" cmpd="sng" algn="ctr">
               <a:solidFill>
                 <a:schemeClr val="dk1"/>
               </a:solidFill>
-              <a:latin typeface="Spoqa Han Sans Neo Bold" panose="020B0800000000000000" pitchFamily="34" charset="-127"/>
-              <a:ea typeface="Spoqa Han Sans Neo Bold" panose="020B0800000000000000" pitchFamily="34" charset="-127"/>
-            </a:endParaRPr>
-          </a:p>
-        </p:txBody>
-      </p:sp>
-      <p:sp>
-        <p:nvSpPr>
-          <p:cNvPr id="15" name="직사각형 14">
-            <a:extLst>
-              <a:ext uri="{FF2B5EF4-FFF2-40B4-BE49-F238E27FC236}">
-                <a16:creationId xmlns:a16="http://schemas.microsoft.com/office/drawing/2014/main" id="{C44CAA25-0377-6C14-5852-43E85060EF1E}"/>
-              </a:ext>
-            </a:extLst>
-          </p:cNvPr>
-          <p:cNvSpPr/>
-          <p:nvPr/>
-        </p:nvSpPr>
-        <p:spPr>
-          <a:xfrm>
-            <a:off x="5666745" y="2827782"/>
-            <a:ext cx="487680" cy="976122"/>
-          </a:xfrm>
-          <a:prstGeom prst="rect">
-            <a:avLst/>
-          </a:prstGeom>
-          <a:noFill/>
-          <a:ln w="19050" cap="flat" cmpd="sng" algn="ctr">
-            <a:solidFill>
+              <a:prstDash val="solid"/>
+              <a:round/>
+              <a:headEnd type="none" w="med" len="med"/>
+              <a:tailEnd type="none" w="med" len="med"/>
+            </a:ln>
+          </p:spPr>
+          <p:style>
+            <a:lnRef idx="0">
+              <a:scrgbClr r="0" g="0" b="0"/>
+            </a:lnRef>
+            <a:fillRef idx="0">
+              <a:scrgbClr r="0" g="0" b="0"/>
+            </a:fillRef>
+            <a:effectRef idx="0">
+              <a:scrgbClr r="0" g="0" b="0"/>
+            </a:effectRef>
+            <a:fontRef idx="minor">
               <a:schemeClr val="dk1"/>
-            </a:solidFill>
-            <a:prstDash val="solid"/>
-            <a:round/>
-            <a:headEnd type="none" w="med" len="med"/>
-            <a:tailEnd type="none" w="med" len="med"/>
-          </a:ln>
-        </p:spPr>
-        <p:style>
-          <a:lnRef idx="0">
-            <a:scrgbClr r="0" g="0" b="0"/>
-          </a:lnRef>
-          <a:fillRef idx="0">
-            <a:scrgbClr r="0" g="0" b="0"/>
-          </a:fillRef>
-          <a:effectRef idx="0">
-            <a:scrgbClr r="0" g="0" b="0"/>
-          </a:effectRef>
-          <a:fontRef idx="minor">
-            <a:schemeClr val="dk1"/>
-          </a:fontRef>
-        </p:style>
-        <p:txBody>
-          <a:bodyPr rtlCol="0" anchor="ctr"/>
-          <a:lstStyle/>
-          <a:p>
-            <a:pPr algn="ctr"/>
-            <a:r>
-              <a:rPr lang="en-US" altLang="ko-KR" sz="1200" b="1" dirty="0">
+            </a:fontRef>
+          </p:style>
+          <p:txBody>
+            <a:bodyPr rtlCol="0" anchor="ctr"/>
+            <a:lstStyle/>
+            <a:p>
+              <a:pPr algn="ctr"/>
+              <a:r>
+                <a:rPr lang="en-US" altLang="ko-KR" sz="1200" b="1" dirty="0">
+                  <a:solidFill>
+                    <a:schemeClr val="dk1"/>
+                  </a:solidFill>
+                  <a:latin typeface="Spoqa Han Sans Neo Bold" panose="020B0800000000000000" pitchFamily="34" charset="-127"/>
+                  <a:ea typeface="Spoqa Han Sans Neo Bold" panose="020B0800000000000000" pitchFamily="34" charset="-127"/>
+                </a:rPr>
+                <a:t>7</a:t>
+              </a:r>
+              <a:endParaRPr lang="ko-KR" altLang="en-US" sz="1200" b="1" dirty="0">
                 <a:solidFill>
                   <a:schemeClr val="dk1"/>
                 </a:solidFill>
                 <a:latin typeface="Spoqa Han Sans Neo Bold" panose="020B0800000000000000" pitchFamily="34" charset="-127"/>
                 <a:ea typeface="Spoqa Han Sans Neo Bold" panose="020B0800000000000000" pitchFamily="34" charset="-127"/>
-              </a:rPr>
-              <a:t>9</a:t>
-            </a:r>
-            <a:endParaRPr lang="ko-KR" altLang="en-US" sz="1200" b="1" dirty="0">
+              </a:endParaRPr>
+            </a:p>
+          </p:txBody>
+        </p:sp>
+        <p:sp>
+          <p:nvSpPr>
+            <p:cNvPr id="14" name="직사각형 13">
+              <a:extLst>
+                <a:ext uri="{FF2B5EF4-FFF2-40B4-BE49-F238E27FC236}">
+                  <a16:creationId xmlns:a16="http://schemas.microsoft.com/office/drawing/2014/main" id="{D346A2E8-B64F-7DBE-BB6B-31194DECBCC8}"/>
+                </a:ext>
+              </a:extLst>
+            </p:cNvPr>
+            <p:cNvSpPr/>
+            <p:nvPr/>
+          </p:nvSpPr>
+          <p:spPr>
+            <a:xfrm>
+              <a:off x="5179065" y="2827782"/>
+              <a:ext cx="487680" cy="976122"/>
+            </a:xfrm>
+            <a:prstGeom prst="rect">
+              <a:avLst/>
+            </a:prstGeom>
+            <a:noFill/>
+            <a:ln w="19050" cap="flat" cmpd="sng" algn="ctr">
               <a:solidFill>
                 <a:schemeClr val="dk1"/>
               </a:solidFill>
-              <a:latin typeface="Spoqa Han Sans Neo Bold" panose="020B0800000000000000" pitchFamily="34" charset="-127"/>
-              <a:ea typeface="Spoqa Han Sans Neo Bold" panose="020B0800000000000000" pitchFamily="34" charset="-127"/>
-            </a:endParaRPr>
-          </a:p>
-        </p:txBody>
-      </p:sp>
-      <p:sp>
-        <p:nvSpPr>
-          <p:cNvPr id="16" name="직사각형 15">
-            <a:extLst>
-              <a:ext uri="{FF2B5EF4-FFF2-40B4-BE49-F238E27FC236}">
-                <a16:creationId xmlns:a16="http://schemas.microsoft.com/office/drawing/2014/main" id="{3FF2C51C-0B7E-6EB0-F7C1-F8F353DA5DF0}"/>
-              </a:ext>
-            </a:extLst>
-          </p:cNvPr>
-          <p:cNvSpPr/>
-          <p:nvPr/>
-        </p:nvSpPr>
-        <p:spPr>
-          <a:xfrm>
-            <a:off x="6154425" y="2827782"/>
-            <a:ext cx="487680" cy="976122"/>
-          </a:xfrm>
-          <a:prstGeom prst="rect">
-            <a:avLst/>
-          </a:prstGeom>
-          <a:noFill/>
-          <a:ln w="19050" cap="flat" cmpd="sng" algn="ctr">
-            <a:solidFill>
+              <a:prstDash val="solid"/>
+              <a:round/>
+              <a:headEnd type="none" w="med" len="med"/>
+              <a:tailEnd type="none" w="med" len="med"/>
+            </a:ln>
+          </p:spPr>
+          <p:style>
+            <a:lnRef idx="0">
+              <a:scrgbClr r="0" g="0" b="0"/>
+            </a:lnRef>
+            <a:fillRef idx="0">
+              <a:scrgbClr r="0" g="0" b="0"/>
+            </a:fillRef>
+            <a:effectRef idx="0">
+              <a:scrgbClr r="0" g="0" b="0"/>
+            </a:effectRef>
+            <a:fontRef idx="minor">
               <a:schemeClr val="dk1"/>
-            </a:solidFill>
-            <a:prstDash val="solid"/>
-            <a:round/>
-            <a:headEnd type="none" w="med" len="med"/>
-            <a:tailEnd type="none" w="med" len="med"/>
-          </a:ln>
-        </p:spPr>
-        <p:style>
-          <a:lnRef idx="0">
-            <a:scrgbClr r="0" g="0" b="0"/>
-          </a:lnRef>
-          <a:fillRef idx="0">
-            <a:scrgbClr r="0" g="0" b="0"/>
-          </a:fillRef>
-          <a:effectRef idx="0">
-            <a:scrgbClr r="0" g="0" b="0"/>
-          </a:effectRef>
-          <a:fontRef idx="minor">
-            <a:schemeClr val="dk1"/>
-          </a:fontRef>
-        </p:style>
-        <p:txBody>
-          <a:bodyPr rtlCol="0" anchor="ctr"/>
-          <a:lstStyle/>
-          <a:p>
-            <a:pPr algn="ctr"/>
-            <a:r>
-              <a:rPr lang="en-US" altLang="ko-KR" sz="1200" b="1" dirty="0">
+            </a:fontRef>
+          </p:style>
+          <p:txBody>
+            <a:bodyPr rtlCol="0" anchor="ctr"/>
+            <a:lstStyle/>
+            <a:p>
+              <a:pPr algn="ctr"/>
+              <a:r>
+                <a:rPr lang="en-US" altLang="ko-KR" sz="1200" b="1" dirty="0">
+                  <a:solidFill>
+                    <a:schemeClr val="dk1"/>
+                  </a:solidFill>
+                  <a:latin typeface="Spoqa Han Sans Neo Bold" panose="020B0800000000000000" pitchFamily="34" charset="-127"/>
+                  <a:ea typeface="Spoqa Han Sans Neo Bold" panose="020B0800000000000000" pitchFamily="34" charset="-127"/>
+                </a:rPr>
+                <a:t>8</a:t>
+              </a:r>
+              <a:endParaRPr lang="ko-KR" altLang="en-US" sz="1200" b="1" dirty="0">
                 <a:solidFill>
                   <a:schemeClr val="dk1"/>
                 </a:solidFill>
                 <a:latin typeface="Spoqa Han Sans Neo Bold" panose="020B0800000000000000" pitchFamily="34" charset="-127"/>
                 <a:ea typeface="Spoqa Han Sans Neo Bold" panose="020B0800000000000000" pitchFamily="34" charset="-127"/>
-              </a:rPr>
-              <a:t>10</a:t>
-            </a:r>
-            <a:endParaRPr lang="ko-KR" altLang="en-US" sz="1200" b="1" dirty="0">
+              </a:endParaRPr>
+            </a:p>
+          </p:txBody>
+        </p:sp>
+        <p:sp>
+          <p:nvSpPr>
+            <p:cNvPr id="15" name="직사각형 14">
+              <a:extLst>
+                <a:ext uri="{FF2B5EF4-FFF2-40B4-BE49-F238E27FC236}">
+                  <a16:creationId xmlns:a16="http://schemas.microsoft.com/office/drawing/2014/main" id="{C44CAA25-0377-6C14-5852-43E85060EF1E}"/>
+                </a:ext>
+              </a:extLst>
+            </p:cNvPr>
+            <p:cNvSpPr/>
+            <p:nvPr/>
+          </p:nvSpPr>
+          <p:spPr>
+            <a:xfrm>
+              <a:off x="5666745" y="2827782"/>
+              <a:ext cx="487680" cy="976122"/>
+            </a:xfrm>
+            <a:prstGeom prst="rect">
+              <a:avLst/>
+            </a:prstGeom>
+            <a:noFill/>
+            <a:ln w="19050" cap="flat" cmpd="sng" algn="ctr">
               <a:solidFill>
                 <a:schemeClr val="dk1"/>
               </a:solidFill>
-              <a:latin typeface="Spoqa Han Sans Neo Bold" panose="020B0800000000000000" pitchFamily="34" charset="-127"/>
-              <a:ea typeface="Spoqa Han Sans Neo Bold" panose="020B0800000000000000" pitchFamily="34" charset="-127"/>
-            </a:endParaRPr>
-          </a:p>
-        </p:txBody>
-      </p:sp>
-      <p:sp>
-        <p:nvSpPr>
-          <p:cNvPr id="17" name="직사각형 16">
-            <a:extLst>
-              <a:ext uri="{FF2B5EF4-FFF2-40B4-BE49-F238E27FC236}">
-                <a16:creationId xmlns:a16="http://schemas.microsoft.com/office/drawing/2014/main" id="{A03EC79A-9E65-9D5C-B66A-71DD39FA44BC}"/>
-              </a:ext>
-            </a:extLst>
-          </p:cNvPr>
-          <p:cNvSpPr/>
-          <p:nvPr/>
-        </p:nvSpPr>
-        <p:spPr>
-          <a:xfrm>
-            <a:off x="6642105" y="2827782"/>
-            <a:ext cx="487680" cy="976122"/>
-          </a:xfrm>
-          <a:prstGeom prst="rect">
-            <a:avLst/>
-          </a:prstGeom>
-          <a:noFill/>
-          <a:ln w="19050" cap="flat" cmpd="sng" algn="ctr">
-            <a:solidFill>
+              <a:prstDash val="solid"/>
+              <a:round/>
+              <a:headEnd type="none" w="med" len="med"/>
+              <a:tailEnd type="none" w="med" len="med"/>
+            </a:ln>
+          </p:spPr>
+          <p:style>
+            <a:lnRef idx="0">
+              <a:scrgbClr r="0" g="0" b="0"/>
+            </a:lnRef>
+            <a:fillRef idx="0">
+              <a:scrgbClr r="0" g="0" b="0"/>
+            </a:fillRef>
+            <a:effectRef idx="0">
+              <a:scrgbClr r="0" g="0" b="0"/>
+            </a:effectRef>
+            <a:fontRef idx="minor">
               <a:schemeClr val="dk1"/>
-            </a:solidFill>
-            <a:prstDash val="solid"/>
-            <a:round/>
-            <a:headEnd type="none" w="med" len="med"/>
-            <a:tailEnd type="none" w="med" len="med"/>
-          </a:ln>
-        </p:spPr>
-        <p:style>
-          <a:lnRef idx="0">
-            <a:scrgbClr r="0" g="0" b="0"/>
-          </a:lnRef>
-          <a:fillRef idx="0">
-            <a:scrgbClr r="0" g="0" b="0"/>
-          </a:fillRef>
-          <a:effectRef idx="0">
-            <a:scrgbClr r="0" g="0" b="0"/>
-          </a:effectRef>
-          <a:fontRef idx="minor">
-            <a:schemeClr val="dk1"/>
-          </a:fontRef>
-        </p:style>
-        <p:txBody>
-          <a:bodyPr rtlCol="0" anchor="ctr"/>
-          <a:lstStyle/>
-          <a:p>
-            <a:pPr algn="ctr"/>
-            <a:r>
-              <a:rPr lang="en-US" altLang="ko-KR" sz="1200" b="1" dirty="0">
+            </a:fontRef>
+          </p:style>
+          <p:txBody>
+            <a:bodyPr rtlCol="0" anchor="ctr"/>
+            <a:lstStyle/>
+            <a:p>
+              <a:pPr algn="ctr"/>
+              <a:r>
+                <a:rPr lang="en-US" altLang="ko-KR" sz="1200" b="1" dirty="0">
+                  <a:solidFill>
+                    <a:schemeClr val="dk1"/>
+                  </a:solidFill>
+                  <a:latin typeface="Spoqa Han Sans Neo Bold" panose="020B0800000000000000" pitchFamily="34" charset="-127"/>
+                  <a:ea typeface="Spoqa Han Sans Neo Bold" panose="020B0800000000000000" pitchFamily="34" charset="-127"/>
+                </a:rPr>
+                <a:t>9</a:t>
+              </a:r>
+              <a:endParaRPr lang="ko-KR" altLang="en-US" sz="1200" b="1" dirty="0">
                 <a:solidFill>
                   <a:schemeClr val="dk1"/>
                 </a:solidFill>
                 <a:latin typeface="Spoqa Han Sans Neo Bold" panose="020B0800000000000000" pitchFamily="34" charset="-127"/>
                 <a:ea typeface="Spoqa Han Sans Neo Bold" panose="020B0800000000000000" pitchFamily="34" charset="-127"/>
-              </a:rPr>
-              <a:t>11</a:t>
-            </a:r>
-            <a:endParaRPr lang="ko-KR" altLang="en-US" sz="1200" b="1" dirty="0">
+              </a:endParaRPr>
+            </a:p>
+          </p:txBody>
+        </p:sp>
+        <p:sp>
+          <p:nvSpPr>
+            <p:cNvPr id="16" name="직사각형 15">
+              <a:extLst>
+                <a:ext uri="{FF2B5EF4-FFF2-40B4-BE49-F238E27FC236}">
+                  <a16:creationId xmlns:a16="http://schemas.microsoft.com/office/drawing/2014/main" id="{3FF2C51C-0B7E-6EB0-F7C1-F8F353DA5DF0}"/>
+                </a:ext>
+              </a:extLst>
+            </p:cNvPr>
+            <p:cNvSpPr/>
+            <p:nvPr/>
+          </p:nvSpPr>
+          <p:spPr>
+            <a:xfrm>
+              <a:off x="6154425" y="2827782"/>
+              <a:ext cx="487680" cy="976122"/>
+            </a:xfrm>
+            <a:prstGeom prst="rect">
+              <a:avLst/>
+            </a:prstGeom>
+            <a:noFill/>
+            <a:ln w="19050" cap="flat" cmpd="sng" algn="ctr">
               <a:solidFill>
                 <a:schemeClr val="dk1"/>
               </a:solidFill>
-              <a:latin typeface="Spoqa Han Sans Neo Bold" panose="020B0800000000000000" pitchFamily="34" charset="-127"/>
-              <a:ea typeface="Spoqa Han Sans Neo Bold" panose="020B0800000000000000" pitchFamily="34" charset="-127"/>
-            </a:endParaRPr>
-          </a:p>
-        </p:txBody>
-      </p:sp>
-      <p:sp>
-        <p:nvSpPr>
-          <p:cNvPr id="18" name="직사각형 17">
-            <a:extLst>
-              <a:ext uri="{FF2B5EF4-FFF2-40B4-BE49-F238E27FC236}">
-                <a16:creationId xmlns:a16="http://schemas.microsoft.com/office/drawing/2014/main" id="{7108D3B0-135C-72CC-1704-D7C8CB27D1E0}"/>
-              </a:ext>
-            </a:extLst>
-          </p:cNvPr>
-          <p:cNvSpPr/>
-          <p:nvPr/>
-        </p:nvSpPr>
-        <p:spPr>
-          <a:xfrm>
-            <a:off x="7129785" y="2827782"/>
-            <a:ext cx="487680" cy="976122"/>
-          </a:xfrm>
-          <a:prstGeom prst="rect">
-            <a:avLst/>
-          </a:prstGeom>
-          <a:noFill/>
-          <a:ln w="19050" cap="flat" cmpd="sng" algn="ctr">
-            <a:solidFill>
+              <a:prstDash val="solid"/>
+              <a:round/>
+              <a:headEnd type="none" w="med" len="med"/>
+              <a:tailEnd type="none" w="med" len="med"/>
+            </a:ln>
+          </p:spPr>
+          <p:style>
+            <a:lnRef idx="0">
+              <a:scrgbClr r="0" g="0" b="0"/>
+            </a:lnRef>
+            <a:fillRef idx="0">
+              <a:scrgbClr r="0" g="0" b="0"/>
+            </a:fillRef>
+            <a:effectRef idx="0">
+              <a:scrgbClr r="0" g="0" b="0"/>
+            </a:effectRef>
+            <a:fontRef idx="minor">
               <a:schemeClr val="dk1"/>
-            </a:solidFill>
-            <a:prstDash val="solid"/>
-            <a:round/>
-            <a:headEnd type="none" w="med" len="med"/>
-            <a:tailEnd type="none" w="med" len="med"/>
-          </a:ln>
-        </p:spPr>
-        <p:style>
-          <a:lnRef idx="0">
-            <a:scrgbClr r="0" g="0" b="0"/>
-          </a:lnRef>
-          <a:fillRef idx="0">
-            <a:scrgbClr r="0" g="0" b="0"/>
-          </a:fillRef>
-          <a:effectRef idx="0">
-            <a:scrgbClr r="0" g="0" b="0"/>
-          </a:effectRef>
-          <a:fontRef idx="minor">
-            <a:schemeClr val="dk1"/>
-          </a:fontRef>
-        </p:style>
-        <p:txBody>
-          <a:bodyPr rtlCol="0" anchor="ctr"/>
-          <a:lstStyle/>
-          <a:p>
-            <a:pPr algn="ctr"/>
-            <a:r>
-              <a:rPr lang="en-US" altLang="ko-KR" sz="1200" b="1" dirty="0">
+            </a:fontRef>
+          </p:style>
+          <p:txBody>
+            <a:bodyPr rtlCol="0" anchor="ctr"/>
+            <a:lstStyle/>
+            <a:p>
+              <a:pPr algn="ctr"/>
+              <a:r>
+                <a:rPr lang="en-US" altLang="ko-KR" sz="1200" b="1" dirty="0">
+                  <a:solidFill>
+                    <a:schemeClr val="dk1"/>
+                  </a:solidFill>
+                  <a:latin typeface="Spoqa Han Sans Neo Bold" panose="020B0800000000000000" pitchFamily="34" charset="-127"/>
+                  <a:ea typeface="Spoqa Han Sans Neo Bold" panose="020B0800000000000000" pitchFamily="34" charset="-127"/>
+                </a:rPr>
+                <a:t>10</a:t>
+              </a:r>
+              <a:endParaRPr lang="ko-KR" altLang="en-US" sz="1200" b="1" dirty="0">
                 <a:solidFill>
                   <a:schemeClr val="dk1"/>
                 </a:solidFill>
                 <a:latin typeface="Spoqa Han Sans Neo Bold" panose="020B0800000000000000" pitchFamily="34" charset="-127"/>
                 <a:ea typeface="Spoqa Han Sans Neo Bold" panose="020B0800000000000000" pitchFamily="34" charset="-127"/>
-              </a:rPr>
-              <a:t>12</a:t>
-            </a:r>
-            <a:endParaRPr lang="ko-KR" altLang="en-US" sz="1200" b="1" dirty="0">
+              </a:endParaRPr>
+            </a:p>
+          </p:txBody>
+        </p:sp>
+        <p:sp>
+          <p:nvSpPr>
+            <p:cNvPr id="17" name="직사각형 16">
+              <a:extLst>
+                <a:ext uri="{FF2B5EF4-FFF2-40B4-BE49-F238E27FC236}">
+                  <a16:creationId xmlns:a16="http://schemas.microsoft.com/office/drawing/2014/main" id="{A03EC79A-9E65-9D5C-B66A-71DD39FA44BC}"/>
+                </a:ext>
+              </a:extLst>
+            </p:cNvPr>
+            <p:cNvSpPr/>
+            <p:nvPr/>
+          </p:nvSpPr>
+          <p:spPr>
+            <a:xfrm>
+              <a:off x="6642105" y="2827782"/>
+              <a:ext cx="487680" cy="976122"/>
+            </a:xfrm>
+            <a:prstGeom prst="rect">
+              <a:avLst/>
+            </a:prstGeom>
+            <a:noFill/>
+            <a:ln w="19050" cap="flat" cmpd="sng" algn="ctr">
               <a:solidFill>
                 <a:schemeClr val="dk1"/>
               </a:solidFill>
-              <a:latin typeface="Spoqa Han Sans Neo Bold" panose="020B0800000000000000" pitchFamily="34" charset="-127"/>
-              <a:ea typeface="Spoqa Han Sans Neo Bold" panose="020B0800000000000000" pitchFamily="34" charset="-127"/>
-            </a:endParaRPr>
-          </a:p>
-        </p:txBody>
-      </p:sp>
-      <p:sp>
-        <p:nvSpPr>
-          <p:cNvPr id="19" name="직사각형 18">
-            <a:extLst>
-              <a:ext uri="{FF2B5EF4-FFF2-40B4-BE49-F238E27FC236}">
-                <a16:creationId xmlns:a16="http://schemas.microsoft.com/office/drawing/2014/main" id="{F44522C7-6258-8C61-3D8C-58DF7357A135}"/>
-              </a:ext>
-            </a:extLst>
-          </p:cNvPr>
-          <p:cNvSpPr/>
-          <p:nvPr/>
-        </p:nvSpPr>
-        <p:spPr>
-          <a:xfrm>
-            <a:off x="7617465" y="2827782"/>
-            <a:ext cx="487680" cy="976122"/>
-          </a:xfrm>
-          <a:prstGeom prst="rect">
-            <a:avLst/>
-          </a:prstGeom>
-          <a:noFill/>
-          <a:ln w="19050" cap="flat" cmpd="sng" algn="ctr">
-            <a:solidFill>
-              <a:schemeClr val="tx1">
-                <a:lumMod val="50000"/>
-                <a:lumOff val="50000"/>
-              </a:schemeClr>
-            </a:solidFill>
-            <a:prstDash val="sysDot"/>
-            <a:round/>
-            <a:headEnd type="none" w="med" len="med"/>
-            <a:tailEnd type="none" w="med" len="med"/>
-          </a:ln>
-        </p:spPr>
-        <p:style>
-          <a:lnRef idx="0">
-            <a:scrgbClr r="0" g="0" b="0"/>
-          </a:lnRef>
-          <a:fillRef idx="0">
-            <a:scrgbClr r="0" g="0" b="0"/>
-          </a:fillRef>
-          <a:effectRef idx="0">
-            <a:scrgbClr r="0" g="0" b="0"/>
-          </a:effectRef>
-          <a:fontRef idx="minor">
-            <a:schemeClr val="dk1"/>
-          </a:fontRef>
-        </p:style>
-        <p:txBody>
-          <a:bodyPr rtlCol="0" anchor="ctr"/>
-          <a:lstStyle/>
-          <a:p>
-            <a:pPr algn="ctr"/>
-            <a:r>
-              <a:rPr lang="en-US" altLang="ko-KR" sz="1200" b="1" dirty="0">
+              <a:prstDash val="solid"/>
+              <a:round/>
+              <a:headEnd type="none" w="med" len="med"/>
+              <a:tailEnd type="none" w="med" len="med"/>
+            </a:ln>
+          </p:spPr>
+          <p:style>
+            <a:lnRef idx="0">
+              <a:scrgbClr r="0" g="0" b="0"/>
+            </a:lnRef>
+            <a:fillRef idx="0">
+              <a:scrgbClr r="0" g="0" b="0"/>
+            </a:fillRef>
+            <a:effectRef idx="0">
+              <a:scrgbClr r="0" g="0" b="0"/>
+            </a:effectRef>
+            <a:fontRef idx="minor">
+              <a:schemeClr val="dk1"/>
+            </a:fontRef>
+          </p:style>
+          <p:txBody>
+            <a:bodyPr rtlCol="0" anchor="ctr"/>
+            <a:lstStyle/>
+            <a:p>
+              <a:pPr algn="ctr"/>
+              <a:r>
+                <a:rPr lang="en-US" altLang="ko-KR" sz="1200" b="1" dirty="0">
+                  <a:solidFill>
+                    <a:schemeClr val="dk1"/>
+                  </a:solidFill>
+                  <a:latin typeface="Spoqa Han Sans Neo Bold" panose="020B0800000000000000" pitchFamily="34" charset="-127"/>
+                  <a:ea typeface="Spoqa Han Sans Neo Bold" panose="020B0800000000000000" pitchFamily="34" charset="-127"/>
+                </a:rPr>
+                <a:t>11</a:t>
+              </a:r>
+              <a:endParaRPr lang="ko-KR" altLang="en-US" sz="1200" b="1" dirty="0">
+                <a:solidFill>
+                  <a:schemeClr val="dk1"/>
+                </a:solidFill>
+                <a:latin typeface="Spoqa Han Sans Neo Bold" panose="020B0800000000000000" pitchFamily="34" charset="-127"/>
+                <a:ea typeface="Spoqa Han Sans Neo Bold" panose="020B0800000000000000" pitchFamily="34" charset="-127"/>
+              </a:endParaRPr>
+            </a:p>
+          </p:txBody>
+        </p:sp>
+        <p:sp>
+          <p:nvSpPr>
+            <p:cNvPr id="18" name="직사각형 17">
+              <a:extLst>
+                <a:ext uri="{FF2B5EF4-FFF2-40B4-BE49-F238E27FC236}">
+                  <a16:creationId xmlns:a16="http://schemas.microsoft.com/office/drawing/2014/main" id="{7108D3B0-135C-72CC-1704-D7C8CB27D1E0}"/>
+                </a:ext>
+              </a:extLst>
+            </p:cNvPr>
+            <p:cNvSpPr/>
+            <p:nvPr/>
+          </p:nvSpPr>
+          <p:spPr>
+            <a:xfrm>
+              <a:off x="7129785" y="2827782"/>
+              <a:ext cx="487680" cy="976122"/>
+            </a:xfrm>
+            <a:prstGeom prst="rect">
+              <a:avLst/>
+            </a:prstGeom>
+            <a:noFill/>
+            <a:ln w="19050" cap="flat" cmpd="sng" algn="ctr">
+              <a:solidFill>
+                <a:schemeClr val="dk1"/>
+              </a:solidFill>
+              <a:prstDash val="solid"/>
+              <a:round/>
+              <a:headEnd type="none" w="med" len="med"/>
+              <a:tailEnd type="none" w="med" len="med"/>
+            </a:ln>
+          </p:spPr>
+          <p:style>
+            <a:lnRef idx="0">
+              <a:scrgbClr r="0" g="0" b="0"/>
+            </a:lnRef>
+            <a:fillRef idx="0">
+              <a:scrgbClr r="0" g="0" b="0"/>
+            </a:fillRef>
+            <a:effectRef idx="0">
+              <a:scrgbClr r="0" g="0" b="0"/>
+            </a:effectRef>
+            <a:fontRef idx="minor">
+              <a:schemeClr val="dk1"/>
+            </a:fontRef>
+          </p:style>
+          <p:txBody>
+            <a:bodyPr rtlCol="0" anchor="ctr"/>
+            <a:lstStyle/>
+            <a:p>
+              <a:pPr algn="ctr"/>
+              <a:r>
+                <a:rPr lang="en-US" altLang="ko-KR" sz="1200" b="1" dirty="0">
+                  <a:solidFill>
+                    <a:schemeClr val="dk1"/>
+                  </a:solidFill>
+                  <a:latin typeface="Spoqa Han Sans Neo Bold" panose="020B0800000000000000" pitchFamily="34" charset="-127"/>
+                  <a:ea typeface="Spoqa Han Sans Neo Bold" panose="020B0800000000000000" pitchFamily="34" charset="-127"/>
+                </a:rPr>
+                <a:t>12</a:t>
+              </a:r>
+              <a:endParaRPr lang="ko-KR" altLang="en-US" sz="1200" b="1" dirty="0">
+                <a:solidFill>
+                  <a:schemeClr val="dk1"/>
+                </a:solidFill>
+                <a:latin typeface="Spoqa Han Sans Neo Bold" panose="020B0800000000000000" pitchFamily="34" charset="-127"/>
+                <a:ea typeface="Spoqa Han Sans Neo Bold" panose="020B0800000000000000" pitchFamily="34" charset="-127"/>
+              </a:endParaRPr>
+            </a:p>
+          </p:txBody>
+        </p:sp>
+        <p:sp>
+          <p:nvSpPr>
+            <p:cNvPr id="19" name="직사각형 18">
+              <a:extLst>
+                <a:ext uri="{FF2B5EF4-FFF2-40B4-BE49-F238E27FC236}">
+                  <a16:creationId xmlns:a16="http://schemas.microsoft.com/office/drawing/2014/main" id="{F44522C7-6258-8C61-3D8C-58DF7357A135}"/>
+                </a:ext>
+              </a:extLst>
+            </p:cNvPr>
+            <p:cNvSpPr/>
+            <p:nvPr/>
+          </p:nvSpPr>
+          <p:spPr>
+            <a:xfrm>
+              <a:off x="7617465" y="2827782"/>
+              <a:ext cx="487680" cy="976122"/>
+            </a:xfrm>
+            <a:prstGeom prst="rect">
+              <a:avLst/>
+            </a:prstGeom>
+            <a:noFill/>
+            <a:ln w="19050" cap="flat" cmpd="sng" algn="ctr">
+              <a:solidFill>
+                <a:schemeClr val="tx1">
+                  <a:lumMod val="50000"/>
+                  <a:lumOff val="50000"/>
+                </a:schemeClr>
+              </a:solidFill>
+              <a:prstDash val="sysDot"/>
+              <a:round/>
+              <a:headEnd type="none" w="med" len="med"/>
+              <a:tailEnd type="none" w="med" len="med"/>
+            </a:ln>
+          </p:spPr>
+          <p:style>
+            <a:lnRef idx="0">
+              <a:scrgbClr r="0" g="0" b="0"/>
+            </a:lnRef>
+            <a:fillRef idx="0">
+              <a:scrgbClr r="0" g="0" b="0"/>
+            </a:fillRef>
+            <a:effectRef idx="0">
+              <a:scrgbClr r="0" g="0" b="0"/>
+            </a:effectRef>
+            <a:fontRef idx="minor">
+              <a:schemeClr val="dk1"/>
+            </a:fontRef>
+          </p:style>
+          <p:txBody>
+            <a:bodyPr rtlCol="0" anchor="ctr"/>
+            <a:lstStyle/>
+            <a:p>
+              <a:pPr algn="ctr"/>
+              <a:r>
+                <a:rPr lang="en-US" altLang="ko-KR" sz="1200" b="1" dirty="0">
+                  <a:solidFill>
+                    <a:schemeClr val="bg2">
+                      <a:lumMod val="50000"/>
+                    </a:schemeClr>
+                  </a:solidFill>
+                  <a:latin typeface="Spoqa Han Sans Neo Bold" panose="020B0800000000000000" pitchFamily="34" charset="-127"/>
+                  <a:ea typeface="Spoqa Han Sans Neo Bold" panose="020B0800000000000000" pitchFamily="34" charset="-127"/>
+                </a:rPr>
+                <a:t>13</a:t>
+              </a:r>
+              <a:endParaRPr lang="ko-KR" altLang="en-US" sz="1200" b="1" dirty="0">
                 <a:solidFill>
                   <a:schemeClr val="bg2">
                     <a:lumMod val="50000"/>
@@ -13683,21 +14862,11 @@
                 </a:solidFill>
                 <a:latin typeface="Spoqa Han Sans Neo Bold" panose="020B0800000000000000" pitchFamily="34" charset="-127"/>
                 <a:ea typeface="Spoqa Han Sans Neo Bold" panose="020B0800000000000000" pitchFamily="34" charset="-127"/>
-              </a:rPr>
-              <a:t>13</a:t>
-            </a:r>
-            <a:endParaRPr lang="ko-KR" altLang="en-US" sz="1200" b="1" dirty="0">
-              <a:solidFill>
-                <a:schemeClr val="bg2">
-                  <a:lumMod val="50000"/>
-                </a:schemeClr>
-              </a:solidFill>
-              <a:latin typeface="Spoqa Han Sans Neo Bold" panose="020B0800000000000000" pitchFamily="34" charset="-127"/>
-              <a:ea typeface="Spoqa Han Sans Neo Bold" panose="020B0800000000000000" pitchFamily="34" charset="-127"/>
-            </a:endParaRPr>
-          </a:p>
-        </p:txBody>
-      </p:sp>
+              </a:endParaRPr>
+            </a:p>
+          </p:txBody>
+        </p:sp>
+      </p:grpSp>
       <p:sp>
         <p:nvSpPr>
           <p:cNvPr id="22" name="TextBox 21">
@@ -13712,7 +14881,7 @@
         </p:nvSpPr>
         <p:spPr>
           <a:xfrm>
-            <a:off x="5666745" y="2023050"/>
+            <a:off x="6402758" y="1433118"/>
             <a:ext cx="1226920" cy="338554"/>
           </a:xfrm>
           <a:prstGeom prst="rect">
@@ -13752,17 +14921,17 @@
           </p:cNvPr>
           <p:cNvCxnSpPr>
             <a:cxnSpLocks/>
-            <a:stCxn id="22" idx="3"/>
+            <a:stCxn id="22" idx="2"/>
             <a:endCxn id="19" idx="0"/>
           </p:cNvCxnSpPr>
           <p:nvPr/>
         </p:nvCxnSpPr>
         <p:spPr>
           <a:xfrm>
-            <a:off x="6893665" y="2192327"/>
-            <a:ext cx="967640" cy="635455"/>
+            <a:off x="7016218" y="1771672"/>
+            <a:ext cx="845087" cy="761144"/>
           </a:xfrm>
-          <a:prstGeom prst="bentConnector2">
+          <a:prstGeom prst="straightConnector1">
             <a:avLst/>
           </a:prstGeom>
           <a:ln w="12700">
@@ -13934,8 +15103,8 @@
         </p:nvCxnSpPr>
         <p:spPr>
           <a:xfrm>
-            <a:off x="6398265" y="3803904"/>
-            <a:ext cx="243840" cy="466178"/>
+            <a:off x="6398265" y="3508938"/>
+            <a:ext cx="243840" cy="761144"/>
           </a:xfrm>
           <a:prstGeom prst="straightConnector1">
             <a:avLst/>
@@ -13983,8 +15152,8 @@
         </p:nvCxnSpPr>
         <p:spPr>
           <a:xfrm flipH="1">
-            <a:off x="2743200" y="3803904"/>
-            <a:ext cx="731520" cy="466178"/>
+            <a:off x="2743200" y="3508938"/>
+            <a:ext cx="731520" cy="761144"/>
           </a:xfrm>
           <a:prstGeom prst="straightConnector1">
             <a:avLst/>
@@ -14014,6 +15183,149 @@
           </a:fontRef>
         </p:style>
       </p:cxnSp>
+      <p:sp>
+        <p:nvSpPr>
+          <p:cNvPr id="3" name="사각형: 둥근 모서리 2">
+            <a:extLst>
+              <a:ext uri="{FF2B5EF4-FFF2-40B4-BE49-F238E27FC236}">
+                <a16:creationId xmlns:a16="http://schemas.microsoft.com/office/drawing/2014/main" id="{24E84905-4B92-4B54-3BB4-FDDAB5050690}"/>
+              </a:ext>
+            </a:extLst>
+          </p:cNvPr>
+          <p:cNvSpPr/>
+          <p:nvPr/>
+        </p:nvSpPr>
+        <p:spPr>
+          <a:xfrm>
+            <a:off x="781665" y="1990540"/>
+            <a:ext cx="7624916" cy="1858790"/>
+          </a:xfrm>
+          <a:prstGeom prst="roundRect">
+            <a:avLst>
+              <a:gd name="adj" fmla="val 8316"/>
+            </a:avLst>
+          </a:prstGeom>
+          <a:noFill/>
+          <a:ln w="19050" cap="flat" cmpd="sng" algn="ctr">
+            <a:solidFill>
+              <a:schemeClr val="dk1"/>
+            </a:solidFill>
+            <a:prstDash val="sysDot"/>
+            <a:round/>
+            <a:headEnd type="none" w="med" len="med"/>
+            <a:tailEnd type="none" w="med" len="med"/>
+          </a:ln>
+        </p:spPr>
+        <p:style>
+          <a:lnRef idx="0">
+            <a:scrgbClr r="0" g="0" b="0"/>
+          </a:lnRef>
+          <a:fillRef idx="0">
+            <a:scrgbClr r="0" g="0" b="0"/>
+          </a:fillRef>
+          <a:effectRef idx="0">
+            <a:scrgbClr r="0" g="0" b="0"/>
+          </a:effectRef>
+          <a:fontRef idx="minor">
+            <a:schemeClr val="dk1"/>
+          </a:fontRef>
+        </p:style>
+        <p:txBody>
+          <a:bodyPr rtlCol="0" anchor="ctr"/>
+          <a:lstStyle/>
+          <a:p>
+            <a:pPr algn="ctr"/>
+            <a:endParaRPr lang="ko-KR" altLang="en-US" sz="1200" b="1" dirty="0">
+              <a:latin typeface="Spoqa Han Sans Neo Bold" panose="020B0800000000000000" pitchFamily="34" charset="-127"/>
+              <a:ea typeface="Spoqa Han Sans Neo Bold" panose="020B0800000000000000" pitchFamily="34" charset="-127"/>
+            </a:endParaRPr>
+          </a:p>
+        </p:txBody>
+      </p:sp>
+      <p:sp>
+        <p:nvSpPr>
+          <p:cNvPr id="30" name="TextBox 29">
+            <a:extLst>
+              <a:ext uri="{FF2B5EF4-FFF2-40B4-BE49-F238E27FC236}">
+                <a16:creationId xmlns:a16="http://schemas.microsoft.com/office/drawing/2014/main" id="{D939CC03-CF85-99FB-0B2D-78C70B381E56}"/>
+              </a:ext>
+            </a:extLst>
+          </p:cNvPr>
+          <p:cNvSpPr txBox="1"/>
+          <p:nvPr/>
+        </p:nvSpPr>
+        <p:spPr>
+          <a:xfrm>
+            <a:off x="910540" y="1709634"/>
+            <a:ext cx="1226920" cy="276999"/>
+          </a:xfrm>
+          <a:prstGeom prst="rect">
+            <a:avLst/>
+          </a:prstGeom>
+          <a:noFill/>
+        </p:spPr>
+        <p:txBody>
+          <a:bodyPr wrap="square" rtlCol="0">
+            <a:spAutoFit/>
+          </a:bodyPr>
+          <a:lstStyle/>
+          <a:p>
+            <a:r>
+              <a:rPr lang="en-US" altLang="ko-KR" sz="1200" dirty="0">
+                <a:latin typeface="Spoqa Han Sans Neo Bold" panose="020B0800000000000000" pitchFamily="34" charset="-127"/>
+                <a:ea typeface="Spoqa Han Sans Neo Bold" panose="020B0800000000000000" pitchFamily="34" charset="-127"/>
+              </a:rPr>
+              <a:t>Topic</a:t>
+            </a:r>
+            <a:endParaRPr lang="ko-KR" altLang="en-US" sz="1200" dirty="0">
+              <a:latin typeface="Spoqa Han Sans Neo Bold" panose="020B0800000000000000" pitchFamily="34" charset="-127"/>
+              <a:ea typeface="Spoqa Han Sans Neo Bold" panose="020B0800000000000000" pitchFamily="34" charset="-127"/>
+            </a:endParaRPr>
+          </a:p>
+        </p:txBody>
+      </p:sp>
+      <p:sp>
+        <p:nvSpPr>
+          <p:cNvPr id="31" name="TextBox 30">
+            <a:extLst>
+              <a:ext uri="{FF2B5EF4-FFF2-40B4-BE49-F238E27FC236}">
+                <a16:creationId xmlns:a16="http://schemas.microsoft.com/office/drawing/2014/main" id="{ACB0E6F3-D5B5-469A-3F13-5333C72E9EA0}"/>
+              </a:ext>
+            </a:extLst>
+          </p:cNvPr>
+          <p:cNvSpPr txBox="1"/>
+          <p:nvPr/>
+        </p:nvSpPr>
+        <p:spPr>
+          <a:xfrm>
+            <a:off x="1268580" y="2253863"/>
+            <a:ext cx="1226920" cy="276999"/>
+          </a:xfrm>
+          <a:prstGeom prst="rect">
+            <a:avLst/>
+          </a:prstGeom>
+          <a:noFill/>
+        </p:spPr>
+        <p:txBody>
+          <a:bodyPr wrap="square" rtlCol="0">
+            <a:spAutoFit/>
+          </a:bodyPr>
+          <a:lstStyle/>
+          <a:p>
+            <a:r>
+              <a:rPr lang="en-US" altLang="ko-KR" sz="1200" dirty="0">
+                <a:latin typeface="Spoqa Han Sans Neo Bold" panose="020B0800000000000000" pitchFamily="34" charset="-127"/>
+                <a:ea typeface="Spoqa Han Sans Neo Bold" panose="020B0800000000000000" pitchFamily="34" charset="-127"/>
+              </a:rPr>
+              <a:t>Partition</a:t>
+            </a:r>
+            <a:endParaRPr lang="ko-KR" altLang="en-US" sz="1200" dirty="0">
+              <a:latin typeface="Spoqa Han Sans Neo Bold" panose="020B0800000000000000" pitchFamily="34" charset="-127"/>
+              <a:ea typeface="Spoqa Han Sans Neo Bold" panose="020B0800000000000000" pitchFamily="34" charset="-127"/>
+            </a:endParaRPr>
+          </a:p>
+        </p:txBody>
+      </p:sp>
     </p:spTree>
     <p:extLst>
       <p:ext uri="{BB962C8B-B14F-4D97-AF65-F5344CB8AC3E}">
@@ -14208,72 +15520,71 @@
           </a:p>
         </p:txBody>
       </p:sp>
-      <p:pic>
-        <p:nvPicPr>
-          <p:cNvPr id="4" name="그림 3">
+      <p:sp>
+        <p:nvSpPr>
+          <p:cNvPr id="4" name="사각형: 둥근 모서리 3">
             <a:extLst>
               <a:ext uri="{FF2B5EF4-FFF2-40B4-BE49-F238E27FC236}">
-                <a16:creationId xmlns:a16="http://schemas.microsoft.com/office/drawing/2014/main" id="{BCA823A3-7110-6B0F-B1B4-CDE5F5911868}"/>
+                <a16:creationId xmlns:a16="http://schemas.microsoft.com/office/drawing/2014/main" id="{8CCFA041-E5DC-AB05-4253-8D573846B3F9}"/>
               </a:ext>
             </a:extLst>
           </p:cNvPr>
-          <p:cNvPicPr>
-            <a:picLocks noChangeAspect="1"/>
-          </p:cNvPicPr>
+          <p:cNvSpPr/>
           <p:nvPr/>
-        </p:nvPicPr>
-        <p:blipFill>
-          <a:blip r:embed="rId3"/>
-          <a:stretch>
-            <a:fillRect/>
-          </a:stretch>
-        </p:blipFill>
+        </p:nvSpPr>
         <p:spPr>
           <a:xfrm>
-            <a:off x="792019" y="1810740"/>
-            <a:ext cx="3771900" cy="2804746"/>
+            <a:off x="3112477" y="2073961"/>
+            <a:ext cx="3358662" cy="2457224"/>
           </a:xfrm>
-          <a:prstGeom prst="rect">
-            <a:avLst/>
+          <a:prstGeom prst="roundRect">
+            <a:avLst>
+              <a:gd name="adj" fmla="val 8316"/>
+            </a:avLst>
           </a:prstGeom>
+          <a:noFill/>
+          <a:ln w="19050" cap="flat" cmpd="sng" algn="ctr">
+            <a:solidFill>
+              <a:schemeClr val="dk1"/>
+            </a:solidFill>
+            <a:prstDash val="solid"/>
+            <a:round/>
+            <a:headEnd type="none" w="med" len="med"/>
+            <a:tailEnd type="none" w="med" len="med"/>
+          </a:ln>
         </p:spPr>
-      </p:pic>
-      <p:pic>
-        <p:nvPicPr>
-          <p:cNvPr id="6" name="그림 5">
+        <p:style>
+          <a:lnRef idx="0">
+            <a:scrgbClr r="0" g="0" b="0"/>
+          </a:lnRef>
+          <a:fillRef idx="0">
+            <a:scrgbClr r="0" g="0" b="0"/>
+          </a:fillRef>
+          <a:effectRef idx="0">
+            <a:scrgbClr r="0" g="0" b="0"/>
+          </a:effectRef>
+          <a:fontRef idx="minor">
+            <a:schemeClr val="dk1"/>
+          </a:fontRef>
+        </p:style>
+        <p:txBody>
+          <a:bodyPr rtlCol="0" anchor="ctr"/>
+          <a:lstStyle/>
+          <a:p>
+            <a:pPr algn="ctr"/>
+            <a:endParaRPr lang="ko-KR" altLang="en-US" sz="1200" b="1" dirty="0">
+              <a:latin typeface="Spoqa Han Sans Neo Bold" panose="020B0800000000000000" pitchFamily="34" charset="-127"/>
+              <a:ea typeface="Spoqa Han Sans Neo Bold" panose="020B0800000000000000" pitchFamily="34" charset="-127"/>
+            </a:endParaRPr>
+          </a:p>
+        </p:txBody>
+      </p:sp>
+      <p:sp>
+        <p:nvSpPr>
+          <p:cNvPr id="5" name="TextBox 4">
             <a:extLst>
               <a:ext uri="{FF2B5EF4-FFF2-40B4-BE49-F238E27FC236}">
-                <a16:creationId xmlns:a16="http://schemas.microsoft.com/office/drawing/2014/main" id="{CCA4CB01-0FB5-66CA-30A4-9957B9697B1B}"/>
-              </a:ext>
-            </a:extLst>
-          </p:cNvPr>
-          <p:cNvPicPr>
-            <a:picLocks noChangeAspect="1"/>
-          </p:cNvPicPr>
-          <p:nvPr/>
-        </p:nvPicPr>
-        <p:blipFill>
-          <a:blip r:embed="rId4"/>
-          <a:stretch>
-            <a:fillRect/>
-          </a:stretch>
-        </p:blipFill>
-        <p:spPr>
-          <a:xfrm>
-            <a:off x="4802401" y="1810740"/>
-            <a:ext cx="3779981" cy="2804746"/>
-          </a:xfrm>
-          <a:prstGeom prst="rect">
-            <a:avLst/>
-          </a:prstGeom>
-        </p:spPr>
-      </p:pic>
-      <p:sp>
-        <p:nvSpPr>
-          <p:cNvPr id="9" name="TextBox 8">
-            <a:extLst>
-              <a:ext uri="{FF2B5EF4-FFF2-40B4-BE49-F238E27FC236}">
-                <a16:creationId xmlns:a16="http://schemas.microsoft.com/office/drawing/2014/main" id="{03CB08E5-1877-625C-39F2-12C74334CECC}"/>
+                <a16:creationId xmlns:a16="http://schemas.microsoft.com/office/drawing/2014/main" id="{627617B6-DC95-4F60-C847-9F8473553599}"/>
               </a:ext>
             </a:extLst>
           </p:cNvPr>
@@ -14282,8 +15593,8 @@
         </p:nvSpPr>
         <p:spPr>
           <a:xfrm>
-            <a:off x="748681" y="1320564"/>
-            <a:ext cx="1600200" cy="369332"/>
+            <a:off x="3991708" y="1716217"/>
+            <a:ext cx="1600200" cy="276999"/>
           </a:xfrm>
           <a:prstGeom prst="rect">
             <a:avLst/>
@@ -14296,14 +15607,15 @@
           </a:bodyPr>
           <a:lstStyle/>
           <a:p>
-            <a:r>
-              <a:rPr lang="en-US" altLang="ko-KR" dirty="0" err="1">
+            <a:pPr algn="ctr"/>
+            <a:r>
+              <a:rPr lang="en-US" altLang="ko-KR" sz="1200" dirty="0">
                 <a:latin typeface="Spoqa Han Sans Neo Bold" panose="020B0800000000000000" pitchFamily="34" charset="-127"/>
                 <a:ea typeface="Spoqa Han Sans Neo Bold" panose="020B0800000000000000" pitchFamily="34" charset="-127"/>
               </a:rPr>
-              <a:t>AsIs</a:t>
-            </a:r>
-            <a:endParaRPr lang="ko-KR" altLang="en-US" dirty="0">
+              <a:t>Broker</a:t>
+            </a:r>
+            <a:endParaRPr lang="ko-KR" altLang="en-US" sz="1200" dirty="0">
               <a:latin typeface="Spoqa Han Sans Neo Bold" panose="020B0800000000000000" pitchFamily="34" charset="-127"/>
               <a:ea typeface="Spoqa Han Sans Neo Bold" panose="020B0800000000000000" pitchFamily="34" charset="-127"/>
             </a:endParaRPr>
@@ -14312,50 +15624,1130 @@
       </p:sp>
       <p:sp>
         <p:nvSpPr>
-          <p:cNvPr id="10" name="TextBox 9">
+          <p:cNvPr id="6" name="사각형: 둥근 모서리 5">
             <a:extLst>
               <a:ext uri="{FF2B5EF4-FFF2-40B4-BE49-F238E27FC236}">
-                <a16:creationId xmlns:a16="http://schemas.microsoft.com/office/drawing/2014/main" id="{A9814C98-CF7A-5A0B-A7A6-C4E48798DA8B}"/>
+                <a16:creationId xmlns:a16="http://schemas.microsoft.com/office/drawing/2014/main" id="{AF813851-1433-B2F9-86CF-06F98AE7C8E3}"/>
               </a:ext>
             </a:extLst>
           </p:cNvPr>
-          <p:cNvSpPr txBox="1"/>
+          <p:cNvSpPr/>
           <p:nvPr/>
         </p:nvSpPr>
         <p:spPr>
           <a:xfrm>
-            <a:off x="4802401" y="1320564"/>
-            <a:ext cx="1600200" cy="369332"/>
+            <a:off x="880761" y="2193169"/>
+            <a:ext cx="1027170" cy="629162"/>
           </a:xfrm>
-          <a:prstGeom prst="rect">
+          <a:prstGeom prst="roundRect">
             <a:avLst/>
           </a:prstGeom>
           <a:noFill/>
+          <a:ln w="19050" cap="flat" cmpd="sng" algn="ctr">
+            <a:solidFill>
+              <a:schemeClr val="dk1"/>
+            </a:solidFill>
+            <a:prstDash val="solid"/>
+            <a:round/>
+            <a:headEnd type="none" w="med" len="med"/>
+            <a:tailEnd type="none" w="med" len="med"/>
+          </a:ln>
         </p:spPr>
+        <p:style>
+          <a:lnRef idx="0">
+            <a:scrgbClr r="0" g="0" b="0"/>
+          </a:lnRef>
+          <a:fillRef idx="0">
+            <a:scrgbClr r="0" g="0" b="0"/>
+          </a:fillRef>
+          <a:effectRef idx="0">
+            <a:scrgbClr r="0" g="0" b="0"/>
+          </a:effectRef>
+          <a:fontRef idx="minor">
+            <a:schemeClr val="dk1"/>
+          </a:fontRef>
+        </p:style>
         <p:txBody>
-          <a:bodyPr wrap="square" rtlCol="0">
-            <a:spAutoFit/>
-          </a:bodyPr>
+          <a:bodyPr rtlCol="0" anchor="ctr"/>
           <a:lstStyle/>
           <a:p>
-            <a:r>
-              <a:rPr lang="en-US" altLang="ko-KR" dirty="0" err="1">
+            <a:pPr algn="ctr"/>
+            <a:r>
+              <a:rPr lang="en-US" altLang="ko-KR" sz="1200" b="1" dirty="0">
                 <a:latin typeface="Spoqa Han Sans Neo Bold" panose="020B0800000000000000" pitchFamily="34" charset="-127"/>
                 <a:ea typeface="Spoqa Han Sans Neo Bold" panose="020B0800000000000000" pitchFamily="34" charset="-127"/>
               </a:rPr>
-              <a:t>ToBe</a:t>
-            </a:r>
-            <a:endParaRPr lang="ko-KR" altLang="en-US" dirty="0">
+              <a:t>Producer #1</a:t>
+            </a:r>
+            <a:endParaRPr lang="ko-KR" altLang="en-US" sz="1200" b="1" dirty="0">
               <a:latin typeface="Spoqa Han Sans Neo Bold" panose="020B0800000000000000" pitchFamily="34" charset="-127"/>
               <a:ea typeface="Spoqa Han Sans Neo Bold" panose="020B0800000000000000" pitchFamily="34" charset="-127"/>
             </a:endParaRPr>
           </a:p>
         </p:txBody>
       </p:sp>
+      <p:sp>
+        <p:nvSpPr>
+          <p:cNvPr id="9" name="사각형: 둥근 모서리 8">
+            <a:extLst>
+              <a:ext uri="{FF2B5EF4-FFF2-40B4-BE49-F238E27FC236}">
+                <a16:creationId xmlns:a16="http://schemas.microsoft.com/office/drawing/2014/main" id="{C70D8579-6C03-D55E-299C-F22854D2E026}"/>
+              </a:ext>
+            </a:extLst>
+          </p:cNvPr>
+          <p:cNvSpPr/>
+          <p:nvPr/>
+        </p:nvSpPr>
+        <p:spPr>
+          <a:xfrm>
+            <a:off x="880761" y="3686502"/>
+            <a:ext cx="1027170" cy="629162"/>
+          </a:xfrm>
+          <a:prstGeom prst="roundRect">
+            <a:avLst/>
+          </a:prstGeom>
+          <a:noFill/>
+          <a:ln w="19050" cap="flat" cmpd="sng" algn="ctr">
+            <a:solidFill>
+              <a:schemeClr val="dk1"/>
+            </a:solidFill>
+            <a:prstDash val="solid"/>
+            <a:round/>
+            <a:headEnd type="none" w="med" len="med"/>
+            <a:tailEnd type="none" w="med" len="med"/>
+          </a:ln>
+        </p:spPr>
+        <p:style>
+          <a:lnRef idx="0">
+            <a:scrgbClr r="0" g="0" b="0"/>
+          </a:lnRef>
+          <a:fillRef idx="0">
+            <a:scrgbClr r="0" g="0" b="0"/>
+          </a:fillRef>
+          <a:effectRef idx="0">
+            <a:scrgbClr r="0" g="0" b="0"/>
+          </a:effectRef>
+          <a:fontRef idx="minor">
+            <a:schemeClr val="dk1"/>
+          </a:fontRef>
+        </p:style>
+        <p:txBody>
+          <a:bodyPr rtlCol="0" anchor="ctr"/>
+          <a:lstStyle/>
+          <a:p>
+            <a:pPr algn="ctr"/>
+            <a:r>
+              <a:rPr lang="en-US" altLang="ko-KR" sz="1200" b="1" dirty="0">
+                <a:latin typeface="Spoqa Han Sans Neo Bold" panose="020B0800000000000000" pitchFamily="34" charset="-127"/>
+                <a:ea typeface="Spoqa Han Sans Neo Bold" panose="020B0800000000000000" pitchFamily="34" charset="-127"/>
+              </a:rPr>
+              <a:t>Producer #2</a:t>
+            </a:r>
+            <a:endParaRPr lang="ko-KR" altLang="en-US" sz="1200" b="1" dirty="0">
+              <a:latin typeface="Spoqa Han Sans Neo Bold" panose="020B0800000000000000" pitchFamily="34" charset="-127"/>
+              <a:ea typeface="Spoqa Han Sans Neo Bold" panose="020B0800000000000000" pitchFamily="34" charset="-127"/>
+            </a:endParaRPr>
+          </a:p>
+        </p:txBody>
+      </p:sp>
+      <p:sp>
+        <p:nvSpPr>
+          <p:cNvPr id="10" name="사각형: 둥근 모서리 9">
+            <a:extLst>
+              <a:ext uri="{FF2B5EF4-FFF2-40B4-BE49-F238E27FC236}">
+                <a16:creationId xmlns:a16="http://schemas.microsoft.com/office/drawing/2014/main" id="{45BC65CC-E8A3-E4EE-9683-80C1BA97EF8A}"/>
+              </a:ext>
+            </a:extLst>
+          </p:cNvPr>
+          <p:cNvSpPr/>
+          <p:nvPr/>
+        </p:nvSpPr>
+        <p:spPr>
+          <a:xfrm>
+            <a:off x="7115044" y="2105246"/>
+            <a:ext cx="1275749" cy="459383"/>
+          </a:xfrm>
+          <a:prstGeom prst="roundRect">
+            <a:avLst/>
+          </a:prstGeom>
+          <a:noFill/>
+          <a:ln w="19050" cap="flat" cmpd="sng" algn="ctr">
+            <a:solidFill>
+              <a:schemeClr val="dk1"/>
+            </a:solidFill>
+            <a:prstDash val="solid"/>
+            <a:round/>
+            <a:headEnd type="none" w="med" len="med"/>
+            <a:tailEnd type="none" w="med" len="med"/>
+          </a:ln>
+        </p:spPr>
+        <p:style>
+          <a:lnRef idx="0">
+            <a:scrgbClr r="0" g="0" b="0"/>
+          </a:lnRef>
+          <a:fillRef idx="0">
+            <a:scrgbClr r="0" g="0" b="0"/>
+          </a:fillRef>
+          <a:effectRef idx="0">
+            <a:scrgbClr r="0" g="0" b="0"/>
+          </a:effectRef>
+          <a:fontRef idx="minor">
+            <a:schemeClr val="dk1"/>
+          </a:fontRef>
+        </p:style>
+        <p:txBody>
+          <a:bodyPr rtlCol="0" anchor="ctr"/>
+          <a:lstStyle/>
+          <a:p>
+            <a:pPr algn="ctr"/>
+            <a:r>
+              <a:rPr lang="en-US" altLang="ko-KR" sz="1200" b="1" dirty="0">
+                <a:latin typeface="Spoqa Han Sans Neo Bold" panose="020B0800000000000000" pitchFamily="34" charset="-127"/>
+                <a:ea typeface="Spoqa Han Sans Neo Bold" panose="020B0800000000000000" pitchFamily="34" charset="-127"/>
+              </a:rPr>
+              <a:t>Consumer #1</a:t>
+            </a:r>
+            <a:endParaRPr lang="ko-KR" altLang="en-US" sz="1200" b="1" dirty="0">
+              <a:latin typeface="Spoqa Han Sans Neo Bold" panose="020B0800000000000000" pitchFamily="34" charset="-127"/>
+              <a:ea typeface="Spoqa Han Sans Neo Bold" panose="020B0800000000000000" pitchFamily="34" charset="-127"/>
+            </a:endParaRPr>
+          </a:p>
+        </p:txBody>
+      </p:sp>
+      <p:sp>
+        <p:nvSpPr>
+          <p:cNvPr id="11" name="사각형: 둥근 모서리 10">
+            <a:extLst>
+              <a:ext uri="{FF2B5EF4-FFF2-40B4-BE49-F238E27FC236}">
+                <a16:creationId xmlns:a16="http://schemas.microsoft.com/office/drawing/2014/main" id="{242179FA-897B-63AA-7737-7942FFE31C7F}"/>
+              </a:ext>
+            </a:extLst>
+          </p:cNvPr>
+          <p:cNvSpPr/>
+          <p:nvPr/>
+        </p:nvSpPr>
+        <p:spPr>
+          <a:xfrm>
+            <a:off x="7115043" y="2870721"/>
+            <a:ext cx="1275749" cy="399312"/>
+          </a:xfrm>
+          <a:prstGeom prst="roundRect">
+            <a:avLst/>
+          </a:prstGeom>
+          <a:noFill/>
+          <a:ln w="19050" cap="flat" cmpd="sng" algn="ctr">
+            <a:solidFill>
+              <a:schemeClr val="dk1"/>
+            </a:solidFill>
+            <a:prstDash val="solid"/>
+            <a:round/>
+            <a:headEnd type="none" w="med" len="med"/>
+            <a:tailEnd type="none" w="med" len="med"/>
+          </a:ln>
+        </p:spPr>
+        <p:style>
+          <a:lnRef idx="0">
+            <a:scrgbClr r="0" g="0" b="0"/>
+          </a:lnRef>
+          <a:fillRef idx="0">
+            <a:scrgbClr r="0" g="0" b="0"/>
+          </a:fillRef>
+          <a:effectRef idx="0">
+            <a:scrgbClr r="0" g="0" b="0"/>
+          </a:effectRef>
+          <a:fontRef idx="minor">
+            <a:schemeClr val="dk1"/>
+          </a:fontRef>
+        </p:style>
+        <p:txBody>
+          <a:bodyPr rtlCol="0" anchor="ctr"/>
+          <a:lstStyle/>
+          <a:p>
+            <a:pPr algn="ctr"/>
+            <a:r>
+              <a:rPr lang="en-US" altLang="ko-KR" sz="1200" b="1" dirty="0">
+                <a:latin typeface="Spoqa Han Sans Neo Bold" panose="020B0800000000000000" pitchFamily="34" charset="-127"/>
+                <a:ea typeface="Spoqa Han Sans Neo Bold" panose="020B0800000000000000" pitchFamily="34" charset="-127"/>
+              </a:rPr>
+              <a:t>Consumer #2</a:t>
+            </a:r>
+            <a:endParaRPr lang="ko-KR" altLang="en-US" sz="1200" b="1" dirty="0">
+              <a:latin typeface="Spoqa Han Sans Neo Bold" panose="020B0800000000000000" pitchFamily="34" charset="-127"/>
+              <a:ea typeface="Spoqa Han Sans Neo Bold" panose="020B0800000000000000" pitchFamily="34" charset="-127"/>
+            </a:endParaRPr>
+          </a:p>
+        </p:txBody>
+      </p:sp>
+      <p:grpSp>
+        <p:nvGrpSpPr>
+          <p:cNvPr id="14" name="그룹 13">
+            <a:extLst>
+              <a:ext uri="{FF2B5EF4-FFF2-40B4-BE49-F238E27FC236}">
+                <a16:creationId xmlns:a16="http://schemas.microsoft.com/office/drawing/2014/main" id="{9C1E1A6A-A6EA-C138-7010-89D88A036E1B}"/>
+              </a:ext>
+            </a:extLst>
+          </p:cNvPr>
+          <p:cNvGrpSpPr/>
+          <p:nvPr/>
+        </p:nvGrpSpPr>
+        <p:grpSpPr>
+          <a:xfrm>
+            <a:off x="3761291" y="3273854"/>
+            <a:ext cx="1955524" cy="1118772"/>
+            <a:chOff x="3761291" y="2236470"/>
+            <a:chExt cx="1955524" cy="1118772"/>
+          </a:xfrm>
+        </p:grpSpPr>
+        <p:sp>
+          <p:nvSpPr>
+            <p:cNvPr id="12" name="사각형: 둥근 모서리 11">
+              <a:extLst>
+                <a:ext uri="{FF2B5EF4-FFF2-40B4-BE49-F238E27FC236}">
+                  <a16:creationId xmlns:a16="http://schemas.microsoft.com/office/drawing/2014/main" id="{00D82630-8CE0-F19C-4B68-5DC3CB7000E7}"/>
+                </a:ext>
+              </a:extLst>
+            </p:cNvPr>
+            <p:cNvSpPr/>
+            <p:nvPr/>
+          </p:nvSpPr>
+          <p:spPr>
+            <a:xfrm>
+              <a:off x="3761291" y="2236470"/>
+              <a:ext cx="1955524" cy="1118772"/>
+            </a:xfrm>
+            <a:prstGeom prst="roundRect">
+              <a:avLst>
+                <a:gd name="adj" fmla="val 9898"/>
+              </a:avLst>
+            </a:prstGeom>
+            <a:noFill/>
+            <a:ln w="19050" cap="flat" cmpd="sng" algn="ctr">
+              <a:solidFill>
+                <a:schemeClr val="dk1"/>
+              </a:solidFill>
+              <a:prstDash val="solid"/>
+              <a:round/>
+              <a:headEnd type="none" w="med" len="med"/>
+              <a:tailEnd type="none" w="med" len="med"/>
+            </a:ln>
+          </p:spPr>
+          <p:style>
+            <a:lnRef idx="0">
+              <a:scrgbClr r="0" g="0" b="0"/>
+            </a:lnRef>
+            <a:fillRef idx="0">
+              <a:scrgbClr r="0" g="0" b="0"/>
+            </a:fillRef>
+            <a:effectRef idx="0">
+              <a:scrgbClr r="0" g="0" b="0"/>
+            </a:effectRef>
+            <a:fontRef idx="minor">
+              <a:schemeClr val="dk1"/>
+            </a:fontRef>
+          </p:style>
+          <p:txBody>
+            <a:bodyPr rtlCol="0" anchor="ctr"/>
+            <a:lstStyle/>
+            <a:p>
+              <a:pPr algn="ctr"/>
+              <a:r>
+                <a:rPr lang="en-US" altLang="ko-KR" sz="1200" b="1" dirty="0">
+                  <a:latin typeface="Spoqa Han Sans Neo Bold" panose="020B0800000000000000" pitchFamily="34" charset="-127"/>
+                  <a:ea typeface="Spoqa Han Sans Neo Bold" panose="020B0800000000000000" pitchFamily="34" charset="-127"/>
+                </a:rPr>
+                <a:t>Topic #2</a:t>
+              </a:r>
+            </a:p>
+            <a:p>
+              <a:pPr algn="ctr"/>
+              <a:endParaRPr lang="en-US" altLang="ko-KR" sz="1200" b="1" dirty="0">
+                <a:latin typeface="Spoqa Han Sans Neo Bold" panose="020B0800000000000000" pitchFamily="34" charset="-127"/>
+                <a:ea typeface="Spoqa Han Sans Neo Bold" panose="020B0800000000000000" pitchFamily="34" charset="-127"/>
+              </a:endParaRPr>
+            </a:p>
+            <a:p>
+              <a:pPr algn="ctr"/>
+              <a:endParaRPr lang="en-US" altLang="ko-KR" sz="1200" b="1" dirty="0">
+                <a:latin typeface="Spoqa Han Sans Neo Bold" panose="020B0800000000000000" pitchFamily="34" charset="-127"/>
+                <a:ea typeface="Spoqa Han Sans Neo Bold" panose="020B0800000000000000" pitchFamily="34" charset="-127"/>
+              </a:endParaRPr>
+            </a:p>
+            <a:p>
+              <a:pPr algn="ctr"/>
+              <a:endParaRPr lang="en-US" altLang="ko-KR" sz="1200" b="1" dirty="0">
+                <a:latin typeface="Spoqa Han Sans Neo Bold" panose="020B0800000000000000" pitchFamily="34" charset="-127"/>
+                <a:ea typeface="Spoqa Han Sans Neo Bold" panose="020B0800000000000000" pitchFamily="34" charset="-127"/>
+              </a:endParaRPr>
+            </a:p>
+            <a:p>
+              <a:pPr algn="ctr"/>
+              <a:endParaRPr lang="ko-KR" altLang="en-US" sz="1200" b="1" dirty="0">
+                <a:latin typeface="Spoqa Han Sans Neo Bold" panose="020B0800000000000000" pitchFamily="34" charset="-127"/>
+                <a:ea typeface="Spoqa Han Sans Neo Bold" panose="020B0800000000000000" pitchFamily="34" charset="-127"/>
+              </a:endParaRPr>
+            </a:p>
+          </p:txBody>
+        </p:sp>
+        <p:sp>
+          <p:nvSpPr>
+            <p:cNvPr id="15" name="사각형: 둥근 모서리 14">
+              <a:extLst>
+                <a:ext uri="{FF2B5EF4-FFF2-40B4-BE49-F238E27FC236}">
+                  <a16:creationId xmlns:a16="http://schemas.microsoft.com/office/drawing/2014/main" id="{6FF34C86-F354-A7C9-6D02-5ABD4A9ADD0E}"/>
+                </a:ext>
+              </a:extLst>
+            </p:cNvPr>
+            <p:cNvSpPr/>
+            <p:nvPr/>
+          </p:nvSpPr>
+          <p:spPr>
+            <a:xfrm>
+              <a:off x="4225468" y="2586958"/>
+              <a:ext cx="1027170" cy="306834"/>
+            </a:xfrm>
+            <a:prstGeom prst="roundRect">
+              <a:avLst/>
+            </a:prstGeom>
+            <a:noFill/>
+            <a:ln w="19050" cap="flat" cmpd="sng" algn="ctr">
+              <a:solidFill>
+                <a:schemeClr val="dk1"/>
+              </a:solidFill>
+              <a:prstDash val="solid"/>
+              <a:round/>
+              <a:headEnd type="none" w="med" len="med"/>
+              <a:tailEnd type="none" w="med" len="med"/>
+            </a:ln>
+          </p:spPr>
+          <p:style>
+            <a:lnRef idx="0">
+              <a:scrgbClr r="0" g="0" b="0"/>
+            </a:lnRef>
+            <a:fillRef idx="0">
+              <a:scrgbClr r="0" g="0" b="0"/>
+            </a:fillRef>
+            <a:effectRef idx="0">
+              <a:scrgbClr r="0" g="0" b="0"/>
+            </a:effectRef>
+            <a:fontRef idx="minor">
+              <a:schemeClr val="dk1"/>
+            </a:fontRef>
+          </p:style>
+          <p:txBody>
+            <a:bodyPr rtlCol="0" anchor="ctr"/>
+            <a:lstStyle/>
+            <a:p>
+              <a:pPr algn="ctr"/>
+              <a:r>
+                <a:rPr lang="en-US" altLang="ko-KR" sz="1000" dirty="0">
+                  <a:latin typeface="Spoqa Han Sans Neo Bold" panose="020B0800000000000000" pitchFamily="34" charset="-127"/>
+                  <a:ea typeface="Spoqa Han Sans Neo Bold" panose="020B0800000000000000" pitchFamily="34" charset="-127"/>
+                </a:rPr>
+                <a:t>Partition #1</a:t>
+              </a:r>
+              <a:endParaRPr lang="ko-KR" altLang="en-US" sz="1000" dirty="0">
+                <a:latin typeface="Spoqa Han Sans Neo Bold" panose="020B0800000000000000" pitchFamily="34" charset="-127"/>
+                <a:ea typeface="Spoqa Han Sans Neo Bold" panose="020B0800000000000000" pitchFamily="34" charset="-127"/>
+              </a:endParaRPr>
+            </a:p>
+          </p:txBody>
+        </p:sp>
+        <p:sp>
+          <p:nvSpPr>
+            <p:cNvPr id="16" name="사각형: 둥근 모서리 15">
+              <a:extLst>
+                <a:ext uri="{FF2B5EF4-FFF2-40B4-BE49-F238E27FC236}">
+                  <a16:creationId xmlns:a16="http://schemas.microsoft.com/office/drawing/2014/main" id="{AD4CAE9F-E411-DF8C-5985-515EC1DED0E9}"/>
+                </a:ext>
+              </a:extLst>
+            </p:cNvPr>
+            <p:cNvSpPr/>
+            <p:nvPr/>
+          </p:nvSpPr>
+          <p:spPr>
+            <a:xfrm>
+              <a:off x="4225468" y="2963199"/>
+              <a:ext cx="1027170" cy="306834"/>
+            </a:xfrm>
+            <a:prstGeom prst="roundRect">
+              <a:avLst/>
+            </a:prstGeom>
+            <a:noFill/>
+            <a:ln w="19050" cap="flat" cmpd="sng" algn="ctr">
+              <a:solidFill>
+                <a:schemeClr val="dk1"/>
+              </a:solidFill>
+              <a:prstDash val="solid"/>
+              <a:round/>
+              <a:headEnd type="none" w="med" len="med"/>
+              <a:tailEnd type="none" w="med" len="med"/>
+            </a:ln>
+          </p:spPr>
+          <p:style>
+            <a:lnRef idx="0">
+              <a:scrgbClr r="0" g="0" b="0"/>
+            </a:lnRef>
+            <a:fillRef idx="0">
+              <a:scrgbClr r="0" g="0" b="0"/>
+            </a:fillRef>
+            <a:effectRef idx="0">
+              <a:scrgbClr r="0" g="0" b="0"/>
+            </a:effectRef>
+            <a:fontRef idx="minor">
+              <a:schemeClr val="dk1"/>
+            </a:fontRef>
+          </p:style>
+          <p:txBody>
+            <a:bodyPr rtlCol="0" anchor="ctr"/>
+            <a:lstStyle/>
+            <a:p>
+              <a:pPr algn="ctr"/>
+              <a:r>
+                <a:rPr lang="en-US" altLang="ko-KR" sz="1000" dirty="0">
+                  <a:latin typeface="Spoqa Han Sans Neo Bold" panose="020B0800000000000000" pitchFamily="34" charset="-127"/>
+                  <a:ea typeface="Spoqa Han Sans Neo Bold" panose="020B0800000000000000" pitchFamily="34" charset="-127"/>
+                </a:rPr>
+                <a:t>Partition #2</a:t>
+              </a:r>
+              <a:endParaRPr lang="ko-KR" altLang="en-US" sz="1000" dirty="0">
+                <a:latin typeface="Spoqa Han Sans Neo Bold" panose="020B0800000000000000" pitchFamily="34" charset="-127"/>
+                <a:ea typeface="Spoqa Han Sans Neo Bold" panose="020B0800000000000000" pitchFamily="34" charset="-127"/>
+              </a:endParaRPr>
+            </a:p>
+          </p:txBody>
+        </p:sp>
+      </p:grpSp>
+      <p:cxnSp>
+        <p:nvCxnSpPr>
+          <p:cNvPr id="17" name="직선 화살표 연결선 16">
+            <a:extLst>
+              <a:ext uri="{FF2B5EF4-FFF2-40B4-BE49-F238E27FC236}">
+                <a16:creationId xmlns:a16="http://schemas.microsoft.com/office/drawing/2014/main" id="{CFDD19B7-F7E4-231E-B6D6-9730C49A9EEA}"/>
+              </a:ext>
+            </a:extLst>
+          </p:cNvPr>
+          <p:cNvCxnSpPr>
+            <a:cxnSpLocks/>
+            <a:stCxn id="6" idx="3"/>
+          </p:cNvCxnSpPr>
+          <p:nvPr/>
+        </p:nvCxnSpPr>
+        <p:spPr>
+          <a:xfrm>
+            <a:off x="1907931" y="2507750"/>
+            <a:ext cx="1904442" cy="56879"/>
+          </a:xfrm>
+          <a:prstGeom prst="straightConnector1">
+            <a:avLst/>
+          </a:prstGeom>
+          <a:ln w="38100">
+            <a:solidFill>
+              <a:schemeClr val="tx1">
+                <a:lumMod val="50000"/>
+                <a:lumOff val="50000"/>
+              </a:schemeClr>
+            </a:solidFill>
+            <a:tailEnd type="triangle"/>
+          </a:ln>
+        </p:spPr>
+        <p:style>
+          <a:lnRef idx="1">
+            <a:schemeClr val="accent1"/>
+          </a:lnRef>
+          <a:fillRef idx="0">
+            <a:schemeClr val="accent1"/>
+          </a:fillRef>
+          <a:effectRef idx="0">
+            <a:schemeClr val="accent1"/>
+          </a:effectRef>
+          <a:fontRef idx="minor">
+            <a:schemeClr val="tx1"/>
+          </a:fontRef>
+        </p:style>
+      </p:cxnSp>
+      <p:cxnSp>
+        <p:nvCxnSpPr>
+          <p:cNvPr id="20" name="직선 화살표 연결선 19">
+            <a:extLst>
+              <a:ext uri="{FF2B5EF4-FFF2-40B4-BE49-F238E27FC236}">
+                <a16:creationId xmlns:a16="http://schemas.microsoft.com/office/drawing/2014/main" id="{E2D6C01B-3C88-40C5-74BD-219154EB77DC}"/>
+              </a:ext>
+            </a:extLst>
+          </p:cNvPr>
+          <p:cNvCxnSpPr>
+            <a:cxnSpLocks/>
+            <a:stCxn id="9" idx="3"/>
+          </p:cNvCxnSpPr>
+          <p:nvPr/>
+        </p:nvCxnSpPr>
+        <p:spPr>
+          <a:xfrm flipV="1">
+            <a:off x="1907931" y="3931176"/>
+            <a:ext cx="1878901" cy="69907"/>
+          </a:xfrm>
+          <a:prstGeom prst="straightConnector1">
+            <a:avLst/>
+          </a:prstGeom>
+          <a:ln w="38100">
+            <a:solidFill>
+              <a:schemeClr val="tx1">
+                <a:lumMod val="50000"/>
+                <a:lumOff val="50000"/>
+              </a:schemeClr>
+            </a:solidFill>
+            <a:tailEnd type="triangle"/>
+          </a:ln>
+        </p:spPr>
+        <p:style>
+          <a:lnRef idx="1">
+            <a:schemeClr val="accent1"/>
+          </a:lnRef>
+          <a:fillRef idx="0">
+            <a:schemeClr val="accent1"/>
+          </a:fillRef>
+          <a:effectRef idx="0">
+            <a:schemeClr val="accent1"/>
+          </a:effectRef>
+          <a:fontRef idx="minor">
+            <a:schemeClr val="tx1"/>
+          </a:fontRef>
+        </p:style>
+      </p:cxnSp>
+      <p:cxnSp>
+        <p:nvCxnSpPr>
+          <p:cNvPr id="23" name="직선 화살표 연결선 22">
+            <a:extLst>
+              <a:ext uri="{FF2B5EF4-FFF2-40B4-BE49-F238E27FC236}">
+                <a16:creationId xmlns:a16="http://schemas.microsoft.com/office/drawing/2014/main" id="{91AEED3C-8077-8CF6-7E11-DE72EA88D61D}"/>
+              </a:ext>
+            </a:extLst>
+          </p:cNvPr>
+          <p:cNvCxnSpPr>
+            <a:cxnSpLocks/>
+            <a:endCxn id="12" idx="1"/>
+          </p:cNvCxnSpPr>
+          <p:nvPr/>
+        </p:nvCxnSpPr>
+        <p:spPr>
+          <a:xfrm>
+            <a:off x="1907931" y="2622569"/>
+            <a:ext cx="1853360" cy="1210671"/>
+          </a:xfrm>
+          <a:prstGeom prst="straightConnector1">
+            <a:avLst/>
+          </a:prstGeom>
+          <a:ln w="38100">
+            <a:solidFill>
+              <a:schemeClr val="tx1">
+                <a:lumMod val="50000"/>
+                <a:lumOff val="50000"/>
+              </a:schemeClr>
+            </a:solidFill>
+            <a:tailEnd type="triangle"/>
+          </a:ln>
+        </p:spPr>
+        <p:style>
+          <a:lnRef idx="1">
+            <a:schemeClr val="accent1"/>
+          </a:lnRef>
+          <a:fillRef idx="0">
+            <a:schemeClr val="accent1"/>
+          </a:fillRef>
+          <a:effectRef idx="0">
+            <a:schemeClr val="accent1"/>
+          </a:effectRef>
+          <a:fontRef idx="minor">
+            <a:schemeClr val="tx1"/>
+          </a:fontRef>
+        </p:style>
+      </p:cxnSp>
+      <p:cxnSp>
+        <p:nvCxnSpPr>
+          <p:cNvPr id="26" name="직선 화살표 연결선 25">
+            <a:extLst>
+              <a:ext uri="{FF2B5EF4-FFF2-40B4-BE49-F238E27FC236}">
+                <a16:creationId xmlns:a16="http://schemas.microsoft.com/office/drawing/2014/main" id="{FC3BB257-510C-3E25-FF1B-29026672CB31}"/>
+              </a:ext>
+            </a:extLst>
+          </p:cNvPr>
+          <p:cNvCxnSpPr>
+            <a:cxnSpLocks/>
+            <a:stCxn id="16" idx="3"/>
+            <a:endCxn id="46" idx="1"/>
+          </p:cNvCxnSpPr>
+          <p:nvPr/>
+        </p:nvCxnSpPr>
+        <p:spPr>
+          <a:xfrm>
+            <a:off x="5252638" y="4154000"/>
+            <a:ext cx="1862404" cy="181774"/>
+          </a:xfrm>
+          <a:prstGeom prst="straightConnector1">
+            <a:avLst/>
+          </a:prstGeom>
+          <a:ln w="38100">
+            <a:solidFill>
+              <a:schemeClr val="tx1">
+                <a:lumMod val="50000"/>
+                <a:lumOff val="50000"/>
+              </a:schemeClr>
+            </a:solidFill>
+            <a:tailEnd type="triangle"/>
+          </a:ln>
+        </p:spPr>
+        <p:style>
+          <a:lnRef idx="1">
+            <a:schemeClr val="accent1"/>
+          </a:lnRef>
+          <a:fillRef idx="0">
+            <a:schemeClr val="accent1"/>
+          </a:fillRef>
+          <a:effectRef idx="0">
+            <a:schemeClr val="accent1"/>
+          </a:effectRef>
+          <a:fontRef idx="minor">
+            <a:schemeClr val="tx1"/>
+          </a:fontRef>
+        </p:style>
+      </p:cxnSp>
+      <p:cxnSp>
+        <p:nvCxnSpPr>
+          <p:cNvPr id="29" name="직선 화살표 연결선 28">
+            <a:extLst>
+              <a:ext uri="{FF2B5EF4-FFF2-40B4-BE49-F238E27FC236}">
+                <a16:creationId xmlns:a16="http://schemas.microsoft.com/office/drawing/2014/main" id="{11F0F654-9F5C-C0CD-AA55-6EE05C76053D}"/>
+              </a:ext>
+            </a:extLst>
+          </p:cNvPr>
+          <p:cNvCxnSpPr>
+            <a:cxnSpLocks/>
+            <a:stCxn id="15" idx="3"/>
+            <a:endCxn id="45" idx="1"/>
+          </p:cNvCxnSpPr>
+          <p:nvPr/>
+        </p:nvCxnSpPr>
+        <p:spPr>
+          <a:xfrm flipV="1">
+            <a:off x="5252638" y="3674016"/>
+            <a:ext cx="1862405" cy="103743"/>
+          </a:xfrm>
+          <a:prstGeom prst="straightConnector1">
+            <a:avLst/>
+          </a:prstGeom>
+          <a:ln w="38100">
+            <a:solidFill>
+              <a:schemeClr val="tx1">
+                <a:lumMod val="50000"/>
+                <a:lumOff val="50000"/>
+              </a:schemeClr>
+            </a:solidFill>
+            <a:tailEnd type="triangle"/>
+          </a:ln>
+        </p:spPr>
+        <p:style>
+          <a:lnRef idx="1">
+            <a:schemeClr val="accent1"/>
+          </a:lnRef>
+          <a:fillRef idx="0">
+            <a:schemeClr val="accent1"/>
+          </a:fillRef>
+          <a:effectRef idx="0">
+            <a:schemeClr val="accent1"/>
+          </a:effectRef>
+          <a:fontRef idx="minor">
+            <a:schemeClr val="tx1"/>
+          </a:fontRef>
+        </p:style>
+      </p:cxnSp>
+      <p:grpSp>
+        <p:nvGrpSpPr>
+          <p:cNvPr id="3" name="그룹 2">
+            <a:extLst>
+              <a:ext uri="{FF2B5EF4-FFF2-40B4-BE49-F238E27FC236}">
+                <a16:creationId xmlns:a16="http://schemas.microsoft.com/office/drawing/2014/main" id="{810BFBCB-F80F-4AD2-1DA2-6E6D6461FDE8}"/>
+              </a:ext>
+            </a:extLst>
+          </p:cNvPr>
+          <p:cNvGrpSpPr/>
+          <p:nvPr/>
+        </p:nvGrpSpPr>
+        <p:grpSpPr>
+          <a:xfrm>
+            <a:off x="3761291" y="2271956"/>
+            <a:ext cx="1955524" cy="863339"/>
+            <a:chOff x="3761291" y="3492857"/>
+            <a:chExt cx="1955524" cy="863339"/>
+          </a:xfrm>
+        </p:grpSpPr>
+        <p:sp>
+          <p:nvSpPr>
+            <p:cNvPr id="13" name="사각형: 둥근 모서리 12">
+              <a:extLst>
+                <a:ext uri="{FF2B5EF4-FFF2-40B4-BE49-F238E27FC236}">
+                  <a16:creationId xmlns:a16="http://schemas.microsoft.com/office/drawing/2014/main" id="{F492FA41-7C2A-5673-7FF5-86ED2D8A214E}"/>
+                </a:ext>
+              </a:extLst>
+            </p:cNvPr>
+            <p:cNvSpPr/>
+            <p:nvPr/>
+          </p:nvSpPr>
+          <p:spPr>
+            <a:xfrm>
+              <a:off x="3761291" y="3492857"/>
+              <a:ext cx="1955524" cy="863339"/>
+            </a:xfrm>
+            <a:prstGeom prst="roundRect">
+              <a:avLst/>
+            </a:prstGeom>
+            <a:noFill/>
+            <a:ln w="19050" cap="flat" cmpd="sng" algn="ctr">
+              <a:solidFill>
+                <a:schemeClr val="dk1"/>
+              </a:solidFill>
+              <a:prstDash val="solid"/>
+              <a:round/>
+              <a:headEnd type="none" w="med" len="med"/>
+              <a:tailEnd type="none" w="med" len="med"/>
+            </a:ln>
+          </p:spPr>
+          <p:style>
+            <a:lnRef idx="0">
+              <a:scrgbClr r="0" g="0" b="0"/>
+            </a:lnRef>
+            <a:fillRef idx="0">
+              <a:scrgbClr r="0" g="0" b="0"/>
+            </a:fillRef>
+            <a:effectRef idx="0">
+              <a:scrgbClr r="0" g="0" b="0"/>
+            </a:effectRef>
+            <a:fontRef idx="minor">
+              <a:schemeClr val="dk1"/>
+            </a:fontRef>
+          </p:style>
+          <p:txBody>
+            <a:bodyPr rtlCol="0" anchor="ctr"/>
+            <a:lstStyle/>
+            <a:p>
+              <a:pPr algn="ctr"/>
+              <a:r>
+                <a:rPr lang="en-US" altLang="ko-KR" sz="1200" b="1" dirty="0">
+                  <a:latin typeface="Spoqa Han Sans Neo Bold" panose="020B0800000000000000" pitchFamily="34" charset="-127"/>
+                  <a:ea typeface="Spoqa Han Sans Neo Bold" panose="020B0800000000000000" pitchFamily="34" charset="-127"/>
+                </a:rPr>
+                <a:t>Topic #1</a:t>
+              </a:r>
+            </a:p>
+            <a:p>
+              <a:pPr algn="ctr"/>
+              <a:endParaRPr lang="en-US" altLang="ko-KR" sz="1200" b="1" dirty="0">
+                <a:latin typeface="Spoqa Han Sans Neo Bold" panose="020B0800000000000000" pitchFamily="34" charset="-127"/>
+                <a:ea typeface="Spoqa Han Sans Neo Bold" panose="020B0800000000000000" pitchFamily="34" charset="-127"/>
+              </a:endParaRPr>
+            </a:p>
+            <a:p>
+              <a:pPr algn="ctr"/>
+              <a:endParaRPr lang="ko-KR" altLang="en-US" sz="1200" b="1" dirty="0">
+                <a:latin typeface="Spoqa Han Sans Neo Bold" panose="020B0800000000000000" pitchFamily="34" charset="-127"/>
+                <a:ea typeface="Spoqa Han Sans Neo Bold" panose="020B0800000000000000" pitchFamily="34" charset="-127"/>
+              </a:endParaRPr>
+            </a:p>
+          </p:txBody>
+        </p:sp>
+        <p:sp>
+          <p:nvSpPr>
+            <p:cNvPr id="35" name="사각형: 둥근 모서리 34">
+              <a:extLst>
+                <a:ext uri="{FF2B5EF4-FFF2-40B4-BE49-F238E27FC236}">
+                  <a16:creationId xmlns:a16="http://schemas.microsoft.com/office/drawing/2014/main" id="{94384A3E-FBF5-BECF-C801-8058F47D49F9}"/>
+                </a:ext>
+              </a:extLst>
+            </p:cNvPr>
+            <p:cNvSpPr/>
+            <p:nvPr/>
+          </p:nvSpPr>
+          <p:spPr>
+            <a:xfrm>
+              <a:off x="4225468" y="3926874"/>
+              <a:ext cx="1027170" cy="306834"/>
+            </a:xfrm>
+            <a:prstGeom prst="roundRect">
+              <a:avLst/>
+            </a:prstGeom>
+            <a:noFill/>
+            <a:ln w="19050" cap="flat" cmpd="sng" algn="ctr">
+              <a:solidFill>
+                <a:schemeClr val="dk1"/>
+              </a:solidFill>
+              <a:prstDash val="solid"/>
+              <a:round/>
+              <a:headEnd type="none" w="med" len="med"/>
+              <a:tailEnd type="none" w="med" len="med"/>
+            </a:ln>
+          </p:spPr>
+          <p:style>
+            <a:lnRef idx="0">
+              <a:scrgbClr r="0" g="0" b="0"/>
+            </a:lnRef>
+            <a:fillRef idx="0">
+              <a:scrgbClr r="0" g="0" b="0"/>
+            </a:fillRef>
+            <a:effectRef idx="0">
+              <a:scrgbClr r="0" g="0" b="0"/>
+            </a:effectRef>
+            <a:fontRef idx="minor">
+              <a:schemeClr val="dk1"/>
+            </a:fontRef>
+          </p:style>
+          <p:txBody>
+            <a:bodyPr rtlCol="0" anchor="ctr"/>
+            <a:lstStyle/>
+            <a:p>
+              <a:pPr algn="ctr"/>
+              <a:r>
+                <a:rPr lang="en-US" altLang="ko-KR" sz="1000" dirty="0">
+                  <a:latin typeface="Spoqa Han Sans Neo Bold" panose="020B0800000000000000" pitchFamily="34" charset="-127"/>
+                  <a:ea typeface="Spoqa Han Sans Neo Bold" panose="020B0800000000000000" pitchFamily="34" charset="-127"/>
+                </a:rPr>
+                <a:t>Partition #1</a:t>
+              </a:r>
+              <a:endParaRPr lang="ko-KR" altLang="en-US" sz="1000" dirty="0">
+                <a:latin typeface="Spoqa Han Sans Neo Bold" panose="020B0800000000000000" pitchFamily="34" charset="-127"/>
+                <a:ea typeface="Spoqa Han Sans Neo Bold" panose="020B0800000000000000" pitchFamily="34" charset="-127"/>
+              </a:endParaRPr>
+            </a:p>
+          </p:txBody>
+        </p:sp>
+      </p:grpSp>
+      <p:cxnSp>
+        <p:nvCxnSpPr>
+          <p:cNvPr id="36" name="직선 화살표 연결선 35">
+            <a:extLst>
+              <a:ext uri="{FF2B5EF4-FFF2-40B4-BE49-F238E27FC236}">
+                <a16:creationId xmlns:a16="http://schemas.microsoft.com/office/drawing/2014/main" id="{817346AC-A853-61BC-994D-F0AC99CDD94D}"/>
+              </a:ext>
+            </a:extLst>
+          </p:cNvPr>
+          <p:cNvCxnSpPr>
+            <a:cxnSpLocks/>
+            <a:stCxn id="35" idx="3"/>
+            <a:endCxn id="11" idx="1"/>
+          </p:cNvCxnSpPr>
+          <p:nvPr/>
+        </p:nvCxnSpPr>
+        <p:spPr>
+          <a:xfrm>
+            <a:off x="5252638" y="2859390"/>
+            <a:ext cx="1862405" cy="210987"/>
+          </a:xfrm>
+          <a:prstGeom prst="straightConnector1">
+            <a:avLst/>
+          </a:prstGeom>
+          <a:ln w="38100">
+            <a:solidFill>
+              <a:schemeClr val="tx1">
+                <a:lumMod val="50000"/>
+                <a:lumOff val="50000"/>
+              </a:schemeClr>
+            </a:solidFill>
+            <a:tailEnd type="triangle"/>
+          </a:ln>
+        </p:spPr>
+        <p:style>
+          <a:lnRef idx="1">
+            <a:schemeClr val="accent1"/>
+          </a:lnRef>
+          <a:fillRef idx="0">
+            <a:schemeClr val="accent1"/>
+          </a:fillRef>
+          <a:effectRef idx="0">
+            <a:schemeClr val="accent1"/>
+          </a:effectRef>
+          <a:fontRef idx="minor">
+            <a:schemeClr val="tx1"/>
+          </a:fontRef>
+        </p:style>
+      </p:cxnSp>
+      <p:sp>
+        <p:nvSpPr>
+          <p:cNvPr id="45" name="사각형: 둥근 모서리 44">
+            <a:extLst>
+              <a:ext uri="{FF2B5EF4-FFF2-40B4-BE49-F238E27FC236}">
+                <a16:creationId xmlns:a16="http://schemas.microsoft.com/office/drawing/2014/main" id="{518BC325-C20A-E6BA-A7FE-9535550023D1}"/>
+              </a:ext>
+            </a:extLst>
+          </p:cNvPr>
+          <p:cNvSpPr/>
+          <p:nvPr/>
+        </p:nvSpPr>
+        <p:spPr>
+          <a:xfrm>
+            <a:off x="7115043" y="3474360"/>
+            <a:ext cx="1275749" cy="399312"/>
+          </a:xfrm>
+          <a:prstGeom prst="roundRect">
+            <a:avLst/>
+          </a:prstGeom>
+          <a:noFill/>
+          <a:ln w="19050" cap="flat" cmpd="sng" algn="ctr">
+            <a:solidFill>
+              <a:schemeClr val="dk1"/>
+            </a:solidFill>
+            <a:prstDash val="solid"/>
+            <a:round/>
+            <a:headEnd type="none" w="med" len="med"/>
+            <a:tailEnd type="none" w="med" len="med"/>
+          </a:ln>
+        </p:spPr>
+        <p:style>
+          <a:lnRef idx="0">
+            <a:scrgbClr r="0" g="0" b="0"/>
+          </a:lnRef>
+          <a:fillRef idx="0">
+            <a:scrgbClr r="0" g="0" b="0"/>
+          </a:fillRef>
+          <a:effectRef idx="0">
+            <a:scrgbClr r="0" g="0" b="0"/>
+          </a:effectRef>
+          <a:fontRef idx="minor">
+            <a:schemeClr val="dk1"/>
+          </a:fontRef>
+        </p:style>
+        <p:txBody>
+          <a:bodyPr rtlCol="0" anchor="ctr"/>
+          <a:lstStyle/>
+          <a:p>
+            <a:pPr algn="ctr"/>
+            <a:r>
+              <a:rPr lang="en-US" altLang="ko-KR" sz="1200" b="1" dirty="0">
+                <a:latin typeface="Spoqa Han Sans Neo Bold" panose="020B0800000000000000" pitchFamily="34" charset="-127"/>
+                <a:ea typeface="Spoqa Han Sans Neo Bold" panose="020B0800000000000000" pitchFamily="34" charset="-127"/>
+              </a:rPr>
+              <a:t>Consumer #3</a:t>
+            </a:r>
+            <a:endParaRPr lang="ko-KR" altLang="en-US" sz="1200" b="1" dirty="0">
+              <a:latin typeface="Spoqa Han Sans Neo Bold" panose="020B0800000000000000" pitchFamily="34" charset="-127"/>
+              <a:ea typeface="Spoqa Han Sans Neo Bold" panose="020B0800000000000000" pitchFamily="34" charset="-127"/>
+            </a:endParaRPr>
+          </a:p>
+        </p:txBody>
+      </p:sp>
+      <p:sp>
+        <p:nvSpPr>
+          <p:cNvPr id="46" name="사각형: 둥근 모서리 45">
+            <a:extLst>
+              <a:ext uri="{FF2B5EF4-FFF2-40B4-BE49-F238E27FC236}">
+                <a16:creationId xmlns:a16="http://schemas.microsoft.com/office/drawing/2014/main" id="{F4F5806A-D8EB-2A28-CCF9-939B2ECC6D2B}"/>
+              </a:ext>
+            </a:extLst>
+          </p:cNvPr>
+          <p:cNvSpPr/>
+          <p:nvPr/>
+        </p:nvSpPr>
+        <p:spPr>
+          <a:xfrm>
+            <a:off x="7115042" y="4136118"/>
+            <a:ext cx="1275749" cy="399312"/>
+          </a:xfrm>
+          <a:prstGeom prst="roundRect">
+            <a:avLst/>
+          </a:prstGeom>
+          <a:noFill/>
+          <a:ln w="19050" cap="flat" cmpd="sng" algn="ctr">
+            <a:solidFill>
+              <a:schemeClr val="dk1"/>
+            </a:solidFill>
+            <a:prstDash val="solid"/>
+            <a:round/>
+            <a:headEnd type="none" w="med" len="med"/>
+            <a:tailEnd type="none" w="med" len="med"/>
+          </a:ln>
+        </p:spPr>
+        <p:style>
+          <a:lnRef idx="0">
+            <a:scrgbClr r="0" g="0" b="0"/>
+          </a:lnRef>
+          <a:fillRef idx="0">
+            <a:scrgbClr r="0" g="0" b="0"/>
+          </a:fillRef>
+          <a:effectRef idx="0">
+            <a:scrgbClr r="0" g="0" b="0"/>
+          </a:effectRef>
+          <a:fontRef idx="minor">
+            <a:schemeClr val="dk1"/>
+          </a:fontRef>
+        </p:style>
+        <p:txBody>
+          <a:bodyPr rtlCol="0" anchor="ctr"/>
+          <a:lstStyle/>
+          <a:p>
+            <a:pPr algn="ctr"/>
+            <a:r>
+              <a:rPr lang="en-US" altLang="ko-KR" sz="1200" b="1" dirty="0">
+                <a:latin typeface="Spoqa Han Sans Neo Bold" panose="020B0800000000000000" pitchFamily="34" charset="-127"/>
+                <a:ea typeface="Spoqa Han Sans Neo Bold" panose="020B0800000000000000" pitchFamily="34" charset="-127"/>
+              </a:rPr>
+              <a:t>Consumer #4</a:t>
+            </a:r>
+            <a:endParaRPr lang="ko-KR" altLang="en-US" sz="1200" b="1" dirty="0">
+              <a:latin typeface="Spoqa Han Sans Neo Bold" panose="020B0800000000000000" pitchFamily="34" charset="-127"/>
+              <a:ea typeface="Spoqa Han Sans Neo Bold" panose="020B0800000000000000" pitchFamily="34" charset="-127"/>
+            </a:endParaRPr>
+          </a:p>
+        </p:txBody>
+      </p:sp>
+      <p:cxnSp>
+        <p:nvCxnSpPr>
+          <p:cNvPr id="48" name="직선 화살표 연결선 47">
+            <a:extLst>
+              <a:ext uri="{FF2B5EF4-FFF2-40B4-BE49-F238E27FC236}">
+                <a16:creationId xmlns:a16="http://schemas.microsoft.com/office/drawing/2014/main" id="{3E61D76A-E4AF-9792-7653-2B23C0A52AC0}"/>
+              </a:ext>
+            </a:extLst>
+          </p:cNvPr>
+          <p:cNvCxnSpPr>
+            <a:cxnSpLocks/>
+            <a:stCxn id="35" idx="3"/>
+            <a:endCxn id="10" idx="1"/>
+          </p:cNvCxnSpPr>
+          <p:nvPr/>
+        </p:nvCxnSpPr>
+        <p:spPr>
+          <a:xfrm flipV="1">
+            <a:off x="5252638" y="2334938"/>
+            <a:ext cx="1862406" cy="524452"/>
+          </a:xfrm>
+          <a:prstGeom prst="straightConnector1">
+            <a:avLst/>
+          </a:prstGeom>
+          <a:ln w="38100">
+            <a:solidFill>
+              <a:schemeClr val="tx1">
+                <a:lumMod val="50000"/>
+                <a:lumOff val="50000"/>
+              </a:schemeClr>
+            </a:solidFill>
+            <a:tailEnd type="triangle"/>
+          </a:ln>
+        </p:spPr>
+        <p:style>
+          <a:lnRef idx="1">
+            <a:schemeClr val="accent1"/>
+          </a:lnRef>
+          <a:fillRef idx="0">
+            <a:schemeClr val="accent1"/>
+          </a:fillRef>
+          <a:effectRef idx="0">
+            <a:schemeClr val="accent1"/>
+          </a:effectRef>
+          <a:fontRef idx="minor">
+            <a:schemeClr val="tx1"/>
+          </a:fontRef>
+        </p:style>
+      </p:cxnSp>
     </p:spTree>
     <p:extLst>
       <p:ext uri="{BB962C8B-B14F-4D97-AF65-F5344CB8AC3E}">
-        <p14:creationId xmlns:p14="http://schemas.microsoft.com/office/powerpoint/2010/main" val="2719222292"/>
+        <p14:creationId xmlns:p14="http://schemas.microsoft.com/office/powerpoint/2010/main" val="1686039725"/>
       </p:ext>
     </p:extLst>
   </p:cSld>
@@ -17170,10 +19562,10 @@
       </p:sp>
       <p:sp>
         <p:nvSpPr>
-          <p:cNvPr id="4" name="사각형: 둥근 모서리 3">
+          <p:cNvPr id="3" name="사각형: 둥근 모서리 2">
             <a:extLst>
               <a:ext uri="{FF2B5EF4-FFF2-40B4-BE49-F238E27FC236}">
-                <a16:creationId xmlns:a16="http://schemas.microsoft.com/office/drawing/2014/main" id="{8CCFA041-E5DC-AB05-4253-8D573846B3F9}"/>
+                <a16:creationId xmlns:a16="http://schemas.microsoft.com/office/drawing/2014/main" id="{1369B343-663C-A7B5-86DE-51DE2C2395DA}"/>
               </a:ext>
             </a:extLst>
           </p:cNvPr>
@@ -17182,110 +19574,8 @@
         </p:nvSpPr>
         <p:spPr>
           <a:xfrm>
-            <a:off x="3112477" y="2073961"/>
-            <a:ext cx="3358662" cy="2457224"/>
-          </a:xfrm>
-          <a:prstGeom prst="roundRect">
-            <a:avLst>
-              <a:gd name="adj" fmla="val 8316"/>
-            </a:avLst>
-          </a:prstGeom>
-          <a:noFill/>
-          <a:ln w="19050" cap="flat" cmpd="sng" algn="ctr">
-            <a:solidFill>
-              <a:schemeClr val="dk1"/>
-            </a:solidFill>
-            <a:prstDash val="solid"/>
-            <a:round/>
-            <a:headEnd type="none" w="med" len="med"/>
-            <a:tailEnd type="none" w="med" len="med"/>
-          </a:ln>
-        </p:spPr>
-        <p:style>
-          <a:lnRef idx="0">
-            <a:scrgbClr r="0" g="0" b="0"/>
-          </a:lnRef>
-          <a:fillRef idx="0">
-            <a:scrgbClr r="0" g="0" b="0"/>
-          </a:fillRef>
-          <a:effectRef idx="0">
-            <a:scrgbClr r="0" g="0" b="0"/>
-          </a:effectRef>
-          <a:fontRef idx="minor">
-            <a:schemeClr val="dk1"/>
-          </a:fontRef>
-        </p:style>
-        <p:txBody>
-          <a:bodyPr rtlCol="0" anchor="ctr"/>
-          <a:lstStyle/>
-          <a:p>
-            <a:pPr algn="ctr"/>
-            <a:endParaRPr lang="ko-KR" altLang="en-US" sz="1200" b="1" dirty="0">
-              <a:latin typeface="Spoqa Han Sans Neo Bold" panose="020B0800000000000000" pitchFamily="34" charset="-127"/>
-              <a:ea typeface="Spoqa Han Sans Neo Bold" panose="020B0800000000000000" pitchFamily="34" charset="-127"/>
-            </a:endParaRPr>
-          </a:p>
-        </p:txBody>
-      </p:sp>
-      <p:sp>
-        <p:nvSpPr>
-          <p:cNvPr id="5" name="TextBox 4">
-            <a:extLst>
-              <a:ext uri="{FF2B5EF4-FFF2-40B4-BE49-F238E27FC236}">
-                <a16:creationId xmlns:a16="http://schemas.microsoft.com/office/drawing/2014/main" id="{627617B6-DC95-4F60-C847-9F8473553599}"/>
-              </a:ext>
-            </a:extLst>
-          </p:cNvPr>
-          <p:cNvSpPr txBox="1"/>
-          <p:nvPr/>
-        </p:nvSpPr>
-        <p:spPr>
-          <a:xfrm>
-            <a:off x="3991708" y="1716217"/>
-            <a:ext cx="1600200" cy="276999"/>
-          </a:xfrm>
-          <a:prstGeom prst="rect">
-            <a:avLst/>
-          </a:prstGeom>
-          <a:noFill/>
-        </p:spPr>
-        <p:txBody>
-          <a:bodyPr wrap="square" rtlCol="0">
-            <a:spAutoFit/>
-          </a:bodyPr>
-          <a:lstStyle/>
-          <a:p>
-            <a:pPr algn="ctr"/>
-            <a:r>
-              <a:rPr lang="en-US" altLang="ko-KR" sz="1200" dirty="0">
-                <a:latin typeface="Spoqa Han Sans Neo Bold" panose="020B0800000000000000" pitchFamily="34" charset="-127"/>
-                <a:ea typeface="Spoqa Han Sans Neo Bold" panose="020B0800000000000000" pitchFamily="34" charset="-127"/>
-              </a:rPr>
-              <a:t>Kafka cluster</a:t>
-            </a:r>
-            <a:endParaRPr lang="ko-KR" altLang="en-US" sz="1200" dirty="0">
-              <a:latin typeface="Spoqa Han Sans Neo Bold" panose="020B0800000000000000" pitchFamily="34" charset="-127"/>
-              <a:ea typeface="Spoqa Han Sans Neo Bold" panose="020B0800000000000000" pitchFamily="34" charset="-127"/>
-            </a:endParaRPr>
-          </a:p>
-        </p:txBody>
-      </p:sp>
-      <p:sp>
-        <p:nvSpPr>
-          <p:cNvPr id="6" name="사각형: 둥근 모서리 5">
-            <a:extLst>
-              <a:ext uri="{FF2B5EF4-FFF2-40B4-BE49-F238E27FC236}">
-                <a16:creationId xmlns:a16="http://schemas.microsoft.com/office/drawing/2014/main" id="{AF813851-1433-B2F9-86CF-06F98AE7C8E3}"/>
-              </a:ext>
-            </a:extLst>
-          </p:cNvPr>
-          <p:cNvSpPr/>
-          <p:nvPr/>
-        </p:nvSpPr>
-        <p:spPr>
-          <a:xfrm>
-            <a:off x="880761" y="2193169"/>
-            <a:ext cx="1027170" cy="629162"/>
+            <a:off x="1337961" y="3515679"/>
+            <a:ext cx="1073426" cy="755374"/>
           </a:xfrm>
           <a:prstGeom prst="roundRect">
             <a:avLst/>
@@ -17325,7 +19615,7 @@
                 <a:latin typeface="Spoqa Han Sans Neo Bold" panose="020B0800000000000000" pitchFamily="34" charset="-127"/>
                 <a:ea typeface="Spoqa Han Sans Neo Bold" panose="020B0800000000000000" pitchFamily="34" charset="-127"/>
               </a:rPr>
-              <a:t>Producer #1</a:t>
+              <a:t>Producer</a:t>
             </a:r>
             <a:endParaRPr lang="ko-KR" altLang="en-US" sz="1200" b="1" dirty="0">
               <a:latin typeface="Spoqa Han Sans Neo Bold" panose="020B0800000000000000" pitchFamily="34" charset="-127"/>
@@ -17336,10 +19626,10 @@
       </p:sp>
       <p:sp>
         <p:nvSpPr>
-          <p:cNvPr id="9" name="사각형: 둥근 모서리 8">
+          <p:cNvPr id="4" name="원통형 3">
             <a:extLst>
               <a:ext uri="{FF2B5EF4-FFF2-40B4-BE49-F238E27FC236}">
-                <a16:creationId xmlns:a16="http://schemas.microsoft.com/office/drawing/2014/main" id="{C70D8579-6C03-D55E-299C-F22854D2E026}"/>
+                <a16:creationId xmlns:a16="http://schemas.microsoft.com/office/drawing/2014/main" id="{9B679A14-CC23-9AB1-03CA-2E86FFD551F7}"/>
               </a:ext>
             </a:extLst>
           </p:cNvPr>
@@ -17348,8 +19638,75 @@
         </p:nvSpPr>
         <p:spPr>
           <a:xfrm>
-            <a:off x="880761" y="3686502"/>
-            <a:ext cx="1027170" cy="629162"/>
+            <a:off x="4084026" y="3117764"/>
+            <a:ext cx="975947" cy="477054"/>
+          </a:xfrm>
+          <a:prstGeom prst="can">
+            <a:avLst/>
+          </a:prstGeom>
+          <a:noFill/>
+          <a:ln w="19050" cap="flat" cmpd="sng" algn="ctr">
+            <a:solidFill>
+              <a:schemeClr val="dk1"/>
+            </a:solidFill>
+            <a:prstDash val="solid"/>
+            <a:round/>
+            <a:headEnd type="none" w="med" len="med"/>
+            <a:tailEnd type="none" w="med" len="med"/>
+          </a:ln>
+        </p:spPr>
+        <p:style>
+          <a:lnRef idx="0">
+            <a:scrgbClr r="0" g="0" b="0"/>
+          </a:lnRef>
+          <a:fillRef idx="0">
+            <a:scrgbClr r="0" g="0" b="0"/>
+          </a:fillRef>
+          <a:effectRef idx="0">
+            <a:scrgbClr r="0" g="0" b="0"/>
+          </a:effectRef>
+          <a:fontRef idx="minor">
+            <a:schemeClr val="dk1"/>
+          </a:fontRef>
+        </p:style>
+        <p:txBody>
+          <a:bodyPr rtlCol="0" anchor="ctr"/>
+          <a:lstStyle/>
+          <a:p>
+            <a:pPr algn="ctr"/>
+            <a:r>
+              <a:rPr lang="en-US" altLang="ko-KR" sz="1200" b="1" dirty="0">
+                <a:latin typeface="Spoqa Han Sans Neo Bold" panose="020B0800000000000000" pitchFamily="34" charset="-127"/>
+                <a:ea typeface="Spoqa Han Sans Neo Bold" panose="020B0800000000000000" pitchFamily="34" charset="-127"/>
+              </a:rPr>
+              <a:t>broker</a:t>
+            </a:r>
+            <a:endParaRPr lang="ko-KR" altLang="en-US" sz="1200" b="1" dirty="0">
+              <a:solidFill>
+                <a:schemeClr val="dk1"/>
+              </a:solidFill>
+              <a:latin typeface="Spoqa Han Sans Neo Bold" panose="020B0800000000000000" pitchFamily="34" charset="-127"/>
+              <a:ea typeface="Spoqa Han Sans Neo Bold" panose="020B0800000000000000" pitchFamily="34" charset="-127"/>
+            </a:endParaRPr>
+          </a:p>
+        </p:txBody>
+      </p:sp>
+      <p:sp>
+        <p:nvSpPr>
+          <p:cNvPr id="5" name="사각형: 둥근 모서리 4">
+            <a:extLst>
+              <a:ext uri="{FF2B5EF4-FFF2-40B4-BE49-F238E27FC236}">
+                <a16:creationId xmlns:a16="http://schemas.microsoft.com/office/drawing/2014/main" id="{E92BB33B-7E3B-AC82-45EA-29BC6E43F500}"/>
+              </a:ext>
+            </a:extLst>
+          </p:cNvPr>
+          <p:cNvSpPr/>
+          <p:nvPr/>
+        </p:nvSpPr>
+        <p:spPr>
+          <a:xfrm>
+            <a:off x="6732612" y="3506154"/>
+            <a:ext cx="1073426" cy="755374"/>
           </a:xfrm>
           <a:prstGeom prst="roundRect">
             <a:avLst/>
@@ -17389,7 +19746,7 @@
                 <a:latin typeface="Spoqa Han Sans Neo Bold" panose="020B0800000000000000" pitchFamily="34" charset="-127"/>
                 <a:ea typeface="Spoqa Han Sans Neo Bold" panose="020B0800000000000000" pitchFamily="34" charset="-127"/>
               </a:rPr>
-              <a:t>Producer #2</a:t>
+              <a:t>Consumer</a:t>
             </a:r>
             <a:endParaRPr lang="ko-KR" altLang="en-US" sz="1200" b="1" dirty="0">
               <a:latin typeface="Spoqa Han Sans Neo Bold" panose="020B0800000000000000" pitchFamily="34" charset="-127"/>
@@ -17400,10 +19757,10 @@
       </p:sp>
       <p:sp>
         <p:nvSpPr>
-          <p:cNvPr id="10" name="사각형: 둥근 모서리 9">
+          <p:cNvPr id="6" name="사각형: 둥근 모서리 5">
             <a:extLst>
               <a:ext uri="{FF2B5EF4-FFF2-40B4-BE49-F238E27FC236}">
-                <a16:creationId xmlns:a16="http://schemas.microsoft.com/office/drawing/2014/main" id="{45BC65CC-E8A3-E4EE-9683-80C1BA97EF8A}"/>
+                <a16:creationId xmlns:a16="http://schemas.microsoft.com/office/drawing/2014/main" id="{2E8101F2-4CD1-5EA8-6B60-52D74E67F3C6}"/>
               </a:ext>
             </a:extLst>
           </p:cNvPr>
@@ -17412,8 +19769,8 @@
         </p:nvSpPr>
         <p:spPr>
           <a:xfrm>
-            <a:off x="7115044" y="2105246"/>
-            <a:ext cx="1275749" cy="459383"/>
+            <a:off x="4035286" y="1607016"/>
+            <a:ext cx="1073426" cy="755374"/>
           </a:xfrm>
           <a:prstGeom prst="roundRect">
             <a:avLst/>
@@ -17453,7 +19810,7 @@
                 <a:latin typeface="Spoqa Han Sans Neo Bold" panose="020B0800000000000000" pitchFamily="34" charset="-127"/>
                 <a:ea typeface="Spoqa Han Sans Neo Bold" panose="020B0800000000000000" pitchFamily="34" charset="-127"/>
               </a:rPr>
-              <a:t>Consumer #1</a:t>
+              <a:t>Zookeeper</a:t>
             </a:r>
             <a:endParaRPr lang="ko-KR" altLang="en-US" sz="1200" b="1" dirty="0">
               <a:latin typeface="Spoqa Han Sans Neo Bold" panose="020B0800000000000000" pitchFamily="34" charset="-127"/>
@@ -17462,382 +19819,26 @@
           </a:p>
         </p:txBody>
       </p:sp>
-      <p:sp>
-        <p:nvSpPr>
-          <p:cNvPr id="11" name="사각형: 둥근 모서리 10">
+      <p:cxnSp>
+        <p:nvCxnSpPr>
+          <p:cNvPr id="10" name="직선 화살표 연결선 9">
             <a:extLst>
               <a:ext uri="{FF2B5EF4-FFF2-40B4-BE49-F238E27FC236}">
-                <a16:creationId xmlns:a16="http://schemas.microsoft.com/office/drawing/2014/main" id="{242179FA-897B-63AA-7737-7942FFE31C7F}"/>
-              </a:ext>
-            </a:extLst>
-          </p:cNvPr>
-          <p:cNvSpPr/>
-          <p:nvPr/>
-        </p:nvSpPr>
-        <p:spPr>
-          <a:xfrm>
-            <a:off x="7115043" y="2870721"/>
-            <a:ext cx="1275749" cy="399312"/>
-          </a:xfrm>
-          <a:prstGeom prst="roundRect">
-            <a:avLst/>
-          </a:prstGeom>
-          <a:noFill/>
-          <a:ln w="19050" cap="flat" cmpd="sng" algn="ctr">
-            <a:solidFill>
-              <a:schemeClr val="dk1"/>
-            </a:solidFill>
-            <a:prstDash val="solid"/>
-            <a:round/>
-            <a:headEnd type="none" w="med" len="med"/>
-            <a:tailEnd type="none" w="med" len="med"/>
-          </a:ln>
-        </p:spPr>
-        <p:style>
-          <a:lnRef idx="0">
-            <a:scrgbClr r="0" g="0" b="0"/>
-          </a:lnRef>
-          <a:fillRef idx="0">
-            <a:scrgbClr r="0" g="0" b="0"/>
-          </a:fillRef>
-          <a:effectRef idx="0">
-            <a:scrgbClr r="0" g="0" b="0"/>
-          </a:effectRef>
-          <a:fontRef idx="minor">
-            <a:schemeClr val="dk1"/>
-          </a:fontRef>
-        </p:style>
-        <p:txBody>
-          <a:bodyPr rtlCol="0" anchor="ctr"/>
-          <a:lstStyle/>
-          <a:p>
-            <a:pPr algn="ctr"/>
-            <a:r>
-              <a:rPr lang="en-US" altLang="ko-KR" sz="1200" b="1" dirty="0">
-                <a:latin typeface="Spoqa Han Sans Neo Bold" panose="020B0800000000000000" pitchFamily="34" charset="-127"/>
-                <a:ea typeface="Spoqa Han Sans Neo Bold" panose="020B0800000000000000" pitchFamily="34" charset="-127"/>
-              </a:rPr>
-              <a:t>Consumer #2</a:t>
-            </a:r>
-            <a:endParaRPr lang="ko-KR" altLang="en-US" sz="1200" b="1" dirty="0">
-              <a:latin typeface="Spoqa Han Sans Neo Bold" panose="020B0800000000000000" pitchFamily="34" charset="-127"/>
-              <a:ea typeface="Spoqa Han Sans Neo Bold" panose="020B0800000000000000" pitchFamily="34" charset="-127"/>
-            </a:endParaRPr>
-          </a:p>
-        </p:txBody>
-      </p:sp>
-      <p:sp>
-        <p:nvSpPr>
-          <p:cNvPr id="12" name="사각형: 둥근 모서리 11">
-            <a:extLst>
-              <a:ext uri="{FF2B5EF4-FFF2-40B4-BE49-F238E27FC236}">
-                <a16:creationId xmlns:a16="http://schemas.microsoft.com/office/drawing/2014/main" id="{00D82630-8CE0-F19C-4B68-5DC3CB7000E7}"/>
-              </a:ext>
-            </a:extLst>
-          </p:cNvPr>
-          <p:cNvSpPr/>
-          <p:nvPr/>
-        </p:nvSpPr>
-        <p:spPr>
-          <a:xfrm>
-            <a:off x="3761291" y="2236470"/>
-            <a:ext cx="1955524" cy="1118772"/>
-          </a:xfrm>
-          <a:prstGeom prst="roundRect">
-            <a:avLst>
-              <a:gd name="adj" fmla="val 9898"/>
-            </a:avLst>
-          </a:prstGeom>
-          <a:noFill/>
-          <a:ln w="19050" cap="flat" cmpd="sng" algn="ctr">
-            <a:solidFill>
-              <a:schemeClr val="dk1"/>
-            </a:solidFill>
-            <a:prstDash val="solid"/>
-            <a:round/>
-            <a:headEnd type="none" w="med" len="med"/>
-            <a:tailEnd type="none" w="med" len="med"/>
-          </a:ln>
-        </p:spPr>
-        <p:style>
-          <a:lnRef idx="0">
-            <a:scrgbClr r="0" g="0" b="0"/>
-          </a:lnRef>
-          <a:fillRef idx="0">
-            <a:scrgbClr r="0" g="0" b="0"/>
-          </a:fillRef>
-          <a:effectRef idx="0">
-            <a:scrgbClr r="0" g="0" b="0"/>
-          </a:effectRef>
-          <a:fontRef idx="minor">
-            <a:schemeClr val="dk1"/>
-          </a:fontRef>
-        </p:style>
-        <p:txBody>
-          <a:bodyPr rtlCol="0" anchor="ctr"/>
-          <a:lstStyle/>
-          <a:p>
-            <a:pPr algn="ctr"/>
-            <a:r>
-              <a:rPr lang="en-US" altLang="ko-KR" sz="1200" b="1" dirty="0">
-                <a:latin typeface="Spoqa Han Sans Neo Bold" panose="020B0800000000000000" pitchFamily="34" charset="-127"/>
-                <a:ea typeface="Spoqa Han Sans Neo Bold" panose="020B0800000000000000" pitchFamily="34" charset="-127"/>
-              </a:rPr>
-              <a:t>Topic #1</a:t>
-            </a:r>
-          </a:p>
-          <a:p>
-            <a:pPr algn="ctr"/>
-            <a:endParaRPr lang="en-US" altLang="ko-KR" sz="1200" b="1" dirty="0">
-              <a:latin typeface="Spoqa Han Sans Neo Bold" panose="020B0800000000000000" pitchFamily="34" charset="-127"/>
-              <a:ea typeface="Spoqa Han Sans Neo Bold" panose="020B0800000000000000" pitchFamily="34" charset="-127"/>
-            </a:endParaRPr>
-          </a:p>
-          <a:p>
-            <a:pPr algn="ctr"/>
-            <a:endParaRPr lang="en-US" altLang="ko-KR" sz="1200" b="1" dirty="0">
-              <a:latin typeface="Spoqa Han Sans Neo Bold" panose="020B0800000000000000" pitchFamily="34" charset="-127"/>
-              <a:ea typeface="Spoqa Han Sans Neo Bold" panose="020B0800000000000000" pitchFamily="34" charset="-127"/>
-            </a:endParaRPr>
-          </a:p>
-          <a:p>
-            <a:pPr algn="ctr"/>
-            <a:endParaRPr lang="en-US" altLang="ko-KR" sz="1200" b="1" dirty="0">
-              <a:latin typeface="Spoqa Han Sans Neo Bold" panose="020B0800000000000000" pitchFamily="34" charset="-127"/>
-              <a:ea typeface="Spoqa Han Sans Neo Bold" panose="020B0800000000000000" pitchFamily="34" charset="-127"/>
-            </a:endParaRPr>
-          </a:p>
-          <a:p>
-            <a:pPr algn="ctr"/>
-            <a:endParaRPr lang="ko-KR" altLang="en-US" sz="1200" b="1" dirty="0">
-              <a:latin typeface="Spoqa Han Sans Neo Bold" panose="020B0800000000000000" pitchFamily="34" charset="-127"/>
-              <a:ea typeface="Spoqa Han Sans Neo Bold" panose="020B0800000000000000" pitchFamily="34" charset="-127"/>
-            </a:endParaRPr>
-          </a:p>
-        </p:txBody>
-      </p:sp>
-      <p:sp>
-        <p:nvSpPr>
-          <p:cNvPr id="13" name="사각형: 둥근 모서리 12">
-            <a:extLst>
-              <a:ext uri="{FF2B5EF4-FFF2-40B4-BE49-F238E27FC236}">
-                <a16:creationId xmlns:a16="http://schemas.microsoft.com/office/drawing/2014/main" id="{F492FA41-7C2A-5673-7FF5-86ED2D8A214E}"/>
-              </a:ext>
-            </a:extLst>
-          </p:cNvPr>
-          <p:cNvSpPr/>
-          <p:nvPr/>
-        </p:nvSpPr>
-        <p:spPr>
-          <a:xfrm>
-            <a:off x="3761291" y="3492857"/>
-            <a:ext cx="1955524" cy="863339"/>
-          </a:xfrm>
-          <a:prstGeom prst="roundRect">
-            <a:avLst/>
-          </a:prstGeom>
-          <a:noFill/>
-          <a:ln w="19050" cap="flat" cmpd="sng" algn="ctr">
-            <a:solidFill>
-              <a:schemeClr val="dk1"/>
-            </a:solidFill>
-            <a:prstDash val="solid"/>
-            <a:round/>
-            <a:headEnd type="none" w="med" len="med"/>
-            <a:tailEnd type="none" w="med" len="med"/>
-          </a:ln>
-        </p:spPr>
-        <p:style>
-          <a:lnRef idx="0">
-            <a:scrgbClr r="0" g="0" b="0"/>
-          </a:lnRef>
-          <a:fillRef idx="0">
-            <a:scrgbClr r="0" g="0" b="0"/>
-          </a:fillRef>
-          <a:effectRef idx="0">
-            <a:scrgbClr r="0" g="0" b="0"/>
-          </a:effectRef>
-          <a:fontRef idx="minor">
-            <a:schemeClr val="dk1"/>
-          </a:fontRef>
-        </p:style>
-        <p:txBody>
-          <a:bodyPr rtlCol="0" anchor="ctr"/>
-          <a:lstStyle/>
-          <a:p>
-            <a:pPr algn="ctr"/>
-            <a:r>
-              <a:rPr lang="en-US" altLang="ko-KR" sz="1200" b="1" dirty="0">
-                <a:latin typeface="Spoqa Han Sans Neo Bold" panose="020B0800000000000000" pitchFamily="34" charset="-127"/>
-                <a:ea typeface="Spoqa Han Sans Neo Bold" panose="020B0800000000000000" pitchFamily="34" charset="-127"/>
-              </a:rPr>
-              <a:t>Topic #2</a:t>
-            </a:r>
-          </a:p>
-          <a:p>
-            <a:pPr algn="ctr"/>
-            <a:endParaRPr lang="en-US" altLang="ko-KR" sz="1200" b="1" dirty="0">
-              <a:latin typeface="Spoqa Han Sans Neo Bold" panose="020B0800000000000000" pitchFamily="34" charset="-127"/>
-              <a:ea typeface="Spoqa Han Sans Neo Bold" panose="020B0800000000000000" pitchFamily="34" charset="-127"/>
-            </a:endParaRPr>
-          </a:p>
-          <a:p>
-            <a:pPr algn="ctr"/>
-            <a:endParaRPr lang="ko-KR" altLang="en-US" sz="1200" b="1" dirty="0">
-              <a:latin typeface="Spoqa Han Sans Neo Bold" panose="020B0800000000000000" pitchFamily="34" charset="-127"/>
-              <a:ea typeface="Spoqa Han Sans Neo Bold" panose="020B0800000000000000" pitchFamily="34" charset="-127"/>
-            </a:endParaRPr>
-          </a:p>
-        </p:txBody>
-      </p:sp>
-      <p:sp>
-        <p:nvSpPr>
-          <p:cNvPr id="15" name="사각형: 둥근 모서리 14">
-            <a:extLst>
-              <a:ext uri="{FF2B5EF4-FFF2-40B4-BE49-F238E27FC236}">
-                <a16:creationId xmlns:a16="http://schemas.microsoft.com/office/drawing/2014/main" id="{6FF34C86-F354-A7C9-6D02-5ABD4A9ADD0E}"/>
-              </a:ext>
-            </a:extLst>
-          </p:cNvPr>
-          <p:cNvSpPr/>
-          <p:nvPr/>
-        </p:nvSpPr>
-        <p:spPr>
-          <a:xfrm>
-            <a:off x="4225468" y="2586958"/>
-            <a:ext cx="1027170" cy="306834"/>
-          </a:xfrm>
-          <a:prstGeom prst="roundRect">
-            <a:avLst/>
-          </a:prstGeom>
-          <a:noFill/>
-          <a:ln w="19050" cap="flat" cmpd="sng" algn="ctr">
-            <a:solidFill>
-              <a:schemeClr val="dk1"/>
-            </a:solidFill>
-            <a:prstDash val="solid"/>
-            <a:round/>
-            <a:headEnd type="none" w="med" len="med"/>
-            <a:tailEnd type="none" w="med" len="med"/>
-          </a:ln>
-        </p:spPr>
-        <p:style>
-          <a:lnRef idx="0">
-            <a:scrgbClr r="0" g="0" b="0"/>
-          </a:lnRef>
-          <a:fillRef idx="0">
-            <a:scrgbClr r="0" g="0" b="0"/>
-          </a:fillRef>
-          <a:effectRef idx="0">
-            <a:scrgbClr r="0" g="0" b="0"/>
-          </a:effectRef>
-          <a:fontRef idx="minor">
-            <a:schemeClr val="dk1"/>
-          </a:fontRef>
-        </p:style>
-        <p:txBody>
-          <a:bodyPr rtlCol="0" anchor="ctr"/>
-          <a:lstStyle/>
-          <a:p>
-            <a:pPr algn="ctr"/>
-            <a:r>
-              <a:rPr lang="en-US" altLang="ko-KR" sz="1000" dirty="0">
-                <a:latin typeface="Spoqa Han Sans Neo Bold" panose="020B0800000000000000" pitchFamily="34" charset="-127"/>
-                <a:ea typeface="Spoqa Han Sans Neo Bold" panose="020B0800000000000000" pitchFamily="34" charset="-127"/>
-              </a:rPr>
-              <a:t>Partition #1</a:t>
-            </a:r>
-            <a:endParaRPr lang="ko-KR" altLang="en-US" sz="1000" dirty="0">
-              <a:latin typeface="Spoqa Han Sans Neo Bold" panose="020B0800000000000000" pitchFamily="34" charset="-127"/>
-              <a:ea typeface="Spoqa Han Sans Neo Bold" panose="020B0800000000000000" pitchFamily="34" charset="-127"/>
-            </a:endParaRPr>
-          </a:p>
-        </p:txBody>
-      </p:sp>
-      <p:sp>
-        <p:nvSpPr>
-          <p:cNvPr id="16" name="사각형: 둥근 모서리 15">
-            <a:extLst>
-              <a:ext uri="{FF2B5EF4-FFF2-40B4-BE49-F238E27FC236}">
-                <a16:creationId xmlns:a16="http://schemas.microsoft.com/office/drawing/2014/main" id="{AD4CAE9F-E411-DF8C-5985-515EC1DED0E9}"/>
-              </a:ext>
-            </a:extLst>
-          </p:cNvPr>
-          <p:cNvSpPr/>
-          <p:nvPr/>
-        </p:nvSpPr>
-        <p:spPr>
-          <a:xfrm>
-            <a:off x="4225468" y="2963199"/>
-            <a:ext cx="1027170" cy="306834"/>
-          </a:xfrm>
-          <a:prstGeom prst="roundRect">
-            <a:avLst/>
-          </a:prstGeom>
-          <a:noFill/>
-          <a:ln w="19050" cap="flat" cmpd="sng" algn="ctr">
-            <a:solidFill>
-              <a:schemeClr val="dk1"/>
-            </a:solidFill>
-            <a:prstDash val="solid"/>
-            <a:round/>
-            <a:headEnd type="none" w="med" len="med"/>
-            <a:tailEnd type="none" w="med" len="med"/>
-          </a:ln>
-        </p:spPr>
-        <p:style>
-          <a:lnRef idx="0">
-            <a:scrgbClr r="0" g="0" b="0"/>
-          </a:lnRef>
-          <a:fillRef idx="0">
-            <a:scrgbClr r="0" g="0" b="0"/>
-          </a:fillRef>
-          <a:effectRef idx="0">
-            <a:scrgbClr r="0" g="0" b="0"/>
-          </a:effectRef>
-          <a:fontRef idx="minor">
-            <a:schemeClr val="dk1"/>
-          </a:fontRef>
-        </p:style>
-        <p:txBody>
-          <a:bodyPr rtlCol="0" anchor="ctr"/>
-          <a:lstStyle/>
-          <a:p>
-            <a:pPr algn="ctr"/>
-            <a:r>
-              <a:rPr lang="en-US" altLang="ko-KR" sz="1000" dirty="0">
-                <a:latin typeface="Spoqa Han Sans Neo Bold" panose="020B0800000000000000" pitchFamily="34" charset="-127"/>
-                <a:ea typeface="Spoqa Han Sans Neo Bold" panose="020B0800000000000000" pitchFamily="34" charset="-127"/>
-              </a:rPr>
-              <a:t>Partition #2</a:t>
-            </a:r>
-            <a:endParaRPr lang="ko-KR" altLang="en-US" sz="1000" dirty="0">
-              <a:latin typeface="Spoqa Han Sans Neo Bold" panose="020B0800000000000000" pitchFamily="34" charset="-127"/>
-              <a:ea typeface="Spoqa Han Sans Neo Bold" panose="020B0800000000000000" pitchFamily="34" charset="-127"/>
-            </a:endParaRPr>
-          </a:p>
-        </p:txBody>
-      </p:sp>
-      <p:cxnSp>
-        <p:nvCxnSpPr>
-          <p:cNvPr id="17" name="직선 화살표 연결선 16">
-            <a:extLst>
-              <a:ext uri="{FF2B5EF4-FFF2-40B4-BE49-F238E27FC236}">
-                <a16:creationId xmlns:a16="http://schemas.microsoft.com/office/drawing/2014/main" id="{CFDD19B7-F7E4-231E-B6D6-9730C49A9EEA}"/>
+                <a16:creationId xmlns:a16="http://schemas.microsoft.com/office/drawing/2014/main" id="{EFF93A6E-484D-BE47-70B4-3E8E29550969}"/>
               </a:ext>
             </a:extLst>
           </p:cNvPr>
           <p:cNvCxnSpPr>
             <a:cxnSpLocks/>
-            <a:stCxn id="6" idx="3"/>
-            <a:endCxn id="12" idx="1"/>
+            <a:stCxn id="3" idx="3"/>
+            <a:endCxn id="30" idx="2"/>
           </p:cNvCxnSpPr>
           <p:nvPr/>
         </p:nvCxnSpPr>
         <p:spPr>
-          <a:xfrm>
-            <a:off x="1907931" y="2507750"/>
-            <a:ext cx="1853360" cy="288106"/>
+          <a:xfrm flipV="1">
+            <a:off x="2411387" y="3889078"/>
+            <a:ext cx="1668589" cy="4288"/>
           </a:xfrm>
           <a:prstGeom prst="straightConnector1">
             <a:avLst/>
@@ -17869,23 +19870,24 @@
       </p:cxnSp>
       <p:cxnSp>
         <p:nvCxnSpPr>
-          <p:cNvPr id="20" name="직선 화살표 연결선 19">
+          <p:cNvPr id="11" name="직선 화살표 연결선 10">
             <a:extLst>
               <a:ext uri="{FF2B5EF4-FFF2-40B4-BE49-F238E27FC236}">
-                <a16:creationId xmlns:a16="http://schemas.microsoft.com/office/drawing/2014/main" id="{E2D6C01B-3C88-40C5-74BD-219154EB77DC}"/>
+                <a16:creationId xmlns:a16="http://schemas.microsoft.com/office/drawing/2014/main" id="{F505A4CD-8857-7CCA-F975-D7F0EDC193C7}"/>
               </a:ext>
             </a:extLst>
           </p:cNvPr>
           <p:cNvCxnSpPr>
             <a:cxnSpLocks/>
-            <a:stCxn id="9" idx="3"/>
+            <a:stCxn id="5" idx="1"/>
+            <a:endCxn id="30" idx="4"/>
           </p:cNvCxnSpPr>
           <p:nvPr/>
         </p:nvCxnSpPr>
         <p:spPr>
-          <a:xfrm flipV="1">
-            <a:off x="1907931" y="3067136"/>
-            <a:ext cx="1853360" cy="933947"/>
+          <a:xfrm flipH="1">
+            <a:off x="5055923" y="3883841"/>
+            <a:ext cx="1676689" cy="5237"/>
           </a:xfrm>
           <a:prstGeom prst="straightConnector1">
             <a:avLst/>
@@ -17917,35 +19919,36 @@
       </p:cxnSp>
       <p:cxnSp>
         <p:nvCxnSpPr>
-          <p:cNvPr id="23" name="직선 화살표 연결선 22">
+          <p:cNvPr id="14" name="직선 화살표 연결선 13">
             <a:extLst>
               <a:ext uri="{FF2B5EF4-FFF2-40B4-BE49-F238E27FC236}">
-                <a16:creationId xmlns:a16="http://schemas.microsoft.com/office/drawing/2014/main" id="{91AEED3C-8077-8CF6-7E11-DE72EA88D61D}"/>
+                <a16:creationId xmlns:a16="http://schemas.microsoft.com/office/drawing/2014/main" id="{19667E89-01B5-A8DA-7AB6-B2253C4F6B8D}"/>
               </a:ext>
             </a:extLst>
           </p:cNvPr>
           <p:cNvCxnSpPr>
             <a:cxnSpLocks/>
-            <a:endCxn id="13" idx="1"/>
+            <a:stCxn id="32" idx="0"/>
+            <a:endCxn id="6" idx="2"/>
           </p:cNvCxnSpPr>
           <p:nvPr/>
         </p:nvCxnSpPr>
         <p:spPr>
-          <a:xfrm flipV="1">
-            <a:off x="1907931" y="3924527"/>
-            <a:ext cx="1853360" cy="243027"/>
+          <a:xfrm flipH="1" flipV="1">
+            <a:off x="4571999" y="2362390"/>
+            <a:ext cx="14607" cy="543531"/>
           </a:xfrm>
           <a:prstGeom prst="straightConnector1">
             <a:avLst/>
           </a:prstGeom>
           <a:ln w="38100">
             <a:solidFill>
-              <a:schemeClr val="tx1">
-                <a:lumMod val="50000"/>
-                <a:lumOff val="50000"/>
+              <a:schemeClr val="accent2">
+                <a:lumMod val="75000"/>
               </a:schemeClr>
             </a:solidFill>
-            <a:tailEnd type="triangle"/>
+            <a:headEnd type="triangle" w="med" len="med"/>
+            <a:tailEnd type="triangle" w="med" len="med"/>
           </a:ln>
         </p:spPr>
         <p:style>
@@ -17965,26 +19968,26 @@
       </p:cxnSp>
       <p:cxnSp>
         <p:nvCxnSpPr>
-          <p:cNvPr id="26" name="직선 화살표 연결선 25">
+          <p:cNvPr id="18" name="직선 화살표 연결선 17">
             <a:extLst>
               <a:ext uri="{FF2B5EF4-FFF2-40B4-BE49-F238E27FC236}">
-                <a16:creationId xmlns:a16="http://schemas.microsoft.com/office/drawing/2014/main" id="{FC3BB257-510C-3E25-FF1B-29026672CB31}"/>
+                <a16:creationId xmlns:a16="http://schemas.microsoft.com/office/drawing/2014/main" id="{698F4AAF-7FD2-4D08-1EE5-4A0710108DA1}"/>
               </a:ext>
             </a:extLst>
           </p:cNvPr>
           <p:cNvCxnSpPr>
             <a:cxnSpLocks/>
-            <a:stCxn id="16" idx="3"/>
-            <a:endCxn id="11" idx="1"/>
+            <a:stCxn id="5" idx="0"/>
+            <a:endCxn id="6" idx="3"/>
           </p:cNvCxnSpPr>
           <p:nvPr/>
         </p:nvCxnSpPr>
         <p:spPr>
-          <a:xfrm flipV="1">
-            <a:off x="5252638" y="3070377"/>
-            <a:ext cx="1862405" cy="46239"/>
+          <a:xfrm rot="16200000" flipV="1">
+            <a:off x="5428294" y="1665122"/>
+            <a:ext cx="1521451" cy="2160613"/>
           </a:xfrm>
-          <a:prstGeom prst="straightConnector1">
+          <a:prstGeom prst="bentConnector2">
             <a:avLst/>
           </a:prstGeom>
           <a:ln w="38100">
@@ -17994,6 +19997,8 @@
                 <a:lumOff val="50000"/>
               </a:schemeClr>
             </a:solidFill>
+            <a:prstDash val="sysDot"/>
+            <a:headEnd type="triangle"/>
             <a:tailEnd type="triangle"/>
           </a:ln>
         </p:spPr>
@@ -18012,28 +20017,178 @@
           </a:fontRef>
         </p:style>
       </p:cxnSp>
+      <p:sp>
+        <p:nvSpPr>
+          <p:cNvPr id="21" name="TextBox 20">
+            <a:extLst>
+              <a:ext uri="{FF2B5EF4-FFF2-40B4-BE49-F238E27FC236}">
+                <a16:creationId xmlns:a16="http://schemas.microsoft.com/office/drawing/2014/main" id="{81DC8AE5-D55E-DFA2-E954-F506BB601E01}"/>
+              </a:ext>
+            </a:extLst>
+          </p:cNvPr>
+          <p:cNvSpPr txBox="1"/>
+          <p:nvPr/>
+        </p:nvSpPr>
+        <p:spPr>
+          <a:xfrm>
+            <a:off x="2461300" y="3923830"/>
+            <a:ext cx="1167306" cy="477054"/>
+          </a:xfrm>
+          <a:prstGeom prst="rect">
+            <a:avLst/>
+          </a:prstGeom>
+          <a:noFill/>
+        </p:spPr>
+        <p:txBody>
+          <a:bodyPr wrap="none" rtlCol="0">
+            <a:spAutoFit/>
+          </a:bodyPr>
+          <a:lstStyle/>
+          <a:p>
+            <a:pPr algn="ctr"/>
+            <a:r>
+              <a:rPr lang="en-US" altLang="ko-KR" sz="1400" dirty="0">
+                <a:latin typeface="Spoqa Han Sans Neo Bold" panose="020B0800000000000000" pitchFamily="34" charset="-127"/>
+                <a:ea typeface="Spoqa Han Sans Neo Bold" panose="020B0800000000000000" pitchFamily="34" charset="-127"/>
+              </a:rPr>
+              <a:t>Publish</a:t>
+            </a:r>
+          </a:p>
+          <a:p>
+            <a:pPr algn="ctr"/>
+            <a:r>
+              <a:rPr lang="en-US" altLang="ko-KR" sz="1050" dirty="0">
+                <a:solidFill>
+                  <a:schemeClr val="bg2">
+                    <a:lumMod val="50000"/>
+                  </a:schemeClr>
+                </a:solidFill>
+                <a:latin typeface="Spoqa Han Sans Neo Bold" panose="020B0800000000000000" pitchFamily="34" charset="-127"/>
+                <a:ea typeface="Spoqa Han Sans Neo Bold" panose="020B0800000000000000" pitchFamily="34" charset="-127"/>
+              </a:rPr>
+              <a:t>push message</a:t>
+            </a:r>
+            <a:endParaRPr lang="ko-KR" altLang="en-US" sz="1050" dirty="0">
+              <a:solidFill>
+                <a:schemeClr val="bg2">
+                  <a:lumMod val="50000"/>
+                </a:schemeClr>
+              </a:solidFill>
+              <a:latin typeface="Spoqa Han Sans Neo Bold" panose="020B0800000000000000" pitchFamily="34" charset="-127"/>
+              <a:ea typeface="Spoqa Han Sans Neo Bold" panose="020B0800000000000000" pitchFamily="34" charset="-127"/>
+            </a:endParaRPr>
+          </a:p>
+        </p:txBody>
+      </p:sp>
+      <p:sp>
+        <p:nvSpPr>
+          <p:cNvPr id="22" name="TextBox 21">
+            <a:extLst>
+              <a:ext uri="{FF2B5EF4-FFF2-40B4-BE49-F238E27FC236}">
+                <a16:creationId xmlns:a16="http://schemas.microsoft.com/office/drawing/2014/main" id="{697702DB-DAF0-A743-022C-EE78D081A587}"/>
+              </a:ext>
+            </a:extLst>
+          </p:cNvPr>
+          <p:cNvSpPr txBox="1"/>
+          <p:nvPr/>
+        </p:nvSpPr>
+        <p:spPr>
+          <a:xfrm>
+            <a:off x="5594769" y="3933355"/>
+            <a:ext cx="1096774" cy="477054"/>
+          </a:xfrm>
+          <a:prstGeom prst="rect">
+            <a:avLst/>
+          </a:prstGeom>
+          <a:noFill/>
+        </p:spPr>
+        <p:txBody>
+          <a:bodyPr wrap="none" rtlCol="0">
+            <a:spAutoFit/>
+          </a:bodyPr>
+          <a:lstStyle/>
+          <a:p>
+            <a:pPr algn="ctr"/>
+            <a:r>
+              <a:rPr lang="en-US" altLang="ko-KR" sz="1400" dirty="0">
+                <a:latin typeface="Spoqa Han Sans Neo Bold" panose="020B0800000000000000" pitchFamily="34" charset="-127"/>
+                <a:ea typeface="Spoqa Han Sans Neo Bold" panose="020B0800000000000000" pitchFamily="34" charset="-127"/>
+              </a:rPr>
+              <a:t>Subscribe</a:t>
+            </a:r>
+          </a:p>
+          <a:p>
+            <a:pPr algn="ctr"/>
+            <a:r>
+              <a:rPr lang="en-US" altLang="ko-KR" sz="1050" dirty="0">
+                <a:solidFill>
+                  <a:schemeClr val="bg2">
+                    <a:lumMod val="50000"/>
+                  </a:schemeClr>
+                </a:solidFill>
+                <a:latin typeface="Spoqa Han Sans Neo Bold" panose="020B0800000000000000" pitchFamily="34" charset="-127"/>
+                <a:ea typeface="Spoqa Han Sans Neo Bold" panose="020B0800000000000000" pitchFamily="34" charset="-127"/>
+              </a:rPr>
+              <a:t>pull</a:t>
+            </a:r>
+            <a:r>
+              <a:rPr lang="ko-KR" altLang="en-US" sz="1050" dirty="0">
+                <a:solidFill>
+                  <a:schemeClr val="bg2">
+                    <a:lumMod val="50000"/>
+                  </a:schemeClr>
+                </a:solidFill>
+                <a:latin typeface="Spoqa Han Sans Neo Bold" panose="020B0800000000000000" pitchFamily="34" charset="-127"/>
+                <a:ea typeface="Spoqa Han Sans Neo Bold" panose="020B0800000000000000" pitchFamily="34" charset="-127"/>
+              </a:rPr>
+              <a:t> </a:t>
+            </a:r>
+            <a:r>
+              <a:rPr lang="en-US" altLang="ko-KR" sz="1050" dirty="0">
+                <a:solidFill>
+                  <a:schemeClr val="bg2">
+                    <a:lumMod val="50000"/>
+                  </a:schemeClr>
+                </a:solidFill>
+                <a:latin typeface="Spoqa Han Sans Neo Bold" panose="020B0800000000000000" pitchFamily="34" charset="-127"/>
+                <a:ea typeface="Spoqa Han Sans Neo Bold" panose="020B0800000000000000" pitchFamily="34" charset="-127"/>
+              </a:rPr>
+              <a:t>message</a:t>
+            </a:r>
+            <a:endParaRPr lang="ko-KR" altLang="en-US" sz="1050" dirty="0">
+              <a:solidFill>
+                <a:schemeClr val="bg2">
+                  <a:lumMod val="50000"/>
+                </a:schemeClr>
+              </a:solidFill>
+              <a:latin typeface="Spoqa Han Sans Neo Bold" panose="020B0800000000000000" pitchFamily="34" charset="-127"/>
+              <a:ea typeface="Spoqa Han Sans Neo Bold" panose="020B0800000000000000" pitchFamily="34" charset="-127"/>
+            </a:endParaRPr>
+          </a:p>
+        </p:txBody>
+      </p:sp>
       <p:cxnSp>
         <p:nvCxnSpPr>
-          <p:cNvPr id="29" name="직선 화살표 연결선 28">
+          <p:cNvPr id="9" name="직선 화살표 연결선 8">
             <a:extLst>
               <a:ext uri="{FF2B5EF4-FFF2-40B4-BE49-F238E27FC236}">
-                <a16:creationId xmlns:a16="http://schemas.microsoft.com/office/drawing/2014/main" id="{11F0F654-9F5C-C0CD-AA55-6EE05C76053D}"/>
+                <a16:creationId xmlns:a16="http://schemas.microsoft.com/office/drawing/2014/main" id="{D11BB1FB-53FF-C6B8-208E-20F119C065BC}"/>
               </a:ext>
             </a:extLst>
           </p:cNvPr>
           <p:cNvCxnSpPr>
             <a:cxnSpLocks/>
-            <a:stCxn id="15" idx="3"/>
-            <a:endCxn id="10" idx="1"/>
+            <a:stCxn id="3" idx="0"/>
+            <a:endCxn id="6" idx="1"/>
           </p:cNvCxnSpPr>
           <p:nvPr/>
         </p:nvCxnSpPr>
         <p:spPr>
-          <a:xfrm flipV="1">
-            <a:off x="5252638" y="2334938"/>
-            <a:ext cx="1862406" cy="405437"/>
+          <a:xfrm rot="5400000" flipH="1" flipV="1">
+            <a:off x="2189492" y="1669885"/>
+            <a:ext cx="1530976" cy="2160612"/>
           </a:xfrm>
-          <a:prstGeom prst="straightConnector1">
+          <a:prstGeom prst="bentConnector2">
             <a:avLst/>
           </a:prstGeom>
           <a:ln w="38100">
@@ -18043,6 +20198,7 @@
                 <a:lumOff val="50000"/>
               </a:schemeClr>
             </a:solidFill>
+            <a:prstDash val="sysDot"/>
             <a:tailEnd type="triangle"/>
           </a:ln>
         </p:spPr>
@@ -18063,10 +20219,164 @@
       </p:cxnSp>
       <p:sp>
         <p:nvSpPr>
-          <p:cNvPr id="35" name="사각형: 둥근 모서리 34">
+          <p:cNvPr id="15" name="TextBox 14">
             <a:extLst>
               <a:ext uri="{FF2B5EF4-FFF2-40B4-BE49-F238E27FC236}">
-                <a16:creationId xmlns:a16="http://schemas.microsoft.com/office/drawing/2014/main" id="{94384A3E-FBF5-BECF-C801-8058F47D49F9}"/>
+                <a16:creationId xmlns:a16="http://schemas.microsoft.com/office/drawing/2014/main" id="{EA59C013-9FD5-22A9-94E9-94E4AAEB15FA}"/>
+              </a:ext>
+            </a:extLst>
+          </p:cNvPr>
+          <p:cNvSpPr txBox="1"/>
+          <p:nvPr/>
+        </p:nvSpPr>
+        <p:spPr>
+          <a:xfrm>
+            <a:off x="1867379" y="1560845"/>
+            <a:ext cx="1314784" cy="307777"/>
+          </a:xfrm>
+          <a:prstGeom prst="rect">
+            <a:avLst/>
+          </a:prstGeom>
+          <a:noFill/>
+        </p:spPr>
+        <p:txBody>
+          <a:bodyPr wrap="none" rtlCol="0">
+            <a:spAutoFit/>
+          </a:bodyPr>
+          <a:lstStyle/>
+          <a:p>
+            <a:pPr algn="ctr"/>
+            <a:r>
+              <a:rPr lang="en-US" altLang="ko-KR" sz="1400" dirty="0">
+                <a:solidFill>
+                  <a:schemeClr val="bg2">
+                    <a:lumMod val="50000"/>
+                  </a:schemeClr>
+                </a:solidFill>
+                <a:latin typeface="Spoqa Han Sans Neo Bold" panose="020B0800000000000000" pitchFamily="34" charset="-127"/>
+                <a:ea typeface="Spoqa Han Sans Neo Bold" panose="020B0800000000000000" pitchFamily="34" charset="-127"/>
+              </a:rPr>
+              <a:t>get</a:t>
+            </a:r>
+            <a:r>
+              <a:rPr lang="ko-KR" altLang="en-US" sz="1400" dirty="0">
+                <a:solidFill>
+                  <a:schemeClr val="bg2">
+                    <a:lumMod val="50000"/>
+                  </a:schemeClr>
+                </a:solidFill>
+                <a:latin typeface="Spoqa Han Sans Neo Bold" panose="020B0800000000000000" pitchFamily="34" charset="-127"/>
+                <a:ea typeface="Spoqa Han Sans Neo Bold" panose="020B0800000000000000" pitchFamily="34" charset="-127"/>
+              </a:rPr>
+              <a:t> </a:t>
+            </a:r>
+            <a:r>
+              <a:rPr lang="en-US" altLang="ko-KR" sz="1400" dirty="0">
+                <a:solidFill>
+                  <a:schemeClr val="bg2">
+                    <a:lumMod val="50000"/>
+                  </a:schemeClr>
+                </a:solidFill>
+                <a:latin typeface="Spoqa Han Sans Neo Bold" panose="020B0800000000000000" pitchFamily="34" charset="-127"/>
+                <a:ea typeface="Spoqa Han Sans Neo Bold" panose="020B0800000000000000" pitchFamily="34" charset="-127"/>
+              </a:rPr>
+              <a:t>broker</a:t>
+            </a:r>
+            <a:r>
+              <a:rPr lang="ko-KR" altLang="en-US" sz="1400" dirty="0">
+                <a:solidFill>
+                  <a:schemeClr val="bg2">
+                    <a:lumMod val="50000"/>
+                  </a:schemeClr>
+                </a:solidFill>
+                <a:latin typeface="Spoqa Han Sans Neo Bold" panose="020B0800000000000000" pitchFamily="34" charset="-127"/>
+                <a:ea typeface="Spoqa Han Sans Neo Bold" panose="020B0800000000000000" pitchFamily="34" charset="-127"/>
+              </a:rPr>
+              <a:t> </a:t>
+            </a:r>
+            <a:r>
+              <a:rPr lang="en-US" altLang="ko-KR" sz="1400" dirty="0">
+                <a:solidFill>
+                  <a:schemeClr val="bg2">
+                    <a:lumMod val="50000"/>
+                  </a:schemeClr>
+                </a:solidFill>
+                <a:latin typeface="Spoqa Han Sans Neo Bold" panose="020B0800000000000000" pitchFamily="34" charset="-127"/>
+                <a:ea typeface="Spoqa Han Sans Neo Bold" panose="020B0800000000000000" pitchFamily="34" charset="-127"/>
+              </a:rPr>
+              <a:t>id</a:t>
+            </a:r>
+            <a:endParaRPr lang="ko-KR" altLang="en-US" sz="1050" dirty="0">
+              <a:solidFill>
+                <a:schemeClr val="bg2">
+                  <a:lumMod val="50000"/>
+                </a:schemeClr>
+              </a:solidFill>
+              <a:latin typeface="Spoqa Han Sans Neo Bold" panose="020B0800000000000000" pitchFamily="34" charset="-127"/>
+              <a:ea typeface="Spoqa Han Sans Neo Bold" panose="020B0800000000000000" pitchFamily="34" charset="-127"/>
+            </a:endParaRPr>
+          </a:p>
+        </p:txBody>
+      </p:sp>
+      <p:sp>
+        <p:nvSpPr>
+          <p:cNvPr id="16" name="TextBox 15">
+            <a:extLst>
+              <a:ext uri="{FF2B5EF4-FFF2-40B4-BE49-F238E27FC236}">
+                <a16:creationId xmlns:a16="http://schemas.microsoft.com/office/drawing/2014/main" id="{C8D82741-7BF3-56FF-8D18-49F4DC6AEDCD}"/>
+              </a:ext>
+            </a:extLst>
+          </p:cNvPr>
+          <p:cNvSpPr txBox="1"/>
+          <p:nvPr/>
+        </p:nvSpPr>
+        <p:spPr>
+          <a:xfrm>
+            <a:off x="5669180" y="1608362"/>
+            <a:ext cx="1369286" cy="307777"/>
+          </a:xfrm>
+          <a:prstGeom prst="rect">
+            <a:avLst/>
+          </a:prstGeom>
+          <a:noFill/>
+        </p:spPr>
+        <p:txBody>
+          <a:bodyPr wrap="none" rtlCol="0">
+            <a:spAutoFit/>
+          </a:bodyPr>
+          <a:lstStyle/>
+          <a:p>
+            <a:pPr algn="ctr"/>
+            <a:r>
+              <a:rPr lang="en-US" altLang="ko-KR" sz="1400" dirty="0">
+                <a:solidFill>
+                  <a:schemeClr val="bg2">
+                    <a:lumMod val="50000"/>
+                  </a:schemeClr>
+                </a:solidFill>
+                <a:latin typeface="Spoqa Han Sans Neo Bold" panose="020B0800000000000000" pitchFamily="34" charset="-127"/>
+                <a:ea typeface="Spoqa Han Sans Neo Bold" panose="020B0800000000000000" pitchFamily="34" charset="-127"/>
+              </a:rPr>
+              <a:t>update offset</a:t>
+            </a:r>
+            <a:endParaRPr lang="ko-KR" altLang="en-US" sz="1050" dirty="0">
+              <a:solidFill>
+                <a:schemeClr val="bg2">
+                  <a:lumMod val="50000"/>
+                </a:schemeClr>
+              </a:solidFill>
+              <a:latin typeface="Spoqa Han Sans Neo Bold" panose="020B0800000000000000" pitchFamily="34" charset="-127"/>
+              <a:ea typeface="Spoqa Han Sans Neo Bold" panose="020B0800000000000000" pitchFamily="34" charset="-127"/>
+            </a:endParaRPr>
+          </a:p>
+        </p:txBody>
+      </p:sp>
+      <p:sp>
+        <p:nvSpPr>
+          <p:cNvPr id="29" name="원통형 28">
+            <a:extLst>
+              <a:ext uri="{FF2B5EF4-FFF2-40B4-BE49-F238E27FC236}">
+                <a16:creationId xmlns:a16="http://schemas.microsoft.com/office/drawing/2014/main" id="{E3476061-F1BD-47C3-0B7E-454FA153DAC8}"/>
               </a:ext>
             </a:extLst>
           </p:cNvPr>
@@ -18075,10 +20385,10 @@
         </p:nvSpPr>
         <p:spPr>
           <a:xfrm>
-            <a:off x="4225468" y="3926874"/>
-            <a:ext cx="1027170" cy="306834"/>
+            <a:off x="4077951" y="4193197"/>
+            <a:ext cx="975947" cy="477054"/>
           </a:xfrm>
-          <a:prstGeom prst="roundRect">
+          <a:prstGeom prst="can">
             <a:avLst/>
           </a:prstGeom>
           <a:noFill/>
@@ -18112,74 +20422,28 @@
           <a:p>
             <a:pPr algn="ctr"/>
             <a:r>
-              <a:rPr lang="en-US" altLang="ko-KR" sz="1000" dirty="0">
+              <a:rPr lang="en-US" altLang="ko-KR" sz="1200" b="1" dirty="0">
                 <a:latin typeface="Spoqa Han Sans Neo Bold" panose="020B0800000000000000" pitchFamily="34" charset="-127"/>
                 <a:ea typeface="Spoqa Han Sans Neo Bold" panose="020B0800000000000000" pitchFamily="34" charset="-127"/>
               </a:rPr>
-              <a:t>Partition #1</a:t>
-            </a:r>
-            <a:endParaRPr lang="ko-KR" altLang="en-US" sz="1000" dirty="0">
+              <a:t>broker</a:t>
+            </a:r>
+            <a:endParaRPr lang="ko-KR" altLang="en-US" sz="1200" b="1" dirty="0">
+              <a:solidFill>
+                <a:schemeClr val="dk1"/>
+              </a:solidFill>
               <a:latin typeface="Spoqa Han Sans Neo Bold" panose="020B0800000000000000" pitchFamily="34" charset="-127"/>
               <a:ea typeface="Spoqa Han Sans Neo Bold" panose="020B0800000000000000" pitchFamily="34" charset="-127"/>
             </a:endParaRPr>
           </a:p>
         </p:txBody>
       </p:sp>
-      <p:cxnSp>
-        <p:nvCxnSpPr>
-          <p:cNvPr id="36" name="직선 화살표 연결선 35">
+      <p:sp>
+        <p:nvSpPr>
+          <p:cNvPr id="30" name="원통형 29">
             <a:extLst>
               <a:ext uri="{FF2B5EF4-FFF2-40B4-BE49-F238E27FC236}">
-                <a16:creationId xmlns:a16="http://schemas.microsoft.com/office/drawing/2014/main" id="{817346AC-A853-61BC-994D-F0AC99CDD94D}"/>
-              </a:ext>
-            </a:extLst>
-          </p:cNvPr>
-          <p:cNvCxnSpPr>
-            <a:cxnSpLocks/>
-            <a:stCxn id="35" idx="3"/>
-            <a:endCxn id="46" idx="1"/>
-          </p:cNvCxnSpPr>
-          <p:nvPr/>
-        </p:nvCxnSpPr>
-        <p:spPr>
-          <a:xfrm>
-            <a:off x="5252638" y="4080291"/>
-            <a:ext cx="1862404" cy="255483"/>
-          </a:xfrm>
-          <a:prstGeom prst="straightConnector1">
-            <a:avLst/>
-          </a:prstGeom>
-          <a:ln w="38100">
-            <a:solidFill>
-              <a:schemeClr val="tx1">
-                <a:lumMod val="50000"/>
-                <a:lumOff val="50000"/>
-              </a:schemeClr>
-            </a:solidFill>
-            <a:tailEnd type="triangle"/>
-          </a:ln>
-        </p:spPr>
-        <p:style>
-          <a:lnRef idx="1">
-            <a:schemeClr val="accent1"/>
-          </a:lnRef>
-          <a:fillRef idx="0">
-            <a:schemeClr val="accent1"/>
-          </a:fillRef>
-          <a:effectRef idx="0">
-            <a:schemeClr val="accent1"/>
-          </a:effectRef>
-          <a:fontRef idx="minor">
-            <a:schemeClr val="tx1"/>
-          </a:fontRef>
-        </p:style>
-      </p:cxnSp>
-      <p:sp>
-        <p:nvSpPr>
-          <p:cNvPr id="45" name="사각형: 둥근 모서리 44">
-            <a:extLst>
-              <a:ext uri="{FF2B5EF4-FFF2-40B4-BE49-F238E27FC236}">
-                <a16:creationId xmlns:a16="http://schemas.microsoft.com/office/drawing/2014/main" id="{518BC325-C20A-E6BA-A7FE-9535550023D1}"/>
+                <a16:creationId xmlns:a16="http://schemas.microsoft.com/office/drawing/2014/main" id="{B2C90230-546B-503A-8421-B1C234406A19}"/>
               </a:ext>
             </a:extLst>
           </p:cNvPr>
@@ -18188,10 +20452,10 @@
         </p:nvSpPr>
         <p:spPr>
           <a:xfrm>
-            <a:off x="7115043" y="3474360"/>
-            <a:ext cx="1275749" cy="399312"/>
+            <a:off x="4079976" y="3650551"/>
+            <a:ext cx="975947" cy="477054"/>
           </a:xfrm>
-          <a:prstGeom prst="roundRect">
+          <a:prstGeom prst="can">
             <a:avLst/>
           </a:prstGeom>
           <a:noFill/>
@@ -18229,9 +20493,12 @@
                 <a:latin typeface="Spoqa Han Sans Neo Bold" panose="020B0800000000000000" pitchFamily="34" charset="-127"/>
                 <a:ea typeface="Spoqa Han Sans Neo Bold" panose="020B0800000000000000" pitchFamily="34" charset="-127"/>
               </a:rPr>
-              <a:t>Consumer #3</a:t>
+              <a:t>broker</a:t>
             </a:r>
             <a:endParaRPr lang="ko-KR" altLang="en-US" sz="1200" b="1" dirty="0">
+              <a:solidFill>
+                <a:schemeClr val="dk1"/>
+              </a:solidFill>
               <a:latin typeface="Spoqa Han Sans Neo Bold" panose="020B0800000000000000" pitchFamily="34" charset="-127"/>
               <a:ea typeface="Spoqa Han Sans Neo Bold" panose="020B0800000000000000" pitchFamily="34" charset="-127"/>
             </a:endParaRPr>
@@ -18240,10 +20507,10 @@
       </p:sp>
       <p:sp>
         <p:nvSpPr>
-          <p:cNvPr id="46" name="사각형: 둥근 모서리 45">
+          <p:cNvPr id="32" name="사각형: 둥근 모서리 31">
             <a:extLst>
               <a:ext uri="{FF2B5EF4-FFF2-40B4-BE49-F238E27FC236}">
-                <a16:creationId xmlns:a16="http://schemas.microsoft.com/office/drawing/2014/main" id="{F4F5806A-D8EB-2A28-CCF9-939B2ECC6D2B}"/>
+                <a16:creationId xmlns:a16="http://schemas.microsoft.com/office/drawing/2014/main" id="{E6A55563-6F71-FF66-435E-F632CAE34CBB}"/>
               </a:ext>
             </a:extLst>
           </p:cNvPr>
@@ -18252,18 +20519,20 @@
         </p:nvSpPr>
         <p:spPr>
           <a:xfrm>
-            <a:off x="7115042" y="4136118"/>
-            <a:ext cx="1275749" cy="399312"/>
+            <a:off x="3739732" y="2905921"/>
+            <a:ext cx="1693748" cy="1978966"/>
           </a:xfrm>
           <a:prstGeom prst="roundRect">
-            <a:avLst/>
+            <a:avLst>
+              <a:gd name="adj" fmla="val 8316"/>
+            </a:avLst>
           </a:prstGeom>
           <a:noFill/>
           <a:ln w="19050" cap="flat" cmpd="sng" algn="ctr">
             <a:solidFill>
               <a:schemeClr val="dk1"/>
             </a:solidFill>
-            <a:prstDash val="solid"/>
+            <a:prstDash val="sysDot"/>
             <a:round/>
             <a:headEnd type="none" w="med" len="med"/>
             <a:tailEnd type="none" w="med" len="med"/>
@@ -18288,13 +20557,6 @@
           <a:lstStyle/>
           <a:p>
             <a:pPr algn="ctr"/>
-            <a:r>
-              <a:rPr lang="en-US" altLang="ko-KR" sz="1200" b="1" dirty="0">
-                <a:latin typeface="Spoqa Han Sans Neo Bold" panose="020B0800000000000000" pitchFamily="34" charset="-127"/>
-                <a:ea typeface="Spoqa Han Sans Neo Bold" panose="020B0800000000000000" pitchFamily="34" charset="-127"/>
-              </a:rPr>
-              <a:t>Consumer #4</a:t>
-            </a:r>
             <a:endParaRPr lang="ko-KR" altLang="en-US" sz="1200" b="1" dirty="0">
               <a:latin typeface="Spoqa Han Sans Neo Bold" panose="020B0800000000000000" pitchFamily="34" charset="-127"/>
               <a:ea typeface="Spoqa Han Sans Neo Bold" panose="020B0800000000000000" pitchFamily="34" charset="-127"/>
@@ -18302,59 +20564,52 @@
           </a:p>
         </p:txBody>
       </p:sp>
-      <p:cxnSp>
-        <p:nvCxnSpPr>
-          <p:cNvPr id="48" name="직선 화살표 연결선 47">
+      <p:sp>
+        <p:nvSpPr>
+          <p:cNvPr id="33" name="TextBox 32">
             <a:extLst>
               <a:ext uri="{FF2B5EF4-FFF2-40B4-BE49-F238E27FC236}">
-                <a16:creationId xmlns:a16="http://schemas.microsoft.com/office/drawing/2014/main" id="{3E61D76A-E4AF-9792-7653-2B23C0A52AC0}"/>
+                <a16:creationId xmlns:a16="http://schemas.microsoft.com/office/drawing/2014/main" id="{33A703D9-BEEC-BD5B-B44F-C2AC1CEC474D}"/>
               </a:ext>
             </a:extLst>
           </p:cNvPr>
-          <p:cNvCxnSpPr>
-            <a:cxnSpLocks/>
-            <a:stCxn id="35" idx="3"/>
-            <a:endCxn id="45" idx="1"/>
-          </p:cNvCxnSpPr>
+          <p:cNvSpPr txBox="1"/>
           <p:nvPr/>
-        </p:nvCxnSpPr>
+        </p:nvSpPr>
         <p:spPr>
-          <a:xfrm flipV="1">
-            <a:off x="5252638" y="3674016"/>
-            <a:ext cx="1862405" cy="406275"/>
+          <a:xfrm>
+            <a:off x="4731920" y="2560358"/>
+            <a:ext cx="1226920" cy="276999"/>
           </a:xfrm>
-          <a:prstGeom prst="straightConnector1">
+          <a:prstGeom prst="rect">
             <a:avLst/>
           </a:prstGeom>
-          <a:ln w="38100">
-            <a:solidFill>
-              <a:schemeClr val="tx1">
-                <a:lumMod val="50000"/>
-                <a:lumOff val="50000"/>
-              </a:schemeClr>
-            </a:solidFill>
-            <a:tailEnd type="triangle"/>
-          </a:ln>
+          <a:noFill/>
         </p:spPr>
-        <p:style>
-          <a:lnRef idx="1">
-            <a:schemeClr val="accent1"/>
-          </a:lnRef>
-          <a:fillRef idx="0">
-            <a:schemeClr val="accent1"/>
-          </a:fillRef>
-          <a:effectRef idx="0">
-            <a:schemeClr val="accent1"/>
-          </a:effectRef>
-          <a:fontRef idx="minor">
-            <a:schemeClr val="tx1"/>
-          </a:fontRef>
-        </p:style>
-      </p:cxnSp>
+        <p:txBody>
+          <a:bodyPr wrap="square" rtlCol="0">
+            <a:spAutoFit/>
+          </a:bodyPr>
+          <a:lstStyle/>
+          <a:p>
+            <a:r>
+              <a:rPr lang="en-US" altLang="ko-KR" sz="1200" dirty="0">
+                <a:latin typeface="Spoqa Han Sans Neo Bold" panose="020B0800000000000000" pitchFamily="34" charset="-127"/>
+                <a:ea typeface="Spoqa Han Sans Neo Bold" panose="020B0800000000000000" pitchFamily="34" charset="-127"/>
+              </a:rPr>
+              <a:t>Kafka cluster</a:t>
+            </a:r>
+            <a:endParaRPr lang="ko-KR" altLang="en-US" sz="1200" dirty="0">
+              <a:latin typeface="Spoqa Han Sans Neo Bold" panose="020B0800000000000000" pitchFamily="34" charset="-127"/>
+              <a:ea typeface="Spoqa Han Sans Neo Bold" panose="020B0800000000000000" pitchFamily="34" charset="-127"/>
+            </a:endParaRPr>
+          </a:p>
+        </p:txBody>
+      </p:sp>
     </p:spTree>
     <p:extLst>
       <p:ext uri="{BB962C8B-B14F-4D97-AF65-F5344CB8AC3E}">
-        <p14:creationId xmlns:p14="http://schemas.microsoft.com/office/powerpoint/2010/main" val="1686039725"/>
+        <p14:creationId xmlns:p14="http://schemas.microsoft.com/office/powerpoint/2010/main" val="2355923271"/>
       </p:ext>
     </p:extLst>
   </p:cSld>
@@ -24471,7 +26726,7 @@
         <p:spPr>
           <a:xfrm>
             <a:off x="958365" y="1868115"/>
-            <a:ext cx="2141164" cy="1821011"/>
+            <a:ext cx="2224520" cy="2559675"/>
           </a:xfrm>
           <a:prstGeom prst="rect">
             <a:avLst/>
@@ -24576,6 +26831,47 @@
               <a:rPr lang="en-US" altLang="ko-KR" sz="2400" dirty="0"/>
               <a:t>8 sec</a:t>
             </a:r>
+          </a:p>
+          <a:p>
+            <a:r>
+              <a:rPr lang="en-US" altLang="ko-KR" sz="2400" dirty="0"/>
+              <a:t>Retry 4</a:t>
+            </a:r>
+            <a:r>
+              <a:rPr lang="en-US" altLang="ko-KR" sz="2000" dirty="0"/>
+              <a:t> </a:t>
+            </a:r>
+            <a:r>
+              <a:rPr lang="en-US" altLang="ko-KR" dirty="0">
+                <a:solidFill>
+                  <a:schemeClr val="tx1">
+                    <a:lumMod val="50000"/>
+                    <a:lumOff val="50000"/>
+                  </a:schemeClr>
+                </a:solidFill>
+                <a:sym typeface="Wingdings" panose="05000000000000000000" pitchFamily="2" charset="2"/>
+              </a:rPr>
+              <a:t></a:t>
+            </a:r>
+            <a:r>
+              <a:rPr lang="en-US" altLang="ko-KR" sz="2000" dirty="0">
+                <a:sym typeface="Wingdings" panose="05000000000000000000" pitchFamily="2" charset="2"/>
+              </a:rPr>
+              <a:t> </a:t>
+            </a:r>
+            <a:r>
+              <a:rPr lang="en-US" altLang="ko-KR" sz="2400" dirty="0">
+                <a:sym typeface="Wingdings" panose="05000000000000000000" pitchFamily="2" charset="2"/>
+              </a:rPr>
+              <a:t>16</a:t>
+            </a:r>
+            <a:r>
+              <a:rPr lang="en-US" altLang="ko-KR" sz="2400" dirty="0"/>
+              <a:t> sec</a:t>
+            </a:r>
+          </a:p>
+          <a:p>
+            <a:endParaRPr lang="en-US" altLang="ko-KR" sz="2400" dirty="0"/>
           </a:p>
         </p:txBody>
       </p:sp>

--- a/99.ppt/[Ch4-8. 결제 서비스 기능확장.pptx
+++ b/99.ppt/[Ch4-8. 결제 서비스 기능확장.pptx
@@ -684,7 +684,7 @@
             </a:r>
             <a:r>
               <a:rPr lang="ko-KR" altLang="en-US" dirty="0"/>
-              <a:t>주문이력 조회성능 개선방안을 마련해 보겠습니다</a:t>
+              <a:t>주문이력 조회성능 개선방안을 검토해 보겠습니다</a:t>
             </a:r>
             <a:r>
               <a:rPr lang="en-US" altLang="ko-KR" dirty="0"/>
@@ -1541,67 +1541,68 @@
             </a:r>
             <a:r>
               <a:rPr lang="en-US" altLang="ko-KR" dirty="0"/>
+              <a:t>,</a:t>
+            </a:r>
+          </a:p>
+          <a:p>
+            <a:r>
+              <a:rPr lang="ko-KR" altLang="en-US" dirty="0"/>
+              <a:t>주문이력은 분석지표나 마케팅 수단으로서 다양한 응용가치를 갖기 때문에</a:t>
+            </a:r>
+            <a:r>
+              <a:rPr lang="en-US" altLang="ko-KR" dirty="0"/>
+              <a:t>,</a:t>
+            </a:r>
+          </a:p>
+          <a:p>
+            <a:r>
+              <a:rPr lang="ko-KR" altLang="en-US" dirty="0"/>
+              <a:t>하나의 주문이력 메시지를 연동시키고</a:t>
+            </a:r>
+            <a:r>
+              <a:rPr lang="en-US" altLang="ko-KR" dirty="0"/>
               <a:t>, </a:t>
             </a:r>
             <a:r>
               <a:rPr lang="ko-KR" altLang="en-US" dirty="0"/>
-              <a:t>주문이력 데이터는 분석지표나 마케팅 수단으로서 다양한 응용가치를 갖기 때문에</a:t>
-            </a:r>
-            <a:r>
-              <a:rPr lang="en-US" altLang="ko-KR" dirty="0"/>
-              <a:t>, </a:t>
-            </a:r>
-            <a:r>
-              <a:rPr lang="ko-KR" altLang="en-US" dirty="0"/>
-              <a:t>하나의 주문이력 메시지를 연동시키면</a:t>
-            </a:r>
-            <a:r>
-              <a:rPr lang="en-US" altLang="ko-KR" dirty="0"/>
-              <a:t>, </a:t>
-            </a:r>
-            <a:r>
-              <a:rPr lang="ko-KR" altLang="en-US" dirty="0"/>
-              <a:t>이력도 </a:t>
-            </a:r>
-            <a:r>
-              <a:rPr lang="en-US" altLang="ko-KR" dirty="0"/>
-              <a:t>Elasticsearch</a:t>
-            </a:r>
-            <a:r>
-              <a:rPr lang="ko-KR" altLang="en-US" dirty="0"/>
-              <a:t>에 저장하고 다양한 </a:t>
-            </a:r>
-            <a:r>
-              <a:rPr lang="en-US" altLang="ko-KR" dirty="0"/>
-              <a:t>consumer</a:t>
-            </a:r>
-            <a:r>
-              <a:rPr lang="ko-KR" altLang="en-US" dirty="0"/>
-              <a:t>를 붙여 기능을 확장할 수 있는 구조를 만들어 보고자 합니다</a:t>
-            </a:r>
-            <a:r>
-              <a:rPr lang="en-US" altLang="ko-KR" dirty="0"/>
-              <a:t>. </a:t>
-            </a:r>
-            <a:r>
-              <a:rPr lang="ko-KR" altLang="en-US" dirty="0"/>
-              <a:t>이런 처리를 위해 저희는 메시지 브로커로 </a:t>
-            </a:r>
-            <a:r>
-              <a:rPr lang="en-US" altLang="ko-KR" dirty="0"/>
-              <a:t>Rabbit MQ </a:t>
-            </a:r>
-            <a:r>
-              <a:rPr lang="ko-KR" altLang="en-US" dirty="0"/>
-              <a:t>대신 </a:t>
-            </a:r>
-            <a:r>
-              <a:rPr lang="en-US" altLang="ko-KR" dirty="0"/>
-              <a:t>Kafka </a:t>
-            </a:r>
-            <a:r>
-              <a:rPr lang="ko-KR" altLang="en-US" dirty="0"/>
-              <a:t>를 사용할 예정입니다</a:t>
+              <a:t>여기에 다양한 </a:t>
+            </a:r>
+            <a:r>
+              <a:rPr lang="en-US" altLang="ko-KR" dirty="0"/>
+              <a:t>consumer </a:t>
+            </a:r>
+            <a:r>
+              <a:rPr lang="ko-KR" altLang="en-US" dirty="0"/>
+              <a:t>를 붙여 나중에 기능을 쉽게 </a:t>
+            </a:r>
+            <a:r>
+              <a:rPr lang="ko-KR" altLang="en-US" dirty="0" err="1"/>
+              <a:t>확장시킬</a:t>
+            </a:r>
+            <a:r>
+              <a:rPr lang="ko-KR" altLang="en-US" dirty="0"/>
+              <a:t> 수 있는 구조로 만들어 보고자 합니다</a:t>
+            </a:r>
+            <a:r>
+              <a:rPr lang="en-US" altLang="ko-KR" dirty="0"/>
+              <a:t>.</a:t>
+            </a:r>
+          </a:p>
+          <a:p>
+            <a:endParaRPr lang="en-US" altLang="ko-KR" dirty="0"/>
+          </a:p>
+          <a:p>
+            <a:r>
+              <a:rPr lang="ko-KR" altLang="en-US" dirty="0"/>
+              <a:t>이런 처리를 위해 저희는 </a:t>
+            </a:r>
+            <a:r>
+              <a:rPr lang="en-US" altLang="ko-KR" dirty="0"/>
+              <a:t>Kafka</a:t>
+            </a:r>
+            <a:r>
+              <a:rPr lang="ko-KR" altLang="en-US" dirty="0"/>
+              <a:t> 를 메시지 브로커로 사용할 예정입니다</a:t>
             </a:r>
             <a:r>
               <a:rPr lang="en-US" altLang="ko-KR" dirty="0"/>
@@ -1864,7 +1865,7 @@
           <a:p>
             <a:r>
               <a:rPr lang="ko-KR" altLang="en-US" dirty="0"/>
-              <a:t>알아보기 어려워 수정이 어렵고</a:t>
+              <a:t>알아보기 어려워 분석이 어렵고</a:t>
             </a:r>
             <a:r>
               <a:rPr lang="en-US" altLang="ko-KR" dirty="0"/>
@@ -1872,15 +1873,27 @@
             </a:r>
             <a:r>
               <a:rPr lang="ko-KR" altLang="en-US" dirty="0"/>
-              <a:t>없는 줄 알고 비슷한 걸 계속 만들어서 중복이 많았고</a:t>
+              <a:t>없는 줄 알고 비슷한 걸 계속 </a:t>
+            </a:r>
+            <a:r>
+              <a:rPr lang="ko-KR" altLang="en-US" dirty="0" err="1"/>
+              <a:t>만들다보니</a:t>
+            </a:r>
+            <a:r>
+              <a:rPr lang="ko-KR" altLang="en-US" dirty="0"/>
+              <a:t> 중복이 많아졌고</a:t>
             </a:r>
             <a:r>
               <a:rPr lang="en-US" altLang="ko-KR" dirty="0"/>
               <a:t>, </a:t>
             </a:r>
             <a:r>
+              <a:rPr lang="ko-KR" altLang="en-US" dirty="0"/>
+              <a:t>중복이 </a:t>
+            </a:r>
+            <a:r>
               <a:rPr lang="ko-KR" altLang="en-US" dirty="0" err="1"/>
-              <a:t>이러다보니</a:t>
+              <a:t>많다보니</a:t>
             </a:r>
             <a:r>
               <a:rPr lang="ko-KR" altLang="en-US" dirty="0"/>
@@ -1900,7 +1913,7 @@
             </a:r>
             <a:r>
               <a:rPr lang="ko-KR" altLang="en-US" dirty="0"/>
-              <a:t>만든 사람이 모두 </a:t>
+              <a:t>신규 기능마다 처리 방식이 </a:t>
             </a:r>
             <a:r>
               <a:rPr lang="ko-KR" altLang="en-US" dirty="0" err="1"/>
@@ -1908,7 +1921,7 @@
             </a:r>
             <a:r>
               <a:rPr lang="ko-KR" altLang="en-US" dirty="0"/>
-              <a:t> 처리 방식에 일관성도 결여되고</a:t>
+              <a:t> 일관성이 결여되고</a:t>
             </a:r>
             <a:r>
               <a:rPr lang="en-US" altLang="ko-KR" dirty="0"/>
@@ -1916,11 +1929,11 @@
             </a:r>
             <a:r>
               <a:rPr lang="ko-KR" altLang="en-US" dirty="0"/>
-              <a:t>무엇보다도 이런 악순환이 계속 반복되고 있었습니다</a:t>
-            </a:r>
-            <a:r>
-              <a:rPr lang="en-US" altLang="ko-KR" dirty="0"/>
-              <a:t>.</a:t>
+              <a:t>이런 악순환이 계속 반복되고</a:t>
+            </a:r>
+            <a:r>
+              <a:rPr lang="en-US" altLang="ko-KR" dirty="0"/>
+              <a:t>..</a:t>
             </a:r>
           </a:p>
           <a:p>
@@ -2145,11 +2158,13 @@
             </a:r>
             <a:r>
               <a:rPr lang="en-US" altLang="ko-KR" dirty="0"/>
-              <a:t>. </a:t>
-            </a:r>
-            <a:r>
-              <a:rPr lang="ko-KR" altLang="en-US" dirty="0"/>
-              <a:t>그리고</a:t>
+              <a:t>.</a:t>
+            </a:r>
+          </a:p>
+          <a:p>
+            <a:r>
+              <a:rPr lang="ko-KR" altLang="en-US" dirty="0"/>
+              <a:t>큐의 메세지는 메모리로 구현되기 때문에</a:t>
             </a:r>
             <a:r>
               <a:rPr lang="en-US" altLang="ko-KR" dirty="0"/>
@@ -2157,15 +2172,7 @@
             </a:r>
             <a:r>
               <a:rPr lang="ko-KR" altLang="en-US" dirty="0"/>
-              <a:t>다음 메세지를 다시 </a:t>
-            </a:r>
-            <a:r>
-              <a:rPr lang="ko-KR" altLang="en-US" dirty="0" err="1"/>
-              <a:t>컨슈머에게</a:t>
-            </a:r>
-            <a:r>
-              <a:rPr lang="ko-KR" altLang="en-US" dirty="0"/>
-              <a:t> 전달합니다</a:t>
+              <a:t>리소스를 아끼기 위해 처리 완료된 메세지를 삭제하는 것은 너무 자연스러운 동작입니다</a:t>
             </a:r>
             <a:r>
               <a:rPr lang="en-US" altLang="ko-KR" dirty="0"/>
@@ -2275,7 +2282,151 @@
             </a:r>
             <a:r>
               <a:rPr lang="ko-KR" altLang="en-US" dirty="0"/>
-              <a:t>하나의 </a:t>
+              <a:t>하나가 아닌 다양한 </a:t>
+            </a:r>
+            <a:r>
+              <a:rPr lang="ko-KR" altLang="en-US" dirty="0" err="1"/>
+              <a:t>컨슈머를</a:t>
+            </a:r>
+            <a:r>
+              <a:rPr lang="ko-KR" altLang="en-US" dirty="0"/>
+              <a:t> 붙이고 싶었던 거죠</a:t>
+            </a:r>
+            <a:r>
+              <a:rPr lang="en-US" altLang="ko-KR" dirty="0"/>
+              <a:t>.</a:t>
+            </a:r>
+          </a:p>
+          <a:p>
+            <a:endParaRPr lang="en-US" altLang="ko-KR" dirty="0"/>
+          </a:p>
+          <a:p>
+            <a:r>
+              <a:rPr lang="ko-KR" altLang="en-US" dirty="0"/>
+              <a:t>저희는 결제내역을 </a:t>
+            </a:r>
+            <a:r>
+              <a:rPr lang="en-US" altLang="ko-KR" dirty="0"/>
+              <a:t>Elasticsearch </a:t>
+            </a:r>
+            <a:r>
+              <a:rPr lang="ko-KR" altLang="en-US" dirty="0"/>
+              <a:t>에 저장하는 </a:t>
+            </a:r>
+            <a:r>
+              <a:rPr lang="ko-KR" altLang="en-US" dirty="0" err="1"/>
+              <a:t>컨슈머를</a:t>
+            </a:r>
+            <a:r>
+              <a:rPr lang="ko-KR" altLang="en-US" dirty="0"/>
+              <a:t> </a:t>
+            </a:r>
+            <a:r>
+              <a:rPr lang="ko-KR" altLang="en-US" dirty="0" err="1"/>
+              <a:t>만들건데</a:t>
+            </a:r>
+            <a:r>
+              <a:rPr lang="en-US" altLang="ko-KR" dirty="0"/>
+              <a:t>,</a:t>
+            </a:r>
+          </a:p>
+          <a:p>
+            <a:r>
+              <a:rPr lang="ko-KR" altLang="en-US" dirty="0"/>
+              <a:t>비단 이 뿐만 아니라</a:t>
+            </a:r>
+            <a:r>
+              <a:rPr lang="en-US" altLang="ko-KR" dirty="0"/>
+              <a:t>, </a:t>
+            </a:r>
+            <a:r>
+              <a:rPr lang="ko-KR" altLang="en-US" dirty="0"/>
+              <a:t>사용자가 월별로 얼마를 소비했는지 집계하는 </a:t>
+            </a:r>
+            <a:r>
+              <a:rPr lang="ko-KR" altLang="en-US" dirty="0" err="1"/>
+              <a:t>컨슈머도</a:t>
+            </a:r>
+            <a:r>
+              <a:rPr lang="ko-KR" altLang="en-US" dirty="0"/>
+              <a:t> 만들고</a:t>
+            </a:r>
+            <a:r>
+              <a:rPr lang="en-US" altLang="ko-KR" dirty="0"/>
+              <a:t>,</a:t>
+            </a:r>
+          </a:p>
+          <a:p>
+            <a:r>
+              <a:rPr lang="ko-KR" altLang="en-US" dirty="0"/>
+              <a:t>최초 구매 고객에게 포인트를 지급하는 마케팅 </a:t>
+            </a:r>
+            <a:r>
+              <a:rPr lang="ko-KR" altLang="en-US" dirty="0" err="1"/>
+              <a:t>컨슈머도</a:t>
+            </a:r>
+            <a:r>
+              <a:rPr lang="ko-KR" altLang="en-US" dirty="0"/>
+              <a:t> 붙이고</a:t>
+            </a:r>
+            <a:endParaRPr lang="en-US" altLang="ko-KR" dirty="0"/>
+          </a:p>
+          <a:p>
+            <a:endParaRPr lang="en-US" altLang="ko-KR" dirty="0"/>
+          </a:p>
+          <a:p>
+            <a:r>
+              <a:rPr lang="ko-KR" altLang="en-US" dirty="0"/>
+              <a:t>이런 식으로 </a:t>
+            </a:r>
+            <a:r>
+              <a:rPr lang="ko-KR" altLang="en-US" dirty="0" err="1"/>
+              <a:t>컨슈머를</a:t>
+            </a:r>
+            <a:r>
+              <a:rPr lang="ko-KR" altLang="en-US" dirty="0"/>
+              <a:t> 다양하게 붙이고 </a:t>
+            </a:r>
+            <a:r>
+              <a:rPr lang="ko-KR" altLang="en-US" dirty="0" err="1"/>
+              <a:t>싶은거죠</a:t>
+            </a:r>
+            <a:r>
+              <a:rPr lang="en-US" altLang="ko-KR" dirty="0"/>
+              <a:t>.</a:t>
+            </a:r>
+          </a:p>
+          <a:p>
+            <a:endParaRPr lang="en-US" altLang="ko-KR" dirty="0"/>
+          </a:p>
+          <a:p>
+            <a:r>
+              <a:rPr lang="ko-KR" altLang="en-US" dirty="0"/>
+              <a:t>하지만 </a:t>
+            </a:r>
+            <a:r>
+              <a:rPr lang="en-US" altLang="ko-KR" dirty="0"/>
+              <a:t>MQ</a:t>
+            </a:r>
+            <a:r>
+              <a:rPr lang="ko-KR" altLang="en-US" dirty="0"/>
+              <a:t>는 메시지를 </a:t>
+            </a:r>
+            <a:r>
+              <a:rPr lang="ko-KR" altLang="en-US" dirty="0" err="1"/>
+              <a:t>컨슈머에</a:t>
+            </a:r>
+            <a:r>
+              <a:rPr lang="ko-KR" altLang="en-US" dirty="0"/>
+              <a:t> 전달하는 즉시 삭제하기 때문에</a:t>
+            </a:r>
+            <a:r>
+              <a:rPr lang="en-US" altLang="ko-KR" dirty="0"/>
+              <a:t>, </a:t>
+            </a:r>
+            <a:r>
+              <a:rPr lang="ko-KR" altLang="en-US" dirty="0"/>
+              <a:t>동일한 메시지를 여러 </a:t>
             </a:r>
             <a:r>
               <a:rPr lang="ko-KR" altLang="en-US" dirty="0" err="1"/>
@@ -2283,15 +2434,44 @@
             </a:r>
             <a:r>
               <a:rPr lang="ko-KR" altLang="en-US" dirty="0"/>
-              <a:t> 아닌</a:t>
-            </a:r>
-            <a:r>
-              <a:rPr lang="en-US" altLang="ko-KR" dirty="0"/>
-              <a:t>, </a:t>
-            </a:r>
-            <a:r>
-              <a:rPr lang="ko-KR" altLang="en-US" dirty="0"/>
-              <a:t>다양한 </a:t>
+              <a:t> 소비할 수 없습니다</a:t>
+            </a:r>
+            <a:r>
+              <a:rPr lang="en-US" altLang="ko-KR" dirty="0"/>
+              <a:t>.</a:t>
+            </a:r>
+          </a:p>
+          <a:p>
+            <a:endParaRPr lang="en-US" altLang="ko-KR" dirty="0"/>
+          </a:p>
+          <a:p>
+            <a:r>
+              <a:rPr lang="ko-KR" altLang="en-US" dirty="0"/>
+              <a:t>물론</a:t>
+            </a:r>
+            <a:r>
+              <a:rPr lang="en-US" altLang="ko-KR" dirty="0"/>
+              <a:t>, MQ </a:t>
+            </a:r>
+            <a:r>
+              <a:rPr lang="ko-KR" altLang="en-US" dirty="0"/>
+              <a:t>에서도 </a:t>
+            </a:r>
+            <a:r>
+              <a:rPr lang="en-US" altLang="ko-KR" dirty="0"/>
+              <a:t>fanout </a:t>
+            </a:r>
+            <a:r>
+              <a:rPr lang="ko-KR" altLang="en-US" dirty="0"/>
+              <a:t>기반의 </a:t>
+            </a:r>
+            <a:r>
+              <a:rPr lang="en-US" altLang="ko-KR" dirty="0"/>
+              <a:t>pub/sub </a:t>
+            </a:r>
+            <a:r>
+              <a:rPr lang="ko-KR" altLang="en-US" dirty="0"/>
+              <a:t>모델을 제공해 여러 개의 </a:t>
             </a:r>
             <a:r>
               <a:rPr lang="ko-KR" altLang="en-US" dirty="0" err="1"/>
@@ -2299,50 +2479,39 @@
             </a:r>
             <a:r>
               <a:rPr lang="ko-KR" altLang="en-US" dirty="0"/>
-              <a:t> 필요할 때 붙이고 싶었던 거죠</a:t>
-            </a:r>
-            <a:r>
-              <a:rPr lang="en-US" altLang="ko-KR" dirty="0"/>
-              <a:t>.</a:t>
-            </a:r>
-          </a:p>
-          <a:p>
-            <a:endParaRPr lang="en-US" altLang="ko-KR" dirty="0"/>
-          </a:p>
-          <a:p>
-            <a:r>
-              <a:rPr lang="ko-KR" altLang="en-US" dirty="0"/>
-              <a:t>저희는 결제내역을 </a:t>
-            </a:r>
-            <a:r>
-              <a:rPr lang="en-US" altLang="ko-KR" dirty="0"/>
-              <a:t>Elasticsearch </a:t>
-            </a:r>
-            <a:r>
-              <a:rPr lang="ko-KR" altLang="en-US" dirty="0"/>
-              <a:t>에 저장하는 </a:t>
-            </a:r>
-            <a:r>
-              <a:rPr lang="ko-KR" altLang="en-US" dirty="0" err="1"/>
-              <a:t>컨슈머를</a:t>
-            </a:r>
-            <a:r>
-              <a:rPr lang="ko-KR" altLang="en-US" dirty="0"/>
-              <a:t> </a:t>
-            </a:r>
-            <a:r>
-              <a:rPr lang="ko-KR" altLang="en-US" dirty="0" err="1"/>
-              <a:t>만들건데</a:t>
-            </a:r>
-            <a:r>
-              <a:rPr lang="en-US" altLang="ko-KR" dirty="0"/>
-              <a:t>,</a:t>
-            </a:r>
-          </a:p>
-          <a:p>
-            <a:r>
-              <a:rPr lang="ko-KR" altLang="en-US" dirty="0"/>
-              <a:t>비단 이 뿐만 아니라</a:t>
+              <a:t> 운영할 수 있습니다</a:t>
+            </a:r>
+            <a:r>
+              <a:rPr lang="en-US" altLang="ko-KR" dirty="0"/>
+              <a:t>. </a:t>
+            </a:r>
+            <a:r>
+              <a:rPr lang="ko-KR" altLang="en-US" dirty="0"/>
+              <a:t>하지만 이런 동작은 </a:t>
+            </a:r>
+            <a:r>
+              <a:rPr lang="en-US" altLang="ko-KR" dirty="0"/>
+              <a:t>consumer</a:t>
+            </a:r>
+            <a:r>
+              <a:rPr lang="ko-KR" altLang="en-US" dirty="0"/>
+              <a:t> 개수만큼 큐가 필요합니다</a:t>
+            </a:r>
+            <a:r>
+              <a:rPr lang="en-US" altLang="ko-KR" dirty="0"/>
+              <a:t>. consumer </a:t>
+            </a:r>
+            <a:r>
+              <a:rPr lang="ko-KR" altLang="en-US" dirty="0"/>
+              <a:t>와 </a:t>
+            </a:r>
+            <a:r>
+              <a:rPr lang="en-US" altLang="ko-KR" dirty="0"/>
+              <a:t>queue </a:t>
+            </a:r>
+            <a:r>
+              <a:rPr lang="ko-KR" altLang="en-US" dirty="0"/>
+              <a:t>가 쌍으로 묶여 있어</a:t>
             </a:r>
             <a:r>
               <a:rPr lang="en-US" altLang="ko-KR" dirty="0"/>
@@ -2350,185 +2519,7 @@
             </a:r>
             <a:r>
               <a:rPr lang="ko-KR" altLang="en-US" dirty="0"/>
-              <a:t>사용자가 월별로 얼마를 소비했는지 집계하는 </a:t>
-            </a:r>
-            <a:r>
-              <a:rPr lang="ko-KR" altLang="en-US" dirty="0" err="1"/>
-              <a:t>컨슈머도</a:t>
-            </a:r>
-            <a:r>
-              <a:rPr lang="ko-KR" altLang="en-US" dirty="0"/>
-              <a:t> 만들고</a:t>
-            </a:r>
-            <a:r>
-              <a:rPr lang="en-US" altLang="ko-KR" dirty="0"/>
-              <a:t>,</a:t>
-            </a:r>
-          </a:p>
-          <a:p>
-            <a:r>
-              <a:rPr lang="ko-KR" altLang="en-US" dirty="0"/>
-              <a:t>최초 구매 고객에게 포인트를 지급하는 마케팅 </a:t>
-            </a:r>
-            <a:r>
-              <a:rPr lang="ko-KR" altLang="en-US" dirty="0" err="1"/>
-              <a:t>컨슈머도</a:t>
-            </a:r>
-            <a:r>
-              <a:rPr lang="ko-KR" altLang="en-US" dirty="0"/>
-              <a:t> 붙이고</a:t>
-            </a:r>
-            <a:endParaRPr lang="en-US" altLang="ko-KR" dirty="0"/>
-          </a:p>
-          <a:p>
-            <a:endParaRPr lang="en-US" altLang="ko-KR" dirty="0"/>
-          </a:p>
-          <a:p>
-            <a:r>
-              <a:rPr lang="ko-KR" altLang="en-US" dirty="0"/>
-              <a:t>이런 식으로 </a:t>
-            </a:r>
-            <a:r>
-              <a:rPr lang="ko-KR" altLang="en-US" dirty="0" err="1"/>
-              <a:t>컨슈머를</a:t>
-            </a:r>
-            <a:r>
-              <a:rPr lang="ko-KR" altLang="en-US" dirty="0"/>
-              <a:t> 다양하게 붙이고 </a:t>
-            </a:r>
-            <a:r>
-              <a:rPr lang="ko-KR" altLang="en-US" dirty="0" err="1"/>
-              <a:t>싶은거죠</a:t>
-            </a:r>
-            <a:r>
-              <a:rPr lang="en-US" altLang="ko-KR" dirty="0"/>
-              <a:t>.</a:t>
-            </a:r>
-          </a:p>
-          <a:p>
-            <a:endParaRPr lang="en-US" altLang="ko-KR" dirty="0"/>
-          </a:p>
-          <a:p>
-            <a:r>
-              <a:rPr lang="ko-KR" altLang="en-US" dirty="0"/>
-              <a:t>하지만 </a:t>
-            </a:r>
-            <a:r>
-              <a:rPr lang="en-US" altLang="ko-KR" dirty="0"/>
-              <a:t>MQ</a:t>
-            </a:r>
-            <a:r>
-              <a:rPr lang="ko-KR" altLang="en-US" dirty="0"/>
-              <a:t>는 메시지를 </a:t>
-            </a:r>
-            <a:r>
-              <a:rPr lang="ko-KR" altLang="en-US" dirty="0" err="1"/>
-              <a:t>컨슈머에</a:t>
-            </a:r>
-            <a:r>
-              <a:rPr lang="ko-KR" altLang="en-US" dirty="0"/>
-              <a:t> 전달하는 즉시 삭제하기 때문에</a:t>
-            </a:r>
-            <a:r>
-              <a:rPr lang="en-US" altLang="ko-KR" dirty="0"/>
-              <a:t>, </a:t>
-            </a:r>
-            <a:r>
-              <a:rPr lang="ko-KR" altLang="en-US" dirty="0"/>
-              <a:t>동일한 메시지를 여러 </a:t>
-            </a:r>
-            <a:r>
-              <a:rPr lang="ko-KR" altLang="en-US" dirty="0" err="1"/>
-              <a:t>컨슈머가</a:t>
-            </a:r>
-            <a:r>
-              <a:rPr lang="ko-KR" altLang="en-US" dirty="0"/>
-              <a:t> 소비할 수 없습니다</a:t>
-            </a:r>
-            <a:r>
-              <a:rPr lang="en-US" altLang="ko-KR" dirty="0"/>
-              <a:t>.</a:t>
-            </a:r>
-          </a:p>
-          <a:p>
-            <a:endParaRPr lang="en-US" altLang="ko-KR" dirty="0"/>
-          </a:p>
-          <a:p>
-            <a:r>
-              <a:rPr lang="ko-KR" altLang="en-US" dirty="0"/>
-              <a:t>물론</a:t>
-            </a:r>
-            <a:r>
-              <a:rPr lang="en-US" altLang="ko-KR" dirty="0"/>
-              <a:t>, MQ </a:t>
-            </a:r>
-            <a:r>
-              <a:rPr lang="ko-KR" altLang="en-US" dirty="0"/>
-              <a:t>에서도 </a:t>
-            </a:r>
-            <a:r>
-              <a:rPr lang="en-US" altLang="ko-KR" dirty="0"/>
-              <a:t>fanout </a:t>
-            </a:r>
-            <a:r>
-              <a:rPr lang="ko-KR" altLang="en-US" dirty="0"/>
-              <a:t>기반의 </a:t>
-            </a:r>
-            <a:r>
-              <a:rPr lang="en-US" altLang="ko-KR" dirty="0"/>
-              <a:t>pub/sub </a:t>
-            </a:r>
-            <a:r>
-              <a:rPr lang="ko-KR" altLang="en-US" dirty="0"/>
-              <a:t>모델을 제공해 여러 개의 </a:t>
-            </a:r>
-            <a:r>
-              <a:rPr lang="ko-KR" altLang="en-US" dirty="0" err="1"/>
-              <a:t>컨슈머를</a:t>
-            </a:r>
-            <a:r>
-              <a:rPr lang="ko-KR" altLang="en-US" dirty="0"/>
-              <a:t> 운영할 수 있습니다</a:t>
-            </a:r>
-            <a:r>
-              <a:rPr lang="en-US" altLang="ko-KR" dirty="0"/>
-              <a:t>. </a:t>
-            </a:r>
-            <a:r>
-              <a:rPr lang="ko-KR" altLang="en-US" dirty="0"/>
-              <a:t>다만 이를 위해서는 </a:t>
-            </a:r>
-            <a:r>
-              <a:rPr lang="en-US" altLang="ko-KR" dirty="0"/>
-              <a:t>consumer</a:t>
-            </a:r>
-            <a:r>
-              <a:rPr lang="ko-KR" altLang="en-US" dirty="0"/>
-              <a:t> 개수만큼 큐를 운영해야 하는데</a:t>
-            </a:r>
-            <a:r>
-              <a:rPr lang="en-US" altLang="ko-KR" dirty="0"/>
-              <a:t>, consumer </a:t>
-            </a:r>
-            <a:r>
-              <a:rPr lang="ko-KR" altLang="en-US" dirty="0"/>
-              <a:t>와 </a:t>
-            </a:r>
-            <a:r>
-              <a:rPr lang="en-US" altLang="ko-KR" dirty="0"/>
-              <a:t>queue </a:t>
-            </a:r>
-            <a:r>
-              <a:rPr lang="ko-KR" altLang="en-US" dirty="0"/>
-              <a:t>가 쌍으로 묶여 있어</a:t>
-            </a:r>
-            <a:r>
-              <a:rPr lang="en-US" altLang="ko-KR" dirty="0"/>
-              <a:t>, </a:t>
-            </a:r>
-            <a:r>
-              <a:rPr lang="ko-KR" altLang="en-US" dirty="0"/>
-              <a:t>데이터 발행과 소비를 독립적으로 운영하기가 여전히 어려운 구조입니다</a:t>
+              <a:t>데이터 발행과 소비가 독립적으로 운영되기 어려운 구조입니다</a:t>
             </a:r>
             <a:r>
               <a:rPr lang="en-US" altLang="ko-KR" dirty="0"/>
@@ -2995,27 +2986,11 @@
           <a:p>
             <a:r>
               <a:rPr lang="ko-KR" altLang="en-US" dirty="0"/>
-              <a:t>카프카는 </a:t>
-            </a:r>
-            <a:r>
-              <a:rPr lang="en-US" altLang="ko-KR" dirty="0"/>
-              <a:t>queue </a:t>
-            </a:r>
-            <a:r>
-              <a:rPr lang="ko-KR" altLang="en-US" dirty="0"/>
-              <a:t>대신 </a:t>
-            </a:r>
-            <a:r>
-              <a:rPr lang="en-US" altLang="ko-KR" dirty="0"/>
-              <a:t>topic </a:t>
-            </a:r>
-            <a:r>
-              <a:rPr lang="ko-KR" altLang="en-US" dirty="0"/>
-              <a:t>을 제공하며</a:t>
-            </a:r>
-            <a:r>
-              <a:rPr lang="en-US" altLang="ko-KR" dirty="0"/>
-              <a:t>, 1</a:t>
+              <a:t>카프카에서 </a:t>
+            </a:r>
+            <a:r>
+              <a:rPr lang="en-US" altLang="ko-KR" dirty="0"/>
+              <a:t>1</a:t>
             </a:r>
             <a:r>
               <a:rPr lang="ko-KR" altLang="en-US" dirty="0"/>
@@ -3097,7 +3072,7 @@
             </a:r>
             <a:r>
               <a:rPr lang="ko-KR" altLang="en-US" dirty="0"/>
-              <a:t> 하나의 메시지를 읽어갈 수 있습니다</a:t>
+              <a:t> 동일한 메시지를 읽어갈 수 있습니다</a:t>
             </a:r>
             <a:r>
               <a:rPr lang="en-US" altLang="ko-KR" dirty="0"/>
@@ -3118,7 +3093,15 @@
             </a:r>
             <a:r>
               <a:rPr lang="ko-KR" altLang="en-US" dirty="0"/>
-              <a:t> 연결하여 처리속도를 향상하는 것도 가능합니다</a:t>
+              <a:t> </a:t>
+            </a:r>
+            <a:r>
+              <a:rPr lang="ko-KR" altLang="en-US" dirty="0" err="1"/>
+              <a:t>븉여</a:t>
+            </a:r>
+            <a:r>
+              <a:rPr lang="ko-KR" altLang="en-US" dirty="0"/>
+              <a:t> 처리속도를 향상하는 것도 가능합니다</a:t>
             </a:r>
             <a:r>
               <a:rPr lang="en-US" altLang="ko-KR" dirty="0"/>
@@ -3380,7 +3363,7 @@
           <a:p>
             <a:r>
               <a:rPr lang="ko-KR" altLang="en-US" dirty="0"/>
-              <a:t>카프카 클러스터가 데이터 유실을 방어하는 동작을 조금 더 자세히 살펴보겠습니다</a:t>
+              <a:t>카프카 클러스터가 데이터 유실을 방어하는 동작을 좀 더 자세히 살펴보겠습니다</a:t>
             </a:r>
             <a:r>
               <a:rPr lang="en-US" altLang="ko-KR" dirty="0"/>
@@ -3905,14 +3888,6 @@
           <a:p>
             <a:r>
               <a:rPr lang="ko-KR" altLang="en-US" dirty="0"/>
-              <a:t>그런데</a:t>
-            </a:r>
-            <a:r>
-              <a:rPr lang="en-US" altLang="ko-KR" dirty="0"/>
-              <a:t>, </a:t>
-            </a:r>
-            <a:r>
-              <a:rPr lang="ko-KR" altLang="en-US" dirty="0"/>
               <a:t>이런 복잡한 동작을 처리하기 위해서는</a:t>
             </a:r>
             <a:r>
@@ -3979,7 +3954,7 @@
             </a:r>
             <a:r>
               <a:rPr lang="ko-KR" altLang="en-US" dirty="0"/>
-              <a:t>카프카 클러스터는 </a:t>
+              <a:t>카프카 에코시스템에서는 </a:t>
             </a:r>
             <a:r>
               <a:rPr lang="en-US" altLang="ko-KR" dirty="0"/>
@@ -3987,7 +3962,7 @@
             </a:r>
             <a:r>
               <a:rPr lang="ko-KR" altLang="en-US" dirty="0"/>
-              <a:t>로 이를 수행합니다</a:t>
+              <a:t>가 이를 수행합니다</a:t>
             </a:r>
             <a:r>
               <a:rPr lang="en-US" altLang="ko-KR" dirty="0"/>
@@ -4125,6 +4100,23 @@
           <a:bodyPr/>
           <a:lstStyle/>
           <a:p>
+            <a:pPr marL="0" marR="0" lvl="0" indent="0" algn="l" defTabSz="685800" rtl="0" eaLnBrk="1" fontAlgn="auto" latinLnBrk="1" hangingPunct="1">
+              <a:lnSpc>
+                <a:spcPct val="100000"/>
+              </a:lnSpc>
+              <a:spcBef>
+                <a:spcPts val="0"/>
+              </a:spcBef>
+              <a:spcAft>
+                <a:spcPts val="0"/>
+              </a:spcAft>
+              <a:buClrTx/>
+              <a:buSzTx/>
+              <a:buFontTx/>
+              <a:buNone/>
+              <a:tabLst/>
+              <a:defRPr/>
+            </a:pPr>
             <a:r>
               <a:rPr lang="en-US" altLang="ko-KR" dirty="0"/>
               <a:t>SDLC, </a:t>
@@ -4139,7 +4131,23 @@
             </a:r>
             <a:r>
               <a:rPr lang="ko-KR" altLang="en-US" dirty="0"/>
-              <a:t>또는 소프트웨어 생명주기는 시스템이 개발될 때부터 운용과 유지보수를 거쳐 생애를 마칠 때 까지의 일련의 순서를 체계화한 절차를 말합니다</a:t>
+              <a:t>또는 소프트웨어 생명주기는 시스템이 개발될 때부터 운용과 유지보수를 거쳐 생애를 마칠 때 까지의 일련의 순서를 체계화한 절차로</a:t>
+            </a:r>
+            <a:r>
+              <a:rPr lang="en-US" altLang="ko-KR" dirty="0"/>
+              <a:t>,</a:t>
+            </a:r>
+            <a:r>
+              <a:rPr lang="ko-KR" altLang="en-US" dirty="0"/>
+              <a:t> </a:t>
+            </a:r>
+            <a:r>
+              <a:rPr lang="en-US" altLang="ko-KR" dirty="0"/>
+              <a:t>ISO 12207 </a:t>
+            </a:r>
+            <a:r>
+              <a:rPr lang="ko-KR" altLang="en-US" dirty="0"/>
+              <a:t>표준으로도 정의되어 있습니다</a:t>
             </a:r>
             <a:r>
               <a:rPr lang="en-US" altLang="ko-KR" dirty="0"/>
@@ -4147,6 +4155,23 @@
             </a:r>
           </a:p>
           <a:p>
+            <a:pPr marL="0" marR="0" lvl="0" indent="0" algn="l" defTabSz="685800" rtl="0" eaLnBrk="1" fontAlgn="auto" latinLnBrk="1" hangingPunct="1">
+              <a:lnSpc>
+                <a:spcPct val="100000"/>
+              </a:lnSpc>
+              <a:spcBef>
+                <a:spcPts val="0"/>
+              </a:spcBef>
+              <a:spcAft>
+                <a:spcPts val="0"/>
+              </a:spcAft>
+              <a:buClrTx/>
+              <a:buSzTx/>
+              <a:buFontTx/>
+              <a:buNone/>
+              <a:tabLst/>
+              <a:defRPr/>
+            </a:pPr>
             <a:endParaRPr lang="en-US" altLang="ko-KR" dirty="0"/>
           </a:p>
           <a:p>
@@ -4266,11 +4291,35 @@
           <a:p>
             <a:r>
               <a:rPr lang="ko-KR" altLang="en-US" dirty="0"/>
-              <a:t>개발부서는 요건을 분석하고</a:t>
-            </a:r>
-            <a:r>
-              <a:rPr lang="en-US" altLang="ko-KR" dirty="0"/>
-              <a:t>, </a:t>
+              <a:t>개발부서는 </a:t>
+            </a:r>
+            <a:r>
+              <a:rPr lang="en-US" altLang="ko-KR" dirty="0"/>
+              <a:t>(2</a:t>
+            </a:r>
+            <a:r>
+              <a:rPr lang="ko-KR" altLang="en-US" dirty="0"/>
+              <a:t>번</a:t>
+            </a:r>
+            <a:r>
+              <a:rPr lang="en-US" altLang="ko-KR" dirty="0"/>
+              <a:t>) </a:t>
+            </a:r>
+            <a:r>
+              <a:rPr lang="ko-KR" altLang="en-US" dirty="0"/>
+              <a:t>요건을 분석하고</a:t>
+            </a:r>
+            <a:r>
+              <a:rPr lang="en-US" altLang="ko-KR" dirty="0"/>
+              <a:t>, (3</a:t>
+            </a:r>
+            <a:r>
+              <a:rPr lang="ko-KR" altLang="en-US" dirty="0"/>
+              <a:t>번</a:t>
+            </a:r>
+            <a:r>
+              <a:rPr lang="en-US" altLang="ko-KR" dirty="0"/>
+              <a:t>) </a:t>
             </a:r>
             <a:r>
               <a:rPr lang="ko-KR" altLang="en-US" dirty="0"/>
@@ -4278,7 +4327,15 @@
             </a:r>
             <a:r>
               <a:rPr lang="en-US" altLang="ko-KR" dirty="0"/>
-              <a:t>, </a:t>
+              <a:t>, (4</a:t>
+            </a:r>
+            <a:r>
+              <a:rPr lang="ko-KR" altLang="en-US" dirty="0"/>
+              <a:t>번</a:t>
+            </a:r>
+            <a:r>
+              <a:rPr lang="en-US" altLang="ko-KR" dirty="0"/>
+              <a:t>) </a:t>
             </a:r>
             <a:r>
               <a:rPr lang="ko-KR" altLang="en-US" dirty="0"/>
@@ -4286,11 +4343,35 @@
             </a:r>
             <a:r>
               <a:rPr lang="en-US" altLang="ko-KR" dirty="0"/>
-              <a:t>, </a:t>
-            </a:r>
-            <a:r>
-              <a:rPr lang="ko-KR" altLang="en-US" dirty="0"/>
-              <a:t>테스팅하고 배포하는 일련의 과정을 수행할 </a:t>
+              <a:t>, (5</a:t>
+            </a:r>
+            <a:r>
+              <a:rPr lang="ko-KR" altLang="en-US" dirty="0"/>
+              <a:t>번</a:t>
+            </a:r>
+            <a:r>
+              <a:rPr lang="en-US" altLang="ko-KR" dirty="0"/>
+              <a:t>) </a:t>
+            </a:r>
+            <a:r>
+              <a:rPr lang="ko-KR" altLang="en-US" dirty="0"/>
+              <a:t>테스팅하고 </a:t>
+            </a:r>
+            <a:r>
+              <a:rPr lang="en-US" altLang="ko-KR" dirty="0"/>
+              <a:t>(5</a:t>
+            </a:r>
+            <a:r>
+              <a:rPr lang="ko-KR" altLang="en-US" dirty="0"/>
+              <a:t>번</a:t>
+            </a:r>
+            <a:r>
+              <a:rPr lang="en-US" altLang="ko-KR" dirty="0"/>
+              <a:t>)</a:t>
+            </a:r>
+            <a:r>
+              <a:rPr lang="ko-KR" altLang="en-US" dirty="0"/>
+              <a:t> 배포하는 일련의 과정을 수행할 </a:t>
             </a:r>
             <a:r>
               <a:rPr lang="ko-KR" altLang="en-US" dirty="0" err="1"/>
@@ -4302,20 +4383,14 @@
             </a:r>
           </a:p>
           <a:p>
-            <a:endParaRPr lang="en-US" altLang="ko-KR" dirty="0"/>
-          </a:p>
-          <a:p>
-            <a:r>
-              <a:rPr lang="ko-KR" altLang="en-US" dirty="0"/>
-              <a:t>이런 작업은 소프트웨어가 더 이상 쓸모없어 질 때까지 계속 반복해서 일어납니다</a:t>
+            <a:r>
+              <a:rPr lang="ko-KR" altLang="en-US" dirty="0"/>
+              <a:t>이런 작업은 소프트웨어가 더 이상 쓸모없어 질 때까지 계속 반복됩니다</a:t>
             </a:r>
             <a:r>
               <a:rPr lang="en-US" altLang="ko-KR" dirty="0"/>
               <a:t>.</a:t>
             </a:r>
-          </a:p>
-          <a:p>
-            <a:endParaRPr lang="en-US" altLang="ko-KR" dirty="0"/>
           </a:p>
           <a:p>
             <a:endParaRPr lang="en-US" altLang="ko-KR" dirty="0"/>
@@ -4442,15 +4517,7 @@
           <a:p>
             <a:r>
               <a:rPr lang="ko-KR" altLang="en-US" dirty="0"/>
-              <a:t>이제 </a:t>
-            </a:r>
-            <a:r>
-              <a:rPr lang="en-US" altLang="ko-KR" dirty="0"/>
-              <a:t>Producer </a:t>
-            </a:r>
-            <a:r>
-              <a:rPr lang="ko-KR" altLang="en-US" dirty="0"/>
-              <a:t>를 살펴보겠습니다</a:t>
+              <a:t>프로듀서는 카프카 클러스터의 토픽에 메시지를 발행하는 클라이언트입니다</a:t>
             </a:r>
             <a:r>
               <a:rPr lang="en-US" altLang="ko-KR" dirty="0"/>
@@ -4458,29 +4525,29 @@
             </a:r>
           </a:p>
           <a:p>
-            <a:endParaRPr lang="en-US" altLang="ko-KR" dirty="0"/>
-          </a:p>
-          <a:p>
-            <a:r>
-              <a:rPr lang="ko-KR" altLang="en-US" dirty="0"/>
-              <a:t>프로듀서는 카프카 클러스터의 토픽에 메시지를 발행하는 클라이언트입니다</a:t>
-            </a:r>
-            <a:r>
-              <a:rPr lang="en-US" altLang="ko-KR" dirty="0"/>
-              <a:t>.</a:t>
-            </a:r>
-          </a:p>
-          <a:p>
-            <a:endParaRPr lang="en-US" altLang="ko-KR" dirty="0"/>
-          </a:p>
-          <a:p>
-            <a:r>
-              <a:rPr lang="en-US" altLang="ko-KR" dirty="0"/>
-              <a:t>Acks </a:t>
-            </a:r>
-            <a:r>
-              <a:rPr lang="ko-KR" altLang="en-US" dirty="0"/>
-              <a:t>라는 옵션이 있는데</a:t>
+            <a:r>
+              <a:rPr lang="en-US" altLang="ko-KR" dirty="0"/>
+              <a:t>at least once, </a:t>
+            </a:r>
+            <a:r>
+              <a:rPr lang="ko-KR" altLang="en-US" dirty="0"/>
+              <a:t>적어도 한번</a:t>
+            </a:r>
+            <a:r>
+              <a:rPr lang="en-US" altLang="ko-KR" dirty="0"/>
+              <a:t>, at most once, </a:t>
+            </a:r>
+            <a:r>
+              <a:rPr lang="ko-KR" altLang="en-US" dirty="0"/>
+              <a:t>많아도 한번</a:t>
+            </a:r>
+            <a:r>
+              <a:rPr lang="en-US" altLang="ko-KR" dirty="0"/>
+              <a:t>, exactly once </a:t>
+            </a:r>
+            <a:r>
+              <a:rPr lang="ko-KR" altLang="en-US" dirty="0"/>
+              <a:t>정확히 한 번</a:t>
             </a:r>
             <a:r>
               <a:rPr lang="en-US" altLang="ko-KR" dirty="0"/>
@@ -4488,50 +4555,19 @@
             </a:r>
             <a:r>
               <a:rPr lang="ko-KR" altLang="en-US" dirty="0"/>
-              <a:t>이걸 잠깐 알아보겠습니다</a:t>
-            </a:r>
-            <a:r>
-              <a:rPr lang="en-US" altLang="ko-KR" dirty="0"/>
-              <a:t>.</a:t>
-            </a:r>
-          </a:p>
-          <a:p>
-            <a:endParaRPr lang="en-US" altLang="ko-KR" dirty="0"/>
-          </a:p>
-          <a:p>
-            <a:pPr marL="171450" indent="-171450">
-              <a:buFont typeface="Arial" panose="020B0604020202020204" pitchFamily="34" charset="0"/>
-              <a:buChar char="•"/>
-            </a:pPr>
-            <a:r>
-              <a:rPr lang="en-US" altLang="ko-KR" dirty="0"/>
-              <a:t>Acks = 0 : </a:t>
-            </a:r>
-            <a:r>
-              <a:rPr lang="ko-KR" altLang="en-US" dirty="0"/>
-              <a:t>발행 요청 후 응답을 기다리지 않습니다</a:t>
-            </a:r>
-            <a:r>
-              <a:rPr lang="en-US" altLang="ko-KR" dirty="0"/>
-              <a:t>. </a:t>
-            </a:r>
-            <a:r>
-              <a:rPr lang="ko-KR" altLang="en-US" dirty="0"/>
-              <a:t>메시지가 정상 발행되었는지를 확인하지 않아도 될 때 사용합니다</a:t>
-            </a:r>
-            <a:r>
-              <a:rPr lang="en-US" altLang="ko-KR" dirty="0"/>
-              <a:t>.</a:t>
-            </a:r>
-          </a:p>
-          <a:p>
-            <a:pPr marL="171450" lvl="0" indent="-171450">
-              <a:buFont typeface="Arial" panose="020B0604020202020204" pitchFamily="34" charset="0"/>
-              <a:buChar char="•"/>
-            </a:pPr>
-            <a:r>
-              <a:rPr lang="en-US" altLang="ko-KR" dirty="0"/>
-              <a:t>Acks</a:t>
+              <a:t>세 가지 옵션이 있는데</a:t>
+            </a:r>
+            <a:r>
+              <a:rPr lang="en-US" altLang="ko-KR" dirty="0"/>
+              <a:t>, </a:t>
+            </a:r>
+            <a:r>
+              <a:rPr lang="ko-KR" altLang="en-US" dirty="0"/>
+              <a:t>기본값은 </a:t>
+            </a:r>
+            <a:r>
+              <a:rPr lang="en-US" altLang="ko-KR" dirty="0"/>
+              <a:t>at</a:t>
             </a:r>
             <a:r>
               <a:rPr lang="ko-KR" altLang="en-US" dirty="0"/>
@@ -4539,7 +4575,7 @@
             </a:r>
             <a:r>
               <a:rPr lang="en-US" altLang="ko-KR" dirty="0"/>
-              <a:t>=</a:t>
+              <a:t>least</a:t>
             </a:r>
             <a:r>
               <a:rPr lang="ko-KR" altLang="en-US" dirty="0"/>
@@ -4547,122 +4583,11 @@
             </a:r>
             <a:r>
               <a:rPr lang="en-US" altLang="ko-KR" dirty="0"/>
-              <a:t>1</a:t>
-            </a:r>
-            <a:r>
-              <a:rPr lang="ko-KR" altLang="en-US" dirty="0"/>
-              <a:t> </a:t>
-            </a:r>
-            <a:r>
-              <a:rPr lang="en-US" altLang="ko-KR" dirty="0"/>
-              <a:t>:</a:t>
-            </a:r>
-            <a:r>
-              <a:rPr lang="ko-KR" altLang="en-US" dirty="0"/>
-              <a:t> 리더 노드가 메시지를 받았다는 것 까지만 확인합니다</a:t>
-            </a:r>
-            <a:r>
-              <a:rPr lang="en-US" altLang="ko-KR" dirty="0"/>
-              <a:t>. </a:t>
-            </a:r>
-            <a:r>
-              <a:rPr lang="ko-KR" altLang="en-US" dirty="0"/>
-              <a:t>디폴트 옵션입니다</a:t>
-            </a:r>
-            <a:r>
-              <a:rPr lang="en-US" altLang="ko-KR" dirty="0"/>
-              <a:t>.</a:t>
-            </a:r>
-          </a:p>
-          <a:p>
-            <a:pPr marL="171450" indent="-171450">
-              <a:buFont typeface="Arial" panose="020B0604020202020204" pitchFamily="34" charset="0"/>
-              <a:buChar char="•"/>
-            </a:pPr>
-            <a:r>
-              <a:rPr lang="en-US" altLang="ko-KR" dirty="0"/>
-              <a:t>Acks = all : </a:t>
-            </a:r>
-            <a:r>
-              <a:rPr lang="ko-KR" altLang="en-US" dirty="0"/>
-              <a:t>리더 노드에서 </a:t>
-            </a:r>
-            <a:r>
-              <a:rPr lang="ko-KR" altLang="en-US" dirty="0" err="1"/>
-              <a:t>팔로워</a:t>
-            </a:r>
-            <a:r>
-              <a:rPr lang="ko-KR" altLang="en-US" dirty="0"/>
-              <a:t> 노드들까지 메시지가 모두 기록되는 것을 기다립니다</a:t>
-            </a:r>
-            <a:r>
-              <a:rPr lang="en-US" altLang="ko-KR" dirty="0"/>
-              <a:t>. </a:t>
-            </a:r>
-            <a:r>
-              <a:rPr lang="ko-KR" altLang="en-US" dirty="0" err="1"/>
-              <a:t>컨슈머에</a:t>
-            </a:r>
-            <a:r>
-              <a:rPr lang="ko-KR" altLang="en-US" dirty="0"/>
-              <a:t> 데이터가 정확히 </a:t>
-            </a:r>
-            <a:r>
-              <a:rPr lang="en-US" altLang="ko-KR" dirty="0"/>
-              <a:t>1</a:t>
-            </a:r>
-            <a:r>
-              <a:rPr lang="ko-KR" altLang="en-US" dirty="0"/>
-              <a:t>번 전달되는 것을 보장하기 위한 옵션이긴 합니다만</a:t>
-            </a:r>
-            <a:r>
-              <a:rPr lang="en-US" altLang="ko-KR" dirty="0"/>
-              <a:t>, </a:t>
-            </a:r>
-            <a:r>
-              <a:rPr lang="ko-KR" altLang="en-US" dirty="0"/>
-              <a:t>느려서 잘 사용되지 않습니다</a:t>
-            </a:r>
-            <a:r>
-              <a:rPr lang="en-US" altLang="ko-KR" dirty="0"/>
-              <a:t>.</a:t>
-            </a:r>
-          </a:p>
-          <a:p>
-            <a:pPr marL="171450" indent="-171450">
-              <a:buFont typeface="Arial" panose="020B0604020202020204" pitchFamily="34" charset="0"/>
-              <a:buChar char="•"/>
-            </a:pPr>
-            <a:endParaRPr lang="en-US" altLang="ko-KR" dirty="0"/>
-          </a:p>
-          <a:p>
-            <a:pPr marL="0" indent="0">
-              <a:buFont typeface="Arial" panose="020B0604020202020204" pitchFamily="34" charset="0"/>
-              <a:buNone/>
-            </a:pPr>
-            <a:r>
-              <a:rPr lang="ko-KR" altLang="en-US" dirty="0" err="1"/>
-              <a:t>컨슈머는</a:t>
-            </a:r>
-            <a:r>
-              <a:rPr lang="ko-KR" altLang="en-US" dirty="0"/>
-              <a:t> 카프카 클러스터의 토픽</a:t>
-            </a:r>
-            <a:r>
-              <a:rPr lang="en-US" altLang="ko-KR" dirty="0"/>
-              <a:t>/</a:t>
-            </a:r>
-            <a:r>
-              <a:rPr lang="ko-KR" altLang="en-US" dirty="0"/>
-              <a:t>파티션에 발행된 데이터를 </a:t>
-            </a:r>
-            <a:r>
-              <a:rPr lang="ko-KR" altLang="en-US" dirty="0" err="1"/>
-              <a:t>읽어들이는</a:t>
-            </a:r>
-            <a:r>
-              <a:rPr lang="ko-KR" altLang="en-US" dirty="0"/>
-              <a:t> 클라이언트입니다</a:t>
+              <a:t>once,</a:t>
+            </a:r>
+            <a:r>
+              <a:rPr lang="ko-KR" altLang="en-US" dirty="0"/>
+              <a:t> 적어도 한 번 입니다</a:t>
             </a:r>
             <a:r>
               <a:rPr lang="en-US" altLang="ko-KR" dirty="0"/>
@@ -4683,6 +4608,40 @@
             </a:pPr>
             <a:r>
               <a:rPr lang="ko-KR" altLang="en-US" dirty="0" err="1"/>
+              <a:t>컨슈머는</a:t>
+            </a:r>
+            <a:r>
+              <a:rPr lang="ko-KR" altLang="en-US" dirty="0"/>
+              <a:t> 카프카 클러스터의 토픽</a:t>
+            </a:r>
+            <a:r>
+              <a:rPr lang="en-US" altLang="ko-KR" dirty="0"/>
+              <a:t>/</a:t>
+            </a:r>
+            <a:r>
+              <a:rPr lang="ko-KR" altLang="en-US" dirty="0"/>
+              <a:t>파티션에 발행된 데이터를 </a:t>
+            </a:r>
+            <a:r>
+              <a:rPr lang="ko-KR" altLang="en-US" dirty="0" err="1"/>
+              <a:t>읽어들이는</a:t>
+            </a:r>
+            <a:r>
+              <a:rPr lang="ko-KR" altLang="en-US" dirty="0"/>
+              <a:t> 클라이언트입니다</a:t>
+            </a:r>
+            <a:r>
+              <a:rPr lang="en-US" altLang="ko-KR" dirty="0"/>
+              <a:t>.</a:t>
+            </a:r>
+          </a:p>
+          <a:p>
+            <a:pPr marL="0" indent="0">
+              <a:buFont typeface="Arial" panose="020B0604020202020204" pitchFamily="34" charset="0"/>
+              <a:buNone/>
+            </a:pPr>
+            <a:r>
+              <a:rPr lang="ko-KR" altLang="en-US" dirty="0" err="1"/>
               <a:t>컨슈머</a:t>
             </a:r>
             <a:r>
@@ -4695,35 +4654,23 @@
             </a:r>
             <a:r>
               <a:rPr lang="ko-KR" altLang="en-US" dirty="0"/>
-              <a:t> 있는데</a:t>
-            </a:r>
-            <a:r>
-              <a:rPr lang="en-US" altLang="ko-KR" dirty="0"/>
-              <a:t>, </a:t>
-            </a:r>
-            <a:r>
-              <a:rPr lang="ko-KR" altLang="en-US" dirty="0"/>
-              <a:t>동일한 토픽</a:t>
-            </a:r>
-            <a:r>
-              <a:rPr lang="en-US" altLang="ko-KR" dirty="0"/>
-              <a:t>/</a:t>
-            </a:r>
-            <a:r>
-              <a:rPr lang="ko-KR" altLang="en-US" dirty="0"/>
-              <a:t>파티션에 발행된 메시지라도</a:t>
-            </a:r>
-            <a:r>
-              <a:rPr lang="en-US" altLang="ko-KR" dirty="0"/>
-              <a:t>, </a:t>
+              <a:t> 있는데요</a:t>
+            </a:r>
+            <a:r>
+              <a:rPr lang="en-US" altLang="ko-KR" dirty="0"/>
+              <a:t>. </a:t>
+            </a:r>
+            <a:r>
+              <a:rPr lang="ko-KR" altLang="en-US" dirty="0"/>
+              <a:t>이걸 다르게 설정해야 동일한 메세지를 여러 </a:t>
             </a:r>
             <a:r>
               <a:rPr lang="ko-KR" altLang="en-US" dirty="0" err="1"/>
-              <a:t>컨슈머</a:t>
-            </a:r>
-            <a:r>
-              <a:rPr lang="ko-KR" altLang="en-US" dirty="0"/>
-              <a:t> 그룹을 다르게 설정하면 메시지를 동일하게 여러 번 읽어갈 수 있습니다</a:t>
+              <a:t>컨슈머에서</a:t>
+            </a:r>
+            <a:r>
+              <a:rPr lang="ko-KR" altLang="en-US" dirty="0"/>
+              <a:t> 읽어갈 수 있습니다</a:t>
             </a:r>
             <a:r>
               <a:rPr lang="en-US" altLang="ko-KR" dirty="0"/>
@@ -4764,12 +4711,17 @@
             </a:r>
             <a:r>
               <a:rPr lang="ko-KR" altLang="en-US" dirty="0"/>
-              <a:t>파티션 리더 등의 정보를 관리하고 있었는데요</a:t>
+              <a:t>파티션 리더 등의 정보를 관리하고 있습니다</a:t>
             </a:r>
             <a:r>
               <a:rPr lang="en-US" altLang="ko-KR" dirty="0"/>
               <a:t>.</a:t>
             </a:r>
+            <a:r>
+              <a:rPr lang="ko-KR" altLang="en-US" dirty="0"/>
+              <a:t> </a:t>
+            </a:r>
+            <a:endParaRPr lang="en-US" altLang="ko-KR" dirty="0"/>
           </a:p>
           <a:p>
             <a:pPr marL="0" indent="0">
@@ -4778,7 +4730,7 @@
             </a:pPr>
             <a:r>
               <a:rPr lang="ko-KR" altLang="en-US" dirty="0"/>
-              <a:t>이런 정보를 이용해 프로듀서가 토픽으로 메시지를 발행할 때</a:t>
+              <a:t>이를 이용해</a:t>
             </a:r>
             <a:r>
               <a:rPr lang="en-US" altLang="ko-KR" dirty="0"/>
@@ -4786,7 +4738,15 @@
             </a:r>
             <a:r>
               <a:rPr lang="ko-KR" altLang="en-US" dirty="0"/>
-              <a:t>실제로는 어떤 브로커를 호출해야 하는지를 알려줍니다</a:t>
+              <a:t>프로듀서에게 토픽으로 메시지를 발행할 때</a:t>
+            </a:r>
+            <a:r>
+              <a:rPr lang="en-US" altLang="ko-KR" dirty="0"/>
+              <a:t>, </a:t>
+            </a:r>
+            <a:r>
+              <a:rPr lang="ko-KR" altLang="en-US" dirty="0"/>
+              <a:t>실제로 어떤 브로커를 호출해야 하는지를 알려줍니다</a:t>
             </a:r>
             <a:r>
               <a:rPr lang="en-US" altLang="ko-KR" dirty="0"/>
@@ -4824,7 +4784,306 @@
             </a:r>
             <a:r>
               <a:rPr lang="ko-KR" altLang="en-US" dirty="0"/>
-              <a:t>정보도 관리하고 있습니다</a:t>
+              <a:t>정보도 관리합니다</a:t>
+            </a:r>
+            <a:r>
+              <a:rPr lang="en-US" altLang="ko-KR" dirty="0"/>
+              <a:t>.</a:t>
+            </a:r>
+          </a:p>
+          <a:p>
+            <a:pPr marL="0" indent="0">
+              <a:buFont typeface="Arial" panose="020B0604020202020204" pitchFamily="34" charset="0"/>
+              <a:buNone/>
+            </a:pPr>
+            <a:endParaRPr lang="en-US" altLang="ko-KR" dirty="0"/>
+          </a:p>
+          <a:p>
+            <a:pPr marL="0" indent="0">
+              <a:buFont typeface="Arial" panose="020B0604020202020204" pitchFamily="34" charset="0"/>
+              <a:buNone/>
+            </a:pPr>
+            <a:r>
+              <a:rPr lang="ko-KR" altLang="en-US" dirty="0"/>
+              <a:t>마지막으로 카프카 단점에 대해 말씀드리겠습니다</a:t>
+            </a:r>
+            <a:r>
+              <a:rPr lang="en-US" altLang="ko-KR" dirty="0"/>
+              <a:t>.</a:t>
+            </a:r>
+          </a:p>
+          <a:p>
+            <a:pPr marL="0" indent="0">
+              <a:buFont typeface="Arial" panose="020B0604020202020204" pitchFamily="34" charset="0"/>
+              <a:buNone/>
+            </a:pPr>
+            <a:r>
+              <a:rPr lang="en-US" altLang="ko-KR" dirty="0"/>
+              <a:t>MQ</a:t>
+            </a:r>
+            <a:r>
+              <a:rPr lang="ko-KR" altLang="en-US" dirty="0"/>
+              <a:t>에 비해 </a:t>
+            </a:r>
+            <a:r>
+              <a:rPr lang="ko-KR" altLang="en-US" dirty="0" err="1"/>
+              <a:t>컨슈머</a:t>
+            </a:r>
+            <a:r>
+              <a:rPr lang="ko-KR" altLang="en-US" dirty="0"/>
+              <a:t> 운용도 편하고 처리도 빠르지만</a:t>
+            </a:r>
+            <a:endParaRPr lang="en-US" altLang="ko-KR" dirty="0"/>
+          </a:p>
+          <a:p>
+            <a:pPr marL="0" indent="0">
+              <a:buFont typeface="Arial" panose="020B0604020202020204" pitchFamily="34" charset="0"/>
+              <a:buNone/>
+            </a:pPr>
+            <a:r>
+              <a:rPr lang="en-US" altLang="ko-KR" dirty="0"/>
+              <a:t>MQ</a:t>
+            </a:r>
+            <a:r>
+              <a:rPr lang="ko-KR" altLang="en-US" dirty="0"/>
+              <a:t>에서는 잘 되던 동작인</a:t>
+            </a:r>
+            <a:r>
+              <a:rPr lang="en-US" altLang="ko-KR" dirty="0"/>
+              <a:t>, exactly once, </a:t>
+            </a:r>
+            <a:r>
+              <a:rPr lang="ko-KR" altLang="en-US" dirty="0"/>
+              <a:t>메세지를 정확하게 한 번만 전달하는 것이 어렵습니다</a:t>
+            </a:r>
+            <a:r>
+              <a:rPr lang="en-US" altLang="ko-KR" dirty="0"/>
+              <a:t>.</a:t>
+            </a:r>
+          </a:p>
+          <a:p>
+            <a:pPr marL="0" indent="0">
+              <a:buFont typeface="Arial" panose="020B0604020202020204" pitchFamily="34" charset="0"/>
+              <a:buNone/>
+            </a:pPr>
+            <a:endParaRPr lang="en-US" altLang="ko-KR" dirty="0"/>
+          </a:p>
+          <a:p>
+            <a:pPr marL="0" indent="0">
+              <a:buFont typeface="Arial" panose="020B0604020202020204" pitchFamily="34" charset="0"/>
+              <a:buNone/>
+            </a:pPr>
+            <a:r>
+              <a:rPr lang="ko-KR" altLang="en-US" dirty="0"/>
+              <a:t>물론 </a:t>
+            </a:r>
+            <a:r>
+              <a:rPr lang="en-US" altLang="ko-KR" dirty="0"/>
+              <a:t>exactly once </a:t>
+            </a:r>
+            <a:r>
+              <a:rPr lang="ko-KR" altLang="en-US" dirty="0"/>
+              <a:t>옵션을 켜고 전송해도 되지만</a:t>
+            </a:r>
+            <a:r>
+              <a:rPr lang="en-US" altLang="ko-KR" dirty="0"/>
+              <a:t>, </a:t>
+            </a:r>
+            <a:r>
+              <a:rPr lang="ko-KR" altLang="en-US" dirty="0"/>
+              <a:t>이는 모든 </a:t>
+            </a:r>
+            <a:r>
+              <a:rPr lang="en-US" altLang="ko-KR" dirty="0"/>
+              <a:t>Follower </a:t>
+            </a:r>
+            <a:r>
+              <a:rPr lang="ko-KR" altLang="en-US" dirty="0"/>
+              <a:t>에 데이터가 정상 </a:t>
+            </a:r>
+            <a:r>
+              <a:rPr lang="ko-KR" altLang="en-US" dirty="0" err="1"/>
+              <a:t>기록되는것을</a:t>
+            </a:r>
+            <a:r>
+              <a:rPr lang="ko-KR" altLang="en-US" dirty="0"/>
+              <a:t> 기다리기 때문에</a:t>
+            </a:r>
+            <a:r>
+              <a:rPr lang="en-US" altLang="ko-KR" dirty="0"/>
+              <a:t>, </a:t>
+            </a:r>
+            <a:r>
+              <a:rPr lang="ko-KR" altLang="en-US" dirty="0" err="1"/>
+              <a:t>메세지</a:t>
+            </a:r>
+            <a:r>
+              <a:rPr lang="ko-KR" altLang="en-US" dirty="0"/>
+              <a:t> 유통 전반이 느려져서 사용하지 않습니다</a:t>
+            </a:r>
+            <a:r>
+              <a:rPr lang="en-US" altLang="ko-KR" dirty="0"/>
+              <a:t>.</a:t>
+            </a:r>
+          </a:p>
+          <a:p>
+            <a:pPr marL="0" indent="0">
+              <a:buFont typeface="Arial" panose="020B0604020202020204" pitchFamily="34" charset="0"/>
+              <a:buNone/>
+            </a:pPr>
+            <a:r>
+              <a:rPr lang="ko-KR" altLang="en-US" dirty="0"/>
+              <a:t>때문에 기본 옵션인 적어도 한 번</a:t>
+            </a:r>
+            <a:r>
+              <a:rPr lang="en-US" altLang="ko-KR" dirty="0"/>
+              <a:t>, at least once</a:t>
+            </a:r>
+            <a:r>
+              <a:rPr lang="ko-KR" altLang="en-US" dirty="0"/>
+              <a:t> 모드로 메세지를 전송합니다</a:t>
+            </a:r>
+            <a:r>
+              <a:rPr lang="en-US" altLang="ko-KR" dirty="0"/>
+              <a:t>. </a:t>
+            </a:r>
+            <a:r>
+              <a:rPr lang="ko-KR" altLang="en-US" dirty="0"/>
+              <a:t>이래야 대용량 고속의 이점을 살릴 수 있고</a:t>
+            </a:r>
+            <a:r>
+              <a:rPr lang="en-US" altLang="ko-KR" dirty="0"/>
+              <a:t>, </a:t>
+            </a:r>
+            <a:r>
+              <a:rPr lang="ko-KR" altLang="en-US" dirty="0"/>
+              <a:t>대부분의 경우 </a:t>
+            </a:r>
+            <a:r>
+              <a:rPr lang="en-US" altLang="ko-KR" dirty="0"/>
+              <a:t>exactly once </a:t>
+            </a:r>
+            <a:r>
+              <a:rPr lang="ko-KR" altLang="en-US" dirty="0"/>
+              <a:t>하게 메세지가 잘 날아갑니다</a:t>
+            </a:r>
+            <a:r>
+              <a:rPr lang="en-US" altLang="ko-KR" dirty="0"/>
+              <a:t>.</a:t>
+            </a:r>
+          </a:p>
+          <a:p>
+            <a:pPr marL="0" indent="0">
+              <a:buFont typeface="Arial" panose="020B0604020202020204" pitchFamily="34" charset="0"/>
+              <a:buNone/>
+            </a:pPr>
+            <a:endParaRPr lang="en-US" altLang="ko-KR" dirty="0"/>
+          </a:p>
+          <a:p>
+            <a:pPr marL="0" indent="0">
+              <a:buFont typeface="Arial" panose="020B0604020202020204" pitchFamily="34" charset="0"/>
+              <a:buNone/>
+            </a:pPr>
+            <a:r>
+              <a:rPr lang="ko-KR" altLang="en-US" dirty="0"/>
+              <a:t>하지만 아주 드물게 네트워크 또는 하드웨어에 이상이 발생할 수 있고요</a:t>
+            </a:r>
+            <a:r>
+              <a:rPr lang="en-US" altLang="ko-KR" dirty="0"/>
+              <a:t>. </a:t>
+            </a:r>
+            <a:r>
+              <a:rPr lang="ko-KR" altLang="en-US" dirty="0" err="1"/>
+              <a:t>메세지</a:t>
+            </a:r>
+            <a:r>
+              <a:rPr lang="ko-KR" altLang="en-US" dirty="0"/>
+              <a:t> 자체는 </a:t>
+            </a:r>
+            <a:r>
+              <a:rPr lang="en-US" altLang="ko-KR" dirty="0"/>
+              <a:t>Idempotent key </a:t>
+            </a:r>
+            <a:r>
+              <a:rPr lang="ko-KR" altLang="en-US" dirty="0"/>
+              <a:t>로 정확히 한 개만 기록되지만</a:t>
+            </a:r>
+            <a:r>
+              <a:rPr lang="en-US" altLang="ko-KR" dirty="0"/>
+              <a:t>, </a:t>
+            </a:r>
+            <a:r>
+              <a:rPr lang="ko-KR" altLang="en-US" dirty="0"/>
+              <a:t>이상 발생시 </a:t>
+            </a:r>
+            <a:r>
+              <a:rPr lang="en-US" altLang="ko-KR" dirty="0"/>
+              <a:t>retry </a:t>
+            </a:r>
+            <a:r>
+              <a:rPr lang="ko-KR" altLang="en-US" dirty="0"/>
+              <a:t>하기 때문에 메세지가 여러 번 </a:t>
+            </a:r>
+            <a:r>
+              <a:rPr lang="en-US" altLang="ko-KR" dirty="0"/>
+              <a:t>producing </a:t>
+            </a:r>
+            <a:r>
+              <a:rPr lang="ko-KR" altLang="en-US" dirty="0"/>
+              <a:t>되거나 </a:t>
+            </a:r>
+            <a:r>
+              <a:rPr lang="en-US" altLang="ko-KR" dirty="0"/>
+              <a:t>consuming </a:t>
+            </a:r>
+            <a:r>
+              <a:rPr lang="ko-KR" altLang="en-US" dirty="0"/>
+              <a:t>될 수 있습니다</a:t>
+            </a:r>
+            <a:r>
+              <a:rPr lang="en-US" altLang="ko-KR" dirty="0"/>
+              <a:t>.</a:t>
+            </a:r>
+          </a:p>
+          <a:p>
+            <a:pPr marL="0" indent="0">
+              <a:buFont typeface="Arial" panose="020B0604020202020204" pitchFamily="34" charset="0"/>
+              <a:buNone/>
+            </a:pPr>
+            <a:endParaRPr lang="en-US" altLang="ko-KR" dirty="0"/>
+          </a:p>
+          <a:p>
+            <a:pPr marL="0" indent="0">
+              <a:buFont typeface="Arial" panose="020B0604020202020204" pitchFamily="34" charset="0"/>
+              <a:buNone/>
+            </a:pPr>
+            <a:r>
+              <a:rPr lang="ko-KR" altLang="en-US" dirty="0"/>
+              <a:t>그래서</a:t>
+            </a:r>
+            <a:r>
+              <a:rPr lang="en-US" altLang="ko-KR" dirty="0"/>
+              <a:t>, exactly once </a:t>
+            </a:r>
+            <a:r>
+              <a:rPr lang="ko-KR" altLang="en-US" dirty="0"/>
+              <a:t>가 비지니스 상 꼭 필요하다면</a:t>
+            </a:r>
+            <a:r>
+              <a:rPr lang="en-US" altLang="ko-KR" dirty="0"/>
+              <a:t>, </a:t>
+            </a:r>
+            <a:r>
+              <a:rPr lang="ko-KR" altLang="en-US" dirty="0"/>
+              <a:t>이는 </a:t>
+            </a:r>
+            <a:r>
+              <a:rPr lang="ko-KR" altLang="en-US" dirty="0" err="1"/>
+              <a:t>컨슈머에서</a:t>
+            </a:r>
+            <a:r>
+              <a:rPr lang="ko-KR" altLang="en-US" dirty="0"/>
+              <a:t> 로직으로 처리해 주어야 합니다</a:t>
             </a:r>
             <a:r>
               <a:rPr lang="en-US" altLang="ko-KR" dirty="0"/>
@@ -4915,7 +5174,7 @@
           <a:p>
             <a:r>
               <a:rPr lang="ko-KR" altLang="en-US" dirty="0"/>
-              <a:t>프로젝트 환경을 구성해 보겠습니다</a:t>
+              <a:t>프로젝트 환경 구성해 보겠습니다</a:t>
             </a:r>
             <a:r>
               <a:rPr lang="en-US" altLang="ko-KR" dirty="0"/>
@@ -5405,11 +5664,7 @@
             </a:r>
             <a:r>
               <a:rPr lang="ko-KR" altLang="en-US" dirty="0"/>
-              <a:t>전문검색에서는 색인이 효율적이지 </a:t>
-            </a:r>
-            <a:r>
-              <a:rPr lang="ko-KR" altLang="en-US" dirty="0" err="1"/>
-              <a:t>않아서요</a:t>
+              <a:t>전문검색에서는 색인이 효율적이지 않습니다</a:t>
             </a:r>
             <a:r>
               <a:rPr lang="en-US" altLang="ko-KR" dirty="0"/>
@@ -5730,7 +5985,7 @@
           <a:p>
             <a:r>
               <a:rPr lang="ko-KR" altLang="en-US" dirty="0"/>
-              <a:t>그래서 돈이나 재고 관리 등 미션 </a:t>
+              <a:t>그래서 돈 관리나 재고 관리 등 미션 </a:t>
             </a:r>
             <a:r>
               <a:rPr lang="ko-KR" altLang="en-US" dirty="0" err="1"/>
@@ -5738,7 +5993,7 @@
             </a:r>
             <a:r>
               <a:rPr lang="ko-KR" altLang="en-US" dirty="0"/>
-              <a:t> 업무에는 부적합합니다</a:t>
+              <a:t> 업무에는 적합하지 않습니다</a:t>
             </a:r>
             <a:r>
               <a:rPr lang="en-US" altLang="ko-KR" dirty="0"/>
@@ -5962,6 +6217,113 @@
               <a:t>.</a:t>
             </a:r>
           </a:p>
+          <a:p>
+            <a:endParaRPr lang="en-US" altLang="ko-KR" dirty="0"/>
+          </a:p>
+          <a:p>
+            <a:r>
+              <a:rPr lang="en-US" altLang="ko-KR" dirty="0"/>
+              <a:t>Query </a:t>
+            </a:r>
+            <a:r>
+              <a:rPr lang="ko-KR" altLang="en-US" dirty="0"/>
+              <a:t>방식은 일치하는 값이 아닌 가장 유사한 결과를 검색하는 방법입니다</a:t>
+            </a:r>
+            <a:r>
+              <a:rPr lang="en-US" altLang="ko-KR" dirty="0"/>
+              <a:t>.</a:t>
+            </a:r>
+          </a:p>
+          <a:p>
+            <a:r>
+              <a:rPr lang="ko-KR" altLang="en-US" dirty="0"/>
+              <a:t>전문 검색에 사용되며</a:t>
+            </a:r>
+            <a:r>
+              <a:rPr lang="en-US" altLang="ko-KR" dirty="0"/>
+              <a:t>, </a:t>
+            </a:r>
+            <a:r>
+              <a:rPr lang="ko-KR" altLang="en-US" dirty="0"/>
+              <a:t>검색조건에 대한 </a:t>
+            </a:r>
+            <a:r>
+              <a:rPr lang="en-US" altLang="ko-KR" dirty="0"/>
+              <a:t>document </a:t>
+            </a:r>
+            <a:r>
+              <a:rPr lang="ko-KR" altLang="en-US" dirty="0"/>
+              <a:t>별 응답결과를 </a:t>
+            </a:r>
+            <a:r>
+              <a:rPr lang="ko-KR" altLang="en-US" dirty="0" err="1"/>
+              <a:t>캐시하지</a:t>
+            </a:r>
+            <a:r>
+              <a:rPr lang="ko-KR" altLang="en-US" dirty="0"/>
+              <a:t> 않습니다</a:t>
+            </a:r>
+            <a:r>
+              <a:rPr lang="en-US" altLang="ko-KR" dirty="0"/>
+              <a:t>.</a:t>
+            </a:r>
+          </a:p>
+          <a:p>
+            <a:endParaRPr lang="en-US" altLang="ko-KR" dirty="0"/>
+          </a:p>
+          <a:p>
+            <a:r>
+              <a:rPr lang="en-US" altLang="ko-KR" dirty="0"/>
+              <a:t>Filter </a:t>
+            </a:r>
+            <a:r>
+              <a:rPr lang="ko-KR" altLang="en-US" dirty="0"/>
+              <a:t>방식은</a:t>
+            </a:r>
+            <a:r>
+              <a:rPr lang="en-US" altLang="ko-KR" dirty="0"/>
+              <a:t>, RDB </a:t>
+            </a:r>
+            <a:r>
+              <a:rPr lang="ko-KR" altLang="en-US" dirty="0"/>
+              <a:t>의 조건검색과 유사한 개념으로</a:t>
+            </a:r>
+            <a:r>
+              <a:rPr lang="en-US" altLang="ko-KR" dirty="0"/>
+              <a:t>, </a:t>
+            </a:r>
+            <a:r>
+              <a:rPr lang="ko-KR" altLang="en-US" dirty="0"/>
+              <a:t>정확히 일치하는 값을 검색하는 방법으로</a:t>
+            </a:r>
+            <a:r>
+              <a:rPr lang="en-US" altLang="ko-KR" dirty="0"/>
+              <a:t>, </a:t>
+            </a:r>
+            <a:r>
+              <a:rPr lang="ko-KR" altLang="en-US" dirty="0"/>
+              <a:t>검색 조건에 대한 </a:t>
+            </a:r>
+            <a:r>
+              <a:rPr lang="en-US" altLang="ko-KR" dirty="0"/>
+              <a:t>document </a:t>
+            </a:r>
+            <a:r>
+              <a:rPr lang="ko-KR" altLang="en-US" dirty="0"/>
+              <a:t>별 응답결과가 </a:t>
+            </a:r>
+            <a:r>
+              <a:rPr lang="ko-KR" altLang="en-US" dirty="0" err="1"/>
+              <a:t>캐시됩니다</a:t>
+            </a:r>
+            <a:r>
+              <a:rPr lang="en-US" altLang="ko-KR" dirty="0"/>
+              <a:t>.</a:t>
+            </a:r>
+          </a:p>
+          <a:p>
+            <a:endParaRPr lang="en-US" altLang="ko-KR" dirty="0"/>
+          </a:p>
         </p:txBody>
       </p:sp>
       <p:sp>
@@ -6283,7 +6645,15 @@
             </a:r>
             <a:r>
               <a:rPr lang="ko-KR" altLang="en-US" dirty="0"/>
-              <a:t>지금부터는 기존 결제 서비스의 주문이력 조회성능을 개선해 보도록 하겠습니다</a:t>
+              <a:t>지금부터는 시나리오 </a:t>
+            </a:r>
+            <a:r>
+              <a:rPr lang="en-US" altLang="ko-KR" dirty="0"/>
+              <a:t>2 : </a:t>
+            </a:r>
+            <a:r>
+              <a:rPr lang="ko-KR" altLang="en-US" dirty="0"/>
+              <a:t>기존 결제 서비스의 주문이력 조회성능을 개선해 보도록 하겠습니다</a:t>
             </a:r>
             <a:r>
               <a:rPr lang="en-US" altLang="ko-KR" dirty="0"/>
@@ -6418,7 +6788,7 @@
           <a:p>
             <a:r>
               <a:rPr lang="ko-KR" altLang="en-US" dirty="0"/>
-              <a:t>첫번째</a:t>
+              <a:t>첫째</a:t>
             </a:r>
             <a:r>
               <a:rPr lang="en-US" altLang="ko-KR" dirty="0"/>
@@ -6439,30 +6809,101 @@
           <a:p>
             <a:r>
               <a:rPr lang="ko-KR" altLang="en-US" dirty="0"/>
-              <a:t>고객이 승인요청만 다시 하는 수준이라면</a:t>
-            </a:r>
-            <a:r>
-              <a:rPr lang="en-US" altLang="ko-KR" dirty="0"/>
-              <a:t> </a:t>
-            </a:r>
-            <a:r>
-              <a:rPr lang="ko-KR" altLang="en-US" dirty="0"/>
-              <a:t>그나마 다행인데</a:t>
-            </a:r>
+              <a:t>고객이 나중에 다시 결제하면 되는 수준이라면 그나마 다행인데</a:t>
+            </a:r>
+            <a:r>
+              <a:rPr lang="en-US" altLang="ko-KR" dirty="0"/>
+              <a:t>,</a:t>
+            </a:r>
+          </a:p>
+          <a:p>
+            <a:r>
+              <a:rPr lang="ko-KR" altLang="en-US" dirty="0"/>
+              <a:t>문제는 카드 승인은 </a:t>
+            </a:r>
+            <a:r>
+              <a:rPr lang="ko-KR" altLang="en-US" dirty="0" err="1"/>
+              <a:t>됬는데</a:t>
+            </a:r>
+            <a:r>
+              <a:rPr lang="en-US" altLang="ko-KR" dirty="0"/>
+              <a:t>, </a:t>
+            </a:r>
+            <a:r>
+              <a:rPr lang="ko-KR" altLang="en-US" dirty="0"/>
+              <a:t>주문은 결제 실패 상태여서</a:t>
+            </a:r>
+            <a:r>
+              <a:rPr lang="en-US" altLang="ko-KR" dirty="0"/>
+              <a:t>, </a:t>
+            </a:r>
+            <a:r>
+              <a:rPr lang="ko-KR" altLang="en-US" dirty="0"/>
+              <a:t>고객 지갑에서 돈은 </a:t>
+            </a:r>
+            <a:r>
+              <a:rPr lang="ko-KR" altLang="en-US" dirty="0" err="1"/>
+              <a:t>인출해놓고</a:t>
+            </a:r>
+            <a:r>
+              <a:rPr lang="ko-KR" altLang="en-US" dirty="0"/>
+              <a:t> 물건은 안주는 상황이 발생했다는 점입니다</a:t>
+            </a:r>
+            <a:r>
+              <a:rPr lang="en-US" altLang="ko-KR" dirty="0"/>
+              <a:t>.</a:t>
+            </a:r>
+          </a:p>
+          <a:p>
             <a:endParaRPr lang="en-US" altLang="ko-KR" dirty="0"/>
           </a:p>
           <a:p>
             <a:r>
               <a:rPr lang="ko-KR" altLang="en-US" dirty="0"/>
-              <a:t>문제는 카드 승인까지 </a:t>
+              <a:t>오류가 발생하지 않는 완전 무결한 시스템은 없습니다</a:t>
+            </a:r>
+            <a:r>
+              <a:rPr lang="en-US" altLang="ko-KR" dirty="0"/>
+              <a:t>. Auth capture </a:t>
+            </a:r>
+            <a:r>
+              <a:rPr lang="ko-KR" altLang="en-US" dirty="0"/>
+              <a:t>자체가 오류를 상정한 결제 </a:t>
             </a:r>
             <a:r>
               <a:rPr lang="ko-KR" altLang="en-US" dirty="0" err="1"/>
-              <a:t>됬는데도</a:t>
-            </a:r>
-            <a:r>
-              <a:rPr lang="ko-KR" altLang="en-US" dirty="0"/>
-              <a:t> 주문이 계속 결제 실패였던 상황이 발생했다는 점입니다</a:t>
+              <a:t>프로세스라서요</a:t>
+            </a:r>
+            <a:endParaRPr lang="en-US" altLang="ko-KR" dirty="0"/>
+          </a:p>
+          <a:p>
+            <a:r>
+              <a:rPr lang="ko-KR" altLang="en-US" dirty="0"/>
+              <a:t>그래서</a:t>
+            </a:r>
+            <a:r>
+              <a:rPr lang="en-US" altLang="ko-KR" dirty="0"/>
+              <a:t>, </a:t>
+            </a:r>
+            <a:r>
+              <a:rPr lang="ko-KR" altLang="en-US" dirty="0"/>
+              <a:t>저희는</a:t>
+            </a:r>
+            <a:r>
+              <a:rPr lang="en-US" altLang="ko-KR" dirty="0"/>
+              <a:t>, </a:t>
+            </a:r>
+            <a:r>
+              <a:rPr lang="ko-KR" altLang="en-US" dirty="0"/>
+              <a:t>오류를 없애는 것 보다는</a:t>
+            </a:r>
+            <a:r>
+              <a:rPr lang="en-US" altLang="ko-KR" dirty="0"/>
+              <a:t>, </a:t>
+            </a:r>
+            <a:r>
+              <a:rPr lang="ko-KR" altLang="en-US" dirty="0"/>
+              <a:t>결제 실패한 주문을 다시 결제 요청하는 재처리 기능을 추가해 보려고 합니다</a:t>
             </a:r>
             <a:r>
               <a:rPr lang="en-US" altLang="ko-KR" dirty="0"/>
@@ -6472,70 +6913,7 @@
           <a:p>
             <a:r>
               <a:rPr lang="ko-KR" altLang="en-US" dirty="0"/>
-              <a:t>오류가 발생하지 않는 완전 무결한 시스템은 없습니다</a:t>
-            </a:r>
-            <a:r>
-              <a:rPr lang="en-US" altLang="ko-KR" dirty="0"/>
-              <a:t>. </a:t>
-            </a:r>
-            <a:r>
-              <a:rPr lang="ko-KR" altLang="en-US" dirty="0"/>
-              <a:t>때문에 </a:t>
-            </a:r>
-            <a:r>
-              <a:rPr lang="en-US" altLang="ko-KR" dirty="0"/>
-              <a:t>Auth capture </a:t>
-            </a:r>
-            <a:r>
-              <a:rPr lang="ko-KR" altLang="en-US" dirty="0"/>
-              <a:t>까지 도입해서 결제를 처리했던 거고요</a:t>
-            </a:r>
-            <a:r>
-              <a:rPr lang="en-US" altLang="ko-KR" dirty="0"/>
-              <a:t>.</a:t>
-            </a:r>
-          </a:p>
-          <a:p>
-            <a:endParaRPr lang="en-US" altLang="ko-KR" dirty="0"/>
-          </a:p>
-          <a:p>
-            <a:r>
-              <a:rPr lang="ko-KR" altLang="en-US" dirty="0"/>
-              <a:t>그래서</a:t>
-            </a:r>
-            <a:r>
-              <a:rPr lang="en-US" altLang="ko-KR" dirty="0"/>
-              <a:t>, </a:t>
-            </a:r>
-            <a:r>
-              <a:rPr lang="ko-KR" altLang="en-US" dirty="0"/>
-              <a:t>저희는</a:t>
-            </a:r>
-            <a:r>
-              <a:rPr lang="en-US" altLang="ko-KR" dirty="0"/>
-              <a:t>, </a:t>
-            </a:r>
-            <a:r>
-              <a:rPr lang="ko-KR" altLang="en-US" dirty="0"/>
-              <a:t>오류를 없애는데 집중하기보다는</a:t>
-            </a:r>
-            <a:r>
-              <a:rPr lang="en-US" altLang="ko-KR" dirty="0"/>
-              <a:t>, </a:t>
-            </a:r>
-            <a:r>
-              <a:rPr lang="ko-KR" altLang="en-US" dirty="0"/>
-              <a:t>결제 실패한 주문은 다시 결제를 요청하는 재처리 기능을 추가해 보려고 합니다</a:t>
-            </a:r>
-            <a:r>
-              <a:rPr lang="en-US" altLang="ko-KR" dirty="0"/>
-              <a:t>.</a:t>
-            </a:r>
-          </a:p>
-          <a:p>
-            <a:r>
-              <a:rPr lang="ko-KR" altLang="en-US" dirty="0"/>
-              <a:t>우선순위는 최상이고요</a:t>
+              <a:t>작업 우선순위는 최상입니다</a:t>
             </a:r>
             <a:r>
               <a:rPr lang="en-US" altLang="ko-KR" dirty="0"/>
@@ -6659,6 +7037,17 @@
             </a:r>
           </a:p>
           <a:p>
+            <a:endParaRPr lang="en-US" altLang="ko-KR" dirty="0"/>
+          </a:p>
+          <a:p>
+            <a:r>
+              <a:rPr lang="ko-KR" altLang="en-US" dirty="0"/>
+              <a:t>고객 불만은 점점 높아지고 있고요</a:t>
+            </a:r>
+            <a:r>
+              <a:rPr lang="en-US" altLang="ko-KR" dirty="0"/>
+              <a:t>. </a:t>
+            </a:r>
             <a:r>
               <a:rPr lang="ko-KR" altLang="en-US" dirty="0"/>
               <a:t>만약 클라우드를 사용한다면</a:t>
@@ -6669,19 +7058,7 @@
             </a:r>
             <a:r>
               <a:rPr lang="ko-KR" altLang="en-US" dirty="0"/>
-              <a:t>비용이 과다 청구될 </a:t>
-            </a:r>
-            <a:r>
-              <a:rPr lang="ko-KR" altLang="en-US" dirty="0" err="1"/>
-              <a:t>꺼고요</a:t>
-            </a:r>
-            <a:r>
-              <a:rPr lang="en-US" altLang="ko-KR" dirty="0"/>
-              <a:t>. </a:t>
-            </a:r>
-            <a:r>
-              <a:rPr lang="ko-KR" altLang="en-US" dirty="0"/>
-              <a:t>고객 불만도 점점 높아질 겁니다</a:t>
+              <a:t>비용 또한 지속적으로 과다 청구될 겁니다</a:t>
             </a:r>
             <a:r>
               <a:rPr lang="en-US" altLang="ko-KR" dirty="0"/>
@@ -6710,7 +7087,15 @@
             </a:r>
             <a:r>
               <a:rPr lang="ko-KR" altLang="en-US" dirty="0"/>
-              <a:t>결제이력을 검색에 특화된 다른 데이터 저장소로 옮겨 서비스 해보려고 합니다</a:t>
+              <a:t>결제이력을</a:t>
+            </a:r>
+            <a:r>
+              <a:rPr lang="en-US" altLang="ko-KR" dirty="0"/>
+              <a:t>,</a:t>
+            </a:r>
+            <a:r>
+              <a:rPr lang="ko-KR" altLang="en-US" dirty="0"/>
+              <a:t> 검색에 특화된 다른 데이터 저장소로 옮겨 서비스를 개선해보려고 합니다</a:t>
             </a:r>
             <a:r>
               <a:rPr lang="en-US" altLang="ko-KR" dirty="0"/>
@@ -7226,15 +7611,62 @@
           <a:p>
             <a:r>
               <a:rPr lang="ko-KR" altLang="en-US" dirty="0"/>
-              <a:t>그런데</a:t>
+              <a:t>이렇게 일시적으로 응답 불능 상태에 빠진 </a:t>
+            </a:r>
+            <a:r>
+              <a:rPr lang="en-US" altLang="ko-KR" dirty="0"/>
+              <a:t>PG</a:t>
+            </a:r>
+            <a:r>
+              <a:rPr lang="ko-KR" altLang="en-US" dirty="0"/>
+              <a:t>사 서버에</a:t>
+            </a:r>
+            <a:r>
+              <a:rPr lang="en-US" altLang="ko-KR" dirty="0"/>
+              <a:t> </a:t>
+            </a:r>
+            <a:r>
+              <a:rPr lang="ko-KR" altLang="en-US" dirty="0"/>
+              <a:t>실패한 결제요청을 연속해서 다시 요청하는 것은</a:t>
             </a:r>
             <a:r>
               <a:rPr lang="en-US" altLang="ko-KR" dirty="0"/>
               <a:t>, </a:t>
             </a:r>
-            <a:r>
-              <a:rPr lang="ko-KR" altLang="en-US" dirty="0"/>
-              <a:t>이런 서버에</a:t>
+          </a:p>
+          <a:p>
+            <a:r>
+              <a:rPr lang="ko-KR" altLang="en-US" dirty="0"/>
+              <a:t>아픈 친구 더 </a:t>
+            </a:r>
+            <a:r>
+              <a:rPr lang="ko-KR" altLang="en-US" dirty="0" err="1"/>
+              <a:t>아프라고</a:t>
+            </a:r>
+            <a:r>
+              <a:rPr lang="ko-KR" altLang="en-US" dirty="0"/>
+              <a:t> </a:t>
+            </a:r>
+            <a:r>
+              <a:rPr lang="en-US" altLang="ko-KR" dirty="0"/>
+              <a:t>DDOS </a:t>
+            </a:r>
+            <a:r>
+              <a:rPr lang="ko-KR" altLang="en-US" dirty="0"/>
+              <a:t>공격을 가하는 셈이라 문제 해결이 전혀 도움이 되지 않습니다</a:t>
+            </a:r>
+            <a:r>
+              <a:rPr lang="en-US" altLang="ko-KR" dirty="0"/>
+              <a:t>.</a:t>
+            </a:r>
+          </a:p>
+          <a:p>
+            <a:endParaRPr lang="en-US" altLang="ko-KR" dirty="0"/>
+          </a:p>
+          <a:p>
+            <a:r>
+              <a:rPr lang="ko-KR" altLang="en-US" dirty="0"/>
+              <a:t>때문에</a:t>
             </a:r>
             <a:r>
               <a:rPr lang="en-US" altLang="ko-KR" dirty="0"/>
@@ -7242,52 +7674,7 @@
             </a:r>
             <a:r>
               <a:rPr lang="ko-KR" altLang="en-US" dirty="0"/>
-              <a:t>실패한 결제요청을 수십 번</a:t>
-            </a:r>
-            <a:r>
-              <a:rPr lang="en-US" altLang="ko-KR" dirty="0"/>
-              <a:t>,</a:t>
-            </a:r>
-            <a:r>
-              <a:rPr lang="ko-KR" altLang="en-US" dirty="0"/>
-              <a:t> 연속해서 다시 찌르는 것은</a:t>
-            </a:r>
-            <a:r>
-              <a:rPr lang="en-US" altLang="ko-KR" dirty="0"/>
-              <a:t>, PG</a:t>
-            </a:r>
-            <a:r>
-              <a:rPr lang="ko-KR" altLang="en-US" dirty="0"/>
-              <a:t>사 서버에 </a:t>
-            </a:r>
-            <a:r>
-              <a:rPr lang="en-US" altLang="ko-KR" dirty="0"/>
-              <a:t>DDOS </a:t>
-            </a:r>
-            <a:r>
-              <a:rPr lang="ko-KR" altLang="en-US" dirty="0"/>
-              <a:t>공격만 가하는 꼴이며</a:t>
-            </a:r>
-            <a:r>
-              <a:rPr lang="en-US" altLang="ko-KR" dirty="0"/>
-              <a:t>, </a:t>
-            </a:r>
-            <a:r>
-              <a:rPr lang="ko-KR" altLang="en-US" dirty="0"/>
-              <a:t>문제 해결이 전혀 도움이 되지 않습니다</a:t>
-            </a:r>
-            <a:r>
-              <a:rPr lang="en-US" altLang="ko-KR" dirty="0"/>
-              <a:t>.</a:t>
-            </a:r>
-          </a:p>
-          <a:p>
-            <a:endParaRPr lang="en-US" altLang="ko-KR" dirty="0"/>
-          </a:p>
-          <a:p>
-            <a:r>
-              <a:rPr lang="ko-KR" altLang="en-US" dirty="0"/>
-              <a:t>때문에</a:t>
+              <a:t>재처리 요청을 할 때는</a:t>
             </a:r>
             <a:r>
               <a:rPr lang="en-US" altLang="ko-KR" dirty="0"/>
@@ -7536,12 +7923,53 @@
           </a:p>
           <a:p>
             <a:r>
-              <a:rPr lang="en-US" altLang="ko-KR" dirty="0"/>
-              <a:t>PG </a:t>
-            </a:r>
-            <a:r>
-              <a:rPr lang="ko-KR" altLang="en-US" dirty="0"/>
-              <a:t>서버가 일시적으로 응답 불능에 빠지면</a:t>
+              <a:rPr lang="ko-KR" altLang="en-US" dirty="0"/>
+              <a:t>결재 실패 건들은</a:t>
+            </a:r>
+            <a:r>
+              <a:rPr lang="en-US" altLang="ko-KR" dirty="0"/>
+              <a:t>, PG</a:t>
+            </a:r>
+            <a:r>
+              <a:rPr lang="ko-KR" altLang="en-US" dirty="0"/>
+              <a:t>사 서버가 일시적으로 응답 불능상태에 빠진 그 순간에 </a:t>
+            </a:r>
+            <a:r>
+              <a:rPr lang="ko-KR" altLang="en-US" dirty="0" err="1"/>
+              <a:t>몰려있거든요</a:t>
+            </a:r>
+            <a:r>
+              <a:rPr lang="en-US" altLang="ko-KR" dirty="0"/>
+              <a:t>. </a:t>
+            </a:r>
+            <a:r>
+              <a:rPr lang="ko-KR" altLang="en-US" dirty="0"/>
+              <a:t>그래서 </a:t>
+            </a:r>
+            <a:r>
+              <a:rPr lang="en-US" altLang="ko-KR" dirty="0"/>
+              <a:t>backoff </a:t>
+            </a:r>
+            <a:r>
+              <a:rPr lang="ko-KR" altLang="en-US" dirty="0" err="1"/>
+              <a:t>카운팅도</a:t>
+            </a:r>
+            <a:r>
+              <a:rPr lang="ko-KR" altLang="en-US" dirty="0"/>
+              <a:t> 함께 몰려다닙니다</a:t>
+            </a:r>
+            <a:r>
+              <a:rPr lang="en-US" altLang="ko-KR" dirty="0"/>
+              <a:t>.</a:t>
+            </a:r>
+          </a:p>
+          <a:p>
+            <a:endParaRPr lang="en-US" altLang="ko-KR" dirty="0"/>
+          </a:p>
+          <a:p>
+            <a:r>
+              <a:rPr lang="ko-KR" altLang="en-US" dirty="0"/>
+              <a:t>때문에</a:t>
             </a:r>
             <a:r>
               <a:rPr lang="en-US" altLang="ko-KR" dirty="0"/>
@@ -7549,7 +7977,7 @@
             </a:r>
             <a:r>
               <a:rPr lang="ko-KR" altLang="en-US" dirty="0"/>
-              <a:t>결제 실패 건들은 바로 그 순간부터 덩어리 째로 발생해</a:t>
+              <a:t>저희의 선한 의도와는 달리</a:t>
             </a:r>
             <a:r>
               <a:rPr lang="en-US" altLang="ko-KR" dirty="0"/>
@@ -7557,19 +7985,75 @@
             </a:r>
             <a:r>
               <a:rPr lang="ko-KR" altLang="en-US" dirty="0"/>
-              <a:t>몰려다니면서 </a:t>
-            </a:r>
-            <a:r>
-              <a:rPr lang="en-US" altLang="ko-KR" dirty="0"/>
-              <a:t>backoff </a:t>
+              <a:t>오른쪽 그래프처럼</a:t>
+            </a:r>
+            <a:r>
+              <a:rPr lang="en-US" altLang="ko-KR" dirty="0"/>
+              <a:t>, </a:t>
+            </a:r>
+            <a:r>
+              <a:rPr lang="ko-KR" altLang="en-US" dirty="0"/>
+              <a:t>재처리 요청은</a:t>
+            </a:r>
+            <a:r>
+              <a:rPr lang="en-US" altLang="ko-KR" dirty="0"/>
+              <a:t>, 2</a:t>
+            </a:r>
+            <a:r>
+              <a:rPr lang="ko-KR" altLang="en-US" dirty="0"/>
+              <a:t>의 </a:t>
+            </a:r>
+            <a:r>
+              <a:rPr lang="en-US" altLang="ko-KR" dirty="0"/>
+              <a:t>1</a:t>
+            </a:r>
+            <a:r>
+              <a:rPr lang="ko-KR" altLang="en-US" dirty="0"/>
+              <a:t>승 초에 잔뜩</a:t>
+            </a:r>
+            <a:r>
+              <a:rPr lang="en-US" altLang="ko-KR" dirty="0"/>
+              <a:t>, 2</a:t>
+            </a:r>
+            <a:r>
+              <a:rPr lang="ko-KR" altLang="en-US" dirty="0"/>
+              <a:t>의 </a:t>
+            </a:r>
+            <a:r>
+              <a:rPr lang="en-US" altLang="ko-KR" dirty="0"/>
+              <a:t>2</a:t>
+            </a:r>
+            <a:r>
+              <a:rPr lang="ko-KR" altLang="en-US" dirty="0"/>
+              <a:t>승 초에 잔뜩</a:t>
+            </a:r>
+            <a:r>
+              <a:rPr lang="en-US" altLang="ko-KR" dirty="0"/>
+              <a:t>, </a:t>
+            </a:r>
+            <a:r>
+              <a:rPr lang="ko-KR" altLang="en-US" dirty="0"/>
+              <a:t>이렇게 </a:t>
+            </a:r>
+            <a:r>
+              <a:rPr lang="en-US" altLang="ko-KR" dirty="0"/>
+              <a:t>2</a:t>
+            </a:r>
+            <a:r>
+              <a:rPr lang="ko-KR" altLang="en-US" dirty="0"/>
+              <a:t>의 </a:t>
+            </a:r>
+            <a:r>
+              <a:rPr lang="en-US" altLang="ko-KR" dirty="0"/>
+              <a:t>n</a:t>
+            </a:r>
+            <a:r>
+              <a:rPr lang="ko-KR" altLang="en-US" dirty="0"/>
+              <a:t>승 초에 잔뜩 </a:t>
             </a:r>
             <a:r>
               <a:rPr lang="ko-KR" altLang="en-US" dirty="0" err="1"/>
-              <a:t>카운팅을</a:t>
-            </a:r>
-            <a:r>
-              <a:rPr lang="ko-KR" altLang="en-US" dirty="0"/>
-              <a:t> 시작합니다</a:t>
+              <a:t>몰려있습니다</a:t>
             </a:r>
             <a:r>
               <a:rPr lang="en-US" altLang="ko-KR" dirty="0"/>
@@ -7582,104 +8066,7 @@
           <a:p>
             <a:r>
               <a:rPr lang="ko-KR" altLang="en-US" dirty="0"/>
-              <a:t>때문에</a:t>
-            </a:r>
-            <a:r>
-              <a:rPr lang="en-US" altLang="ko-KR" dirty="0"/>
-              <a:t>, </a:t>
-            </a:r>
-            <a:r>
-              <a:rPr lang="ko-KR" altLang="en-US" dirty="0"/>
-              <a:t>저희의 선한 의도와는 달리</a:t>
-            </a:r>
-            <a:r>
-              <a:rPr lang="en-US" altLang="ko-KR" dirty="0"/>
-              <a:t>, </a:t>
-            </a:r>
-            <a:r>
-              <a:rPr lang="ko-KR" altLang="en-US" dirty="0"/>
-              <a:t>오른쪽 그래프처럼</a:t>
-            </a:r>
-            <a:r>
-              <a:rPr lang="en-US" altLang="ko-KR" dirty="0"/>
-              <a:t>, </a:t>
-            </a:r>
-            <a:r>
-              <a:rPr lang="ko-KR" altLang="en-US" dirty="0"/>
-              <a:t>재처리 요청은</a:t>
-            </a:r>
-            <a:r>
-              <a:rPr lang="en-US" altLang="ko-KR" dirty="0"/>
-              <a:t>, 2</a:t>
-            </a:r>
-            <a:r>
-              <a:rPr lang="ko-KR" altLang="en-US" dirty="0"/>
-              <a:t>의 </a:t>
-            </a:r>
-            <a:r>
-              <a:rPr lang="en-US" altLang="ko-KR" dirty="0"/>
-              <a:t>1</a:t>
-            </a:r>
-            <a:r>
-              <a:rPr lang="ko-KR" altLang="en-US" dirty="0"/>
-              <a:t>승 초에 잔뜩</a:t>
-            </a:r>
-            <a:r>
-              <a:rPr lang="en-US" altLang="ko-KR" dirty="0"/>
-              <a:t>, 2</a:t>
-            </a:r>
-            <a:r>
-              <a:rPr lang="ko-KR" altLang="en-US" dirty="0"/>
-              <a:t>의 </a:t>
-            </a:r>
-            <a:r>
-              <a:rPr lang="en-US" altLang="ko-KR" dirty="0"/>
-              <a:t>2</a:t>
-            </a:r>
-            <a:r>
-              <a:rPr lang="ko-KR" altLang="en-US" dirty="0"/>
-              <a:t>승 초에 잔뜩</a:t>
-            </a:r>
-            <a:r>
-              <a:rPr lang="en-US" altLang="ko-KR" dirty="0"/>
-              <a:t>, </a:t>
-            </a:r>
-            <a:r>
-              <a:rPr lang="ko-KR" altLang="en-US" dirty="0"/>
-              <a:t>이렇게 </a:t>
-            </a:r>
-            <a:r>
-              <a:rPr lang="en-US" altLang="ko-KR" dirty="0"/>
-              <a:t>2</a:t>
-            </a:r>
-            <a:r>
-              <a:rPr lang="ko-KR" altLang="en-US" dirty="0"/>
-              <a:t>의 </a:t>
-            </a:r>
-            <a:r>
-              <a:rPr lang="en-US" altLang="ko-KR" dirty="0"/>
-              <a:t>n</a:t>
-            </a:r>
-            <a:r>
-              <a:rPr lang="ko-KR" altLang="en-US" dirty="0"/>
-              <a:t>승 초에 잔뜩 몰려 날아갑니다</a:t>
-            </a:r>
-            <a:r>
-              <a:rPr lang="en-US" altLang="ko-KR" dirty="0"/>
-              <a:t>.</a:t>
-            </a:r>
-          </a:p>
-          <a:p>
-            <a:endParaRPr lang="en-US" altLang="ko-KR" dirty="0"/>
-          </a:p>
-          <a:p>
-            <a:r>
-              <a:rPr lang="ko-KR" altLang="en-US" dirty="0" err="1"/>
-              <a:t>아직까진</a:t>
-            </a:r>
-            <a:r>
-              <a:rPr lang="ko-KR" altLang="en-US" dirty="0"/>
-              <a:t> </a:t>
+              <a:t>이래서는 </a:t>
             </a:r>
             <a:r>
               <a:rPr lang="en-US" altLang="ko-KR" dirty="0"/>
@@ -7799,7 +8186,40 @@
           <a:p>
             <a:r>
               <a:rPr lang="en-US" altLang="ko-KR" dirty="0"/>
-              <a:t>2 </a:t>
+              <a:t>Jitter</a:t>
+            </a:r>
+            <a:r>
+              <a:rPr lang="ko-KR" altLang="en-US" dirty="0"/>
+              <a:t>란 고주파 파동 일부가 일탈하거나 </a:t>
+            </a:r>
+            <a:r>
+              <a:rPr lang="ko-KR" altLang="en-US" dirty="0" err="1"/>
+              <a:t>변위하는</a:t>
+            </a:r>
+            <a:r>
+              <a:rPr lang="ko-KR" altLang="en-US" dirty="0"/>
+              <a:t> 것을 일컫는 용어인데요</a:t>
+            </a:r>
+            <a:r>
+              <a:rPr lang="en-US" altLang="ko-KR" dirty="0"/>
+              <a:t>. </a:t>
+            </a:r>
+            <a:r>
+              <a:rPr lang="ko-KR" altLang="en-US" dirty="0"/>
+              <a:t>여기서는 지연시간에 노이즈를 추가하는 것을 의미합니다</a:t>
+            </a:r>
+            <a:r>
+              <a:rPr lang="en-US" altLang="ko-KR" dirty="0"/>
+              <a:t>.</a:t>
+            </a:r>
+          </a:p>
+          <a:p>
+            <a:endParaRPr lang="en-US" altLang="ko-KR" dirty="0"/>
+          </a:p>
+          <a:p>
+            <a:r>
+              <a:rPr lang="en-US" altLang="ko-KR" dirty="0"/>
+              <a:t>2</a:t>
             </a:r>
             <a:r>
               <a:rPr lang="ko-KR" altLang="en-US" dirty="0"/>
@@ -7815,7 +8235,7 @@
             </a:r>
             <a:r>
               <a:rPr lang="en-US" altLang="ko-KR" dirty="0"/>
-              <a:t>, 2 </a:t>
+              <a:t>, (2</a:t>
             </a:r>
             <a:r>
               <a:rPr lang="ko-KR" altLang="en-US" dirty="0"/>
@@ -7827,11 +8247,19 @@
             </a:r>
             <a:r>
               <a:rPr lang="ko-KR" altLang="en-US" dirty="0"/>
-              <a:t>승 </a:t>
-            </a:r>
-            <a:r>
-              <a:rPr lang="en-US" altLang="ko-KR" dirty="0"/>
-              <a:t>+ 0</a:t>
+              <a:t>승</a:t>
+            </a:r>
+            <a:r>
+              <a:rPr lang="en-US" altLang="ko-KR" dirty="0"/>
+              <a:t>)</a:t>
+            </a:r>
+            <a:r>
+              <a:rPr lang="ko-KR" altLang="en-US" dirty="0"/>
+              <a:t> 더하기</a:t>
+            </a:r>
+            <a:r>
+              <a:rPr lang="en-US" altLang="ko-KR" dirty="0"/>
+              <a:t> (0</a:t>
             </a:r>
             <a:r>
               <a:rPr lang="ko-KR" altLang="en-US" dirty="0"/>
@@ -7851,7 +8279,15 @@
             </a:r>
             <a:r>
               <a:rPr lang="ko-KR" altLang="en-US" dirty="0"/>
-              <a:t>승 사이의 랜덤 </a:t>
+              <a:t>승</a:t>
+            </a:r>
+            <a:r>
+              <a:rPr lang="en-US" altLang="ko-KR" dirty="0"/>
+              <a:t>)</a:t>
+            </a:r>
+            <a:r>
+              <a:rPr lang="ko-KR" altLang="en-US" dirty="0"/>
+              <a:t> 사이의 랜덤 </a:t>
             </a:r>
             <a:r>
               <a:rPr lang="ko-KR" altLang="en-US" dirty="0" err="1"/>
@@ -7859,7 +8295,20 @@
             </a:r>
             <a:r>
               <a:rPr lang="ko-KR" altLang="en-US" dirty="0"/>
-              <a:t> 지연시켜 재처리를 요청하는 것이 바람직합니다</a:t>
+              <a:t> 지연시켜 재처리를 요청해 보려고 합니다</a:t>
+            </a:r>
+            <a:r>
+              <a:rPr lang="en-US" altLang="ko-KR" dirty="0"/>
+              <a:t>.</a:t>
+            </a:r>
+          </a:p>
+          <a:p>
+            <a:endParaRPr lang="en-US" altLang="ko-KR" dirty="0"/>
+          </a:p>
+          <a:p>
+            <a:r>
+              <a:rPr lang="ko-KR" altLang="en-US" dirty="0"/>
+              <a:t>이러면 왼쪽 그림처럼 재처리 요청이 특정 시간에 몰려다니지 않고 고루 분포될 수 있습니다</a:t>
             </a:r>
             <a:r>
               <a:rPr lang="en-US" altLang="ko-KR" dirty="0"/>
@@ -8081,9 +8530,6 @@
             </a:r>
           </a:p>
           <a:p>
-            <a:endParaRPr lang="en-US" altLang="ko-KR" dirty="0"/>
-          </a:p>
-          <a:p>
             <a:r>
               <a:rPr lang="ko-KR" altLang="en-US" dirty="0" err="1"/>
               <a:t>지연로직은</a:t>
@@ -8139,7 +8585,7 @@
             </a:r>
             <a:r>
               <a:rPr lang="ko-KR" altLang="en-US" dirty="0"/>
-              <a:t>서버가 죽었을 때 문제가 발생할 것 같습니다</a:t>
+              <a:t>서버가 죽었을 때 문제가 발생합니다</a:t>
             </a:r>
             <a:r>
               <a:rPr lang="en-US" altLang="ko-KR" dirty="0"/>
@@ -8172,107 +8618,51 @@
             </a:r>
             <a:r>
               <a:rPr lang="ko-KR" altLang="en-US" dirty="0"/>
-              <a:t>에 보관되어 있어 서버가 죽어도 재처리에 영향이 없는 반면</a:t>
+              <a:t>에 보관되어 있어 서버가 죽어도 처리 중이던 내역이 남아있는 반면</a:t>
+            </a:r>
+            <a:endParaRPr lang="en-US" altLang="ko-KR" dirty="0"/>
+          </a:p>
+          <a:p>
+            <a:r>
+              <a:rPr lang="ko-KR" altLang="en-US" dirty="0"/>
+              <a:t>여기서는 서버가 죽으면</a:t>
+            </a:r>
+            <a:r>
+              <a:rPr lang="en-US" altLang="ko-KR" dirty="0"/>
+              <a:t>, </a:t>
+            </a:r>
+            <a:r>
+              <a:rPr lang="ko-KR" altLang="en-US" dirty="0"/>
+              <a:t>처리 중이던 건들이 모두 유실됩니다</a:t>
+            </a:r>
+            <a:r>
+              <a:rPr lang="en-US" altLang="ko-KR" dirty="0"/>
+              <a:t>.</a:t>
+            </a:r>
+          </a:p>
+          <a:p>
+            <a:endParaRPr lang="en-US" altLang="ko-KR" dirty="0"/>
+          </a:p>
+          <a:p>
+            <a:r>
+              <a:rPr lang="ko-KR" altLang="en-US" dirty="0"/>
+              <a:t>그래서</a:t>
+            </a:r>
+            <a:r>
+              <a:rPr lang="en-US" altLang="ko-KR" dirty="0"/>
+              <a:t>, </a:t>
+            </a:r>
+            <a:r>
+              <a:rPr lang="ko-KR" altLang="en-US" dirty="0"/>
+              <a:t>저희는</a:t>
             </a:r>
             <a:r>
               <a:rPr lang="en-US" altLang="ko-KR" dirty="0"/>
               <a:t>,</a:t>
             </a:r>
-          </a:p>
-          <a:p>
-            <a:endParaRPr lang="en-US" altLang="ko-KR" dirty="0"/>
-          </a:p>
-          <a:p>
-            <a:r>
-              <a:rPr lang="ko-KR" altLang="en-US" dirty="0"/>
-              <a:t>여기서는 서버가 죽으면</a:t>
-            </a:r>
-            <a:r>
-              <a:rPr lang="en-US" altLang="ko-KR" dirty="0"/>
-              <a:t>, </a:t>
-            </a:r>
-            <a:r>
-              <a:rPr lang="ko-KR" altLang="en-US" dirty="0"/>
-              <a:t>지연 처리 중이던 재처리 건들 모두 날아가 버립니다</a:t>
-            </a:r>
-            <a:r>
-              <a:rPr lang="en-US" altLang="ko-KR" dirty="0"/>
-              <a:t>.</a:t>
-            </a:r>
-          </a:p>
-          <a:p>
-            <a:endParaRPr lang="en-US" altLang="ko-KR" dirty="0"/>
-          </a:p>
-          <a:p>
-            <a:r>
-              <a:rPr lang="ko-KR" altLang="en-US" dirty="0"/>
-              <a:t>현재 설계에서는</a:t>
-            </a:r>
-            <a:r>
-              <a:rPr lang="en-US" altLang="ko-KR" dirty="0"/>
-              <a:t>, </a:t>
-            </a:r>
-            <a:r>
-              <a:rPr lang="ko-KR" altLang="en-US" dirty="0"/>
-              <a:t>서버 </a:t>
-            </a:r>
-            <a:r>
-              <a:rPr lang="ko-KR" altLang="en-US" dirty="0" err="1"/>
-              <a:t>재기동</a:t>
-            </a:r>
-            <a:r>
-              <a:rPr lang="ko-KR" altLang="en-US" dirty="0"/>
-              <a:t> 후 재처리 작업 재개하려면</a:t>
-            </a:r>
-            <a:r>
-              <a:rPr lang="en-US" altLang="ko-KR" dirty="0"/>
-              <a:t>,</a:t>
-            </a:r>
-          </a:p>
-          <a:p>
-            <a:endParaRPr lang="en-US" altLang="ko-KR" dirty="0"/>
-          </a:p>
-          <a:p>
-            <a:r>
-              <a:rPr lang="ko-KR" altLang="en-US" dirty="0"/>
-              <a:t>어떤 건이 재처리 중이었는지 전체 주문내역 뒤져서</a:t>
-            </a:r>
-            <a:r>
-              <a:rPr lang="en-US" altLang="ko-KR" dirty="0"/>
-              <a:t>, </a:t>
-            </a:r>
-            <a:r>
-              <a:rPr lang="ko-KR" altLang="en-US" dirty="0"/>
-              <a:t>수작업으로 개별 처리하는 수고가 필요할 것 같습니다</a:t>
-            </a:r>
-            <a:r>
-              <a:rPr lang="en-US" altLang="ko-KR" dirty="0"/>
-              <a:t>.</a:t>
-            </a:r>
-          </a:p>
-          <a:p>
-            <a:endParaRPr lang="en-US" altLang="ko-KR" dirty="0"/>
-          </a:p>
-          <a:p>
-            <a:r>
-              <a:rPr lang="ko-KR" altLang="en-US" dirty="0"/>
-              <a:t>그래서</a:t>
-            </a:r>
-            <a:r>
-              <a:rPr lang="en-US" altLang="ko-KR" dirty="0"/>
-              <a:t>, </a:t>
-            </a:r>
-            <a:r>
-              <a:rPr lang="ko-KR" altLang="en-US" dirty="0"/>
-              <a:t>저희는</a:t>
-            </a:r>
-            <a:r>
-              <a:rPr lang="en-US" altLang="ko-KR" dirty="0"/>
-              <a:t>,</a:t>
-            </a:r>
-            <a:r>
-              <a:rPr lang="ko-KR" altLang="en-US" dirty="0"/>
-              <a:t> 재처리 요청중인 </a:t>
+            <a:r>
+              <a:rPr lang="ko-KR" altLang="en-US" dirty="0"/>
+              <a:t> 작업중인 </a:t>
             </a:r>
             <a:r>
               <a:rPr lang="ko-KR" altLang="en-US" dirty="0" err="1"/>
@@ -8295,11 +8685,42 @@
               <a:t>마킹해두고</a:t>
             </a:r>
             <a:r>
+              <a:rPr lang="ko-KR" altLang="en-US" dirty="0"/>
+              <a:t> 작업이 완료되면 이를 삭제하겠습니다</a:t>
+            </a:r>
+            <a:r>
+              <a:rPr lang="en-US" altLang="ko-KR" dirty="0"/>
+              <a:t>.</a:t>
+            </a:r>
+          </a:p>
+          <a:p>
+            <a:r>
+              <a:rPr lang="ko-KR" altLang="en-US" dirty="0"/>
+              <a:t>이렇게 처리하면</a:t>
+            </a:r>
+            <a:r>
               <a:rPr lang="en-US" altLang="ko-KR" dirty="0"/>
               <a:t>, </a:t>
             </a:r>
             <a:r>
               <a:rPr lang="ko-KR" altLang="en-US" dirty="0"/>
+              <a:t>서버 재기동시 남아있는 마킹 건들은 모두 작업 진행중이던 건들이 </a:t>
+            </a:r>
+            <a:r>
+              <a:rPr lang="ko-KR" altLang="en-US" dirty="0" err="1"/>
+              <a:t>되는거죠</a:t>
+            </a:r>
+            <a:r>
+              <a:rPr lang="en-US" altLang="ko-KR" dirty="0"/>
+              <a:t>.</a:t>
+            </a:r>
+          </a:p>
+          <a:p>
+            <a:endParaRPr lang="en-US" altLang="ko-KR" dirty="0"/>
+          </a:p>
+          <a:p>
+            <a:r>
+              <a:rPr lang="ko-KR" altLang="en-US" dirty="0"/>
               <a:t>서버 재기동시</a:t>
             </a:r>
             <a:r>
@@ -8308,12 +8729,17 @@
             </a:r>
             <a:r>
               <a:rPr lang="ko-KR" altLang="en-US" dirty="0"/>
-              <a:t>이 미완료 재처리 건을 다시 재개할 수 있도록 기능을 확장해 보겠습니다</a:t>
-            </a:r>
-            <a:r>
-              <a:rPr lang="en-US" altLang="ko-KR" dirty="0"/>
-              <a:t>.</a:t>
-            </a:r>
+              <a:t>이 미완료 건들을 일괄 재처리 할 수 있는 기능까지 포함해</a:t>
+            </a:r>
+            <a:r>
+              <a:rPr lang="en-US" altLang="ko-KR" dirty="0"/>
+              <a:t>, </a:t>
+            </a:r>
+            <a:r>
+              <a:rPr lang="ko-KR" altLang="en-US" dirty="0"/>
+              <a:t>기능 확장해 보도록 하겠습니다</a:t>
+            </a:r>
+            <a:endParaRPr lang="en-US" altLang="ko-KR" dirty="0"/>
           </a:p>
         </p:txBody>
       </p:sp>
@@ -11960,7 +12386,9 @@
           <a:prstGeom prst="can">
             <a:avLst/>
           </a:prstGeom>
-          <a:noFill/>
+          <a:solidFill>
+            <a:schemeClr val="bg1"/>
+          </a:solidFill>
           <a:ln w="19050" cap="flat" cmpd="sng" algn="ctr">
             <a:solidFill>
               <a:schemeClr val="dk1"/>
@@ -12250,7 +12678,9 @@
           <a:prstGeom prst="roundRect">
             <a:avLst/>
           </a:prstGeom>
-          <a:noFill/>
+          <a:solidFill>
+            <a:schemeClr val="bg1"/>
+          </a:solidFill>
           <a:ln w="19050" cap="flat" cmpd="sng" algn="ctr">
             <a:solidFill>
               <a:schemeClr val="dk1"/>
@@ -21236,6 +21666,10 @@
           <a:p>
             <a:pPr lvl="2"/>
             <a:r>
+              <a:rPr lang="ko-KR" altLang="en-US" dirty="0"/>
+              <a:t>테이블 간 </a:t>
+            </a:r>
+            <a:r>
               <a:rPr lang="en-US" altLang="ko-KR" dirty="0"/>
               <a:t>Join </a:t>
             </a:r>
@@ -22981,6 +23415,10 @@
           </a:p>
           <a:p>
             <a:pPr lvl="2"/>
+            <a:r>
+              <a:rPr lang="ko-KR" altLang="en-US" dirty="0"/>
+              <a:t>테이블 간 </a:t>
+            </a:r>
             <a:r>
               <a:rPr lang="en-US" altLang="ko-KR" dirty="0"/>
               <a:t>Join </a:t>

--- a/99.ppt/[Ch4-8. 결제 서비스 기능확장.pptx
+++ b/99.ppt/[Ch4-8. 결제 서비스 기능확장.pptx
@@ -239,7 +239,7 @@
           <a:p>
             <a:fld id="{9B770909-2C76-4DF9-BB76-4EE283593418}" type="datetimeFigureOut">
               <a:rPr lang="ko-KR" altLang="en-US" smtClean="0"/>
-              <a:t>2023-10-26</a:t>
+              <a:t>2023-10-27</a:t>
             </a:fld>
             <a:endParaRPr lang="ko-KR" altLang="en-US"/>
           </a:p>
@@ -4866,24 +4866,21 @@
               <a:buFont typeface="Arial" panose="020B0604020202020204" pitchFamily="34" charset="0"/>
               <a:buNone/>
             </a:pPr>
-            <a:endParaRPr lang="en-US" altLang="ko-KR" dirty="0"/>
-          </a:p>
-          <a:p>
-            <a:pPr marL="0" indent="0">
-              <a:buFont typeface="Arial" panose="020B0604020202020204" pitchFamily="34" charset="0"/>
-              <a:buNone/>
-            </a:pPr>
-            <a:r>
-              <a:rPr lang="ko-KR" altLang="en-US" dirty="0"/>
-              <a:t>물론 </a:t>
-            </a:r>
-            <a:r>
-              <a:rPr lang="en-US" altLang="ko-KR" dirty="0"/>
-              <a:t>exactly once </a:t>
-            </a:r>
-            <a:r>
-              <a:rPr lang="ko-KR" altLang="en-US" dirty="0"/>
-              <a:t>옵션을 켜고 전송해도 되지만</a:t>
+            <a:r>
+              <a:rPr lang="ko-KR" altLang="en-US" dirty="0"/>
+              <a:t>이건</a:t>
+            </a:r>
+            <a:r>
+              <a:rPr lang="en-US" altLang="ko-KR" dirty="0"/>
+              <a:t>... Kafka </a:t>
+            </a:r>
+            <a:r>
+              <a:rPr lang="ko-KR" altLang="en-US" dirty="0"/>
+              <a:t>가 </a:t>
+            </a:r>
+            <a:r>
+              <a:rPr lang="ko-KR" altLang="en-US" dirty="0" err="1"/>
+              <a:t>문제라기보다는</a:t>
             </a:r>
             <a:r>
               <a:rPr lang="en-US" altLang="ko-KR" dirty="0"/>
@@ -4891,81 +4888,7 @@
             </a:r>
             <a:r>
               <a:rPr lang="ko-KR" altLang="en-US" dirty="0"/>
-              <a:t>이는 모든 </a:t>
-            </a:r>
-            <a:r>
-              <a:rPr lang="en-US" altLang="ko-KR" dirty="0"/>
-              <a:t>Follower </a:t>
-            </a:r>
-            <a:r>
-              <a:rPr lang="ko-KR" altLang="en-US" dirty="0"/>
-              <a:t>에 데이터가 정상 </a:t>
-            </a:r>
-            <a:r>
-              <a:rPr lang="ko-KR" altLang="en-US" dirty="0" err="1"/>
-              <a:t>기록되는것을</a:t>
-            </a:r>
-            <a:r>
-              <a:rPr lang="ko-KR" altLang="en-US" dirty="0"/>
-              <a:t> 기다리기 때문에</a:t>
-            </a:r>
-            <a:r>
-              <a:rPr lang="en-US" altLang="ko-KR" dirty="0"/>
-              <a:t>, </a:t>
-            </a:r>
-            <a:r>
-              <a:rPr lang="ko-KR" altLang="en-US" dirty="0" err="1"/>
-              <a:t>메세지</a:t>
-            </a:r>
-            <a:r>
-              <a:rPr lang="ko-KR" altLang="en-US" dirty="0"/>
-              <a:t> 유통 전반이 느려져서 사용하지 않습니다</a:t>
-            </a:r>
-            <a:r>
-              <a:rPr lang="en-US" altLang="ko-KR" dirty="0"/>
-              <a:t>.</a:t>
-            </a:r>
-          </a:p>
-          <a:p>
-            <a:pPr marL="0" indent="0">
-              <a:buFont typeface="Arial" panose="020B0604020202020204" pitchFamily="34" charset="0"/>
-              <a:buNone/>
-            </a:pPr>
-            <a:r>
-              <a:rPr lang="ko-KR" altLang="en-US" dirty="0"/>
-              <a:t>때문에 기본 옵션인 적어도 한 번</a:t>
-            </a:r>
-            <a:r>
-              <a:rPr lang="en-US" altLang="ko-KR" dirty="0"/>
-              <a:t>, at least once</a:t>
-            </a:r>
-            <a:r>
-              <a:rPr lang="ko-KR" altLang="en-US" dirty="0"/>
-              <a:t> 모드로 메세지를 전송합니다</a:t>
-            </a:r>
-            <a:r>
-              <a:rPr lang="en-US" altLang="ko-KR" dirty="0"/>
-              <a:t>. </a:t>
-            </a:r>
-            <a:r>
-              <a:rPr lang="ko-KR" altLang="en-US" dirty="0"/>
-              <a:t>이래야 대용량 고속의 이점을 살릴 수 있고</a:t>
-            </a:r>
-            <a:r>
-              <a:rPr lang="en-US" altLang="ko-KR" dirty="0"/>
-              <a:t>, </a:t>
-            </a:r>
-            <a:r>
-              <a:rPr lang="ko-KR" altLang="en-US" dirty="0"/>
-              <a:t>대부분의 경우 </a:t>
-            </a:r>
-            <a:r>
-              <a:rPr lang="en-US" altLang="ko-KR" dirty="0"/>
-              <a:t>exactly once </a:t>
-            </a:r>
-            <a:r>
-              <a:rPr lang="ko-KR" altLang="en-US" dirty="0"/>
-              <a:t>하게 메세지가 잘 날아갑니다</a:t>
+              <a:t>분산 시스템이 원래 그렇습니다</a:t>
             </a:r>
             <a:r>
               <a:rPr lang="en-US" altLang="ko-KR" dirty="0"/>
@@ -4980,33 +4903,66 @@
             <a:endParaRPr lang="en-US" altLang="ko-KR" dirty="0"/>
           </a:p>
           <a:p>
-            <a:pPr marL="0" indent="0">
+            <a:pPr marL="0" marR="0" lvl="0" indent="0" algn="l" defTabSz="685800" rtl="0" eaLnBrk="1" fontAlgn="auto" latinLnBrk="1" hangingPunct="1">
+              <a:lnSpc>
+                <a:spcPct val="100000"/>
+              </a:lnSpc>
+              <a:spcBef>
+                <a:spcPts val="0"/>
+              </a:spcBef>
+              <a:spcAft>
+                <a:spcPts val="0"/>
+              </a:spcAft>
+              <a:buClrTx/>
+              <a:buSzTx/>
               <a:buFont typeface="Arial" panose="020B0604020202020204" pitchFamily="34" charset="0"/>
               <a:buNone/>
+              <a:tabLst/>
+              <a:defRPr/>
             </a:pPr>
             <a:r>
               <a:rPr lang="ko-KR" altLang="en-US" dirty="0"/>
-              <a:t>하지만 아주 드물게 네트워크 또는 하드웨어에 이상이 발생할 수 있고요</a:t>
+              <a:t>보통은 메세지가 </a:t>
+            </a:r>
+            <a:r>
+              <a:rPr lang="en-US" altLang="ko-KR" dirty="0"/>
+              <a:t>1</a:t>
+            </a:r>
+            <a:r>
+              <a:rPr lang="ko-KR" altLang="en-US" dirty="0"/>
+              <a:t>번만 잘 날아가지만</a:t>
+            </a:r>
+            <a:r>
+              <a:rPr lang="en-US" altLang="ko-KR" dirty="0"/>
+              <a:t>, </a:t>
+            </a:r>
+            <a:r>
+              <a:rPr lang="ko-KR" altLang="en-US" dirty="0"/>
+              <a:t>아주 드물게 네트워크 또는 하드웨어가 튈 때가 있고요</a:t>
             </a:r>
             <a:r>
               <a:rPr lang="en-US" altLang="ko-KR" dirty="0"/>
               <a:t>. </a:t>
             </a:r>
             <a:r>
+              <a:rPr lang="ko-KR" altLang="en-US" dirty="0"/>
+              <a:t>이 때 메세지가 </a:t>
+            </a:r>
+            <a:r>
               <a:rPr lang="ko-KR" altLang="en-US" dirty="0" err="1"/>
-              <a:t>메세지</a:t>
-            </a:r>
-            <a:r>
-              <a:rPr lang="ko-KR" altLang="en-US" dirty="0"/>
-              <a:t> 자체는 </a:t>
-            </a:r>
-            <a:r>
-              <a:rPr lang="en-US" altLang="ko-KR" dirty="0"/>
-              <a:t>Idempotent key </a:t>
-            </a:r>
-            <a:r>
-              <a:rPr lang="ko-KR" altLang="en-US" dirty="0"/>
-              <a:t>로 정확히 한 개만 기록되지만</a:t>
+              <a:t>여러번</a:t>
+            </a:r>
+            <a:r>
+              <a:rPr lang="ko-KR" altLang="en-US" dirty="0"/>
+              <a:t> </a:t>
+            </a:r>
+            <a:r>
+              <a:rPr lang="en-US" altLang="ko-KR" dirty="0"/>
+              <a:t>producing </a:t>
+            </a:r>
+            <a:r>
+              <a:rPr lang="ko-KR" altLang="en-US" dirty="0"/>
+              <a:t>되거나</a:t>
             </a:r>
             <a:r>
               <a:rPr lang="en-US" altLang="ko-KR" dirty="0"/>
@@ -5014,23 +4970,15 @@
             </a:r>
             <a:r>
               <a:rPr lang="ko-KR" altLang="en-US" dirty="0"/>
-              <a:t>이상 발생시 </a:t>
-            </a:r>
-            <a:r>
-              <a:rPr lang="en-US" altLang="ko-KR" dirty="0"/>
-              <a:t>retry </a:t>
-            </a:r>
-            <a:r>
-              <a:rPr lang="ko-KR" altLang="en-US" dirty="0"/>
-              <a:t>하기 때문에 메세지가 여러 번 </a:t>
-            </a:r>
-            <a:r>
-              <a:rPr lang="en-US" altLang="ko-KR" dirty="0"/>
-              <a:t>producing </a:t>
-            </a:r>
-            <a:r>
-              <a:rPr lang="ko-KR" altLang="en-US" dirty="0"/>
-              <a:t>되거나 </a:t>
+              <a:t>또는 </a:t>
+            </a:r>
+            <a:r>
+              <a:rPr lang="ko-KR" altLang="en-US" dirty="0" err="1"/>
+              <a:t>여러번</a:t>
+            </a:r>
+            <a:r>
+              <a:rPr lang="ko-KR" altLang="en-US" dirty="0"/>
+              <a:t> </a:t>
             </a:r>
             <a:r>
               <a:rPr lang="en-US" altLang="ko-KR" dirty="0"/>
@@ -5063,32 +5011,230 @@
             </a:r>
             <a:r>
               <a:rPr lang="en-US" altLang="ko-KR" dirty="0"/>
-              <a:t>, exactly once </a:t>
-            </a:r>
-            <a:r>
-              <a:rPr lang="ko-KR" altLang="en-US" dirty="0"/>
-              <a:t>가 비지니스 상 꼭 필요하다면</a:t>
-            </a:r>
-            <a:r>
-              <a:rPr lang="en-US" altLang="ko-KR" dirty="0"/>
               <a:t>, </a:t>
             </a:r>
             <a:r>
               <a:rPr lang="ko-KR" altLang="en-US" dirty="0"/>
-              <a:t>이는 </a:t>
+              <a:t>금용거래나 </a:t>
             </a:r>
             <a:r>
               <a:rPr lang="ko-KR" altLang="en-US" dirty="0" err="1"/>
-              <a:t>컨슈머에서</a:t>
-            </a:r>
-            <a:r>
-              <a:rPr lang="ko-KR" altLang="en-US" dirty="0"/>
-              <a:t> 로직으로 처리해 주어야 합니다</a:t>
+              <a:t>과금정산</a:t>
+            </a:r>
+            <a:r>
+              <a:rPr lang="ko-KR" altLang="en-US" dirty="0"/>
+              <a:t> 등 중복이 발생하면 안되는 미션 </a:t>
+            </a:r>
+            <a:r>
+              <a:rPr lang="ko-KR" altLang="en-US" dirty="0" err="1"/>
+              <a:t>크리티컬한</a:t>
+            </a:r>
+            <a:r>
+              <a:rPr lang="ko-KR" altLang="en-US" dirty="0"/>
+              <a:t> </a:t>
+            </a:r>
+            <a:r>
+              <a:rPr lang="ko-KR" altLang="en-US" dirty="0" err="1"/>
+              <a:t>메세지</a:t>
+            </a:r>
+            <a:r>
+              <a:rPr lang="ko-KR" altLang="en-US" dirty="0"/>
+              <a:t> 전달은 다음과 같이 처리할 수 있습니다</a:t>
             </a:r>
             <a:r>
               <a:rPr lang="en-US" altLang="ko-KR" dirty="0"/>
               <a:t>.</a:t>
             </a:r>
+          </a:p>
+          <a:p>
+            <a:pPr marL="0" indent="0">
+              <a:buFont typeface="Arial" panose="020B0604020202020204" pitchFamily="34" charset="0"/>
+              <a:buNone/>
+            </a:pPr>
+            <a:endParaRPr lang="en-US" altLang="ko-KR" dirty="0"/>
+          </a:p>
+          <a:p>
+            <a:pPr marL="0" indent="0">
+              <a:buFont typeface="Arial" panose="020B0604020202020204" pitchFamily="34" charset="0"/>
+              <a:buNone/>
+            </a:pPr>
+            <a:r>
+              <a:rPr lang="en-US" altLang="ko-KR" dirty="0"/>
+              <a:t>1. </a:t>
+            </a:r>
+            <a:r>
+              <a:rPr lang="ko-KR" altLang="en-US" dirty="0"/>
+              <a:t>정확히 한 번 전송 </a:t>
+            </a:r>
+            <a:r>
+              <a:rPr lang="en-US" altLang="ko-KR" dirty="0"/>
+              <a:t>(exactly once) -&gt; Kafka</a:t>
+            </a:r>
+            <a:r>
+              <a:rPr lang="ko-KR" altLang="en-US" dirty="0"/>
+              <a:t> </a:t>
+            </a:r>
+            <a:r>
+              <a:rPr lang="en-US" altLang="ko-KR" dirty="0"/>
+              <a:t>0.11</a:t>
+            </a:r>
+            <a:r>
+              <a:rPr lang="ko-KR" altLang="en-US" dirty="0"/>
+              <a:t> 부터 가능</a:t>
+            </a:r>
+            <a:endParaRPr lang="en-US" altLang="ko-KR" dirty="0"/>
+          </a:p>
+          <a:p>
+            <a:pPr marL="0" indent="0">
+              <a:buFont typeface="Arial" panose="020B0604020202020204" pitchFamily="34" charset="0"/>
+              <a:buNone/>
+            </a:pPr>
+            <a:r>
+              <a:rPr lang="en-US" altLang="ko-KR" dirty="0"/>
+              <a:t>- producer </a:t>
+            </a:r>
+            <a:r>
+              <a:rPr lang="ko-KR" altLang="en-US" dirty="0"/>
+              <a:t>에서 </a:t>
+            </a:r>
+            <a:r>
+              <a:rPr lang="en-US" altLang="ko-KR" dirty="0"/>
+              <a:t>consumer </a:t>
+            </a:r>
+            <a:r>
+              <a:rPr lang="ko-KR" altLang="en-US" dirty="0"/>
+              <a:t>까지 </a:t>
+            </a:r>
+            <a:r>
+              <a:rPr lang="ko-KR" altLang="en-US" dirty="0" err="1"/>
+              <a:t>메세지</a:t>
+            </a:r>
+            <a:r>
+              <a:rPr lang="ko-KR" altLang="en-US" dirty="0"/>
+              <a:t> 전달과정을 모두 체크 </a:t>
+            </a:r>
+            <a:r>
+              <a:rPr lang="en-US" altLang="ko-KR" dirty="0"/>
+              <a:t>-&gt; </a:t>
+            </a:r>
+            <a:r>
+              <a:rPr lang="ko-KR" altLang="en-US" dirty="0"/>
+              <a:t>성능이 나쁘기 때문에 잘 사용하지 않음</a:t>
+            </a:r>
+            <a:endParaRPr lang="en-US" altLang="ko-KR" dirty="0"/>
+          </a:p>
+          <a:p>
+            <a:pPr marL="0" indent="0">
+              <a:buFont typeface="Arial" panose="020B0604020202020204" pitchFamily="34" charset="0"/>
+              <a:buNone/>
+            </a:pPr>
+            <a:endParaRPr lang="en-US" altLang="ko-KR" dirty="0"/>
+          </a:p>
+          <a:p>
+            <a:pPr marL="0" indent="0">
+              <a:buFont typeface="Arial" panose="020B0604020202020204" pitchFamily="34" charset="0"/>
+              <a:buNone/>
+            </a:pPr>
+            <a:r>
+              <a:rPr lang="en-US" altLang="ko-KR" dirty="0"/>
+              <a:t>2. </a:t>
+            </a:r>
+            <a:r>
+              <a:rPr lang="ko-KR" altLang="en-US" dirty="0" err="1"/>
+              <a:t>중복없는</a:t>
+            </a:r>
+            <a:r>
+              <a:rPr lang="ko-KR" altLang="en-US" dirty="0"/>
+              <a:t> </a:t>
+            </a:r>
+            <a:r>
+              <a:rPr lang="en-US" altLang="ko-KR" dirty="0"/>
+              <a:t>producing (</a:t>
+            </a:r>
+            <a:r>
+              <a:rPr lang="ko-KR" altLang="en-US" dirty="0"/>
+              <a:t>성능은 </a:t>
+            </a:r>
+            <a:r>
+              <a:rPr lang="en-US" altLang="ko-KR" dirty="0"/>
+              <a:t>20% </a:t>
+            </a:r>
+            <a:r>
+              <a:rPr lang="ko-KR" altLang="en-US" dirty="0"/>
+              <a:t>정도 저하</a:t>
+            </a:r>
+            <a:r>
+              <a:rPr lang="en-US" altLang="ko-KR" dirty="0"/>
+              <a:t>)</a:t>
+            </a:r>
+          </a:p>
+          <a:p>
+            <a:pPr marL="0" indent="0">
+              <a:buFont typeface="Arial" panose="020B0604020202020204" pitchFamily="34" charset="0"/>
+              <a:buNone/>
+            </a:pPr>
+            <a:r>
+              <a:rPr lang="en-US" altLang="ko-KR" dirty="0"/>
+              <a:t>- </a:t>
+            </a:r>
+            <a:r>
+              <a:rPr lang="en-US" altLang="ko-KR" dirty="0" err="1"/>
+              <a:t>enable.idempotence</a:t>
+            </a:r>
+            <a:r>
+              <a:rPr lang="en-US" altLang="ko-KR" dirty="0"/>
+              <a:t> </a:t>
+            </a:r>
+            <a:r>
+              <a:rPr lang="ko-KR" altLang="en-US" dirty="0"/>
+              <a:t>설정 </a:t>
+            </a:r>
+            <a:r>
+              <a:rPr lang="en-US" altLang="ko-KR" dirty="0"/>
+              <a:t>true, consumer </a:t>
+            </a:r>
+            <a:r>
+              <a:rPr lang="ko-KR" altLang="en-US" dirty="0"/>
+              <a:t>에서 </a:t>
+            </a:r>
+            <a:r>
+              <a:rPr lang="en-US" altLang="ko-KR" dirty="0"/>
+              <a:t>topic/partition/offset </a:t>
+            </a:r>
+            <a:r>
+              <a:rPr lang="ko-KR" altLang="en-US" dirty="0"/>
+              <a:t>중복 체크</a:t>
+            </a:r>
+            <a:endParaRPr lang="en-US" altLang="ko-KR" dirty="0"/>
+          </a:p>
+          <a:p>
+            <a:pPr marL="0" indent="0">
+              <a:buFont typeface="Arial" panose="020B0604020202020204" pitchFamily="34" charset="0"/>
+              <a:buNone/>
+            </a:pPr>
+            <a:endParaRPr lang="en-US" altLang="ko-KR" dirty="0"/>
+          </a:p>
+          <a:p>
+            <a:pPr marL="0" indent="0">
+              <a:buFont typeface="Arial" panose="020B0604020202020204" pitchFamily="34" charset="0"/>
+              <a:buNone/>
+            </a:pPr>
+            <a:r>
+              <a:rPr lang="en-US" altLang="ko-KR" dirty="0"/>
+              <a:t>3. consumer </a:t>
+            </a:r>
+            <a:r>
+              <a:rPr lang="ko-KR" altLang="en-US"/>
+              <a:t>고유 로직으로 중복체크</a:t>
+            </a:r>
+            <a:endParaRPr lang="en-US" altLang="ko-KR" dirty="0"/>
+          </a:p>
+          <a:p>
+            <a:pPr marL="0" indent="0">
+              <a:buFont typeface="Arial" panose="020B0604020202020204" pitchFamily="34" charset="0"/>
+              <a:buNone/>
+            </a:pPr>
+            <a:endParaRPr lang="en-US" altLang="ko-KR" dirty="0"/>
           </a:p>
         </p:txBody>
       </p:sp>

--- a/99.ppt/[Ch4-8. 결제 서비스 기능확장.pptx
+++ b/99.ppt/[Ch4-8. 결제 서비스 기능확장.pptx
@@ -5,7 +5,7 @@
     <p:sldMasterId id="2147483665" r:id="rId1"/>
   </p:sldMasterIdLst>
   <p:notesMasterIdLst>
-    <p:notesMasterId r:id="rId31"/>
+    <p:notesMasterId r:id="rId32"/>
   </p:notesMasterIdLst>
   <p:sldIdLst>
     <p:sldId id="364" r:id="rId2"/>
@@ -37,6 +37,7 @@
     <p:sldId id="391" r:id="rId28"/>
     <p:sldId id="392" r:id="rId29"/>
     <p:sldId id="376" r:id="rId30"/>
+    <p:sldId id="402" r:id="rId31"/>
   </p:sldIdLst>
   <p:sldSz cx="9144000" cy="5143500" type="screen16x9"/>
   <p:notesSz cx="6858000" cy="9144000"/>
@@ -239,7 +240,7 @@
           <a:p>
             <a:fld id="{9B770909-2C76-4DF9-BB76-4EE283593418}" type="datetimeFigureOut">
               <a:rPr lang="ko-KR" altLang="en-US" smtClean="0"/>
-              <a:t>2023-10-27</a:t>
+              <a:t>2023-10-31</a:t>
             </a:fld>
             <a:endParaRPr lang="ko-KR" altLang="en-US"/>
           </a:p>
@@ -5224,7 +5225,7 @@
               <a:t>3. consumer </a:t>
             </a:r>
             <a:r>
-              <a:rPr lang="ko-KR" altLang="en-US"/>
+              <a:rPr lang="ko-KR" altLang="en-US" dirty="0"/>
               <a:t>고유 로직으로 중복체크</a:t>
             </a:r>
             <a:endParaRPr lang="en-US" altLang="ko-KR" dirty="0"/>
@@ -6131,7 +6132,7 @@
           <a:p>
             <a:r>
               <a:rPr lang="ko-KR" altLang="en-US" dirty="0"/>
-              <a:t>그래서 돈 관리나 재고 관리 등 미션 </a:t>
+              <a:t>그래서 금용거래나 재고수량 관리 등 미션 </a:t>
             </a:r>
             <a:r>
               <a:rPr lang="ko-KR" altLang="en-US" dirty="0" err="1"/>
@@ -7285,6 +7286,90 @@
     <p:extLst>
       <p:ext uri="{BB962C8B-B14F-4D97-AF65-F5344CB8AC3E}">
         <p14:creationId xmlns:p14="http://schemas.microsoft.com/office/powerpoint/2010/main" val="2702418974"/>
+      </p:ext>
+    </p:extLst>
+  </p:cSld>
+  <p:clrMapOvr>
+    <a:masterClrMapping/>
+  </p:clrMapOvr>
+</p:notes>
+</file>
+
+<file path=ppt/notesSlides/notesSlide30.xml><?xml version="1.0" encoding="utf-8"?>
+<p:notes xmlns:a="http://schemas.openxmlformats.org/drawingml/2006/main" xmlns:r="http://schemas.openxmlformats.org/officeDocument/2006/relationships" xmlns:p="http://schemas.openxmlformats.org/presentationml/2006/main">
+  <p:cSld>
+    <p:spTree>
+      <p:nvGrpSpPr>
+        <p:cNvPr id="1" name=""/>
+        <p:cNvGrpSpPr/>
+        <p:nvPr/>
+      </p:nvGrpSpPr>
+      <p:grpSpPr>
+        <a:xfrm>
+          <a:off x="0" y="0"/>
+          <a:ext cx="0" cy="0"/>
+          <a:chOff x="0" y="0"/>
+          <a:chExt cx="0" cy="0"/>
+        </a:xfrm>
+      </p:grpSpPr>
+      <p:sp>
+        <p:nvSpPr>
+          <p:cNvPr id="2" name="슬라이드 이미지 개체 틀 1"/>
+          <p:cNvSpPr>
+            <a:spLocks noGrp="1" noRot="1" noChangeAspect="1"/>
+          </p:cNvSpPr>
+          <p:nvPr>
+            <p:ph type="sldImg"/>
+          </p:nvPr>
+        </p:nvSpPr>
+        <p:spPr/>
+      </p:sp>
+      <p:sp>
+        <p:nvSpPr>
+          <p:cNvPr id="3" name="슬라이드 노트 개체 틀 2"/>
+          <p:cNvSpPr>
+            <a:spLocks noGrp="1"/>
+          </p:cNvSpPr>
+          <p:nvPr>
+            <p:ph type="body" idx="1"/>
+          </p:nvPr>
+        </p:nvSpPr>
+        <p:spPr/>
+        <p:txBody>
+          <a:bodyPr/>
+          <a:lstStyle/>
+          <a:p>
+            <a:endParaRPr lang="en-US" altLang="ko-KR" dirty="0"/>
+          </a:p>
+        </p:txBody>
+      </p:sp>
+      <p:sp>
+        <p:nvSpPr>
+          <p:cNvPr id="4" name="슬라이드 번호 개체 틀 3"/>
+          <p:cNvSpPr>
+            <a:spLocks noGrp="1"/>
+          </p:cNvSpPr>
+          <p:nvPr>
+            <p:ph type="sldNum" sz="quarter" idx="5"/>
+          </p:nvPr>
+        </p:nvSpPr>
+        <p:spPr/>
+        <p:txBody>
+          <a:bodyPr/>
+          <a:lstStyle/>
+          <a:p>
+            <a:fld id="{4F243B46-72FF-4656-838A-691B9EB329E3}" type="slidenum">
+              <a:rPr lang="ko-KR" altLang="en-US" smtClean="0"/>
+              <a:t>30</a:t>
+            </a:fld>
+            <a:endParaRPr lang="ko-KR" altLang="en-US"/>
+          </a:p>
+        </p:txBody>
+      </p:sp>
+    </p:spTree>
+    <p:extLst>
+      <p:ext uri="{BB962C8B-B14F-4D97-AF65-F5344CB8AC3E}">
+        <p14:creationId xmlns:p14="http://schemas.microsoft.com/office/powerpoint/2010/main" val="3437917268"/>
       </p:ext>
     </p:extLst>
   </p:cSld>
@@ -25198,6 +25283,970 @@
 </p:sld>
 </file>
 
+<file path=ppt/slides/slide30.xml><?xml version="1.0" encoding="utf-8"?>
+<p:sld xmlns:a="http://schemas.openxmlformats.org/drawingml/2006/main" xmlns:r="http://schemas.openxmlformats.org/officeDocument/2006/relationships" xmlns:p="http://schemas.openxmlformats.org/presentationml/2006/main">
+  <p:cSld>
+    <p:spTree>
+      <p:nvGrpSpPr>
+        <p:cNvPr id="1" name=""/>
+        <p:cNvGrpSpPr/>
+        <p:nvPr/>
+      </p:nvGrpSpPr>
+      <p:grpSpPr>
+        <a:xfrm>
+          <a:off x="0" y="0"/>
+          <a:ext cx="0" cy="0"/>
+          <a:chOff x="0" y="0"/>
+          <a:chExt cx="0" cy="0"/>
+        </a:xfrm>
+      </p:grpSpPr>
+      <p:sp>
+        <p:nvSpPr>
+          <p:cNvPr id="2" name="제목 1">
+            <a:extLst>
+              <a:ext uri="{FF2B5EF4-FFF2-40B4-BE49-F238E27FC236}">
+                <a16:creationId xmlns:a16="http://schemas.microsoft.com/office/drawing/2014/main" id="{D21C1AA9-5E52-3A11-B3B3-447787E29D09}"/>
+              </a:ext>
+            </a:extLst>
+          </p:cNvPr>
+          <p:cNvSpPr>
+            <a:spLocks noGrp="1"/>
+          </p:cNvSpPr>
+          <p:nvPr>
+            <p:ph type="title"/>
+          </p:nvPr>
+        </p:nvSpPr>
+        <p:spPr/>
+        <p:txBody>
+          <a:bodyPr/>
+          <a:lstStyle/>
+          <a:p>
+            <a:r>
+              <a:rPr lang="ko-KR" altLang="en-US" dirty="0"/>
+              <a:t>시스템 디자인</a:t>
+            </a:r>
+          </a:p>
+        </p:txBody>
+      </p:sp>
+      <p:sp>
+        <p:nvSpPr>
+          <p:cNvPr id="7" name="Google Shape;209;p30">
+            <a:extLst>
+              <a:ext uri="{FF2B5EF4-FFF2-40B4-BE49-F238E27FC236}">
+                <a16:creationId xmlns:a16="http://schemas.microsoft.com/office/drawing/2014/main" id="{35F3E219-4EBB-8DE8-0966-E4317399395E}"/>
+              </a:ext>
+            </a:extLst>
+          </p:cNvPr>
+          <p:cNvSpPr/>
+          <p:nvPr/>
+        </p:nvSpPr>
+        <p:spPr>
+          <a:xfrm>
+            <a:off x="7811013" y="528014"/>
+            <a:ext cx="952500" cy="298200"/>
+          </a:xfrm>
+          <a:prstGeom prst="rect">
+            <a:avLst/>
+          </a:prstGeom>
+          <a:noFill/>
+          <a:ln>
+            <a:noFill/>
+          </a:ln>
+        </p:spPr>
+        <p:txBody>
+          <a:bodyPr spcFirstLastPara="1" wrap="square" lIns="19050" tIns="19050" rIns="19050" bIns="19050" anchor="t" anchorCtr="0">
+            <a:noAutofit/>
+          </a:bodyPr>
+          <a:lstStyle/>
+          <a:p>
+            <a:pPr marL="63500" marR="0" lvl="1" indent="0" algn="l" rtl="0">
+              <a:lnSpc>
+                <a:spcPct val="90000"/>
+              </a:lnSpc>
+              <a:spcBef>
+                <a:spcPts val="0"/>
+              </a:spcBef>
+              <a:spcAft>
+                <a:spcPts val="0"/>
+              </a:spcAft>
+              <a:buNone/>
+            </a:pPr>
+            <a:r>
+              <a:rPr lang="en-US" altLang="ko" sz="1200" b="1" i="0" u="none" strike="noStrike" cap="none" dirty="0">
+                <a:solidFill>
+                  <a:schemeClr val="bg1"/>
+                </a:solidFill>
+                <a:latin typeface="Arial"/>
+                <a:ea typeface="Arial"/>
+                <a:cs typeface="Arial"/>
+                <a:sym typeface="Arial"/>
+              </a:rPr>
+              <a:t>6</a:t>
+            </a:r>
+            <a:r>
+              <a:rPr lang="ko" sz="1200" b="1" i="0" u="none" strike="noStrike" cap="none" dirty="0">
+                <a:solidFill>
+                  <a:schemeClr val="bg1"/>
+                </a:solidFill>
+                <a:latin typeface="Arial"/>
+                <a:ea typeface="Arial"/>
+                <a:cs typeface="Arial"/>
+                <a:sym typeface="Arial"/>
+              </a:rPr>
+              <a:t>.</a:t>
+            </a:r>
+            <a:endParaRPr sz="500" dirty="0">
+              <a:solidFill>
+                <a:schemeClr val="bg1"/>
+              </a:solidFill>
+            </a:endParaRPr>
+          </a:p>
+        </p:txBody>
+      </p:sp>
+      <p:sp>
+        <p:nvSpPr>
+          <p:cNvPr id="8" name="Google Shape;210;p30">
+            <a:extLst>
+              <a:ext uri="{FF2B5EF4-FFF2-40B4-BE49-F238E27FC236}">
+                <a16:creationId xmlns:a16="http://schemas.microsoft.com/office/drawing/2014/main" id="{8CB63A74-B5C7-DCAA-53F5-96E44004D694}"/>
+              </a:ext>
+            </a:extLst>
+          </p:cNvPr>
+          <p:cNvSpPr/>
+          <p:nvPr/>
+        </p:nvSpPr>
+        <p:spPr>
+          <a:xfrm>
+            <a:off x="7811013" y="825047"/>
+            <a:ext cx="952500" cy="293400"/>
+          </a:xfrm>
+          <a:prstGeom prst="rect">
+            <a:avLst/>
+          </a:prstGeom>
+          <a:noFill/>
+          <a:ln>
+            <a:noFill/>
+          </a:ln>
+        </p:spPr>
+        <p:txBody>
+          <a:bodyPr spcFirstLastPara="1" wrap="square" lIns="19050" tIns="19050" rIns="19050" bIns="19050" anchor="t" anchorCtr="0">
+            <a:noAutofit/>
+          </a:bodyPr>
+          <a:lstStyle/>
+          <a:p>
+            <a:pPr marL="63500" marR="0" lvl="1" indent="0" algn="l" rtl="0">
+              <a:spcBef>
+                <a:spcPts val="200"/>
+              </a:spcBef>
+              <a:spcAft>
+                <a:spcPts val="0"/>
+              </a:spcAft>
+              <a:buClr>
+                <a:srgbClr val="000000"/>
+              </a:buClr>
+              <a:buFont typeface="Arial"/>
+              <a:buNone/>
+            </a:pPr>
+            <a:r>
+              <a:rPr lang="ko-KR" altLang="en-US" sz="800" dirty="0">
+                <a:solidFill>
+                  <a:schemeClr val="bg1"/>
+                </a:solidFill>
+              </a:rPr>
+              <a:t>시나리오 </a:t>
+            </a:r>
+            <a:r>
+              <a:rPr lang="en-US" altLang="ko-KR" sz="800" dirty="0">
+                <a:solidFill>
+                  <a:schemeClr val="bg1"/>
+                </a:solidFill>
+              </a:rPr>
+              <a:t>2 : </a:t>
+            </a:r>
+          </a:p>
+          <a:p>
+            <a:pPr marL="63500" marR="0" lvl="1" indent="0" algn="l" rtl="0">
+              <a:spcBef>
+                <a:spcPts val="200"/>
+              </a:spcBef>
+              <a:spcAft>
+                <a:spcPts val="0"/>
+              </a:spcAft>
+              <a:buClr>
+                <a:srgbClr val="000000"/>
+              </a:buClr>
+              <a:buFont typeface="Arial"/>
+              <a:buNone/>
+            </a:pPr>
+            <a:r>
+              <a:rPr lang="ko-KR" altLang="en-US" sz="800" dirty="0">
+                <a:solidFill>
+                  <a:schemeClr val="bg1"/>
+                </a:solidFill>
+              </a:rPr>
+              <a:t>주문이력</a:t>
+            </a:r>
+            <a:endParaRPr lang="en-US" altLang="ko-KR" sz="800" dirty="0">
+              <a:solidFill>
+                <a:schemeClr val="bg1"/>
+              </a:solidFill>
+            </a:endParaRPr>
+          </a:p>
+          <a:p>
+            <a:pPr marL="63500" marR="0" lvl="1" indent="0" algn="l" rtl="0">
+              <a:spcBef>
+                <a:spcPts val="200"/>
+              </a:spcBef>
+              <a:spcAft>
+                <a:spcPts val="0"/>
+              </a:spcAft>
+              <a:buClr>
+                <a:srgbClr val="000000"/>
+              </a:buClr>
+              <a:buFont typeface="Arial"/>
+              <a:buNone/>
+            </a:pPr>
+            <a:r>
+              <a:rPr lang="ko-KR" altLang="en-US" sz="800" dirty="0">
+                <a:solidFill>
+                  <a:schemeClr val="bg1"/>
+                </a:solidFill>
+              </a:rPr>
+              <a:t>성능개선</a:t>
+            </a:r>
+            <a:endParaRPr lang="en-US" altLang="ko-KR" sz="800" dirty="0">
+              <a:solidFill>
+                <a:schemeClr val="bg1"/>
+              </a:solidFill>
+            </a:endParaRPr>
+          </a:p>
+          <a:p>
+            <a:pPr marL="63500" marR="0" lvl="1" indent="0" algn="l" rtl="0">
+              <a:spcBef>
+                <a:spcPts val="200"/>
+              </a:spcBef>
+              <a:spcAft>
+                <a:spcPts val="0"/>
+              </a:spcAft>
+              <a:buClr>
+                <a:srgbClr val="000000"/>
+              </a:buClr>
+              <a:buFont typeface="Arial"/>
+              <a:buNone/>
+            </a:pPr>
+            <a:r>
+              <a:rPr lang="en-US" altLang="ko-KR" sz="800" dirty="0">
+                <a:solidFill>
+                  <a:schemeClr val="bg1"/>
+                </a:solidFill>
+              </a:rPr>
+              <a:t>(</a:t>
+            </a:r>
+            <a:r>
+              <a:rPr lang="ko-KR" altLang="en-US" sz="800" dirty="0">
+                <a:solidFill>
+                  <a:schemeClr val="bg1"/>
+                </a:solidFill>
+              </a:rPr>
+              <a:t>구현</a:t>
+            </a:r>
+            <a:r>
+              <a:rPr lang="en-US" altLang="ko-KR" sz="800" dirty="0">
+                <a:solidFill>
+                  <a:schemeClr val="bg1"/>
+                </a:solidFill>
+              </a:rPr>
+              <a:t>)</a:t>
+            </a:r>
+            <a:endParaRPr lang="ko-KR" altLang="en-US" sz="800" dirty="0">
+              <a:solidFill>
+                <a:schemeClr val="bg1"/>
+              </a:solidFill>
+            </a:endParaRPr>
+          </a:p>
+        </p:txBody>
+      </p:sp>
+      <p:sp>
+        <p:nvSpPr>
+          <p:cNvPr id="9" name="사각형: 둥근 모서리 8">
+            <a:extLst>
+              <a:ext uri="{FF2B5EF4-FFF2-40B4-BE49-F238E27FC236}">
+                <a16:creationId xmlns:a16="http://schemas.microsoft.com/office/drawing/2014/main" id="{D51669C5-57A1-C791-EDE2-A316342C139E}"/>
+              </a:ext>
+            </a:extLst>
+          </p:cNvPr>
+          <p:cNvSpPr/>
+          <p:nvPr/>
+        </p:nvSpPr>
+        <p:spPr>
+          <a:xfrm>
+            <a:off x="3776293" y="1843179"/>
+            <a:ext cx="1288008" cy="624253"/>
+          </a:xfrm>
+          <a:prstGeom prst="roundRect">
+            <a:avLst/>
+          </a:prstGeom>
+          <a:noFill/>
+          <a:ln w="19050" cap="flat" cmpd="sng" algn="ctr">
+            <a:solidFill>
+              <a:schemeClr val="dk1"/>
+            </a:solidFill>
+            <a:prstDash val="solid"/>
+            <a:round/>
+            <a:headEnd type="none" w="med" len="med"/>
+            <a:tailEnd type="none" w="med" len="med"/>
+          </a:ln>
+        </p:spPr>
+        <p:style>
+          <a:lnRef idx="0">
+            <a:scrgbClr r="0" g="0" b="0"/>
+          </a:lnRef>
+          <a:fillRef idx="0">
+            <a:scrgbClr r="0" g="0" b="0"/>
+          </a:fillRef>
+          <a:effectRef idx="0">
+            <a:scrgbClr r="0" g="0" b="0"/>
+          </a:effectRef>
+          <a:fontRef idx="minor">
+            <a:schemeClr val="dk1"/>
+          </a:fontRef>
+        </p:style>
+        <p:txBody>
+          <a:bodyPr rtlCol="0" anchor="ctr"/>
+          <a:lstStyle/>
+          <a:p>
+            <a:pPr algn="ctr"/>
+            <a:r>
+              <a:rPr lang="ko-KR" altLang="en-US" sz="1200" b="1" dirty="0">
+                <a:latin typeface="Spoqa Han Sans Neo Bold" panose="020B0800000000000000" pitchFamily="34" charset="-127"/>
+                <a:ea typeface="Spoqa Han Sans Neo Bold" panose="020B0800000000000000" pitchFamily="34" charset="-127"/>
+              </a:rPr>
+              <a:t>결제 서비스</a:t>
+            </a:r>
+            <a:endParaRPr lang="en-US" altLang="ko-KR" sz="1200" b="1" dirty="0">
+              <a:latin typeface="Spoqa Han Sans Neo Bold" panose="020B0800000000000000" pitchFamily="34" charset="-127"/>
+              <a:ea typeface="Spoqa Han Sans Neo Bold" panose="020B0800000000000000" pitchFamily="34" charset="-127"/>
+            </a:endParaRPr>
+          </a:p>
+        </p:txBody>
+      </p:sp>
+      <p:sp>
+        <p:nvSpPr>
+          <p:cNvPr id="10" name="사각형: 둥근 모서리 9">
+            <a:extLst>
+              <a:ext uri="{FF2B5EF4-FFF2-40B4-BE49-F238E27FC236}">
+                <a16:creationId xmlns:a16="http://schemas.microsoft.com/office/drawing/2014/main" id="{B57EF077-B999-0720-3D0C-CE44928BFCAF}"/>
+              </a:ext>
+            </a:extLst>
+          </p:cNvPr>
+          <p:cNvSpPr/>
+          <p:nvPr/>
+        </p:nvSpPr>
+        <p:spPr>
+          <a:xfrm>
+            <a:off x="6365702" y="1843178"/>
+            <a:ext cx="1288009" cy="624253"/>
+          </a:xfrm>
+          <a:prstGeom prst="roundRect">
+            <a:avLst/>
+          </a:prstGeom>
+          <a:noFill/>
+          <a:ln w="19050" cap="flat" cmpd="sng" algn="ctr">
+            <a:solidFill>
+              <a:schemeClr val="dk1"/>
+            </a:solidFill>
+            <a:prstDash val="solid"/>
+            <a:round/>
+            <a:headEnd type="none" w="med" len="med"/>
+            <a:tailEnd type="none" w="med" len="med"/>
+          </a:ln>
+        </p:spPr>
+        <p:style>
+          <a:lnRef idx="0">
+            <a:scrgbClr r="0" g="0" b="0"/>
+          </a:lnRef>
+          <a:fillRef idx="0">
+            <a:scrgbClr r="0" g="0" b="0"/>
+          </a:fillRef>
+          <a:effectRef idx="0">
+            <a:scrgbClr r="0" g="0" b="0"/>
+          </a:effectRef>
+          <a:fontRef idx="minor">
+            <a:schemeClr val="dk1"/>
+          </a:fontRef>
+        </p:style>
+        <p:txBody>
+          <a:bodyPr rtlCol="0" anchor="ctr"/>
+          <a:lstStyle/>
+          <a:p>
+            <a:pPr algn="ctr"/>
+            <a:r>
+              <a:rPr lang="en-US" altLang="ko-KR" sz="1200" b="1" dirty="0">
+                <a:latin typeface="Spoqa Han Sans Neo Bold" panose="020B0800000000000000" pitchFamily="34" charset="-127"/>
+                <a:ea typeface="Spoqa Han Sans Neo Bold" panose="020B0800000000000000" pitchFamily="34" charset="-127"/>
+              </a:rPr>
+              <a:t>PG</a:t>
+            </a:r>
+          </a:p>
+        </p:txBody>
+      </p:sp>
+      <p:sp>
+        <p:nvSpPr>
+          <p:cNvPr id="3" name="원통형 2">
+            <a:extLst>
+              <a:ext uri="{FF2B5EF4-FFF2-40B4-BE49-F238E27FC236}">
+                <a16:creationId xmlns:a16="http://schemas.microsoft.com/office/drawing/2014/main" id="{7DD9AD11-74B4-892C-2F18-15FA7089984C}"/>
+              </a:ext>
+            </a:extLst>
+          </p:cNvPr>
+          <p:cNvSpPr/>
+          <p:nvPr/>
+        </p:nvSpPr>
+        <p:spPr>
+          <a:xfrm>
+            <a:off x="1239642" y="1762858"/>
+            <a:ext cx="975947" cy="775121"/>
+          </a:xfrm>
+          <a:prstGeom prst="can">
+            <a:avLst>
+              <a:gd name="adj" fmla="val 19366"/>
+            </a:avLst>
+          </a:prstGeom>
+          <a:noFill/>
+          <a:ln w="19050" cap="flat" cmpd="sng" algn="ctr">
+            <a:solidFill>
+              <a:schemeClr val="dk1"/>
+            </a:solidFill>
+            <a:prstDash val="solid"/>
+            <a:round/>
+            <a:headEnd type="none" w="med" len="med"/>
+            <a:tailEnd type="none" w="med" len="med"/>
+          </a:ln>
+        </p:spPr>
+        <p:style>
+          <a:lnRef idx="0">
+            <a:scrgbClr r="0" g="0" b="0"/>
+          </a:lnRef>
+          <a:fillRef idx="0">
+            <a:scrgbClr r="0" g="0" b="0"/>
+          </a:fillRef>
+          <a:effectRef idx="0">
+            <a:scrgbClr r="0" g="0" b="0"/>
+          </a:effectRef>
+          <a:fontRef idx="minor">
+            <a:schemeClr val="dk1"/>
+          </a:fontRef>
+        </p:style>
+        <p:txBody>
+          <a:bodyPr rtlCol="0" anchor="ctr"/>
+          <a:lstStyle/>
+          <a:p>
+            <a:pPr algn="ctr"/>
+            <a:r>
+              <a:rPr lang="en-US" altLang="ko-KR" sz="1200" b="1" dirty="0">
+                <a:solidFill>
+                  <a:schemeClr val="dk1"/>
+                </a:solidFill>
+                <a:latin typeface="Spoqa Han Sans Neo Bold" panose="020B0800000000000000" pitchFamily="34" charset="-127"/>
+                <a:ea typeface="Spoqa Han Sans Neo Bold" panose="020B0800000000000000" pitchFamily="34" charset="-127"/>
+              </a:rPr>
+              <a:t>Order</a:t>
+            </a:r>
+          </a:p>
+          <a:p>
+            <a:pPr algn="ctr"/>
+            <a:r>
+              <a:rPr lang="en-US" altLang="ko-KR" sz="1000" b="1" dirty="0">
+                <a:latin typeface="Spoqa Han Sans Neo Bold" panose="020B0800000000000000" pitchFamily="34" charset="-127"/>
+                <a:ea typeface="Spoqa Han Sans Neo Bold" panose="020B0800000000000000" pitchFamily="34" charset="-127"/>
+              </a:rPr>
+              <a:t>(RDB)</a:t>
+            </a:r>
+            <a:endParaRPr lang="ko-KR" altLang="en-US" sz="1000" b="1" dirty="0">
+              <a:solidFill>
+                <a:schemeClr val="dk1"/>
+              </a:solidFill>
+              <a:latin typeface="Spoqa Han Sans Neo Bold" panose="020B0800000000000000" pitchFamily="34" charset="-127"/>
+              <a:ea typeface="Spoqa Han Sans Neo Bold" panose="020B0800000000000000" pitchFamily="34" charset="-127"/>
+            </a:endParaRPr>
+          </a:p>
+        </p:txBody>
+      </p:sp>
+      <p:sp>
+        <p:nvSpPr>
+          <p:cNvPr id="4" name="원통형 3">
+            <a:extLst>
+              <a:ext uri="{FF2B5EF4-FFF2-40B4-BE49-F238E27FC236}">
+                <a16:creationId xmlns:a16="http://schemas.microsoft.com/office/drawing/2014/main" id="{AC5DA20A-66DC-4470-F4FD-11A75724B710}"/>
+              </a:ext>
+            </a:extLst>
+          </p:cNvPr>
+          <p:cNvSpPr/>
+          <p:nvPr/>
+        </p:nvSpPr>
+        <p:spPr>
+          <a:xfrm>
+            <a:off x="3932322" y="3974005"/>
+            <a:ext cx="975947" cy="967272"/>
+          </a:xfrm>
+          <a:prstGeom prst="can">
+            <a:avLst/>
+          </a:prstGeom>
+          <a:solidFill>
+            <a:schemeClr val="bg1"/>
+          </a:solidFill>
+          <a:ln w="19050" cap="flat" cmpd="sng" algn="ctr">
+            <a:solidFill>
+              <a:schemeClr val="dk1"/>
+            </a:solidFill>
+            <a:prstDash val="solid"/>
+            <a:round/>
+            <a:headEnd type="none" w="med" len="med"/>
+            <a:tailEnd type="none" w="med" len="med"/>
+          </a:ln>
+        </p:spPr>
+        <p:style>
+          <a:lnRef idx="0">
+            <a:scrgbClr r="0" g="0" b="0"/>
+          </a:lnRef>
+          <a:fillRef idx="0">
+            <a:scrgbClr r="0" g="0" b="0"/>
+          </a:fillRef>
+          <a:effectRef idx="0">
+            <a:scrgbClr r="0" g="0" b="0"/>
+          </a:effectRef>
+          <a:fontRef idx="minor">
+            <a:schemeClr val="dk1"/>
+          </a:fontRef>
+        </p:style>
+        <p:txBody>
+          <a:bodyPr rtlCol="0" anchor="ctr"/>
+          <a:lstStyle/>
+          <a:p>
+            <a:pPr algn="ctr"/>
+            <a:r>
+              <a:rPr lang="en-US" altLang="ko-KR" sz="1200" b="1" dirty="0">
+                <a:latin typeface="Spoqa Han Sans Neo Bold" panose="020B0800000000000000" pitchFamily="34" charset="-127"/>
+                <a:ea typeface="Spoqa Han Sans Neo Bold" panose="020B0800000000000000" pitchFamily="34" charset="-127"/>
+              </a:rPr>
+              <a:t>History</a:t>
+            </a:r>
+          </a:p>
+          <a:p>
+            <a:pPr algn="ctr"/>
+            <a:r>
+              <a:rPr lang="en-US" altLang="ko-KR" sz="800" b="1" dirty="0">
+                <a:latin typeface="Spoqa Han Sans Neo Bold" panose="020B0800000000000000" pitchFamily="34" charset="-127"/>
+                <a:ea typeface="Spoqa Han Sans Neo Bold" panose="020B0800000000000000" pitchFamily="34" charset="-127"/>
+              </a:rPr>
+              <a:t>(Elasticsearch)</a:t>
+            </a:r>
+            <a:endParaRPr lang="ko-KR" altLang="en-US" sz="800" b="1" dirty="0">
+              <a:solidFill>
+                <a:schemeClr val="dk1"/>
+              </a:solidFill>
+              <a:latin typeface="Spoqa Han Sans Neo Bold" panose="020B0800000000000000" pitchFamily="34" charset="-127"/>
+              <a:ea typeface="Spoqa Han Sans Neo Bold" panose="020B0800000000000000" pitchFamily="34" charset="-127"/>
+            </a:endParaRPr>
+          </a:p>
+        </p:txBody>
+      </p:sp>
+      <p:cxnSp>
+        <p:nvCxnSpPr>
+          <p:cNvPr id="6" name="직선 화살표 연결선 5">
+            <a:extLst>
+              <a:ext uri="{FF2B5EF4-FFF2-40B4-BE49-F238E27FC236}">
+                <a16:creationId xmlns:a16="http://schemas.microsoft.com/office/drawing/2014/main" id="{9ABFF9F9-8E86-5C06-BD40-05E607ADCA01}"/>
+              </a:ext>
+            </a:extLst>
+          </p:cNvPr>
+          <p:cNvCxnSpPr>
+            <a:cxnSpLocks/>
+            <a:stCxn id="9" idx="3"/>
+            <a:endCxn id="10" idx="1"/>
+          </p:cNvCxnSpPr>
+          <p:nvPr/>
+        </p:nvCxnSpPr>
+        <p:spPr>
+          <a:xfrm flipV="1">
+            <a:off x="5064301" y="2155305"/>
+            <a:ext cx="1301401" cy="1"/>
+          </a:xfrm>
+          <a:prstGeom prst="straightConnector1">
+            <a:avLst/>
+          </a:prstGeom>
+          <a:ln w="38100">
+            <a:solidFill>
+              <a:schemeClr val="tx1">
+                <a:lumMod val="50000"/>
+                <a:lumOff val="50000"/>
+              </a:schemeClr>
+            </a:solidFill>
+            <a:tailEnd type="triangle"/>
+          </a:ln>
+        </p:spPr>
+        <p:style>
+          <a:lnRef idx="1">
+            <a:schemeClr val="accent1"/>
+          </a:lnRef>
+          <a:fillRef idx="0">
+            <a:schemeClr val="accent1"/>
+          </a:fillRef>
+          <a:effectRef idx="0">
+            <a:schemeClr val="accent1"/>
+          </a:effectRef>
+          <a:fontRef idx="minor">
+            <a:schemeClr val="tx1"/>
+          </a:fontRef>
+        </p:style>
+      </p:cxnSp>
+      <p:cxnSp>
+        <p:nvCxnSpPr>
+          <p:cNvPr id="13" name="직선 화살표 연결선 12">
+            <a:extLst>
+              <a:ext uri="{FF2B5EF4-FFF2-40B4-BE49-F238E27FC236}">
+                <a16:creationId xmlns:a16="http://schemas.microsoft.com/office/drawing/2014/main" id="{12E47154-C8D3-BEB7-958F-97C934F4367A}"/>
+              </a:ext>
+            </a:extLst>
+          </p:cNvPr>
+          <p:cNvCxnSpPr>
+            <a:cxnSpLocks/>
+            <a:stCxn id="9" idx="1"/>
+            <a:endCxn id="3" idx="4"/>
+          </p:cNvCxnSpPr>
+          <p:nvPr/>
+        </p:nvCxnSpPr>
+        <p:spPr>
+          <a:xfrm flipH="1" flipV="1">
+            <a:off x="2215589" y="2150419"/>
+            <a:ext cx="1560704" cy="4887"/>
+          </a:xfrm>
+          <a:prstGeom prst="straightConnector1">
+            <a:avLst/>
+          </a:prstGeom>
+          <a:ln w="38100">
+            <a:solidFill>
+              <a:schemeClr val="tx1">
+                <a:lumMod val="50000"/>
+                <a:lumOff val="50000"/>
+              </a:schemeClr>
+            </a:solidFill>
+            <a:tailEnd type="triangle"/>
+          </a:ln>
+        </p:spPr>
+        <p:style>
+          <a:lnRef idx="1">
+            <a:schemeClr val="accent1"/>
+          </a:lnRef>
+          <a:fillRef idx="0">
+            <a:schemeClr val="accent1"/>
+          </a:fillRef>
+          <a:effectRef idx="0">
+            <a:schemeClr val="accent1"/>
+          </a:effectRef>
+          <a:fontRef idx="minor">
+            <a:schemeClr val="tx1"/>
+          </a:fontRef>
+        </p:style>
+      </p:cxnSp>
+      <p:cxnSp>
+        <p:nvCxnSpPr>
+          <p:cNvPr id="16" name="직선 화살표 연결선 15">
+            <a:extLst>
+              <a:ext uri="{FF2B5EF4-FFF2-40B4-BE49-F238E27FC236}">
+                <a16:creationId xmlns:a16="http://schemas.microsoft.com/office/drawing/2014/main" id="{79FB9B7C-0491-A7B7-AF72-BA082E5A8C40}"/>
+              </a:ext>
+            </a:extLst>
+          </p:cNvPr>
+          <p:cNvCxnSpPr>
+            <a:cxnSpLocks/>
+            <a:stCxn id="9" idx="2"/>
+            <a:endCxn id="5" idx="0"/>
+          </p:cNvCxnSpPr>
+          <p:nvPr/>
+        </p:nvCxnSpPr>
+        <p:spPr>
+          <a:xfrm>
+            <a:off x="4420297" y="2467432"/>
+            <a:ext cx="0" cy="475405"/>
+          </a:xfrm>
+          <a:prstGeom prst="straightConnector1">
+            <a:avLst/>
+          </a:prstGeom>
+          <a:ln w="38100">
+            <a:solidFill>
+              <a:schemeClr val="tx1">
+                <a:lumMod val="50000"/>
+                <a:lumOff val="50000"/>
+              </a:schemeClr>
+            </a:solidFill>
+            <a:tailEnd type="triangle"/>
+          </a:ln>
+        </p:spPr>
+        <p:style>
+          <a:lnRef idx="1">
+            <a:schemeClr val="accent1"/>
+          </a:lnRef>
+          <a:fillRef idx="0">
+            <a:schemeClr val="accent1"/>
+          </a:fillRef>
+          <a:effectRef idx="0">
+            <a:schemeClr val="accent1"/>
+          </a:effectRef>
+          <a:fontRef idx="minor">
+            <a:schemeClr val="tx1"/>
+          </a:fontRef>
+        </p:style>
+      </p:cxnSp>
+      <p:sp>
+        <p:nvSpPr>
+          <p:cNvPr id="5" name="순서도: 직접 액세스 저장소 4">
+            <a:extLst>
+              <a:ext uri="{FF2B5EF4-FFF2-40B4-BE49-F238E27FC236}">
+                <a16:creationId xmlns:a16="http://schemas.microsoft.com/office/drawing/2014/main" id="{6B90408A-50F6-5124-2684-DEFC48AE1C8E}"/>
+              </a:ext>
+            </a:extLst>
+          </p:cNvPr>
+          <p:cNvSpPr/>
+          <p:nvPr/>
+        </p:nvSpPr>
+        <p:spPr>
+          <a:xfrm>
+            <a:off x="3701653" y="2942837"/>
+            <a:ext cx="1437287" cy="555763"/>
+          </a:xfrm>
+          <a:prstGeom prst="flowChartMagneticDrum">
+            <a:avLst/>
+          </a:prstGeom>
+          <a:solidFill>
+            <a:schemeClr val="bg1"/>
+          </a:solidFill>
+          <a:ln w="19050" cap="flat" cmpd="sng" algn="ctr">
+            <a:solidFill>
+              <a:schemeClr val="dk1"/>
+            </a:solidFill>
+            <a:prstDash val="solid"/>
+            <a:round/>
+            <a:headEnd type="none" w="med" len="med"/>
+            <a:tailEnd type="none" w="med" len="med"/>
+          </a:ln>
+        </p:spPr>
+        <p:style>
+          <a:lnRef idx="0">
+            <a:scrgbClr r="0" g="0" b="0"/>
+          </a:lnRef>
+          <a:fillRef idx="0">
+            <a:scrgbClr r="0" g="0" b="0"/>
+          </a:fillRef>
+          <a:effectRef idx="0">
+            <a:scrgbClr r="0" g="0" b="0"/>
+          </a:effectRef>
+          <a:fontRef idx="minor">
+            <a:schemeClr val="dk1"/>
+          </a:fontRef>
+        </p:style>
+        <p:txBody>
+          <a:bodyPr rtlCol="0" anchor="ctr"/>
+          <a:lstStyle/>
+          <a:p>
+            <a:pPr algn="ctr"/>
+            <a:r>
+              <a:rPr lang="en-US" altLang="ko-KR" sz="1200" b="1" dirty="0">
+                <a:latin typeface="Spoqa Han Sans Neo Bold" panose="020B0800000000000000" pitchFamily="34" charset="-127"/>
+                <a:ea typeface="Spoqa Han Sans Neo Bold" panose="020B0800000000000000" pitchFamily="34" charset="-127"/>
+              </a:rPr>
+              <a:t>Kafka</a:t>
+            </a:r>
+            <a:endParaRPr lang="ko-KR" altLang="en-US" sz="1200" b="1" dirty="0">
+              <a:latin typeface="Spoqa Han Sans Neo Bold" panose="020B0800000000000000" pitchFamily="34" charset="-127"/>
+              <a:ea typeface="Spoqa Han Sans Neo Bold" panose="020B0800000000000000" pitchFamily="34" charset="-127"/>
+            </a:endParaRPr>
+          </a:p>
+        </p:txBody>
+      </p:sp>
+      <p:sp>
+        <p:nvSpPr>
+          <p:cNvPr id="22" name="사각형: 둥근 모서리 21">
+            <a:extLst>
+              <a:ext uri="{FF2B5EF4-FFF2-40B4-BE49-F238E27FC236}">
+                <a16:creationId xmlns:a16="http://schemas.microsoft.com/office/drawing/2014/main" id="{B363F3B8-957A-4470-0B2C-DB288CB89FFC}"/>
+              </a:ext>
+            </a:extLst>
+          </p:cNvPr>
+          <p:cNvSpPr/>
+          <p:nvPr/>
+        </p:nvSpPr>
+        <p:spPr>
+          <a:xfrm>
+            <a:off x="5824967" y="3974005"/>
+            <a:ext cx="1288009" cy="624253"/>
+          </a:xfrm>
+          <a:prstGeom prst="roundRect">
+            <a:avLst/>
+          </a:prstGeom>
+          <a:solidFill>
+            <a:schemeClr val="bg1"/>
+          </a:solidFill>
+          <a:ln w="19050" cap="flat" cmpd="sng" algn="ctr">
+            <a:solidFill>
+              <a:schemeClr val="dk1"/>
+            </a:solidFill>
+            <a:prstDash val="solid"/>
+            <a:round/>
+            <a:headEnd type="none" w="med" len="med"/>
+            <a:tailEnd type="none" w="med" len="med"/>
+          </a:ln>
+        </p:spPr>
+        <p:style>
+          <a:lnRef idx="0">
+            <a:scrgbClr r="0" g="0" b="0"/>
+          </a:lnRef>
+          <a:fillRef idx="0">
+            <a:scrgbClr r="0" g="0" b="0"/>
+          </a:fillRef>
+          <a:effectRef idx="0">
+            <a:scrgbClr r="0" g="0" b="0"/>
+          </a:effectRef>
+          <a:fontRef idx="minor">
+            <a:schemeClr val="dk1"/>
+          </a:fontRef>
+        </p:style>
+        <p:txBody>
+          <a:bodyPr rtlCol="0" anchor="ctr"/>
+          <a:lstStyle/>
+          <a:p>
+            <a:pPr algn="ctr"/>
+            <a:r>
+              <a:rPr lang="en-US" altLang="ko-KR" sz="1200" b="1" dirty="0">
+                <a:latin typeface="Spoqa Han Sans Neo Bold" panose="020B0800000000000000" pitchFamily="34" charset="-127"/>
+                <a:ea typeface="Spoqa Han Sans Neo Bold" panose="020B0800000000000000" pitchFamily="34" charset="-127"/>
+              </a:rPr>
+              <a:t>Another</a:t>
+            </a:r>
+          </a:p>
+          <a:p>
+            <a:pPr algn="ctr"/>
+            <a:r>
+              <a:rPr lang="en-US" altLang="ko-KR" sz="1200" b="1" dirty="0">
+                <a:latin typeface="Spoqa Han Sans Neo Bold" panose="020B0800000000000000" pitchFamily="34" charset="-127"/>
+                <a:ea typeface="Spoqa Han Sans Neo Bold" panose="020B0800000000000000" pitchFamily="34" charset="-127"/>
+              </a:rPr>
+              <a:t>Consumer</a:t>
+            </a:r>
+          </a:p>
+        </p:txBody>
+      </p:sp>
+      <p:cxnSp>
+        <p:nvCxnSpPr>
+          <p:cNvPr id="23" name="직선 화살표 연결선 22">
+            <a:extLst>
+              <a:ext uri="{FF2B5EF4-FFF2-40B4-BE49-F238E27FC236}">
+                <a16:creationId xmlns:a16="http://schemas.microsoft.com/office/drawing/2014/main" id="{E0FF6C83-9330-2883-3150-2E2F75E8A9FE}"/>
+              </a:ext>
+            </a:extLst>
+          </p:cNvPr>
+          <p:cNvCxnSpPr>
+            <a:cxnSpLocks/>
+            <a:stCxn id="5" idx="4"/>
+            <a:endCxn id="22" idx="0"/>
+          </p:cNvCxnSpPr>
+          <p:nvPr/>
+        </p:nvCxnSpPr>
+        <p:spPr>
+          <a:xfrm>
+            <a:off x="5138940" y="3220719"/>
+            <a:ext cx="1330032" cy="753286"/>
+          </a:xfrm>
+          <a:prstGeom prst="bentConnector2">
+            <a:avLst/>
+          </a:prstGeom>
+          <a:ln w="38100">
+            <a:solidFill>
+              <a:schemeClr val="tx1">
+                <a:lumMod val="50000"/>
+                <a:lumOff val="50000"/>
+              </a:schemeClr>
+            </a:solidFill>
+            <a:tailEnd type="triangle"/>
+          </a:ln>
+        </p:spPr>
+        <p:style>
+          <a:lnRef idx="1">
+            <a:schemeClr val="accent1"/>
+          </a:lnRef>
+          <a:fillRef idx="0">
+            <a:schemeClr val="accent1"/>
+          </a:fillRef>
+          <a:effectRef idx="0">
+            <a:schemeClr val="accent1"/>
+          </a:effectRef>
+          <a:fontRef idx="minor">
+            <a:schemeClr val="tx1"/>
+          </a:fontRef>
+        </p:style>
+      </p:cxnSp>
+      <p:cxnSp>
+        <p:nvCxnSpPr>
+          <p:cNvPr id="12" name="직선 화살표 연결선 11">
+            <a:extLst>
+              <a:ext uri="{FF2B5EF4-FFF2-40B4-BE49-F238E27FC236}">
+                <a16:creationId xmlns:a16="http://schemas.microsoft.com/office/drawing/2014/main" id="{D170DA68-582D-74FC-9781-A3293BAF8B2A}"/>
+              </a:ext>
+            </a:extLst>
+          </p:cNvPr>
+          <p:cNvCxnSpPr>
+            <a:cxnSpLocks/>
+            <a:stCxn id="5" idx="2"/>
+            <a:endCxn id="4" idx="1"/>
+          </p:cNvCxnSpPr>
+          <p:nvPr/>
+        </p:nvCxnSpPr>
+        <p:spPr>
+          <a:xfrm flipH="1">
+            <a:off x="4420296" y="3498600"/>
+            <a:ext cx="1" cy="475405"/>
+          </a:xfrm>
+          <a:prstGeom prst="straightConnector1">
+            <a:avLst/>
+          </a:prstGeom>
+          <a:ln w="38100">
+            <a:solidFill>
+              <a:schemeClr val="tx1">
+                <a:lumMod val="50000"/>
+                <a:lumOff val="50000"/>
+              </a:schemeClr>
+            </a:solidFill>
+            <a:tailEnd type="triangle"/>
+          </a:ln>
+        </p:spPr>
+        <p:style>
+          <a:lnRef idx="1">
+            <a:schemeClr val="accent1"/>
+          </a:lnRef>
+          <a:fillRef idx="0">
+            <a:schemeClr val="accent1"/>
+          </a:fillRef>
+          <a:effectRef idx="0">
+            <a:schemeClr val="accent1"/>
+          </a:effectRef>
+          <a:fontRef idx="minor">
+            <a:schemeClr val="tx1"/>
+          </a:fontRef>
+        </p:style>
+      </p:cxnSp>
+    </p:spTree>
+    <p:extLst>
+      <p:ext uri="{BB962C8B-B14F-4D97-AF65-F5344CB8AC3E}">
+        <p14:creationId xmlns:p14="http://schemas.microsoft.com/office/powerpoint/2010/main" val="773216141"/>
+      </p:ext>
+    </p:extLst>
+  </p:cSld>
+  <p:clrMapOvr>
+    <a:masterClrMapping/>
+  </p:clrMapOvr>
+</p:sld>
+</file>
+
 <file path=ppt/slides/slide4.xml><?xml version="1.0" encoding="utf-8"?>
 <p:sld xmlns:a="http://schemas.openxmlformats.org/drawingml/2006/main" xmlns:r="http://schemas.openxmlformats.org/officeDocument/2006/relationships" xmlns:p="http://schemas.openxmlformats.org/presentationml/2006/main">
   <p:cSld>

--- a/99.ppt/[Ch4-8. 결제 서비스 기능확장.pptx
+++ b/99.ppt/[Ch4-8. 결제 서비스 기능확장.pptx
@@ -5,7 +5,7 @@
     <p:sldMasterId id="2147483665" r:id="rId1"/>
   </p:sldMasterIdLst>
   <p:notesMasterIdLst>
-    <p:notesMasterId r:id="rId32"/>
+    <p:notesMasterId r:id="rId33"/>
   </p:notesMasterIdLst>
   <p:sldIdLst>
     <p:sldId id="364" r:id="rId2"/>
@@ -35,9 +35,10 @@
     <p:sldId id="393" r:id="rId26"/>
     <p:sldId id="389" r:id="rId27"/>
     <p:sldId id="391" r:id="rId28"/>
-    <p:sldId id="392" r:id="rId29"/>
-    <p:sldId id="376" r:id="rId30"/>
-    <p:sldId id="402" r:id="rId31"/>
+    <p:sldId id="403" r:id="rId29"/>
+    <p:sldId id="392" r:id="rId30"/>
+    <p:sldId id="376" r:id="rId31"/>
+    <p:sldId id="402" r:id="rId32"/>
   </p:sldIdLst>
   <p:sldSz cx="9144000" cy="5143500" type="screen16x9"/>
   <p:notesSz cx="6858000" cy="9144000"/>
@@ -240,7 +241,7 @@
           <a:p>
             <a:fld id="{9B770909-2C76-4DF9-BB76-4EE283593418}" type="datetimeFigureOut">
               <a:rPr lang="ko-KR" altLang="en-US" smtClean="0"/>
-              <a:t>2023-10-31</a:t>
+              <a:t>2023-11-01</a:t>
             </a:fld>
             <a:endParaRPr lang="ko-KR" altLang="en-US"/>
           </a:p>
@@ -6384,6 +6385,29 @@
           <a:p>
             <a:r>
               <a:rPr lang="ko-KR" altLang="en-US" dirty="0"/>
+              <a:t>검색어에 대한 </a:t>
+            </a:r>
+            <a:r>
+              <a:rPr lang="ko-KR" altLang="en-US" dirty="0" err="1"/>
+              <a:t>문서별</a:t>
+            </a:r>
+            <a:r>
+              <a:rPr lang="ko-KR" altLang="en-US" dirty="0"/>
+              <a:t> </a:t>
+            </a:r>
+            <a:r>
+              <a:rPr lang="en-US" altLang="ko-KR" dirty="0"/>
+              <a:t>Score </a:t>
+            </a:r>
+            <a:r>
+              <a:rPr lang="ko-KR" altLang="en-US" dirty="0"/>
+              <a:t>값을 계산해 </a:t>
+            </a:r>
+            <a:endParaRPr lang="en-US" altLang="ko-KR" dirty="0"/>
+          </a:p>
+          <a:p>
+            <a:r>
+              <a:rPr lang="ko-KR" altLang="en-US" dirty="0"/>
               <a:t>전문 검색에 사용되며</a:t>
             </a:r>
             <a:r>
@@ -6554,24 +6578,166 @@
           <a:lstStyle/>
           <a:p>
             <a:r>
-              <a:rPr lang="ko-KR" altLang="en-US" dirty="0"/>
-              <a:t>지금부터 </a:t>
+              <a:rPr lang="en-US" altLang="ko-KR" dirty="0"/>
+              <a:t>Score </a:t>
+            </a:r>
+            <a:r>
+              <a:rPr lang="ko-KR" altLang="en-US" dirty="0"/>
+              <a:t>계산에 사용하는 </a:t>
+            </a:r>
+            <a:r>
+              <a:rPr lang="en-US" altLang="ko-KR" dirty="0"/>
+              <a:t>BM 25 </a:t>
+            </a:r>
+            <a:r>
+              <a:rPr lang="ko-KR" altLang="en-US" dirty="0"/>
+              <a:t>알고리즘입니다</a:t>
+            </a:r>
+            <a:r>
+              <a:rPr lang="en-US" altLang="ko-KR" dirty="0"/>
+              <a:t>.</a:t>
+            </a:r>
+          </a:p>
+          <a:p>
+            <a:endParaRPr lang="en-US" altLang="ko-KR" dirty="0"/>
+          </a:p>
+          <a:p>
+            <a:r>
+              <a:rPr lang="ko-KR" altLang="en-US" dirty="0"/>
+              <a:t>위키피디아의 </a:t>
+            </a:r>
+            <a:r>
+              <a:rPr lang="en-US" altLang="ko-KR" dirty="0"/>
+              <a:t>BM25 </a:t>
+            </a:r>
+            <a:r>
+              <a:rPr lang="ko-KR" altLang="en-US" dirty="0"/>
+              <a:t>알고리즘 공식 가져와 봤는데요</a:t>
+            </a:r>
+            <a:r>
+              <a:rPr lang="en-US" altLang="ko-KR" dirty="0"/>
+              <a:t>. </a:t>
+            </a:r>
+            <a:r>
+              <a:rPr lang="ko-KR" altLang="en-US" dirty="0"/>
+              <a:t>이런 공식은 추가 설명 없이 이해하기가 쉽지 않습니다</a:t>
+            </a:r>
+            <a:r>
+              <a:rPr lang="en-US" altLang="ko-KR" dirty="0"/>
+              <a:t>.</a:t>
+            </a:r>
+          </a:p>
+          <a:p>
+            <a:endParaRPr lang="en-US" altLang="ko-KR" dirty="0"/>
+          </a:p>
+          <a:p>
+            <a:r>
+              <a:rPr lang="en-US" altLang="ko-KR" dirty="0"/>
+              <a:t>IDF (Inverse Document Frequency)</a:t>
+            </a:r>
+          </a:p>
+          <a:p>
+            <a:r>
+              <a:rPr lang="en-US" altLang="ko-KR" dirty="0"/>
+              <a:t>- </a:t>
+            </a:r>
+            <a:r>
+              <a:rPr lang="ko-KR" altLang="en-US" dirty="0"/>
+              <a:t>전체 문서에 자주 등장하는 단어일수록 낮은 가중치를 부여합니다</a:t>
+            </a:r>
+            <a:r>
+              <a:rPr lang="en-US" altLang="ko-KR" dirty="0"/>
+              <a:t>.</a:t>
+            </a:r>
+          </a:p>
+          <a:p>
+            <a:endParaRPr lang="en-US" altLang="ko-KR" dirty="0"/>
+          </a:p>
+          <a:p>
+            <a:r>
+              <a:rPr lang="ko-KR" altLang="en-US" dirty="0"/>
+              <a:t>주문내역에서</a:t>
+            </a:r>
+            <a:r>
+              <a:rPr lang="en-US" altLang="ko-KR" dirty="0"/>
+              <a:t>, x1, x2 </a:t>
+            </a:r>
+            <a:r>
+              <a:rPr lang="ko-KR" altLang="en-US" dirty="0"/>
+              <a:t>같은 단어는</a:t>
+            </a:r>
+            <a:r>
+              <a:rPr lang="en-US" altLang="ko-KR" dirty="0"/>
+              <a:t>,</a:t>
+            </a:r>
+            <a:r>
+              <a:rPr lang="ko-KR" altLang="en-US" dirty="0"/>
+              <a:t> 전체 문서 기준으로 무수히 많이 등장할 겁니다</a:t>
+            </a:r>
+            <a:r>
+              <a:rPr lang="en-US" altLang="ko-KR" dirty="0"/>
+              <a:t>.</a:t>
+            </a:r>
+          </a:p>
+          <a:p>
+            <a:r>
+              <a:rPr lang="ko-KR" altLang="en-US" dirty="0"/>
+              <a:t>그래서 이런 키워드는 검색이 되지 않도록 역으로 낮은 가중치를 부여하는 수식입니다</a:t>
+            </a:r>
+            <a:r>
+              <a:rPr lang="en-US" altLang="ko-KR" dirty="0"/>
+              <a:t>.</a:t>
+            </a:r>
+          </a:p>
+          <a:p>
+            <a:endParaRPr lang="en-US" altLang="ko-KR" dirty="0"/>
+          </a:p>
+          <a:p>
+            <a:endParaRPr lang="en-US" altLang="ko-KR" dirty="0"/>
+          </a:p>
+          <a:p>
+            <a:r>
+              <a:rPr lang="en-US" altLang="ko-KR" dirty="0"/>
+              <a:t>TF (Term Frequency)</a:t>
+            </a:r>
+          </a:p>
+          <a:p>
+            <a:r>
+              <a:rPr lang="en-US" altLang="ko-KR" dirty="0"/>
+              <a:t>- </a:t>
+            </a:r>
+            <a:r>
+              <a:rPr lang="ko-KR" altLang="en-US" dirty="0"/>
+              <a:t>문서 안에서는 자주 등장하는 단어일수록 높은 가중치를 부여합니다</a:t>
+            </a:r>
+            <a:r>
+              <a:rPr lang="en-US" altLang="ko-KR" dirty="0"/>
+              <a:t>.</a:t>
+            </a:r>
+          </a:p>
+          <a:p>
+            <a:endParaRPr lang="en-US" altLang="ko-KR" dirty="0"/>
+          </a:p>
+          <a:p>
+            <a:r>
+              <a:rPr lang="ko-KR" altLang="en-US" dirty="0"/>
+              <a:t>한 문서 안에서 같은 단어가 </a:t>
             </a:r>
             <a:r>
               <a:rPr lang="ko-KR" altLang="en-US" dirty="0" err="1"/>
-              <a:t>엘라스틱서치로</a:t>
-            </a:r>
-            <a:r>
-              <a:rPr lang="ko-KR" altLang="en-US" dirty="0"/>
-              <a:t> 간단한 </a:t>
-            </a:r>
-            <a:r>
-              <a:rPr lang="en-US" altLang="ko-KR" dirty="0"/>
-              <a:t>CRUD </a:t>
-            </a:r>
-            <a:r>
-              <a:rPr lang="ko-KR" altLang="en-US" dirty="0"/>
-              <a:t>서비스 구현해 보겠습니다</a:t>
+              <a:t>여러번</a:t>
+            </a:r>
+            <a:r>
+              <a:rPr lang="ko-KR" altLang="en-US" dirty="0"/>
+              <a:t> 등장한다면</a:t>
+            </a:r>
+            <a:r>
+              <a:rPr lang="en-US" altLang="ko-KR" dirty="0"/>
+              <a:t>, </a:t>
+            </a:r>
+            <a:r>
+              <a:rPr lang="ko-KR" altLang="en-US" dirty="0"/>
+              <a:t>그 단어에는 높은 가중치를 부여해 검색결과로 노출되도록 하는 수식입니다</a:t>
             </a:r>
             <a:r>
               <a:rPr lang="en-US" altLang="ko-KR" dirty="0"/>
@@ -6583,50 +6749,42 @@
           </a:p>
           <a:p>
             <a:r>
-              <a:rPr lang="ko-KR" altLang="en-US" dirty="0"/>
-              <a:t>먼저 프로젝트 환경부터 구성해 보시겠습니다</a:t>
+              <a:rPr lang="en-US" altLang="ko-KR" dirty="0"/>
+              <a:t>IDF</a:t>
+            </a:r>
+            <a:r>
+              <a:rPr lang="ko-KR" altLang="en-US" dirty="0"/>
+              <a:t> 와 </a:t>
+            </a:r>
+            <a:r>
+              <a:rPr lang="en-US" altLang="ko-KR" dirty="0"/>
+              <a:t>TF </a:t>
+            </a:r>
+            <a:r>
+              <a:rPr lang="ko-KR" altLang="en-US" dirty="0"/>
+              <a:t>수식을 조합하여</a:t>
+            </a:r>
+            <a:r>
+              <a:rPr lang="en-US" altLang="ko-KR" dirty="0"/>
+              <a:t>, Score </a:t>
+            </a:r>
+            <a:r>
+              <a:rPr lang="ko-KR" altLang="en-US" dirty="0"/>
+              <a:t>가 큰 값이 우선 검색되도록 하는 것이</a:t>
+            </a:r>
+            <a:r>
+              <a:rPr lang="en-US" altLang="ko-KR" dirty="0"/>
+              <a:t>, Query </a:t>
+            </a:r>
+            <a:r>
+              <a:rPr lang="ko-KR" altLang="en-US" dirty="0"/>
+              <a:t>기반 검색입니다</a:t>
             </a:r>
             <a:r>
               <a:rPr lang="en-US" altLang="ko-KR" dirty="0"/>
               <a:t>.</a:t>
             </a:r>
-          </a:p>
-          <a:p>
-            <a:endParaRPr lang="en-US" altLang="ko-KR" dirty="0"/>
-          </a:p>
-          <a:p>
-            <a:pPr marL="0" marR="0" lvl="0" indent="0" algn="l" defTabSz="685800" rtl="0" eaLnBrk="1" fontAlgn="auto" latinLnBrk="1" hangingPunct="1">
-              <a:lnSpc>
-                <a:spcPct val="100000"/>
-              </a:lnSpc>
-              <a:spcBef>
-                <a:spcPts val="0"/>
-              </a:spcBef>
-              <a:spcAft>
-                <a:spcPts val="0"/>
-              </a:spcAft>
-              <a:buClrTx/>
-              <a:buSzTx/>
-              <a:buFontTx/>
-              <a:buNone/>
-              <a:tabLst/>
-              <a:defRPr/>
-            </a:pPr>
-            <a:r>
-              <a:rPr lang="en-US" altLang="ko-KR" dirty="0"/>
-              <a:t>&lt;&lt;</a:t>
-            </a:r>
-            <a:r>
-              <a:rPr lang="ko-KR" altLang="en-US" dirty="0"/>
-              <a:t>설명</a:t>
-            </a:r>
-            <a:r>
-              <a:rPr lang="en-US" altLang="ko-KR" dirty="0"/>
-              <a:t>&gt;&gt;</a:t>
-            </a:r>
-          </a:p>
-          <a:p>
-            <a:endParaRPr lang="en-US" altLang="ko-KR" dirty="0"/>
+            <a:endParaRPr lang="ko-KR" altLang="en-US" dirty="0"/>
           </a:p>
         </p:txBody>
       </p:sp>
@@ -6656,7 +6814,7 @@
     </p:spTree>
     <p:extLst>
       <p:ext uri="{BB962C8B-B14F-4D97-AF65-F5344CB8AC3E}">
-        <p14:creationId xmlns:p14="http://schemas.microsoft.com/office/powerpoint/2010/main" val="608551643"/>
+        <p14:creationId xmlns:p14="http://schemas.microsoft.com/office/powerpoint/2010/main" val="2400655217"/>
       </p:ext>
     </p:extLst>
   </p:cSld>
@@ -6710,6 +6868,48 @@
           <a:bodyPr/>
           <a:lstStyle/>
           <a:p>
+            <a:r>
+              <a:rPr lang="ko-KR" altLang="en-US" dirty="0"/>
+              <a:t>지금부터 </a:t>
+            </a:r>
+            <a:r>
+              <a:rPr lang="ko-KR" altLang="en-US" dirty="0" err="1"/>
+              <a:t>엘라스틱서치로</a:t>
+            </a:r>
+            <a:r>
+              <a:rPr lang="ko-KR" altLang="en-US" dirty="0"/>
+              <a:t> 간단한 </a:t>
+            </a:r>
+            <a:r>
+              <a:rPr lang="en-US" altLang="ko-KR" dirty="0"/>
+              <a:t>CRUD </a:t>
+            </a:r>
+            <a:r>
+              <a:rPr lang="ko-KR" altLang="en-US" dirty="0"/>
+              <a:t>서비스 구현해 보겠습니다</a:t>
+            </a:r>
+            <a:r>
+              <a:rPr lang="en-US" altLang="ko-KR" dirty="0"/>
+              <a:t>.</a:t>
+            </a:r>
+          </a:p>
+          <a:p>
+            <a:endParaRPr lang="en-US" altLang="ko-KR" dirty="0"/>
+          </a:p>
+          <a:p>
+            <a:r>
+              <a:rPr lang="ko-KR" altLang="en-US" dirty="0"/>
+              <a:t>먼저 프로젝트 환경부터 구성해 보시겠습니다</a:t>
+            </a:r>
+            <a:r>
+              <a:rPr lang="en-US" altLang="ko-KR" dirty="0"/>
+              <a:t>.</a:t>
+            </a:r>
+          </a:p>
+          <a:p>
+            <a:endParaRPr lang="en-US" altLang="ko-KR" dirty="0"/>
+          </a:p>
+          <a:p>
             <a:pPr marL="0" marR="0" lvl="0" indent="0" algn="l" defTabSz="685800" rtl="0" eaLnBrk="1" fontAlgn="auto" latinLnBrk="1" hangingPunct="1">
               <a:lnSpc>
                 <a:spcPct val="100000"/>
@@ -6728,83 +6928,16 @@
               <a:defRPr/>
             </a:pPr>
             <a:r>
-              <a:rPr lang="ko-KR" altLang="en-US" dirty="0"/>
-              <a:t>지금까지 카프카와 </a:t>
-            </a:r>
-            <a:r>
-              <a:rPr lang="ko-KR" altLang="en-US" dirty="0" err="1"/>
-              <a:t>엘라스틱서치와</a:t>
-            </a:r>
-            <a:r>
-              <a:rPr lang="ko-KR" altLang="en-US" dirty="0"/>
-              <a:t> 대해 알아보았습니다</a:t>
-            </a:r>
-            <a:r>
-              <a:rPr lang="en-US" altLang="ko-KR" dirty="0"/>
-              <a:t>.</a:t>
-            </a:r>
-          </a:p>
-          <a:p>
-            <a:pPr marL="0" marR="0" lvl="0" indent="0" algn="l" defTabSz="685800" rtl="0" eaLnBrk="1" fontAlgn="auto" latinLnBrk="1" hangingPunct="1">
-              <a:lnSpc>
-                <a:spcPct val="100000"/>
-              </a:lnSpc>
-              <a:spcBef>
-                <a:spcPts val="0"/>
-              </a:spcBef>
-              <a:spcAft>
-                <a:spcPts val="0"/>
-              </a:spcAft>
-              <a:buClrTx/>
-              <a:buSzTx/>
-              <a:buFontTx/>
-              <a:buNone/>
-              <a:tabLst/>
-              <a:defRPr/>
-            </a:pPr>
-            <a:endParaRPr lang="en-US" altLang="ko-KR" dirty="0"/>
-          </a:p>
-          <a:p>
-            <a:pPr marL="0" marR="0" lvl="0" indent="0" algn="l" defTabSz="685800" rtl="0" eaLnBrk="1" fontAlgn="auto" latinLnBrk="1" hangingPunct="1">
-              <a:lnSpc>
-                <a:spcPct val="100000"/>
-              </a:lnSpc>
-              <a:spcBef>
-                <a:spcPts val="0"/>
-              </a:spcBef>
-              <a:spcAft>
-                <a:spcPts val="0"/>
-              </a:spcAft>
-              <a:buClrTx/>
-              <a:buSzTx/>
-              <a:buFontTx/>
-              <a:buNone/>
-              <a:tabLst/>
-              <a:defRPr/>
-            </a:pPr>
-            <a:r>
-              <a:rPr lang="ko-KR" altLang="en-US" dirty="0"/>
-              <a:t>솔루션이 준비되었으니</a:t>
-            </a:r>
-            <a:r>
-              <a:rPr lang="en-US" altLang="ko-KR" dirty="0"/>
-              <a:t>, </a:t>
-            </a:r>
-            <a:r>
-              <a:rPr lang="ko-KR" altLang="en-US" dirty="0"/>
-              <a:t>지금부터는 시나리오 </a:t>
-            </a:r>
-            <a:r>
-              <a:rPr lang="en-US" altLang="ko-KR" dirty="0"/>
-              <a:t>2 : </a:t>
-            </a:r>
-            <a:r>
-              <a:rPr lang="ko-KR" altLang="en-US" dirty="0"/>
-              <a:t>기존 결제 서비스의 주문이력 조회성능을 개선해 보도록 하겠습니다</a:t>
-            </a:r>
-            <a:r>
-              <a:rPr lang="en-US" altLang="ko-KR" dirty="0"/>
-              <a:t>.</a:t>
+              <a:rPr lang="en-US" altLang="ko-KR" dirty="0"/>
+              <a:t>&lt;&lt;</a:t>
+            </a:r>
+            <a:r>
+              <a:rPr lang="ko-KR" altLang="en-US" dirty="0"/>
+              <a:t>설명</a:t>
+            </a:r>
+            <a:r>
+              <a:rPr lang="en-US" altLang="ko-KR" dirty="0"/>
+              <a:t>&gt;&gt;</a:t>
             </a:r>
           </a:p>
           <a:p>
@@ -6838,7 +6971,7 @@
     </p:spTree>
     <p:extLst>
       <p:ext uri="{BB962C8B-B14F-4D97-AF65-F5344CB8AC3E}">
-        <p14:creationId xmlns:p14="http://schemas.microsoft.com/office/powerpoint/2010/main" val="2891790890"/>
+        <p14:creationId xmlns:p14="http://schemas.microsoft.com/office/powerpoint/2010/main" val="608551643"/>
       </p:ext>
     </p:extLst>
   </p:cSld>
@@ -7339,6 +7472,104 @@
           <a:bodyPr/>
           <a:lstStyle/>
           <a:p>
+            <a:pPr marL="0" marR="0" lvl="0" indent="0" algn="l" defTabSz="685800" rtl="0" eaLnBrk="1" fontAlgn="auto" latinLnBrk="1" hangingPunct="1">
+              <a:lnSpc>
+                <a:spcPct val="100000"/>
+              </a:lnSpc>
+              <a:spcBef>
+                <a:spcPts val="0"/>
+              </a:spcBef>
+              <a:spcAft>
+                <a:spcPts val="0"/>
+              </a:spcAft>
+              <a:buClrTx/>
+              <a:buSzTx/>
+              <a:buFontTx/>
+              <a:buNone/>
+              <a:tabLst/>
+              <a:defRPr/>
+            </a:pPr>
+            <a:r>
+              <a:rPr lang="ko-KR" altLang="en-US" dirty="0"/>
+              <a:t>지금까지 카프카와 </a:t>
+            </a:r>
+            <a:r>
+              <a:rPr lang="ko-KR" altLang="en-US" dirty="0" err="1"/>
+              <a:t>엘라스틱서치와</a:t>
+            </a:r>
+            <a:r>
+              <a:rPr lang="ko-KR" altLang="en-US" dirty="0"/>
+              <a:t> 대해 알아보았습니다</a:t>
+            </a:r>
+            <a:r>
+              <a:rPr lang="en-US" altLang="ko-KR" dirty="0"/>
+              <a:t>.</a:t>
+            </a:r>
+          </a:p>
+          <a:p>
+            <a:pPr marL="0" marR="0" lvl="0" indent="0" algn="l" defTabSz="685800" rtl="0" eaLnBrk="1" fontAlgn="auto" latinLnBrk="1" hangingPunct="1">
+              <a:lnSpc>
+                <a:spcPct val="100000"/>
+              </a:lnSpc>
+              <a:spcBef>
+                <a:spcPts val="0"/>
+              </a:spcBef>
+              <a:spcAft>
+                <a:spcPts val="0"/>
+              </a:spcAft>
+              <a:buClrTx/>
+              <a:buSzTx/>
+              <a:buFontTx/>
+              <a:buNone/>
+              <a:tabLst/>
+              <a:defRPr/>
+            </a:pPr>
+            <a:endParaRPr lang="en-US" altLang="ko-KR" dirty="0"/>
+          </a:p>
+          <a:p>
+            <a:pPr marL="0" marR="0" lvl="0" indent="0" algn="l" defTabSz="685800" rtl="0" eaLnBrk="1" fontAlgn="auto" latinLnBrk="1" hangingPunct="1">
+              <a:lnSpc>
+                <a:spcPct val="100000"/>
+              </a:lnSpc>
+              <a:spcBef>
+                <a:spcPts val="0"/>
+              </a:spcBef>
+              <a:spcAft>
+                <a:spcPts val="0"/>
+              </a:spcAft>
+              <a:buClrTx/>
+              <a:buSzTx/>
+              <a:buFontTx/>
+              <a:buNone/>
+              <a:tabLst/>
+              <a:defRPr/>
+            </a:pPr>
+            <a:r>
+              <a:rPr lang="ko-KR" altLang="en-US" dirty="0"/>
+              <a:t>솔루션이 준비되었으니</a:t>
+            </a:r>
+            <a:r>
+              <a:rPr lang="en-US" altLang="ko-KR" dirty="0"/>
+              <a:t>, </a:t>
+            </a:r>
+            <a:r>
+              <a:rPr lang="ko-KR" altLang="en-US" dirty="0"/>
+              <a:t>지금부터는 시나리오 </a:t>
+            </a:r>
+            <a:r>
+              <a:rPr lang="en-US" altLang="ko-KR" dirty="0"/>
+              <a:t>2 : </a:t>
+            </a:r>
+            <a:r>
+              <a:rPr lang="ko-KR" altLang="en-US" dirty="0"/>
+              <a:t>기존 결제 서비스의 주문이력 조회성능을 개선해 보도록 하겠습니다</a:t>
+            </a:r>
+            <a:r>
+              <a:rPr lang="en-US" altLang="ko-KR" dirty="0"/>
+              <a:t>.</a:t>
+            </a:r>
+          </a:p>
+          <a:p>
             <a:endParaRPr lang="en-US" altLang="ko-KR" dirty="0"/>
           </a:p>
         </p:txBody>
@@ -7361,6 +7592,90 @@
             <a:fld id="{4F243B46-72FF-4656-838A-691B9EB329E3}" type="slidenum">
               <a:rPr lang="ko-KR" altLang="en-US" smtClean="0"/>
               <a:t>30</a:t>
+            </a:fld>
+            <a:endParaRPr lang="ko-KR" altLang="en-US"/>
+          </a:p>
+        </p:txBody>
+      </p:sp>
+    </p:spTree>
+    <p:extLst>
+      <p:ext uri="{BB962C8B-B14F-4D97-AF65-F5344CB8AC3E}">
+        <p14:creationId xmlns:p14="http://schemas.microsoft.com/office/powerpoint/2010/main" val="2891790890"/>
+      </p:ext>
+    </p:extLst>
+  </p:cSld>
+  <p:clrMapOvr>
+    <a:masterClrMapping/>
+  </p:clrMapOvr>
+</p:notes>
+</file>
+
+<file path=ppt/notesSlides/notesSlide31.xml><?xml version="1.0" encoding="utf-8"?>
+<p:notes xmlns:a="http://schemas.openxmlformats.org/drawingml/2006/main" xmlns:r="http://schemas.openxmlformats.org/officeDocument/2006/relationships" xmlns:p="http://schemas.openxmlformats.org/presentationml/2006/main">
+  <p:cSld>
+    <p:spTree>
+      <p:nvGrpSpPr>
+        <p:cNvPr id="1" name=""/>
+        <p:cNvGrpSpPr/>
+        <p:nvPr/>
+      </p:nvGrpSpPr>
+      <p:grpSpPr>
+        <a:xfrm>
+          <a:off x="0" y="0"/>
+          <a:ext cx="0" cy="0"/>
+          <a:chOff x="0" y="0"/>
+          <a:chExt cx="0" cy="0"/>
+        </a:xfrm>
+      </p:grpSpPr>
+      <p:sp>
+        <p:nvSpPr>
+          <p:cNvPr id="2" name="슬라이드 이미지 개체 틀 1"/>
+          <p:cNvSpPr>
+            <a:spLocks noGrp="1" noRot="1" noChangeAspect="1"/>
+          </p:cNvSpPr>
+          <p:nvPr>
+            <p:ph type="sldImg"/>
+          </p:nvPr>
+        </p:nvSpPr>
+        <p:spPr/>
+      </p:sp>
+      <p:sp>
+        <p:nvSpPr>
+          <p:cNvPr id="3" name="슬라이드 노트 개체 틀 2"/>
+          <p:cNvSpPr>
+            <a:spLocks noGrp="1"/>
+          </p:cNvSpPr>
+          <p:nvPr>
+            <p:ph type="body" idx="1"/>
+          </p:nvPr>
+        </p:nvSpPr>
+        <p:spPr/>
+        <p:txBody>
+          <a:bodyPr/>
+          <a:lstStyle/>
+          <a:p>
+            <a:endParaRPr lang="en-US" altLang="ko-KR" dirty="0"/>
+          </a:p>
+        </p:txBody>
+      </p:sp>
+      <p:sp>
+        <p:nvSpPr>
+          <p:cNvPr id="4" name="슬라이드 번호 개체 틀 3"/>
+          <p:cNvSpPr>
+            <a:spLocks noGrp="1"/>
+          </p:cNvSpPr>
+          <p:nvPr>
+            <p:ph type="sldNum" sz="quarter" idx="5"/>
+          </p:nvPr>
+        </p:nvSpPr>
+        <p:spPr/>
+        <p:txBody>
+          <a:bodyPr/>
+          <a:lstStyle/>
+          <a:p>
+            <a:fld id="{4F243B46-72FF-4656-838A-691B9EB329E3}" type="slidenum">
+              <a:rPr lang="ko-KR" altLang="en-US" smtClean="0"/>
+              <a:t>31</a:t>
             </a:fld>
             <a:endParaRPr lang="ko-KR" altLang="en-US"/>
           </a:p>
@@ -24618,6 +24933,363 @@
           <p:cNvPr id="2" name="제목 1">
             <a:extLst>
               <a:ext uri="{FF2B5EF4-FFF2-40B4-BE49-F238E27FC236}">
+                <a16:creationId xmlns:a16="http://schemas.microsoft.com/office/drawing/2014/main" id="{0D7884BB-B273-F1BB-3FEF-7A121A3B9E19}"/>
+              </a:ext>
+            </a:extLst>
+          </p:cNvPr>
+          <p:cNvSpPr>
+            <a:spLocks noGrp="1"/>
+          </p:cNvSpPr>
+          <p:nvPr>
+            <p:ph type="title"/>
+          </p:nvPr>
+        </p:nvSpPr>
+        <p:spPr/>
+        <p:txBody>
+          <a:bodyPr/>
+          <a:lstStyle/>
+          <a:p>
+            <a:r>
+              <a:rPr lang="en-US" altLang="ko-KR" dirty="0"/>
+              <a:t>BM 25 </a:t>
+            </a:r>
+            <a:r>
+              <a:rPr lang="ko-KR" altLang="en-US" dirty="0"/>
+              <a:t>알고리즘</a:t>
+            </a:r>
+          </a:p>
+        </p:txBody>
+      </p:sp>
+      <p:sp>
+        <p:nvSpPr>
+          <p:cNvPr id="7" name="TextBox 6">
+            <a:extLst>
+              <a:ext uri="{FF2B5EF4-FFF2-40B4-BE49-F238E27FC236}">
+                <a16:creationId xmlns:a16="http://schemas.microsoft.com/office/drawing/2014/main" id="{7E6C34A6-4ED8-0A24-3785-A6A5EB585DCC}"/>
+              </a:ext>
+            </a:extLst>
+          </p:cNvPr>
+          <p:cNvSpPr txBox="1"/>
+          <p:nvPr/>
+        </p:nvSpPr>
+        <p:spPr>
+          <a:xfrm>
+            <a:off x="4062412" y="4723337"/>
+            <a:ext cx="4572000" cy="307777"/>
+          </a:xfrm>
+          <a:prstGeom prst="rect">
+            <a:avLst/>
+          </a:prstGeom>
+          <a:noFill/>
+        </p:spPr>
+        <p:txBody>
+          <a:bodyPr wrap="square">
+            <a:spAutoFit/>
+          </a:bodyPr>
+          <a:lstStyle/>
+          <a:p>
+            <a:pPr algn="r"/>
+            <a:r>
+              <a:rPr lang="ko-KR" altLang="en-US" sz="1400" dirty="0">
+                <a:hlinkClick r:id="rId3"/>
+              </a:rPr>
+              <a:t>https://en.wikipedia.org/wiki/Okapi_BM25</a:t>
+            </a:r>
+            <a:endParaRPr lang="ko-KR" altLang="en-US" sz="1400" dirty="0"/>
+          </a:p>
+        </p:txBody>
+      </p:sp>
+      <p:pic>
+        <p:nvPicPr>
+          <p:cNvPr id="9" name="그림 8">
+            <a:extLst>
+              <a:ext uri="{FF2B5EF4-FFF2-40B4-BE49-F238E27FC236}">
+                <a16:creationId xmlns:a16="http://schemas.microsoft.com/office/drawing/2014/main" id="{65E03A68-2FBC-8E5D-2CEF-7727587AAF9C}"/>
+              </a:ext>
+            </a:extLst>
+          </p:cNvPr>
+          <p:cNvPicPr>
+            <a:picLocks noChangeAspect="1"/>
+          </p:cNvPicPr>
+          <p:nvPr/>
+        </p:nvPicPr>
+        <p:blipFill>
+          <a:blip r:embed="rId4"/>
+          <a:stretch>
+            <a:fillRect/>
+          </a:stretch>
+        </p:blipFill>
+        <p:spPr>
+          <a:xfrm>
+            <a:off x="1410758" y="2384885"/>
+            <a:ext cx="6536726" cy="964671"/>
+          </a:xfrm>
+          <a:prstGeom prst="rect">
+            <a:avLst/>
+          </a:prstGeom>
+        </p:spPr>
+      </p:pic>
+      <p:sp>
+        <p:nvSpPr>
+          <p:cNvPr id="10" name="사각형: 둥근 모서리 9">
+            <a:extLst>
+              <a:ext uri="{FF2B5EF4-FFF2-40B4-BE49-F238E27FC236}">
+                <a16:creationId xmlns:a16="http://schemas.microsoft.com/office/drawing/2014/main" id="{19953C19-3394-2626-54FF-24E21A20022E}"/>
+              </a:ext>
+            </a:extLst>
+          </p:cNvPr>
+          <p:cNvSpPr/>
+          <p:nvPr/>
+        </p:nvSpPr>
+        <p:spPr>
+          <a:xfrm>
+            <a:off x="3039533" y="2226732"/>
+            <a:ext cx="1261534" cy="1278466"/>
+          </a:xfrm>
+          <a:prstGeom prst="roundRect">
+            <a:avLst>
+              <a:gd name="adj" fmla="val 5929"/>
+            </a:avLst>
+          </a:prstGeom>
+          <a:noFill/>
+          <a:ln w="38100">
+            <a:solidFill>
+              <a:srgbClr val="FF0000"/>
+            </a:solidFill>
+          </a:ln>
+        </p:spPr>
+        <p:style>
+          <a:lnRef idx="2">
+            <a:schemeClr val="accent2"/>
+          </a:lnRef>
+          <a:fillRef idx="1">
+            <a:schemeClr val="lt1"/>
+          </a:fillRef>
+          <a:effectRef idx="0">
+            <a:schemeClr val="accent2"/>
+          </a:effectRef>
+          <a:fontRef idx="minor">
+            <a:schemeClr val="dk1"/>
+          </a:fontRef>
+        </p:style>
+        <p:txBody>
+          <a:bodyPr rtlCol="0" anchor="ctr"/>
+          <a:lstStyle/>
+          <a:p>
+            <a:pPr algn="ctr"/>
+            <a:endParaRPr lang="ko-KR" altLang="en-US"/>
+          </a:p>
+        </p:txBody>
+      </p:sp>
+      <p:sp>
+        <p:nvSpPr>
+          <p:cNvPr id="11" name="사각형: 둥근 모서리 10">
+            <a:extLst>
+              <a:ext uri="{FF2B5EF4-FFF2-40B4-BE49-F238E27FC236}">
+                <a16:creationId xmlns:a16="http://schemas.microsoft.com/office/drawing/2014/main" id="{5B63E7B7-9404-1AF9-4C00-6DD45E8F6A87}"/>
+              </a:ext>
+            </a:extLst>
+          </p:cNvPr>
+          <p:cNvSpPr/>
+          <p:nvPr/>
+        </p:nvSpPr>
+        <p:spPr>
+          <a:xfrm>
+            <a:off x="4411134" y="2226732"/>
+            <a:ext cx="3536350" cy="1278466"/>
+          </a:xfrm>
+          <a:prstGeom prst="roundRect">
+            <a:avLst>
+              <a:gd name="adj" fmla="val 5929"/>
+            </a:avLst>
+          </a:prstGeom>
+          <a:noFill/>
+          <a:ln w="38100">
+            <a:solidFill>
+              <a:srgbClr val="0033CC"/>
+            </a:solidFill>
+          </a:ln>
+        </p:spPr>
+        <p:style>
+          <a:lnRef idx="2">
+            <a:schemeClr val="accent2"/>
+          </a:lnRef>
+          <a:fillRef idx="1">
+            <a:schemeClr val="lt1"/>
+          </a:fillRef>
+          <a:effectRef idx="0">
+            <a:schemeClr val="accent2"/>
+          </a:effectRef>
+          <a:fontRef idx="minor">
+            <a:schemeClr val="dk1"/>
+          </a:fontRef>
+        </p:style>
+        <p:txBody>
+          <a:bodyPr rtlCol="0" anchor="ctr"/>
+          <a:lstStyle/>
+          <a:p>
+            <a:pPr algn="ctr"/>
+            <a:endParaRPr lang="ko-KR" altLang="en-US"/>
+          </a:p>
+        </p:txBody>
+      </p:sp>
+      <p:sp>
+        <p:nvSpPr>
+          <p:cNvPr id="12" name="TextBox 11">
+            <a:extLst>
+              <a:ext uri="{FF2B5EF4-FFF2-40B4-BE49-F238E27FC236}">
+                <a16:creationId xmlns:a16="http://schemas.microsoft.com/office/drawing/2014/main" id="{0E9AB85C-C62D-0DB8-485A-28133F6745D6}"/>
+              </a:ext>
+            </a:extLst>
+          </p:cNvPr>
+          <p:cNvSpPr txBox="1"/>
+          <p:nvPr/>
+        </p:nvSpPr>
+        <p:spPr>
+          <a:xfrm>
+            <a:off x="1184031" y="3663351"/>
+            <a:ext cx="2741327" cy="707886"/>
+          </a:xfrm>
+          <a:prstGeom prst="rect">
+            <a:avLst/>
+          </a:prstGeom>
+          <a:noFill/>
+        </p:spPr>
+        <p:txBody>
+          <a:bodyPr wrap="square" rtlCol="0">
+            <a:spAutoFit/>
+          </a:bodyPr>
+          <a:lstStyle/>
+          <a:p>
+            <a:pPr algn="r"/>
+            <a:r>
+              <a:rPr lang="en-US" altLang="ko-KR" sz="2400" b="1" dirty="0">
+                <a:solidFill>
+                  <a:srgbClr val="FF0000"/>
+                </a:solidFill>
+              </a:rPr>
+              <a:t>IDF</a:t>
+            </a:r>
+          </a:p>
+          <a:p>
+            <a:pPr algn="r"/>
+            <a:r>
+              <a:rPr lang="en-US" altLang="ko-KR" sz="1600" dirty="0">
+                <a:solidFill>
+                  <a:schemeClr val="tx1">
+                    <a:lumMod val="50000"/>
+                    <a:lumOff val="50000"/>
+                  </a:schemeClr>
+                </a:solidFill>
+              </a:rPr>
+              <a:t>Inverse Document Frequency</a:t>
+            </a:r>
+            <a:endParaRPr lang="ko-KR" altLang="en-US" sz="2000" dirty="0">
+              <a:solidFill>
+                <a:schemeClr val="tx1">
+                  <a:lumMod val="50000"/>
+                  <a:lumOff val="50000"/>
+                </a:schemeClr>
+              </a:solidFill>
+            </a:endParaRPr>
+          </a:p>
+        </p:txBody>
+      </p:sp>
+      <p:sp>
+        <p:nvSpPr>
+          <p:cNvPr id="13" name="TextBox 12">
+            <a:extLst>
+              <a:ext uri="{FF2B5EF4-FFF2-40B4-BE49-F238E27FC236}">
+                <a16:creationId xmlns:a16="http://schemas.microsoft.com/office/drawing/2014/main" id="{355F3788-7D1C-6AC6-C58A-1F26B5FAC81B}"/>
+              </a:ext>
+            </a:extLst>
+          </p:cNvPr>
+          <p:cNvSpPr txBox="1"/>
+          <p:nvPr/>
+        </p:nvSpPr>
+        <p:spPr>
+          <a:xfrm>
+            <a:off x="4677763" y="3663351"/>
+            <a:ext cx="2514600" cy="707886"/>
+          </a:xfrm>
+          <a:prstGeom prst="rect">
+            <a:avLst/>
+          </a:prstGeom>
+          <a:noFill/>
+        </p:spPr>
+        <p:txBody>
+          <a:bodyPr wrap="square" rtlCol="0">
+            <a:spAutoFit/>
+          </a:bodyPr>
+          <a:lstStyle/>
+          <a:p>
+            <a:r>
+              <a:rPr lang="en-US" altLang="ko-KR" sz="2400" b="1" dirty="0">
+                <a:solidFill>
+                  <a:srgbClr val="0033CC"/>
+                </a:solidFill>
+              </a:rPr>
+              <a:t>TF</a:t>
+            </a:r>
+          </a:p>
+          <a:p>
+            <a:r>
+              <a:rPr lang="en-US" altLang="ko-KR" sz="1600" dirty="0">
+                <a:solidFill>
+                  <a:schemeClr val="tx1">
+                    <a:lumMod val="50000"/>
+                    <a:lumOff val="50000"/>
+                  </a:schemeClr>
+                </a:solidFill>
+              </a:rPr>
+              <a:t>Term Frequency</a:t>
+            </a:r>
+            <a:endParaRPr lang="ko-KR" altLang="en-US" sz="2000" dirty="0">
+              <a:solidFill>
+                <a:schemeClr val="tx1">
+                  <a:lumMod val="50000"/>
+                  <a:lumOff val="50000"/>
+                </a:schemeClr>
+              </a:solidFill>
+            </a:endParaRPr>
+          </a:p>
+        </p:txBody>
+      </p:sp>
+    </p:spTree>
+    <p:extLst>
+      <p:ext uri="{BB962C8B-B14F-4D97-AF65-F5344CB8AC3E}">
+        <p14:creationId xmlns:p14="http://schemas.microsoft.com/office/powerpoint/2010/main" val="225490844"/>
+      </p:ext>
+    </p:extLst>
+  </p:cSld>
+  <p:clrMapOvr>
+    <a:masterClrMapping/>
+  </p:clrMapOvr>
+</p:sld>
+</file>
+
+<file path=ppt/slides/slide29.xml><?xml version="1.0" encoding="utf-8"?>
+<p:sld xmlns:a="http://schemas.openxmlformats.org/drawingml/2006/main" xmlns:r="http://schemas.openxmlformats.org/officeDocument/2006/relationships" xmlns:p="http://schemas.openxmlformats.org/presentationml/2006/main">
+  <p:cSld>
+    <p:spTree>
+      <p:nvGrpSpPr>
+        <p:cNvPr id="1" name=""/>
+        <p:cNvGrpSpPr/>
+        <p:nvPr/>
+      </p:nvGrpSpPr>
+      <p:grpSpPr>
+        <a:xfrm>
+          <a:off x="0" y="0"/>
+          <a:ext cx="0" cy="0"/>
+          <a:chOff x="0" y="0"/>
+          <a:chExt cx="0" cy="0"/>
+        </a:xfrm>
+      </p:grpSpPr>
+      <p:sp>
+        <p:nvSpPr>
+          <p:cNvPr id="2" name="제목 1">
+            <a:extLst>
+              <a:ext uri="{FF2B5EF4-FFF2-40B4-BE49-F238E27FC236}">
                 <a16:creationId xmlns:a16="http://schemas.microsoft.com/office/drawing/2014/main" id="{D21C1AA9-5E52-3A11-B3B3-447787E29D09}"/>
               </a:ext>
             </a:extLst>
@@ -24889,136 +25561,6 @@
 </p:sld>
 </file>
 
-<file path=ppt/slides/slide29.xml><?xml version="1.0" encoding="utf-8"?>
-<p:sld xmlns:a="http://schemas.openxmlformats.org/drawingml/2006/main" xmlns:r="http://schemas.openxmlformats.org/officeDocument/2006/relationships" xmlns:p="http://schemas.openxmlformats.org/presentationml/2006/main">
-  <p:cSld>
-    <p:spTree>
-      <p:nvGrpSpPr>
-        <p:cNvPr id="1" name=""/>
-        <p:cNvGrpSpPr/>
-        <p:nvPr/>
-      </p:nvGrpSpPr>
-      <p:grpSpPr>
-        <a:xfrm>
-          <a:off x="0" y="0"/>
-          <a:ext cx="0" cy="0"/>
-          <a:chOff x="0" y="0"/>
-          <a:chExt cx="0" cy="0"/>
-        </a:xfrm>
-      </p:grpSpPr>
-      <p:sp>
-        <p:nvSpPr>
-          <p:cNvPr id="2" name="제목 1">
-            <a:extLst>
-              <a:ext uri="{FF2B5EF4-FFF2-40B4-BE49-F238E27FC236}">
-                <a16:creationId xmlns:a16="http://schemas.microsoft.com/office/drawing/2014/main" id="{9896B29B-A1AE-E0C6-8543-753E63140B1C}"/>
-              </a:ext>
-            </a:extLst>
-          </p:cNvPr>
-          <p:cNvSpPr>
-            <a:spLocks noGrp="1"/>
-          </p:cNvSpPr>
-          <p:nvPr>
-            <p:ph type="ctrTitle"/>
-          </p:nvPr>
-        </p:nvSpPr>
-        <p:spPr/>
-        <p:txBody>
-          <a:bodyPr>
-            <a:normAutofit/>
-          </a:bodyPr>
-          <a:lstStyle/>
-          <a:p>
-            <a:r>
-              <a:rPr lang="ko-KR" altLang="en-US" b="1" dirty="0"/>
-              <a:t>결제서비스 기능확장</a:t>
-            </a:r>
-          </a:p>
-        </p:txBody>
-      </p:sp>
-      <p:sp>
-        <p:nvSpPr>
-          <p:cNvPr id="4" name="부제목 3">
-            <a:extLst>
-              <a:ext uri="{FF2B5EF4-FFF2-40B4-BE49-F238E27FC236}">
-                <a16:creationId xmlns:a16="http://schemas.microsoft.com/office/drawing/2014/main" id="{7219E4B9-47F6-C7CA-B046-1256225C3574}"/>
-              </a:ext>
-            </a:extLst>
-          </p:cNvPr>
-          <p:cNvSpPr>
-            <a:spLocks noGrp="1"/>
-          </p:cNvSpPr>
-          <p:nvPr>
-            <p:ph type="subTitle" idx="1"/>
-          </p:nvPr>
-        </p:nvSpPr>
-        <p:spPr/>
-        <p:txBody>
-          <a:bodyPr>
-            <a:normAutofit/>
-          </a:bodyPr>
-          <a:lstStyle/>
-          <a:p>
-            <a:pPr marL="0" indent="0" algn="r">
-              <a:buNone/>
-            </a:pPr>
-            <a:r>
-              <a:rPr lang="en-US" altLang="ko" b="1" dirty="0">
-                <a:solidFill>
-                  <a:srgbClr val="ED234B"/>
-                </a:solidFill>
-              </a:rPr>
-              <a:t>6</a:t>
-            </a:r>
-            <a:r>
-              <a:rPr lang="ko" altLang="ko-KR" b="1" dirty="0">
-                <a:solidFill>
-                  <a:srgbClr val="ED234B"/>
-                </a:solidFill>
-              </a:rPr>
-              <a:t> </a:t>
-            </a:r>
-            <a:r>
-              <a:rPr lang="ko-KR" altLang="en-US" dirty="0"/>
-              <a:t>시나리오 </a:t>
-            </a:r>
-            <a:r>
-              <a:rPr lang="en-US" altLang="ko-KR" dirty="0"/>
-              <a:t>2 : </a:t>
-            </a:r>
-            <a:r>
-              <a:rPr lang="ko-KR" altLang="en-US" dirty="0"/>
-              <a:t>주문이력 성능개선 </a:t>
-            </a:r>
-            <a:r>
-              <a:rPr lang="en-US" altLang="ko-KR" dirty="0"/>
-              <a:t>(</a:t>
-            </a:r>
-            <a:r>
-              <a:rPr lang="ko-KR" altLang="en-US" dirty="0"/>
-              <a:t>구현</a:t>
-            </a:r>
-            <a:r>
-              <a:rPr lang="en-US" altLang="ko-KR" dirty="0"/>
-              <a:t>)</a:t>
-            </a:r>
-            <a:endParaRPr lang="ko-KR" altLang="en-US" dirty="0"/>
-          </a:p>
-        </p:txBody>
-      </p:sp>
-    </p:spTree>
-    <p:extLst>
-      <p:ext uri="{BB962C8B-B14F-4D97-AF65-F5344CB8AC3E}">
-        <p14:creationId xmlns:p14="http://schemas.microsoft.com/office/powerpoint/2010/main" val="634556094"/>
-      </p:ext>
-    </p:extLst>
-  </p:cSld>
-  <p:clrMapOvr>
-    <a:masterClrMapping/>
-  </p:clrMapOvr>
-</p:sld>
-</file>
-
 <file path=ppt/slides/slide3.xml><?xml version="1.0" encoding="utf-8"?>
 <p:sld xmlns:a="http://schemas.openxmlformats.org/drawingml/2006/main" xmlns:r="http://schemas.openxmlformats.org/officeDocument/2006/relationships" xmlns:p="http://schemas.openxmlformats.org/presentationml/2006/main">
   <p:cSld>
@@ -25284,6 +25826,136 @@
 </file>
 
 <file path=ppt/slides/slide30.xml><?xml version="1.0" encoding="utf-8"?>
+<p:sld xmlns:a="http://schemas.openxmlformats.org/drawingml/2006/main" xmlns:r="http://schemas.openxmlformats.org/officeDocument/2006/relationships" xmlns:p="http://schemas.openxmlformats.org/presentationml/2006/main">
+  <p:cSld>
+    <p:spTree>
+      <p:nvGrpSpPr>
+        <p:cNvPr id="1" name=""/>
+        <p:cNvGrpSpPr/>
+        <p:nvPr/>
+      </p:nvGrpSpPr>
+      <p:grpSpPr>
+        <a:xfrm>
+          <a:off x="0" y="0"/>
+          <a:ext cx="0" cy="0"/>
+          <a:chOff x="0" y="0"/>
+          <a:chExt cx="0" cy="0"/>
+        </a:xfrm>
+      </p:grpSpPr>
+      <p:sp>
+        <p:nvSpPr>
+          <p:cNvPr id="2" name="제목 1">
+            <a:extLst>
+              <a:ext uri="{FF2B5EF4-FFF2-40B4-BE49-F238E27FC236}">
+                <a16:creationId xmlns:a16="http://schemas.microsoft.com/office/drawing/2014/main" id="{9896B29B-A1AE-E0C6-8543-753E63140B1C}"/>
+              </a:ext>
+            </a:extLst>
+          </p:cNvPr>
+          <p:cNvSpPr>
+            <a:spLocks noGrp="1"/>
+          </p:cNvSpPr>
+          <p:nvPr>
+            <p:ph type="ctrTitle"/>
+          </p:nvPr>
+        </p:nvSpPr>
+        <p:spPr/>
+        <p:txBody>
+          <a:bodyPr>
+            <a:normAutofit/>
+          </a:bodyPr>
+          <a:lstStyle/>
+          <a:p>
+            <a:r>
+              <a:rPr lang="ko-KR" altLang="en-US" b="1" dirty="0"/>
+              <a:t>결제서비스 기능확장</a:t>
+            </a:r>
+          </a:p>
+        </p:txBody>
+      </p:sp>
+      <p:sp>
+        <p:nvSpPr>
+          <p:cNvPr id="4" name="부제목 3">
+            <a:extLst>
+              <a:ext uri="{FF2B5EF4-FFF2-40B4-BE49-F238E27FC236}">
+                <a16:creationId xmlns:a16="http://schemas.microsoft.com/office/drawing/2014/main" id="{7219E4B9-47F6-C7CA-B046-1256225C3574}"/>
+              </a:ext>
+            </a:extLst>
+          </p:cNvPr>
+          <p:cNvSpPr>
+            <a:spLocks noGrp="1"/>
+          </p:cNvSpPr>
+          <p:nvPr>
+            <p:ph type="subTitle" idx="1"/>
+          </p:nvPr>
+        </p:nvSpPr>
+        <p:spPr/>
+        <p:txBody>
+          <a:bodyPr>
+            <a:normAutofit/>
+          </a:bodyPr>
+          <a:lstStyle/>
+          <a:p>
+            <a:pPr marL="0" indent="0" algn="r">
+              <a:buNone/>
+            </a:pPr>
+            <a:r>
+              <a:rPr lang="en-US" altLang="ko" b="1" dirty="0">
+                <a:solidFill>
+                  <a:srgbClr val="ED234B"/>
+                </a:solidFill>
+              </a:rPr>
+              <a:t>6</a:t>
+            </a:r>
+            <a:r>
+              <a:rPr lang="ko" altLang="ko-KR" b="1" dirty="0">
+                <a:solidFill>
+                  <a:srgbClr val="ED234B"/>
+                </a:solidFill>
+              </a:rPr>
+              <a:t> </a:t>
+            </a:r>
+            <a:r>
+              <a:rPr lang="ko-KR" altLang="en-US" dirty="0"/>
+              <a:t>시나리오 </a:t>
+            </a:r>
+            <a:r>
+              <a:rPr lang="en-US" altLang="ko-KR" dirty="0"/>
+              <a:t>2 : </a:t>
+            </a:r>
+            <a:r>
+              <a:rPr lang="ko-KR" altLang="en-US" dirty="0"/>
+              <a:t>주문이력 성능개선 </a:t>
+            </a:r>
+            <a:r>
+              <a:rPr lang="en-US" altLang="ko-KR" dirty="0"/>
+              <a:t>(</a:t>
+            </a:r>
+            <a:r>
+              <a:rPr lang="ko-KR" altLang="en-US" dirty="0"/>
+              <a:t>구현</a:t>
+            </a:r>
+            <a:r>
+              <a:rPr lang="en-US" altLang="ko-KR" dirty="0"/>
+              <a:t>)</a:t>
+            </a:r>
+            <a:endParaRPr lang="ko-KR" altLang="en-US" dirty="0"/>
+          </a:p>
+        </p:txBody>
+      </p:sp>
+    </p:spTree>
+    <p:extLst>
+      <p:ext uri="{BB962C8B-B14F-4D97-AF65-F5344CB8AC3E}">
+        <p14:creationId xmlns:p14="http://schemas.microsoft.com/office/powerpoint/2010/main" val="634556094"/>
+      </p:ext>
+    </p:extLst>
+  </p:cSld>
+  <p:clrMapOvr>
+    <a:masterClrMapping/>
+  </p:clrMapOvr>
+</p:sld>
+</file>
+
+<file path=ppt/slides/slide31.xml><?xml version="1.0" encoding="utf-8"?>
 <p:sld xmlns:a="http://schemas.openxmlformats.org/drawingml/2006/main" xmlns:r="http://schemas.openxmlformats.org/officeDocument/2006/relationships" xmlns:p="http://schemas.openxmlformats.org/presentationml/2006/main">
   <p:cSld>
     <p:spTree>

--- a/99.ppt/[Ch4-8. 결제 서비스 기능확장.pptx
+++ b/99.ppt/[Ch4-8. 결제 서비스 기능확장.pptx
@@ -5873,11 +5873,15 @@
             </a:r>
             <a:r>
               <a:rPr lang="ko-KR" altLang="en-US" dirty="0"/>
-              <a:t>를 </a:t>
-            </a:r>
-            <a:r>
-              <a:rPr lang="ko-KR" altLang="en-US" dirty="0" err="1"/>
-              <a:t>찾을텐데요</a:t>
+              <a:t>를 찾아야 합니다</a:t>
+            </a:r>
+            <a:r>
+              <a:rPr lang="en-US" altLang="ko-KR" dirty="0"/>
+              <a:t>. Index full scan</a:t>
+            </a:r>
+            <a:r>
+              <a:rPr lang="ko-KR" altLang="en-US" dirty="0"/>
+              <a:t>을 타야 하는데요</a:t>
             </a:r>
             <a:r>
               <a:rPr lang="en-US" altLang="ko-KR" dirty="0"/>
@@ -6342,7 +6346,7 @@
             </a:r>
             <a:r>
               <a:rPr lang="ko-KR" altLang="en-US" dirty="0"/>
-              <a:t> 검색은 </a:t>
+              <a:t> 검색은 필터 방식과 </a:t>
             </a:r>
             <a:r>
               <a:rPr lang="en-US" altLang="ko-KR" dirty="0"/>
@@ -6350,7 +6354,7 @@
             </a:r>
             <a:r>
               <a:rPr lang="ko-KR" altLang="en-US" dirty="0"/>
-              <a:t>방식과 필터방식 </a:t>
+              <a:t>방식 </a:t>
             </a:r>
             <a:r>
               <a:rPr lang="en-US" altLang="ko-KR" dirty="0"/>
@@ -6359,6 +6363,76 @@
             <a:r>
               <a:rPr lang="ko-KR" altLang="en-US" dirty="0"/>
               <a:t>가지가 있습니다</a:t>
+            </a:r>
+            <a:r>
+              <a:rPr lang="en-US" altLang="ko-KR" dirty="0"/>
+              <a:t>.</a:t>
+            </a:r>
+          </a:p>
+          <a:p>
+            <a:endParaRPr lang="en-US" altLang="ko-KR" dirty="0"/>
+          </a:p>
+          <a:p>
+            <a:pPr marL="0" marR="0" lvl="0" indent="0" algn="l" defTabSz="685800" rtl="0" eaLnBrk="1" fontAlgn="auto" latinLnBrk="1" hangingPunct="1">
+              <a:lnSpc>
+                <a:spcPct val="100000"/>
+              </a:lnSpc>
+              <a:spcBef>
+                <a:spcPts val="0"/>
+              </a:spcBef>
+              <a:spcAft>
+                <a:spcPts val="0"/>
+              </a:spcAft>
+              <a:buClrTx/>
+              <a:buSzTx/>
+              <a:buFontTx/>
+              <a:buNone/>
+              <a:tabLst/>
+              <a:defRPr/>
+            </a:pPr>
+            <a:r>
+              <a:rPr lang="en-US" altLang="ko-KR" dirty="0"/>
+              <a:t>Filter </a:t>
+            </a:r>
+            <a:r>
+              <a:rPr lang="ko-KR" altLang="en-US" dirty="0"/>
+              <a:t>방식은</a:t>
+            </a:r>
+            <a:r>
+              <a:rPr lang="en-US" altLang="ko-KR" dirty="0"/>
+              <a:t>, RDB </a:t>
+            </a:r>
+            <a:r>
+              <a:rPr lang="ko-KR" altLang="en-US" dirty="0"/>
+              <a:t>의 조건검색과 유사한 개념으로</a:t>
+            </a:r>
+            <a:r>
+              <a:rPr lang="en-US" altLang="ko-KR" dirty="0"/>
+              <a:t>, </a:t>
+            </a:r>
+            <a:r>
+              <a:rPr lang="ko-KR" altLang="en-US" dirty="0"/>
+              <a:t>정확히 일치하는 값을 검색합니다</a:t>
+            </a:r>
+            <a:r>
+              <a:rPr lang="en-US" altLang="ko-KR" dirty="0"/>
+              <a:t>. </a:t>
+            </a:r>
+            <a:r>
+              <a:rPr lang="ko-KR" altLang="en-US" dirty="0"/>
+              <a:t>그리고 조건에 대한 </a:t>
+            </a:r>
+            <a:r>
+              <a:rPr lang="en-US" altLang="ko-KR" dirty="0"/>
+              <a:t>document </a:t>
+            </a:r>
+            <a:r>
+              <a:rPr lang="ko-KR" altLang="en-US" dirty="0"/>
+              <a:t>별 응답결과가 </a:t>
+            </a:r>
+            <a:r>
+              <a:rPr lang="ko-KR" altLang="en-US" dirty="0" err="1"/>
+              <a:t>캐시됩니다</a:t>
             </a:r>
             <a:r>
               <a:rPr lang="en-US" altLang="ko-KR" dirty="0"/>
@@ -6401,96 +6475,57 @@
             </a:r>
             <a:r>
               <a:rPr lang="ko-KR" altLang="en-US" dirty="0"/>
-              <a:t>값을 계산해 </a:t>
-            </a:r>
+              <a:t>값을 계산해 가장 높은 </a:t>
+            </a:r>
+            <a:r>
+              <a:rPr lang="en-US" altLang="ko-KR" dirty="0"/>
+              <a:t>Score </a:t>
+            </a:r>
+            <a:r>
+              <a:rPr lang="ko-KR" altLang="en-US" dirty="0"/>
+              <a:t>순으로 결과를 조회하는 방식입니다</a:t>
+            </a:r>
+            <a:r>
+              <a:rPr lang="en-US" altLang="ko-KR" dirty="0"/>
+              <a:t>.</a:t>
+            </a:r>
+          </a:p>
+          <a:p>
+            <a:r>
+              <a:rPr lang="ko-KR" altLang="en-US" dirty="0"/>
+              <a:t>전문 검색에 사용되며</a:t>
+            </a:r>
+            <a:r>
+              <a:rPr lang="en-US" altLang="ko-KR" dirty="0"/>
+              <a:t>, </a:t>
+            </a:r>
+            <a:r>
+              <a:rPr lang="ko-KR" altLang="en-US" dirty="0"/>
+              <a:t>검색조건에 대한 </a:t>
+            </a:r>
+            <a:r>
+              <a:rPr lang="en-US" altLang="ko-KR" dirty="0"/>
+              <a:t>document </a:t>
+            </a:r>
+            <a:r>
+              <a:rPr lang="ko-KR" altLang="en-US" dirty="0"/>
+              <a:t>별 응답결과는 </a:t>
+            </a:r>
+            <a:r>
+              <a:rPr lang="ko-KR" altLang="en-US" dirty="0" err="1"/>
+              <a:t>캐시되지</a:t>
+            </a:r>
+            <a:r>
+              <a:rPr lang="ko-KR" altLang="en-US" dirty="0"/>
+              <a:t> 않습니다</a:t>
+            </a:r>
+            <a:r>
+              <a:rPr lang="en-US" altLang="ko-KR" dirty="0"/>
+              <a:t>.</a:t>
+            </a:r>
+          </a:p>
+          <a:p>
             <a:endParaRPr lang="en-US" altLang="ko-KR" dirty="0"/>
-          </a:p>
-          <a:p>
-            <a:r>
-              <a:rPr lang="ko-KR" altLang="en-US" dirty="0"/>
-              <a:t>전문 검색에 사용되며</a:t>
-            </a:r>
-            <a:r>
-              <a:rPr lang="en-US" altLang="ko-KR" dirty="0"/>
-              <a:t>, </a:t>
-            </a:r>
-            <a:r>
-              <a:rPr lang="ko-KR" altLang="en-US" dirty="0"/>
-              <a:t>검색조건에 대한 </a:t>
-            </a:r>
-            <a:r>
-              <a:rPr lang="en-US" altLang="ko-KR" dirty="0"/>
-              <a:t>document </a:t>
-            </a:r>
-            <a:r>
-              <a:rPr lang="ko-KR" altLang="en-US" dirty="0"/>
-              <a:t>별 응답결과를 </a:t>
-            </a:r>
-            <a:r>
-              <a:rPr lang="ko-KR" altLang="en-US" dirty="0" err="1"/>
-              <a:t>캐시하지</a:t>
-            </a:r>
-            <a:r>
-              <a:rPr lang="ko-KR" altLang="en-US" dirty="0"/>
-              <a:t> 않습니다</a:t>
-            </a:r>
-            <a:r>
-              <a:rPr lang="en-US" altLang="ko-KR" dirty="0"/>
-              <a:t>.</a:t>
-            </a:r>
-          </a:p>
-          <a:p>
-            <a:endParaRPr lang="en-US" altLang="ko-KR" dirty="0"/>
-          </a:p>
-          <a:p>
-            <a:r>
-              <a:rPr lang="en-US" altLang="ko-KR" dirty="0"/>
-              <a:t>Filter </a:t>
-            </a:r>
-            <a:r>
-              <a:rPr lang="ko-KR" altLang="en-US" dirty="0"/>
-              <a:t>방식은</a:t>
-            </a:r>
-            <a:r>
-              <a:rPr lang="en-US" altLang="ko-KR" dirty="0"/>
-              <a:t>, RDB </a:t>
-            </a:r>
-            <a:r>
-              <a:rPr lang="ko-KR" altLang="en-US" dirty="0"/>
-              <a:t>의 조건검색과 유사한 개념으로</a:t>
-            </a:r>
-            <a:r>
-              <a:rPr lang="en-US" altLang="ko-KR" dirty="0"/>
-              <a:t>, </a:t>
-            </a:r>
-            <a:r>
-              <a:rPr lang="ko-KR" altLang="en-US" dirty="0"/>
-              <a:t>정확히 일치하는 값을 검색하는 방법으로</a:t>
-            </a:r>
-            <a:r>
-              <a:rPr lang="en-US" altLang="ko-KR" dirty="0"/>
-              <a:t>, </a:t>
-            </a:r>
-            <a:r>
-              <a:rPr lang="ko-KR" altLang="en-US" dirty="0"/>
-              <a:t>검색 조건에 대한 </a:t>
-            </a:r>
-            <a:r>
-              <a:rPr lang="en-US" altLang="ko-KR" dirty="0"/>
-              <a:t>document </a:t>
-            </a:r>
-            <a:r>
-              <a:rPr lang="ko-KR" altLang="en-US" dirty="0"/>
-              <a:t>별 응답결과가 </a:t>
-            </a:r>
-            <a:r>
-              <a:rPr lang="ko-KR" altLang="en-US" dirty="0" err="1"/>
-              <a:t>캐시됩니다</a:t>
-            </a:r>
-            <a:r>
-              <a:rPr lang="en-US" altLang="ko-KR" dirty="0"/>
-              <a:t>.</a:t>
-            </a:r>
           </a:p>
           <a:p>
             <a:endParaRPr lang="en-US" altLang="ko-KR" dirty="0"/>
@@ -6604,7 +6639,7 @@
           <a:p>
             <a:r>
               <a:rPr lang="ko-KR" altLang="en-US" dirty="0"/>
-              <a:t>위키피디아의 </a:t>
+              <a:t>위키피디아에서 </a:t>
             </a:r>
             <a:r>
               <a:rPr lang="en-US" altLang="ko-KR" dirty="0"/>
@@ -6612,7 +6647,112 @@
             </a:r>
             <a:r>
               <a:rPr lang="ko-KR" altLang="en-US" dirty="0"/>
-              <a:t>알고리즘 공식 가져와 봤는데요</a:t>
+              <a:t>알고리즘 공식 가져와 봤습니다</a:t>
+            </a:r>
+            <a:r>
+              <a:rPr lang="en-US" altLang="ko-KR" dirty="0"/>
+              <a:t>.</a:t>
+            </a:r>
+          </a:p>
+          <a:p>
+            <a:r>
+              <a:rPr lang="ko-KR" altLang="en-US" dirty="0"/>
+              <a:t>공식 이해하는 것은 부담스러우니</a:t>
+            </a:r>
+            <a:r>
+              <a:rPr lang="en-US" altLang="ko-KR" dirty="0"/>
+              <a:t>, </a:t>
+            </a:r>
+            <a:r>
+              <a:rPr lang="ko-KR" altLang="en-US" dirty="0"/>
+              <a:t>저희는 컨셉만 잠깐 살펴보겠습니다</a:t>
+            </a:r>
+            <a:r>
+              <a:rPr lang="en-US" altLang="ko-KR" dirty="0"/>
+              <a:t>.</a:t>
+            </a:r>
+          </a:p>
+          <a:p>
+            <a:endParaRPr lang="en-US" altLang="ko-KR" dirty="0"/>
+          </a:p>
+          <a:p>
+            <a:r>
+              <a:rPr lang="en-US" altLang="ko-KR" dirty="0"/>
+              <a:t>Score </a:t>
+            </a:r>
+            <a:r>
+              <a:rPr lang="ko-KR" altLang="en-US" dirty="0"/>
+              <a:t>값은 크게 </a:t>
+            </a:r>
+            <a:r>
+              <a:rPr lang="en-US" altLang="ko-KR" dirty="0"/>
+              <a:t>IDF </a:t>
+            </a:r>
+            <a:r>
+              <a:rPr lang="ko-KR" altLang="en-US" dirty="0"/>
+              <a:t>와 </a:t>
+            </a:r>
+            <a:r>
+              <a:rPr lang="en-US" altLang="ko-KR" dirty="0"/>
+              <a:t>TF </a:t>
+            </a:r>
+            <a:r>
+              <a:rPr lang="ko-KR" altLang="en-US" dirty="0"/>
+              <a:t>의 곱으로 계산됩니다</a:t>
+            </a:r>
+            <a:r>
+              <a:rPr lang="en-US" altLang="ko-KR" dirty="0"/>
+              <a:t>.</a:t>
+            </a:r>
+          </a:p>
+          <a:p>
+            <a:endParaRPr lang="en-US" altLang="ko-KR" dirty="0"/>
+          </a:p>
+          <a:p>
+            <a:r>
+              <a:rPr lang="en-US" altLang="ko-KR" dirty="0"/>
+              <a:t>IDF (Inverse Document Frequency) </a:t>
+            </a:r>
+            <a:r>
+              <a:rPr lang="ko-KR" altLang="en-US" dirty="0"/>
+              <a:t>는</a:t>
+            </a:r>
+            <a:r>
+              <a:rPr lang="en-US" altLang="ko-KR" dirty="0"/>
+              <a:t>, </a:t>
+            </a:r>
+            <a:r>
+              <a:rPr lang="ko-KR" altLang="en-US" dirty="0"/>
+              <a:t>전체 문서에 자주 등장하는 단어일수록 낮은 가중치를 부여합니다</a:t>
+            </a:r>
+            <a:r>
+              <a:rPr lang="en-US" altLang="ko-KR" dirty="0"/>
+              <a:t>.</a:t>
+            </a:r>
+          </a:p>
+          <a:p>
+            <a:endParaRPr lang="en-US" altLang="ko-KR" dirty="0"/>
+          </a:p>
+          <a:p>
+            <a:r>
+              <a:rPr lang="ko-KR" altLang="en-US" dirty="0"/>
+              <a:t>주문내역에서</a:t>
+            </a:r>
+            <a:r>
+              <a:rPr lang="en-US" altLang="ko-KR" dirty="0"/>
+              <a:t>, x, 1, 2 </a:t>
+            </a:r>
+            <a:r>
+              <a:rPr lang="ko-KR" altLang="en-US" dirty="0"/>
+              <a:t>같은 단어는</a:t>
+            </a:r>
+            <a:r>
+              <a:rPr lang="en-US" altLang="ko-KR" dirty="0"/>
+              <a:t>,</a:t>
+            </a:r>
+            <a:r>
+              <a:rPr lang="ko-KR" altLang="en-US" dirty="0"/>
+              <a:t> 전체 문서 기준으로 무수히 많이 등장할 겁니다</a:t>
             </a:r>
             <a:r>
               <a:rPr lang="en-US" altLang="ko-KR" dirty="0"/>
@@ -6620,7 +6760,11 @@
             </a:r>
             <a:r>
               <a:rPr lang="ko-KR" altLang="en-US" dirty="0"/>
-              <a:t>이런 공식은 추가 설명 없이 이해하기가 쉽지 않습니다</a:t>
+              <a:t>이렇게 전체 문서에 자주 등장하는 단어는 검색 키워드가 아닐 가능성이 </a:t>
+            </a:r>
+            <a:r>
+              <a:rPr lang="ko-KR" altLang="en-US" dirty="0" err="1"/>
+              <a:t>높은거죠</a:t>
             </a:r>
             <a:r>
               <a:rPr lang="en-US" altLang="ko-KR" dirty="0"/>
@@ -6628,22 +6772,60 @@
             </a:r>
           </a:p>
           <a:p>
+            <a:r>
+              <a:rPr lang="en-US" altLang="ko-KR" dirty="0"/>
+              <a:t>to, in </a:t>
+            </a:r>
+            <a:r>
+              <a:rPr lang="ko-KR" altLang="en-US" dirty="0"/>
+              <a:t>같은 전치사나</a:t>
+            </a:r>
+            <a:r>
+              <a:rPr lang="en-US" altLang="ko-KR" dirty="0"/>
+              <a:t>, </a:t>
+            </a:r>
+            <a:r>
+              <a:rPr lang="ko-KR" altLang="en-US" dirty="0" err="1"/>
+              <a:t>은는이가</a:t>
+            </a:r>
+            <a:r>
+              <a:rPr lang="ko-KR" altLang="en-US" dirty="0"/>
+              <a:t> 같은 조사도 전체 문서 기준으로 자주 등장하는 단어입니다</a:t>
+            </a:r>
+            <a:r>
+              <a:rPr lang="en-US" altLang="ko-KR" dirty="0"/>
+              <a:t>.</a:t>
+            </a:r>
+          </a:p>
+          <a:p>
+            <a:r>
+              <a:rPr lang="ko-KR" altLang="en-US" dirty="0"/>
+              <a:t>그래서 이런 키워드는 검색이 되지 않도록 수치가 낮게 계산됩니다</a:t>
+            </a:r>
+            <a:r>
+              <a:rPr lang="en-US" altLang="ko-KR" dirty="0"/>
+              <a:t>.</a:t>
+            </a:r>
+          </a:p>
+          <a:p>
             <a:endParaRPr lang="en-US" altLang="ko-KR" dirty="0"/>
           </a:p>
           <a:p>
             <a:r>
               <a:rPr lang="en-US" altLang="ko-KR" dirty="0"/>
-              <a:t>IDF (Inverse Document Frequency)</a:t>
-            </a:r>
-          </a:p>
-          <a:p>
-            <a:r>
-              <a:rPr lang="en-US" altLang="ko-KR" dirty="0"/>
-              <a:t>- </a:t>
-            </a:r>
-            <a:r>
-              <a:rPr lang="ko-KR" altLang="en-US" dirty="0"/>
-              <a:t>전체 문서에 자주 등장하는 단어일수록 낮은 가중치를 부여합니다</a:t>
+              <a:t>TF (Term Frequency) </a:t>
+            </a:r>
+            <a:r>
+              <a:rPr lang="ko-KR" altLang="en-US" dirty="0"/>
+              <a:t>는</a:t>
+            </a:r>
+            <a:r>
+              <a:rPr lang="en-US" altLang="ko-KR" dirty="0"/>
+              <a:t>, </a:t>
+            </a:r>
+            <a:r>
+              <a:rPr lang="ko-KR" altLang="en-US" dirty="0"/>
+              <a:t>문서 안에서는 자주 등장하는 단어일수록 높은 가중치를 부여합니다</a:t>
             </a:r>
             <a:r>
               <a:rPr lang="en-US" altLang="ko-KR" dirty="0"/>
@@ -6655,70 +6837,17 @@
           </a:p>
           <a:p>
             <a:r>
-              <a:rPr lang="ko-KR" altLang="en-US" dirty="0"/>
-              <a:t>주문내역에서</a:t>
-            </a:r>
-            <a:r>
-              <a:rPr lang="en-US" altLang="ko-KR" dirty="0"/>
-              <a:t>, x1, x2 </a:t>
-            </a:r>
-            <a:r>
-              <a:rPr lang="ko-KR" altLang="en-US" dirty="0"/>
-              <a:t>같은 단어는</a:t>
-            </a:r>
-            <a:r>
-              <a:rPr lang="en-US" altLang="ko-KR" dirty="0"/>
-              <a:t>,</a:t>
-            </a:r>
-            <a:r>
-              <a:rPr lang="ko-KR" altLang="en-US" dirty="0"/>
-              <a:t> 전체 문서 기준으로 무수히 많이 등장할 겁니다</a:t>
-            </a:r>
-            <a:r>
-              <a:rPr lang="en-US" altLang="ko-KR" dirty="0"/>
-              <a:t>.</a:t>
-            </a:r>
-          </a:p>
-          <a:p>
-            <a:r>
-              <a:rPr lang="ko-KR" altLang="en-US" dirty="0"/>
-              <a:t>그래서 이런 키워드는 검색이 되지 않도록 역으로 낮은 가중치를 부여하는 수식입니다</a:t>
-            </a:r>
-            <a:r>
-              <a:rPr lang="en-US" altLang="ko-KR" dirty="0"/>
-              <a:t>.</a:t>
-            </a:r>
-          </a:p>
-          <a:p>
-            <a:endParaRPr lang="en-US" altLang="ko-KR" dirty="0"/>
-          </a:p>
-          <a:p>
-            <a:endParaRPr lang="en-US" altLang="ko-KR" dirty="0"/>
-          </a:p>
-          <a:p>
-            <a:r>
-              <a:rPr lang="en-US" altLang="ko-KR" dirty="0"/>
-              <a:t>TF (Term Frequency)</a:t>
-            </a:r>
-          </a:p>
-          <a:p>
-            <a:r>
-              <a:rPr lang="en-US" altLang="ko-KR" dirty="0"/>
-              <a:t>- </a:t>
-            </a:r>
-            <a:r>
-              <a:rPr lang="ko-KR" altLang="en-US" dirty="0"/>
-              <a:t>문서 안에서는 자주 등장하는 단어일수록 높은 가중치를 부여합니다</a:t>
-            </a:r>
-            <a:r>
-              <a:rPr lang="en-US" altLang="ko-KR" dirty="0"/>
-              <a:t>.</a:t>
-            </a:r>
-          </a:p>
-          <a:p>
-            <a:endParaRPr lang="en-US" altLang="ko-KR" dirty="0"/>
-          </a:p>
-          <a:p>
+              <a:rPr lang="en-US" altLang="ko-KR" dirty="0"/>
+              <a:t>TF</a:t>
+            </a:r>
+            <a:r>
+              <a:rPr lang="ko-KR" altLang="en-US" dirty="0"/>
+              <a:t>는 한 문서 안에 있는 단어 통계로만 계산하는데요</a:t>
+            </a:r>
+            <a:r>
+              <a:rPr lang="en-US" altLang="ko-KR" dirty="0"/>
+              <a:t>, </a:t>
+            </a:r>
             <a:r>
               <a:rPr lang="ko-KR" altLang="en-US" dirty="0"/>
               <a:t>한 문서 안에서 같은 단어가 </a:t>
@@ -6737,7 +6866,15 @@
             </a:r>
             <a:r>
               <a:rPr lang="ko-KR" altLang="en-US" dirty="0"/>
-              <a:t>그 단어에는 높은 가중치를 부여해 검색결과로 노출되도록 하는 수식입니다</a:t>
+              <a:t>그 단어는 검색 키워드일 가능성이 높기 때문에</a:t>
+            </a:r>
+            <a:r>
+              <a:rPr lang="en-US" altLang="ko-KR" dirty="0"/>
+              <a:t>,</a:t>
+            </a:r>
+            <a:r>
+              <a:rPr lang="ko-KR" altLang="en-US" dirty="0"/>
+              <a:t> 수치를 높게 계산합니다</a:t>
             </a:r>
             <a:r>
               <a:rPr lang="en-US" altLang="ko-KR" dirty="0"/>
@@ -6749,32 +6886,109 @@
           </a:p>
           <a:p>
             <a:r>
+              <a:rPr lang="ko-KR" altLang="en-US" dirty="0"/>
+              <a:t>그래서 </a:t>
+            </a:r>
+            <a:r>
+              <a:rPr lang="en-US" altLang="ko-KR" dirty="0"/>
+              <a:t>x1, x2 </a:t>
+            </a:r>
+            <a:r>
+              <a:rPr lang="ko-KR" altLang="en-US" dirty="0"/>
+              <a:t>같은 검색어는 </a:t>
+            </a:r>
+            <a:r>
               <a:rPr lang="en-US" altLang="ko-KR" dirty="0"/>
               <a:t>IDF</a:t>
             </a:r>
             <a:r>
               <a:rPr lang="ko-KR" altLang="en-US" dirty="0"/>
-              <a:t> 와 </a:t>
-            </a:r>
-            <a:r>
-              <a:rPr lang="en-US" altLang="ko-KR" dirty="0"/>
-              <a:t>TF </a:t>
-            </a:r>
-            <a:r>
-              <a:rPr lang="ko-KR" altLang="en-US" dirty="0"/>
-              <a:t>수식을 조합하여</a:t>
-            </a:r>
-            <a:r>
-              <a:rPr lang="en-US" altLang="ko-KR" dirty="0"/>
-              <a:t>, Score </a:t>
-            </a:r>
-            <a:r>
-              <a:rPr lang="ko-KR" altLang="en-US" dirty="0"/>
-              <a:t>가 큰 값이 우선 검색되도록 하는 것이</a:t>
-            </a:r>
-            <a:r>
-              <a:rPr lang="en-US" altLang="ko-KR" dirty="0"/>
-              <a:t>, Query </a:t>
+              <a:t>에 의해 낮은 값이 나오고</a:t>
+            </a:r>
+            <a:r>
+              <a:rPr lang="en-US" altLang="ko-KR" dirty="0"/>
+              <a:t>, apple, mango</a:t>
+            </a:r>
+            <a:r>
+              <a:rPr lang="ko-KR" altLang="en-US" dirty="0"/>
+              <a:t> 같은 단어는 </a:t>
+            </a:r>
+            <a:r>
+              <a:rPr lang="en-US" altLang="ko-KR" dirty="0"/>
+              <a:t>TF</a:t>
+            </a:r>
+            <a:r>
+              <a:rPr lang="ko-KR" altLang="en-US" dirty="0"/>
+              <a:t>에 의해 높은 값이 나와</a:t>
+            </a:r>
+            <a:br>
+              <a:rPr lang="en-US" altLang="ko-KR" dirty="0"/>
+            </a:br>
+            <a:r>
+              <a:rPr lang="ko-KR" altLang="en-US" dirty="0"/>
+              <a:t>이 두 값을 곱한 값이</a:t>
+            </a:r>
+            <a:r>
+              <a:rPr lang="en-US" altLang="ko-KR" dirty="0"/>
+              <a:t>, </a:t>
+            </a:r>
+            <a:r>
+              <a:rPr lang="ko-KR" altLang="en-US" dirty="0"/>
+              <a:t>질의에 대한 </a:t>
+            </a:r>
+            <a:r>
+              <a:rPr lang="en-US" altLang="ko-KR" dirty="0"/>
+              <a:t>document </a:t>
+            </a:r>
+            <a:r>
+              <a:rPr lang="ko-KR" altLang="en-US" dirty="0"/>
+              <a:t>별 </a:t>
+            </a:r>
+            <a:r>
+              <a:rPr lang="en-US" altLang="ko-KR" dirty="0"/>
+              <a:t>score </a:t>
+            </a:r>
+            <a:r>
+              <a:rPr lang="ko-KR" altLang="en-US" dirty="0"/>
+              <a:t>값이 되고요</a:t>
+            </a:r>
+            <a:r>
+              <a:rPr lang="en-US" altLang="ko-KR" dirty="0"/>
+              <a:t>,</a:t>
+            </a:r>
+          </a:p>
+          <a:p>
+            <a:r>
+              <a:rPr lang="ko-KR" altLang="en-US" dirty="0"/>
+              <a:t>이 </a:t>
+            </a:r>
+            <a:r>
+              <a:rPr lang="en-US" altLang="ko-KR" dirty="0"/>
+              <a:t>score </a:t>
+            </a:r>
+            <a:r>
+              <a:rPr lang="ko-KR" altLang="en-US" dirty="0"/>
+              <a:t>값이 큰 순서로 </a:t>
+            </a:r>
+            <a:r>
+              <a:rPr lang="en-US" altLang="ko-KR" dirty="0"/>
+              <a:t>document</a:t>
+            </a:r>
+            <a:r>
+              <a:rPr lang="ko-KR" altLang="en-US" dirty="0"/>
+              <a:t> 를 정렬해 결과를 </a:t>
+            </a:r>
+            <a:r>
+              <a:rPr lang="ko-KR" altLang="en-US" dirty="0" err="1"/>
+              <a:t>조회하는게</a:t>
+            </a:r>
+            <a:r>
+              <a:rPr lang="ko-KR" altLang="en-US" dirty="0"/>
+              <a:t> </a:t>
+            </a:r>
+            <a:r>
+              <a:rPr lang="en-US" altLang="ko-KR" dirty="0"/>
+              <a:t>Query </a:t>
             </a:r>
             <a:r>
               <a:rPr lang="ko-KR" altLang="en-US" dirty="0"/>
@@ -6784,7 +6998,6 @@
               <a:rPr lang="en-US" altLang="ko-KR" dirty="0"/>
               <a:t>.</a:t>
             </a:r>
-            <a:endParaRPr lang="ko-KR" altLang="en-US" dirty="0"/>
           </a:p>
         </p:txBody>
       </p:sp>
@@ -7653,6 +7866,191 @@
         <p:txBody>
           <a:bodyPr/>
           <a:lstStyle/>
+          <a:p>
+            <a:r>
+              <a:rPr lang="ko-KR" altLang="en-US" dirty="0"/>
+              <a:t>저희 </a:t>
+            </a:r>
+            <a:r>
+              <a:rPr lang="en-US" altLang="ko-KR" dirty="0"/>
+              <a:t>Kafka </a:t>
+            </a:r>
+            <a:r>
+              <a:rPr lang="ko-KR" altLang="en-US" dirty="0"/>
+              <a:t>와 </a:t>
+            </a:r>
+            <a:r>
+              <a:rPr lang="en-US" altLang="ko-KR" dirty="0"/>
+              <a:t>Elasticsearch</a:t>
+            </a:r>
+            <a:r>
+              <a:rPr lang="ko-KR" altLang="en-US" dirty="0"/>
+              <a:t>는 준비되었습니다</a:t>
+            </a:r>
+            <a:r>
+              <a:rPr lang="en-US" altLang="ko-KR" dirty="0"/>
+              <a:t>.</a:t>
+            </a:r>
+          </a:p>
+          <a:p>
+            <a:endParaRPr lang="en-US" altLang="ko-KR" dirty="0"/>
+          </a:p>
+          <a:p>
+            <a:r>
+              <a:rPr lang="ko-KR" altLang="en-US" dirty="0"/>
+              <a:t>결제가 완료되면</a:t>
+            </a:r>
+            <a:r>
+              <a:rPr lang="en-US" altLang="ko-KR" dirty="0"/>
+              <a:t>, </a:t>
+            </a:r>
+            <a:r>
+              <a:rPr lang="ko-KR" altLang="en-US" dirty="0"/>
+              <a:t>주문 처리상태 </a:t>
+            </a:r>
+            <a:r>
+              <a:rPr lang="en-US" altLang="ko-KR" dirty="0"/>
+              <a:t>DB</a:t>
+            </a:r>
+            <a:r>
+              <a:rPr lang="ko-KR" altLang="en-US" dirty="0"/>
+              <a:t>에서 수정한 다음</a:t>
+            </a:r>
+            <a:r>
+              <a:rPr lang="en-US" altLang="ko-KR" dirty="0"/>
+              <a:t>, Kafka </a:t>
+            </a:r>
+            <a:r>
+              <a:rPr lang="ko-KR" altLang="en-US" dirty="0"/>
+              <a:t>로 주문내역을 전달합니다</a:t>
+            </a:r>
+            <a:r>
+              <a:rPr lang="en-US" altLang="ko-KR" dirty="0"/>
+              <a:t>.</a:t>
+            </a:r>
+          </a:p>
+          <a:p>
+            <a:endParaRPr lang="en-US" altLang="ko-KR" dirty="0"/>
+          </a:p>
+          <a:p>
+            <a:r>
+              <a:rPr lang="en-US" altLang="ko-KR" dirty="0"/>
+              <a:t>Kafka</a:t>
+            </a:r>
+            <a:r>
+              <a:rPr lang="ko-KR" altLang="en-US" dirty="0"/>
+              <a:t>는 </a:t>
+            </a:r>
+            <a:r>
+              <a:rPr lang="en-US" altLang="ko-KR" dirty="0"/>
+              <a:t>Elasticsearch </a:t>
+            </a:r>
+            <a:r>
+              <a:rPr lang="ko-KR" altLang="en-US" dirty="0"/>
+              <a:t>에 주문내용 기록할 건데요</a:t>
+            </a:r>
+            <a:r>
+              <a:rPr lang="en-US" altLang="ko-KR" dirty="0"/>
+              <a:t>. </a:t>
+            </a:r>
+            <a:r>
+              <a:rPr lang="ko-KR" altLang="en-US" dirty="0"/>
+              <a:t>저희 이력 </a:t>
+            </a:r>
+            <a:r>
+              <a:rPr lang="en-US" altLang="ko-KR" dirty="0"/>
+              <a:t>Micro Service </a:t>
+            </a:r>
+            <a:r>
+              <a:rPr lang="ko-KR" altLang="en-US" dirty="0"/>
+              <a:t>만들었으니</a:t>
+            </a:r>
+            <a:r>
+              <a:rPr lang="en-US" altLang="ko-KR" dirty="0"/>
+              <a:t>, </a:t>
+            </a:r>
+            <a:r>
+              <a:rPr lang="ko-KR" altLang="en-US" dirty="0"/>
+              <a:t>여기에 저장을 요청하도록 하겠습니다</a:t>
+            </a:r>
+            <a:r>
+              <a:rPr lang="en-US" altLang="ko-KR" dirty="0"/>
+              <a:t>.</a:t>
+            </a:r>
+          </a:p>
+          <a:p>
+            <a:endParaRPr lang="en-US" altLang="ko-KR" dirty="0"/>
+          </a:p>
+          <a:p>
+            <a:r>
+              <a:rPr lang="ko-KR" altLang="en-US" dirty="0"/>
+              <a:t>이력 </a:t>
+            </a:r>
+            <a:r>
+              <a:rPr lang="en-US" altLang="ko-KR" dirty="0"/>
+              <a:t>Micro Service </a:t>
+            </a:r>
+            <a:r>
+              <a:rPr lang="ko-KR" altLang="en-US" dirty="0"/>
+              <a:t>는</a:t>
+            </a:r>
+            <a:r>
+              <a:rPr lang="en-US" altLang="ko-KR" dirty="0"/>
+              <a:t>, Kafka </a:t>
+            </a:r>
+            <a:r>
+              <a:rPr lang="ko-KR" altLang="en-US" dirty="0"/>
+              <a:t>를 통해 연계된 주문내용을 </a:t>
+            </a:r>
+            <a:r>
+              <a:rPr lang="en-US" altLang="ko-KR" dirty="0"/>
+              <a:t>Elasticsearch </a:t>
+            </a:r>
+            <a:r>
+              <a:rPr lang="ko-KR" altLang="en-US" dirty="0"/>
+              <a:t>에 저장하고요</a:t>
+            </a:r>
+            <a:r>
+              <a:rPr lang="en-US" altLang="ko-KR" dirty="0"/>
+              <a:t>.</a:t>
+            </a:r>
+          </a:p>
+          <a:p>
+            <a:endParaRPr lang="en-US" altLang="ko-KR" dirty="0"/>
+          </a:p>
+          <a:p>
+            <a:r>
+              <a:rPr lang="en-US" altLang="ko-KR" dirty="0"/>
+              <a:t>1</a:t>
+            </a:r>
+            <a:r>
+              <a:rPr lang="ko-KR" altLang="en-US" dirty="0"/>
+              <a:t>초 정도 색인작업 이후부터</a:t>
+            </a:r>
+            <a:r>
+              <a:rPr lang="en-US" altLang="ko-KR" dirty="0"/>
+              <a:t>, </a:t>
+            </a:r>
+            <a:r>
+              <a:rPr lang="ko-KR" altLang="en-US" dirty="0"/>
+              <a:t>사용자는 이력 </a:t>
+            </a:r>
+            <a:r>
+              <a:rPr lang="en-US" altLang="ko-KR" dirty="0"/>
+              <a:t>Micro Service </a:t>
+            </a:r>
+            <a:r>
+              <a:rPr lang="ko-KR" altLang="en-US" dirty="0"/>
+              <a:t>통해서 이력 조회 가능합니다</a:t>
+            </a:r>
+            <a:r>
+              <a:rPr lang="en-US" altLang="ko-KR" dirty="0"/>
+              <a:t>.</a:t>
+            </a:r>
+          </a:p>
+          <a:p>
+            <a:endParaRPr lang="en-US" altLang="ko-KR" dirty="0"/>
+          </a:p>
           <a:p>
             <a:endParaRPr lang="en-US" altLang="ko-KR" dirty="0"/>
           </a:p>
@@ -24645,14 +25043,14 @@
           <p:nvPr>
             <p:extLst>
               <p:ext uri="{D42A27DB-BD31-4B8C-83A1-F6EECF244321}">
-                <p14:modId xmlns:p14="http://schemas.microsoft.com/office/powerpoint/2010/main" val="3628272272"/>
+                <p14:modId xmlns:p14="http://schemas.microsoft.com/office/powerpoint/2010/main" val="3467121277"/>
               </p:ext>
             </p:extLst>
           </p:nvPr>
         </p:nvGraphicFramePr>
         <p:xfrm>
-          <a:off x="1145930" y="1956224"/>
-          <a:ext cx="6222024" cy="2402625"/>
+          <a:off x="1145929" y="1956224"/>
+          <a:ext cx="6978896" cy="2402625"/>
         </p:xfrm>
         <a:graphic>
           <a:graphicData uri="http://schemas.openxmlformats.org/drawingml/2006/table">
@@ -24661,22 +25059,37 @@
                 <a:tableStyleId>{B301B821-A1FF-4177-AEE7-76D212191A09}</a:tableStyleId>
               </a:tblPr>
               <a:tblGrid>
-                <a:gridCol w="3111012">
-                  <a:extLst>
-                    <a:ext uri="{9D8B030D-6E8A-4147-A177-3AD203B41FA5}">
-                      <a16:colId xmlns:a16="http://schemas.microsoft.com/office/drawing/2014/main" val="3636359018"/>
-                    </a:ext>
-                  </a:extLst>
-                </a:gridCol>
-                <a:gridCol w="3111012">
+                <a:gridCol w="3489448">
                   <a:extLst>
                     <a:ext uri="{9D8B030D-6E8A-4147-A177-3AD203B41FA5}">
                       <a16:colId xmlns:a16="http://schemas.microsoft.com/office/drawing/2014/main" val="328410710"/>
                     </a:ext>
                   </a:extLst>
                 </a:gridCol>
+                <a:gridCol w="3489448">
+                  <a:extLst>
+                    <a:ext uri="{9D8B030D-6E8A-4147-A177-3AD203B41FA5}">
+                      <a16:colId xmlns:a16="http://schemas.microsoft.com/office/drawing/2014/main" val="3247566426"/>
+                    </a:ext>
+                  </a:extLst>
+                </a:gridCol>
               </a:tblGrid>
               <a:tr h="480525">
+                <a:tc>
+                  <a:txBody>
+                    <a:bodyPr/>
+                    <a:lstStyle/>
+                    <a:p>
+                      <a:pPr latinLnBrk="1"/>
+                      <a:r>
+                        <a:rPr lang="en-US" altLang="ko-KR" sz="1600" dirty="0"/>
+                        <a:t>Filter</a:t>
+                      </a:r>
+                      <a:endParaRPr lang="ko-KR" altLang="en-US" sz="1600" dirty="0"/>
+                    </a:p>
+                  </a:txBody>
+                  <a:tcPr anchor="ctr"/>
+                </a:tc>
                 <a:tc>
                   <a:txBody>
                     <a:bodyPr/>
@@ -24692,21 +25105,6 @@
                   </a:txBody>
                   <a:tcPr anchor="ctr"/>
                 </a:tc>
-                <a:tc>
-                  <a:txBody>
-                    <a:bodyPr/>
-                    <a:lstStyle/>
-                    <a:p>
-                      <a:pPr latinLnBrk="1"/>
-                      <a:r>
-                        <a:rPr lang="en-US" altLang="ko-KR" sz="1600" dirty="0"/>
-                        <a:t>Filter</a:t>
-                      </a:r>
-                      <a:endParaRPr lang="ko-KR" altLang="en-US" sz="1600" dirty="0"/>
-                    </a:p>
-                  </a:txBody>
-                  <a:tcPr anchor="ctr"/>
-                </a:tc>
                 <a:extLst>
                   <a:ext uri="{0D108BD9-81ED-4DB2-BD59-A6C34878D82A}">
                     <a16:rowId xmlns:a16="http://schemas.microsoft.com/office/drawing/2014/main" val="2227253321"/>
@@ -24714,20 +25112,6 @@
                 </a:extLst>
               </a:tr>
               <a:tr h="480525">
-                <a:tc>
-                  <a:txBody>
-                    <a:bodyPr/>
-                    <a:lstStyle/>
-                    <a:p>
-                      <a:pPr latinLnBrk="1"/>
-                      <a:r>
-                        <a:rPr lang="ko-KR" altLang="en-US" sz="1600" dirty="0"/>
-                        <a:t>가장 유사한 결과를 찾는 개념</a:t>
-                      </a:r>
-                    </a:p>
-                  </a:txBody>
-                  <a:tcPr anchor="ctr"/>
-                </a:tc>
                 <a:tc>
                   <a:txBody>
                     <a:bodyPr/>
@@ -24754,13 +25138,6 @@
                   </a:txBody>
                   <a:tcPr anchor="ctr"/>
                 </a:tc>
-                <a:extLst>
-                  <a:ext uri="{0D108BD9-81ED-4DB2-BD59-A6C34878D82A}">
-                    <a16:rowId xmlns:a16="http://schemas.microsoft.com/office/drawing/2014/main" val="2997371603"/>
-                  </a:ext>
-                </a:extLst>
-              </a:tr>
-              <a:tr h="480525">
                 <a:tc>
                   <a:txBody>
                     <a:bodyPr/>
@@ -24769,17 +25146,19 @@
                       <a:pPr latinLnBrk="1"/>
                       <a:r>
                         <a:rPr lang="ko-KR" altLang="en-US" sz="1600" dirty="0"/>
-                        <a:t>전문 검색 </a:t>
+                        <a:t>가장 유사한 결과를 찾는 개념</a:t>
                       </a:r>
-                      <a:r>
-                        <a:rPr lang="en-US" altLang="ko-KR" sz="1600" dirty="0"/>
-                        <a:t>(Full text search)</a:t>
-                      </a:r>
-                      <a:endParaRPr lang="ko-KR" altLang="en-US" sz="1600" dirty="0"/>
                     </a:p>
                   </a:txBody>
                   <a:tcPr anchor="ctr"/>
                 </a:tc>
+                <a:extLst>
+                  <a:ext uri="{0D108BD9-81ED-4DB2-BD59-A6C34878D82A}">
+                    <a16:rowId xmlns:a16="http://schemas.microsoft.com/office/drawing/2014/main" val="2997371603"/>
+                  </a:ext>
+                </a:extLst>
+              </a:tr>
+              <a:tr h="480525">
                 <a:tc>
                   <a:txBody>
                     <a:bodyPr/>
@@ -24803,6 +25182,25 @@
                   </a:txBody>
                   <a:tcPr anchor="ctr"/>
                 </a:tc>
+                <a:tc>
+                  <a:txBody>
+                    <a:bodyPr/>
+                    <a:lstStyle/>
+                    <a:p>
+                      <a:pPr latinLnBrk="1"/>
+                      <a:r>
+                        <a:rPr lang="ko-KR" altLang="en-US" sz="1600" dirty="0"/>
+                        <a:t>전문 검색 </a:t>
+                      </a:r>
+                      <a:r>
+                        <a:rPr lang="en-US" altLang="ko-KR" sz="1600" dirty="0"/>
+                        <a:t>(Full text search)</a:t>
+                      </a:r>
+                      <a:endParaRPr lang="ko-KR" altLang="en-US" sz="1600" dirty="0"/>
+                    </a:p>
+                  </a:txBody>
+                  <a:tcPr anchor="ctr"/>
+                </a:tc>
                 <a:extLst>
                   <a:ext uri="{0D108BD9-81ED-4DB2-BD59-A6C34878D82A}">
                     <a16:rowId xmlns:a16="http://schemas.microsoft.com/office/drawing/2014/main" val="3954595266"/>
@@ -24818,7 +25216,7 @@
                       <a:pPr latinLnBrk="1"/>
                       <a:r>
                         <a:rPr lang="en-US" altLang="ko-KR" sz="1600" dirty="0"/>
-                        <a:t>Not cached</a:t>
+                        <a:t>Cached</a:t>
                       </a:r>
                       <a:endParaRPr lang="ko-KR" altLang="en-US" sz="1600" dirty="0"/>
                     </a:p>
@@ -24833,7 +25231,7 @@
                       <a:pPr latinLnBrk="1"/>
                       <a:r>
                         <a:rPr lang="en-US" altLang="ko-KR" sz="1600" dirty="0"/>
-                        <a:t>Cached</a:t>
+                        <a:t>Not cached</a:t>
                       </a:r>
                       <a:endParaRPr lang="ko-KR" altLang="en-US" sz="1600" dirty="0"/>
                     </a:p>
@@ -24855,12 +25253,17 @@
                       <a:pPr latinLnBrk="1"/>
                       <a:r>
                         <a:rPr lang="en-US" altLang="ko-KR" sz="1600" dirty="0"/>
-                        <a:t>Score </a:t>
+                        <a:t>Bool</a:t>
                       </a:r>
                       <a:r>
                         <a:rPr lang="ko-KR" altLang="en-US" sz="1600" dirty="0"/>
-                        <a:t>기반</a:t>
+                        <a:t> </a:t>
                       </a:r>
+                      <a:r>
+                        <a:rPr lang="en-US" altLang="ko-KR" sz="1600" dirty="0"/>
+                        <a:t>(0, 1)</a:t>
+                      </a:r>
+                      <a:endParaRPr lang="ko-KR" altLang="en-US" sz="1600" dirty="0"/>
                     </a:p>
                   </a:txBody>
                   <a:tcPr anchor="ctr"/>
@@ -24873,17 +25276,12 @@
                       <a:pPr latinLnBrk="1"/>
                       <a:r>
                         <a:rPr lang="en-US" altLang="ko-KR" sz="1600" dirty="0"/>
-                        <a:t>Bool</a:t>
+                        <a:t>Score </a:t>
                       </a:r>
                       <a:r>
                         <a:rPr lang="ko-KR" altLang="en-US" sz="1600" dirty="0"/>
-                        <a:t> </a:t>
+                        <a:t>기반</a:t>
                       </a:r>
-                      <a:r>
-                        <a:rPr lang="en-US" altLang="ko-KR" sz="1600" dirty="0"/>
-                        <a:t>(0, 1)</a:t>
-                      </a:r>
-                      <a:endParaRPr lang="ko-KR" altLang="en-US" sz="1600" dirty="0"/>
                     </a:p>
                   </a:txBody>
                   <a:tcPr anchor="ctr"/>
@@ -25029,232 +25427,274 @@
           </a:prstGeom>
         </p:spPr>
       </p:pic>
-      <p:sp>
-        <p:nvSpPr>
-          <p:cNvPr id="10" name="사각형: 둥근 모서리 9">
+      <p:grpSp>
+        <p:nvGrpSpPr>
+          <p:cNvPr id="3" name="그룹 2">
             <a:extLst>
               <a:ext uri="{FF2B5EF4-FFF2-40B4-BE49-F238E27FC236}">
-                <a16:creationId xmlns:a16="http://schemas.microsoft.com/office/drawing/2014/main" id="{19953C19-3394-2626-54FF-24E21A20022E}"/>
+                <a16:creationId xmlns:a16="http://schemas.microsoft.com/office/drawing/2014/main" id="{C849FCC5-FA78-BAB4-7AD8-5ACE26EA3887}"/>
               </a:ext>
             </a:extLst>
           </p:cNvPr>
-          <p:cNvSpPr/>
+          <p:cNvGrpSpPr/>
           <p:nvPr/>
-        </p:nvSpPr>
-        <p:spPr>
+        </p:nvGrpSpPr>
+        <p:grpSpPr>
           <a:xfrm>
-            <a:off x="3039533" y="2226732"/>
-            <a:ext cx="1261534" cy="1278466"/>
+            <a:off x="1184031" y="2226732"/>
+            <a:ext cx="3117036" cy="2144505"/>
+            <a:chOff x="1184031" y="2226732"/>
+            <a:chExt cx="3117036" cy="2144505"/>
           </a:xfrm>
-          <a:prstGeom prst="roundRect">
-            <a:avLst>
-              <a:gd name="adj" fmla="val 5929"/>
-            </a:avLst>
-          </a:prstGeom>
-          <a:noFill/>
-          <a:ln w="38100">
-            <a:solidFill>
-              <a:srgbClr val="FF0000"/>
-            </a:solidFill>
-          </a:ln>
-        </p:spPr>
-        <p:style>
-          <a:lnRef idx="2">
-            <a:schemeClr val="accent2"/>
-          </a:lnRef>
-          <a:fillRef idx="1">
-            <a:schemeClr val="lt1"/>
-          </a:fillRef>
-          <a:effectRef idx="0">
-            <a:schemeClr val="accent2"/>
-          </a:effectRef>
-          <a:fontRef idx="minor">
-            <a:schemeClr val="dk1"/>
-          </a:fontRef>
-        </p:style>
-        <p:txBody>
-          <a:bodyPr rtlCol="0" anchor="ctr"/>
-          <a:lstStyle/>
-          <a:p>
-            <a:pPr algn="ctr"/>
-            <a:endParaRPr lang="ko-KR" altLang="en-US"/>
-          </a:p>
-        </p:txBody>
-      </p:sp>
-      <p:sp>
-        <p:nvSpPr>
-          <p:cNvPr id="11" name="사각형: 둥근 모서리 10">
-            <a:extLst>
-              <a:ext uri="{FF2B5EF4-FFF2-40B4-BE49-F238E27FC236}">
-                <a16:creationId xmlns:a16="http://schemas.microsoft.com/office/drawing/2014/main" id="{5B63E7B7-9404-1AF9-4C00-6DD45E8F6A87}"/>
-              </a:ext>
-            </a:extLst>
-          </p:cNvPr>
-          <p:cNvSpPr/>
-          <p:nvPr/>
-        </p:nvSpPr>
-        <p:spPr>
-          <a:xfrm>
-            <a:off x="4411134" y="2226732"/>
-            <a:ext cx="3536350" cy="1278466"/>
-          </a:xfrm>
-          <a:prstGeom prst="roundRect">
-            <a:avLst>
-              <a:gd name="adj" fmla="val 5929"/>
-            </a:avLst>
-          </a:prstGeom>
-          <a:noFill/>
-          <a:ln w="38100">
-            <a:solidFill>
-              <a:srgbClr val="0033CC"/>
-            </a:solidFill>
-          </a:ln>
-        </p:spPr>
-        <p:style>
-          <a:lnRef idx="2">
-            <a:schemeClr val="accent2"/>
-          </a:lnRef>
-          <a:fillRef idx="1">
-            <a:schemeClr val="lt1"/>
-          </a:fillRef>
-          <a:effectRef idx="0">
-            <a:schemeClr val="accent2"/>
-          </a:effectRef>
-          <a:fontRef idx="minor">
-            <a:schemeClr val="dk1"/>
-          </a:fontRef>
-        </p:style>
-        <p:txBody>
-          <a:bodyPr rtlCol="0" anchor="ctr"/>
-          <a:lstStyle/>
-          <a:p>
-            <a:pPr algn="ctr"/>
-            <a:endParaRPr lang="ko-KR" altLang="en-US"/>
-          </a:p>
-        </p:txBody>
-      </p:sp>
-      <p:sp>
-        <p:nvSpPr>
-          <p:cNvPr id="12" name="TextBox 11">
-            <a:extLst>
-              <a:ext uri="{FF2B5EF4-FFF2-40B4-BE49-F238E27FC236}">
-                <a16:creationId xmlns:a16="http://schemas.microsoft.com/office/drawing/2014/main" id="{0E9AB85C-C62D-0DB8-485A-28133F6745D6}"/>
-              </a:ext>
-            </a:extLst>
-          </p:cNvPr>
-          <p:cNvSpPr txBox="1"/>
-          <p:nvPr/>
-        </p:nvSpPr>
-        <p:spPr>
-          <a:xfrm>
-            <a:off x="1184031" y="3663351"/>
-            <a:ext cx="2741327" cy="707886"/>
-          </a:xfrm>
-          <a:prstGeom prst="rect">
-            <a:avLst/>
-          </a:prstGeom>
-          <a:noFill/>
-        </p:spPr>
-        <p:txBody>
-          <a:bodyPr wrap="square" rtlCol="0">
-            <a:spAutoFit/>
-          </a:bodyPr>
-          <a:lstStyle/>
-          <a:p>
-            <a:pPr algn="r"/>
-            <a:r>
-              <a:rPr lang="en-US" altLang="ko-KR" sz="2400" b="1" dirty="0">
-                <a:solidFill>
-                  <a:srgbClr val="FF0000"/>
-                </a:solidFill>
-              </a:rPr>
-              <a:t>IDF</a:t>
-            </a:r>
-          </a:p>
-          <a:p>
-            <a:pPr algn="r"/>
-            <a:r>
-              <a:rPr lang="en-US" altLang="ko-KR" sz="1600" dirty="0">
+        </p:grpSpPr>
+        <p:sp>
+          <p:nvSpPr>
+            <p:cNvPr id="10" name="사각형: 둥근 모서리 9">
+              <a:extLst>
+                <a:ext uri="{FF2B5EF4-FFF2-40B4-BE49-F238E27FC236}">
+                  <a16:creationId xmlns:a16="http://schemas.microsoft.com/office/drawing/2014/main" id="{19953C19-3394-2626-54FF-24E21A20022E}"/>
+                </a:ext>
+              </a:extLst>
+            </p:cNvPr>
+            <p:cNvSpPr/>
+            <p:nvPr/>
+          </p:nvSpPr>
+          <p:spPr>
+            <a:xfrm>
+              <a:off x="3039533" y="2226732"/>
+              <a:ext cx="1261534" cy="1278466"/>
+            </a:xfrm>
+            <a:prstGeom prst="roundRect">
+              <a:avLst>
+                <a:gd name="adj" fmla="val 5929"/>
+              </a:avLst>
+            </a:prstGeom>
+            <a:noFill/>
+            <a:ln w="38100">
+              <a:solidFill>
+                <a:srgbClr val="FF0000"/>
+              </a:solidFill>
+            </a:ln>
+          </p:spPr>
+          <p:style>
+            <a:lnRef idx="2">
+              <a:schemeClr val="accent2"/>
+            </a:lnRef>
+            <a:fillRef idx="1">
+              <a:schemeClr val="lt1"/>
+            </a:fillRef>
+            <a:effectRef idx="0">
+              <a:schemeClr val="accent2"/>
+            </a:effectRef>
+            <a:fontRef idx="minor">
+              <a:schemeClr val="dk1"/>
+            </a:fontRef>
+          </p:style>
+          <p:txBody>
+            <a:bodyPr rtlCol="0" anchor="ctr"/>
+            <a:lstStyle/>
+            <a:p>
+              <a:pPr algn="ctr"/>
+              <a:endParaRPr lang="ko-KR" altLang="en-US"/>
+            </a:p>
+          </p:txBody>
+        </p:sp>
+        <p:sp>
+          <p:nvSpPr>
+            <p:cNvPr id="12" name="TextBox 11">
+              <a:extLst>
+                <a:ext uri="{FF2B5EF4-FFF2-40B4-BE49-F238E27FC236}">
+                  <a16:creationId xmlns:a16="http://schemas.microsoft.com/office/drawing/2014/main" id="{0E9AB85C-C62D-0DB8-485A-28133F6745D6}"/>
+                </a:ext>
+              </a:extLst>
+            </p:cNvPr>
+            <p:cNvSpPr txBox="1"/>
+            <p:nvPr/>
+          </p:nvSpPr>
+          <p:spPr>
+            <a:xfrm>
+              <a:off x="1184031" y="3663351"/>
+              <a:ext cx="2741327" cy="707886"/>
+            </a:xfrm>
+            <a:prstGeom prst="rect">
+              <a:avLst/>
+            </a:prstGeom>
+            <a:noFill/>
+          </p:spPr>
+          <p:txBody>
+            <a:bodyPr wrap="square" rtlCol="0">
+              <a:spAutoFit/>
+            </a:bodyPr>
+            <a:lstStyle/>
+            <a:p>
+              <a:pPr algn="r"/>
+              <a:r>
+                <a:rPr lang="en-US" altLang="ko-KR" sz="2400" b="1" dirty="0">
+                  <a:solidFill>
+                    <a:srgbClr val="FF0000"/>
+                  </a:solidFill>
+                </a:rPr>
+                <a:t>IDF</a:t>
+              </a:r>
+            </a:p>
+            <a:p>
+              <a:pPr algn="r"/>
+              <a:r>
+                <a:rPr lang="en-US" altLang="ko-KR" sz="1600" dirty="0">
+                  <a:solidFill>
+                    <a:schemeClr val="tx1">
+                      <a:lumMod val="50000"/>
+                      <a:lumOff val="50000"/>
+                    </a:schemeClr>
+                  </a:solidFill>
+                </a:rPr>
+                <a:t>Inverse Document Frequency</a:t>
+              </a:r>
+              <a:endParaRPr lang="ko-KR" altLang="en-US" sz="2000" dirty="0">
                 <a:solidFill>
                   <a:schemeClr val="tx1">
                     <a:lumMod val="50000"/>
                     <a:lumOff val="50000"/>
                   </a:schemeClr>
                 </a:solidFill>
-              </a:rPr>
-              <a:t>Inverse Document Frequency</a:t>
-            </a:r>
-            <a:endParaRPr lang="ko-KR" altLang="en-US" sz="2000" dirty="0">
-              <a:solidFill>
-                <a:schemeClr val="tx1">
-                  <a:lumMod val="50000"/>
-                  <a:lumOff val="50000"/>
-                </a:schemeClr>
-              </a:solidFill>
-            </a:endParaRPr>
-          </a:p>
-        </p:txBody>
-      </p:sp>
-      <p:sp>
-        <p:nvSpPr>
-          <p:cNvPr id="13" name="TextBox 12">
+              </a:endParaRPr>
+            </a:p>
+          </p:txBody>
+        </p:sp>
+      </p:grpSp>
+      <p:grpSp>
+        <p:nvGrpSpPr>
+          <p:cNvPr id="4" name="그룹 3">
             <a:extLst>
               <a:ext uri="{FF2B5EF4-FFF2-40B4-BE49-F238E27FC236}">
-                <a16:creationId xmlns:a16="http://schemas.microsoft.com/office/drawing/2014/main" id="{355F3788-7D1C-6AC6-C58A-1F26B5FAC81B}"/>
+                <a16:creationId xmlns:a16="http://schemas.microsoft.com/office/drawing/2014/main" id="{62F69D24-118A-E248-30E2-A88E8587573B}"/>
               </a:ext>
             </a:extLst>
           </p:cNvPr>
-          <p:cNvSpPr txBox="1"/>
+          <p:cNvGrpSpPr/>
           <p:nvPr/>
-        </p:nvSpPr>
-        <p:spPr>
+        </p:nvGrpSpPr>
+        <p:grpSpPr>
           <a:xfrm>
-            <a:off x="4677763" y="3663351"/>
-            <a:ext cx="2514600" cy="707886"/>
+            <a:off x="4411134" y="2226732"/>
+            <a:ext cx="3536350" cy="2144505"/>
+            <a:chOff x="4411134" y="2226732"/>
+            <a:chExt cx="3536350" cy="2144505"/>
           </a:xfrm>
-          <a:prstGeom prst="rect">
-            <a:avLst/>
-          </a:prstGeom>
-          <a:noFill/>
-        </p:spPr>
-        <p:txBody>
-          <a:bodyPr wrap="square" rtlCol="0">
-            <a:spAutoFit/>
-          </a:bodyPr>
-          <a:lstStyle/>
-          <a:p>
-            <a:r>
-              <a:rPr lang="en-US" altLang="ko-KR" sz="2400" b="1" dirty="0">
-                <a:solidFill>
-                  <a:srgbClr val="0033CC"/>
-                </a:solidFill>
-              </a:rPr>
-              <a:t>TF</a:t>
-            </a:r>
-          </a:p>
-          <a:p>
-            <a:r>
-              <a:rPr lang="en-US" altLang="ko-KR" sz="1600" dirty="0">
+        </p:grpSpPr>
+        <p:sp>
+          <p:nvSpPr>
+            <p:cNvPr id="11" name="사각형: 둥근 모서리 10">
+              <a:extLst>
+                <a:ext uri="{FF2B5EF4-FFF2-40B4-BE49-F238E27FC236}">
+                  <a16:creationId xmlns:a16="http://schemas.microsoft.com/office/drawing/2014/main" id="{5B63E7B7-9404-1AF9-4C00-6DD45E8F6A87}"/>
+                </a:ext>
+              </a:extLst>
+            </p:cNvPr>
+            <p:cNvSpPr/>
+            <p:nvPr/>
+          </p:nvSpPr>
+          <p:spPr>
+            <a:xfrm>
+              <a:off x="4411134" y="2226732"/>
+              <a:ext cx="3536350" cy="1278466"/>
+            </a:xfrm>
+            <a:prstGeom prst="roundRect">
+              <a:avLst>
+                <a:gd name="adj" fmla="val 5929"/>
+              </a:avLst>
+            </a:prstGeom>
+            <a:noFill/>
+            <a:ln w="38100">
+              <a:solidFill>
+                <a:srgbClr val="0033CC"/>
+              </a:solidFill>
+            </a:ln>
+          </p:spPr>
+          <p:style>
+            <a:lnRef idx="2">
+              <a:schemeClr val="accent2"/>
+            </a:lnRef>
+            <a:fillRef idx="1">
+              <a:schemeClr val="lt1"/>
+            </a:fillRef>
+            <a:effectRef idx="0">
+              <a:schemeClr val="accent2"/>
+            </a:effectRef>
+            <a:fontRef idx="minor">
+              <a:schemeClr val="dk1"/>
+            </a:fontRef>
+          </p:style>
+          <p:txBody>
+            <a:bodyPr rtlCol="0" anchor="ctr"/>
+            <a:lstStyle/>
+            <a:p>
+              <a:pPr algn="ctr"/>
+              <a:endParaRPr lang="ko-KR" altLang="en-US"/>
+            </a:p>
+          </p:txBody>
+        </p:sp>
+        <p:sp>
+          <p:nvSpPr>
+            <p:cNvPr id="13" name="TextBox 12">
+              <a:extLst>
+                <a:ext uri="{FF2B5EF4-FFF2-40B4-BE49-F238E27FC236}">
+                  <a16:creationId xmlns:a16="http://schemas.microsoft.com/office/drawing/2014/main" id="{355F3788-7D1C-6AC6-C58A-1F26B5FAC81B}"/>
+                </a:ext>
+              </a:extLst>
+            </p:cNvPr>
+            <p:cNvSpPr txBox="1"/>
+            <p:nvPr/>
+          </p:nvSpPr>
+          <p:spPr>
+            <a:xfrm>
+              <a:off x="4677763" y="3663351"/>
+              <a:ext cx="2514600" cy="707886"/>
+            </a:xfrm>
+            <a:prstGeom prst="rect">
+              <a:avLst/>
+            </a:prstGeom>
+            <a:noFill/>
+          </p:spPr>
+          <p:txBody>
+            <a:bodyPr wrap="square" rtlCol="0">
+              <a:spAutoFit/>
+            </a:bodyPr>
+            <a:lstStyle/>
+            <a:p>
+              <a:r>
+                <a:rPr lang="en-US" altLang="ko-KR" sz="2400" b="1" dirty="0">
+                  <a:solidFill>
+                    <a:srgbClr val="0033CC"/>
+                  </a:solidFill>
+                </a:rPr>
+                <a:t>TF</a:t>
+              </a:r>
+            </a:p>
+            <a:p>
+              <a:r>
+                <a:rPr lang="en-US" altLang="ko-KR" sz="1600" dirty="0">
+                  <a:solidFill>
+                    <a:schemeClr val="tx1">
+                      <a:lumMod val="50000"/>
+                      <a:lumOff val="50000"/>
+                    </a:schemeClr>
+                  </a:solidFill>
+                </a:rPr>
+                <a:t>Term Frequency</a:t>
+              </a:r>
+              <a:endParaRPr lang="ko-KR" altLang="en-US" sz="2000" dirty="0">
                 <a:solidFill>
                   <a:schemeClr val="tx1">
                     <a:lumMod val="50000"/>
                     <a:lumOff val="50000"/>
                   </a:schemeClr>
                 </a:solidFill>
-              </a:rPr>
-              <a:t>Term Frequency</a:t>
-            </a:r>
-            <a:endParaRPr lang="ko-KR" altLang="en-US" sz="2000" dirty="0">
-              <a:solidFill>
-                <a:schemeClr val="tx1">
-                  <a:lumMod val="50000"/>
-                  <a:lumOff val="50000"/>
-                </a:schemeClr>
-              </a:solidFill>
-            </a:endParaRPr>
-          </a:p>
-        </p:txBody>
-      </p:sp>
+              </a:endParaRPr>
+            </a:p>
+          </p:txBody>
+        </p:sp>
+      </p:grpSp>
     </p:spTree>
     <p:extLst>
       <p:ext uri="{BB962C8B-B14F-4D97-AF65-F5344CB8AC3E}">
@@ -25265,6 +25705,126 @@
   <p:clrMapOvr>
     <a:masterClrMapping/>
   </p:clrMapOvr>
+  <p:timing>
+    <p:tnLst>
+      <p:par>
+        <p:cTn id="1" dur="indefinite" restart="never" nodeType="tmRoot">
+          <p:childTnLst>
+            <p:seq concurrent="1" nextAc="seek">
+              <p:cTn id="2" dur="indefinite" nodeType="mainSeq">
+                <p:childTnLst>
+                  <p:par>
+                    <p:cTn id="3" fill="hold">
+                      <p:stCondLst>
+                        <p:cond delay="indefinite"/>
+                      </p:stCondLst>
+                      <p:childTnLst>
+                        <p:par>
+                          <p:cTn id="4" fill="hold">
+                            <p:stCondLst>
+                              <p:cond delay="0"/>
+                            </p:stCondLst>
+                            <p:childTnLst>
+                              <p:par>
+                                <p:cTn id="5" presetID="1" presetClass="entr" presetSubtype="0" fill="hold" nodeType="clickEffect">
+                                  <p:stCondLst>
+                                    <p:cond delay="0"/>
+                                  </p:stCondLst>
+                                  <p:childTnLst>
+                                    <p:set>
+                                      <p:cBhvr>
+                                        <p:cTn id="6" dur="1" fill="hold">
+                                          <p:stCondLst>
+                                            <p:cond delay="0"/>
+                                          </p:stCondLst>
+                                        </p:cTn>
+                                        <p:tgtEl>
+                                          <p:spTgt spid="3"/>
+                                        </p:tgtEl>
+                                        <p:attrNameLst>
+                                          <p:attrName>style.visibility</p:attrName>
+                                        </p:attrNameLst>
+                                      </p:cBhvr>
+                                      <p:to>
+                                        <p:strVal val="visible"/>
+                                      </p:to>
+                                    </p:set>
+                                  </p:childTnLst>
+                                </p:cTn>
+                              </p:par>
+                            </p:childTnLst>
+                          </p:cTn>
+                        </p:par>
+                      </p:childTnLst>
+                    </p:cTn>
+                  </p:par>
+                  <p:par>
+                    <p:cTn id="7" fill="hold">
+                      <p:stCondLst>
+                        <p:cond delay="indefinite"/>
+                      </p:stCondLst>
+                      <p:childTnLst>
+                        <p:par>
+                          <p:cTn id="8" fill="hold">
+                            <p:stCondLst>
+                              <p:cond delay="0"/>
+                            </p:stCondLst>
+                            <p:childTnLst>
+                              <p:par>
+                                <p:cTn id="9" presetID="1" presetClass="entr" presetSubtype="0" fill="hold" nodeType="clickEffect">
+                                  <p:stCondLst>
+                                    <p:cond delay="0"/>
+                                  </p:stCondLst>
+                                  <p:childTnLst>
+                                    <p:set>
+                                      <p:cBhvr>
+                                        <p:cTn id="10" dur="1" fill="hold">
+                                          <p:stCondLst>
+                                            <p:cond delay="0"/>
+                                          </p:stCondLst>
+                                        </p:cTn>
+                                        <p:tgtEl>
+                                          <p:spTgt spid="4"/>
+                                        </p:tgtEl>
+                                        <p:attrNameLst>
+                                          <p:attrName>style.visibility</p:attrName>
+                                        </p:attrNameLst>
+                                      </p:cBhvr>
+                                      <p:to>
+                                        <p:strVal val="visible"/>
+                                      </p:to>
+                                    </p:set>
+                                  </p:childTnLst>
+                                </p:cTn>
+                              </p:par>
+                            </p:childTnLst>
+                          </p:cTn>
+                        </p:par>
+                      </p:childTnLst>
+                    </p:cTn>
+                  </p:par>
+                </p:childTnLst>
+              </p:cTn>
+              <p:prevCondLst>
+                <p:cond evt="onPrev" delay="0">
+                  <p:tgtEl>
+                    <p:sldTgt/>
+                  </p:tgtEl>
+                </p:cond>
+              </p:prevCondLst>
+              <p:nextCondLst>
+                <p:cond evt="onNext" delay="0">
+                  <p:tgtEl>
+                    <p:sldTgt/>
+                  </p:tgtEl>
+                </p:cond>
+              </p:nextCondLst>
+            </p:seq>
+          </p:childTnLst>
+        </p:cTn>
+      </p:par>
+    </p:tnLst>
+  </p:timing>
 </p:sld>
 </file>
 
@@ -26252,7 +26812,7 @@
         </p:nvSpPr>
         <p:spPr>
           <a:xfrm>
-            <a:off x="3776293" y="1843179"/>
+            <a:off x="2485373" y="1843179"/>
             <a:ext cx="1288008" cy="624253"/>
           </a:xfrm>
           <a:prstGeom prst="roundRect">
@@ -26293,7 +26853,7 @@
                 <a:latin typeface="Spoqa Han Sans Neo Bold" panose="020B0800000000000000" pitchFamily="34" charset="-127"/>
                 <a:ea typeface="Spoqa Han Sans Neo Bold" panose="020B0800000000000000" pitchFamily="34" charset="-127"/>
               </a:rPr>
-              <a:t>결제 서비스</a:t>
+              <a:t>결제</a:t>
             </a:r>
             <a:endParaRPr lang="en-US" altLang="ko-KR" sz="1200" b="1" dirty="0">
               <a:latin typeface="Spoqa Han Sans Neo Bold" panose="020B0800000000000000" pitchFamily="34" charset="-127"/>
@@ -26316,7 +26876,7 @@
         </p:nvSpPr>
         <p:spPr>
           <a:xfrm>
-            <a:off x="6365702" y="1843178"/>
+            <a:off x="6051937" y="1843178"/>
             <a:ext cx="1288009" cy="624253"/>
           </a:xfrm>
           <a:prstGeom prst="roundRect">
@@ -26376,7 +26936,7 @@
         </p:nvSpPr>
         <p:spPr>
           <a:xfrm>
-            <a:off x="1239642" y="1762858"/>
+            <a:off x="925877" y="1762858"/>
             <a:ext cx="975947" cy="775121"/>
           </a:xfrm>
           <a:prstGeom prst="can">
@@ -26458,7 +27018,7 @@
         </p:nvSpPr>
         <p:spPr>
           <a:xfrm>
-            <a:off x="3932322" y="3974005"/>
+            <a:off x="7287270" y="2880518"/>
             <a:ext cx="975947" cy="967272"/>
           </a:xfrm>
           <a:prstGeom prst="can">
@@ -26541,8 +27101,8 @@
         </p:nvCxnSpPr>
         <p:spPr>
           <a:xfrm flipV="1">
-            <a:off x="5064301" y="2155305"/>
-            <a:ext cx="1301401" cy="1"/>
+            <a:off x="3773381" y="2155305"/>
+            <a:ext cx="2278556" cy="1"/>
           </a:xfrm>
           <a:prstGeom prst="straightConnector1">
             <a:avLst/>
@@ -26590,8 +27150,8 @@
         </p:nvCxnSpPr>
         <p:spPr>
           <a:xfrm flipH="1" flipV="1">
-            <a:off x="2215589" y="2150419"/>
-            <a:ext cx="1560704" cy="4887"/>
+            <a:off x="1901824" y="2150419"/>
+            <a:ext cx="583549" cy="4887"/>
           </a:xfrm>
           <a:prstGeom prst="straightConnector1">
             <a:avLst/>
@@ -26633,16 +27193,16 @@
           <p:cNvCxnSpPr>
             <a:cxnSpLocks/>
             <a:stCxn id="9" idx="2"/>
-            <a:endCxn id="5" idx="0"/>
+            <a:endCxn id="5" idx="1"/>
           </p:cNvCxnSpPr>
           <p:nvPr/>
         </p:nvCxnSpPr>
         <p:spPr>
-          <a:xfrm>
-            <a:off x="4420297" y="2467432"/>
-            <a:ext cx="0" cy="475405"/>
+          <a:xfrm rot="16200000" flipH="1">
+            <a:off x="2846129" y="2750679"/>
+            <a:ext cx="896724" cy="330229"/>
           </a:xfrm>
-          <a:prstGeom prst="straightConnector1">
+          <a:prstGeom prst="bentConnector2">
             <a:avLst/>
           </a:prstGeom>
           <a:ln w="38100">
@@ -26684,7 +27244,7 @@
         </p:nvSpPr>
         <p:spPr>
           <a:xfrm>
-            <a:off x="3701653" y="2942837"/>
+            <a:off x="3459606" y="3086274"/>
             <a:ext cx="1437287" cy="555763"/>
           </a:xfrm>
           <a:prstGeom prst="flowChartMagneticDrum">
@@ -26750,8 +27310,191 @@
         </p:nvSpPr>
         <p:spPr>
           <a:xfrm>
-            <a:off x="5824967" y="3974005"/>
+            <a:off x="5571400" y="4051774"/>
             <a:ext cx="1288009" cy="624253"/>
+          </a:xfrm>
+          <a:prstGeom prst="roundRect">
+            <a:avLst/>
+          </a:prstGeom>
+          <a:solidFill>
+            <a:schemeClr val="bg1"/>
+          </a:solidFill>
+          <a:ln w="19050" cap="flat" cmpd="sng" algn="ctr">
+            <a:solidFill>
+              <a:schemeClr val="dk1"/>
+            </a:solidFill>
+            <a:prstDash val="dash"/>
+            <a:round/>
+            <a:headEnd type="none" w="med" len="med"/>
+            <a:tailEnd type="none" w="med" len="med"/>
+          </a:ln>
+        </p:spPr>
+        <p:style>
+          <a:lnRef idx="0">
+            <a:scrgbClr r="0" g="0" b="0"/>
+          </a:lnRef>
+          <a:fillRef idx="0">
+            <a:scrgbClr r="0" g="0" b="0"/>
+          </a:fillRef>
+          <a:effectRef idx="0">
+            <a:scrgbClr r="0" g="0" b="0"/>
+          </a:effectRef>
+          <a:fontRef idx="minor">
+            <a:schemeClr val="dk1"/>
+          </a:fontRef>
+        </p:style>
+        <p:txBody>
+          <a:bodyPr rtlCol="0" anchor="ctr"/>
+          <a:lstStyle/>
+          <a:p>
+            <a:pPr algn="ctr"/>
+            <a:r>
+              <a:rPr lang="en-US" altLang="ko-KR" sz="1200" b="1" dirty="0">
+                <a:solidFill>
+                  <a:schemeClr val="tx1">
+                    <a:lumMod val="50000"/>
+                    <a:lumOff val="50000"/>
+                  </a:schemeClr>
+                </a:solidFill>
+                <a:latin typeface="Spoqa Han Sans Neo Bold" panose="020B0800000000000000" pitchFamily="34" charset="-127"/>
+                <a:ea typeface="Spoqa Han Sans Neo Bold" panose="020B0800000000000000" pitchFamily="34" charset="-127"/>
+              </a:rPr>
+              <a:t>Another</a:t>
+            </a:r>
+          </a:p>
+          <a:p>
+            <a:pPr algn="ctr"/>
+            <a:r>
+              <a:rPr lang="en-US" altLang="ko-KR" sz="1200" b="1" dirty="0">
+                <a:solidFill>
+                  <a:schemeClr val="tx1">
+                    <a:lumMod val="50000"/>
+                    <a:lumOff val="50000"/>
+                  </a:schemeClr>
+                </a:solidFill>
+                <a:latin typeface="Spoqa Han Sans Neo Bold" panose="020B0800000000000000" pitchFamily="34" charset="-127"/>
+                <a:ea typeface="Spoqa Han Sans Neo Bold" panose="020B0800000000000000" pitchFamily="34" charset="-127"/>
+              </a:rPr>
+              <a:t>Consumer</a:t>
+            </a:r>
+          </a:p>
+        </p:txBody>
+      </p:sp>
+      <p:cxnSp>
+        <p:nvCxnSpPr>
+          <p:cNvPr id="23" name="직선 화살표 연결선 22">
+            <a:extLst>
+              <a:ext uri="{FF2B5EF4-FFF2-40B4-BE49-F238E27FC236}">
+                <a16:creationId xmlns:a16="http://schemas.microsoft.com/office/drawing/2014/main" id="{E0FF6C83-9330-2883-3150-2E2F75E8A9FE}"/>
+              </a:ext>
+            </a:extLst>
+          </p:cNvPr>
+          <p:cNvCxnSpPr>
+            <a:cxnSpLocks/>
+            <a:stCxn id="5" idx="4"/>
+            <a:endCxn id="22" idx="1"/>
+          </p:cNvCxnSpPr>
+          <p:nvPr/>
+        </p:nvCxnSpPr>
+        <p:spPr>
+          <a:xfrm>
+            <a:off x="4896893" y="3364156"/>
+            <a:ext cx="674507" cy="999745"/>
+          </a:xfrm>
+          <a:prstGeom prst="straightConnector1">
+            <a:avLst/>
+          </a:prstGeom>
+          <a:ln w="38100">
+            <a:solidFill>
+              <a:schemeClr val="tx1">
+                <a:lumMod val="50000"/>
+                <a:lumOff val="50000"/>
+              </a:schemeClr>
+            </a:solidFill>
+            <a:prstDash val="sysDot"/>
+            <a:tailEnd type="triangle"/>
+          </a:ln>
+        </p:spPr>
+        <p:style>
+          <a:lnRef idx="1">
+            <a:schemeClr val="accent1"/>
+          </a:lnRef>
+          <a:fillRef idx="0">
+            <a:schemeClr val="accent1"/>
+          </a:fillRef>
+          <a:effectRef idx="0">
+            <a:schemeClr val="accent1"/>
+          </a:effectRef>
+          <a:fontRef idx="minor">
+            <a:schemeClr val="tx1"/>
+          </a:fontRef>
+        </p:style>
+      </p:cxnSp>
+      <p:cxnSp>
+        <p:nvCxnSpPr>
+          <p:cNvPr id="12" name="직선 화살표 연결선 11">
+            <a:extLst>
+              <a:ext uri="{FF2B5EF4-FFF2-40B4-BE49-F238E27FC236}">
+                <a16:creationId xmlns:a16="http://schemas.microsoft.com/office/drawing/2014/main" id="{D170DA68-582D-74FC-9781-A3293BAF8B2A}"/>
+              </a:ext>
+            </a:extLst>
+          </p:cNvPr>
+          <p:cNvCxnSpPr>
+            <a:cxnSpLocks/>
+            <a:stCxn id="5" idx="4"/>
+            <a:endCxn id="11" idx="1"/>
+          </p:cNvCxnSpPr>
+          <p:nvPr/>
+        </p:nvCxnSpPr>
+        <p:spPr>
+          <a:xfrm flipV="1">
+            <a:off x="4896893" y="3364155"/>
+            <a:ext cx="674508" cy="1"/>
+          </a:xfrm>
+          <a:prstGeom prst="straightConnector1">
+            <a:avLst/>
+          </a:prstGeom>
+          <a:ln w="38100">
+            <a:solidFill>
+              <a:schemeClr val="tx1">
+                <a:lumMod val="50000"/>
+                <a:lumOff val="50000"/>
+              </a:schemeClr>
+            </a:solidFill>
+            <a:tailEnd type="triangle"/>
+          </a:ln>
+        </p:spPr>
+        <p:style>
+          <a:lnRef idx="1">
+            <a:schemeClr val="accent1"/>
+          </a:lnRef>
+          <a:fillRef idx="0">
+            <a:schemeClr val="accent1"/>
+          </a:fillRef>
+          <a:effectRef idx="0">
+            <a:schemeClr val="accent1"/>
+          </a:effectRef>
+          <a:fontRef idx="minor">
+            <a:schemeClr val="tx1"/>
+          </a:fontRef>
+        </p:style>
+      </p:cxnSp>
+      <p:sp>
+        <p:nvSpPr>
+          <p:cNvPr id="11" name="사각형: 둥근 모서리 10">
+            <a:extLst>
+              <a:ext uri="{FF2B5EF4-FFF2-40B4-BE49-F238E27FC236}">
+                <a16:creationId xmlns:a16="http://schemas.microsoft.com/office/drawing/2014/main" id="{719C0D8B-32F6-72DA-EFF5-37E69F41B9D7}"/>
+              </a:ext>
+            </a:extLst>
+          </p:cNvPr>
+          <p:cNvSpPr/>
+          <p:nvPr/>
+        </p:nvSpPr>
+        <p:spPr>
+          <a:xfrm>
+            <a:off x="5571401" y="3052028"/>
+            <a:ext cx="1288008" cy="624253"/>
           </a:xfrm>
           <a:prstGeom prst="roundRect">
             <a:avLst/>
@@ -26789,94 +27532,39 @@
           <a:p>
             <a:pPr algn="ctr"/>
             <a:r>
-              <a:rPr lang="en-US" altLang="ko-KR" sz="1200" b="1" dirty="0">
+              <a:rPr lang="ko-KR" altLang="en-US" sz="1200" b="1" dirty="0">
                 <a:latin typeface="Spoqa Han Sans Neo Bold" panose="020B0800000000000000" pitchFamily="34" charset="-127"/>
                 <a:ea typeface="Spoqa Han Sans Neo Bold" panose="020B0800000000000000" pitchFamily="34" charset="-127"/>
               </a:rPr>
-              <a:t>Another</a:t>
-            </a:r>
-          </a:p>
-          <a:p>
-            <a:pPr algn="ctr"/>
-            <a:r>
-              <a:rPr lang="en-US" altLang="ko-KR" sz="1200" b="1" dirty="0">
-                <a:latin typeface="Spoqa Han Sans Neo Bold" panose="020B0800000000000000" pitchFamily="34" charset="-127"/>
-                <a:ea typeface="Spoqa Han Sans Neo Bold" panose="020B0800000000000000" pitchFamily="34" charset="-127"/>
-              </a:rPr>
-              <a:t>Consumer</a:t>
-            </a:r>
+              <a:t>이력</a:t>
+            </a:r>
+            <a:endParaRPr lang="en-US" altLang="ko-KR" sz="1200" b="1" dirty="0">
+              <a:latin typeface="Spoqa Han Sans Neo Bold" panose="020B0800000000000000" pitchFamily="34" charset="-127"/>
+              <a:ea typeface="Spoqa Han Sans Neo Bold" panose="020B0800000000000000" pitchFamily="34" charset="-127"/>
+            </a:endParaRPr>
           </a:p>
         </p:txBody>
       </p:sp>
       <p:cxnSp>
         <p:nvCxnSpPr>
-          <p:cNvPr id="23" name="직선 화살표 연결선 22">
+          <p:cNvPr id="26" name="직선 화살표 연결선 25">
             <a:extLst>
               <a:ext uri="{FF2B5EF4-FFF2-40B4-BE49-F238E27FC236}">
-                <a16:creationId xmlns:a16="http://schemas.microsoft.com/office/drawing/2014/main" id="{E0FF6C83-9330-2883-3150-2E2F75E8A9FE}"/>
+                <a16:creationId xmlns:a16="http://schemas.microsoft.com/office/drawing/2014/main" id="{A09CE053-29CA-0A2A-D787-21C15E912EB5}"/>
               </a:ext>
             </a:extLst>
           </p:cNvPr>
           <p:cNvCxnSpPr>
             <a:cxnSpLocks/>
-            <a:stCxn id="5" idx="4"/>
-            <a:endCxn id="22" idx="0"/>
+            <a:stCxn id="11" idx="3"/>
+            <a:endCxn id="4" idx="2"/>
           </p:cNvCxnSpPr>
           <p:nvPr/>
         </p:nvCxnSpPr>
         <p:spPr>
-          <a:xfrm>
-            <a:off x="5138940" y="3220719"/>
-            <a:ext cx="1330032" cy="753286"/>
-          </a:xfrm>
-          <a:prstGeom prst="bentConnector2">
-            <a:avLst/>
-          </a:prstGeom>
-          <a:ln w="38100">
-            <a:solidFill>
-              <a:schemeClr val="tx1">
-                <a:lumMod val="50000"/>
-                <a:lumOff val="50000"/>
-              </a:schemeClr>
-            </a:solidFill>
-            <a:tailEnd type="triangle"/>
-          </a:ln>
-        </p:spPr>
-        <p:style>
-          <a:lnRef idx="1">
-            <a:schemeClr val="accent1"/>
-          </a:lnRef>
-          <a:fillRef idx="0">
-            <a:schemeClr val="accent1"/>
-          </a:fillRef>
-          <a:effectRef idx="0">
-            <a:schemeClr val="accent1"/>
-          </a:effectRef>
-          <a:fontRef idx="minor">
-            <a:schemeClr val="tx1"/>
-          </a:fontRef>
-        </p:style>
-      </p:cxnSp>
-      <p:cxnSp>
-        <p:nvCxnSpPr>
-          <p:cNvPr id="12" name="직선 화살표 연결선 11">
-            <a:extLst>
-              <a:ext uri="{FF2B5EF4-FFF2-40B4-BE49-F238E27FC236}">
-                <a16:creationId xmlns:a16="http://schemas.microsoft.com/office/drawing/2014/main" id="{D170DA68-582D-74FC-9781-A3293BAF8B2A}"/>
-              </a:ext>
-            </a:extLst>
-          </p:cNvPr>
-          <p:cNvCxnSpPr>
-            <a:cxnSpLocks/>
-            <a:stCxn id="5" idx="2"/>
-            <a:endCxn id="4" idx="1"/>
-          </p:cNvCxnSpPr>
-          <p:nvPr/>
-        </p:nvCxnSpPr>
-        <p:spPr>
-          <a:xfrm flipH="1">
-            <a:off x="4420296" y="3498600"/>
-            <a:ext cx="1" cy="475405"/>
+          <a:xfrm flipV="1">
+            <a:off x="6859409" y="3364154"/>
+            <a:ext cx="427861" cy="1"/>
           </a:xfrm>
           <a:prstGeom prst="straightConnector1">
             <a:avLst/>

--- a/99.ppt/[Ch4-8. 결제 서비스 기능확장.pptx
+++ b/99.ppt/[Ch4-8. 결제 서비스 기능확장.pptx
@@ -241,7 +241,7 @@
           <a:p>
             <a:fld id="{9B770909-2C76-4DF9-BB76-4EE283593418}" type="datetimeFigureOut">
               <a:rPr lang="ko-KR" altLang="en-US" smtClean="0"/>
-              <a:t>2023-11-01</a:t>
+              <a:t>2023-11-03</a:t>
             </a:fld>
             <a:endParaRPr lang="ko-KR" altLang="en-US"/>
           </a:p>
@@ -7775,7 +7775,7 @@
             </a:r>
             <a:r>
               <a:rPr lang="ko-KR" altLang="en-US" dirty="0"/>
-              <a:t>기존 결제 서비스의 주문이력 조회성능을 개선해 보도록 하겠습니다</a:t>
+              <a:t>기존 결제 서비스의 주문이력 조회성능 개선을 구현해 보도록 하겠습니다</a:t>
             </a:r>
             <a:r>
               <a:rPr lang="en-US" altLang="ko-KR" dirty="0"/>
